--- a/Alifanov.ITLeadersCourse/Automated framework with C#.pptx
+++ b/Alifanov.ITLeadersCourse/Automated framework with C#.pptx
@@ -17881,7 +17881,15 @@
             </a:r>
             <a:r>
               <a:rPr lang="en-US" dirty="0" smtClean="0"/>
-              <a:t> push – Push all local commits to remote repository</a:t>
+              <a:t> </a:t>
+            </a:r>
+            <a:r>
+              <a:rPr lang="en-US" dirty="0" smtClean="0"/>
+              <a:t>push origin (+)HEAD </a:t>
+            </a:r>
+            <a:r>
+              <a:rPr lang="en-US" dirty="0" smtClean="0"/>
+              <a:t>– Push all local commits to remote repository</a:t>
             </a:r>
           </a:p>
           <a:p>

--- a/Alifanov.ITLeadersCourse/Automated framework with C#.pptx
+++ b/Alifanov.ITLeadersCourse/Automated framework with C#.pptx
@@ -5,7 +5,7 @@
     <p:sldMasterId id="2147483648" r:id="rId1"/>
   </p:sldMasterIdLst>
   <p:notesMasterIdLst>
-    <p:notesMasterId r:id="rId17"/>
+    <p:notesMasterId r:id="rId21"/>
   </p:notesMasterIdLst>
   <p:sldIdLst>
     <p:sldId id="256" r:id="rId2"/>
@@ -22,7 +22,11 @@
     <p:sldId id="263" r:id="rId13"/>
     <p:sldId id="281" r:id="rId14"/>
     <p:sldId id="264" r:id="rId15"/>
-    <p:sldId id="294" r:id="rId16"/>
+    <p:sldId id="282" r:id="rId16"/>
+    <p:sldId id="266" r:id="rId17"/>
+    <p:sldId id="269" r:id="rId18"/>
+    <p:sldId id="295" r:id="rId19"/>
+    <p:sldId id="294" r:id="rId20"/>
   </p:sldIdLst>
   <p:sldSz cx="12192000" cy="6858000"/>
   <p:notesSz cx="6858000" cy="9144000"/>
@@ -223,7 +227,7 @@
           <a:p>
             <a:fld id="{04BB28D0-A67A-445A-845D-15D23A1D5A30}" type="datetimeFigureOut">
               <a:rPr lang="en-US" smtClean="0"/>
-              <a:t>9/27/2021</a:t>
+              <a:t>9/30/2021</a:t>
             </a:fld>
             <a:endParaRPr lang="en-US"/>
           </a:p>
@@ -955,6 +959,456 @@
             <a:fld id="{72322572-43F4-4B03-89EA-3E2E4F93C9D1}" type="slidenum">
               <a:rPr lang="en-US" smtClean="0"/>
               <a:t>15</a:t>
+            </a:fld>
+            <a:endParaRPr lang="en-US"/>
+          </a:p>
+        </p:txBody>
+      </p:sp>
+    </p:spTree>
+    <p:extLst>
+      <p:ext uri="{BB962C8B-B14F-4D97-AF65-F5344CB8AC3E}">
+        <p14:creationId xmlns:p14="http://schemas.microsoft.com/office/powerpoint/2010/main" val="677723011"/>
+      </p:ext>
+    </p:extLst>
+  </p:cSld>
+  <p:clrMapOvr>
+    <a:masterClrMapping/>
+  </p:clrMapOvr>
+</p:notes>
+</file>
+
+<file path=ppt/notesSlides/notesSlide14.xml><?xml version="1.0" encoding="utf-8"?>
+<p:notes xmlns:a="http://schemas.openxmlformats.org/drawingml/2006/main" xmlns:r="http://schemas.openxmlformats.org/officeDocument/2006/relationships" xmlns:p="http://schemas.openxmlformats.org/presentationml/2006/main">
+  <p:cSld>
+    <p:spTree>
+      <p:nvGrpSpPr>
+        <p:cNvPr id="1" name=""/>
+        <p:cNvGrpSpPr/>
+        <p:nvPr/>
+      </p:nvGrpSpPr>
+      <p:grpSpPr>
+        <a:xfrm>
+          <a:off x="0" y="0"/>
+          <a:ext cx="0" cy="0"/>
+          <a:chOff x="0" y="0"/>
+          <a:chExt cx="0" cy="0"/>
+        </a:xfrm>
+      </p:grpSpPr>
+      <p:sp>
+        <p:nvSpPr>
+          <p:cNvPr id="2" name="Образ слайда 1"/>
+          <p:cNvSpPr>
+            <a:spLocks noGrp="1" noRot="1" noChangeAspect="1"/>
+          </p:cNvSpPr>
+          <p:nvPr>
+            <p:ph type="sldImg"/>
+          </p:nvPr>
+        </p:nvSpPr>
+        <p:spPr/>
+      </p:sp>
+      <p:sp>
+        <p:nvSpPr>
+          <p:cNvPr id="3" name="Заметки 2"/>
+          <p:cNvSpPr>
+            <a:spLocks noGrp="1"/>
+          </p:cNvSpPr>
+          <p:nvPr>
+            <p:ph type="body" idx="1"/>
+          </p:nvPr>
+        </p:nvSpPr>
+        <p:spPr/>
+        <p:txBody>
+          <a:bodyPr/>
+          <a:lstStyle/>
+          <a:p>
+            <a:r>
+              <a:rPr lang="en-US" dirty="0" smtClean="0"/>
+              <a:t>Lesson</a:t>
+            </a:r>
+            <a:r>
+              <a:rPr lang="en-US" baseline="0" dirty="0" smtClean="0"/>
+              <a:t> 2.</a:t>
+            </a:r>
+          </a:p>
+          <a:p>
+            <a:pPr marL="228600" indent="-228600">
+              <a:buAutoNum type="arabicPeriod"/>
+            </a:pPr>
+            <a:r>
+              <a:rPr lang="en-US" baseline="0" dirty="0" smtClean="0"/>
+              <a:t>Implement Input logic</a:t>
+            </a:r>
+          </a:p>
+          <a:p>
+            <a:pPr marL="228600" indent="-228600">
+              <a:buAutoNum type="arabicPeriod"/>
+            </a:pPr>
+            <a:r>
+              <a:rPr lang="en-US" baseline="0" dirty="0" smtClean="0"/>
+              <a:t>Homework questions and answers</a:t>
+            </a:r>
+          </a:p>
+          <a:p>
+            <a:pPr marL="228600" indent="-228600">
+              <a:buAutoNum type="arabicPeriod"/>
+            </a:pPr>
+            <a:r>
+              <a:rPr lang="en-US" baseline="0" dirty="0" smtClean="0"/>
+              <a:t>!!! Pull remote main branch (explain if we create a branch now then new branch will be without all changes made in preceding lesson)</a:t>
+            </a:r>
+          </a:p>
+          <a:p>
+            <a:pPr marL="228600" indent="-228600">
+              <a:buAutoNum type="arabicPeriod"/>
+            </a:pPr>
+            <a:r>
+              <a:rPr lang="en-US" baseline="0" dirty="0" smtClean="0"/>
+              <a:t>Create new branch</a:t>
+            </a:r>
+          </a:p>
+          <a:p>
+            <a:pPr marL="228600" indent="-228600">
+              <a:buAutoNum type="arabicPeriod"/>
+            </a:pPr>
+            <a:endParaRPr lang="en-US" baseline="0" dirty="0" smtClean="0"/>
+          </a:p>
+          <a:p>
+            <a:pPr marL="228600" indent="-228600">
+              <a:buAutoNum type="arabicPeriod"/>
+            </a:pPr>
+            <a:endParaRPr lang="en-US" dirty="0" smtClean="0"/>
+          </a:p>
+        </p:txBody>
+      </p:sp>
+      <p:sp>
+        <p:nvSpPr>
+          <p:cNvPr id="4" name="Номер слайда 3"/>
+          <p:cNvSpPr>
+            <a:spLocks noGrp="1"/>
+          </p:cNvSpPr>
+          <p:nvPr>
+            <p:ph type="sldNum" sz="quarter" idx="10"/>
+          </p:nvPr>
+        </p:nvSpPr>
+        <p:spPr/>
+        <p:txBody>
+          <a:bodyPr/>
+          <a:lstStyle/>
+          <a:p>
+            <a:fld id="{72322572-43F4-4B03-89EA-3E2E4F93C9D1}" type="slidenum">
+              <a:rPr lang="en-US" smtClean="0"/>
+              <a:t>16</a:t>
+            </a:fld>
+            <a:endParaRPr lang="en-US"/>
+          </a:p>
+        </p:txBody>
+      </p:sp>
+    </p:spTree>
+    <p:extLst>
+      <p:ext uri="{BB962C8B-B14F-4D97-AF65-F5344CB8AC3E}">
+        <p14:creationId xmlns:p14="http://schemas.microsoft.com/office/powerpoint/2010/main" val="831893405"/>
+      </p:ext>
+    </p:extLst>
+  </p:cSld>
+  <p:clrMapOvr>
+    <a:masterClrMapping/>
+  </p:clrMapOvr>
+</p:notes>
+</file>
+
+<file path=ppt/notesSlides/notesSlide15.xml><?xml version="1.0" encoding="utf-8"?>
+<p:notes xmlns:a="http://schemas.openxmlformats.org/drawingml/2006/main" xmlns:r="http://schemas.openxmlformats.org/officeDocument/2006/relationships" xmlns:p="http://schemas.openxmlformats.org/presentationml/2006/main">
+  <p:cSld>
+    <p:spTree>
+      <p:nvGrpSpPr>
+        <p:cNvPr id="1" name=""/>
+        <p:cNvGrpSpPr/>
+        <p:nvPr/>
+      </p:nvGrpSpPr>
+      <p:grpSpPr>
+        <a:xfrm>
+          <a:off x="0" y="0"/>
+          <a:ext cx="0" cy="0"/>
+          <a:chOff x="0" y="0"/>
+          <a:chExt cx="0" cy="0"/>
+        </a:xfrm>
+      </p:grpSpPr>
+      <p:sp>
+        <p:nvSpPr>
+          <p:cNvPr id="2" name="Образ слайда 1"/>
+          <p:cNvSpPr>
+            <a:spLocks noGrp="1" noRot="1" noChangeAspect="1"/>
+          </p:cNvSpPr>
+          <p:nvPr>
+            <p:ph type="sldImg"/>
+          </p:nvPr>
+        </p:nvSpPr>
+        <p:spPr/>
+      </p:sp>
+      <p:sp>
+        <p:nvSpPr>
+          <p:cNvPr id="3" name="Заметки 2"/>
+          <p:cNvSpPr>
+            <a:spLocks noGrp="1"/>
+          </p:cNvSpPr>
+          <p:nvPr>
+            <p:ph type="body" idx="1"/>
+          </p:nvPr>
+        </p:nvSpPr>
+        <p:spPr/>
+        <p:txBody>
+          <a:bodyPr/>
+          <a:lstStyle/>
+          <a:p>
+            <a:pPr marL="228600" indent="-228600">
+              <a:buAutoNum type="arabicPeriod"/>
+            </a:pPr>
+            <a:r>
+              <a:rPr lang="en-US" dirty="0" smtClean="0"/>
+              <a:t>Make</a:t>
+            </a:r>
+            <a:r>
+              <a:rPr lang="en-US" baseline="0" dirty="0" smtClean="0"/>
+              <a:t> a commit</a:t>
+            </a:r>
+          </a:p>
+          <a:p>
+            <a:pPr marL="228600" indent="-228600">
+              <a:buAutoNum type="arabicPeriod"/>
+            </a:pPr>
+            <a:r>
+              <a:rPr lang="en-US" baseline="0" dirty="0" smtClean="0"/>
+              <a:t>Push the commit</a:t>
+            </a:r>
+          </a:p>
+          <a:p>
+            <a:pPr marL="228600" indent="-228600">
+              <a:buAutoNum type="arabicPeriod"/>
+            </a:pPr>
+            <a:r>
+              <a:rPr lang="en-US" baseline="0" dirty="0" smtClean="0"/>
+              <a:t>Make a PR and approve it</a:t>
+            </a:r>
+          </a:p>
+          <a:p>
+            <a:pPr marL="228600" indent="-228600">
+              <a:buAutoNum type="arabicPeriod"/>
+            </a:pPr>
+            <a:r>
+              <a:rPr lang="en-US" baseline="0" dirty="0" smtClean="0"/>
+              <a:t>Give homework</a:t>
+            </a:r>
+          </a:p>
+          <a:p>
+            <a:pPr marL="228600" indent="-228600">
+              <a:buAutoNum type="arabicPeriod"/>
+            </a:pPr>
+            <a:endParaRPr lang="en-US" baseline="0" dirty="0" smtClean="0"/>
+          </a:p>
+          <a:p>
+            <a:pPr marL="0" indent="0">
+              <a:buNone/>
+            </a:pPr>
+            <a:r>
+              <a:rPr lang="en-US" baseline="0" dirty="0" smtClean="0"/>
+              <a:t>End Lesson 2.</a:t>
+            </a:r>
+          </a:p>
+        </p:txBody>
+      </p:sp>
+      <p:sp>
+        <p:nvSpPr>
+          <p:cNvPr id="4" name="Номер слайда 3"/>
+          <p:cNvSpPr>
+            <a:spLocks noGrp="1"/>
+          </p:cNvSpPr>
+          <p:nvPr>
+            <p:ph type="sldNum" sz="quarter" idx="10"/>
+          </p:nvPr>
+        </p:nvSpPr>
+        <p:spPr/>
+        <p:txBody>
+          <a:bodyPr/>
+          <a:lstStyle/>
+          <a:p>
+            <a:fld id="{72322572-43F4-4B03-89EA-3E2E4F93C9D1}" type="slidenum">
+              <a:rPr lang="en-US" smtClean="0"/>
+              <a:t>17</a:t>
+            </a:fld>
+            <a:endParaRPr lang="en-US"/>
+          </a:p>
+        </p:txBody>
+      </p:sp>
+    </p:spTree>
+    <p:extLst>
+      <p:ext uri="{BB962C8B-B14F-4D97-AF65-F5344CB8AC3E}">
+        <p14:creationId xmlns:p14="http://schemas.microsoft.com/office/powerpoint/2010/main" val="959647651"/>
+      </p:ext>
+    </p:extLst>
+  </p:cSld>
+  <p:clrMapOvr>
+    <a:masterClrMapping/>
+  </p:clrMapOvr>
+</p:notes>
+</file>
+
+<file path=ppt/notesSlides/notesSlide16.xml><?xml version="1.0" encoding="utf-8"?>
+<p:notes xmlns:a="http://schemas.openxmlformats.org/drawingml/2006/main" xmlns:r="http://schemas.openxmlformats.org/officeDocument/2006/relationships" xmlns:p="http://schemas.openxmlformats.org/presentationml/2006/main">
+  <p:cSld>
+    <p:spTree>
+      <p:nvGrpSpPr>
+        <p:cNvPr id="1" name=""/>
+        <p:cNvGrpSpPr/>
+        <p:nvPr/>
+      </p:nvGrpSpPr>
+      <p:grpSpPr>
+        <a:xfrm>
+          <a:off x="0" y="0"/>
+          <a:ext cx="0" cy="0"/>
+          <a:chOff x="0" y="0"/>
+          <a:chExt cx="0" cy="0"/>
+        </a:xfrm>
+      </p:grpSpPr>
+      <p:sp>
+        <p:nvSpPr>
+          <p:cNvPr id="2" name="Образ слайда 1"/>
+          <p:cNvSpPr>
+            <a:spLocks noGrp="1" noRot="1" noChangeAspect="1"/>
+          </p:cNvSpPr>
+          <p:nvPr>
+            <p:ph type="sldImg"/>
+          </p:nvPr>
+        </p:nvSpPr>
+        <p:spPr/>
+      </p:sp>
+      <p:sp>
+        <p:nvSpPr>
+          <p:cNvPr id="3" name="Заметки 2"/>
+          <p:cNvSpPr>
+            <a:spLocks noGrp="1"/>
+          </p:cNvSpPr>
+          <p:nvPr>
+            <p:ph type="body" idx="1"/>
+          </p:nvPr>
+        </p:nvSpPr>
+        <p:spPr/>
+        <p:txBody>
+          <a:bodyPr/>
+          <a:lstStyle/>
+          <a:p>
+            <a:pPr marL="0" indent="0">
+              <a:buNone/>
+            </a:pPr>
+            <a:endParaRPr lang="en-US" baseline="0" dirty="0" smtClean="0"/>
+          </a:p>
+        </p:txBody>
+      </p:sp>
+      <p:sp>
+        <p:nvSpPr>
+          <p:cNvPr id="4" name="Номер слайда 3"/>
+          <p:cNvSpPr>
+            <a:spLocks noGrp="1"/>
+          </p:cNvSpPr>
+          <p:nvPr>
+            <p:ph type="sldNum" sz="quarter" idx="10"/>
+          </p:nvPr>
+        </p:nvSpPr>
+        <p:spPr/>
+        <p:txBody>
+          <a:bodyPr/>
+          <a:lstStyle/>
+          <a:p>
+            <a:fld id="{72322572-43F4-4B03-89EA-3E2E4F93C9D1}" type="slidenum">
+              <a:rPr lang="en-US" smtClean="0"/>
+              <a:t>18</a:t>
+            </a:fld>
+            <a:endParaRPr lang="en-US"/>
+          </a:p>
+        </p:txBody>
+      </p:sp>
+    </p:spTree>
+    <p:extLst>
+      <p:ext uri="{BB962C8B-B14F-4D97-AF65-F5344CB8AC3E}">
+        <p14:creationId xmlns:p14="http://schemas.microsoft.com/office/powerpoint/2010/main" val="489106304"/>
+      </p:ext>
+    </p:extLst>
+  </p:cSld>
+  <p:clrMapOvr>
+    <a:masterClrMapping/>
+  </p:clrMapOvr>
+</p:notes>
+</file>
+
+<file path=ppt/notesSlides/notesSlide17.xml><?xml version="1.0" encoding="utf-8"?>
+<p:notes xmlns:a="http://schemas.openxmlformats.org/drawingml/2006/main" xmlns:r="http://schemas.openxmlformats.org/officeDocument/2006/relationships" xmlns:p="http://schemas.openxmlformats.org/presentationml/2006/main">
+  <p:cSld>
+    <p:spTree>
+      <p:nvGrpSpPr>
+        <p:cNvPr id="1" name=""/>
+        <p:cNvGrpSpPr/>
+        <p:nvPr/>
+      </p:nvGrpSpPr>
+      <p:grpSpPr>
+        <a:xfrm>
+          <a:off x="0" y="0"/>
+          <a:ext cx="0" cy="0"/>
+          <a:chOff x="0" y="0"/>
+          <a:chExt cx="0" cy="0"/>
+        </a:xfrm>
+      </p:grpSpPr>
+      <p:sp>
+        <p:nvSpPr>
+          <p:cNvPr id="2" name="Образ слайда 1"/>
+          <p:cNvSpPr>
+            <a:spLocks noGrp="1" noRot="1" noChangeAspect="1"/>
+          </p:cNvSpPr>
+          <p:nvPr>
+            <p:ph type="sldImg"/>
+          </p:nvPr>
+        </p:nvSpPr>
+        <p:spPr/>
+      </p:sp>
+      <p:sp>
+        <p:nvSpPr>
+          <p:cNvPr id="3" name="Заметки 2"/>
+          <p:cNvSpPr>
+            <a:spLocks noGrp="1"/>
+          </p:cNvSpPr>
+          <p:nvPr>
+            <p:ph type="body" idx="1"/>
+          </p:nvPr>
+        </p:nvSpPr>
+        <p:spPr/>
+        <p:txBody>
+          <a:bodyPr/>
+          <a:lstStyle/>
+          <a:p>
+            <a:pPr marL="0" indent="0">
+              <a:buFont typeface="+mj-lt"/>
+              <a:buNone/>
+            </a:pPr>
+            <a:endParaRPr lang="en-US" dirty="0" smtClean="0"/>
+          </a:p>
+        </p:txBody>
+      </p:sp>
+      <p:sp>
+        <p:nvSpPr>
+          <p:cNvPr id="4" name="Номер слайда 3"/>
+          <p:cNvSpPr>
+            <a:spLocks noGrp="1"/>
+          </p:cNvSpPr>
+          <p:nvPr>
+            <p:ph type="sldNum" sz="quarter" idx="10"/>
+          </p:nvPr>
+        </p:nvSpPr>
+        <p:spPr/>
+        <p:txBody>
+          <a:bodyPr/>
+          <a:lstStyle/>
+          <a:p>
+            <a:fld id="{72322572-43F4-4B03-89EA-3E2E4F93C9D1}" type="slidenum">
+              <a:rPr lang="en-US" smtClean="0"/>
+              <a:t>19</a:t>
             </a:fld>
             <a:endParaRPr lang="en-US"/>
           </a:p>
@@ -2613,7 +3067,7 @@
           <a:p>
             <a:fld id="{6E0645D3-1BEA-4FA9-AB54-C0B0A8D021AD}" type="datetime3">
               <a:rPr lang="en-US" smtClean="0"/>
-              <a:t>27 September 2021</a:t>
+              <a:t>30 September 2021</a:t>
             </a:fld>
             <a:endParaRPr lang="en-US" dirty="0"/>
           </a:p>
@@ -2864,7 +3318,7 @@
           <a:p>
             <a:fld id="{40AD50CD-C363-44DD-AE5B-203C5D40B13B}" type="datetime3">
               <a:rPr lang="en-US" smtClean="0"/>
-              <a:t>27 September 2021</a:t>
+              <a:t>30 September 2021</a:t>
             </a:fld>
             <a:endParaRPr lang="en-US" dirty="0"/>
           </a:p>
@@ -3178,7 +3632,7 @@
           <a:p>
             <a:fld id="{E7409F44-56A9-4002-AEB5-86A43D19CA2F}" type="datetime3">
               <a:rPr lang="en-US" smtClean="0"/>
-              <a:t>27 September 2021</a:t>
+              <a:t>30 September 2021</a:t>
             </a:fld>
             <a:endParaRPr lang="en-US" dirty="0"/>
           </a:p>
@@ -3511,7 +3965,7 @@
           <a:p>
             <a:fld id="{FFD852B1-13FD-4F6A-80A3-877B1622CBE7}" type="datetime3">
               <a:rPr lang="en-US" smtClean="0"/>
-              <a:t>27 September 2021</a:t>
+              <a:t>30 September 2021</a:t>
             </a:fld>
             <a:endParaRPr lang="en-US" dirty="0"/>
           </a:p>
@@ -3825,7 +4279,7 @@
           <a:p>
             <a:fld id="{43C90565-36C7-4CB4-BE45-1F37694E5E2A}" type="datetime3">
               <a:rPr lang="en-US" smtClean="0"/>
-              <a:t>27 September 2021</a:t>
+              <a:t>30 September 2021</a:t>
             </a:fld>
             <a:endParaRPr lang="en-US" dirty="0"/>
           </a:p>
@@ -4218,7 +4672,7 @@
           <a:p>
             <a:fld id="{D8422CB0-85AD-4000-A60E-F3ADFE1EC577}" type="datetime3">
               <a:rPr lang="en-US" smtClean="0"/>
-              <a:t>27 September 2021</a:t>
+              <a:t>30 September 2021</a:t>
             </a:fld>
             <a:endParaRPr lang="en-US" dirty="0"/>
           </a:p>
@@ -4388,7 +4842,7 @@
           <a:p>
             <a:fld id="{CCF8BAE4-1F19-418E-A8BB-79A48576D4EA}" type="datetime3">
               <a:rPr lang="en-US" smtClean="0"/>
-              <a:t>27 September 2021</a:t>
+              <a:t>30 September 2021</a:t>
             </a:fld>
             <a:endParaRPr lang="en-US" dirty="0"/>
           </a:p>
@@ -4567,7 +5021,7 @@
           <a:p>
             <a:fld id="{6C6EA9DF-4A8F-413F-8F6A-5AF9146BD61F}" type="datetime3">
               <a:rPr lang="en-US" smtClean="0"/>
-              <a:t>27 September 2021</a:t>
+              <a:t>30 September 2021</a:t>
             </a:fld>
             <a:endParaRPr lang="en-US" dirty="0"/>
           </a:p>
@@ -4737,7 +5191,7 @@
           <a:p>
             <a:fld id="{939306D3-16AC-481B-963B-74A1D01AC013}" type="datetime3">
               <a:rPr lang="en-US" smtClean="0"/>
-              <a:t>27 September 2021</a:t>
+              <a:t>30 September 2021</a:t>
             </a:fld>
             <a:endParaRPr lang="en-US" dirty="0"/>
           </a:p>
@@ -4983,7 +5437,7 @@
           <a:p>
             <a:fld id="{53B23675-A097-482E-93D9-DCDB34B0BA89}" type="datetime3">
               <a:rPr lang="en-US" smtClean="0"/>
-              <a:t>27 September 2021</a:t>
+              <a:t>30 September 2021</a:t>
             </a:fld>
             <a:endParaRPr lang="en-US" dirty="0"/>
           </a:p>
@@ -5215,7 +5669,7 @@
           <a:p>
             <a:fld id="{A3FD861C-0A67-4424-8F42-13A5AB039027}" type="datetime3">
               <a:rPr lang="en-US" smtClean="0"/>
-              <a:t>27 September 2021</a:t>
+              <a:t>30 September 2021</a:t>
             </a:fld>
             <a:endParaRPr lang="en-US" dirty="0"/>
           </a:p>
@@ -5588,7 +6042,7 @@
           <a:p>
             <a:fld id="{F48DCAEC-E29B-4D93-9DB9-AB8D1FE2D702}" type="datetime3">
               <a:rPr lang="en-US" smtClean="0"/>
-              <a:t>27 September 2021</a:t>
+              <a:t>30 September 2021</a:t>
             </a:fld>
             <a:endParaRPr lang="en-US" dirty="0"/>
           </a:p>
@@ -5711,7 +6165,7 @@
           <a:p>
             <a:fld id="{4C5CA901-B02A-4F2D-AC74-8ADE57E73DF4}" type="datetime3">
               <a:rPr lang="en-US" smtClean="0"/>
-              <a:t>27 September 2021</a:t>
+              <a:t>30 September 2021</a:t>
             </a:fld>
             <a:endParaRPr lang="en-US" dirty="0"/>
           </a:p>
@@ -5806,7 +6260,7 @@
           <a:p>
             <a:fld id="{D3480550-6EF3-49B0-AB5E-50034F2FFB28}" type="datetime3">
               <a:rPr lang="en-US" smtClean="0"/>
-              <a:t>27 September 2021</a:t>
+              <a:t>30 September 2021</a:t>
             </a:fld>
             <a:endParaRPr lang="en-US" dirty="0"/>
           </a:p>
@@ -6061,7 +6515,7 @@
           <a:p>
             <a:fld id="{47BAD964-252D-4C66-9406-7BE94E3F181D}" type="datetime3">
               <a:rPr lang="en-US" smtClean="0"/>
-              <a:t>27 September 2021</a:t>
+              <a:t>30 September 2021</a:t>
             </a:fld>
             <a:endParaRPr lang="en-US" dirty="0"/>
           </a:p>
@@ -6370,7 +6824,7 @@
           <a:p>
             <a:fld id="{67FF22B2-7B0E-40DF-9E30-4862C672A073}" type="datetime3">
               <a:rPr lang="en-US" smtClean="0"/>
-              <a:t>27 September 2021</a:t>
+              <a:t>30 September 2021</a:t>
             </a:fld>
             <a:endParaRPr lang="en-US" dirty="0"/>
           </a:p>
@@ -7067,7 +7521,7 @@
           <a:p>
             <a:fld id="{3CFD582D-0E09-44AB-BB3E-4722821CEBEA}" type="datetime3">
               <a:rPr lang="en-US" smtClean="0"/>
-              <a:t>27 September 2021</a:t>
+              <a:t>30 September 2021</a:t>
             </a:fld>
             <a:endParaRPr lang="en-US" dirty="0"/>
           </a:p>
@@ -7696,7 +8150,7 @@
           <a:p>
             <a:fld id="{E3705B4D-1726-4BAB-A90E-07379DAEAD37}" type="datetime3">
               <a:rPr lang="en-US" sz="1100" smtClean="0"/>
-              <a:t>27 September 2021</a:t>
+              <a:t>30 September 2021</a:t>
             </a:fld>
             <a:endParaRPr lang="en-US" sz="1100" dirty="0"/>
           </a:p>
@@ -8965,7 +9419,7 @@
           <a:p>
             <a:fld id="{939306D3-16AC-481B-963B-74A1D01AC013}" type="datetime3">
               <a:rPr lang="en-US" sz="1100" smtClean="0"/>
-              <a:t>27 September 2021</a:t>
+              <a:t>30 September 2021</a:t>
             </a:fld>
             <a:endParaRPr lang="en-US" sz="1100" dirty="0"/>
           </a:p>
@@ -9557,7 +10011,7 @@
           <a:p>
             <a:fld id="{939306D3-16AC-481B-963B-74A1D01AC013}" type="datetime3">
               <a:rPr lang="en-US" sz="1100" smtClean="0"/>
-              <a:t>27 September 2021</a:t>
+              <a:t>30 September 2021</a:t>
             </a:fld>
             <a:endParaRPr lang="en-US" sz="1100" dirty="0"/>
           </a:p>
@@ -10825,7 +11279,7 @@
           <a:p>
             <a:fld id="{E3705B4D-1726-4BAB-A90E-07379DAEAD37}" type="datetime3">
               <a:rPr lang="en-US" sz="1100" smtClean="0"/>
-              <a:t>27 September 2021</a:t>
+              <a:t>30 September 2021</a:t>
             </a:fld>
             <a:endParaRPr lang="en-US" sz="1100" dirty="0"/>
           </a:p>
@@ -11534,7 +11988,7 @@
           <a:p>
             <a:fld id="{939306D3-16AC-481B-963B-74A1D01AC013}" type="datetime3">
               <a:rPr lang="en-US" sz="1100" smtClean="0"/>
-              <a:t>27 September 2021</a:t>
+              <a:t>30 September 2021</a:t>
             </a:fld>
             <a:endParaRPr lang="en-US" sz="1100" dirty="0"/>
           </a:p>
@@ -12156,7 +12610,7 @@
           <a:p>
             <a:fld id="{E3705B4D-1726-4BAB-A90E-07379DAEAD37}" type="datetime3">
               <a:rPr lang="en-US" sz="1100" smtClean="0"/>
-              <a:t>27 September 2021</a:t>
+              <a:t>30 September 2021</a:t>
             </a:fld>
             <a:endParaRPr lang="en-US" sz="1100" dirty="0"/>
           </a:p>
@@ -12213,6 +12667,2766 @@
             <a:fld id="{519954A3-9DFD-4C44-94BA-B95130A3BA1C}" type="slidenum">
               <a:rPr lang="en-US" sz="1100" smtClean="0"/>
               <a:t>15</a:t>
+            </a:fld>
+            <a:endParaRPr lang="en-US" sz="1100" dirty="0"/>
+          </a:p>
+        </p:txBody>
+      </p:sp>
+      <p:sp>
+        <p:nvSpPr>
+          <p:cNvPr id="8" name="Заголовок 7"/>
+          <p:cNvSpPr>
+            <a:spLocks noGrp="1"/>
+          </p:cNvSpPr>
+          <p:nvPr>
+            <p:ph type="title"/>
+          </p:nvPr>
+        </p:nvSpPr>
+        <p:spPr>
+          <a:xfrm>
+            <a:off x="0" y="0"/>
+            <a:ext cx="12192000" cy="6858000"/>
+          </a:xfrm>
+          <a:solidFill>
+            <a:schemeClr val="accent2">
+              <a:lumMod val="75000"/>
+            </a:schemeClr>
+          </a:solidFill>
+        </p:spPr>
+        <p:txBody>
+          <a:bodyPr/>
+          <a:lstStyle/>
+          <a:p>
+            <a:r>
+              <a:rPr lang="en-US" dirty="0" smtClean="0"/>
+              <a:t/>
+            </a:r>
+            <a:br>
+              <a:rPr lang="en-US" dirty="0" smtClean="0"/>
+            </a:br>
+            <a:r>
+              <a:rPr lang="en-US" dirty="0"/>
+              <a:t/>
+            </a:r>
+            <a:br>
+              <a:rPr lang="en-US" dirty="0"/>
+            </a:br>
+            <a:r>
+              <a:rPr lang="en-US" dirty="0" smtClean="0"/>
+              <a:t/>
+            </a:r>
+            <a:br>
+              <a:rPr lang="en-US" dirty="0" smtClean="0"/>
+            </a:br>
+            <a:r>
+              <a:rPr lang="en-US" dirty="0"/>
+              <a:t/>
+            </a:r>
+            <a:br>
+              <a:rPr lang="en-US" dirty="0"/>
+            </a:br>
+            <a:r>
+              <a:rPr lang="en-US" dirty="0" smtClean="0"/>
+              <a:t/>
+            </a:r>
+            <a:br>
+              <a:rPr lang="en-US" dirty="0" smtClean="0"/>
+            </a:br>
+            <a:r>
+              <a:rPr lang="en-US" dirty="0"/>
+              <a:t/>
+            </a:r>
+            <a:br>
+              <a:rPr lang="en-US" dirty="0"/>
+            </a:br>
+            <a:r>
+              <a:rPr lang="en-US" dirty="0" smtClean="0"/>
+              <a:t/>
+            </a:r>
+            <a:br>
+              <a:rPr lang="en-US" dirty="0" smtClean="0"/>
+            </a:br>
+            <a:r>
+              <a:rPr lang="en-US" dirty="0"/>
+              <a:t/>
+            </a:r>
+            <a:br>
+              <a:rPr lang="en-US" dirty="0"/>
+            </a:br>
+            <a:r>
+              <a:rPr lang="en-US" dirty="0" smtClean="0"/>
+              <a:t>		</a:t>
+            </a:r>
+            <a:r>
+              <a:rPr lang="en-US" sz="6600" dirty="0" smtClean="0">
+                <a:solidFill>
+                  <a:schemeClr val="bg1"/>
+                </a:solidFill>
+              </a:rPr>
+              <a:t>C# basics</a:t>
+            </a:r>
+            <a:br>
+              <a:rPr lang="en-US" sz="6600" dirty="0" smtClean="0">
+                <a:solidFill>
+                  <a:schemeClr val="bg1"/>
+                </a:solidFill>
+              </a:rPr>
+            </a:br>
+            <a:r>
+              <a:rPr lang="en-US" dirty="0">
+                <a:solidFill>
+                  <a:schemeClr val="bg1"/>
+                </a:solidFill>
+              </a:rPr>
+              <a:t>	</a:t>
+            </a:r>
+            <a:r>
+              <a:rPr lang="en-US" dirty="0" smtClean="0">
+                <a:solidFill>
+                  <a:schemeClr val="bg1"/>
+                </a:solidFill>
+              </a:rPr>
+              <a:t>	Conditional Statements</a:t>
+            </a:r>
+            <a:r>
+              <a:rPr lang="en-US" dirty="0" smtClean="0"/>
+              <a:t/>
+            </a:r>
+            <a:br>
+              <a:rPr lang="en-US" dirty="0" smtClean="0"/>
+            </a:br>
+            <a:r>
+              <a:rPr lang="en-US" dirty="0"/>
+              <a:t>	</a:t>
+            </a:r>
+          </a:p>
+        </p:txBody>
+      </p:sp>
+    </p:spTree>
+    <p:extLst>
+      <p:ext uri="{BB962C8B-B14F-4D97-AF65-F5344CB8AC3E}">
+        <p14:creationId xmlns:p14="http://schemas.microsoft.com/office/powerpoint/2010/main" val="1026322810"/>
+      </p:ext>
+    </p:extLst>
+  </p:cSld>
+  <p:clrMapOvr>
+    <a:masterClrMapping/>
+  </p:clrMapOvr>
+  <p:timing>
+    <p:tnLst>
+      <p:par>
+        <p:cTn id="1" dur="indefinite" restart="never" nodeType="tmRoot"/>
+      </p:par>
+    </p:tnLst>
+  </p:timing>
+</p:sld>
+</file>
+
+<file path=ppt/slides/slide16.xml><?xml version="1.0" encoding="utf-8"?>
+<p:sld xmlns:a="http://schemas.openxmlformats.org/drawingml/2006/main" xmlns:r="http://schemas.openxmlformats.org/officeDocument/2006/relationships" xmlns:p="http://schemas.openxmlformats.org/presentationml/2006/main">
+  <p:cSld>
+    <p:spTree>
+      <p:nvGrpSpPr>
+        <p:cNvPr id="1" name=""/>
+        <p:cNvGrpSpPr/>
+        <p:nvPr/>
+      </p:nvGrpSpPr>
+      <p:grpSpPr>
+        <a:xfrm>
+          <a:off x="0" y="0"/>
+          <a:ext cx="0" cy="0"/>
+          <a:chOff x="0" y="0"/>
+          <a:chExt cx="0" cy="0"/>
+        </a:xfrm>
+      </p:grpSpPr>
+      <p:sp>
+        <p:nvSpPr>
+          <p:cNvPr id="2" name="Заголовок 1"/>
+          <p:cNvSpPr>
+            <a:spLocks noGrp="1"/>
+          </p:cNvSpPr>
+          <p:nvPr>
+            <p:ph type="title"/>
+          </p:nvPr>
+        </p:nvSpPr>
+        <p:spPr/>
+        <p:txBody>
+          <a:bodyPr/>
+          <a:lstStyle/>
+          <a:p>
+            <a:r>
+              <a:rPr lang="en-US" dirty="0"/>
+              <a:t>C# </a:t>
+            </a:r>
+            <a:r>
+              <a:rPr lang="en-US" dirty="0" smtClean="0"/>
+              <a:t>basics</a:t>
+            </a:r>
+            <a:br>
+              <a:rPr lang="en-US" dirty="0" smtClean="0"/>
+            </a:br>
+            <a:r>
+              <a:rPr lang="en-US" sz="2400" dirty="0" smtClean="0">
+                <a:solidFill>
+                  <a:prstClr val="white">
+                    <a:lumMod val="50000"/>
+                  </a:prstClr>
+                </a:solidFill>
+              </a:rPr>
+              <a:t>Conditional statements</a:t>
+            </a:r>
+            <a:endParaRPr lang="en-US" dirty="0"/>
+          </a:p>
+        </p:txBody>
+      </p:sp>
+      <p:sp>
+        <p:nvSpPr>
+          <p:cNvPr id="4" name="Дата 3"/>
+          <p:cNvSpPr>
+            <a:spLocks noGrp="1"/>
+          </p:cNvSpPr>
+          <p:nvPr>
+            <p:ph type="dt" sz="half" idx="10"/>
+          </p:nvPr>
+        </p:nvSpPr>
+        <p:spPr>
+          <a:xfrm>
+            <a:off x="6598153" y="6041362"/>
+            <a:ext cx="1518920" cy="365125"/>
+          </a:xfrm>
+        </p:spPr>
+        <p:txBody>
+          <a:bodyPr/>
+          <a:lstStyle/>
+          <a:p>
+            <a:fld id="{939306D3-16AC-481B-963B-74A1D01AC013}" type="datetime3">
+              <a:rPr lang="en-US" sz="1100" smtClean="0"/>
+              <a:t>30 September 2021</a:t>
+            </a:fld>
+            <a:endParaRPr lang="en-US" sz="1100" dirty="0"/>
+          </a:p>
+        </p:txBody>
+      </p:sp>
+      <p:sp>
+        <p:nvSpPr>
+          <p:cNvPr id="5" name="Нижний колонтитул 4"/>
+          <p:cNvSpPr>
+            <a:spLocks noGrp="1"/>
+          </p:cNvSpPr>
+          <p:nvPr>
+            <p:ph type="ftr" sz="quarter" idx="11"/>
+          </p:nvPr>
+        </p:nvSpPr>
+        <p:spPr/>
+        <p:txBody>
+          <a:bodyPr/>
+          <a:lstStyle/>
+          <a:p>
+            <a:r>
+              <a:rPr lang="en-US" sz="1100" dirty="0" smtClean="0"/>
+              <a:t>Automated framework with C#</a:t>
+            </a:r>
+          </a:p>
+          <a:p>
+            <a:r>
+              <a:rPr lang="en-US" sz="1100" dirty="0"/>
+              <a:t>Yury </a:t>
+            </a:r>
+            <a:r>
+              <a:rPr lang="en-US" sz="1100" dirty="0" smtClean="0"/>
+              <a:t>Alifanov</a:t>
+            </a:r>
+            <a:endParaRPr lang="en-US" sz="1100" dirty="0"/>
+          </a:p>
+        </p:txBody>
+      </p:sp>
+      <p:sp>
+        <p:nvSpPr>
+          <p:cNvPr id="6" name="Номер слайда 5"/>
+          <p:cNvSpPr>
+            <a:spLocks noGrp="1"/>
+          </p:cNvSpPr>
+          <p:nvPr>
+            <p:ph type="sldNum" sz="quarter" idx="12"/>
+          </p:nvPr>
+        </p:nvSpPr>
+        <p:spPr/>
+        <p:txBody>
+          <a:bodyPr/>
+          <a:lstStyle/>
+          <a:p>
+            <a:fld id="{519954A3-9DFD-4C44-94BA-B95130A3BA1C}" type="slidenum">
+              <a:rPr lang="en-US" sz="1100" smtClean="0"/>
+              <a:t>16</a:t>
+            </a:fld>
+            <a:endParaRPr lang="en-US" sz="1100" dirty="0"/>
+          </a:p>
+        </p:txBody>
+      </p:sp>
+      <p:sp>
+        <p:nvSpPr>
+          <p:cNvPr id="3" name="Объект 2"/>
+          <p:cNvSpPr>
+            <a:spLocks noGrp="1"/>
+          </p:cNvSpPr>
+          <p:nvPr>
+            <p:ph idx="1"/>
+          </p:nvPr>
+        </p:nvSpPr>
+        <p:spPr>
+          <a:xfrm>
+            <a:off x="677334" y="1708944"/>
+            <a:ext cx="8596668" cy="4091781"/>
+          </a:xfrm>
+        </p:spPr>
+        <p:txBody>
+          <a:bodyPr>
+            <a:normAutofit/>
+          </a:bodyPr>
+          <a:lstStyle/>
+          <a:p>
+            <a:pPr marL="0" indent="0">
+              <a:buNone/>
+            </a:pPr>
+            <a:r>
+              <a:rPr lang="en-US" dirty="0" smtClean="0"/>
+              <a:t>Comparison operators:</a:t>
+            </a:r>
+          </a:p>
+          <a:p>
+            <a:pPr marL="0" indent="0">
+              <a:buNone/>
+            </a:pPr>
+            <a:endParaRPr lang="en-US" dirty="0"/>
+          </a:p>
+          <a:p>
+            <a:pPr marL="0" indent="0">
+              <a:buNone/>
+            </a:pPr>
+            <a:endParaRPr lang="en-US" dirty="0" smtClean="0"/>
+          </a:p>
+          <a:p>
+            <a:pPr marL="0" indent="0">
+              <a:buNone/>
+            </a:pPr>
+            <a:endParaRPr lang="en-US" dirty="0"/>
+          </a:p>
+          <a:p>
+            <a:pPr marL="0" indent="0">
+              <a:buNone/>
+            </a:pPr>
+            <a:endParaRPr lang="en-US" dirty="0" smtClean="0"/>
+          </a:p>
+          <a:p>
+            <a:pPr marL="0" indent="0">
+              <a:buNone/>
+            </a:pPr>
+            <a:endParaRPr lang="en-US" dirty="0"/>
+          </a:p>
+          <a:p>
+            <a:pPr marL="0" indent="0">
+              <a:buNone/>
+            </a:pPr>
+            <a:r>
+              <a:rPr lang="en-US" dirty="0" smtClean="0"/>
+              <a:t>Logical </a:t>
+            </a:r>
+            <a:r>
+              <a:rPr lang="en-US" dirty="0"/>
+              <a:t>operators</a:t>
+            </a:r>
+            <a:r>
+              <a:rPr lang="en-US" dirty="0" smtClean="0"/>
+              <a:t>:</a:t>
+            </a:r>
+          </a:p>
+          <a:p>
+            <a:pPr marL="0" indent="0">
+              <a:buNone/>
+            </a:pPr>
+            <a:endParaRPr lang="en-US" dirty="0" smtClean="0"/>
+          </a:p>
+          <a:p>
+            <a:pPr marL="0" indent="0">
+              <a:buNone/>
+            </a:pPr>
+            <a:r>
+              <a:rPr lang="en-US" dirty="0"/>
+              <a:t>	</a:t>
+            </a:r>
+          </a:p>
+        </p:txBody>
+      </p:sp>
+      <p:graphicFrame>
+        <p:nvGraphicFramePr>
+          <p:cNvPr id="7" name="Таблица 6"/>
+          <p:cNvGraphicFramePr>
+            <a:graphicFrameLocks noGrp="1"/>
+          </p:cNvGraphicFramePr>
+          <p:nvPr>
+            <p:extLst>
+              <p:ext uri="{D42A27DB-BD31-4B8C-83A1-F6EECF244321}">
+                <p14:modId xmlns:p14="http://schemas.microsoft.com/office/powerpoint/2010/main" val="4186423978"/>
+              </p:ext>
+            </p:extLst>
+          </p:nvPr>
+        </p:nvGraphicFramePr>
+        <p:xfrm>
+          <a:off x="677334" y="2155560"/>
+          <a:ext cx="6783392" cy="1957556"/>
+        </p:xfrm>
+        <a:graphic>
+          <a:graphicData uri="http://schemas.openxmlformats.org/drawingml/2006/table">
+            <a:tbl>
+              <a:tblPr firstRow="1" bandRow="1">
+                <a:tableStyleId>{5C22544A-7EE6-4342-B048-85BDC9FD1C3A}</a:tableStyleId>
+              </a:tblPr>
+              <a:tblGrid>
+                <a:gridCol w="3391696">
+                  <a:extLst>
+                    <a:ext uri="{9D8B030D-6E8A-4147-A177-3AD203B41FA5}">
+                      <a16:colId xmlns:a16="http://schemas.microsoft.com/office/drawing/2014/main" val="3133516242"/>
+                    </a:ext>
+                  </a:extLst>
+                </a:gridCol>
+                <a:gridCol w="3391696">
+                  <a:extLst>
+                    <a:ext uri="{9D8B030D-6E8A-4147-A177-3AD203B41FA5}">
+                      <a16:colId xmlns:a16="http://schemas.microsoft.com/office/drawing/2014/main" val="3490960151"/>
+                    </a:ext>
+                  </a:extLst>
+                </a:gridCol>
+              </a:tblGrid>
+              <a:tr h="243224">
+                <a:tc>
+                  <a:txBody>
+                    <a:bodyPr/>
+                    <a:lstStyle/>
+                    <a:p>
+                      <a:pPr algn="ctr"/>
+                      <a:r>
+                        <a:rPr lang="en-US" sz="1200" dirty="0" smtClean="0"/>
+                        <a:t>Operator</a:t>
+                      </a:r>
+                      <a:endParaRPr lang="en-US" sz="1200" dirty="0"/>
+                    </a:p>
+                  </a:txBody>
+                  <a:tcPr/>
+                </a:tc>
+                <a:tc>
+                  <a:txBody>
+                    <a:bodyPr/>
+                    <a:lstStyle/>
+                    <a:p>
+                      <a:pPr algn="ctr"/>
+                      <a:r>
+                        <a:rPr lang="en-US" sz="1200" dirty="0" smtClean="0"/>
+                        <a:t>Action</a:t>
+                      </a:r>
+                      <a:endParaRPr lang="en-US" sz="1200" dirty="0"/>
+                    </a:p>
+                  </a:txBody>
+                  <a:tcPr/>
+                </a:tc>
+                <a:extLst>
+                  <a:ext uri="{0D108BD9-81ED-4DB2-BD59-A6C34878D82A}">
+                    <a16:rowId xmlns:a16="http://schemas.microsoft.com/office/drawing/2014/main" val="3794196161"/>
+                  </a:ext>
+                </a:extLst>
+              </a:tr>
+              <a:tr h="243224">
+                <a:tc>
+                  <a:txBody>
+                    <a:bodyPr/>
+                    <a:lstStyle/>
+                    <a:p>
+                      <a:pPr algn="ctr"/>
+                      <a:r>
+                        <a:rPr lang="en-US" sz="1200" dirty="0" smtClean="0"/>
+                        <a:t>==</a:t>
+                      </a:r>
+                      <a:endParaRPr lang="en-US" sz="1200" dirty="0"/>
+                    </a:p>
+                  </a:txBody>
+                  <a:tcPr/>
+                </a:tc>
+                <a:tc>
+                  <a:txBody>
+                    <a:bodyPr/>
+                    <a:lstStyle/>
+                    <a:p>
+                      <a:r>
+                        <a:rPr lang="en-US" sz="1200" dirty="0" smtClean="0"/>
+                        <a:t>Equal to</a:t>
+                      </a:r>
+                      <a:endParaRPr lang="en-US" sz="1200" dirty="0"/>
+                    </a:p>
+                  </a:txBody>
+                  <a:tcPr/>
+                </a:tc>
+                <a:extLst>
+                  <a:ext uri="{0D108BD9-81ED-4DB2-BD59-A6C34878D82A}">
+                    <a16:rowId xmlns:a16="http://schemas.microsoft.com/office/drawing/2014/main" val="913896234"/>
+                  </a:ext>
+                </a:extLst>
+              </a:tr>
+              <a:tr h="243224">
+                <a:tc>
+                  <a:txBody>
+                    <a:bodyPr/>
+                    <a:lstStyle/>
+                    <a:p>
+                      <a:pPr algn="ctr"/>
+                      <a:r>
+                        <a:rPr lang="en-US" sz="1200" dirty="0" smtClean="0"/>
+                        <a:t>!=</a:t>
+                      </a:r>
+                      <a:endParaRPr lang="en-US" sz="1200" dirty="0"/>
+                    </a:p>
+                  </a:txBody>
+                  <a:tcPr/>
+                </a:tc>
+                <a:tc>
+                  <a:txBody>
+                    <a:bodyPr/>
+                    <a:lstStyle/>
+                    <a:p>
+                      <a:r>
+                        <a:rPr lang="en-US" sz="1200" dirty="0" smtClean="0"/>
+                        <a:t>Not equal to</a:t>
+                      </a:r>
+                      <a:endParaRPr lang="en-US" sz="1200" dirty="0"/>
+                    </a:p>
+                  </a:txBody>
+                  <a:tcPr/>
+                </a:tc>
+                <a:extLst>
+                  <a:ext uri="{0D108BD9-81ED-4DB2-BD59-A6C34878D82A}">
+                    <a16:rowId xmlns:a16="http://schemas.microsoft.com/office/drawing/2014/main" val="2484218268"/>
+                  </a:ext>
+                </a:extLst>
+              </a:tr>
+              <a:tr h="243224">
+                <a:tc>
+                  <a:txBody>
+                    <a:bodyPr/>
+                    <a:lstStyle/>
+                    <a:p>
+                      <a:pPr algn="ctr"/>
+                      <a:r>
+                        <a:rPr lang="en-US" sz="1200" dirty="0" smtClean="0"/>
+                        <a:t>&gt;</a:t>
+                      </a:r>
+                      <a:endParaRPr lang="en-US" sz="1200" dirty="0"/>
+                    </a:p>
+                  </a:txBody>
+                  <a:tcPr/>
+                </a:tc>
+                <a:tc>
+                  <a:txBody>
+                    <a:bodyPr/>
+                    <a:lstStyle/>
+                    <a:p>
+                      <a:r>
+                        <a:rPr lang="en-US" sz="1200" dirty="0" smtClean="0"/>
+                        <a:t>Greater than</a:t>
+                      </a:r>
+                      <a:endParaRPr lang="en-US" sz="1200" dirty="0"/>
+                    </a:p>
+                  </a:txBody>
+                  <a:tcPr/>
+                </a:tc>
+                <a:extLst>
+                  <a:ext uri="{0D108BD9-81ED-4DB2-BD59-A6C34878D82A}">
+                    <a16:rowId xmlns:a16="http://schemas.microsoft.com/office/drawing/2014/main" val="3488025333"/>
+                  </a:ext>
+                </a:extLst>
+              </a:tr>
+              <a:tr h="292978">
+                <a:tc>
+                  <a:txBody>
+                    <a:bodyPr/>
+                    <a:lstStyle/>
+                    <a:p>
+                      <a:pPr algn="ctr"/>
+                      <a:r>
+                        <a:rPr lang="en-US" sz="1200" dirty="0" smtClean="0"/>
+                        <a:t>&gt;=</a:t>
+                      </a:r>
+                      <a:endParaRPr lang="en-US" sz="1200" dirty="0"/>
+                    </a:p>
+                  </a:txBody>
+                  <a:tcPr/>
+                </a:tc>
+                <a:tc>
+                  <a:txBody>
+                    <a:bodyPr/>
+                    <a:lstStyle/>
+                    <a:p>
+                      <a:r>
+                        <a:rPr lang="en-US" sz="1200" dirty="0" smtClean="0"/>
+                        <a:t>Greater than or equal</a:t>
+                      </a:r>
+                      <a:r>
+                        <a:rPr lang="en-US" sz="1200" baseline="0" dirty="0" smtClean="0"/>
+                        <a:t> to</a:t>
+                      </a:r>
+                      <a:endParaRPr lang="en-US" sz="1200" dirty="0"/>
+                    </a:p>
+                  </a:txBody>
+                  <a:tcPr/>
+                </a:tc>
+                <a:extLst>
+                  <a:ext uri="{0D108BD9-81ED-4DB2-BD59-A6C34878D82A}">
+                    <a16:rowId xmlns:a16="http://schemas.microsoft.com/office/drawing/2014/main" val="2905249046"/>
+                  </a:ext>
+                </a:extLst>
+              </a:tr>
+              <a:tr h="243224">
+                <a:tc>
+                  <a:txBody>
+                    <a:bodyPr/>
+                    <a:lstStyle/>
+                    <a:p>
+                      <a:pPr algn="ctr"/>
+                      <a:r>
+                        <a:rPr lang="en-US" sz="1200" dirty="0" smtClean="0"/>
+                        <a:t>&lt;</a:t>
+                      </a:r>
+                      <a:endParaRPr lang="en-US" sz="1200" dirty="0"/>
+                    </a:p>
+                  </a:txBody>
+                  <a:tcPr/>
+                </a:tc>
+                <a:tc>
+                  <a:txBody>
+                    <a:bodyPr/>
+                    <a:lstStyle/>
+                    <a:p>
+                      <a:r>
+                        <a:rPr lang="en-US" sz="1200" dirty="0" smtClean="0"/>
+                        <a:t>Less than</a:t>
+                      </a:r>
+                      <a:endParaRPr lang="en-US" sz="1200" dirty="0"/>
+                    </a:p>
+                  </a:txBody>
+                  <a:tcPr/>
+                </a:tc>
+                <a:extLst>
+                  <a:ext uri="{0D108BD9-81ED-4DB2-BD59-A6C34878D82A}">
+                    <a16:rowId xmlns:a16="http://schemas.microsoft.com/office/drawing/2014/main" val="3747553816"/>
+                  </a:ext>
+                </a:extLst>
+              </a:tr>
+              <a:tr h="292978">
+                <a:tc>
+                  <a:txBody>
+                    <a:bodyPr/>
+                    <a:lstStyle/>
+                    <a:p>
+                      <a:pPr algn="ctr"/>
+                      <a:r>
+                        <a:rPr lang="en-US" sz="1200" dirty="0" smtClean="0"/>
+                        <a:t>&lt;=</a:t>
+                      </a:r>
+                      <a:endParaRPr lang="en-US" sz="1200" dirty="0"/>
+                    </a:p>
+                  </a:txBody>
+                  <a:tcPr/>
+                </a:tc>
+                <a:tc>
+                  <a:txBody>
+                    <a:bodyPr/>
+                    <a:lstStyle/>
+                    <a:p>
+                      <a:r>
+                        <a:rPr lang="en-US" sz="1200" dirty="0" smtClean="0"/>
+                        <a:t>Less than or equal</a:t>
+                      </a:r>
+                      <a:r>
+                        <a:rPr lang="en-US" sz="1200" baseline="0" dirty="0" smtClean="0"/>
+                        <a:t> to</a:t>
+                      </a:r>
+                      <a:endParaRPr lang="en-US" sz="1200" dirty="0"/>
+                    </a:p>
+                  </a:txBody>
+                  <a:tcPr/>
+                </a:tc>
+                <a:extLst>
+                  <a:ext uri="{0D108BD9-81ED-4DB2-BD59-A6C34878D82A}">
+                    <a16:rowId xmlns:a16="http://schemas.microsoft.com/office/drawing/2014/main" val="3968139894"/>
+                  </a:ext>
+                </a:extLst>
+              </a:tr>
+            </a:tbl>
+          </a:graphicData>
+        </a:graphic>
+      </p:graphicFrame>
+      <p:graphicFrame>
+        <p:nvGraphicFramePr>
+          <p:cNvPr id="8" name="Таблица 7"/>
+          <p:cNvGraphicFramePr>
+            <a:graphicFrameLocks noGrp="1"/>
+          </p:cNvGraphicFramePr>
+          <p:nvPr>
+            <p:extLst>
+              <p:ext uri="{D42A27DB-BD31-4B8C-83A1-F6EECF244321}">
+                <p14:modId xmlns:p14="http://schemas.microsoft.com/office/powerpoint/2010/main" val="4237244023"/>
+              </p:ext>
+            </p:extLst>
+          </p:nvPr>
+        </p:nvGraphicFramePr>
+        <p:xfrm>
+          <a:off x="677334" y="4571910"/>
+          <a:ext cx="6783392" cy="1097280"/>
+        </p:xfrm>
+        <a:graphic>
+          <a:graphicData uri="http://schemas.openxmlformats.org/drawingml/2006/table">
+            <a:tbl>
+              <a:tblPr firstRow="1" bandRow="1">
+                <a:tableStyleId>{5C22544A-7EE6-4342-B048-85BDC9FD1C3A}</a:tableStyleId>
+              </a:tblPr>
+              <a:tblGrid>
+                <a:gridCol w="3391696">
+                  <a:extLst>
+                    <a:ext uri="{9D8B030D-6E8A-4147-A177-3AD203B41FA5}">
+                      <a16:colId xmlns:a16="http://schemas.microsoft.com/office/drawing/2014/main" val="16089859"/>
+                    </a:ext>
+                  </a:extLst>
+                </a:gridCol>
+                <a:gridCol w="3391696">
+                  <a:extLst>
+                    <a:ext uri="{9D8B030D-6E8A-4147-A177-3AD203B41FA5}">
+                      <a16:colId xmlns:a16="http://schemas.microsoft.com/office/drawing/2014/main" val="1126223555"/>
+                    </a:ext>
+                  </a:extLst>
+                </a:gridCol>
+              </a:tblGrid>
+              <a:tr h="266127">
+                <a:tc>
+                  <a:txBody>
+                    <a:bodyPr/>
+                    <a:lstStyle/>
+                    <a:p>
+                      <a:pPr algn="ctr"/>
+                      <a:r>
+                        <a:rPr lang="en-US" sz="1200" dirty="0" smtClean="0"/>
+                        <a:t>Operator</a:t>
+                      </a:r>
+                      <a:endParaRPr lang="en-US" sz="1200" dirty="0"/>
+                    </a:p>
+                  </a:txBody>
+                  <a:tcPr/>
+                </a:tc>
+                <a:tc>
+                  <a:txBody>
+                    <a:bodyPr/>
+                    <a:lstStyle/>
+                    <a:p>
+                      <a:pPr algn="ctr"/>
+                      <a:r>
+                        <a:rPr lang="en-US" sz="1200" dirty="0" smtClean="0"/>
+                        <a:t>Action</a:t>
+                      </a:r>
+                      <a:endParaRPr lang="en-US" sz="1200" dirty="0"/>
+                    </a:p>
+                  </a:txBody>
+                  <a:tcPr/>
+                </a:tc>
+                <a:extLst>
+                  <a:ext uri="{0D108BD9-81ED-4DB2-BD59-A6C34878D82A}">
+                    <a16:rowId xmlns:a16="http://schemas.microsoft.com/office/drawing/2014/main" val="1979482532"/>
+                  </a:ext>
+                </a:extLst>
+              </a:tr>
+              <a:tr h="266127">
+                <a:tc>
+                  <a:txBody>
+                    <a:bodyPr/>
+                    <a:lstStyle/>
+                    <a:p>
+                      <a:pPr algn="ctr"/>
+                      <a:r>
+                        <a:rPr lang="en-US" sz="1200" dirty="0" smtClean="0">
+                          <a:latin typeface="Arial" panose="020B0604020202020204" pitchFamily="34" charset="0"/>
+                          <a:cs typeface="Arial" panose="020B0604020202020204" pitchFamily="34" charset="0"/>
+                        </a:rPr>
+                        <a:t>&amp;&amp;</a:t>
+                      </a:r>
+                      <a:endParaRPr lang="en-US" sz="1200" dirty="0">
+                        <a:latin typeface="Arial" panose="020B0604020202020204" pitchFamily="34" charset="0"/>
+                        <a:cs typeface="Arial" panose="020B0604020202020204" pitchFamily="34" charset="0"/>
+                      </a:endParaRPr>
+                    </a:p>
+                  </a:txBody>
+                  <a:tcPr/>
+                </a:tc>
+                <a:tc>
+                  <a:txBody>
+                    <a:bodyPr/>
+                    <a:lstStyle/>
+                    <a:p>
+                      <a:r>
+                        <a:rPr lang="en-US" sz="1200" dirty="0" smtClean="0"/>
+                        <a:t>And</a:t>
+                      </a:r>
+                      <a:endParaRPr lang="en-US" sz="1200" dirty="0"/>
+                    </a:p>
+                  </a:txBody>
+                  <a:tcPr/>
+                </a:tc>
+                <a:extLst>
+                  <a:ext uri="{0D108BD9-81ED-4DB2-BD59-A6C34878D82A}">
+                    <a16:rowId xmlns:a16="http://schemas.microsoft.com/office/drawing/2014/main" val="2620513956"/>
+                  </a:ext>
+                </a:extLst>
+              </a:tr>
+              <a:tr h="266127">
+                <a:tc>
+                  <a:txBody>
+                    <a:bodyPr/>
+                    <a:lstStyle/>
+                    <a:p>
+                      <a:pPr algn="ctr"/>
+                      <a:r>
+                        <a:rPr lang="en-US" sz="1200" dirty="0" smtClean="0"/>
+                        <a:t>||</a:t>
+                      </a:r>
+                      <a:endParaRPr lang="en-US" sz="1200" dirty="0"/>
+                    </a:p>
+                  </a:txBody>
+                  <a:tcPr/>
+                </a:tc>
+                <a:tc>
+                  <a:txBody>
+                    <a:bodyPr/>
+                    <a:lstStyle/>
+                    <a:p>
+                      <a:r>
+                        <a:rPr lang="en-US" sz="1200" dirty="0" smtClean="0"/>
+                        <a:t>Or</a:t>
+                      </a:r>
+                      <a:endParaRPr lang="en-US" sz="1200" dirty="0"/>
+                    </a:p>
+                  </a:txBody>
+                  <a:tcPr/>
+                </a:tc>
+                <a:extLst>
+                  <a:ext uri="{0D108BD9-81ED-4DB2-BD59-A6C34878D82A}">
+                    <a16:rowId xmlns:a16="http://schemas.microsoft.com/office/drawing/2014/main" val="3046782225"/>
+                  </a:ext>
+                </a:extLst>
+              </a:tr>
+              <a:tr h="266127">
+                <a:tc>
+                  <a:txBody>
+                    <a:bodyPr/>
+                    <a:lstStyle/>
+                    <a:p>
+                      <a:pPr algn="ctr"/>
+                      <a:r>
+                        <a:rPr lang="en-US" sz="1200" dirty="0" smtClean="0"/>
+                        <a:t>!</a:t>
+                      </a:r>
+                      <a:endParaRPr lang="en-US" sz="1200" dirty="0"/>
+                    </a:p>
+                  </a:txBody>
+                  <a:tcPr/>
+                </a:tc>
+                <a:tc>
+                  <a:txBody>
+                    <a:bodyPr/>
+                    <a:lstStyle/>
+                    <a:p>
+                      <a:r>
+                        <a:rPr lang="en-US" sz="1200" dirty="0" smtClean="0"/>
+                        <a:t>Not</a:t>
+                      </a:r>
+                      <a:endParaRPr lang="en-US" sz="1200" dirty="0"/>
+                    </a:p>
+                  </a:txBody>
+                  <a:tcPr/>
+                </a:tc>
+                <a:extLst>
+                  <a:ext uri="{0D108BD9-81ED-4DB2-BD59-A6C34878D82A}">
+                    <a16:rowId xmlns:a16="http://schemas.microsoft.com/office/drawing/2014/main" val="2364125335"/>
+                  </a:ext>
+                </a:extLst>
+              </a:tr>
+            </a:tbl>
+          </a:graphicData>
+        </a:graphic>
+      </p:graphicFrame>
+    </p:spTree>
+    <p:extLst>
+      <p:ext uri="{BB962C8B-B14F-4D97-AF65-F5344CB8AC3E}">
+        <p14:creationId xmlns:p14="http://schemas.microsoft.com/office/powerpoint/2010/main" val="3231392812"/>
+      </p:ext>
+    </p:extLst>
+  </p:cSld>
+  <p:clrMapOvr>
+    <a:masterClrMapping/>
+  </p:clrMapOvr>
+  <p:timing>
+    <p:tnLst>
+      <p:par>
+        <p:cTn id="1" dur="indefinite" restart="never" nodeType="tmRoot">
+          <p:childTnLst>
+            <p:seq concurrent="1" nextAc="seek">
+              <p:cTn id="2" dur="indefinite" nodeType="mainSeq">
+                <p:childTnLst>
+                  <p:par>
+                    <p:cTn id="3" fill="hold">
+                      <p:stCondLst>
+                        <p:cond delay="indefinite"/>
+                      </p:stCondLst>
+                      <p:childTnLst>
+                        <p:par>
+                          <p:cTn id="4" fill="hold">
+                            <p:stCondLst>
+                              <p:cond delay="0"/>
+                            </p:stCondLst>
+                            <p:childTnLst>
+                              <p:par>
+                                <p:cTn id="5" presetID="47" presetClass="entr" presetSubtype="0" fill="hold" grpId="0" nodeType="clickEffect">
+                                  <p:stCondLst>
+                                    <p:cond delay="0"/>
+                                  </p:stCondLst>
+                                  <p:childTnLst>
+                                    <p:set>
+                                      <p:cBhvr>
+                                        <p:cTn id="6" dur="1" fill="hold">
+                                          <p:stCondLst>
+                                            <p:cond delay="0"/>
+                                          </p:stCondLst>
+                                        </p:cTn>
+                                        <p:tgtEl>
+                                          <p:spTgt spid="3">
+                                            <p:txEl>
+                                              <p:pRg st="0" end="0"/>
+                                            </p:txEl>
+                                          </p:spTgt>
+                                        </p:tgtEl>
+                                        <p:attrNameLst>
+                                          <p:attrName>style.visibility</p:attrName>
+                                        </p:attrNameLst>
+                                      </p:cBhvr>
+                                      <p:to>
+                                        <p:strVal val="visible"/>
+                                      </p:to>
+                                    </p:set>
+                                    <p:animEffect transition="in" filter="fade">
+                                      <p:cBhvr>
+                                        <p:cTn id="7" dur="1000"/>
+                                        <p:tgtEl>
+                                          <p:spTgt spid="3">
+                                            <p:txEl>
+                                              <p:pRg st="0" end="0"/>
+                                            </p:txEl>
+                                          </p:spTgt>
+                                        </p:tgtEl>
+                                      </p:cBhvr>
+                                    </p:animEffect>
+                                    <p:anim calcmode="lin" valueType="num">
+                                      <p:cBhvr>
+                                        <p:cTn id="8" dur="1000" fill="hold"/>
+                                        <p:tgtEl>
+                                          <p:spTgt spid="3">
+                                            <p:txEl>
+                                              <p:pRg st="0" end="0"/>
+                                            </p:txEl>
+                                          </p:spTgt>
+                                        </p:tgtEl>
+                                        <p:attrNameLst>
+                                          <p:attrName>ppt_x</p:attrName>
+                                        </p:attrNameLst>
+                                      </p:cBhvr>
+                                      <p:tavLst>
+                                        <p:tav tm="0">
+                                          <p:val>
+                                            <p:strVal val="#ppt_x"/>
+                                          </p:val>
+                                        </p:tav>
+                                        <p:tav tm="100000">
+                                          <p:val>
+                                            <p:strVal val="#ppt_x"/>
+                                          </p:val>
+                                        </p:tav>
+                                      </p:tavLst>
+                                    </p:anim>
+                                    <p:anim calcmode="lin" valueType="num">
+                                      <p:cBhvr>
+                                        <p:cTn id="9" dur="1000" fill="hold"/>
+                                        <p:tgtEl>
+                                          <p:spTgt spid="3">
+                                            <p:txEl>
+                                              <p:pRg st="0" end="0"/>
+                                            </p:txEl>
+                                          </p:spTgt>
+                                        </p:tgtEl>
+                                        <p:attrNameLst>
+                                          <p:attrName>ppt_y</p:attrName>
+                                        </p:attrNameLst>
+                                      </p:cBhvr>
+                                      <p:tavLst>
+                                        <p:tav tm="0">
+                                          <p:val>
+                                            <p:strVal val="#ppt_y-.1"/>
+                                          </p:val>
+                                        </p:tav>
+                                        <p:tav tm="100000">
+                                          <p:val>
+                                            <p:strVal val="#ppt_y"/>
+                                          </p:val>
+                                        </p:tav>
+                                      </p:tavLst>
+                                    </p:anim>
+                                  </p:childTnLst>
+                                </p:cTn>
+                              </p:par>
+                            </p:childTnLst>
+                          </p:cTn>
+                        </p:par>
+                      </p:childTnLst>
+                    </p:cTn>
+                  </p:par>
+                  <p:par>
+                    <p:cTn id="10" fill="hold">
+                      <p:stCondLst>
+                        <p:cond delay="indefinite"/>
+                      </p:stCondLst>
+                      <p:childTnLst>
+                        <p:par>
+                          <p:cTn id="11" fill="hold">
+                            <p:stCondLst>
+                              <p:cond delay="0"/>
+                            </p:stCondLst>
+                            <p:childTnLst>
+                              <p:par>
+                                <p:cTn id="12" presetID="42" presetClass="entr" presetSubtype="0" fill="hold" nodeType="clickEffect">
+                                  <p:stCondLst>
+                                    <p:cond delay="0"/>
+                                  </p:stCondLst>
+                                  <p:childTnLst>
+                                    <p:set>
+                                      <p:cBhvr>
+                                        <p:cTn id="13" dur="1" fill="hold">
+                                          <p:stCondLst>
+                                            <p:cond delay="0"/>
+                                          </p:stCondLst>
+                                        </p:cTn>
+                                        <p:tgtEl>
+                                          <p:spTgt spid="7"/>
+                                        </p:tgtEl>
+                                        <p:attrNameLst>
+                                          <p:attrName>style.visibility</p:attrName>
+                                        </p:attrNameLst>
+                                      </p:cBhvr>
+                                      <p:to>
+                                        <p:strVal val="visible"/>
+                                      </p:to>
+                                    </p:set>
+                                    <p:animEffect transition="in" filter="fade">
+                                      <p:cBhvr>
+                                        <p:cTn id="14" dur="1000"/>
+                                        <p:tgtEl>
+                                          <p:spTgt spid="7"/>
+                                        </p:tgtEl>
+                                      </p:cBhvr>
+                                    </p:animEffect>
+                                    <p:anim calcmode="lin" valueType="num">
+                                      <p:cBhvr>
+                                        <p:cTn id="15" dur="1000" fill="hold"/>
+                                        <p:tgtEl>
+                                          <p:spTgt spid="7"/>
+                                        </p:tgtEl>
+                                        <p:attrNameLst>
+                                          <p:attrName>ppt_x</p:attrName>
+                                        </p:attrNameLst>
+                                      </p:cBhvr>
+                                      <p:tavLst>
+                                        <p:tav tm="0">
+                                          <p:val>
+                                            <p:strVal val="#ppt_x"/>
+                                          </p:val>
+                                        </p:tav>
+                                        <p:tav tm="100000">
+                                          <p:val>
+                                            <p:strVal val="#ppt_x"/>
+                                          </p:val>
+                                        </p:tav>
+                                      </p:tavLst>
+                                    </p:anim>
+                                    <p:anim calcmode="lin" valueType="num">
+                                      <p:cBhvr>
+                                        <p:cTn id="16" dur="1000" fill="hold"/>
+                                        <p:tgtEl>
+                                          <p:spTgt spid="7"/>
+                                        </p:tgtEl>
+                                        <p:attrNameLst>
+                                          <p:attrName>ppt_y</p:attrName>
+                                        </p:attrNameLst>
+                                      </p:cBhvr>
+                                      <p:tavLst>
+                                        <p:tav tm="0">
+                                          <p:val>
+                                            <p:strVal val="#ppt_y+.1"/>
+                                          </p:val>
+                                        </p:tav>
+                                        <p:tav tm="100000">
+                                          <p:val>
+                                            <p:strVal val="#ppt_y"/>
+                                          </p:val>
+                                        </p:tav>
+                                      </p:tavLst>
+                                    </p:anim>
+                                  </p:childTnLst>
+                                </p:cTn>
+                              </p:par>
+                            </p:childTnLst>
+                          </p:cTn>
+                        </p:par>
+                      </p:childTnLst>
+                    </p:cTn>
+                  </p:par>
+                  <p:par>
+                    <p:cTn id="17" fill="hold">
+                      <p:stCondLst>
+                        <p:cond delay="indefinite"/>
+                      </p:stCondLst>
+                      <p:childTnLst>
+                        <p:par>
+                          <p:cTn id="18" fill="hold">
+                            <p:stCondLst>
+                              <p:cond delay="0"/>
+                            </p:stCondLst>
+                            <p:childTnLst>
+                              <p:par>
+                                <p:cTn id="19" presetID="47" presetClass="entr" presetSubtype="0" fill="hold" grpId="0" nodeType="clickEffect">
+                                  <p:stCondLst>
+                                    <p:cond delay="0"/>
+                                  </p:stCondLst>
+                                  <p:childTnLst>
+                                    <p:set>
+                                      <p:cBhvr>
+                                        <p:cTn id="20" dur="1" fill="hold">
+                                          <p:stCondLst>
+                                            <p:cond delay="0"/>
+                                          </p:stCondLst>
+                                        </p:cTn>
+                                        <p:tgtEl>
+                                          <p:spTgt spid="3">
+                                            <p:txEl>
+                                              <p:pRg st="6" end="6"/>
+                                            </p:txEl>
+                                          </p:spTgt>
+                                        </p:tgtEl>
+                                        <p:attrNameLst>
+                                          <p:attrName>style.visibility</p:attrName>
+                                        </p:attrNameLst>
+                                      </p:cBhvr>
+                                      <p:to>
+                                        <p:strVal val="visible"/>
+                                      </p:to>
+                                    </p:set>
+                                    <p:animEffect transition="in" filter="fade">
+                                      <p:cBhvr>
+                                        <p:cTn id="21" dur="1000"/>
+                                        <p:tgtEl>
+                                          <p:spTgt spid="3">
+                                            <p:txEl>
+                                              <p:pRg st="6" end="6"/>
+                                            </p:txEl>
+                                          </p:spTgt>
+                                        </p:tgtEl>
+                                      </p:cBhvr>
+                                    </p:animEffect>
+                                    <p:anim calcmode="lin" valueType="num">
+                                      <p:cBhvr>
+                                        <p:cTn id="22" dur="1000" fill="hold"/>
+                                        <p:tgtEl>
+                                          <p:spTgt spid="3">
+                                            <p:txEl>
+                                              <p:pRg st="6" end="6"/>
+                                            </p:txEl>
+                                          </p:spTgt>
+                                        </p:tgtEl>
+                                        <p:attrNameLst>
+                                          <p:attrName>ppt_x</p:attrName>
+                                        </p:attrNameLst>
+                                      </p:cBhvr>
+                                      <p:tavLst>
+                                        <p:tav tm="0">
+                                          <p:val>
+                                            <p:strVal val="#ppt_x"/>
+                                          </p:val>
+                                        </p:tav>
+                                        <p:tav tm="100000">
+                                          <p:val>
+                                            <p:strVal val="#ppt_x"/>
+                                          </p:val>
+                                        </p:tav>
+                                      </p:tavLst>
+                                    </p:anim>
+                                    <p:anim calcmode="lin" valueType="num">
+                                      <p:cBhvr>
+                                        <p:cTn id="23" dur="1000" fill="hold"/>
+                                        <p:tgtEl>
+                                          <p:spTgt spid="3">
+                                            <p:txEl>
+                                              <p:pRg st="6" end="6"/>
+                                            </p:txEl>
+                                          </p:spTgt>
+                                        </p:tgtEl>
+                                        <p:attrNameLst>
+                                          <p:attrName>ppt_y</p:attrName>
+                                        </p:attrNameLst>
+                                      </p:cBhvr>
+                                      <p:tavLst>
+                                        <p:tav tm="0">
+                                          <p:val>
+                                            <p:strVal val="#ppt_y-.1"/>
+                                          </p:val>
+                                        </p:tav>
+                                        <p:tav tm="100000">
+                                          <p:val>
+                                            <p:strVal val="#ppt_y"/>
+                                          </p:val>
+                                        </p:tav>
+                                      </p:tavLst>
+                                    </p:anim>
+                                  </p:childTnLst>
+                                </p:cTn>
+                              </p:par>
+                            </p:childTnLst>
+                          </p:cTn>
+                        </p:par>
+                      </p:childTnLst>
+                    </p:cTn>
+                  </p:par>
+                  <p:par>
+                    <p:cTn id="24" fill="hold">
+                      <p:stCondLst>
+                        <p:cond delay="indefinite"/>
+                      </p:stCondLst>
+                      <p:childTnLst>
+                        <p:par>
+                          <p:cTn id="25" fill="hold">
+                            <p:stCondLst>
+                              <p:cond delay="0"/>
+                            </p:stCondLst>
+                            <p:childTnLst>
+                              <p:par>
+                                <p:cTn id="26" presetID="42" presetClass="entr" presetSubtype="0" fill="hold" nodeType="clickEffect">
+                                  <p:stCondLst>
+                                    <p:cond delay="0"/>
+                                  </p:stCondLst>
+                                  <p:childTnLst>
+                                    <p:set>
+                                      <p:cBhvr>
+                                        <p:cTn id="27" dur="1" fill="hold">
+                                          <p:stCondLst>
+                                            <p:cond delay="0"/>
+                                          </p:stCondLst>
+                                        </p:cTn>
+                                        <p:tgtEl>
+                                          <p:spTgt spid="8"/>
+                                        </p:tgtEl>
+                                        <p:attrNameLst>
+                                          <p:attrName>style.visibility</p:attrName>
+                                        </p:attrNameLst>
+                                      </p:cBhvr>
+                                      <p:to>
+                                        <p:strVal val="visible"/>
+                                      </p:to>
+                                    </p:set>
+                                    <p:animEffect transition="in" filter="fade">
+                                      <p:cBhvr>
+                                        <p:cTn id="28" dur="1000"/>
+                                        <p:tgtEl>
+                                          <p:spTgt spid="8"/>
+                                        </p:tgtEl>
+                                      </p:cBhvr>
+                                    </p:animEffect>
+                                    <p:anim calcmode="lin" valueType="num">
+                                      <p:cBhvr>
+                                        <p:cTn id="29" dur="1000" fill="hold"/>
+                                        <p:tgtEl>
+                                          <p:spTgt spid="8"/>
+                                        </p:tgtEl>
+                                        <p:attrNameLst>
+                                          <p:attrName>ppt_x</p:attrName>
+                                        </p:attrNameLst>
+                                      </p:cBhvr>
+                                      <p:tavLst>
+                                        <p:tav tm="0">
+                                          <p:val>
+                                            <p:strVal val="#ppt_x"/>
+                                          </p:val>
+                                        </p:tav>
+                                        <p:tav tm="100000">
+                                          <p:val>
+                                            <p:strVal val="#ppt_x"/>
+                                          </p:val>
+                                        </p:tav>
+                                      </p:tavLst>
+                                    </p:anim>
+                                    <p:anim calcmode="lin" valueType="num">
+                                      <p:cBhvr>
+                                        <p:cTn id="30" dur="1000" fill="hold"/>
+                                        <p:tgtEl>
+                                          <p:spTgt spid="8"/>
+                                        </p:tgtEl>
+                                        <p:attrNameLst>
+                                          <p:attrName>ppt_y</p:attrName>
+                                        </p:attrNameLst>
+                                      </p:cBhvr>
+                                      <p:tavLst>
+                                        <p:tav tm="0">
+                                          <p:val>
+                                            <p:strVal val="#ppt_y+.1"/>
+                                          </p:val>
+                                        </p:tav>
+                                        <p:tav tm="100000">
+                                          <p:val>
+                                            <p:strVal val="#ppt_y"/>
+                                          </p:val>
+                                        </p:tav>
+                                      </p:tavLst>
+                                    </p:anim>
+                                  </p:childTnLst>
+                                </p:cTn>
+                              </p:par>
+                            </p:childTnLst>
+                          </p:cTn>
+                        </p:par>
+                      </p:childTnLst>
+                    </p:cTn>
+                  </p:par>
+                </p:childTnLst>
+              </p:cTn>
+              <p:prevCondLst>
+                <p:cond evt="onPrev" delay="0">
+                  <p:tgtEl>
+                    <p:sldTgt/>
+                  </p:tgtEl>
+                </p:cond>
+              </p:prevCondLst>
+              <p:nextCondLst>
+                <p:cond evt="onNext" delay="0">
+                  <p:tgtEl>
+                    <p:sldTgt/>
+                  </p:tgtEl>
+                </p:cond>
+              </p:nextCondLst>
+            </p:seq>
+          </p:childTnLst>
+        </p:cTn>
+      </p:par>
+    </p:tnLst>
+    <p:bldLst>
+      <p:bldP spid="3" grpId="0" uiExpand="1" build="p"/>
+    </p:bldLst>
+  </p:timing>
+</p:sld>
+</file>
+
+<file path=ppt/slides/slide17.xml><?xml version="1.0" encoding="utf-8"?>
+<p:sld xmlns:a="http://schemas.openxmlformats.org/drawingml/2006/main" xmlns:r="http://schemas.openxmlformats.org/officeDocument/2006/relationships" xmlns:p="http://schemas.openxmlformats.org/presentationml/2006/main">
+  <p:cSld>
+    <p:spTree>
+      <p:nvGrpSpPr>
+        <p:cNvPr id="1" name=""/>
+        <p:cNvGrpSpPr/>
+        <p:nvPr/>
+      </p:nvGrpSpPr>
+      <p:grpSpPr>
+        <a:xfrm>
+          <a:off x="0" y="0"/>
+          <a:ext cx="0" cy="0"/>
+          <a:chOff x="0" y="0"/>
+          <a:chExt cx="0" cy="0"/>
+        </a:xfrm>
+      </p:grpSpPr>
+      <p:sp>
+        <p:nvSpPr>
+          <p:cNvPr id="2" name="Заголовок 1"/>
+          <p:cNvSpPr>
+            <a:spLocks noGrp="1"/>
+          </p:cNvSpPr>
+          <p:nvPr>
+            <p:ph type="title"/>
+          </p:nvPr>
+        </p:nvSpPr>
+        <p:spPr/>
+        <p:txBody>
+          <a:bodyPr/>
+          <a:lstStyle/>
+          <a:p>
+            <a:r>
+              <a:rPr lang="en-US" dirty="0"/>
+              <a:t>C# </a:t>
+            </a:r>
+            <a:r>
+              <a:rPr lang="en-US" dirty="0" smtClean="0"/>
+              <a:t>basics</a:t>
+            </a:r>
+            <a:br>
+              <a:rPr lang="en-US" dirty="0" smtClean="0"/>
+            </a:br>
+            <a:r>
+              <a:rPr lang="en-US" sz="2400" dirty="0" smtClean="0">
+                <a:solidFill>
+                  <a:prstClr val="white">
+                    <a:lumMod val="50000"/>
+                  </a:prstClr>
+                </a:solidFill>
+              </a:rPr>
+              <a:t>Conditional statements</a:t>
+            </a:r>
+            <a:endParaRPr lang="en-US" dirty="0"/>
+          </a:p>
+        </p:txBody>
+      </p:sp>
+      <p:sp>
+        <p:nvSpPr>
+          <p:cNvPr id="4" name="Дата 3"/>
+          <p:cNvSpPr>
+            <a:spLocks noGrp="1"/>
+          </p:cNvSpPr>
+          <p:nvPr>
+            <p:ph type="dt" sz="half" idx="10"/>
+          </p:nvPr>
+        </p:nvSpPr>
+        <p:spPr>
+          <a:xfrm>
+            <a:off x="6598153" y="6041362"/>
+            <a:ext cx="1518920" cy="365125"/>
+          </a:xfrm>
+        </p:spPr>
+        <p:txBody>
+          <a:bodyPr/>
+          <a:lstStyle/>
+          <a:p>
+            <a:fld id="{939306D3-16AC-481B-963B-74A1D01AC013}" type="datetime3">
+              <a:rPr lang="en-US" sz="1100" smtClean="0"/>
+              <a:t>30 September 2021</a:t>
+            </a:fld>
+            <a:endParaRPr lang="en-US" sz="1100" dirty="0"/>
+          </a:p>
+        </p:txBody>
+      </p:sp>
+      <p:sp>
+        <p:nvSpPr>
+          <p:cNvPr id="5" name="Нижний колонтитул 4"/>
+          <p:cNvSpPr>
+            <a:spLocks noGrp="1"/>
+          </p:cNvSpPr>
+          <p:nvPr>
+            <p:ph type="ftr" sz="quarter" idx="11"/>
+          </p:nvPr>
+        </p:nvSpPr>
+        <p:spPr/>
+        <p:txBody>
+          <a:bodyPr/>
+          <a:lstStyle/>
+          <a:p>
+            <a:r>
+              <a:rPr lang="en-US" sz="1100" dirty="0" smtClean="0"/>
+              <a:t>Automated framework with C#</a:t>
+            </a:r>
+          </a:p>
+          <a:p>
+            <a:r>
+              <a:rPr lang="en-US" sz="1100" dirty="0"/>
+              <a:t>Yury </a:t>
+            </a:r>
+            <a:r>
+              <a:rPr lang="en-US" sz="1100" dirty="0" smtClean="0"/>
+              <a:t>Alifanov</a:t>
+            </a:r>
+            <a:endParaRPr lang="en-US" sz="1100" dirty="0"/>
+          </a:p>
+        </p:txBody>
+      </p:sp>
+      <p:sp>
+        <p:nvSpPr>
+          <p:cNvPr id="6" name="Номер слайда 5"/>
+          <p:cNvSpPr>
+            <a:spLocks noGrp="1"/>
+          </p:cNvSpPr>
+          <p:nvPr>
+            <p:ph type="sldNum" sz="quarter" idx="12"/>
+          </p:nvPr>
+        </p:nvSpPr>
+        <p:spPr/>
+        <p:txBody>
+          <a:bodyPr/>
+          <a:lstStyle/>
+          <a:p>
+            <a:fld id="{519954A3-9DFD-4C44-94BA-B95130A3BA1C}" type="slidenum">
+              <a:rPr lang="en-US" sz="1100" smtClean="0"/>
+              <a:t>17</a:t>
+            </a:fld>
+            <a:endParaRPr lang="en-US" sz="1100" dirty="0"/>
+          </a:p>
+        </p:txBody>
+      </p:sp>
+      <p:sp>
+        <p:nvSpPr>
+          <p:cNvPr id="3" name="Объект 2"/>
+          <p:cNvSpPr>
+            <a:spLocks noGrp="1"/>
+          </p:cNvSpPr>
+          <p:nvPr>
+            <p:ph idx="1"/>
+          </p:nvPr>
+        </p:nvSpPr>
+        <p:spPr>
+          <a:xfrm>
+            <a:off x="735146" y="1777549"/>
+            <a:ext cx="8596668" cy="3880773"/>
+          </a:xfrm>
+        </p:spPr>
+        <p:txBody>
+          <a:bodyPr/>
+          <a:lstStyle/>
+          <a:p>
+            <a:pPr marL="0" indent="0">
+              <a:buNone/>
+            </a:pPr>
+            <a:endParaRPr lang="en-US" dirty="0" smtClean="0"/>
+          </a:p>
+          <a:p>
+            <a:pPr marL="0" indent="0">
+              <a:buNone/>
+            </a:pPr>
+            <a:endParaRPr lang="en-US" dirty="0"/>
+          </a:p>
+          <a:p>
+            <a:pPr marL="0" indent="0">
+              <a:buNone/>
+            </a:pPr>
+            <a:endParaRPr lang="en-US" dirty="0"/>
+          </a:p>
+        </p:txBody>
+      </p:sp>
+      <p:sp>
+        <p:nvSpPr>
+          <p:cNvPr id="8" name="TextBox 7"/>
+          <p:cNvSpPr txBox="1"/>
+          <p:nvPr/>
+        </p:nvSpPr>
+        <p:spPr>
+          <a:xfrm>
+            <a:off x="2516142" y="1930400"/>
+            <a:ext cx="1843087" cy="2308324"/>
+          </a:xfrm>
+          <a:prstGeom prst="rect">
+            <a:avLst/>
+          </a:prstGeom>
+          <a:noFill/>
+        </p:spPr>
+        <p:txBody>
+          <a:bodyPr wrap="square" rtlCol="0">
+            <a:spAutoFit/>
+          </a:bodyPr>
+          <a:lstStyle/>
+          <a:p>
+            <a:r>
+              <a:rPr lang="en-US" dirty="0" smtClean="0">
+                <a:solidFill>
+                  <a:schemeClr val="accent2"/>
+                </a:solidFill>
+                <a:latin typeface="Consolas" panose="020B0609020204030204" pitchFamily="49" charset="0"/>
+              </a:rPr>
+              <a:t>if</a:t>
+            </a:r>
+            <a:r>
+              <a:rPr lang="en-US" dirty="0" smtClean="0">
+                <a:latin typeface="Consolas" panose="020B0609020204030204" pitchFamily="49" charset="0"/>
+              </a:rPr>
+              <a:t>(condition)</a:t>
+            </a:r>
+          </a:p>
+          <a:p>
+            <a:r>
+              <a:rPr lang="en-US" dirty="0" smtClean="0">
+                <a:latin typeface="Consolas" panose="020B0609020204030204" pitchFamily="49" charset="0"/>
+              </a:rPr>
+              <a:t>{</a:t>
+            </a:r>
+          </a:p>
+          <a:p>
+            <a:r>
+              <a:rPr lang="en-US" dirty="0">
+                <a:latin typeface="Consolas" panose="020B0609020204030204" pitchFamily="49" charset="0"/>
+              </a:rPr>
+              <a:t>	</a:t>
+            </a:r>
+            <a:r>
+              <a:rPr lang="en-US" dirty="0" smtClean="0">
+                <a:latin typeface="Consolas" panose="020B0609020204030204" pitchFamily="49" charset="0"/>
+              </a:rPr>
+              <a:t>body;</a:t>
+            </a:r>
+          </a:p>
+          <a:p>
+            <a:r>
+              <a:rPr lang="en-US" dirty="0" smtClean="0">
+                <a:latin typeface="Consolas" panose="020B0609020204030204" pitchFamily="49" charset="0"/>
+              </a:rPr>
+              <a:t>}</a:t>
+            </a:r>
+          </a:p>
+          <a:p>
+            <a:r>
+              <a:rPr lang="en-US" dirty="0" smtClean="0">
+                <a:solidFill>
+                  <a:schemeClr val="accent2"/>
+                </a:solidFill>
+                <a:latin typeface="Consolas" panose="020B0609020204030204" pitchFamily="49" charset="0"/>
+              </a:rPr>
+              <a:t>else</a:t>
+            </a:r>
+          </a:p>
+          <a:p>
+            <a:r>
+              <a:rPr lang="en-US" dirty="0" smtClean="0">
+                <a:latin typeface="Consolas" panose="020B0609020204030204" pitchFamily="49" charset="0"/>
+              </a:rPr>
+              <a:t>{</a:t>
+            </a:r>
+          </a:p>
+          <a:p>
+            <a:r>
+              <a:rPr lang="en-US" dirty="0">
+                <a:latin typeface="Consolas" panose="020B0609020204030204" pitchFamily="49" charset="0"/>
+              </a:rPr>
+              <a:t>	</a:t>
+            </a:r>
+            <a:r>
+              <a:rPr lang="en-US" dirty="0" smtClean="0">
+                <a:latin typeface="Consolas" panose="020B0609020204030204" pitchFamily="49" charset="0"/>
+              </a:rPr>
+              <a:t>body;</a:t>
+            </a:r>
+          </a:p>
+          <a:p>
+            <a:r>
+              <a:rPr lang="en-US" dirty="0" smtClean="0">
+                <a:latin typeface="Consolas" panose="020B0609020204030204" pitchFamily="49" charset="0"/>
+              </a:rPr>
+              <a:t>}</a:t>
+            </a:r>
+            <a:endParaRPr lang="en-US" dirty="0">
+              <a:latin typeface="Consolas" panose="020B0609020204030204" pitchFamily="49" charset="0"/>
+            </a:endParaRPr>
+          </a:p>
+        </p:txBody>
+      </p:sp>
+      <p:sp>
+        <p:nvSpPr>
+          <p:cNvPr id="9" name="TextBox 8"/>
+          <p:cNvSpPr txBox="1"/>
+          <p:nvPr/>
+        </p:nvSpPr>
+        <p:spPr>
+          <a:xfrm>
+            <a:off x="677334" y="1906752"/>
+            <a:ext cx="1843087" cy="1200329"/>
+          </a:xfrm>
+          <a:prstGeom prst="rect">
+            <a:avLst/>
+          </a:prstGeom>
+          <a:noFill/>
+        </p:spPr>
+        <p:txBody>
+          <a:bodyPr wrap="square" rtlCol="0">
+            <a:spAutoFit/>
+          </a:bodyPr>
+          <a:lstStyle/>
+          <a:p>
+            <a:r>
+              <a:rPr lang="en-US" dirty="0" smtClean="0">
+                <a:solidFill>
+                  <a:schemeClr val="accent2"/>
+                </a:solidFill>
+                <a:latin typeface="Consolas" panose="020B0609020204030204" pitchFamily="49" charset="0"/>
+              </a:rPr>
+              <a:t>if</a:t>
+            </a:r>
+            <a:r>
+              <a:rPr lang="en-US" dirty="0" smtClean="0">
+                <a:latin typeface="Consolas" panose="020B0609020204030204" pitchFamily="49" charset="0"/>
+              </a:rPr>
+              <a:t>(condition)</a:t>
+            </a:r>
+          </a:p>
+          <a:p>
+            <a:r>
+              <a:rPr lang="en-US" dirty="0" smtClean="0">
+                <a:latin typeface="Consolas" panose="020B0609020204030204" pitchFamily="49" charset="0"/>
+              </a:rPr>
+              <a:t>{</a:t>
+            </a:r>
+          </a:p>
+          <a:p>
+            <a:r>
+              <a:rPr lang="en-US" dirty="0">
+                <a:latin typeface="Consolas" panose="020B0609020204030204" pitchFamily="49" charset="0"/>
+              </a:rPr>
+              <a:t>	</a:t>
+            </a:r>
+            <a:r>
+              <a:rPr lang="en-US" dirty="0" smtClean="0">
+                <a:latin typeface="Consolas" panose="020B0609020204030204" pitchFamily="49" charset="0"/>
+              </a:rPr>
+              <a:t>body;</a:t>
+            </a:r>
+          </a:p>
+          <a:p>
+            <a:r>
+              <a:rPr lang="en-US" dirty="0" smtClean="0">
+                <a:latin typeface="Consolas" panose="020B0609020204030204" pitchFamily="49" charset="0"/>
+              </a:rPr>
+              <a:t>}</a:t>
+            </a:r>
+          </a:p>
+        </p:txBody>
+      </p:sp>
+      <p:sp>
+        <p:nvSpPr>
+          <p:cNvPr id="10" name="TextBox 9"/>
+          <p:cNvSpPr txBox="1"/>
+          <p:nvPr/>
+        </p:nvSpPr>
+        <p:spPr>
+          <a:xfrm>
+            <a:off x="4359228" y="1903659"/>
+            <a:ext cx="3757845" cy="3416320"/>
+          </a:xfrm>
+          <a:prstGeom prst="rect">
+            <a:avLst/>
+          </a:prstGeom>
+          <a:noFill/>
+        </p:spPr>
+        <p:txBody>
+          <a:bodyPr wrap="square" rtlCol="0">
+            <a:spAutoFit/>
+          </a:bodyPr>
+          <a:lstStyle/>
+          <a:p>
+            <a:r>
+              <a:rPr lang="en-US" dirty="0" smtClean="0">
+                <a:solidFill>
+                  <a:schemeClr val="accent2"/>
+                </a:solidFill>
+                <a:latin typeface="Consolas" panose="020B0609020204030204" pitchFamily="49" charset="0"/>
+              </a:rPr>
+              <a:t>if</a:t>
+            </a:r>
+            <a:r>
+              <a:rPr lang="en-US" dirty="0" smtClean="0">
+                <a:latin typeface="Consolas" panose="020B0609020204030204" pitchFamily="49" charset="0"/>
+              </a:rPr>
+              <a:t>(first-condition)</a:t>
+            </a:r>
+          </a:p>
+          <a:p>
+            <a:r>
+              <a:rPr lang="en-US" dirty="0" smtClean="0">
+                <a:latin typeface="Consolas" panose="020B0609020204030204" pitchFamily="49" charset="0"/>
+              </a:rPr>
+              <a:t>{</a:t>
+            </a:r>
+          </a:p>
+          <a:p>
+            <a:r>
+              <a:rPr lang="en-US" dirty="0">
+                <a:latin typeface="Consolas" panose="020B0609020204030204" pitchFamily="49" charset="0"/>
+              </a:rPr>
+              <a:t>	</a:t>
+            </a:r>
+            <a:r>
+              <a:rPr lang="en-US" dirty="0" smtClean="0">
+                <a:latin typeface="Consolas" panose="020B0609020204030204" pitchFamily="49" charset="0"/>
+              </a:rPr>
+              <a:t>body;</a:t>
+            </a:r>
+          </a:p>
+          <a:p>
+            <a:r>
+              <a:rPr lang="en-US" dirty="0" smtClean="0">
+                <a:latin typeface="Consolas" panose="020B0609020204030204" pitchFamily="49" charset="0"/>
+              </a:rPr>
+              <a:t>}</a:t>
+            </a:r>
+          </a:p>
+          <a:p>
+            <a:r>
+              <a:rPr lang="en-US" dirty="0" smtClean="0">
+                <a:solidFill>
+                  <a:schemeClr val="accent2"/>
+                </a:solidFill>
+                <a:latin typeface="Consolas" panose="020B0609020204030204" pitchFamily="49" charset="0"/>
+              </a:rPr>
+              <a:t>else if</a:t>
+            </a:r>
+            <a:r>
+              <a:rPr lang="en-US" dirty="0" smtClean="0">
+                <a:latin typeface="Consolas" panose="020B0609020204030204" pitchFamily="49" charset="0"/>
+              </a:rPr>
+              <a:t>(second-condition)</a:t>
+            </a:r>
+          </a:p>
+          <a:p>
+            <a:r>
+              <a:rPr lang="en-US" dirty="0" smtClean="0">
+                <a:latin typeface="Consolas" panose="020B0609020204030204" pitchFamily="49" charset="0"/>
+              </a:rPr>
+              <a:t>{</a:t>
+            </a:r>
+          </a:p>
+          <a:p>
+            <a:r>
+              <a:rPr lang="en-US" dirty="0">
+                <a:latin typeface="Consolas" panose="020B0609020204030204" pitchFamily="49" charset="0"/>
+              </a:rPr>
+              <a:t>	</a:t>
+            </a:r>
+            <a:r>
+              <a:rPr lang="en-US" dirty="0" smtClean="0">
+                <a:latin typeface="Consolas" panose="020B0609020204030204" pitchFamily="49" charset="0"/>
+              </a:rPr>
+              <a:t>body;</a:t>
+            </a:r>
+          </a:p>
+          <a:p>
+            <a:r>
+              <a:rPr lang="en-US" dirty="0">
+                <a:latin typeface="Consolas" panose="020B0609020204030204" pitchFamily="49" charset="0"/>
+              </a:rPr>
+              <a:t>}</a:t>
+            </a:r>
+            <a:endParaRPr lang="en-US" dirty="0" smtClean="0">
+              <a:latin typeface="Consolas" panose="020B0609020204030204" pitchFamily="49" charset="0"/>
+            </a:endParaRPr>
+          </a:p>
+          <a:p>
+            <a:r>
+              <a:rPr lang="en-US" dirty="0" smtClean="0">
+                <a:solidFill>
+                  <a:schemeClr val="accent2"/>
+                </a:solidFill>
+                <a:latin typeface="Consolas" panose="020B0609020204030204" pitchFamily="49" charset="0"/>
+              </a:rPr>
+              <a:t>else</a:t>
+            </a:r>
+          </a:p>
+          <a:p>
+            <a:r>
+              <a:rPr lang="en-US" dirty="0" smtClean="0">
+                <a:latin typeface="Consolas" panose="020B0609020204030204" pitchFamily="49" charset="0"/>
+              </a:rPr>
+              <a:t>{</a:t>
+            </a:r>
+          </a:p>
+          <a:p>
+            <a:r>
+              <a:rPr lang="en-US" dirty="0">
+                <a:latin typeface="Consolas" panose="020B0609020204030204" pitchFamily="49" charset="0"/>
+              </a:rPr>
+              <a:t>	</a:t>
+            </a:r>
+            <a:r>
+              <a:rPr lang="en-US" dirty="0" smtClean="0">
+                <a:latin typeface="Consolas" panose="020B0609020204030204" pitchFamily="49" charset="0"/>
+              </a:rPr>
+              <a:t>body;</a:t>
+            </a:r>
+          </a:p>
+          <a:p>
+            <a:r>
+              <a:rPr lang="en-US" dirty="0" smtClean="0">
+                <a:latin typeface="Consolas" panose="020B0609020204030204" pitchFamily="49" charset="0"/>
+              </a:rPr>
+              <a:t>}</a:t>
+            </a:r>
+            <a:endParaRPr lang="en-US" dirty="0">
+              <a:latin typeface="Consolas" panose="020B0609020204030204" pitchFamily="49" charset="0"/>
+            </a:endParaRPr>
+          </a:p>
+        </p:txBody>
+      </p:sp>
+      <p:sp>
+        <p:nvSpPr>
+          <p:cNvPr id="12" name="TextBox 11"/>
+          <p:cNvSpPr txBox="1"/>
+          <p:nvPr/>
+        </p:nvSpPr>
+        <p:spPr>
+          <a:xfrm>
+            <a:off x="7983311" y="1871275"/>
+            <a:ext cx="2914650" cy="3693319"/>
+          </a:xfrm>
+          <a:prstGeom prst="rect">
+            <a:avLst/>
+          </a:prstGeom>
+          <a:noFill/>
+        </p:spPr>
+        <p:txBody>
+          <a:bodyPr wrap="square" rtlCol="0">
+            <a:spAutoFit/>
+          </a:bodyPr>
+          <a:lstStyle/>
+          <a:p>
+            <a:r>
+              <a:rPr lang="en-US" dirty="0" smtClean="0">
+                <a:solidFill>
+                  <a:schemeClr val="accent2"/>
+                </a:solidFill>
+                <a:latin typeface="Consolas" panose="020B0609020204030204" pitchFamily="49" charset="0"/>
+              </a:rPr>
+              <a:t>switch</a:t>
+            </a:r>
+            <a:r>
+              <a:rPr lang="en-US" dirty="0" smtClean="0">
+                <a:latin typeface="Consolas" panose="020B0609020204030204" pitchFamily="49" charset="0"/>
+              </a:rPr>
+              <a:t>(value)</a:t>
+            </a:r>
+          </a:p>
+          <a:p>
+            <a:r>
+              <a:rPr lang="en-US" dirty="0" smtClean="0">
+                <a:latin typeface="Consolas" panose="020B0609020204030204" pitchFamily="49" charset="0"/>
+              </a:rPr>
+              <a:t>{</a:t>
+            </a:r>
+          </a:p>
+          <a:p>
+            <a:r>
+              <a:rPr lang="en-US" dirty="0" smtClean="0">
+                <a:solidFill>
+                  <a:schemeClr val="accent2"/>
+                </a:solidFill>
+                <a:latin typeface="Consolas" panose="020B0609020204030204" pitchFamily="49" charset="0"/>
+              </a:rPr>
+              <a:t>	case </a:t>
+            </a:r>
+            <a:r>
+              <a:rPr lang="en-US" dirty="0" smtClean="0">
+                <a:latin typeface="Consolas" panose="020B0609020204030204" pitchFamily="49" charset="0"/>
+              </a:rPr>
+              <a:t>value_1:</a:t>
+            </a:r>
+          </a:p>
+          <a:p>
+            <a:r>
+              <a:rPr lang="en-US" dirty="0">
+                <a:latin typeface="Consolas" panose="020B0609020204030204" pitchFamily="49" charset="0"/>
+              </a:rPr>
+              <a:t>	</a:t>
+            </a:r>
+            <a:r>
+              <a:rPr lang="en-US" dirty="0" smtClean="0">
+                <a:latin typeface="Consolas" panose="020B0609020204030204" pitchFamily="49" charset="0"/>
+              </a:rPr>
+              <a:t>	body;</a:t>
+            </a:r>
+          </a:p>
+          <a:p>
+            <a:r>
+              <a:rPr lang="en-US" dirty="0" smtClean="0">
+                <a:solidFill>
+                  <a:schemeClr val="accent2"/>
+                </a:solidFill>
+                <a:latin typeface="Consolas" panose="020B0609020204030204" pitchFamily="49" charset="0"/>
+              </a:rPr>
+              <a:t>		break</a:t>
+            </a:r>
+            <a:r>
+              <a:rPr lang="en-US" dirty="0" smtClean="0">
+                <a:latin typeface="Consolas" panose="020B0609020204030204" pitchFamily="49" charset="0"/>
+              </a:rPr>
+              <a:t>;</a:t>
+            </a:r>
+          </a:p>
+          <a:p>
+            <a:r>
+              <a:rPr lang="en-US" dirty="0">
+                <a:latin typeface="Consolas" panose="020B0609020204030204" pitchFamily="49" charset="0"/>
+              </a:rPr>
+              <a:t>	</a:t>
+            </a:r>
+            <a:r>
+              <a:rPr lang="en-US" dirty="0">
+                <a:solidFill>
+                  <a:schemeClr val="accent2"/>
+                </a:solidFill>
+                <a:latin typeface="Consolas" panose="020B0609020204030204" pitchFamily="49" charset="0"/>
+              </a:rPr>
+              <a:t>case </a:t>
+            </a:r>
+            <a:r>
+              <a:rPr lang="en-US" dirty="0" smtClean="0">
+                <a:latin typeface="Consolas" panose="020B0609020204030204" pitchFamily="49" charset="0"/>
+              </a:rPr>
+              <a:t>value_2:</a:t>
+            </a:r>
+            <a:endParaRPr lang="en-US" dirty="0">
+              <a:latin typeface="Consolas" panose="020B0609020204030204" pitchFamily="49" charset="0"/>
+            </a:endParaRPr>
+          </a:p>
+          <a:p>
+            <a:r>
+              <a:rPr lang="en-US" dirty="0">
+                <a:latin typeface="Consolas" panose="020B0609020204030204" pitchFamily="49" charset="0"/>
+              </a:rPr>
+              <a:t>		body;</a:t>
+            </a:r>
+          </a:p>
+          <a:p>
+            <a:r>
+              <a:rPr lang="en-US" dirty="0">
+                <a:solidFill>
+                  <a:schemeClr val="accent2"/>
+                </a:solidFill>
+                <a:latin typeface="Consolas" panose="020B0609020204030204" pitchFamily="49" charset="0"/>
+              </a:rPr>
+              <a:t>		break</a:t>
+            </a:r>
+            <a:r>
+              <a:rPr lang="en-US" dirty="0" smtClean="0">
+                <a:latin typeface="Consolas" panose="020B0609020204030204" pitchFamily="49" charset="0"/>
+              </a:rPr>
+              <a:t>;</a:t>
+            </a:r>
+          </a:p>
+          <a:p>
+            <a:r>
+              <a:rPr lang="en-US" dirty="0">
+                <a:latin typeface="Consolas" panose="020B0609020204030204" pitchFamily="49" charset="0"/>
+              </a:rPr>
+              <a:t>	</a:t>
+            </a:r>
+            <a:r>
+              <a:rPr lang="en-US" dirty="0" smtClean="0">
+                <a:solidFill>
+                  <a:schemeClr val="accent5">
+                    <a:lumMod val="75000"/>
+                  </a:schemeClr>
+                </a:solidFill>
+                <a:latin typeface="Consolas" panose="020B0609020204030204" pitchFamily="49" charset="0"/>
+              </a:rPr>
+              <a:t>// …</a:t>
+            </a:r>
+          </a:p>
+          <a:p>
+            <a:r>
+              <a:rPr lang="en-US" dirty="0">
+                <a:solidFill>
+                  <a:schemeClr val="accent5">
+                    <a:lumMod val="75000"/>
+                  </a:schemeClr>
+                </a:solidFill>
+                <a:latin typeface="Consolas" panose="020B0609020204030204" pitchFamily="49" charset="0"/>
+              </a:rPr>
+              <a:t>	</a:t>
+            </a:r>
+            <a:r>
+              <a:rPr lang="en-US" dirty="0">
+                <a:solidFill>
+                  <a:schemeClr val="accent2"/>
+                </a:solidFill>
+                <a:latin typeface="Consolas" panose="020B0609020204030204" pitchFamily="49" charset="0"/>
+              </a:rPr>
+              <a:t> </a:t>
+            </a:r>
+            <a:r>
+              <a:rPr lang="en-US" dirty="0" smtClean="0">
+                <a:solidFill>
+                  <a:schemeClr val="accent2"/>
+                </a:solidFill>
+                <a:latin typeface="Consolas" panose="020B0609020204030204" pitchFamily="49" charset="0"/>
+              </a:rPr>
+              <a:t>default</a:t>
+            </a:r>
+            <a:r>
+              <a:rPr lang="en-US" dirty="0" smtClean="0">
+                <a:latin typeface="Consolas" panose="020B0609020204030204" pitchFamily="49" charset="0"/>
+              </a:rPr>
+              <a:t>:</a:t>
+            </a:r>
+            <a:endParaRPr lang="en-US" dirty="0">
+              <a:latin typeface="Consolas" panose="020B0609020204030204" pitchFamily="49" charset="0"/>
+            </a:endParaRPr>
+          </a:p>
+          <a:p>
+            <a:r>
+              <a:rPr lang="en-US" dirty="0">
+                <a:latin typeface="Consolas" panose="020B0609020204030204" pitchFamily="49" charset="0"/>
+              </a:rPr>
+              <a:t>		body;</a:t>
+            </a:r>
+          </a:p>
+          <a:p>
+            <a:r>
+              <a:rPr lang="en-US" dirty="0">
+                <a:solidFill>
+                  <a:schemeClr val="accent2"/>
+                </a:solidFill>
+                <a:latin typeface="Consolas" panose="020B0609020204030204" pitchFamily="49" charset="0"/>
+              </a:rPr>
+              <a:t>		break</a:t>
+            </a:r>
+            <a:r>
+              <a:rPr lang="en-US" dirty="0">
+                <a:latin typeface="Consolas" panose="020B0609020204030204" pitchFamily="49" charset="0"/>
+              </a:rPr>
+              <a:t>;</a:t>
+            </a:r>
+            <a:endParaRPr lang="en-US" dirty="0">
+              <a:solidFill>
+                <a:schemeClr val="accent5">
+                  <a:lumMod val="75000"/>
+                </a:schemeClr>
+              </a:solidFill>
+              <a:latin typeface="Consolas" panose="020B0609020204030204" pitchFamily="49" charset="0"/>
+            </a:endParaRPr>
+          </a:p>
+          <a:p>
+            <a:r>
+              <a:rPr lang="en-US" dirty="0" smtClean="0">
+                <a:latin typeface="Consolas" panose="020B0609020204030204" pitchFamily="49" charset="0"/>
+              </a:rPr>
+              <a:t>}</a:t>
+            </a:r>
+            <a:endParaRPr lang="en-US" dirty="0">
+              <a:latin typeface="Consolas" panose="020B0609020204030204" pitchFamily="49" charset="0"/>
+            </a:endParaRPr>
+          </a:p>
+        </p:txBody>
+      </p:sp>
+    </p:spTree>
+    <p:extLst>
+      <p:ext uri="{BB962C8B-B14F-4D97-AF65-F5344CB8AC3E}">
+        <p14:creationId xmlns:p14="http://schemas.microsoft.com/office/powerpoint/2010/main" val="2027248920"/>
+      </p:ext>
+    </p:extLst>
+  </p:cSld>
+  <p:clrMapOvr>
+    <a:masterClrMapping/>
+  </p:clrMapOvr>
+  <p:timing>
+    <p:tnLst>
+      <p:par>
+        <p:cTn id="1" dur="indefinite" restart="never" nodeType="tmRoot">
+          <p:childTnLst>
+            <p:seq concurrent="1" nextAc="seek">
+              <p:cTn id="2" dur="indefinite" nodeType="mainSeq">
+                <p:childTnLst>
+                  <p:par>
+                    <p:cTn id="3" fill="hold">
+                      <p:stCondLst>
+                        <p:cond delay="indefinite"/>
+                      </p:stCondLst>
+                      <p:childTnLst>
+                        <p:par>
+                          <p:cTn id="4" fill="hold">
+                            <p:stCondLst>
+                              <p:cond delay="0"/>
+                            </p:stCondLst>
+                            <p:childTnLst>
+                              <p:par>
+                                <p:cTn id="5" presetID="1" presetClass="entr" presetSubtype="0" fill="hold" grpId="0" nodeType="clickEffect">
+                                  <p:stCondLst>
+                                    <p:cond delay="0"/>
+                                  </p:stCondLst>
+                                  <p:childTnLst>
+                                    <p:set>
+                                      <p:cBhvr>
+                                        <p:cTn id="6" dur="1" fill="hold">
+                                          <p:stCondLst>
+                                            <p:cond delay="0"/>
+                                          </p:stCondLst>
+                                        </p:cTn>
+                                        <p:tgtEl>
+                                          <p:spTgt spid="9"/>
+                                        </p:tgtEl>
+                                        <p:attrNameLst>
+                                          <p:attrName>style.visibility</p:attrName>
+                                        </p:attrNameLst>
+                                      </p:cBhvr>
+                                      <p:to>
+                                        <p:strVal val="visible"/>
+                                      </p:to>
+                                    </p:set>
+                                  </p:childTnLst>
+                                </p:cTn>
+                              </p:par>
+                            </p:childTnLst>
+                          </p:cTn>
+                        </p:par>
+                      </p:childTnLst>
+                    </p:cTn>
+                  </p:par>
+                  <p:par>
+                    <p:cTn id="7" fill="hold">
+                      <p:stCondLst>
+                        <p:cond delay="indefinite"/>
+                      </p:stCondLst>
+                      <p:childTnLst>
+                        <p:par>
+                          <p:cTn id="8" fill="hold">
+                            <p:stCondLst>
+                              <p:cond delay="0"/>
+                            </p:stCondLst>
+                            <p:childTnLst>
+                              <p:par>
+                                <p:cTn id="9" presetID="1" presetClass="entr" presetSubtype="0" fill="hold" grpId="0" nodeType="clickEffect">
+                                  <p:stCondLst>
+                                    <p:cond delay="0"/>
+                                  </p:stCondLst>
+                                  <p:childTnLst>
+                                    <p:set>
+                                      <p:cBhvr>
+                                        <p:cTn id="10" dur="1" fill="hold">
+                                          <p:stCondLst>
+                                            <p:cond delay="0"/>
+                                          </p:stCondLst>
+                                        </p:cTn>
+                                        <p:tgtEl>
+                                          <p:spTgt spid="8"/>
+                                        </p:tgtEl>
+                                        <p:attrNameLst>
+                                          <p:attrName>style.visibility</p:attrName>
+                                        </p:attrNameLst>
+                                      </p:cBhvr>
+                                      <p:to>
+                                        <p:strVal val="visible"/>
+                                      </p:to>
+                                    </p:set>
+                                  </p:childTnLst>
+                                </p:cTn>
+                              </p:par>
+                            </p:childTnLst>
+                          </p:cTn>
+                        </p:par>
+                      </p:childTnLst>
+                    </p:cTn>
+                  </p:par>
+                  <p:par>
+                    <p:cTn id="11" fill="hold">
+                      <p:stCondLst>
+                        <p:cond delay="indefinite"/>
+                      </p:stCondLst>
+                      <p:childTnLst>
+                        <p:par>
+                          <p:cTn id="12" fill="hold">
+                            <p:stCondLst>
+                              <p:cond delay="0"/>
+                            </p:stCondLst>
+                            <p:childTnLst>
+                              <p:par>
+                                <p:cTn id="13" presetID="1" presetClass="entr" presetSubtype="0" fill="hold" grpId="0" nodeType="clickEffect">
+                                  <p:stCondLst>
+                                    <p:cond delay="0"/>
+                                  </p:stCondLst>
+                                  <p:childTnLst>
+                                    <p:set>
+                                      <p:cBhvr>
+                                        <p:cTn id="14" dur="1" fill="hold">
+                                          <p:stCondLst>
+                                            <p:cond delay="0"/>
+                                          </p:stCondLst>
+                                        </p:cTn>
+                                        <p:tgtEl>
+                                          <p:spTgt spid="10"/>
+                                        </p:tgtEl>
+                                        <p:attrNameLst>
+                                          <p:attrName>style.visibility</p:attrName>
+                                        </p:attrNameLst>
+                                      </p:cBhvr>
+                                      <p:to>
+                                        <p:strVal val="visible"/>
+                                      </p:to>
+                                    </p:set>
+                                  </p:childTnLst>
+                                </p:cTn>
+                              </p:par>
+                            </p:childTnLst>
+                          </p:cTn>
+                        </p:par>
+                      </p:childTnLst>
+                    </p:cTn>
+                  </p:par>
+                  <p:par>
+                    <p:cTn id="15" fill="hold">
+                      <p:stCondLst>
+                        <p:cond delay="indefinite"/>
+                      </p:stCondLst>
+                      <p:childTnLst>
+                        <p:par>
+                          <p:cTn id="16" fill="hold">
+                            <p:stCondLst>
+                              <p:cond delay="0"/>
+                            </p:stCondLst>
+                            <p:childTnLst>
+                              <p:par>
+                                <p:cTn id="17" presetID="1" presetClass="entr" presetSubtype="0" fill="hold" grpId="0" nodeType="clickEffect">
+                                  <p:stCondLst>
+                                    <p:cond delay="0"/>
+                                  </p:stCondLst>
+                                  <p:childTnLst>
+                                    <p:set>
+                                      <p:cBhvr>
+                                        <p:cTn id="18" dur="1" fill="hold">
+                                          <p:stCondLst>
+                                            <p:cond delay="0"/>
+                                          </p:stCondLst>
+                                        </p:cTn>
+                                        <p:tgtEl>
+                                          <p:spTgt spid="12"/>
+                                        </p:tgtEl>
+                                        <p:attrNameLst>
+                                          <p:attrName>style.visibility</p:attrName>
+                                        </p:attrNameLst>
+                                      </p:cBhvr>
+                                      <p:to>
+                                        <p:strVal val="visible"/>
+                                      </p:to>
+                                    </p:set>
+                                  </p:childTnLst>
+                                </p:cTn>
+                              </p:par>
+                            </p:childTnLst>
+                          </p:cTn>
+                        </p:par>
+                      </p:childTnLst>
+                    </p:cTn>
+                  </p:par>
+                </p:childTnLst>
+              </p:cTn>
+              <p:prevCondLst>
+                <p:cond evt="onPrev" delay="0">
+                  <p:tgtEl>
+                    <p:sldTgt/>
+                  </p:tgtEl>
+                </p:cond>
+              </p:prevCondLst>
+              <p:nextCondLst>
+                <p:cond evt="onNext" delay="0">
+                  <p:tgtEl>
+                    <p:sldTgt/>
+                  </p:tgtEl>
+                </p:cond>
+              </p:nextCondLst>
+            </p:seq>
+          </p:childTnLst>
+        </p:cTn>
+      </p:par>
+    </p:tnLst>
+    <p:bldLst>
+      <p:bldP spid="8" grpId="0"/>
+      <p:bldP spid="9" grpId="0"/>
+      <p:bldP spid="10" grpId="0"/>
+      <p:bldP spid="12" grpId="0"/>
+    </p:bldLst>
+  </p:timing>
+</p:sld>
+</file>
+
+<file path=ppt/slides/slide18.xml><?xml version="1.0" encoding="utf-8"?>
+<p:sld xmlns:a="http://schemas.openxmlformats.org/drawingml/2006/main" xmlns:r="http://schemas.openxmlformats.org/officeDocument/2006/relationships" xmlns:p="http://schemas.openxmlformats.org/presentationml/2006/main">
+  <p:cSld>
+    <p:spTree>
+      <p:nvGrpSpPr>
+        <p:cNvPr id="1" name=""/>
+        <p:cNvGrpSpPr/>
+        <p:nvPr/>
+      </p:nvGrpSpPr>
+      <p:grpSpPr>
+        <a:xfrm>
+          <a:off x="0" y="0"/>
+          <a:ext cx="0" cy="0"/>
+          <a:chOff x="0" y="0"/>
+          <a:chExt cx="0" cy="0"/>
+        </a:xfrm>
+      </p:grpSpPr>
+      <p:sp>
+        <p:nvSpPr>
+          <p:cNvPr id="2" name="Заголовок 1"/>
+          <p:cNvSpPr>
+            <a:spLocks noGrp="1"/>
+          </p:cNvSpPr>
+          <p:nvPr>
+            <p:ph type="title"/>
+          </p:nvPr>
+        </p:nvSpPr>
+        <p:spPr/>
+        <p:txBody>
+          <a:bodyPr/>
+          <a:lstStyle/>
+          <a:p>
+            <a:r>
+              <a:rPr lang="en-US" dirty="0"/>
+              <a:t>C# </a:t>
+            </a:r>
+            <a:r>
+              <a:rPr lang="en-US" dirty="0" smtClean="0"/>
+              <a:t>basics</a:t>
+            </a:r>
+            <a:br>
+              <a:rPr lang="en-US" dirty="0" smtClean="0"/>
+            </a:br>
+            <a:r>
+              <a:rPr lang="en-US" sz="2400" dirty="0" smtClean="0">
+                <a:solidFill>
+                  <a:prstClr val="white">
+                    <a:lumMod val="50000"/>
+                  </a:prstClr>
+                </a:solidFill>
+              </a:rPr>
+              <a:t>Useful links</a:t>
+            </a:r>
+            <a:endParaRPr lang="en-US" dirty="0"/>
+          </a:p>
+        </p:txBody>
+      </p:sp>
+      <p:sp>
+        <p:nvSpPr>
+          <p:cNvPr id="4" name="Дата 3"/>
+          <p:cNvSpPr>
+            <a:spLocks noGrp="1"/>
+          </p:cNvSpPr>
+          <p:nvPr>
+            <p:ph type="dt" sz="half" idx="10"/>
+          </p:nvPr>
+        </p:nvSpPr>
+        <p:spPr>
+          <a:xfrm>
+            <a:off x="6598153" y="6041362"/>
+            <a:ext cx="1518920" cy="365125"/>
+          </a:xfrm>
+        </p:spPr>
+        <p:txBody>
+          <a:bodyPr/>
+          <a:lstStyle/>
+          <a:p>
+            <a:fld id="{939306D3-16AC-481B-963B-74A1D01AC013}" type="datetime3">
+              <a:rPr lang="en-US" sz="1100" smtClean="0"/>
+              <a:t>30 September 2021</a:t>
+            </a:fld>
+            <a:endParaRPr lang="en-US" sz="1100" dirty="0"/>
+          </a:p>
+        </p:txBody>
+      </p:sp>
+      <p:sp>
+        <p:nvSpPr>
+          <p:cNvPr id="5" name="Нижний колонтитул 4"/>
+          <p:cNvSpPr>
+            <a:spLocks noGrp="1"/>
+          </p:cNvSpPr>
+          <p:nvPr>
+            <p:ph type="ftr" sz="quarter" idx="11"/>
+          </p:nvPr>
+        </p:nvSpPr>
+        <p:spPr/>
+        <p:txBody>
+          <a:bodyPr/>
+          <a:lstStyle/>
+          <a:p>
+            <a:r>
+              <a:rPr lang="en-US" sz="1100" dirty="0" smtClean="0"/>
+              <a:t>Automated framework with C#</a:t>
+            </a:r>
+          </a:p>
+          <a:p>
+            <a:r>
+              <a:rPr lang="en-US" sz="1100" dirty="0"/>
+              <a:t>Yury </a:t>
+            </a:r>
+            <a:r>
+              <a:rPr lang="en-US" sz="1100" dirty="0" smtClean="0"/>
+              <a:t>Alifanov</a:t>
+            </a:r>
+            <a:endParaRPr lang="en-US" sz="1100" dirty="0"/>
+          </a:p>
+        </p:txBody>
+      </p:sp>
+      <p:sp>
+        <p:nvSpPr>
+          <p:cNvPr id="6" name="Номер слайда 5"/>
+          <p:cNvSpPr>
+            <a:spLocks noGrp="1"/>
+          </p:cNvSpPr>
+          <p:nvPr>
+            <p:ph type="sldNum" sz="quarter" idx="12"/>
+          </p:nvPr>
+        </p:nvSpPr>
+        <p:spPr/>
+        <p:txBody>
+          <a:bodyPr/>
+          <a:lstStyle/>
+          <a:p>
+            <a:fld id="{519954A3-9DFD-4C44-94BA-B95130A3BA1C}" type="slidenum">
+              <a:rPr lang="en-US" sz="1100" smtClean="0"/>
+              <a:t>18</a:t>
+            </a:fld>
+            <a:endParaRPr lang="en-US" sz="1100" dirty="0"/>
+          </a:p>
+        </p:txBody>
+      </p:sp>
+      <p:sp>
+        <p:nvSpPr>
+          <p:cNvPr id="7" name="TextBox 6"/>
+          <p:cNvSpPr txBox="1"/>
+          <p:nvPr/>
+        </p:nvSpPr>
+        <p:spPr>
+          <a:xfrm>
+            <a:off x="711107" y="2596469"/>
+            <a:ext cx="7879556" cy="2185214"/>
+          </a:xfrm>
+          <a:prstGeom prst="rect">
+            <a:avLst/>
+          </a:prstGeom>
+          <a:noFill/>
+        </p:spPr>
+        <p:txBody>
+          <a:bodyPr wrap="square" rtlCol="0">
+            <a:spAutoFit/>
+          </a:bodyPr>
+          <a:lstStyle/>
+          <a:p>
+            <a:r>
+              <a:rPr lang="en-US" dirty="0" err="1" smtClean="0">
+                <a:latin typeface="Consolas" panose="020B0609020204030204" pitchFamily="49" charset="0"/>
+              </a:rPr>
+              <a:t>Svetlin</a:t>
+            </a:r>
+            <a:r>
+              <a:rPr lang="en-US" dirty="0" smtClean="0">
+                <a:latin typeface="Consolas" panose="020B0609020204030204" pitchFamily="49" charset="0"/>
+              </a:rPr>
+              <a:t> </a:t>
+            </a:r>
+            <a:r>
+              <a:rPr lang="en-US" dirty="0" err="1" smtClean="0">
+                <a:latin typeface="Consolas" panose="020B0609020204030204" pitchFamily="49" charset="0"/>
+              </a:rPr>
+              <a:t>Nakov</a:t>
+            </a:r>
+            <a:r>
+              <a:rPr lang="en-US" dirty="0" smtClean="0">
+                <a:latin typeface="Consolas" panose="020B0609020204030204" pitchFamily="49" charset="0"/>
+              </a:rPr>
+              <a:t> and Team</a:t>
+            </a:r>
+          </a:p>
+          <a:p>
+            <a:r>
+              <a:rPr lang="en-US" dirty="0" smtClean="0">
+                <a:latin typeface="Consolas" panose="020B0609020204030204" pitchFamily="49" charset="0"/>
+              </a:rPr>
+              <a:t>“Fundamentals of Computer Programming with C#”</a:t>
+            </a:r>
+          </a:p>
+          <a:p>
+            <a:endParaRPr lang="en-US" dirty="0">
+              <a:solidFill>
+                <a:srgbClr val="33CCCC"/>
+              </a:solidFill>
+              <a:latin typeface="Consolas" panose="020B0609020204030204" pitchFamily="49" charset="0"/>
+            </a:endParaRPr>
+          </a:p>
+          <a:p>
+            <a:r>
+              <a:rPr lang="en-US" dirty="0">
+                <a:solidFill>
+                  <a:srgbClr val="33CCCC"/>
+                </a:solidFill>
+                <a:latin typeface="Consolas" panose="020B0609020204030204" pitchFamily="49" charset="0"/>
+                <a:hlinkClick r:id="rId3"/>
+              </a:rPr>
+              <a:t>https://</a:t>
+            </a:r>
+            <a:r>
+              <a:rPr lang="en-US" dirty="0" smtClean="0">
+                <a:solidFill>
+                  <a:srgbClr val="33CCCC"/>
+                </a:solidFill>
+                <a:latin typeface="Consolas" panose="020B0609020204030204" pitchFamily="49" charset="0"/>
+                <a:hlinkClick r:id="rId3"/>
+              </a:rPr>
+              <a:t>introprogramming.info/english-intro-csharp-book</a:t>
+            </a:r>
+            <a:endParaRPr lang="en-US" dirty="0" smtClean="0">
+              <a:solidFill>
+                <a:srgbClr val="33CCCC"/>
+              </a:solidFill>
+              <a:latin typeface="Consolas" panose="020B0609020204030204" pitchFamily="49" charset="0"/>
+            </a:endParaRPr>
+          </a:p>
+          <a:p>
+            <a:endParaRPr lang="en-US" sz="1600" dirty="0" smtClean="0">
+              <a:solidFill>
+                <a:srgbClr val="33CCCC"/>
+              </a:solidFill>
+              <a:latin typeface="Consolas" panose="020B0609020204030204" pitchFamily="49" charset="0"/>
+            </a:endParaRPr>
+          </a:p>
+          <a:p>
+            <a:r>
+              <a:rPr lang="en-US" sz="1600" dirty="0" err="1" smtClean="0">
+                <a:latin typeface="Consolas" panose="020B0609020204030204" pitchFamily="49" charset="0"/>
+              </a:rPr>
+              <a:t>Metanit</a:t>
+            </a:r>
+            <a:r>
+              <a:rPr lang="en-US" sz="1600" dirty="0" smtClean="0">
+                <a:latin typeface="Consolas" panose="020B0609020204030204" pitchFamily="49" charset="0"/>
+              </a:rPr>
+              <a:t> site</a:t>
+            </a:r>
+          </a:p>
+          <a:p>
+            <a:endParaRPr lang="en-US" sz="1600" dirty="0" smtClean="0">
+              <a:latin typeface="Consolas" panose="020B0609020204030204" pitchFamily="49" charset="0"/>
+            </a:endParaRPr>
+          </a:p>
+          <a:p>
+            <a:r>
+              <a:rPr lang="en-US" sz="1600" dirty="0" smtClean="0">
+                <a:latin typeface="Consolas" panose="020B0609020204030204" pitchFamily="49" charset="0"/>
+                <a:hlinkClick r:id="rId4"/>
+              </a:rPr>
+              <a:t>https://metanit.com/sharp/tutorial/</a:t>
+            </a:r>
+            <a:endParaRPr lang="en-US" sz="1600" dirty="0" smtClean="0">
+              <a:latin typeface="Consolas" panose="020B0609020204030204" pitchFamily="49" charset="0"/>
+            </a:endParaRPr>
+          </a:p>
+        </p:txBody>
+      </p:sp>
+    </p:spTree>
+    <p:extLst>
+      <p:ext uri="{BB962C8B-B14F-4D97-AF65-F5344CB8AC3E}">
+        <p14:creationId xmlns:p14="http://schemas.microsoft.com/office/powerpoint/2010/main" val="3126519434"/>
+      </p:ext>
+    </p:extLst>
+  </p:cSld>
+  <p:clrMapOvr>
+    <a:masterClrMapping/>
+  </p:clrMapOvr>
+  <p:timing>
+    <p:tnLst>
+      <p:par>
+        <p:cTn id="1" dur="indefinite" restart="never" nodeType="tmRoot"/>
+      </p:par>
+    </p:tnLst>
+  </p:timing>
+</p:sld>
+</file>
+
+<file path=ppt/slides/slide19.xml><?xml version="1.0" encoding="utf-8"?>
+<p:sld xmlns:a="http://schemas.openxmlformats.org/drawingml/2006/main" xmlns:r="http://schemas.openxmlformats.org/officeDocument/2006/relationships" xmlns:p="http://schemas.openxmlformats.org/presentationml/2006/main">
+  <p:cSld>
+    <p:spTree>
+      <p:nvGrpSpPr>
+        <p:cNvPr id="1" name=""/>
+        <p:cNvGrpSpPr/>
+        <p:nvPr/>
+      </p:nvGrpSpPr>
+      <p:grpSpPr>
+        <a:xfrm>
+          <a:off x="0" y="0"/>
+          <a:ext cx="0" cy="0"/>
+          <a:chOff x="0" y="0"/>
+          <a:chExt cx="0" cy="0"/>
+        </a:xfrm>
+      </p:grpSpPr>
+      <p:sp>
+        <p:nvSpPr>
+          <p:cNvPr id="4" name="Дата 3"/>
+          <p:cNvSpPr>
+            <a:spLocks noGrp="1"/>
+          </p:cNvSpPr>
+          <p:nvPr>
+            <p:ph type="dt" sz="half" idx="10"/>
+          </p:nvPr>
+        </p:nvSpPr>
+        <p:spPr>
+          <a:xfrm>
+            <a:off x="6518189" y="6041362"/>
+            <a:ext cx="1598883" cy="365125"/>
+          </a:xfrm>
+        </p:spPr>
+        <p:txBody>
+          <a:bodyPr/>
+          <a:lstStyle/>
+          <a:p>
+            <a:fld id="{E3705B4D-1726-4BAB-A90E-07379DAEAD37}" type="datetime3">
+              <a:rPr lang="en-US" sz="1100" smtClean="0"/>
+              <a:t>30 September 2021</a:t>
+            </a:fld>
+            <a:endParaRPr lang="en-US" sz="1100" dirty="0"/>
+          </a:p>
+        </p:txBody>
+      </p:sp>
+      <p:sp>
+        <p:nvSpPr>
+          <p:cNvPr id="5" name="Нижний колонтитул 4"/>
+          <p:cNvSpPr>
+            <a:spLocks noGrp="1"/>
+          </p:cNvSpPr>
+          <p:nvPr>
+            <p:ph type="ftr" sz="quarter" idx="11"/>
+          </p:nvPr>
+        </p:nvSpPr>
+        <p:spPr/>
+        <p:txBody>
+          <a:bodyPr/>
+          <a:lstStyle/>
+          <a:p>
+            <a:r>
+              <a:rPr lang="en-US" sz="1100" dirty="0" smtClean="0"/>
+              <a:t>Automated framework with C#</a:t>
+            </a:r>
+          </a:p>
+          <a:p>
+            <a:r>
+              <a:rPr lang="en-US" sz="1100" dirty="0"/>
+              <a:t>Yury </a:t>
+            </a:r>
+            <a:r>
+              <a:rPr lang="en-US" sz="1100" dirty="0" smtClean="0"/>
+              <a:t>Alifanov</a:t>
+            </a:r>
+            <a:endParaRPr lang="en-US" sz="1100" dirty="0"/>
+          </a:p>
+        </p:txBody>
+      </p:sp>
+      <p:sp>
+        <p:nvSpPr>
+          <p:cNvPr id="6" name="Номер слайда 5"/>
+          <p:cNvSpPr>
+            <a:spLocks noGrp="1"/>
+          </p:cNvSpPr>
+          <p:nvPr>
+            <p:ph type="sldNum" sz="quarter" idx="12"/>
+          </p:nvPr>
+        </p:nvSpPr>
+        <p:spPr/>
+        <p:txBody>
+          <a:bodyPr/>
+          <a:lstStyle/>
+          <a:p>
+            <a:fld id="{519954A3-9DFD-4C44-94BA-B95130A3BA1C}" type="slidenum">
+              <a:rPr lang="en-US" sz="1100" smtClean="0"/>
+              <a:t>19</a:t>
             </a:fld>
             <a:endParaRPr lang="en-US" sz="1100" dirty="0"/>
           </a:p>
@@ -12384,7 +15598,7 @@
           <a:p>
             <a:fld id="{E3705B4D-1726-4BAB-A90E-07379DAEAD37}" type="datetime3">
               <a:rPr lang="en-US" sz="1100" smtClean="0"/>
-              <a:t>27 September 2021</a:t>
+              <a:t>30 September 2021</a:t>
             </a:fld>
             <a:endParaRPr lang="en-US" sz="1100" dirty="0"/>
           </a:p>
@@ -12836,7 +16050,7 @@
           <a:p>
             <a:fld id="{3792B3D8-82DF-4A6C-AFC1-06AFC1ABA742}" type="datetime3">
               <a:rPr lang="en-US" sz="1100" smtClean="0"/>
-              <a:t>27 September 2021</a:t>
+              <a:t>30 September 2021</a:t>
             </a:fld>
             <a:endParaRPr lang="en-US" sz="1100" dirty="0"/>
           </a:p>
@@ -13784,7 +16998,7 @@
           <a:p>
             <a:fld id="{E3705B4D-1726-4BAB-A90E-07379DAEAD37}" type="datetime3">
               <a:rPr lang="en-US" sz="1100" smtClean="0"/>
-              <a:t>27 September 2021</a:t>
+              <a:t>30 September 2021</a:t>
             </a:fld>
             <a:endParaRPr lang="en-US" sz="1100" dirty="0"/>
           </a:p>
@@ -14197,7 +17411,7 @@
           <a:p>
             <a:fld id="{171B5815-5139-4A68-A9FA-D26193D11F2D}" type="datetime3">
               <a:rPr lang="en-US" sz="1100" smtClean="0"/>
-              <a:t>27 September 2021</a:t>
+              <a:t>30 September 2021</a:t>
             </a:fld>
             <a:endParaRPr lang="en-US" sz="1100" dirty="0"/>
           </a:p>
@@ -15570,7 +18784,7 @@
           <a:p>
             <a:fld id="{E3705B4D-1726-4BAB-A90E-07379DAEAD37}" type="datetime3">
               <a:rPr lang="en-US" sz="1100" smtClean="0"/>
-              <a:t>27 September 2021</a:t>
+              <a:t>30 September 2021</a:t>
             </a:fld>
             <a:endParaRPr lang="en-US" sz="1100" dirty="0"/>
           </a:p>
@@ -15992,7 +19206,7 @@
           <a:p>
             <a:fld id="{E3705B4D-1726-4BAB-A90E-07379DAEAD37}" type="datetime3">
               <a:rPr lang="en-US" sz="1100" smtClean="0"/>
-              <a:t>27 September 2021</a:t>
+              <a:t>30 September 2021</a:t>
             </a:fld>
             <a:endParaRPr lang="en-US" sz="1100" dirty="0"/>
           </a:p>
@@ -17413,7 +20627,7 @@
           <a:p>
             <a:fld id="{146212BB-D587-45E4-8C80-89DA935C1E81}" type="datetime3">
               <a:rPr lang="en-US" sz="1100" smtClean="0"/>
-              <a:t>27 September 2021</a:t>
+              <a:t>30 September 2021</a:t>
             </a:fld>
             <a:endParaRPr lang="en-US" sz="1100" dirty="0"/>
           </a:p>
@@ -17881,15 +21095,7 @@
             </a:r>
             <a:r>
               <a:rPr lang="en-US" dirty="0" smtClean="0"/>
-              <a:t> </a:t>
-            </a:r>
-            <a:r>
-              <a:rPr lang="en-US" dirty="0" smtClean="0"/>
-              <a:t>push origin (+)HEAD </a:t>
-            </a:r>
-            <a:r>
-              <a:rPr lang="en-US" dirty="0" smtClean="0"/>
-              <a:t>– Push all local commits to remote repository</a:t>
+              <a:t> push – Push all local commits to remote repository</a:t>
             </a:r>
           </a:p>
           <a:p>
@@ -18239,7 +21445,7 @@
           <a:p>
             <a:fld id="{63E2318F-0C04-4A9D-B71F-4760BF0D8622}" type="datetime3">
               <a:rPr lang="en-US" sz="1100" smtClean="0"/>
-              <a:t>27 September 2021</a:t>
+              <a:t>30 September 2021</a:t>
             </a:fld>
             <a:endParaRPr lang="en-US" sz="1100" dirty="0"/>
           </a:p>

--- a/Alifanov.ITLeadersCourse/Automated framework with C#.pptx
+++ b/Alifanov.ITLeadersCourse/Automated framework with C#.pptx
@@ -5,7 +5,7 @@
     <p:sldMasterId id="2147483648" r:id="rId1"/>
   </p:sldMasterIdLst>
   <p:notesMasterIdLst>
-    <p:notesMasterId r:id="rId21"/>
+    <p:notesMasterId r:id="rId25"/>
   </p:notesMasterIdLst>
   <p:sldIdLst>
     <p:sldId id="256" r:id="rId2"/>
@@ -25,8 +25,12 @@
     <p:sldId id="282" r:id="rId16"/>
     <p:sldId id="266" r:id="rId17"/>
     <p:sldId id="269" r:id="rId18"/>
-    <p:sldId id="295" r:id="rId19"/>
-    <p:sldId id="294" r:id="rId20"/>
+    <p:sldId id="283" r:id="rId19"/>
+    <p:sldId id="267" r:id="rId20"/>
+    <p:sldId id="271" r:id="rId21"/>
+    <p:sldId id="268" r:id="rId22"/>
+    <p:sldId id="295" r:id="rId23"/>
+    <p:sldId id="294" r:id="rId24"/>
   </p:sldIdLst>
   <p:sldSz cx="12192000" cy="6858000"/>
   <p:notesSz cx="6858000" cy="9144000"/>
@@ -227,7 +231,7 @@
           <a:p>
             <a:fld id="{04BB28D0-A67A-445A-845D-15D23A1D5A30}" type="datetimeFigureOut">
               <a:rPr lang="en-US" smtClean="0"/>
-              <a:t>9/30/2021</a:t>
+              <a:t>10/4/2021</a:t>
             </a:fld>
             <a:endParaRPr lang="en-US"/>
           </a:p>
@@ -1297,9 +1301,10 @@
           <a:lstStyle/>
           <a:p>
             <a:pPr marL="0" indent="0">
+              <a:buFont typeface="+mj-lt"/>
               <a:buNone/>
             </a:pPr>
-            <a:endParaRPr lang="en-US" baseline="0" dirty="0" smtClean="0"/>
+            <a:endParaRPr lang="en-US" dirty="0" smtClean="0"/>
           </a:p>
         </p:txBody>
       </p:sp>
@@ -1329,7 +1334,7 @@
     </p:spTree>
     <p:extLst>
       <p:ext uri="{BB962C8B-B14F-4D97-AF65-F5344CB8AC3E}">
-        <p14:creationId xmlns:p14="http://schemas.microsoft.com/office/powerpoint/2010/main" val="489106304"/>
+        <p14:creationId xmlns:p14="http://schemas.microsoft.com/office/powerpoint/2010/main" val="2341131120"/>
       </p:ext>
     </p:extLst>
   </p:cSld>
@@ -1384,10 +1389,51 @@
           <a:lstStyle/>
           <a:p>
             <a:pPr marL="0" indent="0">
-              <a:buFont typeface="+mj-lt"/>
               <a:buNone/>
             </a:pPr>
-            <a:endParaRPr lang="en-US" dirty="0" smtClean="0"/>
+            <a:r>
+              <a:rPr lang="en-US" baseline="0" dirty="0" smtClean="0"/>
+              <a:t>Lesson 3 Arrays and Loops</a:t>
+            </a:r>
+          </a:p>
+          <a:p>
+            <a:pPr marL="0" indent="0">
+              <a:buNone/>
+            </a:pPr>
+            <a:endParaRPr lang="en-US" baseline="0" dirty="0" smtClean="0"/>
+          </a:p>
+          <a:p>
+            <a:pPr marL="228600" indent="-228600">
+              <a:buAutoNum type="arabicPeriod"/>
+            </a:pPr>
+            <a:r>
+              <a:rPr lang="en-US" baseline="0" dirty="0" smtClean="0"/>
+              <a:t>Homework questions and answers</a:t>
+            </a:r>
+          </a:p>
+          <a:p>
+            <a:pPr marL="228600" indent="-228600">
+              <a:buAutoNum type="arabicPeriod"/>
+            </a:pPr>
+            <a:r>
+              <a:rPr lang="en-US" baseline="0" dirty="0" smtClean="0"/>
+              <a:t>Introduction</a:t>
+            </a:r>
+          </a:p>
+          <a:p>
+            <a:pPr marL="228600" indent="-228600">
+              <a:buAutoNum type="arabicPeriod"/>
+            </a:pPr>
+            <a:r>
+              <a:rPr lang="en-US" baseline="0" dirty="0" smtClean="0"/>
+              <a:t>Create a new branch</a:t>
+            </a:r>
+          </a:p>
+          <a:p>
+            <a:pPr marL="228600" indent="-228600">
+              <a:buAutoNum type="arabicPeriod"/>
+            </a:pPr>
+            <a:endParaRPr lang="en-US" baseline="0" dirty="0" smtClean="0"/>
           </a:p>
         </p:txBody>
       </p:sp>
@@ -1417,7 +1463,227 @@
     </p:spTree>
     <p:extLst>
       <p:ext uri="{BB962C8B-B14F-4D97-AF65-F5344CB8AC3E}">
-        <p14:creationId xmlns:p14="http://schemas.microsoft.com/office/powerpoint/2010/main" val="760581871"/>
+        <p14:creationId xmlns:p14="http://schemas.microsoft.com/office/powerpoint/2010/main" val="718166942"/>
+      </p:ext>
+    </p:extLst>
+  </p:cSld>
+  <p:clrMapOvr>
+    <a:masterClrMapping/>
+  </p:clrMapOvr>
+</p:notes>
+</file>
+
+<file path=ppt/notesSlides/notesSlide18.xml><?xml version="1.0" encoding="utf-8"?>
+<p:notes xmlns:a="http://schemas.openxmlformats.org/drawingml/2006/main" xmlns:r="http://schemas.openxmlformats.org/officeDocument/2006/relationships" xmlns:p="http://schemas.openxmlformats.org/presentationml/2006/main">
+  <p:cSld>
+    <p:spTree>
+      <p:nvGrpSpPr>
+        <p:cNvPr id="1" name=""/>
+        <p:cNvGrpSpPr/>
+        <p:nvPr/>
+      </p:nvGrpSpPr>
+      <p:grpSpPr>
+        <a:xfrm>
+          <a:off x="0" y="0"/>
+          <a:ext cx="0" cy="0"/>
+          <a:chOff x="0" y="0"/>
+          <a:chExt cx="0" cy="0"/>
+        </a:xfrm>
+      </p:grpSpPr>
+      <p:sp>
+        <p:nvSpPr>
+          <p:cNvPr id="2" name="Образ слайда 1"/>
+          <p:cNvSpPr>
+            <a:spLocks noGrp="1" noRot="1" noChangeAspect="1"/>
+          </p:cNvSpPr>
+          <p:nvPr>
+            <p:ph type="sldImg"/>
+          </p:nvPr>
+        </p:nvSpPr>
+        <p:spPr/>
+      </p:sp>
+      <p:sp>
+        <p:nvSpPr>
+          <p:cNvPr id="3" name="Заметки 2"/>
+          <p:cNvSpPr>
+            <a:spLocks noGrp="1"/>
+          </p:cNvSpPr>
+          <p:nvPr>
+            <p:ph type="body" idx="1"/>
+          </p:nvPr>
+        </p:nvSpPr>
+        <p:spPr/>
+        <p:txBody>
+          <a:bodyPr/>
+          <a:lstStyle/>
+          <a:p>
+            <a:pPr marL="0" indent="0">
+              <a:buNone/>
+            </a:pPr>
+            <a:endParaRPr lang="en-US" baseline="0" dirty="0" smtClean="0"/>
+          </a:p>
+        </p:txBody>
+      </p:sp>
+      <p:sp>
+        <p:nvSpPr>
+          <p:cNvPr id="4" name="Номер слайда 3"/>
+          <p:cNvSpPr>
+            <a:spLocks noGrp="1"/>
+          </p:cNvSpPr>
+          <p:nvPr>
+            <p:ph type="sldNum" sz="quarter" idx="10"/>
+          </p:nvPr>
+        </p:nvSpPr>
+        <p:spPr/>
+        <p:txBody>
+          <a:bodyPr/>
+          <a:lstStyle/>
+          <a:p>
+            <a:fld id="{72322572-43F4-4B03-89EA-3E2E4F93C9D1}" type="slidenum">
+              <a:rPr lang="en-US" smtClean="0"/>
+              <a:t>20</a:t>
+            </a:fld>
+            <a:endParaRPr lang="en-US"/>
+          </a:p>
+        </p:txBody>
+      </p:sp>
+    </p:spTree>
+    <p:extLst>
+      <p:ext uri="{BB962C8B-B14F-4D97-AF65-F5344CB8AC3E}">
+        <p14:creationId xmlns:p14="http://schemas.microsoft.com/office/powerpoint/2010/main" val="1510030132"/>
+      </p:ext>
+    </p:extLst>
+  </p:cSld>
+  <p:clrMapOvr>
+    <a:masterClrMapping/>
+  </p:clrMapOvr>
+</p:notes>
+</file>
+
+<file path=ppt/notesSlides/notesSlide19.xml><?xml version="1.0" encoding="utf-8"?>
+<p:notes xmlns:a="http://schemas.openxmlformats.org/drawingml/2006/main" xmlns:r="http://schemas.openxmlformats.org/officeDocument/2006/relationships" xmlns:p="http://schemas.openxmlformats.org/presentationml/2006/main">
+  <p:cSld>
+    <p:spTree>
+      <p:nvGrpSpPr>
+        <p:cNvPr id="1" name=""/>
+        <p:cNvGrpSpPr/>
+        <p:nvPr/>
+      </p:nvGrpSpPr>
+      <p:grpSpPr>
+        <a:xfrm>
+          <a:off x="0" y="0"/>
+          <a:ext cx="0" cy="0"/>
+          <a:chOff x="0" y="0"/>
+          <a:chExt cx="0" cy="0"/>
+        </a:xfrm>
+      </p:grpSpPr>
+      <p:sp>
+        <p:nvSpPr>
+          <p:cNvPr id="2" name="Образ слайда 1"/>
+          <p:cNvSpPr>
+            <a:spLocks noGrp="1" noRot="1" noChangeAspect="1"/>
+          </p:cNvSpPr>
+          <p:nvPr>
+            <p:ph type="sldImg"/>
+          </p:nvPr>
+        </p:nvSpPr>
+        <p:spPr/>
+      </p:sp>
+      <p:sp>
+        <p:nvSpPr>
+          <p:cNvPr id="3" name="Заметки 2"/>
+          <p:cNvSpPr>
+            <a:spLocks noGrp="1"/>
+          </p:cNvSpPr>
+          <p:nvPr>
+            <p:ph type="body" idx="1"/>
+          </p:nvPr>
+        </p:nvSpPr>
+        <p:spPr/>
+        <p:txBody>
+          <a:bodyPr/>
+          <a:lstStyle/>
+          <a:p>
+            <a:pPr marL="228600" indent="-228600">
+              <a:buAutoNum type="arabicPeriod"/>
+            </a:pPr>
+            <a:r>
+              <a:rPr lang="en-US" dirty="0" smtClean="0"/>
+              <a:t>Make</a:t>
+            </a:r>
+            <a:r>
+              <a:rPr lang="en-US" baseline="0" dirty="0" smtClean="0"/>
+              <a:t> a commit</a:t>
+            </a:r>
+          </a:p>
+          <a:p>
+            <a:pPr marL="228600" indent="-228600">
+              <a:buAutoNum type="arabicPeriod"/>
+            </a:pPr>
+            <a:r>
+              <a:rPr lang="en-US" baseline="0" dirty="0" smtClean="0"/>
+              <a:t>Push the commit</a:t>
+            </a:r>
+          </a:p>
+          <a:p>
+            <a:pPr marL="228600" indent="-228600">
+              <a:buAutoNum type="arabicPeriod"/>
+            </a:pPr>
+            <a:r>
+              <a:rPr lang="en-US" baseline="0" dirty="0" smtClean="0"/>
+              <a:t>Make a PR and approve it</a:t>
+            </a:r>
+          </a:p>
+          <a:p>
+            <a:pPr marL="228600" indent="-228600">
+              <a:buAutoNum type="arabicPeriod"/>
+            </a:pPr>
+            <a:endParaRPr lang="en-US" baseline="0" dirty="0" smtClean="0"/>
+          </a:p>
+          <a:p>
+            <a:pPr marL="0" indent="0">
+              <a:buNone/>
+            </a:pPr>
+            <a:r>
+              <a:rPr lang="en-US" baseline="0" dirty="0" smtClean="0"/>
+              <a:t>End Lesson 3.</a:t>
+            </a:r>
+          </a:p>
+          <a:p>
+            <a:pPr marL="0" indent="0">
+              <a:buNone/>
+            </a:pPr>
+            <a:endParaRPr lang="en-US" baseline="0" dirty="0" smtClean="0"/>
+          </a:p>
+        </p:txBody>
+      </p:sp>
+      <p:sp>
+        <p:nvSpPr>
+          <p:cNvPr id="4" name="Номер слайда 3"/>
+          <p:cNvSpPr>
+            <a:spLocks noGrp="1"/>
+          </p:cNvSpPr>
+          <p:nvPr>
+            <p:ph type="sldNum" sz="quarter" idx="10"/>
+          </p:nvPr>
+        </p:nvSpPr>
+        <p:spPr/>
+        <p:txBody>
+          <a:bodyPr/>
+          <a:lstStyle/>
+          <a:p>
+            <a:fld id="{72322572-43F4-4B03-89EA-3E2E4F93C9D1}" type="slidenum">
+              <a:rPr lang="en-US" smtClean="0"/>
+              <a:t>21</a:t>
+            </a:fld>
+            <a:endParaRPr lang="en-US"/>
+          </a:p>
+        </p:txBody>
+      </p:sp>
+    </p:spTree>
+    <p:extLst>
+      <p:ext uri="{BB962C8B-B14F-4D97-AF65-F5344CB8AC3E}">
+        <p14:creationId xmlns:p14="http://schemas.microsoft.com/office/powerpoint/2010/main" val="3418982042"/>
       </p:ext>
     </p:extLst>
   </p:cSld>
@@ -1506,6 +1772,181 @@
     <p:extLst>
       <p:ext uri="{BB962C8B-B14F-4D97-AF65-F5344CB8AC3E}">
         <p14:creationId xmlns:p14="http://schemas.microsoft.com/office/powerpoint/2010/main" val="2871674988"/>
+      </p:ext>
+    </p:extLst>
+  </p:cSld>
+  <p:clrMapOvr>
+    <a:masterClrMapping/>
+  </p:clrMapOvr>
+</p:notes>
+</file>
+
+<file path=ppt/notesSlides/notesSlide20.xml><?xml version="1.0" encoding="utf-8"?>
+<p:notes xmlns:a="http://schemas.openxmlformats.org/drawingml/2006/main" xmlns:r="http://schemas.openxmlformats.org/officeDocument/2006/relationships" xmlns:p="http://schemas.openxmlformats.org/presentationml/2006/main">
+  <p:cSld>
+    <p:spTree>
+      <p:nvGrpSpPr>
+        <p:cNvPr id="1" name=""/>
+        <p:cNvGrpSpPr/>
+        <p:nvPr/>
+      </p:nvGrpSpPr>
+      <p:grpSpPr>
+        <a:xfrm>
+          <a:off x="0" y="0"/>
+          <a:ext cx="0" cy="0"/>
+          <a:chOff x="0" y="0"/>
+          <a:chExt cx="0" cy="0"/>
+        </a:xfrm>
+      </p:grpSpPr>
+      <p:sp>
+        <p:nvSpPr>
+          <p:cNvPr id="2" name="Образ слайда 1"/>
+          <p:cNvSpPr>
+            <a:spLocks noGrp="1" noRot="1" noChangeAspect="1"/>
+          </p:cNvSpPr>
+          <p:nvPr>
+            <p:ph type="sldImg"/>
+          </p:nvPr>
+        </p:nvSpPr>
+        <p:spPr/>
+      </p:sp>
+      <p:sp>
+        <p:nvSpPr>
+          <p:cNvPr id="3" name="Заметки 2"/>
+          <p:cNvSpPr>
+            <a:spLocks noGrp="1"/>
+          </p:cNvSpPr>
+          <p:nvPr>
+            <p:ph type="body" idx="1"/>
+          </p:nvPr>
+        </p:nvSpPr>
+        <p:spPr/>
+        <p:txBody>
+          <a:bodyPr/>
+          <a:lstStyle/>
+          <a:p>
+            <a:pPr marL="0" indent="0">
+              <a:buNone/>
+            </a:pPr>
+            <a:endParaRPr lang="en-US" baseline="0" dirty="0" smtClean="0"/>
+          </a:p>
+        </p:txBody>
+      </p:sp>
+      <p:sp>
+        <p:nvSpPr>
+          <p:cNvPr id="4" name="Номер слайда 3"/>
+          <p:cNvSpPr>
+            <a:spLocks noGrp="1"/>
+          </p:cNvSpPr>
+          <p:nvPr>
+            <p:ph type="sldNum" sz="quarter" idx="10"/>
+          </p:nvPr>
+        </p:nvSpPr>
+        <p:spPr/>
+        <p:txBody>
+          <a:bodyPr/>
+          <a:lstStyle/>
+          <a:p>
+            <a:fld id="{72322572-43F4-4B03-89EA-3E2E4F93C9D1}" type="slidenum">
+              <a:rPr lang="en-US" smtClean="0"/>
+              <a:t>22</a:t>
+            </a:fld>
+            <a:endParaRPr lang="en-US"/>
+          </a:p>
+        </p:txBody>
+      </p:sp>
+    </p:spTree>
+    <p:extLst>
+      <p:ext uri="{BB962C8B-B14F-4D97-AF65-F5344CB8AC3E}">
+        <p14:creationId xmlns:p14="http://schemas.microsoft.com/office/powerpoint/2010/main" val="489106304"/>
+      </p:ext>
+    </p:extLst>
+  </p:cSld>
+  <p:clrMapOvr>
+    <a:masterClrMapping/>
+  </p:clrMapOvr>
+</p:notes>
+</file>
+
+<file path=ppt/notesSlides/notesSlide21.xml><?xml version="1.0" encoding="utf-8"?>
+<p:notes xmlns:a="http://schemas.openxmlformats.org/drawingml/2006/main" xmlns:r="http://schemas.openxmlformats.org/officeDocument/2006/relationships" xmlns:p="http://schemas.openxmlformats.org/presentationml/2006/main">
+  <p:cSld>
+    <p:spTree>
+      <p:nvGrpSpPr>
+        <p:cNvPr id="1" name=""/>
+        <p:cNvGrpSpPr/>
+        <p:nvPr/>
+      </p:nvGrpSpPr>
+      <p:grpSpPr>
+        <a:xfrm>
+          <a:off x="0" y="0"/>
+          <a:ext cx="0" cy="0"/>
+          <a:chOff x="0" y="0"/>
+          <a:chExt cx="0" cy="0"/>
+        </a:xfrm>
+      </p:grpSpPr>
+      <p:sp>
+        <p:nvSpPr>
+          <p:cNvPr id="2" name="Образ слайда 1"/>
+          <p:cNvSpPr>
+            <a:spLocks noGrp="1" noRot="1" noChangeAspect="1"/>
+          </p:cNvSpPr>
+          <p:nvPr>
+            <p:ph type="sldImg"/>
+          </p:nvPr>
+        </p:nvSpPr>
+        <p:spPr/>
+      </p:sp>
+      <p:sp>
+        <p:nvSpPr>
+          <p:cNvPr id="3" name="Заметки 2"/>
+          <p:cNvSpPr>
+            <a:spLocks noGrp="1"/>
+          </p:cNvSpPr>
+          <p:nvPr>
+            <p:ph type="body" idx="1"/>
+          </p:nvPr>
+        </p:nvSpPr>
+        <p:spPr/>
+        <p:txBody>
+          <a:bodyPr/>
+          <a:lstStyle/>
+          <a:p>
+            <a:pPr marL="0" indent="0">
+              <a:buFont typeface="+mj-lt"/>
+              <a:buNone/>
+            </a:pPr>
+            <a:endParaRPr lang="en-US" dirty="0" smtClean="0"/>
+          </a:p>
+        </p:txBody>
+      </p:sp>
+      <p:sp>
+        <p:nvSpPr>
+          <p:cNvPr id="4" name="Номер слайда 3"/>
+          <p:cNvSpPr>
+            <a:spLocks noGrp="1"/>
+          </p:cNvSpPr>
+          <p:nvPr>
+            <p:ph type="sldNum" sz="quarter" idx="10"/>
+          </p:nvPr>
+        </p:nvSpPr>
+        <p:spPr/>
+        <p:txBody>
+          <a:bodyPr/>
+          <a:lstStyle/>
+          <a:p>
+            <a:fld id="{72322572-43F4-4B03-89EA-3E2E4F93C9D1}" type="slidenum">
+              <a:rPr lang="en-US" smtClean="0"/>
+              <a:t>23</a:t>
+            </a:fld>
+            <a:endParaRPr lang="en-US"/>
+          </a:p>
+        </p:txBody>
+      </p:sp>
+    </p:spTree>
+    <p:extLst>
+      <p:ext uri="{BB962C8B-B14F-4D97-AF65-F5344CB8AC3E}">
+        <p14:creationId xmlns:p14="http://schemas.microsoft.com/office/powerpoint/2010/main" val="760581871"/>
       </p:ext>
     </p:extLst>
   </p:cSld>
@@ -3067,7 +3508,7 @@
           <a:p>
             <a:fld id="{6E0645D3-1BEA-4FA9-AB54-C0B0A8D021AD}" type="datetime3">
               <a:rPr lang="en-US" smtClean="0"/>
-              <a:t>30 September 2021</a:t>
+              <a:t>4 October 2021</a:t>
             </a:fld>
             <a:endParaRPr lang="en-US" dirty="0"/>
           </a:p>
@@ -3318,7 +3759,7 @@
           <a:p>
             <a:fld id="{40AD50CD-C363-44DD-AE5B-203C5D40B13B}" type="datetime3">
               <a:rPr lang="en-US" smtClean="0"/>
-              <a:t>30 September 2021</a:t>
+              <a:t>4 October 2021</a:t>
             </a:fld>
             <a:endParaRPr lang="en-US" dirty="0"/>
           </a:p>
@@ -3632,7 +4073,7 @@
           <a:p>
             <a:fld id="{E7409F44-56A9-4002-AEB5-86A43D19CA2F}" type="datetime3">
               <a:rPr lang="en-US" smtClean="0"/>
-              <a:t>30 September 2021</a:t>
+              <a:t>4 October 2021</a:t>
             </a:fld>
             <a:endParaRPr lang="en-US" dirty="0"/>
           </a:p>
@@ -3965,7 +4406,7 @@
           <a:p>
             <a:fld id="{FFD852B1-13FD-4F6A-80A3-877B1622CBE7}" type="datetime3">
               <a:rPr lang="en-US" smtClean="0"/>
-              <a:t>30 September 2021</a:t>
+              <a:t>4 October 2021</a:t>
             </a:fld>
             <a:endParaRPr lang="en-US" dirty="0"/>
           </a:p>
@@ -4279,7 +4720,7 @@
           <a:p>
             <a:fld id="{43C90565-36C7-4CB4-BE45-1F37694E5E2A}" type="datetime3">
               <a:rPr lang="en-US" smtClean="0"/>
-              <a:t>30 September 2021</a:t>
+              <a:t>4 October 2021</a:t>
             </a:fld>
             <a:endParaRPr lang="en-US" dirty="0"/>
           </a:p>
@@ -4672,7 +5113,7 @@
           <a:p>
             <a:fld id="{D8422CB0-85AD-4000-A60E-F3ADFE1EC577}" type="datetime3">
               <a:rPr lang="en-US" smtClean="0"/>
-              <a:t>30 September 2021</a:t>
+              <a:t>4 October 2021</a:t>
             </a:fld>
             <a:endParaRPr lang="en-US" dirty="0"/>
           </a:p>
@@ -4842,7 +5283,7 @@
           <a:p>
             <a:fld id="{CCF8BAE4-1F19-418E-A8BB-79A48576D4EA}" type="datetime3">
               <a:rPr lang="en-US" smtClean="0"/>
-              <a:t>30 September 2021</a:t>
+              <a:t>4 October 2021</a:t>
             </a:fld>
             <a:endParaRPr lang="en-US" dirty="0"/>
           </a:p>
@@ -5021,7 +5462,7 @@
           <a:p>
             <a:fld id="{6C6EA9DF-4A8F-413F-8F6A-5AF9146BD61F}" type="datetime3">
               <a:rPr lang="en-US" smtClean="0"/>
-              <a:t>30 September 2021</a:t>
+              <a:t>4 October 2021</a:t>
             </a:fld>
             <a:endParaRPr lang="en-US" dirty="0"/>
           </a:p>
@@ -5191,7 +5632,7 @@
           <a:p>
             <a:fld id="{939306D3-16AC-481B-963B-74A1D01AC013}" type="datetime3">
               <a:rPr lang="en-US" smtClean="0"/>
-              <a:t>30 September 2021</a:t>
+              <a:t>4 October 2021</a:t>
             </a:fld>
             <a:endParaRPr lang="en-US" dirty="0"/>
           </a:p>
@@ -5437,7 +5878,7 @@
           <a:p>
             <a:fld id="{53B23675-A097-482E-93D9-DCDB34B0BA89}" type="datetime3">
               <a:rPr lang="en-US" smtClean="0"/>
-              <a:t>30 September 2021</a:t>
+              <a:t>4 October 2021</a:t>
             </a:fld>
             <a:endParaRPr lang="en-US" dirty="0"/>
           </a:p>
@@ -5669,7 +6110,7 @@
           <a:p>
             <a:fld id="{A3FD861C-0A67-4424-8F42-13A5AB039027}" type="datetime3">
               <a:rPr lang="en-US" smtClean="0"/>
-              <a:t>30 September 2021</a:t>
+              <a:t>4 October 2021</a:t>
             </a:fld>
             <a:endParaRPr lang="en-US" dirty="0"/>
           </a:p>
@@ -6042,7 +6483,7 @@
           <a:p>
             <a:fld id="{F48DCAEC-E29B-4D93-9DB9-AB8D1FE2D702}" type="datetime3">
               <a:rPr lang="en-US" smtClean="0"/>
-              <a:t>30 September 2021</a:t>
+              <a:t>4 October 2021</a:t>
             </a:fld>
             <a:endParaRPr lang="en-US" dirty="0"/>
           </a:p>
@@ -6165,7 +6606,7 @@
           <a:p>
             <a:fld id="{4C5CA901-B02A-4F2D-AC74-8ADE57E73DF4}" type="datetime3">
               <a:rPr lang="en-US" smtClean="0"/>
-              <a:t>30 September 2021</a:t>
+              <a:t>4 October 2021</a:t>
             </a:fld>
             <a:endParaRPr lang="en-US" dirty="0"/>
           </a:p>
@@ -6260,7 +6701,7 @@
           <a:p>
             <a:fld id="{D3480550-6EF3-49B0-AB5E-50034F2FFB28}" type="datetime3">
               <a:rPr lang="en-US" smtClean="0"/>
-              <a:t>30 September 2021</a:t>
+              <a:t>4 October 2021</a:t>
             </a:fld>
             <a:endParaRPr lang="en-US" dirty="0"/>
           </a:p>
@@ -6515,7 +6956,7 @@
           <a:p>
             <a:fld id="{47BAD964-252D-4C66-9406-7BE94E3F181D}" type="datetime3">
               <a:rPr lang="en-US" smtClean="0"/>
-              <a:t>30 September 2021</a:t>
+              <a:t>4 October 2021</a:t>
             </a:fld>
             <a:endParaRPr lang="en-US" dirty="0"/>
           </a:p>
@@ -6824,7 +7265,7 @@
           <a:p>
             <a:fld id="{67FF22B2-7B0E-40DF-9E30-4862C672A073}" type="datetime3">
               <a:rPr lang="en-US" smtClean="0"/>
-              <a:t>30 September 2021</a:t>
+              <a:t>4 October 2021</a:t>
             </a:fld>
             <a:endParaRPr lang="en-US" dirty="0"/>
           </a:p>
@@ -7521,7 +7962,7 @@
           <a:p>
             <a:fld id="{3CFD582D-0E09-44AB-BB3E-4722821CEBEA}" type="datetime3">
               <a:rPr lang="en-US" smtClean="0"/>
-              <a:t>30 September 2021</a:t>
+              <a:t>4 October 2021</a:t>
             </a:fld>
             <a:endParaRPr lang="en-US" dirty="0"/>
           </a:p>
@@ -8150,7 +8591,7 @@
           <a:p>
             <a:fld id="{E3705B4D-1726-4BAB-A90E-07379DAEAD37}" type="datetime3">
               <a:rPr lang="en-US" sz="1100" smtClean="0"/>
-              <a:t>30 September 2021</a:t>
+              <a:t>4 October 2021</a:t>
             </a:fld>
             <a:endParaRPr lang="en-US" sz="1100" dirty="0"/>
           </a:p>
@@ -9419,7 +9860,7 @@
           <a:p>
             <a:fld id="{939306D3-16AC-481B-963B-74A1D01AC013}" type="datetime3">
               <a:rPr lang="en-US" sz="1100" smtClean="0"/>
-              <a:t>30 September 2021</a:t>
+              <a:t>4 October 2021</a:t>
             </a:fld>
             <a:endParaRPr lang="en-US" sz="1100" dirty="0"/>
           </a:p>
@@ -10011,7 +10452,7 @@
           <a:p>
             <a:fld id="{939306D3-16AC-481B-963B-74A1D01AC013}" type="datetime3">
               <a:rPr lang="en-US" sz="1100" smtClean="0"/>
-              <a:t>30 September 2021</a:t>
+              <a:t>4 October 2021</a:t>
             </a:fld>
             <a:endParaRPr lang="en-US" sz="1100" dirty="0"/>
           </a:p>
@@ -11279,7 +11720,7 @@
           <a:p>
             <a:fld id="{E3705B4D-1726-4BAB-A90E-07379DAEAD37}" type="datetime3">
               <a:rPr lang="en-US" sz="1100" smtClean="0"/>
-              <a:t>30 September 2021</a:t>
+              <a:t>4 October 2021</a:t>
             </a:fld>
             <a:endParaRPr lang="en-US" sz="1100" dirty="0"/>
           </a:p>
@@ -11988,7 +12429,7 @@
           <a:p>
             <a:fld id="{939306D3-16AC-481B-963B-74A1D01AC013}" type="datetime3">
               <a:rPr lang="en-US" sz="1100" smtClean="0"/>
-              <a:t>30 September 2021</a:t>
+              <a:t>4 October 2021</a:t>
             </a:fld>
             <a:endParaRPr lang="en-US" sz="1100" dirty="0"/>
           </a:p>
@@ -12610,7 +13051,7 @@
           <a:p>
             <a:fld id="{E3705B4D-1726-4BAB-A90E-07379DAEAD37}" type="datetime3">
               <a:rPr lang="en-US" sz="1100" smtClean="0"/>
-              <a:t>30 September 2021</a:t>
+              <a:t>4 October 2021</a:t>
             </a:fld>
             <a:endParaRPr lang="en-US" sz="1100" dirty="0"/>
           </a:p>
@@ -12901,7 +13342,7 @@
           <a:p>
             <a:fld id="{939306D3-16AC-481B-963B-74A1D01AC013}" type="datetime3">
               <a:rPr lang="en-US" sz="1100" smtClean="0"/>
-              <a:t>30 September 2021</a:t>
+              <a:t>4 October 2021</a:t>
             </a:fld>
             <a:endParaRPr lang="en-US" sz="1100" dirty="0"/>
           </a:p>
@@ -14110,7 +14551,7 @@
           <a:p>
             <a:fld id="{939306D3-16AC-481B-963B-74A1D01AC013}" type="datetime3">
               <a:rPr lang="en-US" sz="1100" smtClean="0"/>
-              <a:t>30 September 2021</a:t>
+              <a:t>4 October 2021</a:t>
             </a:fld>
             <a:endParaRPr lang="en-US" sz="1100" dirty="0"/>
           </a:p>
@@ -15057,46 +15498,6 @@
       </p:grpSpPr>
       <p:sp>
         <p:nvSpPr>
-          <p:cNvPr id="2" name="Заголовок 1"/>
-          <p:cNvSpPr>
-            <a:spLocks noGrp="1"/>
-          </p:cNvSpPr>
-          <p:nvPr>
-            <p:ph type="title"/>
-          </p:nvPr>
-        </p:nvSpPr>
-        <p:spPr/>
-        <p:txBody>
-          <a:bodyPr/>
-          <a:lstStyle/>
-          <a:p>
-            <a:r>
-              <a:rPr lang="en-US" dirty="0"/>
-              <a:t>C# </a:t>
-            </a:r>
-            <a:r>
-              <a:rPr lang="en-US" dirty="0" smtClean="0"/>
-              <a:t>basics</a:t>
-            </a:r>
-            <a:br>
-              <a:rPr lang="en-US" dirty="0" smtClean="0"/>
-            </a:br>
-            <a:r>
-              <a:rPr lang="en-US" sz="2400" dirty="0" smtClean="0">
-                <a:solidFill>
-                  <a:prstClr val="white">
-                    <a:lumMod val="50000"/>
-                  </a:prstClr>
-                </a:solidFill>
-              </a:rPr>
-              <a:t>Useful links</a:t>
-            </a:r>
-            <a:endParaRPr lang="en-US" dirty="0"/>
-          </a:p>
-        </p:txBody>
-      </p:sp>
-      <p:sp>
-        <p:nvSpPr>
           <p:cNvPr id="4" name="Дата 3"/>
           <p:cNvSpPr>
             <a:spLocks noGrp="1"/>
@@ -15107,17 +15508,17 @@
         </p:nvSpPr>
         <p:spPr>
           <a:xfrm>
-            <a:off x="6598153" y="6041362"/>
-            <a:ext cx="1518920" cy="365125"/>
+            <a:off x="6518189" y="6041362"/>
+            <a:ext cx="1598883" cy="365125"/>
           </a:xfrm>
         </p:spPr>
         <p:txBody>
           <a:bodyPr/>
           <a:lstStyle/>
           <a:p>
-            <a:fld id="{939306D3-16AC-481B-963B-74A1D01AC013}" type="datetime3">
+            <a:fld id="{E3705B4D-1726-4BAB-A90E-07379DAEAD37}" type="datetime3">
               <a:rPr lang="en-US" sz="1100" smtClean="0"/>
-              <a:t>30 September 2021</a:t>
+              <a:t>4 October 2021</a:t>
             </a:fld>
             <a:endParaRPr lang="en-US" sz="1100" dirty="0"/>
           </a:p>
@@ -15181,140 +15582,138 @@
       </p:sp>
       <p:sp>
         <p:nvSpPr>
-          <p:cNvPr id="7" name="TextBox 6"/>
-          <p:cNvSpPr txBox="1"/>
-          <p:nvPr/>
+          <p:cNvPr id="8" name="Заголовок 7"/>
+          <p:cNvSpPr>
+            <a:spLocks noGrp="1"/>
+          </p:cNvSpPr>
+          <p:nvPr>
+            <p:ph type="title"/>
+          </p:nvPr>
         </p:nvSpPr>
         <p:spPr>
           <a:xfrm>
-            <a:off x="711107" y="2596469"/>
-            <a:ext cx="7879556" cy="2185214"/>
+            <a:off x="0" y="0"/>
+            <a:ext cx="12192000" cy="6858000"/>
           </a:xfrm>
-          <a:prstGeom prst="rect">
-            <a:avLst/>
-          </a:prstGeom>
-          <a:noFill/>
+          <a:solidFill>
+            <a:schemeClr val="accent2">
+              <a:lumMod val="75000"/>
+            </a:schemeClr>
+          </a:solidFill>
         </p:spPr>
         <p:txBody>
-          <a:bodyPr wrap="square" rtlCol="0">
-            <a:spAutoFit/>
-          </a:bodyPr>
+          <a:bodyPr/>
           <a:lstStyle/>
           <a:p>
             <a:r>
-              <a:rPr lang="en-US" dirty="0" err="1" smtClean="0">
-                <a:latin typeface="Consolas" panose="020B0609020204030204" pitchFamily="49" charset="0"/>
+              <a:rPr lang="en-US" dirty="0" smtClean="0"/>
+              <a:t/>
+            </a:r>
+            <a:br>
+              <a:rPr lang="en-US" dirty="0" smtClean="0"/>
+            </a:br>
+            <a:r>
+              <a:rPr lang="en-US" dirty="0"/>
+              <a:t/>
+            </a:r>
+            <a:br>
+              <a:rPr lang="en-US" dirty="0"/>
+            </a:br>
+            <a:r>
+              <a:rPr lang="en-US" dirty="0" smtClean="0"/>
+              <a:t/>
+            </a:r>
+            <a:br>
+              <a:rPr lang="en-US" dirty="0" smtClean="0"/>
+            </a:br>
+            <a:r>
+              <a:rPr lang="en-US" dirty="0"/>
+              <a:t/>
+            </a:r>
+            <a:br>
+              <a:rPr lang="en-US" dirty="0"/>
+            </a:br>
+            <a:r>
+              <a:rPr lang="en-US" dirty="0" smtClean="0"/>
+              <a:t/>
+            </a:r>
+            <a:br>
+              <a:rPr lang="en-US" dirty="0" smtClean="0"/>
+            </a:br>
+            <a:r>
+              <a:rPr lang="en-US" dirty="0"/>
+              <a:t/>
+            </a:r>
+            <a:br>
+              <a:rPr lang="en-US" dirty="0"/>
+            </a:br>
+            <a:r>
+              <a:rPr lang="en-US" dirty="0" smtClean="0"/>
+              <a:t/>
+            </a:r>
+            <a:br>
+              <a:rPr lang="en-US" dirty="0" smtClean="0"/>
+            </a:br>
+            <a:r>
+              <a:rPr lang="en-US" dirty="0"/>
+              <a:t/>
+            </a:r>
+            <a:br>
+              <a:rPr lang="en-US" dirty="0"/>
+            </a:br>
+            <a:r>
+              <a:rPr lang="en-US" dirty="0" smtClean="0"/>
+              <a:t>		</a:t>
+            </a:r>
+            <a:r>
+              <a:rPr lang="en-US" sz="6600" dirty="0" smtClean="0">
+                <a:solidFill>
+                  <a:schemeClr val="bg1"/>
+                </a:solidFill>
               </a:rPr>
-              <a:t>Svetlin</a:t>
-            </a:r>
-            <a:r>
-              <a:rPr lang="en-US" dirty="0" smtClean="0">
-                <a:latin typeface="Consolas" panose="020B0609020204030204" pitchFamily="49" charset="0"/>
+              <a:t>C# basics</a:t>
+            </a:r>
+            <a:br>
+              <a:rPr lang="en-US" sz="6600" dirty="0" smtClean="0">
+                <a:solidFill>
+                  <a:schemeClr val="bg1"/>
+                </a:solidFill>
               </a:rPr>
-              <a:t> </a:t>
-            </a:r>
-            <a:r>
-              <a:rPr lang="en-US" dirty="0" err="1" smtClean="0">
-                <a:latin typeface="Consolas" panose="020B0609020204030204" pitchFamily="49" charset="0"/>
-              </a:rPr>
-              <a:t>Nakov</a:t>
-            </a:r>
-            <a:r>
-              <a:rPr lang="en-US" dirty="0" smtClean="0">
-                <a:latin typeface="Consolas" panose="020B0609020204030204" pitchFamily="49" charset="0"/>
-              </a:rPr>
-              <a:t> and Team</a:t>
-            </a:r>
-          </a:p>
-          <a:p>
-            <a:r>
-              <a:rPr lang="en-US" dirty="0" smtClean="0">
-                <a:latin typeface="Consolas" panose="020B0609020204030204" pitchFamily="49" charset="0"/>
-              </a:rPr>
-              <a:t>“Fundamentals of Computer Programming with C#”</a:t>
-            </a:r>
-          </a:p>
-          <a:p>
-            <a:endParaRPr lang="en-US" dirty="0">
-              <a:solidFill>
-                <a:srgbClr val="33CCCC"/>
-              </a:solidFill>
-              <a:latin typeface="Consolas" panose="020B0609020204030204" pitchFamily="49" charset="0"/>
-            </a:endParaRPr>
-          </a:p>
-          <a:p>
+            </a:br>
             <a:r>
               <a:rPr lang="en-US" dirty="0">
                 <a:solidFill>
-                  <a:srgbClr val="33CCCC"/>
+                  <a:schemeClr val="bg1"/>
                 </a:solidFill>
-                <a:latin typeface="Consolas" panose="020B0609020204030204" pitchFamily="49" charset="0"/>
-                <a:hlinkClick r:id="rId3"/>
               </a:rPr>
-              <a:t>https://</a:t>
+              <a:t>	</a:t>
             </a:r>
             <a:r>
               <a:rPr lang="en-US" dirty="0" smtClean="0">
                 <a:solidFill>
-                  <a:srgbClr val="33CCCC"/>
+                  <a:schemeClr val="bg1"/>
                 </a:solidFill>
-                <a:latin typeface="Consolas" panose="020B0609020204030204" pitchFamily="49" charset="0"/>
-                <a:hlinkClick r:id="rId3"/>
               </a:rPr>
-              <a:t>introprogramming.info/english-intro-csharp-book</a:t>
-            </a:r>
-            <a:endParaRPr lang="en-US" dirty="0" smtClean="0">
-              <a:solidFill>
-                <a:srgbClr val="33CCCC"/>
-              </a:solidFill>
-              <a:latin typeface="Consolas" panose="020B0609020204030204" pitchFamily="49" charset="0"/>
-            </a:endParaRPr>
-          </a:p>
-          <a:p>
-            <a:endParaRPr lang="en-US" sz="1600" dirty="0" smtClean="0">
-              <a:solidFill>
-                <a:srgbClr val="33CCCC"/>
-              </a:solidFill>
-              <a:latin typeface="Consolas" panose="020B0609020204030204" pitchFamily="49" charset="0"/>
-            </a:endParaRPr>
-          </a:p>
-          <a:p>
-            <a:r>
-              <a:rPr lang="en-US" sz="1600" dirty="0" err="1" smtClean="0">
-                <a:latin typeface="Consolas" panose="020B0609020204030204" pitchFamily="49" charset="0"/>
-              </a:rPr>
-              <a:t>Metanit</a:t>
-            </a:r>
-            <a:r>
-              <a:rPr lang="en-US" sz="1600" dirty="0" smtClean="0">
-                <a:latin typeface="Consolas" panose="020B0609020204030204" pitchFamily="49" charset="0"/>
-              </a:rPr>
-              <a:t> site</a:t>
-            </a:r>
-          </a:p>
-          <a:p>
-            <a:endParaRPr lang="en-US" sz="1600" dirty="0" smtClean="0">
-              <a:latin typeface="Consolas" panose="020B0609020204030204" pitchFamily="49" charset="0"/>
-            </a:endParaRPr>
-          </a:p>
-          <a:p>
-            <a:r>
-              <a:rPr lang="en-US" sz="1600" dirty="0" smtClean="0">
-                <a:latin typeface="Consolas" panose="020B0609020204030204" pitchFamily="49" charset="0"/>
-                <a:hlinkClick r:id="rId4"/>
-              </a:rPr>
-              <a:t>https://metanit.com/sharp/tutorial/</a:t>
-            </a:r>
-            <a:endParaRPr lang="en-US" sz="1600" dirty="0" smtClean="0">
-              <a:latin typeface="Consolas" panose="020B0609020204030204" pitchFamily="49" charset="0"/>
-            </a:endParaRPr>
+              <a:t>	Arrays and Loops</a:t>
+            </a:r>
+            <a:r>
+              <a:rPr lang="en-US" dirty="0" smtClean="0"/>
+              <a:t/>
+            </a:r>
+            <a:br>
+              <a:rPr lang="en-US" dirty="0" smtClean="0"/>
+            </a:br>
+            <a:r>
+              <a:rPr lang="en-US" dirty="0"/>
+              <a:t>	</a:t>
+            </a:r>
           </a:p>
         </p:txBody>
       </p:sp>
     </p:spTree>
     <p:extLst>
       <p:ext uri="{BB962C8B-B14F-4D97-AF65-F5344CB8AC3E}">
-        <p14:creationId xmlns:p14="http://schemas.microsoft.com/office/powerpoint/2010/main" val="3126519434"/>
+        <p14:creationId xmlns:p14="http://schemas.microsoft.com/office/powerpoint/2010/main" val="1524191943"/>
       </p:ext>
     </p:extLst>
   </p:cSld>
@@ -15350,6 +15749,42 @@
       </p:grpSpPr>
       <p:sp>
         <p:nvSpPr>
+          <p:cNvPr id="2" name="Заголовок 1"/>
+          <p:cNvSpPr>
+            <a:spLocks noGrp="1"/>
+          </p:cNvSpPr>
+          <p:nvPr>
+            <p:ph type="title"/>
+          </p:nvPr>
+        </p:nvSpPr>
+        <p:spPr/>
+        <p:txBody>
+          <a:bodyPr/>
+          <a:lstStyle/>
+          <a:p>
+            <a:r>
+              <a:rPr lang="en-US" dirty="0" smtClean="0"/>
+              <a:t>C# basics</a:t>
+            </a:r>
+            <a:br>
+              <a:rPr lang="en-US" dirty="0" smtClean="0"/>
+            </a:br>
+            <a:r>
+              <a:rPr lang="en-US" sz="2400" dirty="0" smtClean="0">
+                <a:solidFill>
+                  <a:prstClr val="white">
+                    <a:lumMod val="50000"/>
+                  </a:prstClr>
+                </a:solidFill>
+              </a:rPr>
+              <a:t>Arrays and Loops</a:t>
+            </a:r>
+            <a:endParaRPr lang="en-US" dirty="0"/>
+          </a:p>
+        </p:txBody>
+      </p:sp>
+      <p:sp>
+        <p:nvSpPr>
           <p:cNvPr id="4" name="Дата 3"/>
           <p:cNvSpPr>
             <a:spLocks noGrp="1"/>
@@ -15360,17 +15795,17 @@
         </p:nvSpPr>
         <p:spPr>
           <a:xfrm>
-            <a:off x="6518189" y="6041362"/>
-            <a:ext cx="1598883" cy="365125"/>
+            <a:off x="6598153" y="6041362"/>
+            <a:ext cx="1518920" cy="365125"/>
           </a:xfrm>
         </p:spPr>
         <p:txBody>
           <a:bodyPr/>
           <a:lstStyle/>
           <a:p>
-            <a:fld id="{E3705B4D-1726-4BAB-A90E-07379DAEAD37}" type="datetime3">
+            <a:fld id="{939306D3-16AC-481B-963B-74A1D01AC013}" type="datetime3">
               <a:rPr lang="en-US" sz="1100" smtClean="0"/>
-              <a:t>30 September 2021</a:t>
+              <a:t>4 October 2021</a:t>
             </a:fld>
             <a:endParaRPr lang="en-US" sz="1100" dirty="0"/>
           </a:p>
@@ -15434,115 +15869,235 @@
       </p:sp>
       <p:sp>
         <p:nvSpPr>
-          <p:cNvPr id="8" name="Заголовок 7"/>
+          <p:cNvPr id="3" name="Объект 2"/>
           <p:cNvSpPr>
             <a:spLocks noGrp="1"/>
           </p:cNvSpPr>
           <p:nvPr>
-            <p:ph type="title"/>
+            <p:ph idx="1"/>
           </p:nvPr>
         </p:nvSpPr>
         <p:spPr>
           <a:xfrm>
-            <a:off x="0" y="0"/>
-            <a:ext cx="12192000" cy="6858000"/>
+            <a:off x="756577" y="1777549"/>
+            <a:ext cx="8596668" cy="4144620"/>
           </a:xfrm>
-          <a:solidFill>
-            <a:schemeClr val="accent2">
-              <a:lumMod val="75000"/>
-            </a:schemeClr>
-          </a:solidFill>
         </p:spPr>
         <p:txBody>
-          <a:bodyPr/>
+          <a:bodyPr>
+            <a:normAutofit/>
+          </a:bodyPr>
           <a:lstStyle/>
           <a:p>
+            <a:pPr marL="0" indent="0">
+              <a:buNone/>
+            </a:pPr>
+            <a:endParaRPr lang="en-US" dirty="0" smtClean="0"/>
+          </a:p>
+          <a:p>
+            <a:pPr marL="0" indent="0">
+              <a:buNone/>
+            </a:pPr>
+            <a:endParaRPr lang="en-US" dirty="0" smtClean="0"/>
+          </a:p>
+          <a:p>
+            <a:pPr marL="0" indent="0">
+              <a:buNone/>
+            </a:pPr>
+            <a:endParaRPr lang="en-US" dirty="0" smtClean="0"/>
+          </a:p>
+          <a:p>
+            <a:pPr marL="0" indent="0">
+              <a:buNone/>
+            </a:pPr>
+            <a:endParaRPr lang="en-US" dirty="0"/>
+          </a:p>
+          <a:p>
+            <a:pPr marL="0" indent="0">
+              <a:buNone/>
+            </a:pPr>
             <a:r>
               <a:rPr lang="en-US" dirty="0" smtClean="0"/>
-              <a:t/>
-            </a:r>
-            <a:br>
-              <a:rPr lang="en-US" dirty="0" smtClean="0"/>
-            </a:br>
-            <a:r>
-              <a:rPr lang="en-US" dirty="0"/>
-              <a:t/>
-            </a:r>
-            <a:br>
-              <a:rPr lang="en-US" dirty="0"/>
-            </a:br>
-            <a:r>
-              <a:rPr lang="en-US" dirty="0" smtClean="0"/>
-              <a:t/>
-            </a:r>
-            <a:br>
-              <a:rPr lang="en-US" dirty="0" smtClean="0"/>
-            </a:br>
-            <a:r>
-              <a:rPr lang="en-US" dirty="0"/>
-              <a:t/>
-            </a:r>
-            <a:br>
-              <a:rPr lang="en-US" dirty="0"/>
-            </a:br>
-            <a:r>
-              <a:rPr lang="en-US" dirty="0" smtClean="0"/>
-              <a:t/>
-            </a:r>
-            <a:br>
-              <a:rPr lang="en-US" dirty="0" smtClean="0"/>
-            </a:br>
-            <a:r>
-              <a:rPr lang="en-US" dirty="0"/>
-              <a:t/>
-            </a:r>
-            <a:br>
-              <a:rPr lang="en-US" dirty="0"/>
-            </a:br>
-            <a:r>
-              <a:rPr lang="en-US" dirty="0" smtClean="0"/>
-              <a:t/>
-            </a:r>
-            <a:br>
-              <a:rPr lang="en-US" dirty="0" smtClean="0"/>
-            </a:br>
-            <a:r>
-              <a:rPr lang="en-US" dirty="0"/>
-              <a:t/>
-            </a:r>
-            <a:br>
-              <a:rPr lang="en-US" dirty="0"/>
-            </a:br>
-            <a:r>
-              <a:rPr lang="en-US" dirty="0" smtClean="0"/>
-              <a:t>		</a:t>
-            </a:r>
-            <a:r>
-              <a:rPr lang="en-US" sz="6600" dirty="0" smtClean="0">
-                <a:solidFill>
-                  <a:schemeClr val="bg1"/>
-                </a:solidFill>
-              </a:rPr>
-              <a:t>Thank you!</a:t>
-            </a:r>
-            <a:r>
-              <a:rPr lang="en-US" dirty="0" smtClean="0"/>
-              <a:t/>
-            </a:r>
-            <a:br>
-              <a:rPr lang="en-US" dirty="0" smtClean="0"/>
-            </a:br>
+              <a:t>Declaring an array</a:t>
+            </a:r>
+          </a:p>
+          <a:p>
+            <a:pPr marL="0" indent="0">
+              <a:buNone/>
+            </a:pPr>
             <a:r>
               <a:rPr lang="en-US" dirty="0"/>
               <a:t>	</a:t>
             </a:r>
+            <a:r>
+              <a:rPr lang="en-US" dirty="0" err="1" smtClean="0">
+                <a:solidFill>
+                  <a:schemeClr val="accent2"/>
+                </a:solidFill>
+                <a:latin typeface="Consolas" panose="020B0609020204030204" pitchFamily="49" charset="0"/>
+              </a:rPr>
+              <a:t>int</a:t>
+            </a:r>
+            <a:r>
+              <a:rPr lang="en-US" dirty="0" smtClean="0">
+                <a:latin typeface="Consolas" panose="020B0609020204030204" pitchFamily="49" charset="0"/>
+              </a:rPr>
+              <a:t>[] array;</a:t>
+            </a:r>
+          </a:p>
+          <a:p>
+            <a:pPr marL="0" indent="0">
+              <a:buNone/>
+            </a:pPr>
+            <a:endParaRPr lang="en-US" dirty="0"/>
+          </a:p>
+          <a:p>
+            <a:pPr marL="0" indent="0">
+              <a:buNone/>
+            </a:pPr>
+            <a:endParaRPr lang="en-US" dirty="0" smtClean="0"/>
+          </a:p>
+          <a:p>
+            <a:pPr marL="0" indent="0">
+              <a:buNone/>
+            </a:pPr>
+            <a:r>
+              <a:rPr lang="en-US" dirty="0" smtClean="0"/>
+              <a:t>Memory allocation for array</a:t>
+            </a:r>
+          </a:p>
+          <a:p>
+            <a:pPr marL="0" indent="0">
+              <a:buNone/>
+            </a:pPr>
+            <a:r>
+              <a:rPr lang="en-US" dirty="0"/>
+              <a:t>	</a:t>
+            </a:r>
+            <a:r>
+              <a:rPr lang="en-US" dirty="0" err="1" smtClean="0">
+                <a:solidFill>
+                  <a:schemeClr val="accent2"/>
+                </a:solidFill>
+                <a:latin typeface="Consolas" panose="020B0609020204030204" pitchFamily="49" charset="0"/>
+              </a:rPr>
+              <a:t>int</a:t>
+            </a:r>
+            <a:r>
+              <a:rPr lang="en-US" dirty="0" smtClean="0">
+                <a:latin typeface="Consolas" panose="020B0609020204030204" pitchFamily="49" charset="0"/>
+              </a:rPr>
+              <a:t>[] array = </a:t>
+            </a:r>
+            <a:r>
+              <a:rPr lang="en-US" dirty="0" smtClean="0">
+                <a:solidFill>
+                  <a:schemeClr val="accent2"/>
+                </a:solidFill>
+                <a:latin typeface="Consolas" panose="020B0609020204030204" pitchFamily="49" charset="0"/>
+              </a:rPr>
+              <a:t>new </a:t>
+            </a:r>
+            <a:r>
+              <a:rPr lang="en-US" dirty="0" err="1" smtClean="0">
+                <a:solidFill>
+                  <a:schemeClr val="accent2"/>
+                </a:solidFill>
+                <a:latin typeface="Consolas" panose="020B0609020204030204" pitchFamily="49" charset="0"/>
+              </a:rPr>
+              <a:t>int</a:t>
+            </a:r>
+            <a:r>
+              <a:rPr lang="en-US" dirty="0" smtClean="0">
+                <a:latin typeface="Consolas" panose="020B0609020204030204" pitchFamily="49" charset="0"/>
+              </a:rPr>
+              <a:t>[6];</a:t>
+            </a:r>
+          </a:p>
+          <a:p>
+            <a:pPr marL="0" indent="0">
+              <a:buNone/>
+            </a:pPr>
+            <a:endParaRPr lang="en-US" dirty="0"/>
           </a:p>
         </p:txBody>
       </p:sp>
+      <p:pic>
+        <p:nvPicPr>
+          <p:cNvPr id="23" name="Рисунок 22"/>
+          <p:cNvPicPr>
+            <a:picLocks noChangeAspect="1"/>
+          </p:cNvPicPr>
+          <p:nvPr/>
+        </p:nvPicPr>
+        <p:blipFill>
+          <a:blip r:embed="rId3"/>
+          <a:stretch>
+            <a:fillRect/>
+          </a:stretch>
+        </p:blipFill>
+        <p:spPr>
+          <a:xfrm>
+            <a:off x="598091" y="1777549"/>
+            <a:ext cx="4995177" cy="1446118"/>
+          </a:xfrm>
+          <a:prstGeom prst="rect">
+            <a:avLst/>
+          </a:prstGeom>
+        </p:spPr>
+      </p:pic>
+      <p:pic>
+        <p:nvPicPr>
+          <p:cNvPr id="24" name="Рисунок 23"/>
+          <p:cNvPicPr>
+            <a:picLocks noChangeAspect="1"/>
+          </p:cNvPicPr>
+          <p:nvPr/>
+        </p:nvPicPr>
+        <p:blipFill>
+          <a:blip r:embed="rId4"/>
+          <a:stretch>
+            <a:fillRect/>
+          </a:stretch>
+        </p:blipFill>
+        <p:spPr>
+          <a:xfrm>
+            <a:off x="5133297" y="3223667"/>
+            <a:ext cx="4139975" cy="1310569"/>
+          </a:xfrm>
+          <a:prstGeom prst="rect">
+            <a:avLst/>
+          </a:prstGeom>
+        </p:spPr>
+      </p:pic>
+      <p:pic>
+        <p:nvPicPr>
+          <p:cNvPr id="25" name="Рисунок 24"/>
+          <p:cNvPicPr>
+            <a:picLocks noChangeAspect="1"/>
+          </p:cNvPicPr>
+          <p:nvPr/>
+        </p:nvPicPr>
+        <p:blipFill>
+          <a:blip r:embed="rId5"/>
+          <a:stretch>
+            <a:fillRect/>
+          </a:stretch>
+        </p:blipFill>
+        <p:spPr>
+          <a:xfrm>
+            <a:off x="5173935" y="4604565"/>
+            <a:ext cx="4099337" cy="1341047"/>
+          </a:xfrm>
+          <a:prstGeom prst="rect">
+            <a:avLst/>
+          </a:prstGeom>
+        </p:spPr>
+      </p:pic>
     </p:spTree>
     <p:extLst>
       <p:ext uri="{BB962C8B-B14F-4D97-AF65-F5344CB8AC3E}">
-        <p14:creationId xmlns:p14="http://schemas.microsoft.com/office/powerpoint/2010/main" val="171775405"/>
+        <p14:creationId xmlns:p14="http://schemas.microsoft.com/office/powerpoint/2010/main" val="3673350975"/>
       </p:ext>
     </p:extLst>
   </p:cSld>
@@ -15552,9 +16107,720 @@
   <p:timing>
     <p:tnLst>
       <p:par>
-        <p:cTn id="1" dur="indefinite" restart="never" nodeType="tmRoot"/>
+        <p:cTn id="1" dur="indefinite" restart="never" nodeType="tmRoot">
+          <p:childTnLst>
+            <p:seq concurrent="1" nextAc="seek">
+              <p:cTn id="2" dur="indefinite" nodeType="mainSeq">
+                <p:childTnLst>
+                  <p:par>
+                    <p:cTn id="3" fill="hold">
+                      <p:stCondLst>
+                        <p:cond delay="indefinite"/>
+                      </p:stCondLst>
+                      <p:childTnLst>
+                        <p:par>
+                          <p:cTn id="4" fill="hold">
+                            <p:stCondLst>
+                              <p:cond delay="0"/>
+                            </p:stCondLst>
+                            <p:childTnLst>
+                              <p:par>
+                                <p:cTn id="5" presetID="47" presetClass="entr" presetSubtype="0" fill="hold" nodeType="clickEffect">
+                                  <p:stCondLst>
+                                    <p:cond delay="0"/>
+                                  </p:stCondLst>
+                                  <p:childTnLst>
+                                    <p:set>
+                                      <p:cBhvr>
+                                        <p:cTn id="6" dur="1" fill="hold">
+                                          <p:stCondLst>
+                                            <p:cond delay="0"/>
+                                          </p:stCondLst>
+                                        </p:cTn>
+                                        <p:tgtEl>
+                                          <p:spTgt spid="23"/>
+                                        </p:tgtEl>
+                                        <p:attrNameLst>
+                                          <p:attrName>style.visibility</p:attrName>
+                                        </p:attrNameLst>
+                                      </p:cBhvr>
+                                      <p:to>
+                                        <p:strVal val="visible"/>
+                                      </p:to>
+                                    </p:set>
+                                    <p:animEffect transition="in" filter="fade">
+                                      <p:cBhvr>
+                                        <p:cTn id="7" dur="1000"/>
+                                        <p:tgtEl>
+                                          <p:spTgt spid="23"/>
+                                        </p:tgtEl>
+                                      </p:cBhvr>
+                                    </p:animEffect>
+                                    <p:anim calcmode="lin" valueType="num">
+                                      <p:cBhvr>
+                                        <p:cTn id="8" dur="1000" fill="hold"/>
+                                        <p:tgtEl>
+                                          <p:spTgt spid="23"/>
+                                        </p:tgtEl>
+                                        <p:attrNameLst>
+                                          <p:attrName>ppt_x</p:attrName>
+                                        </p:attrNameLst>
+                                      </p:cBhvr>
+                                      <p:tavLst>
+                                        <p:tav tm="0">
+                                          <p:val>
+                                            <p:strVal val="#ppt_x"/>
+                                          </p:val>
+                                        </p:tav>
+                                        <p:tav tm="100000">
+                                          <p:val>
+                                            <p:strVal val="#ppt_x"/>
+                                          </p:val>
+                                        </p:tav>
+                                      </p:tavLst>
+                                    </p:anim>
+                                    <p:anim calcmode="lin" valueType="num">
+                                      <p:cBhvr>
+                                        <p:cTn id="9" dur="1000" fill="hold"/>
+                                        <p:tgtEl>
+                                          <p:spTgt spid="23"/>
+                                        </p:tgtEl>
+                                        <p:attrNameLst>
+                                          <p:attrName>ppt_y</p:attrName>
+                                        </p:attrNameLst>
+                                      </p:cBhvr>
+                                      <p:tavLst>
+                                        <p:tav tm="0">
+                                          <p:val>
+                                            <p:strVal val="#ppt_y-.1"/>
+                                          </p:val>
+                                        </p:tav>
+                                        <p:tav tm="100000">
+                                          <p:val>
+                                            <p:strVal val="#ppt_y"/>
+                                          </p:val>
+                                        </p:tav>
+                                      </p:tavLst>
+                                    </p:anim>
+                                  </p:childTnLst>
+                                </p:cTn>
+                              </p:par>
+                            </p:childTnLst>
+                          </p:cTn>
+                        </p:par>
+                      </p:childTnLst>
+                    </p:cTn>
+                  </p:par>
+                  <p:par>
+                    <p:cTn id="10" fill="hold">
+                      <p:stCondLst>
+                        <p:cond delay="indefinite"/>
+                      </p:stCondLst>
+                      <p:childTnLst>
+                        <p:par>
+                          <p:cTn id="11" fill="hold">
+                            <p:stCondLst>
+                              <p:cond delay="0"/>
+                            </p:stCondLst>
+                            <p:childTnLst>
+                              <p:par>
+                                <p:cTn id="12" presetID="42" presetClass="entr" presetSubtype="0" fill="hold" grpId="0" nodeType="clickEffect">
+                                  <p:stCondLst>
+                                    <p:cond delay="0"/>
+                                  </p:stCondLst>
+                                  <p:childTnLst>
+                                    <p:set>
+                                      <p:cBhvr>
+                                        <p:cTn id="13" dur="1" fill="hold">
+                                          <p:stCondLst>
+                                            <p:cond delay="0"/>
+                                          </p:stCondLst>
+                                        </p:cTn>
+                                        <p:tgtEl>
+                                          <p:spTgt spid="3">
+                                            <p:txEl>
+                                              <p:pRg st="4" end="4"/>
+                                            </p:txEl>
+                                          </p:spTgt>
+                                        </p:tgtEl>
+                                        <p:attrNameLst>
+                                          <p:attrName>style.visibility</p:attrName>
+                                        </p:attrNameLst>
+                                      </p:cBhvr>
+                                      <p:to>
+                                        <p:strVal val="visible"/>
+                                      </p:to>
+                                    </p:set>
+                                    <p:animEffect transition="in" filter="fade">
+                                      <p:cBhvr>
+                                        <p:cTn id="14" dur="1000"/>
+                                        <p:tgtEl>
+                                          <p:spTgt spid="3">
+                                            <p:txEl>
+                                              <p:pRg st="4" end="4"/>
+                                            </p:txEl>
+                                          </p:spTgt>
+                                        </p:tgtEl>
+                                      </p:cBhvr>
+                                    </p:animEffect>
+                                    <p:anim calcmode="lin" valueType="num">
+                                      <p:cBhvr>
+                                        <p:cTn id="15" dur="1000" fill="hold"/>
+                                        <p:tgtEl>
+                                          <p:spTgt spid="3">
+                                            <p:txEl>
+                                              <p:pRg st="4" end="4"/>
+                                            </p:txEl>
+                                          </p:spTgt>
+                                        </p:tgtEl>
+                                        <p:attrNameLst>
+                                          <p:attrName>ppt_x</p:attrName>
+                                        </p:attrNameLst>
+                                      </p:cBhvr>
+                                      <p:tavLst>
+                                        <p:tav tm="0">
+                                          <p:val>
+                                            <p:strVal val="#ppt_x"/>
+                                          </p:val>
+                                        </p:tav>
+                                        <p:tav tm="100000">
+                                          <p:val>
+                                            <p:strVal val="#ppt_x"/>
+                                          </p:val>
+                                        </p:tav>
+                                      </p:tavLst>
+                                    </p:anim>
+                                    <p:anim calcmode="lin" valueType="num">
+                                      <p:cBhvr>
+                                        <p:cTn id="16" dur="1000" fill="hold"/>
+                                        <p:tgtEl>
+                                          <p:spTgt spid="3">
+                                            <p:txEl>
+                                              <p:pRg st="4" end="4"/>
+                                            </p:txEl>
+                                          </p:spTgt>
+                                        </p:tgtEl>
+                                        <p:attrNameLst>
+                                          <p:attrName>ppt_y</p:attrName>
+                                        </p:attrNameLst>
+                                      </p:cBhvr>
+                                      <p:tavLst>
+                                        <p:tav tm="0">
+                                          <p:val>
+                                            <p:strVal val="#ppt_y+.1"/>
+                                          </p:val>
+                                        </p:tav>
+                                        <p:tav tm="100000">
+                                          <p:val>
+                                            <p:strVal val="#ppt_y"/>
+                                          </p:val>
+                                        </p:tav>
+                                      </p:tavLst>
+                                    </p:anim>
+                                  </p:childTnLst>
+                                </p:cTn>
+                              </p:par>
+                              <p:par>
+                                <p:cTn id="17" presetID="42" presetClass="entr" presetSubtype="0" fill="hold" grpId="0" nodeType="withEffect">
+                                  <p:stCondLst>
+                                    <p:cond delay="0"/>
+                                  </p:stCondLst>
+                                  <p:childTnLst>
+                                    <p:set>
+                                      <p:cBhvr>
+                                        <p:cTn id="18" dur="1" fill="hold">
+                                          <p:stCondLst>
+                                            <p:cond delay="0"/>
+                                          </p:stCondLst>
+                                        </p:cTn>
+                                        <p:tgtEl>
+                                          <p:spTgt spid="3">
+                                            <p:txEl>
+                                              <p:pRg st="5" end="5"/>
+                                            </p:txEl>
+                                          </p:spTgt>
+                                        </p:tgtEl>
+                                        <p:attrNameLst>
+                                          <p:attrName>style.visibility</p:attrName>
+                                        </p:attrNameLst>
+                                      </p:cBhvr>
+                                      <p:to>
+                                        <p:strVal val="visible"/>
+                                      </p:to>
+                                    </p:set>
+                                    <p:animEffect transition="in" filter="fade">
+                                      <p:cBhvr>
+                                        <p:cTn id="19" dur="1000"/>
+                                        <p:tgtEl>
+                                          <p:spTgt spid="3">
+                                            <p:txEl>
+                                              <p:pRg st="5" end="5"/>
+                                            </p:txEl>
+                                          </p:spTgt>
+                                        </p:tgtEl>
+                                      </p:cBhvr>
+                                    </p:animEffect>
+                                    <p:anim calcmode="lin" valueType="num">
+                                      <p:cBhvr>
+                                        <p:cTn id="20" dur="1000" fill="hold"/>
+                                        <p:tgtEl>
+                                          <p:spTgt spid="3">
+                                            <p:txEl>
+                                              <p:pRg st="5" end="5"/>
+                                            </p:txEl>
+                                          </p:spTgt>
+                                        </p:tgtEl>
+                                        <p:attrNameLst>
+                                          <p:attrName>ppt_x</p:attrName>
+                                        </p:attrNameLst>
+                                      </p:cBhvr>
+                                      <p:tavLst>
+                                        <p:tav tm="0">
+                                          <p:val>
+                                            <p:strVal val="#ppt_x"/>
+                                          </p:val>
+                                        </p:tav>
+                                        <p:tav tm="100000">
+                                          <p:val>
+                                            <p:strVal val="#ppt_x"/>
+                                          </p:val>
+                                        </p:tav>
+                                      </p:tavLst>
+                                    </p:anim>
+                                    <p:anim calcmode="lin" valueType="num">
+                                      <p:cBhvr>
+                                        <p:cTn id="21" dur="1000" fill="hold"/>
+                                        <p:tgtEl>
+                                          <p:spTgt spid="3">
+                                            <p:txEl>
+                                              <p:pRg st="5" end="5"/>
+                                            </p:txEl>
+                                          </p:spTgt>
+                                        </p:tgtEl>
+                                        <p:attrNameLst>
+                                          <p:attrName>ppt_y</p:attrName>
+                                        </p:attrNameLst>
+                                      </p:cBhvr>
+                                      <p:tavLst>
+                                        <p:tav tm="0">
+                                          <p:val>
+                                            <p:strVal val="#ppt_y+.1"/>
+                                          </p:val>
+                                        </p:tav>
+                                        <p:tav tm="100000">
+                                          <p:val>
+                                            <p:strVal val="#ppt_y"/>
+                                          </p:val>
+                                        </p:tav>
+                                      </p:tavLst>
+                                    </p:anim>
+                                  </p:childTnLst>
+                                </p:cTn>
+                              </p:par>
+                              <p:par>
+                                <p:cTn id="22" presetID="42" presetClass="entr" presetSubtype="0" fill="hold" nodeType="withEffect">
+                                  <p:stCondLst>
+                                    <p:cond delay="0"/>
+                                  </p:stCondLst>
+                                  <p:childTnLst>
+                                    <p:set>
+                                      <p:cBhvr>
+                                        <p:cTn id="23" dur="1" fill="hold">
+                                          <p:stCondLst>
+                                            <p:cond delay="0"/>
+                                          </p:stCondLst>
+                                        </p:cTn>
+                                        <p:tgtEl>
+                                          <p:spTgt spid="24"/>
+                                        </p:tgtEl>
+                                        <p:attrNameLst>
+                                          <p:attrName>style.visibility</p:attrName>
+                                        </p:attrNameLst>
+                                      </p:cBhvr>
+                                      <p:to>
+                                        <p:strVal val="visible"/>
+                                      </p:to>
+                                    </p:set>
+                                    <p:animEffect transition="in" filter="fade">
+                                      <p:cBhvr>
+                                        <p:cTn id="24" dur="1000"/>
+                                        <p:tgtEl>
+                                          <p:spTgt spid="24"/>
+                                        </p:tgtEl>
+                                      </p:cBhvr>
+                                    </p:animEffect>
+                                    <p:anim calcmode="lin" valueType="num">
+                                      <p:cBhvr>
+                                        <p:cTn id="25" dur="1000" fill="hold"/>
+                                        <p:tgtEl>
+                                          <p:spTgt spid="24"/>
+                                        </p:tgtEl>
+                                        <p:attrNameLst>
+                                          <p:attrName>ppt_x</p:attrName>
+                                        </p:attrNameLst>
+                                      </p:cBhvr>
+                                      <p:tavLst>
+                                        <p:tav tm="0">
+                                          <p:val>
+                                            <p:strVal val="#ppt_x"/>
+                                          </p:val>
+                                        </p:tav>
+                                        <p:tav tm="100000">
+                                          <p:val>
+                                            <p:strVal val="#ppt_x"/>
+                                          </p:val>
+                                        </p:tav>
+                                      </p:tavLst>
+                                    </p:anim>
+                                    <p:anim calcmode="lin" valueType="num">
+                                      <p:cBhvr>
+                                        <p:cTn id="26" dur="1000" fill="hold"/>
+                                        <p:tgtEl>
+                                          <p:spTgt spid="24"/>
+                                        </p:tgtEl>
+                                        <p:attrNameLst>
+                                          <p:attrName>ppt_y</p:attrName>
+                                        </p:attrNameLst>
+                                      </p:cBhvr>
+                                      <p:tavLst>
+                                        <p:tav tm="0">
+                                          <p:val>
+                                            <p:strVal val="#ppt_y+.1"/>
+                                          </p:val>
+                                        </p:tav>
+                                        <p:tav tm="100000">
+                                          <p:val>
+                                            <p:strVal val="#ppt_y"/>
+                                          </p:val>
+                                        </p:tav>
+                                      </p:tavLst>
+                                    </p:anim>
+                                  </p:childTnLst>
+                                </p:cTn>
+                              </p:par>
+                            </p:childTnLst>
+                          </p:cTn>
+                        </p:par>
+                      </p:childTnLst>
+                    </p:cTn>
+                  </p:par>
+                  <p:par>
+                    <p:cTn id="27" fill="hold">
+                      <p:stCondLst>
+                        <p:cond delay="indefinite"/>
+                      </p:stCondLst>
+                      <p:childTnLst>
+                        <p:par>
+                          <p:cTn id="28" fill="hold">
+                            <p:stCondLst>
+                              <p:cond delay="0"/>
+                            </p:stCondLst>
+                            <p:childTnLst>
+                              <p:par>
+                                <p:cTn id="29" presetID="42" presetClass="entr" presetSubtype="0" fill="hold" grpId="0" nodeType="clickEffect">
+                                  <p:stCondLst>
+                                    <p:cond delay="0"/>
+                                  </p:stCondLst>
+                                  <p:childTnLst>
+                                    <p:set>
+                                      <p:cBhvr>
+                                        <p:cTn id="30" dur="1" fill="hold">
+                                          <p:stCondLst>
+                                            <p:cond delay="0"/>
+                                          </p:stCondLst>
+                                        </p:cTn>
+                                        <p:tgtEl>
+                                          <p:spTgt spid="3">
+                                            <p:txEl>
+                                              <p:pRg st="8" end="8"/>
+                                            </p:txEl>
+                                          </p:spTgt>
+                                        </p:tgtEl>
+                                        <p:attrNameLst>
+                                          <p:attrName>style.visibility</p:attrName>
+                                        </p:attrNameLst>
+                                      </p:cBhvr>
+                                      <p:to>
+                                        <p:strVal val="visible"/>
+                                      </p:to>
+                                    </p:set>
+                                    <p:animEffect transition="in" filter="fade">
+                                      <p:cBhvr>
+                                        <p:cTn id="31" dur="1000"/>
+                                        <p:tgtEl>
+                                          <p:spTgt spid="3">
+                                            <p:txEl>
+                                              <p:pRg st="8" end="8"/>
+                                            </p:txEl>
+                                          </p:spTgt>
+                                        </p:tgtEl>
+                                      </p:cBhvr>
+                                    </p:animEffect>
+                                    <p:anim calcmode="lin" valueType="num">
+                                      <p:cBhvr>
+                                        <p:cTn id="32" dur="1000" fill="hold"/>
+                                        <p:tgtEl>
+                                          <p:spTgt spid="3">
+                                            <p:txEl>
+                                              <p:pRg st="8" end="8"/>
+                                            </p:txEl>
+                                          </p:spTgt>
+                                        </p:tgtEl>
+                                        <p:attrNameLst>
+                                          <p:attrName>ppt_x</p:attrName>
+                                        </p:attrNameLst>
+                                      </p:cBhvr>
+                                      <p:tavLst>
+                                        <p:tav tm="0">
+                                          <p:val>
+                                            <p:strVal val="#ppt_x"/>
+                                          </p:val>
+                                        </p:tav>
+                                        <p:tav tm="100000">
+                                          <p:val>
+                                            <p:strVal val="#ppt_x"/>
+                                          </p:val>
+                                        </p:tav>
+                                      </p:tavLst>
+                                    </p:anim>
+                                    <p:anim calcmode="lin" valueType="num">
+                                      <p:cBhvr>
+                                        <p:cTn id="33" dur="1000" fill="hold"/>
+                                        <p:tgtEl>
+                                          <p:spTgt spid="3">
+                                            <p:txEl>
+                                              <p:pRg st="8" end="8"/>
+                                            </p:txEl>
+                                          </p:spTgt>
+                                        </p:tgtEl>
+                                        <p:attrNameLst>
+                                          <p:attrName>ppt_y</p:attrName>
+                                        </p:attrNameLst>
+                                      </p:cBhvr>
+                                      <p:tavLst>
+                                        <p:tav tm="0">
+                                          <p:val>
+                                            <p:strVal val="#ppt_y+.1"/>
+                                          </p:val>
+                                        </p:tav>
+                                        <p:tav tm="100000">
+                                          <p:val>
+                                            <p:strVal val="#ppt_y"/>
+                                          </p:val>
+                                        </p:tav>
+                                      </p:tavLst>
+                                    </p:anim>
+                                  </p:childTnLst>
+                                </p:cTn>
+                              </p:par>
+                              <p:par>
+                                <p:cTn id="34" presetID="42" presetClass="entr" presetSubtype="0" fill="hold" grpId="0" nodeType="withEffect">
+                                  <p:stCondLst>
+                                    <p:cond delay="0"/>
+                                  </p:stCondLst>
+                                  <p:childTnLst>
+                                    <p:set>
+                                      <p:cBhvr>
+                                        <p:cTn id="35" dur="1" fill="hold">
+                                          <p:stCondLst>
+                                            <p:cond delay="0"/>
+                                          </p:stCondLst>
+                                        </p:cTn>
+                                        <p:tgtEl>
+                                          <p:spTgt spid="3">
+                                            <p:txEl>
+                                              <p:pRg st="9" end="9"/>
+                                            </p:txEl>
+                                          </p:spTgt>
+                                        </p:tgtEl>
+                                        <p:attrNameLst>
+                                          <p:attrName>style.visibility</p:attrName>
+                                        </p:attrNameLst>
+                                      </p:cBhvr>
+                                      <p:to>
+                                        <p:strVal val="visible"/>
+                                      </p:to>
+                                    </p:set>
+                                    <p:animEffect transition="in" filter="fade">
+                                      <p:cBhvr>
+                                        <p:cTn id="36" dur="1000"/>
+                                        <p:tgtEl>
+                                          <p:spTgt spid="3">
+                                            <p:txEl>
+                                              <p:pRg st="9" end="9"/>
+                                            </p:txEl>
+                                          </p:spTgt>
+                                        </p:tgtEl>
+                                      </p:cBhvr>
+                                    </p:animEffect>
+                                    <p:anim calcmode="lin" valueType="num">
+                                      <p:cBhvr>
+                                        <p:cTn id="37" dur="1000" fill="hold"/>
+                                        <p:tgtEl>
+                                          <p:spTgt spid="3">
+                                            <p:txEl>
+                                              <p:pRg st="9" end="9"/>
+                                            </p:txEl>
+                                          </p:spTgt>
+                                        </p:tgtEl>
+                                        <p:attrNameLst>
+                                          <p:attrName>ppt_x</p:attrName>
+                                        </p:attrNameLst>
+                                      </p:cBhvr>
+                                      <p:tavLst>
+                                        <p:tav tm="0">
+                                          <p:val>
+                                            <p:strVal val="#ppt_x"/>
+                                          </p:val>
+                                        </p:tav>
+                                        <p:tav tm="100000">
+                                          <p:val>
+                                            <p:strVal val="#ppt_x"/>
+                                          </p:val>
+                                        </p:tav>
+                                      </p:tavLst>
+                                    </p:anim>
+                                    <p:anim calcmode="lin" valueType="num">
+                                      <p:cBhvr>
+                                        <p:cTn id="38" dur="1000" fill="hold"/>
+                                        <p:tgtEl>
+                                          <p:spTgt spid="3">
+                                            <p:txEl>
+                                              <p:pRg st="9" end="9"/>
+                                            </p:txEl>
+                                          </p:spTgt>
+                                        </p:tgtEl>
+                                        <p:attrNameLst>
+                                          <p:attrName>ppt_y</p:attrName>
+                                        </p:attrNameLst>
+                                      </p:cBhvr>
+                                      <p:tavLst>
+                                        <p:tav tm="0">
+                                          <p:val>
+                                            <p:strVal val="#ppt_y+.1"/>
+                                          </p:val>
+                                        </p:tav>
+                                        <p:tav tm="100000">
+                                          <p:val>
+                                            <p:strVal val="#ppt_y"/>
+                                          </p:val>
+                                        </p:tav>
+                                      </p:tavLst>
+                                    </p:anim>
+                                  </p:childTnLst>
+                                </p:cTn>
+                              </p:par>
+                              <p:par>
+                                <p:cTn id="39" presetID="42" presetClass="entr" presetSubtype="0" fill="hold" nodeType="withEffect">
+                                  <p:stCondLst>
+                                    <p:cond delay="0"/>
+                                  </p:stCondLst>
+                                  <p:childTnLst>
+                                    <p:set>
+                                      <p:cBhvr>
+                                        <p:cTn id="40" dur="1" fill="hold">
+                                          <p:stCondLst>
+                                            <p:cond delay="0"/>
+                                          </p:stCondLst>
+                                        </p:cTn>
+                                        <p:tgtEl>
+                                          <p:spTgt spid="25"/>
+                                        </p:tgtEl>
+                                        <p:attrNameLst>
+                                          <p:attrName>style.visibility</p:attrName>
+                                        </p:attrNameLst>
+                                      </p:cBhvr>
+                                      <p:to>
+                                        <p:strVal val="visible"/>
+                                      </p:to>
+                                    </p:set>
+                                    <p:animEffect transition="in" filter="fade">
+                                      <p:cBhvr>
+                                        <p:cTn id="41" dur="1000"/>
+                                        <p:tgtEl>
+                                          <p:spTgt spid="25"/>
+                                        </p:tgtEl>
+                                      </p:cBhvr>
+                                    </p:animEffect>
+                                    <p:anim calcmode="lin" valueType="num">
+                                      <p:cBhvr>
+                                        <p:cTn id="42" dur="1000" fill="hold"/>
+                                        <p:tgtEl>
+                                          <p:spTgt spid="25"/>
+                                        </p:tgtEl>
+                                        <p:attrNameLst>
+                                          <p:attrName>ppt_x</p:attrName>
+                                        </p:attrNameLst>
+                                      </p:cBhvr>
+                                      <p:tavLst>
+                                        <p:tav tm="0">
+                                          <p:val>
+                                            <p:strVal val="#ppt_x"/>
+                                          </p:val>
+                                        </p:tav>
+                                        <p:tav tm="100000">
+                                          <p:val>
+                                            <p:strVal val="#ppt_x"/>
+                                          </p:val>
+                                        </p:tav>
+                                      </p:tavLst>
+                                    </p:anim>
+                                    <p:anim calcmode="lin" valueType="num">
+                                      <p:cBhvr>
+                                        <p:cTn id="43" dur="1000" fill="hold"/>
+                                        <p:tgtEl>
+                                          <p:spTgt spid="25"/>
+                                        </p:tgtEl>
+                                        <p:attrNameLst>
+                                          <p:attrName>ppt_y</p:attrName>
+                                        </p:attrNameLst>
+                                      </p:cBhvr>
+                                      <p:tavLst>
+                                        <p:tav tm="0">
+                                          <p:val>
+                                            <p:strVal val="#ppt_y+.1"/>
+                                          </p:val>
+                                        </p:tav>
+                                        <p:tav tm="100000">
+                                          <p:val>
+                                            <p:strVal val="#ppt_y"/>
+                                          </p:val>
+                                        </p:tav>
+                                      </p:tavLst>
+                                    </p:anim>
+                                  </p:childTnLst>
+                                </p:cTn>
+                              </p:par>
+                            </p:childTnLst>
+                          </p:cTn>
+                        </p:par>
+                      </p:childTnLst>
+                    </p:cTn>
+                  </p:par>
+                </p:childTnLst>
+              </p:cTn>
+              <p:prevCondLst>
+                <p:cond evt="onPrev" delay="0">
+                  <p:tgtEl>
+                    <p:sldTgt/>
+                  </p:tgtEl>
+                </p:cond>
+              </p:prevCondLst>
+              <p:nextCondLst>
+                <p:cond evt="onNext" delay="0">
+                  <p:tgtEl>
+                    <p:sldTgt/>
+                  </p:tgtEl>
+                </p:cond>
+              </p:nextCondLst>
+            </p:seq>
+          </p:childTnLst>
+        </p:cTn>
       </p:par>
     </p:tnLst>
+    <p:bldLst>
+      <p:bldP spid="3" grpId="0" uiExpand="1" build="p"/>
+    </p:bldLst>
   </p:timing>
 </p:sld>
 </file>
@@ -15598,7 +16864,7 @@
           <a:p>
             <a:fld id="{E3705B4D-1726-4BAB-A90E-07379DAEAD37}" type="datetime3">
               <a:rPr lang="en-US" sz="1100" smtClean="0"/>
-              <a:t>30 September 2021</a:t>
+              <a:t>4 October 2021</a:t>
             </a:fld>
             <a:endParaRPr lang="en-US" sz="1100" dirty="0"/>
           </a:p>
@@ -15771,6 +17037,3146 @@
     <p:extLst>
       <p:ext uri="{BB962C8B-B14F-4D97-AF65-F5344CB8AC3E}">
         <p14:creationId xmlns:p14="http://schemas.microsoft.com/office/powerpoint/2010/main" val="2616500270"/>
+      </p:ext>
+    </p:extLst>
+  </p:cSld>
+  <p:clrMapOvr>
+    <a:masterClrMapping/>
+  </p:clrMapOvr>
+  <p:timing>
+    <p:tnLst>
+      <p:par>
+        <p:cTn id="1" dur="indefinite" restart="never" nodeType="tmRoot"/>
+      </p:par>
+    </p:tnLst>
+  </p:timing>
+</p:sld>
+</file>
+
+<file path=ppt/slides/slide20.xml><?xml version="1.0" encoding="utf-8"?>
+<p:sld xmlns:a="http://schemas.openxmlformats.org/drawingml/2006/main" xmlns:r="http://schemas.openxmlformats.org/officeDocument/2006/relationships" xmlns:p="http://schemas.openxmlformats.org/presentationml/2006/main">
+  <p:cSld>
+    <p:spTree>
+      <p:nvGrpSpPr>
+        <p:cNvPr id="1" name=""/>
+        <p:cNvGrpSpPr/>
+        <p:nvPr/>
+      </p:nvGrpSpPr>
+      <p:grpSpPr>
+        <a:xfrm>
+          <a:off x="0" y="0"/>
+          <a:ext cx="0" cy="0"/>
+          <a:chOff x="0" y="0"/>
+          <a:chExt cx="0" cy="0"/>
+        </a:xfrm>
+      </p:grpSpPr>
+      <p:sp>
+        <p:nvSpPr>
+          <p:cNvPr id="2" name="Заголовок 1"/>
+          <p:cNvSpPr>
+            <a:spLocks noGrp="1"/>
+          </p:cNvSpPr>
+          <p:nvPr>
+            <p:ph type="title"/>
+          </p:nvPr>
+        </p:nvSpPr>
+        <p:spPr/>
+        <p:txBody>
+          <a:bodyPr/>
+          <a:lstStyle/>
+          <a:p>
+            <a:r>
+              <a:rPr lang="en-US" dirty="0" smtClean="0"/>
+              <a:t>C# basics</a:t>
+            </a:r>
+            <a:br>
+              <a:rPr lang="en-US" dirty="0" smtClean="0"/>
+            </a:br>
+            <a:r>
+              <a:rPr lang="en-US" sz="2400" dirty="0">
+                <a:solidFill>
+                  <a:prstClr val="white">
+                    <a:lumMod val="50000"/>
+                  </a:prstClr>
+                </a:solidFill>
+              </a:rPr>
+              <a:t>Arrays and Loops</a:t>
+            </a:r>
+            <a:endParaRPr lang="en-US" dirty="0"/>
+          </a:p>
+        </p:txBody>
+      </p:sp>
+      <p:sp>
+        <p:nvSpPr>
+          <p:cNvPr id="4" name="Дата 3"/>
+          <p:cNvSpPr>
+            <a:spLocks noGrp="1"/>
+          </p:cNvSpPr>
+          <p:nvPr>
+            <p:ph type="dt" sz="half" idx="10"/>
+          </p:nvPr>
+        </p:nvSpPr>
+        <p:spPr>
+          <a:xfrm>
+            <a:off x="6598153" y="6041362"/>
+            <a:ext cx="1518920" cy="365125"/>
+          </a:xfrm>
+        </p:spPr>
+        <p:txBody>
+          <a:bodyPr/>
+          <a:lstStyle/>
+          <a:p>
+            <a:fld id="{939306D3-16AC-481B-963B-74A1D01AC013}" type="datetime3">
+              <a:rPr lang="en-US" sz="1100" smtClean="0"/>
+              <a:t>4 October 2021</a:t>
+            </a:fld>
+            <a:endParaRPr lang="en-US" sz="1100" dirty="0"/>
+          </a:p>
+        </p:txBody>
+      </p:sp>
+      <p:sp>
+        <p:nvSpPr>
+          <p:cNvPr id="5" name="Нижний колонтитул 4"/>
+          <p:cNvSpPr>
+            <a:spLocks noGrp="1"/>
+          </p:cNvSpPr>
+          <p:nvPr>
+            <p:ph type="ftr" sz="quarter" idx="11"/>
+          </p:nvPr>
+        </p:nvSpPr>
+        <p:spPr/>
+        <p:txBody>
+          <a:bodyPr/>
+          <a:lstStyle/>
+          <a:p>
+            <a:r>
+              <a:rPr lang="en-US" sz="1100" dirty="0" smtClean="0"/>
+              <a:t>Automated framework with C#</a:t>
+            </a:r>
+          </a:p>
+          <a:p>
+            <a:r>
+              <a:rPr lang="en-US" sz="1100" dirty="0"/>
+              <a:t>Yury </a:t>
+            </a:r>
+            <a:r>
+              <a:rPr lang="en-US" sz="1100" dirty="0" smtClean="0"/>
+              <a:t>Alifanov</a:t>
+            </a:r>
+            <a:endParaRPr lang="en-US" sz="1100" dirty="0"/>
+          </a:p>
+        </p:txBody>
+      </p:sp>
+      <p:sp>
+        <p:nvSpPr>
+          <p:cNvPr id="6" name="Номер слайда 5"/>
+          <p:cNvSpPr>
+            <a:spLocks noGrp="1"/>
+          </p:cNvSpPr>
+          <p:nvPr>
+            <p:ph type="sldNum" sz="quarter" idx="12"/>
+          </p:nvPr>
+        </p:nvSpPr>
+        <p:spPr/>
+        <p:txBody>
+          <a:bodyPr/>
+          <a:lstStyle/>
+          <a:p>
+            <a:fld id="{519954A3-9DFD-4C44-94BA-B95130A3BA1C}" type="slidenum">
+              <a:rPr lang="en-US" sz="1100" smtClean="0"/>
+              <a:t>20</a:t>
+            </a:fld>
+            <a:endParaRPr lang="en-US" sz="1100" dirty="0"/>
+          </a:p>
+        </p:txBody>
+      </p:sp>
+      <p:sp>
+        <p:nvSpPr>
+          <p:cNvPr id="3" name="Объект 2"/>
+          <p:cNvSpPr>
+            <a:spLocks noGrp="1"/>
+          </p:cNvSpPr>
+          <p:nvPr>
+            <p:ph idx="1"/>
+          </p:nvPr>
+        </p:nvSpPr>
+        <p:spPr>
+          <a:xfrm>
+            <a:off x="756577" y="1777549"/>
+            <a:ext cx="8596668" cy="4144620"/>
+          </a:xfrm>
+        </p:spPr>
+        <p:txBody>
+          <a:bodyPr>
+            <a:normAutofit/>
+          </a:bodyPr>
+          <a:lstStyle/>
+          <a:p>
+            <a:pPr marL="0" indent="0">
+              <a:buNone/>
+            </a:pPr>
+            <a:r>
+              <a:rPr lang="en-US" dirty="0" smtClean="0"/>
+              <a:t>Array initialization</a:t>
+            </a:r>
+          </a:p>
+          <a:p>
+            <a:pPr marL="0" indent="0">
+              <a:buNone/>
+            </a:pPr>
+            <a:r>
+              <a:rPr lang="en-US" dirty="0"/>
+              <a:t>	</a:t>
+            </a:r>
+            <a:r>
+              <a:rPr lang="en-US" dirty="0" err="1">
+                <a:solidFill>
+                  <a:schemeClr val="accent2"/>
+                </a:solidFill>
+                <a:latin typeface="Consolas" panose="020B0609020204030204" pitchFamily="49" charset="0"/>
+              </a:rPr>
+              <a:t>int</a:t>
+            </a:r>
+            <a:r>
+              <a:rPr lang="en-US" dirty="0">
+                <a:latin typeface="Consolas" panose="020B0609020204030204" pitchFamily="49" charset="0"/>
+              </a:rPr>
+              <a:t>[] array </a:t>
+            </a:r>
+            <a:r>
+              <a:rPr lang="en-US" dirty="0" smtClean="0">
+                <a:latin typeface="Consolas" panose="020B0609020204030204" pitchFamily="49" charset="0"/>
+              </a:rPr>
+              <a:t>= { 1, 2, 3, 4, 5, 6 };</a:t>
+            </a:r>
+            <a:endParaRPr lang="en-US" dirty="0">
+              <a:latin typeface="Consolas" panose="020B0609020204030204" pitchFamily="49" charset="0"/>
+            </a:endParaRPr>
+          </a:p>
+          <a:p>
+            <a:pPr marL="0" indent="0">
+              <a:buNone/>
+            </a:pPr>
+            <a:endParaRPr lang="en-US" dirty="0" smtClean="0"/>
+          </a:p>
+          <a:p>
+            <a:pPr marL="0" indent="0">
+              <a:buNone/>
+            </a:pPr>
+            <a:r>
+              <a:rPr lang="en-US" dirty="0" smtClean="0"/>
+              <a:t>Array length</a:t>
+            </a:r>
+          </a:p>
+          <a:p>
+            <a:pPr marL="0" indent="0">
+              <a:buNone/>
+            </a:pPr>
+            <a:r>
+              <a:rPr lang="en-US" dirty="0" smtClean="0"/>
+              <a:t>	</a:t>
+            </a:r>
+            <a:r>
+              <a:rPr lang="en-US" dirty="0" err="1" smtClean="0">
+                <a:solidFill>
+                  <a:schemeClr val="accent2"/>
+                </a:solidFill>
+                <a:latin typeface="Consolas" panose="020B0609020204030204" pitchFamily="49" charset="0"/>
+              </a:rPr>
+              <a:t>int</a:t>
+            </a:r>
+            <a:r>
+              <a:rPr lang="en-US" dirty="0" smtClean="0">
+                <a:latin typeface="Consolas" panose="020B0609020204030204" pitchFamily="49" charset="0"/>
+              </a:rPr>
+              <a:t> </a:t>
+            </a:r>
+            <a:r>
+              <a:rPr lang="en-US" dirty="0" err="1" smtClean="0">
+                <a:latin typeface="Consolas" panose="020B0609020204030204" pitchFamily="49" charset="0"/>
+              </a:rPr>
+              <a:t>arrayLength</a:t>
+            </a:r>
+            <a:r>
+              <a:rPr lang="en-US" dirty="0" smtClean="0">
+                <a:latin typeface="Consolas" panose="020B0609020204030204" pitchFamily="49" charset="0"/>
+              </a:rPr>
+              <a:t> = </a:t>
+            </a:r>
+            <a:r>
+              <a:rPr lang="en-US" dirty="0" err="1" smtClean="0">
+                <a:latin typeface="Consolas" panose="020B0609020204030204" pitchFamily="49" charset="0"/>
+              </a:rPr>
+              <a:t>array.Length</a:t>
+            </a:r>
+            <a:r>
+              <a:rPr lang="en-US" dirty="0" smtClean="0">
+                <a:latin typeface="Consolas" panose="020B0609020204030204" pitchFamily="49" charset="0"/>
+              </a:rPr>
+              <a:t>;</a:t>
+            </a:r>
+          </a:p>
+          <a:p>
+            <a:pPr marL="0" indent="0">
+              <a:buNone/>
+            </a:pPr>
+            <a:r>
+              <a:rPr lang="en-US" dirty="0" smtClean="0">
+                <a:solidFill>
+                  <a:srgbClr val="FF0000"/>
+                </a:solidFill>
+                <a:latin typeface="Consolas" panose="020B0609020204030204" pitchFamily="49" charset="0"/>
+              </a:rPr>
+              <a:t>Length is not equal to the last element index!!!</a:t>
+            </a:r>
+          </a:p>
+          <a:p>
+            <a:pPr marL="0" indent="0">
+              <a:buNone/>
+            </a:pPr>
+            <a:r>
+              <a:rPr lang="en-US" dirty="0" smtClean="0"/>
+              <a:t>Array access is by </a:t>
+            </a:r>
+            <a:r>
+              <a:rPr lang="en-US" dirty="0" err="1" smtClean="0"/>
+              <a:t>indeces</a:t>
+            </a:r>
+            <a:endParaRPr lang="en-US" dirty="0" smtClean="0"/>
+          </a:p>
+          <a:p>
+            <a:pPr marL="0" indent="0">
+              <a:buNone/>
+            </a:pPr>
+            <a:r>
+              <a:rPr lang="en-US" dirty="0" smtClean="0"/>
+              <a:t>	</a:t>
+            </a:r>
+            <a:r>
+              <a:rPr lang="en-US" dirty="0">
+                <a:latin typeface="Consolas" panose="020B0609020204030204" pitchFamily="49" charset="0"/>
+              </a:rPr>
+              <a:t> </a:t>
+            </a:r>
+            <a:r>
+              <a:rPr lang="en-US" dirty="0" err="1" smtClean="0">
+                <a:solidFill>
+                  <a:schemeClr val="accent2"/>
+                </a:solidFill>
+                <a:latin typeface="Consolas" panose="020B0609020204030204" pitchFamily="49" charset="0"/>
+              </a:rPr>
+              <a:t>int</a:t>
+            </a:r>
+            <a:r>
+              <a:rPr lang="en-US" dirty="0" smtClean="0">
+                <a:latin typeface="Consolas" panose="020B0609020204030204" pitchFamily="49" charset="0"/>
+              </a:rPr>
+              <a:t> </a:t>
+            </a:r>
+            <a:r>
+              <a:rPr lang="en-US" dirty="0" err="1" smtClean="0">
+                <a:latin typeface="Consolas" panose="020B0609020204030204" pitchFamily="49" charset="0"/>
+              </a:rPr>
+              <a:t>firstArrayElement</a:t>
+            </a:r>
+            <a:r>
+              <a:rPr lang="en-US" dirty="0" smtClean="0">
+                <a:latin typeface="Consolas" panose="020B0609020204030204" pitchFamily="49" charset="0"/>
+              </a:rPr>
+              <a:t> = array[0]; </a:t>
+            </a:r>
+            <a:r>
+              <a:rPr lang="en-US" dirty="0" smtClean="0">
+                <a:solidFill>
+                  <a:schemeClr val="accent5">
+                    <a:lumMod val="75000"/>
+                  </a:schemeClr>
+                </a:solidFill>
+                <a:latin typeface="Consolas" panose="020B0609020204030204" pitchFamily="49" charset="0"/>
+              </a:rPr>
+              <a:t>// 1</a:t>
+            </a:r>
+            <a:endParaRPr lang="en-US" dirty="0" smtClean="0">
+              <a:solidFill>
+                <a:schemeClr val="accent5">
+                  <a:lumMod val="75000"/>
+                </a:schemeClr>
+              </a:solidFill>
+            </a:endParaRPr>
+          </a:p>
+          <a:p>
+            <a:pPr marL="0" indent="0">
+              <a:buNone/>
+            </a:pPr>
+            <a:r>
+              <a:rPr lang="en-US" dirty="0"/>
+              <a:t>Going </a:t>
+            </a:r>
+            <a:r>
+              <a:rPr lang="en-US" dirty="0" smtClean="0"/>
+              <a:t>out </a:t>
+            </a:r>
+            <a:r>
+              <a:rPr lang="en-US" dirty="0"/>
+              <a:t>of </a:t>
+            </a:r>
+            <a:r>
+              <a:rPr lang="en-US" dirty="0" smtClean="0"/>
+              <a:t>bounds </a:t>
+            </a:r>
+            <a:r>
+              <a:rPr lang="en-US" dirty="0"/>
+              <a:t>of the </a:t>
+            </a:r>
+            <a:r>
+              <a:rPr lang="en-US" dirty="0" smtClean="0"/>
+              <a:t>array will cause an exception</a:t>
+            </a:r>
+          </a:p>
+          <a:p>
+            <a:pPr marL="0" indent="0">
+              <a:buNone/>
+            </a:pPr>
+            <a:r>
+              <a:rPr lang="en-US" dirty="0"/>
+              <a:t>	 </a:t>
+            </a:r>
+            <a:r>
+              <a:rPr lang="en-US" dirty="0" err="1">
+                <a:latin typeface="Consolas" panose="020B0609020204030204" pitchFamily="49" charset="0"/>
+              </a:rPr>
+              <a:t>System.IndexOutOfRangeException</a:t>
+            </a:r>
+            <a:endParaRPr lang="en-US" dirty="0">
+              <a:latin typeface="Consolas" panose="020B0609020204030204" pitchFamily="49" charset="0"/>
+            </a:endParaRPr>
+          </a:p>
+          <a:p>
+            <a:pPr marL="0" indent="0">
+              <a:buNone/>
+            </a:pPr>
+            <a:endParaRPr lang="en-US" dirty="0"/>
+          </a:p>
+        </p:txBody>
+      </p:sp>
+      <p:pic>
+        <p:nvPicPr>
+          <p:cNvPr id="7" name="Рисунок 6"/>
+          <p:cNvPicPr>
+            <a:picLocks noChangeAspect="1"/>
+          </p:cNvPicPr>
+          <p:nvPr/>
+        </p:nvPicPr>
+        <p:blipFill>
+          <a:blip r:embed="rId3"/>
+          <a:stretch>
+            <a:fillRect/>
+          </a:stretch>
+        </p:blipFill>
+        <p:spPr>
+          <a:xfrm>
+            <a:off x="5806234" y="1777549"/>
+            <a:ext cx="4094257" cy="1320728"/>
+          </a:xfrm>
+          <a:prstGeom prst="rect">
+            <a:avLst/>
+          </a:prstGeom>
+        </p:spPr>
+      </p:pic>
+    </p:spTree>
+    <p:extLst>
+      <p:ext uri="{BB962C8B-B14F-4D97-AF65-F5344CB8AC3E}">
+        <p14:creationId xmlns:p14="http://schemas.microsoft.com/office/powerpoint/2010/main" val="2497952308"/>
+      </p:ext>
+    </p:extLst>
+  </p:cSld>
+  <p:clrMapOvr>
+    <a:masterClrMapping/>
+  </p:clrMapOvr>
+  <p:timing>
+    <p:tnLst>
+      <p:par>
+        <p:cTn id="1" dur="indefinite" restart="never" nodeType="tmRoot">
+          <p:childTnLst>
+            <p:seq concurrent="1" nextAc="seek">
+              <p:cTn id="2" dur="indefinite" nodeType="mainSeq">
+                <p:childTnLst>
+                  <p:par>
+                    <p:cTn id="3" fill="hold">
+                      <p:stCondLst>
+                        <p:cond delay="indefinite"/>
+                      </p:stCondLst>
+                      <p:childTnLst>
+                        <p:par>
+                          <p:cTn id="4" fill="hold">
+                            <p:stCondLst>
+                              <p:cond delay="0"/>
+                            </p:stCondLst>
+                            <p:childTnLst>
+                              <p:par>
+                                <p:cTn id="5" presetID="42" presetClass="entr" presetSubtype="0" fill="hold" grpId="0" nodeType="clickEffect">
+                                  <p:stCondLst>
+                                    <p:cond delay="0"/>
+                                  </p:stCondLst>
+                                  <p:childTnLst>
+                                    <p:set>
+                                      <p:cBhvr>
+                                        <p:cTn id="6" dur="1" fill="hold">
+                                          <p:stCondLst>
+                                            <p:cond delay="0"/>
+                                          </p:stCondLst>
+                                        </p:cTn>
+                                        <p:tgtEl>
+                                          <p:spTgt spid="3">
+                                            <p:txEl>
+                                              <p:pRg st="0" end="0"/>
+                                            </p:txEl>
+                                          </p:spTgt>
+                                        </p:tgtEl>
+                                        <p:attrNameLst>
+                                          <p:attrName>style.visibility</p:attrName>
+                                        </p:attrNameLst>
+                                      </p:cBhvr>
+                                      <p:to>
+                                        <p:strVal val="visible"/>
+                                      </p:to>
+                                    </p:set>
+                                    <p:animEffect transition="in" filter="fade">
+                                      <p:cBhvr>
+                                        <p:cTn id="7" dur="1000"/>
+                                        <p:tgtEl>
+                                          <p:spTgt spid="3">
+                                            <p:txEl>
+                                              <p:pRg st="0" end="0"/>
+                                            </p:txEl>
+                                          </p:spTgt>
+                                        </p:tgtEl>
+                                      </p:cBhvr>
+                                    </p:animEffect>
+                                    <p:anim calcmode="lin" valueType="num">
+                                      <p:cBhvr>
+                                        <p:cTn id="8" dur="1000" fill="hold"/>
+                                        <p:tgtEl>
+                                          <p:spTgt spid="3">
+                                            <p:txEl>
+                                              <p:pRg st="0" end="0"/>
+                                            </p:txEl>
+                                          </p:spTgt>
+                                        </p:tgtEl>
+                                        <p:attrNameLst>
+                                          <p:attrName>ppt_x</p:attrName>
+                                        </p:attrNameLst>
+                                      </p:cBhvr>
+                                      <p:tavLst>
+                                        <p:tav tm="0">
+                                          <p:val>
+                                            <p:strVal val="#ppt_x"/>
+                                          </p:val>
+                                        </p:tav>
+                                        <p:tav tm="100000">
+                                          <p:val>
+                                            <p:strVal val="#ppt_x"/>
+                                          </p:val>
+                                        </p:tav>
+                                      </p:tavLst>
+                                    </p:anim>
+                                    <p:anim calcmode="lin" valueType="num">
+                                      <p:cBhvr>
+                                        <p:cTn id="9" dur="1000" fill="hold"/>
+                                        <p:tgtEl>
+                                          <p:spTgt spid="3">
+                                            <p:txEl>
+                                              <p:pRg st="0" end="0"/>
+                                            </p:txEl>
+                                          </p:spTgt>
+                                        </p:tgtEl>
+                                        <p:attrNameLst>
+                                          <p:attrName>ppt_y</p:attrName>
+                                        </p:attrNameLst>
+                                      </p:cBhvr>
+                                      <p:tavLst>
+                                        <p:tav tm="0">
+                                          <p:val>
+                                            <p:strVal val="#ppt_y+.1"/>
+                                          </p:val>
+                                        </p:tav>
+                                        <p:tav tm="100000">
+                                          <p:val>
+                                            <p:strVal val="#ppt_y"/>
+                                          </p:val>
+                                        </p:tav>
+                                      </p:tavLst>
+                                    </p:anim>
+                                  </p:childTnLst>
+                                </p:cTn>
+                              </p:par>
+                              <p:par>
+                                <p:cTn id="10" presetID="42" presetClass="entr" presetSubtype="0" fill="hold" grpId="0" nodeType="withEffect">
+                                  <p:stCondLst>
+                                    <p:cond delay="0"/>
+                                  </p:stCondLst>
+                                  <p:childTnLst>
+                                    <p:set>
+                                      <p:cBhvr>
+                                        <p:cTn id="11" dur="1" fill="hold">
+                                          <p:stCondLst>
+                                            <p:cond delay="0"/>
+                                          </p:stCondLst>
+                                        </p:cTn>
+                                        <p:tgtEl>
+                                          <p:spTgt spid="3">
+                                            <p:txEl>
+                                              <p:pRg st="1" end="1"/>
+                                            </p:txEl>
+                                          </p:spTgt>
+                                        </p:tgtEl>
+                                        <p:attrNameLst>
+                                          <p:attrName>style.visibility</p:attrName>
+                                        </p:attrNameLst>
+                                      </p:cBhvr>
+                                      <p:to>
+                                        <p:strVal val="visible"/>
+                                      </p:to>
+                                    </p:set>
+                                    <p:animEffect transition="in" filter="fade">
+                                      <p:cBhvr>
+                                        <p:cTn id="12" dur="1000"/>
+                                        <p:tgtEl>
+                                          <p:spTgt spid="3">
+                                            <p:txEl>
+                                              <p:pRg st="1" end="1"/>
+                                            </p:txEl>
+                                          </p:spTgt>
+                                        </p:tgtEl>
+                                      </p:cBhvr>
+                                    </p:animEffect>
+                                    <p:anim calcmode="lin" valueType="num">
+                                      <p:cBhvr>
+                                        <p:cTn id="13" dur="1000" fill="hold"/>
+                                        <p:tgtEl>
+                                          <p:spTgt spid="3">
+                                            <p:txEl>
+                                              <p:pRg st="1" end="1"/>
+                                            </p:txEl>
+                                          </p:spTgt>
+                                        </p:tgtEl>
+                                        <p:attrNameLst>
+                                          <p:attrName>ppt_x</p:attrName>
+                                        </p:attrNameLst>
+                                      </p:cBhvr>
+                                      <p:tavLst>
+                                        <p:tav tm="0">
+                                          <p:val>
+                                            <p:strVal val="#ppt_x"/>
+                                          </p:val>
+                                        </p:tav>
+                                        <p:tav tm="100000">
+                                          <p:val>
+                                            <p:strVal val="#ppt_x"/>
+                                          </p:val>
+                                        </p:tav>
+                                      </p:tavLst>
+                                    </p:anim>
+                                    <p:anim calcmode="lin" valueType="num">
+                                      <p:cBhvr>
+                                        <p:cTn id="14" dur="1000" fill="hold"/>
+                                        <p:tgtEl>
+                                          <p:spTgt spid="3">
+                                            <p:txEl>
+                                              <p:pRg st="1" end="1"/>
+                                            </p:txEl>
+                                          </p:spTgt>
+                                        </p:tgtEl>
+                                        <p:attrNameLst>
+                                          <p:attrName>ppt_y</p:attrName>
+                                        </p:attrNameLst>
+                                      </p:cBhvr>
+                                      <p:tavLst>
+                                        <p:tav tm="0">
+                                          <p:val>
+                                            <p:strVal val="#ppt_y+.1"/>
+                                          </p:val>
+                                        </p:tav>
+                                        <p:tav tm="100000">
+                                          <p:val>
+                                            <p:strVal val="#ppt_y"/>
+                                          </p:val>
+                                        </p:tav>
+                                      </p:tavLst>
+                                    </p:anim>
+                                  </p:childTnLst>
+                                </p:cTn>
+                              </p:par>
+                              <p:par>
+                                <p:cTn id="15" presetID="42" presetClass="entr" presetSubtype="0" fill="hold" nodeType="withEffect">
+                                  <p:stCondLst>
+                                    <p:cond delay="0"/>
+                                  </p:stCondLst>
+                                  <p:childTnLst>
+                                    <p:set>
+                                      <p:cBhvr>
+                                        <p:cTn id="16" dur="1" fill="hold">
+                                          <p:stCondLst>
+                                            <p:cond delay="0"/>
+                                          </p:stCondLst>
+                                        </p:cTn>
+                                        <p:tgtEl>
+                                          <p:spTgt spid="7"/>
+                                        </p:tgtEl>
+                                        <p:attrNameLst>
+                                          <p:attrName>style.visibility</p:attrName>
+                                        </p:attrNameLst>
+                                      </p:cBhvr>
+                                      <p:to>
+                                        <p:strVal val="visible"/>
+                                      </p:to>
+                                    </p:set>
+                                    <p:animEffect transition="in" filter="fade">
+                                      <p:cBhvr>
+                                        <p:cTn id="17" dur="1000"/>
+                                        <p:tgtEl>
+                                          <p:spTgt spid="7"/>
+                                        </p:tgtEl>
+                                      </p:cBhvr>
+                                    </p:animEffect>
+                                    <p:anim calcmode="lin" valueType="num">
+                                      <p:cBhvr>
+                                        <p:cTn id="18" dur="1000" fill="hold"/>
+                                        <p:tgtEl>
+                                          <p:spTgt spid="7"/>
+                                        </p:tgtEl>
+                                        <p:attrNameLst>
+                                          <p:attrName>ppt_x</p:attrName>
+                                        </p:attrNameLst>
+                                      </p:cBhvr>
+                                      <p:tavLst>
+                                        <p:tav tm="0">
+                                          <p:val>
+                                            <p:strVal val="#ppt_x"/>
+                                          </p:val>
+                                        </p:tav>
+                                        <p:tav tm="100000">
+                                          <p:val>
+                                            <p:strVal val="#ppt_x"/>
+                                          </p:val>
+                                        </p:tav>
+                                      </p:tavLst>
+                                    </p:anim>
+                                    <p:anim calcmode="lin" valueType="num">
+                                      <p:cBhvr>
+                                        <p:cTn id="19" dur="1000" fill="hold"/>
+                                        <p:tgtEl>
+                                          <p:spTgt spid="7"/>
+                                        </p:tgtEl>
+                                        <p:attrNameLst>
+                                          <p:attrName>ppt_y</p:attrName>
+                                        </p:attrNameLst>
+                                      </p:cBhvr>
+                                      <p:tavLst>
+                                        <p:tav tm="0">
+                                          <p:val>
+                                            <p:strVal val="#ppt_y+.1"/>
+                                          </p:val>
+                                        </p:tav>
+                                        <p:tav tm="100000">
+                                          <p:val>
+                                            <p:strVal val="#ppt_y"/>
+                                          </p:val>
+                                        </p:tav>
+                                      </p:tavLst>
+                                    </p:anim>
+                                  </p:childTnLst>
+                                </p:cTn>
+                              </p:par>
+                            </p:childTnLst>
+                          </p:cTn>
+                        </p:par>
+                      </p:childTnLst>
+                    </p:cTn>
+                  </p:par>
+                  <p:par>
+                    <p:cTn id="20" fill="hold">
+                      <p:stCondLst>
+                        <p:cond delay="indefinite"/>
+                      </p:stCondLst>
+                      <p:childTnLst>
+                        <p:par>
+                          <p:cTn id="21" fill="hold">
+                            <p:stCondLst>
+                              <p:cond delay="0"/>
+                            </p:stCondLst>
+                            <p:childTnLst>
+                              <p:par>
+                                <p:cTn id="22" presetID="42" presetClass="entr" presetSubtype="0" fill="hold" grpId="0" nodeType="clickEffect">
+                                  <p:stCondLst>
+                                    <p:cond delay="0"/>
+                                  </p:stCondLst>
+                                  <p:childTnLst>
+                                    <p:set>
+                                      <p:cBhvr>
+                                        <p:cTn id="23" dur="1" fill="hold">
+                                          <p:stCondLst>
+                                            <p:cond delay="0"/>
+                                          </p:stCondLst>
+                                        </p:cTn>
+                                        <p:tgtEl>
+                                          <p:spTgt spid="3">
+                                            <p:txEl>
+                                              <p:pRg st="3" end="3"/>
+                                            </p:txEl>
+                                          </p:spTgt>
+                                        </p:tgtEl>
+                                        <p:attrNameLst>
+                                          <p:attrName>style.visibility</p:attrName>
+                                        </p:attrNameLst>
+                                      </p:cBhvr>
+                                      <p:to>
+                                        <p:strVal val="visible"/>
+                                      </p:to>
+                                    </p:set>
+                                    <p:animEffect transition="in" filter="fade">
+                                      <p:cBhvr>
+                                        <p:cTn id="24" dur="1000"/>
+                                        <p:tgtEl>
+                                          <p:spTgt spid="3">
+                                            <p:txEl>
+                                              <p:pRg st="3" end="3"/>
+                                            </p:txEl>
+                                          </p:spTgt>
+                                        </p:tgtEl>
+                                      </p:cBhvr>
+                                    </p:animEffect>
+                                    <p:anim calcmode="lin" valueType="num">
+                                      <p:cBhvr>
+                                        <p:cTn id="25" dur="1000" fill="hold"/>
+                                        <p:tgtEl>
+                                          <p:spTgt spid="3">
+                                            <p:txEl>
+                                              <p:pRg st="3" end="3"/>
+                                            </p:txEl>
+                                          </p:spTgt>
+                                        </p:tgtEl>
+                                        <p:attrNameLst>
+                                          <p:attrName>ppt_x</p:attrName>
+                                        </p:attrNameLst>
+                                      </p:cBhvr>
+                                      <p:tavLst>
+                                        <p:tav tm="0">
+                                          <p:val>
+                                            <p:strVal val="#ppt_x"/>
+                                          </p:val>
+                                        </p:tav>
+                                        <p:tav tm="100000">
+                                          <p:val>
+                                            <p:strVal val="#ppt_x"/>
+                                          </p:val>
+                                        </p:tav>
+                                      </p:tavLst>
+                                    </p:anim>
+                                    <p:anim calcmode="lin" valueType="num">
+                                      <p:cBhvr>
+                                        <p:cTn id="26" dur="1000" fill="hold"/>
+                                        <p:tgtEl>
+                                          <p:spTgt spid="3">
+                                            <p:txEl>
+                                              <p:pRg st="3" end="3"/>
+                                            </p:txEl>
+                                          </p:spTgt>
+                                        </p:tgtEl>
+                                        <p:attrNameLst>
+                                          <p:attrName>ppt_y</p:attrName>
+                                        </p:attrNameLst>
+                                      </p:cBhvr>
+                                      <p:tavLst>
+                                        <p:tav tm="0">
+                                          <p:val>
+                                            <p:strVal val="#ppt_y+.1"/>
+                                          </p:val>
+                                        </p:tav>
+                                        <p:tav tm="100000">
+                                          <p:val>
+                                            <p:strVal val="#ppt_y"/>
+                                          </p:val>
+                                        </p:tav>
+                                      </p:tavLst>
+                                    </p:anim>
+                                  </p:childTnLst>
+                                </p:cTn>
+                              </p:par>
+                              <p:par>
+                                <p:cTn id="27" presetID="42" presetClass="entr" presetSubtype="0" fill="hold" grpId="0" nodeType="withEffect">
+                                  <p:stCondLst>
+                                    <p:cond delay="0"/>
+                                  </p:stCondLst>
+                                  <p:childTnLst>
+                                    <p:set>
+                                      <p:cBhvr>
+                                        <p:cTn id="28" dur="1" fill="hold">
+                                          <p:stCondLst>
+                                            <p:cond delay="0"/>
+                                          </p:stCondLst>
+                                        </p:cTn>
+                                        <p:tgtEl>
+                                          <p:spTgt spid="3">
+                                            <p:txEl>
+                                              <p:pRg st="4" end="4"/>
+                                            </p:txEl>
+                                          </p:spTgt>
+                                        </p:tgtEl>
+                                        <p:attrNameLst>
+                                          <p:attrName>style.visibility</p:attrName>
+                                        </p:attrNameLst>
+                                      </p:cBhvr>
+                                      <p:to>
+                                        <p:strVal val="visible"/>
+                                      </p:to>
+                                    </p:set>
+                                    <p:animEffect transition="in" filter="fade">
+                                      <p:cBhvr>
+                                        <p:cTn id="29" dur="1000"/>
+                                        <p:tgtEl>
+                                          <p:spTgt spid="3">
+                                            <p:txEl>
+                                              <p:pRg st="4" end="4"/>
+                                            </p:txEl>
+                                          </p:spTgt>
+                                        </p:tgtEl>
+                                      </p:cBhvr>
+                                    </p:animEffect>
+                                    <p:anim calcmode="lin" valueType="num">
+                                      <p:cBhvr>
+                                        <p:cTn id="30" dur="1000" fill="hold"/>
+                                        <p:tgtEl>
+                                          <p:spTgt spid="3">
+                                            <p:txEl>
+                                              <p:pRg st="4" end="4"/>
+                                            </p:txEl>
+                                          </p:spTgt>
+                                        </p:tgtEl>
+                                        <p:attrNameLst>
+                                          <p:attrName>ppt_x</p:attrName>
+                                        </p:attrNameLst>
+                                      </p:cBhvr>
+                                      <p:tavLst>
+                                        <p:tav tm="0">
+                                          <p:val>
+                                            <p:strVal val="#ppt_x"/>
+                                          </p:val>
+                                        </p:tav>
+                                        <p:tav tm="100000">
+                                          <p:val>
+                                            <p:strVal val="#ppt_x"/>
+                                          </p:val>
+                                        </p:tav>
+                                      </p:tavLst>
+                                    </p:anim>
+                                    <p:anim calcmode="lin" valueType="num">
+                                      <p:cBhvr>
+                                        <p:cTn id="31" dur="1000" fill="hold"/>
+                                        <p:tgtEl>
+                                          <p:spTgt spid="3">
+                                            <p:txEl>
+                                              <p:pRg st="4" end="4"/>
+                                            </p:txEl>
+                                          </p:spTgt>
+                                        </p:tgtEl>
+                                        <p:attrNameLst>
+                                          <p:attrName>ppt_y</p:attrName>
+                                        </p:attrNameLst>
+                                      </p:cBhvr>
+                                      <p:tavLst>
+                                        <p:tav tm="0">
+                                          <p:val>
+                                            <p:strVal val="#ppt_y+.1"/>
+                                          </p:val>
+                                        </p:tav>
+                                        <p:tav tm="100000">
+                                          <p:val>
+                                            <p:strVal val="#ppt_y"/>
+                                          </p:val>
+                                        </p:tav>
+                                      </p:tavLst>
+                                    </p:anim>
+                                  </p:childTnLst>
+                                </p:cTn>
+                              </p:par>
+                            </p:childTnLst>
+                          </p:cTn>
+                        </p:par>
+                      </p:childTnLst>
+                    </p:cTn>
+                  </p:par>
+                  <p:par>
+                    <p:cTn id="32" fill="hold">
+                      <p:stCondLst>
+                        <p:cond delay="indefinite"/>
+                      </p:stCondLst>
+                      <p:childTnLst>
+                        <p:par>
+                          <p:cTn id="33" fill="hold">
+                            <p:stCondLst>
+                              <p:cond delay="0"/>
+                            </p:stCondLst>
+                            <p:childTnLst>
+                              <p:par>
+                                <p:cTn id="34" presetID="42" presetClass="entr" presetSubtype="0" fill="hold" grpId="0" nodeType="clickEffect">
+                                  <p:stCondLst>
+                                    <p:cond delay="0"/>
+                                  </p:stCondLst>
+                                  <p:childTnLst>
+                                    <p:set>
+                                      <p:cBhvr>
+                                        <p:cTn id="35" dur="1" fill="hold">
+                                          <p:stCondLst>
+                                            <p:cond delay="0"/>
+                                          </p:stCondLst>
+                                        </p:cTn>
+                                        <p:tgtEl>
+                                          <p:spTgt spid="3">
+                                            <p:txEl>
+                                              <p:pRg st="5" end="5"/>
+                                            </p:txEl>
+                                          </p:spTgt>
+                                        </p:tgtEl>
+                                        <p:attrNameLst>
+                                          <p:attrName>style.visibility</p:attrName>
+                                        </p:attrNameLst>
+                                      </p:cBhvr>
+                                      <p:to>
+                                        <p:strVal val="visible"/>
+                                      </p:to>
+                                    </p:set>
+                                    <p:animEffect transition="in" filter="fade">
+                                      <p:cBhvr>
+                                        <p:cTn id="36" dur="1000"/>
+                                        <p:tgtEl>
+                                          <p:spTgt spid="3">
+                                            <p:txEl>
+                                              <p:pRg st="5" end="5"/>
+                                            </p:txEl>
+                                          </p:spTgt>
+                                        </p:tgtEl>
+                                      </p:cBhvr>
+                                    </p:animEffect>
+                                    <p:anim calcmode="lin" valueType="num">
+                                      <p:cBhvr>
+                                        <p:cTn id="37" dur="1000" fill="hold"/>
+                                        <p:tgtEl>
+                                          <p:spTgt spid="3">
+                                            <p:txEl>
+                                              <p:pRg st="5" end="5"/>
+                                            </p:txEl>
+                                          </p:spTgt>
+                                        </p:tgtEl>
+                                        <p:attrNameLst>
+                                          <p:attrName>ppt_x</p:attrName>
+                                        </p:attrNameLst>
+                                      </p:cBhvr>
+                                      <p:tavLst>
+                                        <p:tav tm="0">
+                                          <p:val>
+                                            <p:strVal val="#ppt_x"/>
+                                          </p:val>
+                                        </p:tav>
+                                        <p:tav tm="100000">
+                                          <p:val>
+                                            <p:strVal val="#ppt_x"/>
+                                          </p:val>
+                                        </p:tav>
+                                      </p:tavLst>
+                                    </p:anim>
+                                    <p:anim calcmode="lin" valueType="num">
+                                      <p:cBhvr>
+                                        <p:cTn id="38" dur="1000" fill="hold"/>
+                                        <p:tgtEl>
+                                          <p:spTgt spid="3">
+                                            <p:txEl>
+                                              <p:pRg st="5" end="5"/>
+                                            </p:txEl>
+                                          </p:spTgt>
+                                        </p:tgtEl>
+                                        <p:attrNameLst>
+                                          <p:attrName>ppt_y</p:attrName>
+                                        </p:attrNameLst>
+                                      </p:cBhvr>
+                                      <p:tavLst>
+                                        <p:tav tm="0">
+                                          <p:val>
+                                            <p:strVal val="#ppt_y+.1"/>
+                                          </p:val>
+                                        </p:tav>
+                                        <p:tav tm="100000">
+                                          <p:val>
+                                            <p:strVal val="#ppt_y"/>
+                                          </p:val>
+                                        </p:tav>
+                                      </p:tavLst>
+                                    </p:anim>
+                                  </p:childTnLst>
+                                </p:cTn>
+                              </p:par>
+                            </p:childTnLst>
+                          </p:cTn>
+                        </p:par>
+                      </p:childTnLst>
+                    </p:cTn>
+                  </p:par>
+                  <p:par>
+                    <p:cTn id="39" fill="hold">
+                      <p:stCondLst>
+                        <p:cond delay="indefinite"/>
+                      </p:stCondLst>
+                      <p:childTnLst>
+                        <p:par>
+                          <p:cTn id="40" fill="hold">
+                            <p:stCondLst>
+                              <p:cond delay="0"/>
+                            </p:stCondLst>
+                            <p:childTnLst>
+                              <p:par>
+                                <p:cTn id="41" presetID="42" presetClass="entr" presetSubtype="0" fill="hold" grpId="0" nodeType="clickEffect">
+                                  <p:stCondLst>
+                                    <p:cond delay="0"/>
+                                  </p:stCondLst>
+                                  <p:childTnLst>
+                                    <p:set>
+                                      <p:cBhvr>
+                                        <p:cTn id="42" dur="1" fill="hold">
+                                          <p:stCondLst>
+                                            <p:cond delay="0"/>
+                                          </p:stCondLst>
+                                        </p:cTn>
+                                        <p:tgtEl>
+                                          <p:spTgt spid="3">
+                                            <p:txEl>
+                                              <p:pRg st="6" end="6"/>
+                                            </p:txEl>
+                                          </p:spTgt>
+                                        </p:tgtEl>
+                                        <p:attrNameLst>
+                                          <p:attrName>style.visibility</p:attrName>
+                                        </p:attrNameLst>
+                                      </p:cBhvr>
+                                      <p:to>
+                                        <p:strVal val="visible"/>
+                                      </p:to>
+                                    </p:set>
+                                    <p:animEffect transition="in" filter="fade">
+                                      <p:cBhvr>
+                                        <p:cTn id="43" dur="1000"/>
+                                        <p:tgtEl>
+                                          <p:spTgt spid="3">
+                                            <p:txEl>
+                                              <p:pRg st="6" end="6"/>
+                                            </p:txEl>
+                                          </p:spTgt>
+                                        </p:tgtEl>
+                                      </p:cBhvr>
+                                    </p:animEffect>
+                                    <p:anim calcmode="lin" valueType="num">
+                                      <p:cBhvr>
+                                        <p:cTn id="44" dur="1000" fill="hold"/>
+                                        <p:tgtEl>
+                                          <p:spTgt spid="3">
+                                            <p:txEl>
+                                              <p:pRg st="6" end="6"/>
+                                            </p:txEl>
+                                          </p:spTgt>
+                                        </p:tgtEl>
+                                        <p:attrNameLst>
+                                          <p:attrName>ppt_x</p:attrName>
+                                        </p:attrNameLst>
+                                      </p:cBhvr>
+                                      <p:tavLst>
+                                        <p:tav tm="0">
+                                          <p:val>
+                                            <p:strVal val="#ppt_x"/>
+                                          </p:val>
+                                        </p:tav>
+                                        <p:tav tm="100000">
+                                          <p:val>
+                                            <p:strVal val="#ppt_x"/>
+                                          </p:val>
+                                        </p:tav>
+                                      </p:tavLst>
+                                    </p:anim>
+                                    <p:anim calcmode="lin" valueType="num">
+                                      <p:cBhvr>
+                                        <p:cTn id="45" dur="1000" fill="hold"/>
+                                        <p:tgtEl>
+                                          <p:spTgt spid="3">
+                                            <p:txEl>
+                                              <p:pRg st="6" end="6"/>
+                                            </p:txEl>
+                                          </p:spTgt>
+                                        </p:tgtEl>
+                                        <p:attrNameLst>
+                                          <p:attrName>ppt_y</p:attrName>
+                                        </p:attrNameLst>
+                                      </p:cBhvr>
+                                      <p:tavLst>
+                                        <p:tav tm="0">
+                                          <p:val>
+                                            <p:strVal val="#ppt_y+.1"/>
+                                          </p:val>
+                                        </p:tav>
+                                        <p:tav tm="100000">
+                                          <p:val>
+                                            <p:strVal val="#ppt_y"/>
+                                          </p:val>
+                                        </p:tav>
+                                      </p:tavLst>
+                                    </p:anim>
+                                  </p:childTnLst>
+                                </p:cTn>
+                              </p:par>
+                              <p:par>
+                                <p:cTn id="46" presetID="42" presetClass="entr" presetSubtype="0" fill="hold" grpId="0" nodeType="withEffect">
+                                  <p:stCondLst>
+                                    <p:cond delay="0"/>
+                                  </p:stCondLst>
+                                  <p:childTnLst>
+                                    <p:set>
+                                      <p:cBhvr>
+                                        <p:cTn id="47" dur="1" fill="hold">
+                                          <p:stCondLst>
+                                            <p:cond delay="0"/>
+                                          </p:stCondLst>
+                                        </p:cTn>
+                                        <p:tgtEl>
+                                          <p:spTgt spid="3">
+                                            <p:txEl>
+                                              <p:pRg st="7" end="7"/>
+                                            </p:txEl>
+                                          </p:spTgt>
+                                        </p:tgtEl>
+                                        <p:attrNameLst>
+                                          <p:attrName>style.visibility</p:attrName>
+                                        </p:attrNameLst>
+                                      </p:cBhvr>
+                                      <p:to>
+                                        <p:strVal val="visible"/>
+                                      </p:to>
+                                    </p:set>
+                                    <p:animEffect transition="in" filter="fade">
+                                      <p:cBhvr>
+                                        <p:cTn id="48" dur="1000"/>
+                                        <p:tgtEl>
+                                          <p:spTgt spid="3">
+                                            <p:txEl>
+                                              <p:pRg st="7" end="7"/>
+                                            </p:txEl>
+                                          </p:spTgt>
+                                        </p:tgtEl>
+                                      </p:cBhvr>
+                                    </p:animEffect>
+                                    <p:anim calcmode="lin" valueType="num">
+                                      <p:cBhvr>
+                                        <p:cTn id="49" dur="1000" fill="hold"/>
+                                        <p:tgtEl>
+                                          <p:spTgt spid="3">
+                                            <p:txEl>
+                                              <p:pRg st="7" end="7"/>
+                                            </p:txEl>
+                                          </p:spTgt>
+                                        </p:tgtEl>
+                                        <p:attrNameLst>
+                                          <p:attrName>ppt_x</p:attrName>
+                                        </p:attrNameLst>
+                                      </p:cBhvr>
+                                      <p:tavLst>
+                                        <p:tav tm="0">
+                                          <p:val>
+                                            <p:strVal val="#ppt_x"/>
+                                          </p:val>
+                                        </p:tav>
+                                        <p:tav tm="100000">
+                                          <p:val>
+                                            <p:strVal val="#ppt_x"/>
+                                          </p:val>
+                                        </p:tav>
+                                      </p:tavLst>
+                                    </p:anim>
+                                    <p:anim calcmode="lin" valueType="num">
+                                      <p:cBhvr>
+                                        <p:cTn id="50" dur="1000" fill="hold"/>
+                                        <p:tgtEl>
+                                          <p:spTgt spid="3">
+                                            <p:txEl>
+                                              <p:pRg st="7" end="7"/>
+                                            </p:txEl>
+                                          </p:spTgt>
+                                        </p:tgtEl>
+                                        <p:attrNameLst>
+                                          <p:attrName>ppt_y</p:attrName>
+                                        </p:attrNameLst>
+                                      </p:cBhvr>
+                                      <p:tavLst>
+                                        <p:tav tm="0">
+                                          <p:val>
+                                            <p:strVal val="#ppt_y+.1"/>
+                                          </p:val>
+                                        </p:tav>
+                                        <p:tav tm="100000">
+                                          <p:val>
+                                            <p:strVal val="#ppt_y"/>
+                                          </p:val>
+                                        </p:tav>
+                                      </p:tavLst>
+                                    </p:anim>
+                                  </p:childTnLst>
+                                </p:cTn>
+                              </p:par>
+                            </p:childTnLst>
+                          </p:cTn>
+                        </p:par>
+                      </p:childTnLst>
+                    </p:cTn>
+                  </p:par>
+                  <p:par>
+                    <p:cTn id="51" fill="hold">
+                      <p:stCondLst>
+                        <p:cond delay="indefinite"/>
+                      </p:stCondLst>
+                      <p:childTnLst>
+                        <p:par>
+                          <p:cTn id="52" fill="hold">
+                            <p:stCondLst>
+                              <p:cond delay="0"/>
+                            </p:stCondLst>
+                            <p:childTnLst>
+                              <p:par>
+                                <p:cTn id="53" presetID="42" presetClass="entr" presetSubtype="0" fill="hold" grpId="0" nodeType="clickEffect">
+                                  <p:stCondLst>
+                                    <p:cond delay="0"/>
+                                  </p:stCondLst>
+                                  <p:childTnLst>
+                                    <p:set>
+                                      <p:cBhvr>
+                                        <p:cTn id="54" dur="1" fill="hold">
+                                          <p:stCondLst>
+                                            <p:cond delay="0"/>
+                                          </p:stCondLst>
+                                        </p:cTn>
+                                        <p:tgtEl>
+                                          <p:spTgt spid="3">
+                                            <p:txEl>
+                                              <p:pRg st="8" end="8"/>
+                                            </p:txEl>
+                                          </p:spTgt>
+                                        </p:tgtEl>
+                                        <p:attrNameLst>
+                                          <p:attrName>style.visibility</p:attrName>
+                                        </p:attrNameLst>
+                                      </p:cBhvr>
+                                      <p:to>
+                                        <p:strVal val="visible"/>
+                                      </p:to>
+                                    </p:set>
+                                    <p:animEffect transition="in" filter="fade">
+                                      <p:cBhvr>
+                                        <p:cTn id="55" dur="1000"/>
+                                        <p:tgtEl>
+                                          <p:spTgt spid="3">
+                                            <p:txEl>
+                                              <p:pRg st="8" end="8"/>
+                                            </p:txEl>
+                                          </p:spTgt>
+                                        </p:tgtEl>
+                                      </p:cBhvr>
+                                    </p:animEffect>
+                                    <p:anim calcmode="lin" valueType="num">
+                                      <p:cBhvr>
+                                        <p:cTn id="56" dur="1000" fill="hold"/>
+                                        <p:tgtEl>
+                                          <p:spTgt spid="3">
+                                            <p:txEl>
+                                              <p:pRg st="8" end="8"/>
+                                            </p:txEl>
+                                          </p:spTgt>
+                                        </p:tgtEl>
+                                        <p:attrNameLst>
+                                          <p:attrName>ppt_x</p:attrName>
+                                        </p:attrNameLst>
+                                      </p:cBhvr>
+                                      <p:tavLst>
+                                        <p:tav tm="0">
+                                          <p:val>
+                                            <p:strVal val="#ppt_x"/>
+                                          </p:val>
+                                        </p:tav>
+                                        <p:tav tm="100000">
+                                          <p:val>
+                                            <p:strVal val="#ppt_x"/>
+                                          </p:val>
+                                        </p:tav>
+                                      </p:tavLst>
+                                    </p:anim>
+                                    <p:anim calcmode="lin" valueType="num">
+                                      <p:cBhvr>
+                                        <p:cTn id="57" dur="1000" fill="hold"/>
+                                        <p:tgtEl>
+                                          <p:spTgt spid="3">
+                                            <p:txEl>
+                                              <p:pRg st="8" end="8"/>
+                                            </p:txEl>
+                                          </p:spTgt>
+                                        </p:tgtEl>
+                                        <p:attrNameLst>
+                                          <p:attrName>ppt_y</p:attrName>
+                                        </p:attrNameLst>
+                                      </p:cBhvr>
+                                      <p:tavLst>
+                                        <p:tav tm="0">
+                                          <p:val>
+                                            <p:strVal val="#ppt_y+.1"/>
+                                          </p:val>
+                                        </p:tav>
+                                        <p:tav tm="100000">
+                                          <p:val>
+                                            <p:strVal val="#ppt_y"/>
+                                          </p:val>
+                                        </p:tav>
+                                      </p:tavLst>
+                                    </p:anim>
+                                  </p:childTnLst>
+                                </p:cTn>
+                              </p:par>
+                              <p:par>
+                                <p:cTn id="58" presetID="42" presetClass="entr" presetSubtype="0" fill="hold" grpId="0" nodeType="withEffect">
+                                  <p:stCondLst>
+                                    <p:cond delay="0"/>
+                                  </p:stCondLst>
+                                  <p:childTnLst>
+                                    <p:set>
+                                      <p:cBhvr>
+                                        <p:cTn id="59" dur="1" fill="hold">
+                                          <p:stCondLst>
+                                            <p:cond delay="0"/>
+                                          </p:stCondLst>
+                                        </p:cTn>
+                                        <p:tgtEl>
+                                          <p:spTgt spid="3">
+                                            <p:txEl>
+                                              <p:pRg st="9" end="9"/>
+                                            </p:txEl>
+                                          </p:spTgt>
+                                        </p:tgtEl>
+                                        <p:attrNameLst>
+                                          <p:attrName>style.visibility</p:attrName>
+                                        </p:attrNameLst>
+                                      </p:cBhvr>
+                                      <p:to>
+                                        <p:strVal val="visible"/>
+                                      </p:to>
+                                    </p:set>
+                                    <p:animEffect transition="in" filter="fade">
+                                      <p:cBhvr>
+                                        <p:cTn id="60" dur="1000"/>
+                                        <p:tgtEl>
+                                          <p:spTgt spid="3">
+                                            <p:txEl>
+                                              <p:pRg st="9" end="9"/>
+                                            </p:txEl>
+                                          </p:spTgt>
+                                        </p:tgtEl>
+                                      </p:cBhvr>
+                                    </p:animEffect>
+                                    <p:anim calcmode="lin" valueType="num">
+                                      <p:cBhvr>
+                                        <p:cTn id="61" dur="1000" fill="hold"/>
+                                        <p:tgtEl>
+                                          <p:spTgt spid="3">
+                                            <p:txEl>
+                                              <p:pRg st="9" end="9"/>
+                                            </p:txEl>
+                                          </p:spTgt>
+                                        </p:tgtEl>
+                                        <p:attrNameLst>
+                                          <p:attrName>ppt_x</p:attrName>
+                                        </p:attrNameLst>
+                                      </p:cBhvr>
+                                      <p:tavLst>
+                                        <p:tav tm="0">
+                                          <p:val>
+                                            <p:strVal val="#ppt_x"/>
+                                          </p:val>
+                                        </p:tav>
+                                        <p:tav tm="100000">
+                                          <p:val>
+                                            <p:strVal val="#ppt_x"/>
+                                          </p:val>
+                                        </p:tav>
+                                      </p:tavLst>
+                                    </p:anim>
+                                    <p:anim calcmode="lin" valueType="num">
+                                      <p:cBhvr>
+                                        <p:cTn id="62" dur="1000" fill="hold"/>
+                                        <p:tgtEl>
+                                          <p:spTgt spid="3">
+                                            <p:txEl>
+                                              <p:pRg st="9" end="9"/>
+                                            </p:txEl>
+                                          </p:spTgt>
+                                        </p:tgtEl>
+                                        <p:attrNameLst>
+                                          <p:attrName>ppt_y</p:attrName>
+                                        </p:attrNameLst>
+                                      </p:cBhvr>
+                                      <p:tavLst>
+                                        <p:tav tm="0">
+                                          <p:val>
+                                            <p:strVal val="#ppt_y+.1"/>
+                                          </p:val>
+                                        </p:tav>
+                                        <p:tav tm="100000">
+                                          <p:val>
+                                            <p:strVal val="#ppt_y"/>
+                                          </p:val>
+                                        </p:tav>
+                                      </p:tavLst>
+                                    </p:anim>
+                                  </p:childTnLst>
+                                </p:cTn>
+                              </p:par>
+                            </p:childTnLst>
+                          </p:cTn>
+                        </p:par>
+                      </p:childTnLst>
+                    </p:cTn>
+                  </p:par>
+                </p:childTnLst>
+              </p:cTn>
+              <p:prevCondLst>
+                <p:cond evt="onPrev" delay="0">
+                  <p:tgtEl>
+                    <p:sldTgt/>
+                  </p:tgtEl>
+                </p:cond>
+              </p:prevCondLst>
+              <p:nextCondLst>
+                <p:cond evt="onNext" delay="0">
+                  <p:tgtEl>
+                    <p:sldTgt/>
+                  </p:tgtEl>
+                </p:cond>
+              </p:nextCondLst>
+            </p:seq>
+          </p:childTnLst>
+        </p:cTn>
+      </p:par>
+    </p:tnLst>
+    <p:bldLst>
+      <p:bldP spid="3" grpId="0" uiExpand="1" build="p"/>
+    </p:bldLst>
+  </p:timing>
+</p:sld>
+</file>
+
+<file path=ppt/slides/slide21.xml><?xml version="1.0" encoding="utf-8"?>
+<p:sld xmlns:a="http://schemas.openxmlformats.org/drawingml/2006/main" xmlns:r="http://schemas.openxmlformats.org/officeDocument/2006/relationships" xmlns:p="http://schemas.openxmlformats.org/presentationml/2006/main">
+  <p:cSld>
+    <p:spTree>
+      <p:nvGrpSpPr>
+        <p:cNvPr id="1" name=""/>
+        <p:cNvGrpSpPr/>
+        <p:nvPr/>
+      </p:nvGrpSpPr>
+      <p:grpSpPr>
+        <a:xfrm>
+          <a:off x="0" y="0"/>
+          <a:ext cx="0" cy="0"/>
+          <a:chOff x="0" y="0"/>
+          <a:chExt cx="0" cy="0"/>
+        </a:xfrm>
+      </p:grpSpPr>
+      <p:sp>
+        <p:nvSpPr>
+          <p:cNvPr id="2" name="Заголовок 1"/>
+          <p:cNvSpPr>
+            <a:spLocks noGrp="1"/>
+          </p:cNvSpPr>
+          <p:nvPr>
+            <p:ph type="title"/>
+          </p:nvPr>
+        </p:nvSpPr>
+        <p:spPr/>
+        <p:txBody>
+          <a:bodyPr/>
+          <a:lstStyle/>
+          <a:p>
+            <a:r>
+              <a:rPr lang="en-US" dirty="0"/>
+              <a:t>C# </a:t>
+            </a:r>
+            <a:r>
+              <a:rPr lang="en-US" dirty="0" smtClean="0"/>
+              <a:t>basics</a:t>
+            </a:r>
+            <a:br>
+              <a:rPr lang="en-US" dirty="0" smtClean="0"/>
+            </a:br>
+            <a:r>
+              <a:rPr lang="en-US" sz="2400" dirty="0">
+                <a:solidFill>
+                  <a:prstClr val="white">
+                    <a:lumMod val="50000"/>
+                  </a:prstClr>
+                </a:solidFill>
+              </a:rPr>
+              <a:t>Arrays and Loops</a:t>
+            </a:r>
+            <a:endParaRPr lang="en-US" dirty="0"/>
+          </a:p>
+        </p:txBody>
+      </p:sp>
+      <p:sp>
+        <p:nvSpPr>
+          <p:cNvPr id="4" name="Дата 3"/>
+          <p:cNvSpPr>
+            <a:spLocks noGrp="1"/>
+          </p:cNvSpPr>
+          <p:nvPr>
+            <p:ph type="dt" sz="half" idx="10"/>
+          </p:nvPr>
+        </p:nvSpPr>
+        <p:spPr>
+          <a:xfrm>
+            <a:off x="6598153" y="6041362"/>
+            <a:ext cx="1518920" cy="365125"/>
+          </a:xfrm>
+        </p:spPr>
+        <p:txBody>
+          <a:bodyPr/>
+          <a:lstStyle/>
+          <a:p>
+            <a:fld id="{939306D3-16AC-481B-963B-74A1D01AC013}" type="datetime3">
+              <a:rPr lang="en-US" sz="1100" smtClean="0"/>
+              <a:t>4 October 2021</a:t>
+            </a:fld>
+            <a:endParaRPr lang="en-US" sz="1100" dirty="0"/>
+          </a:p>
+        </p:txBody>
+      </p:sp>
+      <p:sp>
+        <p:nvSpPr>
+          <p:cNvPr id="5" name="Нижний колонтитул 4"/>
+          <p:cNvSpPr>
+            <a:spLocks noGrp="1"/>
+          </p:cNvSpPr>
+          <p:nvPr>
+            <p:ph type="ftr" sz="quarter" idx="11"/>
+          </p:nvPr>
+        </p:nvSpPr>
+        <p:spPr/>
+        <p:txBody>
+          <a:bodyPr/>
+          <a:lstStyle/>
+          <a:p>
+            <a:r>
+              <a:rPr lang="en-US" sz="1100" dirty="0" smtClean="0"/>
+              <a:t>Automated framework with C#</a:t>
+            </a:r>
+          </a:p>
+          <a:p>
+            <a:r>
+              <a:rPr lang="en-US" sz="1100" dirty="0"/>
+              <a:t>Yury </a:t>
+            </a:r>
+            <a:r>
+              <a:rPr lang="en-US" sz="1100" dirty="0" smtClean="0"/>
+              <a:t>Alifanov</a:t>
+            </a:r>
+            <a:endParaRPr lang="en-US" sz="1100" dirty="0"/>
+          </a:p>
+        </p:txBody>
+      </p:sp>
+      <p:sp>
+        <p:nvSpPr>
+          <p:cNvPr id="6" name="Номер слайда 5"/>
+          <p:cNvSpPr>
+            <a:spLocks noGrp="1"/>
+          </p:cNvSpPr>
+          <p:nvPr>
+            <p:ph type="sldNum" sz="quarter" idx="12"/>
+          </p:nvPr>
+        </p:nvSpPr>
+        <p:spPr/>
+        <p:txBody>
+          <a:bodyPr/>
+          <a:lstStyle/>
+          <a:p>
+            <a:fld id="{519954A3-9DFD-4C44-94BA-B95130A3BA1C}" type="slidenum">
+              <a:rPr lang="en-US" sz="1100" smtClean="0"/>
+              <a:t>21</a:t>
+            </a:fld>
+            <a:endParaRPr lang="en-US" sz="1100" dirty="0"/>
+          </a:p>
+        </p:txBody>
+      </p:sp>
+      <p:sp>
+        <p:nvSpPr>
+          <p:cNvPr id="3" name="Объект 2"/>
+          <p:cNvSpPr>
+            <a:spLocks noGrp="1"/>
+          </p:cNvSpPr>
+          <p:nvPr>
+            <p:ph idx="1"/>
+          </p:nvPr>
+        </p:nvSpPr>
+        <p:spPr>
+          <a:xfrm>
+            <a:off x="735145" y="1777549"/>
+            <a:ext cx="9980479" cy="3887445"/>
+          </a:xfrm>
+        </p:spPr>
+        <p:txBody>
+          <a:bodyPr/>
+          <a:lstStyle/>
+          <a:p>
+            <a:pPr marL="0" indent="0">
+              <a:buNone/>
+            </a:pPr>
+            <a:endParaRPr lang="en-US" dirty="0" smtClean="0"/>
+          </a:p>
+          <a:p>
+            <a:pPr marL="0" indent="0">
+              <a:buNone/>
+            </a:pPr>
+            <a:endParaRPr lang="en-US" dirty="0"/>
+          </a:p>
+          <a:p>
+            <a:pPr marL="0" indent="0">
+              <a:buNone/>
+            </a:pPr>
+            <a:endParaRPr lang="en-US" dirty="0"/>
+          </a:p>
+        </p:txBody>
+      </p:sp>
+      <p:sp>
+        <p:nvSpPr>
+          <p:cNvPr id="10" name="TextBox 9"/>
+          <p:cNvSpPr txBox="1"/>
+          <p:nvPr/>
+        </p:nvSpPr>
+        <p:spPr>
+          <a:xfrm>
+            <a:off x="677333" y="1807711"/>
+            <a:ext cx="2487347" cy="1200329"/>
+          </a:xfrm>
+          <a:prstGeom prst="rect">
+            <a:avLst/>
+          </a:prstGeom>
+          <a:noFill/>
+        </p:spPr>
+        <p:txBody>
+          <a:bodyPr wrap="square" rtlCol="0">
+            <a:spAutoFit/>
+          </a:bodyPr>
+          <a:lstStyle/>
+          <a:p>
+            <a:r>
+              <a:rPr lang="en-US" dirty="0" smtClean="0">
+                <a:solidFill>
+                  <a:schemeClr val="accent2"/>
+                </a:solidFill>
+                <a:latin typeface="Consolas" panose="020B0609020204030204" pitchFamily="49" charset="0"/>
+              </a:rPr>
+              <a:t>while</a:t>
+            </a:r>
+            <a:r>
+              <a:rPr lang="en-US" dirty="0" smtClean="0">
+                <a:latin typeface="Consolas" panose="020B0609020204030204" pitchFamily="49" charset="0"/>
+              </a:rPr>
+              <a:t>(condition)</a:t>
+            </a:r>
+          </a:p>
+          <a:p>
+            <a:r>
+              <a:rPr lang="en-US" dirty="0" smtClean="0">
+                <a:latin typeface="Consolas" panose="020B0609020204030204" pitchFamily="49" charset="0"/>
+              </a:rPr>
+              <a:t>{</a:t>
+            </a:r>
+          </a:p>
+          <a:p>
+            <a:r>
+              <a:rPr lang="en-US" dirty="0">
+                <a:latin typeface="Consolas" panose="020B0609020204030204" pitchFamily="49" charset="0"/>
+              </a:rPr>
+              <a:t>	</a:t>
+            </a:r>
+            <a:r>
+              <a:rPr lang="en-US" dirty="0" smtClean="0">
+                <a:solidFill>
+                  <a:schemeClr val="accent5">
+                    <a:lumMod val="75000"/>
+                  </a:schemeClr>
+                </a:solidFill>
+                <a:latin typeface="Consolas" panose="020B0609020204030204" pitchFamily="49" charset="0"/>
+              </a:rPr>
+              <a:t>// loop body</a:t>
+            </a:r>
+          </a:p>
+          <a:p>
+            <a:r>
+              <a:rPr lang="en-US" dirty="0" smtClean="0">
+                <a:latin typeface="Consolas" panose="020B0609020204030204" pitchFamily="49" charset="0"/>
+              </a:rPr>
+              <a:t>}</a:t>
+            </a:r>
+          </a:p>
+        </p:txBody>
+      </p:sp>
+      <p:sp>
+        <p:nvSpPr>
+          <p:cNvPr id="11" name="TextBox 10"/>
+          <p:cNvSpPr txBox="1"/>
+          <p:nvPr/>
+        </p:nvSpPr>
+        <p:spPr>
+          <a:xfrm>
+            <a:off x="744062" y="3929130"/>
+            <a:ext cx="2749232" cy="1477328"/>
+          </a:xfrm>
+          <a:prstGeom prst="rect">
+            <a:avLst/>
+          </a:prstGeom>
+          <a:noFill/>
+        </p:spPr>
+        <p:txBody>
+          <a:bodyPr wrap="square" rtlCol="0">
+            <a:spAutoFit/>
+          </a:bodyPr>
+          <a:lstStyle/>
+          <a:p>
+            <a:r>
+              <a:rPr lang="en-US" dirty="0" smtClean="0">
+                <a:solidFill>
+                  <a:schemeClr val="accent2"/>
+                </a:solidFill>
+                <a:latin typeface="Consolas" panose="020B0609020204030204" pitchFamily="49" charset="0"/>
+              </a:rPr>
+              <a:t>do</a:t>
+            </a:r>
+          </a:p>
+          <a:p>
+            <a:r>
+              <a:rPr lang="en-US" dirty="0" smtClean="0">
+                <a:latin typeface="Consolas" panose="020B0609020204030204" pitchFamily="49" charset="0"/>
+              </a:rPr>
+              <a:t>{</a:t>
+            </a:r>
+          </a:p>
+          <a:p>
+            <a:r>
+              <a:rPr lang="en-US" dirty="0">
+                <a:latin typeface="Consolas" panose="020B0609020204030204" pitchFamily="49" charset="0"/>
+              </a:rPr>
+              <a:t>	</a:t>
+            </a:r>
+            <a:r>
+              <a:rPr lang="en-US" dirty="0">
+                <a:solidFill>
+                  <a:schemeClr val="accent5">
+                    <a:lumMod val="75000"/>
+                  </a:schemeClr>
+                </a:solidFill>
+                <a:latin typeface="Consolas" panose="020B0609020204030204" pitchFamily="49" charset="0"/>
+              </a:rPr>
+              <a:t>// loop </a:t>
+            </a:r>
+            <a:r>
+              <a:rPr lang="en-US" dirty="0" smtClean="0">
+                <a:solidFill>
+                  <a:schemeClr val="accent5">
+                    <a:lumMod val="75000"/>
+                  </a:schemeClr>
+                </a:solidFill>
+                <a:latin typeface="Consolas" panose="020B0609020204030204" pitchFamily="49" charset="0"/>
+              </a:rPr>
+              <a:t>body</a:t>
+            </a:r>
+            <a:endParaRPr lang="en-US" dirty="0" smtClean="0">
+              <a:latin typeface="Consolas" panose="020B0609020204030204" pitchFamily="49" charset="0"/>
+            </a:endParaRPr>
+          </a:p>
+          <a:p>
+            <a:r>
+              <a:rPr lang="en-US" dirty="0" smtClean="0">
+                <a:latin typeface="Consolas" panose="020B0609020204030204" pitchFamily="49" charset="0"/>
+              </a:rPr>
+              <a:t>} </a:t>
+            </a:r>
+            <a:r>
+              <a:rPr lang="en-US" dirty="0" smtClean="0">
+                <a:solidFill>
+                  <a:schemeClr val="accent2"/>
+                </a:solidFill>
+                <a:latin typeface="Consolas" panose="020B0609020204030204" pitchFamily="49" charset="0"/>
+              </a:rPr>
+              <a:t>while </a:t>
+            </a:r>
+            <a:r>
+              <a:rPr lang="en-US" dirty="0" smtClean="0">
+                <a:latin typeface="Consolas" panose="020B0609020204030204" pitchFamily="49" charset="0"/>
+              </a:rPr>
+              <a:t>(condition);</a:t>
+            </a:r>
+            <a:endParaRPr lang="en-US" dirty="0">
+              <a:latin typeface="Consolas" panose="020B0609020204030204" pitchFamily="49" charset="0"/>
+            </a:endParaRPr>
+          </a:p>
+          <a:p>
+            <a:endParaRPr lang="en-US" dirty="0">
+              <a:latin typeface="Consolas" panose="020B0609020204030204" pitchFamily="49" charset="0"/>
+            </a:endParaRPr>
+          </a:p>
+        </p:txBody>
+      </p:sp>
+      <p:sp>
+        <p:nvSpPr>
+          <p:cNvPr id="12" name="TextBox 11"/>
+          <p:cNvSpPr txBox="1"/>
+          <p:nvPr/>
+        </p:nvSpPr>
+        <p:spPr>
+          <a:xfrm>
+            <a:off x="4474302" y="1777549"/>
+            <a:ext cx="4458030" cy="1477328"/>
+          </a:xfrm>
+          <a:prstGeom prst="rect">
+            <a:avLst/>
+          </a:prstGeom>
+          <a:noFill/>
+        </p:spPr>
+        <p:txBody>
+          <a:bodyPr wrap="square" rtlCol="0">
+            <a:spAutoFit/>
+          </a:bodyPr>
+          <a:lstStyle/>
+          <a:p>
+            <a:r>
+              <a:rPr lang="en-US" dirty="0" smtClean="0">
+                <a:solidFill>
+                  <a:schemeClr val="accent2"/>
+                </a:solidFill>
+                <a:latin typeface="Consolas" panose="020B0609020204030204" pitchFamily="49" charset="0"/>
+              </a:rPr>
+              <a:t>for</a:t>
+            </a:r>
+            <a:r>
+              <a:rPr lang="en-US" dirty="0" smtClean="0">
+                <a:latin typeface="Consolas" panose="020B0609020204030204" pitchFamily="49" charset="0"/>
+              </a:rPr>
+              <a:t>(</a:t>
+            </a:r>
+            <a:r>
+              <a:rPr lang="en-US" dirty="0" err="1" smtClean="0">
+                <a:solidFill>
+                  <a:schemeClr val="accent2"/>
+                </a:solidFill>
+                <a:latin typeface="Consolas" panose="020B0609020204030204" pitchFamily="49" charset="0"/>
+              </a:rPr>
+              <a:t>int</a:t>
+            </a:r>
+            <a:r>
+              <a:rPr lang="en-US" dirty="0" smtClean="0">
+                <a:solidFill>
+                  <a:schemeClr val="accent2"/>
+                </a:solidFill>
+                <a:latin typeface="Consolas" panose="020B0609020204030204" pitchFamily="49" charset="0"/>
+              </a:rPr>
+              <a:t> </a:t>
+            </a:r>
+            <a:r>
+              <a:rPr lang="en-US" dirty="0" err="1" smtClean="0">
+                <a:latin typeface="Consolas" panose="020B0609020204030204" pitchFamily="49" charset="0"/>
+              </a:rPr>
+              <a:t>i</a:t>
+            </a:r>
+            <a:r>
+              <a:rPr lang="en-US" dirty="0" smtClean="0">
+                <a:latin typeface="Consolas" panose="020B0609020204030204" pitchFamily="49" charset="0"/>
+              </a:rPr>
+              <a:t> = 0; </a:t>
+            </a:r>
+            <a:r>
+              <a:rPr lang="en-US" dirty="0" err="1" smtClean="0">
+                <a:latin typeface="Consolas" panose="020B0609020204030204" pitchFamily="49" charset="0"/>
+              </a:rPr>
+              <a:t>i</a:t>
+            </a:r>
+            <a:r>
+              <a:rPr lang="en-US" dirty="0" smtClean="0">
+                <a:latin typeface="Consolas" panose="020B0609020204030204" pitchFamily="49" charset="0"/>
+              </a:rPr>
+              <a:t> &lt; condition; </a:t>
+            </a:r>
+            <a:r>
+              <a:rPr lang="en-US" dirty="0" err="1" smtClean="0">
+                <a:latin typeface="Consolas" panose="020B0609020204030204" pitchFamily="49" charset="0"/>
+              </a:rPr>
+              <a:t>i</a:t>
+            </a:r>
+            <a:r>
+              <a:rPr lang="en-US" dirty="0" smtClean="0">
+                <a:latin typeface="Consolas" panose="020B0609020204030204" pitchFamily="49" charset="0"/>
+              </a:rPr>
+              <a:t>++)</a:t>
+            </a:r>
+          </a:p>
+          <a:p>
+            <a:r>
+              <a:rPr lang="en-US" dirty="0">
+                <a:latin typeface="Consolas" panose="020B0609020204030204" pitchFamily="49" charset="0"/>
+              </a:rPr>
+              <a:t>{</a:t>
+            </a:r>
+            <a:endParaRPr lang="en-US" dirty="0" smtClean="0">
+              <a:latin typeface="Consolas" panose="020B0609020204030204" pitchFamily="49" charset="0"/>
+            </a:endParaRPr>
+          </a:p>
+          <a:p>
+            <a:r>
+              <a:rPr lang="en-US" dirty="0">
+                <a:latin typeface="Consolas" panose="020B0609020204030204" pitchFamily="49" charset="0"/>
+              </a:rPr>
+              <a:t>	</a:t>
+            </a:r>
+            <a:r>
+              <a:rPr lang="en-US" dirty="0">
+                <a:solidFill>
+                  <a:schemeClr val="accent5">
+                    <a:lumMod val="75000"/>
+                  </a:schemeClr>
+                </a:solidFill>
+                <a:latin typeface="Consolas" panose="020B0609020204030204" pitchFamily="49" charset="0"/>
+              </a:rPr>
+              <a:t> // loop </a:t>
+            </a:r>
+            <a:r>
+              <a:rPr lang="en-US" dirty="0" smtClean="0">
+                <a:solidFill>
+                  <a:schemeClr val="accent5">
+                    <a:lumMod val="75000"/>
+                  </a:schemeClr>
+                </a:solidFill>
+                <a:latin typeface="Consolas" panose="020B0609020204030204" pitchFamily="49" charset="0"/>
+              </a:rPr>
+              <a:t>body</a:t>
+            </a:r>
+            <a:endParaRPr lang="en-US" dirty="0" smtClean="0">
+              <a:latin typeface="Consolas" panose="020B0609020204030204" pitchFamily="49" charset="0"/>
+            </a:endParaRPr>
+          </a:p>
+          <a:p>
+            <a:r>
+              <a:rPr lang="en-US" dirty="0" smtClean="0">
+                <a:latin typeface="Consolas" panose="020B0609020204030204" pitchFamily="49" charset="0"/>
+              </a:rPr>
+              <a:t>}</a:t>
+            </a:r>
+            <a:endParaRPr lang="en-US" dirty="0">
+              <a:latin typeface="Consolas" panose="020B0609020204030204" pitchFamily="49" charset="0"/>
+            </a:endParaRPr>
+          </a:p>
+          <a:p>
+            <a:endParaRPr lang="en-US" dirty="0">
+              <a:latin typeface="Consolas" panose="020B0609020204030204" pitchFamily="49" charset="0"/>
+            </a:endParaRPr>
+          </a:p>
+        </p:txBody>
+      </p:sp>
+      <p:sp>
+        <p:nvSpPr>
+          <p:cNvPr id="13" name="TextBox 12"/>
+          <p:cNvSpPr txBox="1"/>
+          <p:nvPr/>
+        </p:nvSpPr>
+        <p:spPr>
+          <a:xfrm>
+            <a:off x="4474301" y="3929197"/>
+            <a:ext cx="3642771" cy="1477328"/>
+          </a:xfrm>
+          <a:prstGeom prst="rect">
+            <a:avLst/>
+          </a:prstGeom>
+          <a:noFill/>
+        </p:spPr>
+        <p:txBody>
+          <a:bodyPr wrap="square" rtlCol="0">
+            <a:spAutoFit/>
+          </a:bodyPr>
+          <a:lstStyle/>
+          <a:p>
+            <a:r>
+              <a:rPr lang="en-US" dirty="0" err="1" smtClean="0">
+                <a:solidFill>
+                  <a:schemeClr val="accent2"/>
+                </a:solidFill>
+                <a:latin typeface="Consolas" panose="020B0609020204030204" pitchFamily="49" charset="0"/>
+              </a:rPr>
+              <a:t>foreach</a:t>
+            </a:r>
+            <a:r>
+              <a:rPr lang="en-US" dirty="0" smtClean="0">
+                <a:latin typeface="Consolas" panose="020B0609020204030204" pitchFamily="49" charset="0"/>
+              </a:rPr>
+              <a:t>(</a:t>
+            </a:r>
+            <a:r>
+              <a:rPr lang="en-US" dirty="0" err="1" smtClean="0">
+                <a:solidFill>
+                  <a:schemeClr val="accent2"/>
+                </a:solidFill>
+                <a:latin typeface="Consolas" panose="020B0609020204030204" pitchFamily="49" charset="0"/>
+              </a:rPr>
+              <a:t>var</a:t>
+            </a:r>
+            <a:r>
+              <a:rPr lang="en-US" dirty="0" smtClean="0">
+                <a:latin typeface="Consolas" panose="020B0609020204030204" pitchFamily="49" charset="0"/>
+              </a:rPr>
+              <a:t> item </a:t>
+            </a:r>
+            <a:r>
+              <a:rPr lang="en-US" dirty="0" smtClean="0">
+                <a:solidFill>
+                  <a:schemeClr val="accent2"/>
+                </a:solidFill>
+                <a:latin typeface="Consolas" panose="020B0609020204030204" pitchFamily="49" charset="0"/>
+              </a:rPr>
+              <a:t>in</a:t>
+            </a:r>
+            <a:r>
+              <a:rPr lang="en-US" dirty="0">
+                <a:latin typeface="Consolas" panose="020B0609020204030204" pitchFamily="49" charset="0"/>
+              </a:rPr>
+              <a:t> </a:t>
+            </a:r>
+            <a:r>
+              <a:rPr lang="en-US" dirty="0" smtClean="0">
+                <a:latin typeface="Consolas" panose="020B0609020204030204" pitchFamily="49" charset="0"/>
+              </a:rPr>
+              <a:t>items)</a:t>
+            </a:r>
+            <a:endParaRPr lang="en-US" dirty="0" smtClean="0">
+              <a:solidFill>
+                <a:schemeClr val="accent2"/>
+              </a:solidFill>
+              <a:latin typeface="Consolas" panose="020B0609020204030204" pitchFamily="49" charset="0"/>
+            </a:endParaRPr>
+          </a:p>
+          <a:p>
+            <a:r>
+              <a:rPr lang="en-US" dirty="0" smtClean="0">
+                <a:latin typeface="Consolas" panose="020B0609020204030204" pitchFamily="49" charset="0"/>
+              </a:rPr>
+              <a:t>{</a:t>
+            </a:r>
+          </a:p>
+          <a:p>
+            <a:r>
+              <a:rPr lang="en-US" dirty="0">
+                <a:latin typeface="Consolas" panose="020B0609020204030204" pitchFamily="49" charset="0"/>
+              </a:rPr>
+              <a:t>	</a:t>
+            </a:r>
+            <a:r>
+              <a:rPr lang="en-US" dirty="0">
+                <a:solidFill>
+                  <a:schemeClr val="accent5">
+                    <a:lumMod val="75000"/>
+                  </a:schemeClr>
+                </a:solidFill>
+                <a:latin typeface="Consolas" panose="020B0609020204030204" pitchFamily="49" charset="0"/>
+              </a:rPr>
+              <a:t>// loop </a:t>
+            </a:r>
+            <a:r>
+              <a:rPr lang="en-US" dirty="0" smtClean="0">
+                <a:solidFill>
+                  <a:schemeClr val="accent5">
+                    <a:lumMod val="75000"/>
+                  </a:schemeClr>
+                </a:solidFill>
+                <a:latin typeface="Consolas" panose="020B0609020204030204" pitchFamily="49" charset="0"/>
+              </a:rPr>
+              <a:t>body</a:t>
+            </a:r>
+            <a:endParaRPr lang="en-US" dirty="0" smtClean="0">
+              <a:latin typeface="Consolas" panose="020B0609020204030204" pitchFamily="49" charset="0"/>
+            </a:endParaRPr>
+          </a:p>
+          <a:p>
+            <a:r>
+              <a:rPr lang="en-US" dirty="0" smtClean="0">
+                <a:latin typeface="Consolas" panose="020B0609020204030204" pitchFamily="49" charset="0"/>
+              </a:rPr>
+              <a:t>}</a:t>
+            </a:r>
+            <a:endParaRPr lang="en-US" dirty="0">
+              <a:latin typeface="Consolas" panose="020B0609020204030204" pitchFamily="49" charset="0"/>
+            </a:endParaRPr>
+          </a:p>
+          <a:p>
+            <a:endParaRPr lang="en-US" dirty="0">
+              <a:latin typeface="Consolas" panose="020B0609020204030204" pitchFamily="49" charset="0"/>
+            </a:endParaRPr>
+          </a:p>
+        </p:txBody>
+      </p:sp>
+    </p:spTree>
+    <p:extLst>
+      <p:ext uri="{BB962C8B-B14F-4D97-AF65-F5344CB8AC3E}">
+        <p14:creationId xmlns:p14="http://schemas.microsoft.com/office/powerpoint/2010/main" val="887630391"/>
+      </p:ext>
+    </p:extLst>
+  </p:cSld>
+  <p:clrMapOvr>
+    <a:masterClrMapping/>
+  </p:clrMapOvr>
+  <p:timing>
+    <p:tnLst>
+      <p:par>
+        <p:cTn id="1" dur="indefinite" restart="never" nodeType="tmRoot">
+          <p:childTnLst>
+            <p:seq concurrent="1" nextAc="seek">
+              <p:cTn id="2" dur="indefinite" nodeType="mainSeq">
+                <p:childTnLst>
+                  <p:par>
+                    <p:cTn id="3" fill="hold">
+                      <p:stCondLst>
+                        <p:cond delay="indefinite"/>
+                      </p:stCondLst>
+                      <p:childTnLst>
+                        <p:par>
+                          <p:cTn id="4" fill="hold">
+                            <p:stCondLst>
+                              <p:cond delay="0"/>
+                            </p:stCondLst>
+                            <p:childTnLst>
+                              <p:par>
+                                <p:cTn id="5" presetID="47" presetClass="entr" presetSubtype="0" fill="hold" grpId="0" nodeType="clickEffect">
+                                  <p:stCondLst>
+                                    <p:cond delay="0"/>
+                                  </p:stCondLst>
+                                  <p:childTnLst>
+                                    <p:set>
+                                      <p:cBhvr>
+                                        <p:cTn id="6" dur="1" fill="hold">
+                                          <p:stCondLst>
+                                            <p:cond delay="0"/>
+                                          </p:stCondLst>
+                                        </p:cTn>
+                                        <p:tgtEl>
+                                          <p:spTgt spid="10"/>
+                                        </p:tgtEl>
+                                        <p:attrNameLst>
+                                          <p:attrName>style.visibility</p:attrName>
+                                        </p:attrNameLst>
+                                      </p:cBhvr>
+                                      <p:to>
+                                        <p:strVal val="visible"/>
+                                      </p:to>
+                                    </p:set>
+                                    <p:animEffect transition="in" filter="fade">
+                                      <p:cBhvr>
+                                        <p:cTn id="7" dur="1000"/>
+                                        <p:tgtEl>
+                                          <p:spTgt spid="10"/>
+                                        </p:tgtEl>
+                                      </p:cBhvr>
+                                    </p:animEffect>
+                                    <p:anim calcmode="lin" valueType="num">
+                                      <p:cBhvr>
+                                        <p:cTn id="8" dur="1000" fill="hold"/>
+                                        <p:tgtEl>
+                                          <p:spTgt spid="10"/>
+                                        </p:tgtEl>
+                                        <p:attrNameLst>
+                                          <p:attrName>ppt_x</p:attrName>
+                                        </p:attrNameLst>
+                                      </p:cBhvr>
+                                      <p:tavLst>
+                                        <p:tav tm="0">
+                                          <p:val>
+                                            <p:strVal val="#ppt_x"/>
+                                          </p:val>
+                                        </p:tav>
+                                        <p:tav tm="100000">
+                                          <p:val>
+                                            <p:strVal val="#ppt_x"/>
+                                          </p:val>
+                                        </p:tav>
+                                      </p:tavLst>
+                                    </p:anim>
+                                    <p:anim calcmode="lin" valueType="num">
+                                      <p:cBhvr>
+                                        <p:cTn id="9" dur="1000" fill="hold"/>
+                                        <p:tgtEl>
+                                          <p:spTgt spid="10"/>
+                                        </p:tgtEl>
+                                        <p:attrNameLst>
+                                          <p:attrName>ppt_y</p:attrName>
+                                        </p:attrNameLst>
+                                      </p:cBhvr>
+                                      <p:tavLst>
+                                        <p:tav tm="0">
+                                          <p:val>
+                                            <p:strVal val="#ppt_y-.1"/>
+                                          </p:val>
+                                        </p:tav>
+                                        <p:tav tm="100000">
+                                          <p:val>
+                                            <p:strVal val="#ppt_y"/>
+                                          </p:val>
+                                        </p:tav>
+                                      </p:tavLst>
+                                    </p:anim>
+                                  </p:childTnLst>
+                                </p:cTn>
+                              </p:par>
+                            </p:childTnLst>
+                          </p:cTn>
+                        </p:par>
+                      </p:childTnLst>
+                    </p:cTn>
+                  </p:par>
+                  <p:par>
+                    <p:cTn id="10" fill="hold">
+                      <p:stCondLst>
+                        <p:cond delay="indefinite"/>
+                      </p:stCondLst>
+                      <p:childTnLst>
+                        <p:par>
+                          <p:cTn id="11" fill="hold">
+                            <p:stCondLst>
+                              <p:cond delay="0"/>
+                            </p:stCondLst>
+                            <p:childTnLst>
+                              <p:par>
+                                <p:cTn id="12" presetID="47" presetClass="entr" presetSubtype="0" fill="hold" grpId="0" nodeType="clickEffect">
+                                  <p:stCondLst>
+                                    <p:cond delay="0"/>
+                                  </p:stCondLst>
+                                  <p:childTnLst>
+                                    <p:set>
+                                      <p:cBhvr>
+                                        <p:cTn id="13" dur="1" fill="hold">
+                                          <p:stCondLst>
+                                            <p:cond delay="0"/>
+                                          </p:stCondLst>
+                                        </p:cTn>
+                                        <p:tgtEl>
+                                          <p:spTgt spid="12"/>
+                                        </p:tgtEl>
+                                        <p:attrNameLst>
+                                          <p:attrName>style.visibility</p:attrName>
+                                        </p:attrNameLst>
+                                      </p:cBhvr>
+                                      <p:to>
+                                        <p:strVal val="visible"/>
+                                      </p:to>
+                                    </p:set>
+                                    <p:animEffect transition="in" filter="fade">
+                                      <p:cBhvr>
+                                        <p:cTn id="14" dur="1000"/>
+                                        <p:tgtEl>
+                                          <p:spTgt spid="12"/>
+                                        </p:tgtEl>
+                                      </p:cBhvr>
+                                    </p:animEffect>
+                                    <p:anim calcmode="lin" valueType="num">
+                                      <p:cBhvr>
+                                        <p:cTn id="15" dur="1000" fill="hold"/>
+                                        <p:tgtEl>
+                                          <p:spTgt spid="12"/>
+                                        </p:tgtEl>
+                                        <p:attrNameLst>
+                                          <p:attrName>ppt_x</p:attrName>
+                                        </p:attrNameLst>
+                                      </p:cBhvr>
+                                      <p:tavLst>
+                                        <p:tav tm="0">
+                                          <p:val>
+                                            <p:strVal val="#ppt_x"/>
+                                          </p:val>
+                                        </p:tav>
+                                        <p:tav tm="100000">
+                                          <p:val>
+                                            <p:strVal val="#ppt_x"/>
+                                          </p:val>
+                                        </p:tav>
+                                      </p:tavLst>
+                                    </p:anim>
+                                    <p:anim calcmode="lin" valueType="num">
+                                      <p:cBhvr>
+                                        <p:cTn id="16" dur="1000" fill="hold"/>
+                                        <p:tgtEl>
+                                          <p:spTgt spid="12"/>
+                                        </p:tgtEl>
+                                        <p:attrNameLst>
+                                          <p:attrName>ppt_y</p:attrName>
+                                        </p:attrNameLst>
+                                      </p:cBhvr>
+                                      <p:tavLst>
+                                        <p:tav tm="0">
+                                          <p:val>
+                                            <p:strVal val="#ppt_y-.1"/>
+                                          </p:val>
+                                        </p:tav>
+                                        <p:tav tm="100000">
+                                          <p:val>
+                                            <p:strVal val="#ppt_y"/>
+                                          </p:val>
+                                        </p:tav>
+                                      </p:tavLst>
+                                    </p:anim>
+                                  </p:childTnLst>
+                                </p:cTn>
+                              </p:par>
+                            </p:childTnLst>
+                          </p:cTn>
+                        </p:par>
+                      </p:childTnLst>
+                    </p:cTn>
+                  </p:par>
+                  <p:par>
+                    <p:cTn id="17" fill="hold">
+                      <p:stCondLst>
+                        <p:cond delay="indefinite"/>
+                      </p:stCondLst>
+                      <p:childTnLst>
+                        <p:par>
+                          <p:cTn id="18" fill="hold">
+                            <p:stCondLst>
+                              <p:cond delay="0"/>
+                            </p:stCondLst>
+                            <p:childTnLst>
+                              <p:par>
+                                <p:cTn id="19" presetID="42" presetClass="entr" presetSubtype="0" fill="hold" grpId="0" nodeType="clickEffect">
+                                  <p:stCondLst>
+                                    <p:cond delay="0"/>
+                                  </p:stCondLst>
+                                  <p:childTnLst>
+                                    <p:set>
+                                      <p:cBhvr>
+                                        <p:cTn id="20" dur="1" fill="hold">
+                                          <p:stCondLst>
+                                            <p:cond delay="0"/>
+                                          </p:stCondLst>
+                                        </p:cTn>
+                                        <p:tgtEl>
+                                          <p:spTgt spid="11"/>
+                                        </p:tgtEl>
+                                        <p:attrNameLst>
+                                          <p:attrName>style.visibility</p:attrName>
+                                        </p:attrNameLst>
+                                      </p:cBhvr>
+                                      <p:to>
+                                        <p:strVal val="visible"/>
+                                      </p:to>
+                                    </p:set>
+                                    <p:animEffect transition="in" filter="fade">
+                                      <p:cBhvr>
+                                        <p:cTn id="21" dur="1000"/>
+                                        <p:tgtEl>
+                                          <p:spTgt spid="11"/>
+                                        </p:tgtEl>
+                                      </p:cBhvr>
+                                    </p:animEffect>
+                                    <p:anim calcmode="lin" valueType="num">
+                                      <p:cBhvr>
+                                        <p:cTn id="22" dur="1000" fill="hold"/>
+                                        <p:tgtEl>
+                                          <p:spTgt spid="11"/>
+                                        </p:tgtEl>
+                                        <p:attrNameLst>
+                                          <p:attrName>ppt_x</p:attrName>
+                                        </p:attrNameLst>
+                                      </p:cBhvr>
+                                      <p:tavLst>
+                                        <p:tav tm="0">
+                                          <p:val>
+                                            <p:strVal val="#ppt_x"/>
+                                          </p:val>
+                                        </p:tav>
+                                        <p:tav tm="100000">
+                                          <p:val>
+                                            <p:strVal val="#ppt_x"/>
+                                          </p:val>
+                                        </p:tav>
+                                      </p:tavLst>
+                                    </p:anim>
+                                    <p:anim calcmode="lin" valueType="num">
+                                      <p:cBhvr>
+                                        <p:cTn id="23" dur="1000" fill="hold"/>
+                                        <p:tgtEl>
+                                          <p:spTgt spid="11"/>
+                                        </p:tgtEl>
+                                        <p:attrNameLst>
+                                          <p:attrName>ppt_y</p:attrName>
+                                        </p:attrNameLst>
+                                      </p:cBhvr>
+                                      <p:tavLst>
+                                        <p:tav tm="0">
+                                          <p:val>
+                                            <p:strVal val="#ppt_y+.1"/>
+                                          </p:val>
+                                        </p:tav>
+                                        <p:tav tm="100000">
+                                          <p:val>
+                                            <p:strVal val="#ppt_y"/>
+                                          </p:val>
+                                        </p:tav>
+                                      </p:tavLst>
+                                    </p:anim>
+                                  </p:childTnLst>
+                                </p:cTn>
+                              </p:par>
+                            </p:childTnLst>
+                          </p:cTn>
+                        </p:par>
+                      </p:childTnLst>
+                    </p:cTn>
+                  </p:par>
+                  <p:par>
+                    <p:cTn id="24" fill="hold">
+                      <p:stCondLst>
+                        <p:cond delay="indefinite"/>
+                      </p:stCondLst>
+                      <p:childTnLst>
+                        <p:par>
+                          <p:cTn id="25" fill="hold">
+                            <p:stCondLst>
+                              <p:cond delay="0"/>
+                            </p:stCondLst>
+                            <p:childTnLst>
+                              <p:par>
+                                <p:cTn id="26" presetID="42" presetClass="entr" presetSubtype="0" fill="hold" grpId="0" nodeType="clickEffect">
+                                  <p:stCondLst>
+                                    <p:cond delay="0"/>
+                                  </p:stCondLst>
+                                  <p:childTnLst>
+                                    <p:set>
+                                      <p:cBhvr>
+                                        <p:cTn id="27" dur="1" fill="hold">
+                                          <p:stCondLst>
+                                            <p:cond delay="0"/>
+                                          </p:stCondLst>
+                                        </p:cTn>
+                                        <p:tgtEl>
+                                          <p:spTgt spid="13"/>
+                                        </p:tgtEl>
+                                        <p:attrNameLst>
+                                          <p:attrName>style.visibility</p:attrName>
+                                        </p:attrNameLst>
+                                      </p:cBhvr>
+                                      <p:to>
+                                        <p:strVal val="visible"/>
+                                      </p:to>
+                                    </p:set>
+                                    <p:animEffect transition="in" filter="fade">
+                                      <p:cBhvr>
+                                        <p:cTn id="28" dur="1000"/>
+                                        <p:tgtEl>
+                                          <p:spTgt spid="13"/>
+                                        </p:tgtEl>
+                                      </p:cBhvr>
+                                    </p:animEffect>
+                                    <p:anim calcmode="lin" valueType="num">
+                                      <p:cBhvr>
+                                        <p:cTn id="29" dur="1000" fill="hold"/>
+                                        <p:tgtEl>
+                                          <p:spTgt spid="13"/>
+                                        </p:tgtEl>
+                                        <p:attrNameLst>
+                                          <p:attrName>ppt_x</p:attrName>
+                                        </p:attrNameLst>
+                                      </p:cBhvr>
+                                      <p:tavLst>
+                                        <p:tav tm="0">
+                                          <p:val>
+                                            <p:strVal val="#ppt_x"/>
+                                          </p:val>
+                                        </p:tav>
+                                        <p:tav tm="100000">
+                                          <p:val>
+                                            <p:strVal val="#ppt_x"/>
+                                          </p:val>
+                                        </p:tav>
+                                      </p:tavLst>
+                                    </p:anim>
+                                    <p:anim calcmode="lin" valueType="num">
+                                      <p:cBhvr>
+                                        <p:cTn id="30" dur="1000" fill="hold"/>
+                                        <p:tgtEl>
+                                          <p:spTgt spid="13"/>
+                                        </p:tgtEl>
+                                        <p:attrNameLst>
+                                          <p:attrName>ppt_y</p:attrName>
+                                        </p:attrNameLst>
+                                      </p:cBhvr>
+                                      <p:tavLst>
+                                        <p:tav tm="0">
+                                          <p:val>
+                                            <p:strVal val="#ppt_y+.1"/>
+                                          </p:val>
+                                        </p:tav>
+                                        <p:tav tm="100000">
+                                          <p:val>
+                                            <p:strVal val="#ppt_y"/>
+                                          </p:val>
+                                        </p:tav>
+                                      </p:tavLst>
+                                    </p:anim>
+                                  </p:childTnLst>
+                                </p:cTn>
+                              </p:par>
+                            </p:childTnLst>
+                          </p:cTn>
+                        </p:par>
+                      </p:childTnLst>
+                    </p:cTn>
+                  </p:par>
+                </p:childTnLst>
+              </p:cTn>
+              <p:prevCondLst>
+                <p:cond evt="onPrev" delay="0">
+                  <p:tgtEl>
+                    <p:sldTgt/>
+                  </p:tgtEl>
+                </p:cond>
+              </p:prevCondLst>
+              <p:nextCondLst>
+                <p:cond evt="onNext" delay="0">
+                  <p:tgtEl>
+                    <p:sldTgt/>
+                  </p:tgtEl>
+                </p:cond>
+              </p:nextCondLst>
+            </p:seq>
+          </p:childTnLst>
+        </p:cTn>
+      </p:par>
+    </p:tnLst>
+    <p:bldLst>
+      <p:bldP spid="10" grpId="0"/>
+      <p:bldP spid="11" grpId="0"/>
+      <p:bldP spid="12" grpId="0"/>
+      <p:bldP spid="13" grpId="0"/>
+    </p:bldLst>
+  </p:timing>
+</p:sld>
+</file>
+
+<file path=ppt/slides/slide22.xml><?xml version="1.0" encoding="utf-8"?>
+<p:sld xmlns:a="http://schemas.openxmlformats.org/drawingml/2006/main" xmlns:r="http://schemas.openxmlformats.org/officeDocument/2006/relationships" xmlns:p="http://schemas.openxmlformats.org/presentationml/2006/main">
+  <p:cSld>
+    <p:spTree>
+      <p:nvGrpSpPr>
+        <p:cNvPr id="1" name=""/>
+        <p:cNvGrpSpPr/>
+        <p:nvPr/>
+      </p:nvGrpSpPr>
+      <p:grpSpPr>
+        <a:xfrm>
+          <a:off x="0" y="0"/>
+          <a:ext cx="0" cy="0"/>
+          <a:chOff x="0" y="0"/>
+          <a:chExt cx="0" cy="0"/>
+        </a:xfrm>
+      </p:grpSpPr>
+      <p:sp>
+        <p:nvSpPr>
+          <p:cNvPr id="2" name="Заголовок 1"/>
+          <p:cNvSpPr>
+            <a:spLocks noGrp="1"/>
+          </p:cNvSpPr>
+          <p:nvPr>
+            <p:ph type="title"/>
+          </p:nvPr>
+        </p:nvSpPr>
+        <p:spPr/>
+        <p:txBody>
+          <a:bodyPr/>
+          <a:lstStyle/>
+          <a:p>
+            <a:r>
+              <a:rPr lang="en-US" dirty="0"/>
+              <a:t>C# </a:t>
+            </a:r>
+            <a:r>
+              <a:rPr lang="en-US" dirty="0" smtClean="0"/>
+              <a:t>basics</a:t>
+            </a:r>
+            <a:br>
+              <a:rPr lang="en-US" dirty="0" smtClean="0"/>
+            </a:br>
+            <a:r>
+              <a:rPr lang="en-US" sz="2400" dirty="0" smtClean="0">
+                <a:solidFill>
+                  <a:prstClr val="white">
+                    <a:lumMod val="50000"/>
+                  </a:prstClr>
+                </a:solidFill>
+              </a:rPr>
+              <a:t>Useful links</a:t>
+            </a:r>
+            <a:endParaRPr lang="en-US" dirty="0"/>
+          </a:p>
+        </p:txBody>
+      </p:sp>
+      <p:sp>
+        <p:nvSpPr>
+          <p:cNvPr id="4" name="Дата 3"/>
+          <p:cNvSpPr>
+            <a:spLocks noGrp="1"/>
+          </p:cNvSpPr>
+          <p:nvPr>
+            <p:ph type="dt" sz="half" idx="10"/>
+          </p:nvPr>
+        </p:nvSpPr>
+        <p:spPr>
+          <a:xfrm>
+            <a:off x="6598153" y="6041362"/>
+            <a:ext cx="1518920" cy="365125"/>
+          </a:xfrm>
+        </p:spPr>
+        <p:txBody>
+          <a:bodyPr/>
+          <a:lstStyle/>
+          <a:p>
+            <a:fld id="{939306D3-16AC-481B-963B-74A1D01AC013}" type="datetime3">
+              <a:rPr lang="en-US" sz="1100" smtClean="0"/>
+              <a:t>4 October 2021</a:t>
+            </a:fld>
+            <a:endParaRPr lang="en-US" sz="1100" dirty="0"/>
+          </a:p>
+        </p:txBody>
+      </p:sp>
+      <p:sp>
+        <p:nvSpPr>
+          <p:cNvPr id="5" name="Нижний колонтитул 4"/>
+          <p:cNvSpPr>
+            <a:spLocks noGrp="1"/>
+          </p:cNvSpPr>
+          <p:nvPr>
+            <p:ph type="ftr" sz="quarter" idx="11"/>
+          </p:nvPr>
+        </p:nvSpPr>
+        <p:spPr/>
+        <p:txBody>
+          <a:bodyPr/>
+          <a:lstStyle/>
+          <a:p>
+            <a:r>
+              <a:rPr lang="en-US" sz="1100" dirty="0" smtClean="0"/>
+              <a:t>Automated framework with C#</a:t>
+            </a:r>
+          </a:p>
+          <a:p>
+            <a:r>
+              <a:rPr lang="en-US" sz="1100" dirty="0"/>
+              <a:t>Yury </a:t>
+            </a:r>
+            <a:r>
+              <a:rPr lang="en-US" sz="1100" dirty="0" smtClean="0"/>
+              <a:t>Alifanov</a:t>
+            </a:r>
+            <a:endParaRPr lang="en-US" sz="1100" dirty="0"/>
+          </a:p>
+        </p:txBody>
+      </p:sp>
+      <p:sp>
+        <p:nvSpPr>
+          <p:cNvPr id="6" name="Номер слайда 5"/>
+          <p:cNvSpPr>
+            <a:spLocks noGrp="1"/>
+          </p:cNvSpPr>
+          <p:nvPr>
+            <p:ph type="sldNum" sz="quarter" idx="12"/>
+          </p:nvPr>
+        </p:nvSpPr>
+        <p:spPr/>
+        <p:txBody>
+          <a:bodyPr/>
+          <a:lstStyle/>
+          <a:p>
+            <a:fld id="{519954A3-9DFD-4C44-94BA-B95130A3BA1C}" type="slidenum">
+              <a:rPr lang="en-US" sz="1100" smtClean="0"/>
+              <a:t>22</a:t>
+            </a:fld>
+            <a:endParaRPr lang="en-US" sz="1100" dirty="0"/>
+          </a:p>
+        </p:txBody>
+      </p:sp>
+      <p:sp>
+        <p:nvSpPr>
+          <p:cNvPr id="7" name="TextBox 6"/>
+          <p:cNvSpPr txBox="1"/>
+          <p:nvPr/>
+        </p:nvSpPr>
+        <p:spPr>
+          <a:xfrm>
+            <a:off x="711107" y="2596469"/>
+            <a:ext cx="7879556" cy="2185214"/>
+          </a:xfrm>
+          <a:prstGeom prst="rect">
+            <a:avLst/>
+          </a:prstGeom>
+          <a:noFill/>
+        </p:spPr>
+        <p:txBody>
+          <a:bodyPr wrap="square" rtlCol="0">
+            <a:spAutoFit/>
+          </a:bodyPr>
+          <a:lstStyle/>
+          <a:p>
+            <a:r>
+              <a:rPr lang="en-US" dirty="0" err="1" smtClean="0">
+                <a:latin typeface="Consolas" panose="020B0609020204030204" pitchFamily="49" charset="0"/>
+              </a:rPr>
+              <a:t>Svetlin</a:t>
+            </a:r>
+            <a:r>
+              <a:rPr lang="en-US" dirty="0" smtClean="0">
+                <a:latin typeface="Consolas" panose="020B0609020204030204" pitchFamily="49" charset="0"/>
+              </a:rPr>
+              <a:t> </a:t>
+            </a:r>
+            <a:r>
+              <a:rPr lang="en-US" dirty="0" err="1" smtClean="0">
+                <a:latin typeface="Consolas" panose="020B0609020204030204" pitchFamily="49" charset="0"/>
+              </a:rPr>
+              <a:t>Nakov</a:t>
+            </a:r>
+            <a:r>
+              <a:rPr lang="en-US" dirty="0" smtClean="0">
+                <a:latin typeface="Consolas" panose="020B0609020204030204" pitchFamily="49" charset="0"/>
+              </a:rPr>
+              <a:t> and Team</a:t>
+            </a:r>
+          </a:p>
+          <a:p>
+            <a:r>
+              <a:rPr lang="en-US" dirty="0" smtClean="0">
+                <a:latin typeface="Consolas" panose="020B0609020204030204" pitchFamily="49" charset="0"/>
+              </a:rPr>
+              <a:t>“Fundamentals of Computer Programming with C#”</a:t>
+            </a:r>
+          </a:p>
+          <a:p>
+            <a:endParaRPr lang="en-US" dirty="0">
+              <a:solidFill>
+                <a:srgbClr val="33CCCC"/>
+              </a:solidFill>
+              <a:latin typeface="Consolas" panose="020B0609020204030204" pitchFamily="49" charset="0"/>
+            </a:endParaRPr>
+          </a:p>
+          <a:p>
+            <a:r>
+              <a:rPr lang="en-US" dirty="0">
+                <a:solidFill>
+                  <a:srgbClr val="33CCCC"/>
+                </a:solidFill>
+                <a:latin typeface="Consolas" panose="020B0609020204030204" pitchFamily="49" charset="0"/>
+                <a:hlinkClick r:id="rId3"/>
+              </a:rPr>
+              <a:t>https://</a:t>
+            </a:r>
+            <a:r>
+              <a:rPr lang="en-US" dirty="0" smtClean="0">
+                <a:solidFill>
+                  <a:srgbClr val="33CCCC"/>
+                </a:solidFill>
+                <a:latin typeface="Consolas" panose="020B0609020204030204" pitchFamily="49" charset="0"/>
+                <a:hlinkClick r:id="rId3"/>
+              </a:rPr>
+              <a:t>introprogramming.info/english-intro-csharp-book</a:t>
+            </a:r>
+            <a:endParaRPr lang="en-US" dirty="0" smtClean="0">
+              <a:solidFill>
+                <a:srgbClr val="33CCCC"/>
+              </a:solidFill>
+              <a:latin typeface="Consolas" panose="020B0609020204030204" pitchFamily="49" charset="0"/>
+            </a:endParaRPr>
+          </a:p>
+          <a:p>
+            <a:endParaRPr lang="en-US" sz="1600" dirty="0" smtClean="0">
+              <a:solidFill>
+                <a:srgbClr val="33CCCC"/>
+              </a:solidFill>
+              <a:latin typeface="Consolas" panose="020B0609020204030204" pitchFamily="49" charset="0"/>
+            </a:endParaRPr>
+          </a:p>
+          <a:p>
+            <a:r>
+              <a:rPr lang="en-US" sz="1600" dirty="0" err="1" smtClean="0">
+                <a:latin typeface="Consolas" panose="020B0609020204030204" pitchFamily="49" charset="0"/>
+              </a:rPr>
+              <a:t>Metanit</a:t>
+            </a:r>
+            <a:r>
+              <a:rPr lang="en-US" sz="1600" dirty="0" smtClean="0">
+                <a:latin typeface="Consolas" panose="020B0609020204030204" pitchFamily="49" charset="0"/>
+              </a:rPr>
+              <a:t> site</a:t>
+            </a:r>
+          </a:p>
+          <a:p>
+            <a:endParaRPr lang="en-US" sz="1600" dirty="0" smtClean="0">
+              <a:latin typeface="Consolas" panose="020B0609020204030204" pitchFamily="49" charset="0"/>
+            </a:endParaRPr>
+          </a:p>
+          <a:p>
+            <a:r>
+              <a:rPr lang="en-US" sz="1600" dirty="0" smtClean="0">
+                <a:latin typeface="Consolas" panose="020B0609020204030204" pitchFamily="49" charset="0"/>
+                <a:hlinkClick r:id="rId4"/>
+              </a:rPr>
+              <a:t>https://metanit.com/sharp/tutorial/</a:t>
+            </a:r>
+            <a:endParaRPr lang="en-US" sz="1600" dirty="0" smtClean="0">
+              <a:latin typeface="Consolas" panose="020B0609020204030204" pitchFamily="49" charset="0"/>
+            </a:endParaRPr>
+          </a:p>
+        </p:txBody>
+      </p:sp>
+    </p:spTree>
+    <p:extLst>
+      <p:ext uri="{BB962C8B-B14F-4D97-AF65-F5344CB8AC3E}">
+        <p14:creationId xmlns:p14="http://schemas.microsoft.com/office/powerpoint/2010/main" val="3126519434"/>
+      </p:ext>
+    </p:extLst>
+  </p:cSld>
+  <p:clrMapOvr>
+    <a:masterClrMapping/>
+  </p:clrMapOvr>
+  <p:timing>
+    <p:tnLst>
+      <p:par>
+        <p:cTn id="1" dur="indefinite" restart="never" nodeType="tmRoot"/>
+      </p:par>
+    </p:tnLst>
+  </p:timing>
+</p:sld>
+</file>
+
+<file path=ppt/slides/slide23.xml><?xml version="1.0" encoding="utf-8"?>
+<p:sld xmlns:a="http://schemas.openxmlformats.org/drawingml/2006/main" xmlns:r="http://schemas.openxmlformats.org/officeDocument/2006/relationships" xmlns:p="http://schemas.openxmlformats.org/presentationml/2006/main">
+  <p:cSld>
+    <p:spTree>
+      <p:nvGrpSpPr>
+        <p:cNvPr id="1" name=""/>
+        <p:cNvGrpSpPr/>
+        <p:nvPr/>
+      </p:nvGrpSpPr>
+      <p:grpSpPr>
+        <a:xfrm>
+          <a:off x="0" y="0"/>
+          <a:ext cx="0" cy="0"/>
+          <a:chOff x="0" y="0"/>
+          <a:chExt cx="0" cy="0"/>
+        </a:xfrm>
+      </p:grpSpPr>
+      <p:sp>
+        <p:nvSpPr>
+          <p:cNvPr id="4" name="Дата 3"/>
+          <p:cNvSpPr>
+            <a:spLocks noGrp="1"/>
+          </p:cNvSpPr>
+          <p:nvPr>
+            <p:ph type="dt" sz="half" idx="10"/>
+          </p:nvPr>
+        </p:nvSpPr>
+        <p:spPr>
+          <a:xfrm>
+            <a:off x="6518189" y="6041362"/>
+            <a:ext cx="1598883" cy="365125"/>
+          </a:xfrm>
+        </p:spPr>
+        <p:txBody>
+          <a:bodyPr/>
+          <a:lstStyle/>
+          <a:p>
+            <a:fld id="{E3705B4D-1726-4BAB-A90E-07379DAEAD37}" type="datetime3">
+              <a:rPr lang="en-US" sz="1100" smtClean="0"/>
+              <a:t>4 October 2021</a:t>
+            </a:fld>
+            <a:endParaRPr lang="en-US" sz="1100" dirty="0"/>
+          </a:p>
+        </p:txBody>
+      </p:sp>
+      <p:sp>
+        <p:nvSpPr>
+          <p:cNvPr id="5" name="Нижний колонтитул 4"/>
+          <p:cNvSpPr>
+            <a:spLocks noGrp="1"/>
+          </p:cNvSpPr>
+          <p:nvPr>
+            <p:ph type="ftr" sz="quarter" idx="11"/>
+          </p:nvPr>
+        </p:nvSpPr>
+        <p:spPr/>
+        <p:txBody>
+          <a:bodyPr/>
+          <a:lstStyle/>
+          <a:p>
+            <a:r>
+              <a:rPr lang="en-US" sz="1100" dirty="0" smtClean="0"/>
+              <a:t>Automated framework with C#</a:t>
+            </a:r>
+          </a:p>
+          <a:p>
+            <a:r>
+              <a:rPr lang="en-US" sz="1100" dirty="0"/>
+              <a:t>Yury </a:t>
+            </a:r>
+            <a:r>
+              <a:rPr lang="en-US" sz="1100" dirty="0" smtClean="0"/>
+              <a:t>Alifanov</a:t>
+            </a:r>
+            <a:endParaRPr lang="en-US" sz="1100" dirty="0"/>
+          </a:p>
+        </p:txBody>
+      </p:sp>
+      <p:sp>
+        <p:nvSpPr>
+          <p:cNvPr id="6" name="Номер слайда 5"/>
+          <p:cNvSpPr>
+            <a:spLocks noGrp="1"/>
+          </p:cNvSpPr>
+          <p:nvPr>
+            <p:ph type="sldNum" sz="quarter" idx="12"/>
+          </p:nvPr>
+        </p:nvSpPr>
+        <p:spPr/>
+        <p:txBody>
+          <a:bodyPr/>
+          <a:lstStyle/>
+          <a:p>
+            <a:fld id="{519954A3-9DFD-4C44-94BA-B95130A3BA1C}" type="slidenum">
+              <a:rPr lang="en-US" sz="1100" smtClean="0"/>
+              <a:t>23</a:t>
+            </a:fld>
+            <a:endParaRPr lang="en-US" sz="1100" dirty="0"/>
+          </a:p>
+        </p:txBody>
+      </p:sp>
+      <p:sp>
+        <p:nvSpPr>
+          <p:cNvPr id="8" name="Заголовок 7"/>
+          <p:cNvSpPr>
+            <a:spLocks noGrp="1"/>
+          </p:cNvSpPr>
+          <p:nvPr>
+            <p:ph type="title"/>
+          </p:nvPr>
+        </p:nvSpPr>
+        <p:spPr>
+          <a:xfrm>
+            <a:off x="0" y="0"/>
+            <a:ext cx="12192000" cy="6858000"/>
+          </a:xfrm>
+          <a:solidFill>
+            <a:schemeClr val="accent2">
+              <a:lumMod val="75000"/>
+            </a:schemeClr>
+          </a:solidFill>
+        </p:spPr>
+        <p:txBody>
+          <a:bodyPr/>
+          <a:lstStyle/>
+          <a:p>
+            <a:r>
+              <a:rPr lang="en-US" dirty="0" smtClean="0"/>
+              <a:t/>
+            </a:r>
+            <a:br>
+              <a:rPr lang="en-US" dirty="0" smtClean="0"/>
+            </a:br>
+            <a:r>
+              <a:rPr lang="en-US" dirty="0"/>
+              <a:t/>
+            </a:r>
+            <a:br>
+              <a:rPr lang="en-US" dirty="0"/>
+            </a:br>
+            <a:r>
+              <a:rPr lang="en-US" dirty="0" smtClean="0"/>
+              <a:t/>
+            </a:r>
+            <a:br>
+              <a:rPr lang="en-US" dirty="0" smtClean="0"/>
+            </a:br>
+            <a:r>
+              <a:rPr lang="en-US" dirty="0"/>
+              <a:t/>
+            </a:r>
+            <a:br>
+              <a:rPr lang="en-US" dirty="0"/>
+            </a:br>
+            <a:r>
+              <a:rPr lang="en-US" dirty="0" smtClean="0"/>
+              <a:t/>
+            </a:r>
+            <a:br>
+              <a:rPr lang="en-US" dirty="0" smtClean="0"/>
+            </a:br>
+            <a:r>
+              <a:rPr lang="en-US" dirty="0"/>
+              <a:t/>
+            </a:r>
+            <a:br>
+              <a:rPr lang="en-US" dirty="0"/>
+            </a:br>
+            <a:r>
+              <a:rPr lang="en-US" dirty="0" smtClean="0"/>
+              <a:t/>
+            </a:r>
+            <a:br>
+              <a:rPr lang="en-US" dirty="0" smtClean="0"/>
+            </a:br>
+            <a:r>
+              <a:rPr lang="en-US" dirty="0"/>
+              <a:t/>
+            </a:r>
+            <a:br>
+              <a:rPr lang="en-US" dirty="0"/>
+            </a:br>
+            <a:r>
+              <a:rPr lang="en-US" dirty="0" smtClean="0"/>
+              <a:t>		</a:t>
+            </a:r>
+            <a:r>
+              <a:rPr lang="en-US" sz="6600" dirty="0" smtClean="0">
+                <a:solidFill>
+                  <a:schemeClr val="bg1"/>
+                </a:solidFill>
+              </a:rPr>
+              <a:t>Thank you!</a:t>
+            </a:r>
+            <a:r>
+              <a:rPr lang="en-US" dirty="0" smtClean="0"/>
+              <a:t/>
+            </a:r>
+            <a:br>
+              <a:rPr lang="en-US" dirty="0" smtClean="0"/>
+            </a:br>
+            <a:r>
+              <a:rPr lang="en-US" dirty="0"/>
+              <a:t>	</a:t>
+            </a:r>
+          </a:p>
+        </p:txBody>
+      </p:sp>
+    </p:spTree>
+    <p:extLst>
+      <p:ext uri="{BB962C8B-B14F-4D97-AF65-F5344CB8AC3E}">
+        <p14:creationId xmlns:p14="http://schemas.microsoft.com/office/powerpoint/2010/main" val="171775405"/>
       </p:ext>
     </p:extLst>
   </p:cSld>
@@ -16050,7 +20456,7 @@
           <a:p>
             <a:fld id="{3792B3D8-82DF-4A6C-AFC1-06AFC1ABA742}" type="datetime3">
               <a:rPr lang="en-US" sz="1100" smtClean="0"/>
-              <a:t>30 September 2021</a:t>
+              <a:t>4 October 2021</a:t>
             </a:fld>
             <a:endParaRPr lang="en-US" sz="1100" dirty="0"/>
           </a:p>
@@ -16998,7 +21404,7 @@
           <a:p>
             <a:fld id="{E3705B4D-1726-4BAB-A90E-07379DAEAD37}" type="datetime3">
               <a:rPr lang="en-US" sz="1100" smtClean="0"/>
-              <a:t>30 September 2021</a:t>
+              <a:t>4 October 2021</a:t>
             </a:fld>
             <a:endParaRPr lang="en-US" sz="1100" dirty="0"/>
           </a:p>
@@ -17411,7 +21817,7 @@
           <a:p>
             <a:fld id="{171B5815-5139-4A68-A9FA-D26193D11F2D}" type="datetime3">
               <a:rPr lang="en-US" sz="1100" smtClean="0"/>
-              <a:t>30 September 2021</a:t>
+              <a:t>4 October 2021</a:t>
             </a:fld>
             <a:endParaRPr lang="en-US" sz="1100" dirty="0"/>
           </a:p>
@@ -18784,7 +23190,7 @@
           <a:p>
             <a:fld id="{E3705B4D-1726-4BAB-A90E-07379DAEAD37}" type="datetime3">
               <a:rPr lang="en-US" sz="1100" smtClean="0"/>
-              <a:t>30 September 2021</a:t>
+              <a:t>4 October 2021</a:t>
             </a:fld>
             <a:endParaRPr lang="en-US" sz="1100" dirty="0"/>
           </a:p>
@@ -19206,7 +23612,7 @@
           <a:p>
             <a:fld id="{E3705B4D-1726-4BAB-A90E-07379DAEAD37}" type="datetime3">
               <a:rPr lang="en-US" sz="1100" smtClean="0"/>
-              <a:t>30 September 2021</a:t>
+              <a:t>4 October 2021</a:t>
             </a:fld>
             <a:endParaRPr lang="en-US" sz="1100" dirty="0"/>
           </a:p>
@@ -20627,7 +25033,7 @@
           <a:p>
             <a:fld id="{146212BB-D587-45E4-8C80-89DA935C1E81}" type="datetime3">
               <a:rPr lang="en-US" sz="1100" smtClean="0"/>
-              <a:t>30 September 2021</a:t>
+              <a:t>4 October 2021</a:t>
             </a:fld>
             <a:endParaRPr lang="en-US" sz="1100" dirty="0"/>
           </a:p>
@@ -21445,7 +25851,7 @@
           <a:p>
             <a:fld id="{63E2318F-0C04-4A9D-B71F-4760BF0D8622}" type="datetime3">
               <a:rPr lang="en-US" sz="1100" smtClean="0"/>
-              <a:t>30 September 2021</a:t>
+              <a:t>4 October 2021</a:t>
             </a:fld>
             <a:endParaRPr lang="en-US" sz="1100" dirty="0"/>
           </a:p>

--- a/Alifanov.ITLeadersCourse/Automated framework with C#.pptx
+++ b/Alifanov.ITLeadersCourse/Automated framework with C#.pptx
@@ -231,7 +231,7 @@
           <a:p>
             <a:fld id="{04BB28D0-A67A-445A-845D-15D23A1D5A30}" type="datetimeFigureOut">
               <a:rPr lang="en-US" smtClean="0"/>
-              <a:t>10/4/2021</a:t>
+              <a:t>10/5/2021</a:t>
             </a:fld>
             <a:endParaRPr lang="en-US"/>
           </a:p>
@@ -631,17 +631,8 @@
           <a:bodyPr/>
           <a:lstStyle/>
           <a:p>
-            <a:pPr marL="228600" indent="-228600">
-              <a:buAutoNum type="arabicPeriod"/>
-            </a:pPr>
-            <a:r>
-              <a:rPr lang="en-US" dirty="0" smtClean="0"/>
-              <a:t>Create new branch</a:t>
-            </a:r>
-          </a:p>
-          <a:p>
-            <a:pPr marL="228600" indent="-228600">
-              <a:buAutoNum type="arabicPeriod"/>
+            <a:pPr marL="0" indent="0">
+              <a:buNone/>
             </a:pPr>
             <a:endParaRPr lang="en-US" dirty="0"/>
           </a:p>
@@ -815,44 +806,9 @@
           <a:bodyPr/>
           <a:lstStyle/>
           <a:p>
-            <a:pPr marL="228600" indent="-228600">
-              <a:buAutoNum type="arabicPeriod"/>
+            <a:pPr marL="0" indent="0">
+              <a:buNone/>
             </a:pPr>
-            <a:r>
-              <a:rPr lang="en-US" dirty="0" smtClean="0"/>
-              <a:t>Make a commit</a:t>
-            </a:r>
-          </a:p>
-          <a:p>
-            <a:pPr marL="228600" indent="-228600">
-              <a:buAutoNum type="arabicPeriod"/>
-            </a:pPr>
-            <a:r>
-              <a:rPr lang="en-US" dirty="0" smtClean="0"/>
-              <a:t>Push branch to remote</a:t>
-            </a:r>
-          </a:p>
-          <a:p>
-            <a:pPr marL="228600" indent="-228600">
-              <a:buAutoNum type="arabicPeriod"/>
-            </a:pPr>
-            <a:r>
-              <a:rPr lang="en-US" dirty="0" smtClean="0"/>
-              <a:t>Make a PR</a:t>
-            </a:r>
-            <a:r>
-              <a:rPr lang="en-US" baseline="0" dirty="0" smtClean="0"/>
-              <a:t> and approve it</a:t>
-            </a:r>
-          </a:p>
-          <a:p>
-            <a:endParaRPr lang="en-US" baseline="0" dirty="0" smtClean="0"/>
-          </a:p>
-          <a:p>
-            <a:r>
-              <a:rPr lang="en-US" baseline="0" dirty="0" smtClean="0"/>
-              <a:t>End Lesson 1.</a:t>
-            </a:r>
             <a:endParaRPr lang="en-US" dirty="0" smtClean="0"/>
           </a:p>
         </p:txBody>
@@ -1025,54 +981,8 @@
           <a:bodyPr/>
           <a:lstStyle/>
           <a:p>
-            <a:r>
-              <a:rPr lang="en-US" dirty="0" smtClean="0"/>
-              <a:t>Lesson</a:t>
-            </a:r>
-            <a:r>
-              <a:rPr lang="en-US" baseline="0" dirty="0" smtClean="0"/>
-              <a:t> 2.</a:t>
-            </a:r>
-          </a:p>
-          <a:p>
-            <a:pPr marL="228600" indent="-228600">
-              <a:buAutoNum type="arabicPeriod"/>
-            </a:pPr>
-            <a:r>
-              <a:rPr lang="en-US" baseline="0" dirty="0" smtClean="0"/>
-              <a:t>Implement Input logic</a:t>
-            </a:r>
-          </a:p>
-          <a:p>
-            <a:pPr marL="228600" indent="-228600">
-              <a:buAutoNum type="arabicPeriod"/>
-            </a:pPr>
-            <a:r>
-              <a:rPr lang="en-US" baseline="0" dirty="0" smtClean="0"/>
-              <a:t>Homework questions and answers</a:t>
-            </a:r>
-          </a:p>
-          <a:p>
-            <a:pPr marL="228600" indent="-228600">
-              <a:buAutoNum type="arabicPeriod"/>
-            </a:pPr>
-            <a:r>
-              <a:rPr lang="en-US" baseline="0" dirty="0" smtClean="0"/>
-              <a:t>!!! Pull remote main branch (explain if we create a branch now then new branch will be without all changes made in preceding lesson)</a:t>
-            </a:r>
-          </a:p>
-          <a:p>
-            <a:pPr marL="228600" indent="-228600">
-              <a:buAutoNum type="arabicPeriod"/>
-            </a:pPr>
-            <a:r>
-              <a:rPr lang="en-US" baseline="0" dirty="0" smtClean="0"/>
-              <a:t>Create new branch</a:t>
-            </a:r>
-          </a:p>
-          <a:p>
-            <a:pPr marL="228600" indent="-228600">
-              <a:buAutoNum type="arabicPeriod"/>
+            <a:pPr marL="0" indent="0">
+              <a:buNone/>
             </a:pPr>
             <a:endParaRPr lang="en-US" baseline="0" dirty="0" smtClean="0"/>
           </a:p>
@@ -1164,59 +1074,10 @@
           <a:bodyPr/>
           <a:lstStyle/>
           <a:p>
-            <a:pPr marL="228600" indent="-228600">
-              <a:buAutoNum type="arabicPeriod"/>
-            </a:pPr>
-            <a:r>
-              <a:rPr lang="en-US" dirty="0" smtClean="0"/>
-              <a:t>Make</a:t>
-            </a:r>
-            <a:r>
-              <a:rPr lang="en-US" baseline="0" dirty="0" smtClean="0"/>
-              <a:t> a commit</a:t>
-            </a:r>
-          </a:p>
-          <a:p>
-            <a:pPr marL="228600" indent="-228600">
-              <a:buAutoNum type="arabicPeriod"/>
-            </a:pPr>
-            <a:r>
-              <a:rPr lang="en-US" baseline="0" dirty="0" smtClean="0"/>
-              <a:t>Push the commit</a:t>
-            </a:r>
-          </a:p>
-          <a:p>
-            <a:pPr marL="228600" indent="-228600">
-              <a:buAutoNum type="arabicPeriod"/>
-            </a:pPr>
-            <a:r>
-              <a:rPr lang="en-US" baseline="0" dirty="0" smtClean="0"/>
-              <a:t>Make a PR and approve it</a:t>
-            </a:r>
-          </a:p>
-          <a:p>
-            <a:pPr marL="228600" indent="-228600">
-              <a:buAutoNum type="arabicPeriod"/>
-            </a:pPr>
-            <a:r>
-              <a:rPr lang="en-US" baseline="0" dirty="0" smtClean="0"/>
-              <a:t>Give homework</a:t>
-            </a:r>
-          </a:p>
-          <a:p>
-            <a:pPr marL="228600" indent="-228600">
-              <a:buAutoNum type="arabicPeriod"/>
-            </a:pPr>
-            <a:endParaRPr lang="en-US" baseline="0" dirty="0" smtClean="0"/>
-          </a:p>
-          <a:p>
             <a:pPr marL="0" indent="0">
               <a:buNone/>
             </a:pPr>
-            <a:r>
-              <a:rPr lang="en-US" baseline="0" dirty="0" smtClean="0"/>
-              <a:t>End Lesson 2.</a:t>
-            </a:r>
+            <a:endParaRPr lang="en-US" baseline="0" dirty="0" smtClean="0"/>
           </a:p>
         </p:txBody>
       </p:sp>
@@ -1391,48 +1252,6 @@
             <a:pPr marL="0" indent="0">
               <a:buNone/>
             </a:pPr>
-            <a:r>
-              <a:rPr lang="en-US" baseline="0" dirty="0" smtClean="0"/>
-              <a:t>Lesson 3 Arrays and Loops</a:t>
-            </a:r>
-          </a:p>
-          <a:p>
-            <a:pPr marL="0" indent="0">
-              <a:buNone/>
-            </a:pPr>
-            <a:endParaRPr lang="en-US" baseline="0" dirty="0" smtClean="0"/>
-          </a:p>
-          <a:p>
-            <a:pPr marL="228600" indent="-228600">
-              <a:buAutoNum type="arabicPeriod"/>
-            </a:pPr>
-            <a:r>
-              <a:rPr lang="en-US" baseline="0" dirty="0" smtClean="0"/>
-              <a:t>Homework questions and answers</a:t>
-            </a:r>
-          </a:p>
-          <a:p>
-            <a:pPr marL="228600" indent="-228600">
-              <a:buAutoNum type="arabicPeriod"/>
-            </a:pPr>
-            <a:r>
-              <a:rPr lang="en-US" baseline="0" dirty="0" smtClean="0"/>
-              <a:t>Introduction</a:t>
-            </a:r>
-          </a:p>
-          <a:p>
-            <a:pPr marL="228600" indent="-228600">
-              <a:buAutoNum type="arabicPeriod"/>
-            </a:pPr>
-            <a:r>
-              <a:rPr lang="en-US" baseline="0" dirty="0" smtClean="0"/>
-              <a:t>Create a new branch</a:t>
-            </a:r>
-          </a:p>
-          <a:p>
-            <a:pPr marL="228600" indent="-228600">
-              <a:buAutoNum type="arabicPeriod"/>
-            </a:pPr>
             <a:endParaRPr lang="en-US" baseline="0" dirty="0" smtClean="0"/>
           </a:p>
         </p:txBody>
@@ -1604,52 +1423,6 @@
           <a:bodyPr/>
           <a:lstStyle/>
           <a:p>
-            <a:pPr marL="228600" indent="-228600">
-              <a:buAutoNum type="arabicPeriod"/>
-            </a:pPr>
-            <a:r>
-              <a:rPr lang="en-US" dirty="0" smtClean="0"/>
-              <a:t>Make</a:t>
-            </a:r>
-            <a:r>
-              <a:rPr lang="en-US" baseline="0" dirty="0" smtClean="0"/>
-              <a:t> a commit</a:t>
-            </a:r>
-          </a:p>
-          <a:p>
-            <a:pPr marL="228600" indent="-228600">
-              <a:buAutoNum type="arabicPeriod"/>
-            </a:pPr>
-            <a:r>
-              <a:rPr lang="en-US" baseline="0" dirty="0" smtClean="0"/>
-              <a:t>Push the commit</a:t>
-            </a:r>
-          </a:p>
-          <a:p>
-            <a:pPr marL="228600" indent="-228600">
-              <a:buAutoNum type="arabicPeriod"/>
-            </a:pPr>
-            <a:r>
-              <a:rPr lang="en-US" baseline="0" dirty="0" smtClean="0"/>
-              <a:t>Make a PR and approve it</a:t>
-            </a:r>
-          </a:p>
-          <a:p>
-            <a:pPr marL="228600" indent="-228600">
-              <a:buAutoNum type="arabicPeriod"/>
-            </a:pPr>
-            <a:endParaRPr lang="en-US" baseline="0" dirty="0" smtClean="0"/>
-          </a:p>
-          <a:p>
-            <a:pPr marL="0" indent="0">
-              <a:buNone/>
-            </a:pPr>
-            <a:r>
-              <a:rPr lang="en-US" baseline="0" dirty="0" smtClean="0"/>
-              <a:t>End Lesson 3.</a:t>
-            </a:r>
-          </a:p>
-          <a:p>
             <a:pPr marL="0" indent="0">
               <a:buNone/>
             </a:pPr>
@@ -2172,14 +1945,10 @@
           <a:bodyPr/>
           <a:lstStyle/>
           <a:p>
-            <a:pPr marL="228600" indent="-228600">
+            <a:pPr marL="0" indent="0">
               <a:buFont typeface="+mj-lt"/>
-              <a:buAutoNum type="arabicPeriod"/>
+              <a:buNone/>
             </a:pPr>
-            <a:r>
-              <a:rPr lang="en-US" baseline="0" dirty="0" smtClean="0"/>
-              <a:t>Show practical application of bash commands before cloning the repo</a:t>
-            </a:r>
             <a:endParaRPr lang="en-US" dirty="0" smtClean="0"/>
           </a:p>
         </p:txBody>
@@ -2264,62 +2033,11 @@
           <a:bodyPr/>
           <a:lstStyle/>
           <a:p>
-            <a:pPr marL="228600" indent="-228600">
+            <a:pPr marL="0" indent="0">
               <a:buFont typeface="+mj-lt"/>
-              <a:buAutoNum type="arabicPeriod"/>
+              <a:buNone/>
             </a:pPr>
-            <a:r>
-              <a:rPr lang="en-US" dirty="0" smtClean="0"/>
-              <a:t>Having cloned the repo create</a:t>
-            </a:r>
-            <a:r>
-              <a:rPr lang="en-US" baseline="0" dirty="0" smtClean="0"/>
-              <a:t> a new branch</a:t>
-            </a:r>
-          </a:p>
-          <a:p>
-            <a:pPr marL="228600" indent="-228600">
-              <a:buFont typeface="+mj-lt"/>
-              <a:buAutoNum type="arabicPeriod"/>
-            </a:pPr>
-            <a:r>
-              <a:rPr lang="en-US" baseline="0" dirty="0" smtClean="0"/>
-              <a:t>Create a</a:t>
-            </a:r>
-            <a:r>
-              <a:rPr lang="en-US" dirty="0" smtClean="0"/>
-              <a:t> console</a:t>
-            </a:r>
-            <a:r>
-              <a:rPr lang="en-US" baseline="0" dirty="0" smtClean="0"/>
-              <a:t> application project and explain about stages in </a:t>
-            </a:r>
-            <a:r>
-              <a:rPr lang="en-US" baseline="0" dirty="0" err="1" smtClean="0"/>
-              <a:t>Git</a:t>
-            </a:r>
-            <a:r>
-              <a:rPr lang="en-US" baseline="0" dirty="0" smtClean="0"/>
-              <a:t>.</a:t>
-            </a:r>
-          </a:p>
-          <a:p>
-            <a:pPr marL="228600" indent="-228600">
-              <a:buFont typeface="+mj-lt"/>
-              <a:buAutoNum type="arabicPeriod"/>
-            </a:pPr>
-            <a:r>
-              <a:rPr lang="en-US" baseline="0" dirty="0" smtClean="0"/>
-              <a:t>Explain basic </a:t>
-            </a:r>
-            <a:r>
-              <a:rPr lang="en-US" baseline="0" dirty="0" err="1" smtClean="0"/>
-              <a:t>git</a:t>
-            </a:r>
-            <a:r>
-              <a:rPr lang="en-US" baseline="0" dirty="0" smtClean="0"/>
-              <a:t> commands</a:t>
-            </a:r>
+            <a:endParaRPr lang="en-US" baseline="0" dirty="0" smtClean="0"/>
           </a:p>
         </p:txBody>
       </p:sp>
@@ -2403,57 +2121,9 @@
           <a:bodyPr/>
           <a:lstStyle/>
           <a:p>
-            <a:pPr marL="228600" indent="-228600">
+            <a:pPr marL="0" indent="0">
               <a:buFont typeface="+mj-lt"/>
-              <a:buAutoNum type="arabicPeriod"/>
-            </a:pPr>
-            <a:r>
-              <a:rPr lang="en-US" baseline="0" dirty="0" smtClean="0"/>
-              <a:t>Explain general </a:t>
-            </a:r>
-            <a:r>
-              <a:rPr lang="en-US" baseline="0" dirty="0" err="1" smtClean="0"/>
-              <a:t>git</a:t>
-            </a:r>
-            <a:r>
-              <a:rPr lang="en-US" baseline="0" dirty="0" smtClean="0"/>
-              <a:t> workflow</a:t>
-            </a:r>
-          </a:p>
-          <a:p>
-            <a:pPr marL="228600" indent="-228600">
-              <a:buFont typeface="+mj-lt"/>
-              <a:buAutoNum type="arabicPeriod"/>
-            </a:pPr>
-            <a:r>
-              <a:rPr lang="en-US" baseline="0" dirty="0" smtClean="0"/>
-              <a:t>Stage changes</a:t>
-            </a:r>
-          </a:p>
-          <a:p>
-            <a:pPr marL="228600" indent="-228600">
-              <a:buFont typeface="+mj-lt"/>
-              <a:buAutoNum type="arabicPeriod"/>
-            </a:pPr>
-            <a:r>
-              <a:rPr lang="en-US" baseline="0" dirty="0" smtClean="0"/>
-              <a:t>Make first commit</a:t>
-            </a:r>
-          </a:p>
-          <a:p>
-            <a:pPr marL="228600" indent="-228600">
-              <a:buFont typeface="+mj-lt"/>
-              <a:buAutoNum type="arabicPeriod"/>
-            </a:pPr>
-            <a:r>
-              <a:rPr lang="en-US" baseline="0" dirty="0" smtClean="0"/>
-              <a:t>Push created console application</a:t>
-            </a:r>
-          </a:p>
-          <a:p>
-            <a:pPr marL="228600" indent="-228600">
-              <a:buFont typeface="+mj-lt"/>
-              <a:buAutoNum type="arabicPeriod"/>
+              <a:buNone/>
             </a:pPr>
             <a:endParaRPr lang="en-US" baseline="0" dirty="0" smtClean="0"/>
           </a:p>
@@ -2633,95 +2303,8 @@
           <a:bodyPr/>
           <a:lstStyle/>
           <a:p>
-            <a:pPr marL="228600" indent="-228600">
-              <a:buAutoNum type="arabicPeriod"/>
-            </a:pPr>
-            <a:r>
-              <a:rPr lang="en-US" dirty="0" smtClean="0"/>
-              <a:t>Introduction</a:t>
-            </a:r>
-            <a:r>
-              <a:rPr lang="en-US" baseline="0" dirty="0" smtClean="0"/>
-              <a:t> in VS and Console application</a:t>
-            </a:r>
-          </a:p>
-          <a:p>
-            <a:pPr marL="228600" indent="-228600">
-              <a:buAutoNum type="arabicPeriod"/>
-            </a:pPr>
-            <a:r>
-              <a:rPr lang="en-US" baseline="0" dirty="0" smtClean="0"/>
-              <a:t>Debugging</a:t>
-            </a:r>
-          </a:p>
-          <a:p>
-            <a:pPr marL="228600" indent="-228600">
-              <a:buAutoNum type="arabicPeriod"/>
-            </a:pPr>
-            <a:r>
-              <a:rPr lang="en-US" baseline="0" dirty="0" smtClean="0"/>
-              <a:t>Create a new branch Output logic</a:t>
-            </a:r>
-            <a:endParaRPr lang="en-US" dirty="0" smtClean="0"/>
-          </a:p>
-          <a:p>
-            <a:pPr marL="228600" indent="-228600">
-              <a:buAutoNum type="arabicPeriod"/>
-            </a:pPr>
-            <a:r>
-              <a:rPr lang="en-US" dirty="0" smtClean="0"/>
-              <a:t>Implement </a:t>
-            </a:r>
-            <a:r>
-              <a:rPr lang="en-US" baseline="0" dirty="0" smtClean="0"/>
-              <a:t>Output logic via interfaces in the console application</a:t>
-            </a:r>
-          </a:p>
-          <a:p>
-            <a:pPr marL="228600" indent="-228600">
-              <a:buAutoNum type="arabicPeriod"/>
-            </a:pPr>
-            <a:r>
-              <a:rPr lang="en-US" baseline="0" dirty="0" smtClean="0"/>
-              <a:t>Push Output and PR it</a:t>
-            </a:r>
-          </a:p>
-          <a:p>
-            <a:pPr marL="228600" indent="-228600">
-              <a:buAutoNum type="arabicPeriod"/>
-            </a:pPr>
-            <a:r>
-              <a:rPr lang="en-US" baseline="0" dirty="0" smtClean="0"/>
-              <a:t>Create new branch</a:t>
-            </a:r>
-          </a:p>
-          <a:p>
-            <a:pPr marL="228600" indent="-228600">
-              <a:buAutoNum type="arabicPeriod"/>
-            </a:pPr>
-            <a:r>
-              <a:rPr lang="en-US" baseline="0" dirty="0" smtClean="0"/>
-              <a:t>Primitive types</a:t>
-            </a:r>
-          </a:p>
-          <a:p>
-            <a:pPr marL="228600" indent="-228600">
-              <a:buAutoNum type="arabicPeriod"/>
-            </a:pPr>
-            <a:r>
-              <a:rPr lang="en-US" baseline="0" dirty="0" smtClean="0"/>
-              <a:t>Push and make a PR in repository</a:t>
-            </a:r>
-          </a:p>
-          <a:p>
-            <a:pPr marL="228600" indent="-228600">
-              <a:buAutoNum type="arabicPeriod"/>
-            </a:pPr>
-            <a:endParaRPr lang="en-US" baseline="0" dirty="0" smtClean="0"/>
-          </a:p>
-          <a:p>
-            <a:pPr marL="228600" indent="-228600">
-              <a:buAutoNum type="arabicPeriod"/>
+            <a:pPr marL="0" indent="0">
+              <a:buNone/>
             </a:pPr>
             <a:endParaRPr lang="en-US" dirty="0"/>
           </a:p>
@@ -3508,7 +3091,7 @@
           <a:p>
             <a:fld id="{6E0645D3-1BEA-4FA9-AB54-C0B0A8D021AD}" type="datetime3">
               <a:rPr lang="en-US" smtClean="0"/>
-              <a:t>4 October 2021</a:t>
+              <a:t>5 October 2021</a:t>
             </a:fld>
             <a:endParaRPr lang="en-US" dirty="0"/>
           </a:p>
@@ -3759,7 +3342,7 @@
           <a:p>
             <a:fld id="{40AD50CD-C363-44DD-AE5B-203C5D40B13B}" type="datetime3">
               <a:rPr lang="en-US" smtClean="0"/>
-              <a:t>4 October 2021</a:t>
+              <a:t>5 October 2021</a:t>
             </a:fld>
             <a:endParaRPr lang="en-US" dirty="0"/>
           </a:p>
@@ -4073,7 +3656,7 @@
           <a:p>
             <a:fld id="{E7409F44-56A9-4002-AEB5-86A43D19CA2F}" type="datetime3">
               <a:rPr lang="en-US" smtClean="0"/>
-              <a:t>4 October 2021</a:t>
+              <a:t>5 October 2021</a:t>
             </a:fld>
             <a:endParaRPr lang="en-US" dirty="0"/>
           </a:p>
@@ -4406,7 +3989,7 @@
           <a:p>
             <a:fld id="{FFD852B1-13FD-4F6A-80A3-877B1622CBE7}" type="datetime3">
               <a:rPr lang="en-US" smtClean="0"/>
-              <a:t>4 October 2021</a:t>
+              <a:t>5 October 2021</a:t>
             </a:fld>
             <a:endParaRPr lang="en-US" dirty="0"/>
           </a:p>
@@ -4720,7 +4303,7 @@
           <a:p>
             <a:fld id="{43C90565-36C7-4CB4-BE45-1F37694E5E2A}" type="datetime3">
               <a:rPr lang="en-US" smtClean="0"/>
-              <a:t>4 October 2021</a:t>
+              <a:t>5 October 2021</a:t>
             </a:fld>
             <a:endParaRPr lang="en-US" dirty="0"/>
           </a:p>
@@ -5113,7 +4696,7 @@
           <a:p>
             <a:fld id="{D8422CB0-85AD-4000-A60E-F3ADFE1EC577}" type="datetime3">
               <a:rPr lang="en-US" smtClean="0"/>
-              <a:t>4 October 2021</a:t>
+              <a:t>5 October 2021</a:t>
             </a:fld>
             <a:endParaRPr lang="en-US" dirty="0"/>
           </a:p>
@@ -5283,7 +4866,7 @@
           <a:p>
             <a:fld id="{CCF8BAE4-1F19-418E-A8BB-79A48576D4EA}" type="datetime3">
               <a:rPr lang="en-US" smtClean="0"/>
-              <a:t>4 October 2021</a:t>
+              <a:t>5 October 2021</a:t>
             </a:fld>
             <a:endParaRPr lang="en-US" dirty="0"/>
           </a:p>
@@ -5462,7 +5045,7 @@
           <a:p>
             <a:fld id="{6C6EA9DF-4A8F-413F-8F6A-5AF9146BD61F}" type="datetime3">
               <a:rPr lang="en-US" smtClean="0"/>
-              <a:t>4 October 2021</a:t>
+              <a:t>5 October 2021</a:t>
             </a:fld>
             <a:endParaRPr lang="en-US" dirty="0"/>
           </a:p>
@@ -5632,7 +5215,7 @@
           <a:p>
             <a:fld id="{939306D3-16AC-481B-963B-74A1D01AC013}" type="datetime3">
               <a:rPr lang="en-US" smtClean="0"/>
-              <a:t>4 October 2021</a:t>
+              <a:t>5 October 2021</a:t>
             </a:fld>
             <a:endParaRPr lang="en-US" dirty="0"/>
           </a:p>
@@ -5878,7 +5461,7 @@
           <a:p>
             <a:fld id="{53B23675-A097-482E-93D9-DCDB34B0BA89}" type="datetime3">
               <a:rPr lang="en-US" smtClean="0"/>
-              <a:t>4 October 2021</a:t>
+              <a:t>5 October 2021</a:t>
             </a:fld>
             <a:endParaRPr lang="en-US" dirty="0"/>
           </a:p>
@@ -6110,7 +5693,7 @@
           <a:p>
             <a:fld id="{A3FD861C-0A67-4424-8F42-13A5AB039027}" type="datetime3">
               <a:rPr lang="en-US" smtClean="0"/>
-              <a:t>4 October 2021</a:t>
+              <a:t>5 October 2021</a:t>
             </a:fld>
             <a:endParaRPr lang="en-US" dirty="0"/>
           </a:p>
@@ -6483,7 +6066,7 @@
           <a:p>
             <a:fld id="{F48DCAEC-E29B-4D93-9DB9-AB8D1FE2D702}" type="datetime3">
               <a:rPr lang="en-US" smtClean="0"/>
-              <a:t>4 October 2021</a:t>
+              <a:t>5 October 2021</a:t>
             </a:fld>
             <a:endParaRPr lang="en-US" dirty="0"/>
           </a:p>
@@ -6606,7 +6189,7 @@
           <a:p>
             <a:fld id="{4C5CA901-B02A-4F2D-AC74-8ADE57E73DF4}" type="datetime3">
               <a:rPr lang="en-US" smtClean="0"/>
-              <a:t>4 October 2021</a:t>
+              <a:t>5 October 2021</a:t>
             </a:fld>
             <a:endParaRPr lang="en-US" dirty="0"/>
           </a:p>
@@ -6701,7 +6284,7 @@
           <a:p>
             <a:fld id="{D3480550-6EF3-49B0-AB5E-50034F2FFB28}" type="datetime3">
               <a:rPr lang="en-US" smtClean="0"/>
-              <a:t>4 October 2021</a:t>
+              <a:t>5 October 2021</a:t>
             </a:fld>
             <a:endParaRPr lang="en-US" dirty="0"/>
           </a:p>
@@ -6956,7 +6539,7 @@
           <a:p>
             <a:fld id="{47BAD964-252D-4C66-9406-7BE94E3F181D}" type="datetime3">
               <a:rPr lang="en-US" smtClean="0"/>
-              <a:t>4 October 2021</a:t>
+              <a:t>5 October 2021</a:t>
             </a:fld>
             <a:endParaRPr lang="en-US" dirty="0"/>
           </a:p>
@@ -7265,7 +6848,7 @@
           <a:p>
             <a:fld id="{67FF22B2-7B0E-40DF-9E30-4862C672A073}" type="datetime3">
               <a:rPr lang="en-US" smtClean="0"/>
-              <a:t>4 October 2021</a:t>
+              <a:t>5 October 2021</a:t>
             </a:fld>
             <a:endParaRPr lang="en-US" dirty="0"/>
           </a:p>
@@ -7962,7 +7545,7 @@
           <a:p>
             <a:fld id="{3CFD582D-0E09-44AB-BB3E-4722821CEBEA}" type="datetime3">
               <a:rPr lang="en-US" smtClean="0"/>
-              <a:t>4 October 2021</a:t>
+              <a:t>5 October 2021</a:t>
             </a:fld>
             <a:endParaRPr lang="en-US" dirty="0"/>
           </a:p>
@@ -8591,7 +8174,7 @@
           <a:p>
             <a:fld id="{E3705B4D-1726-4BAB-A90E-07379DAEAD37}" type="datetime3">
               <a:rPr lang="en-US" sz="1100" smtClean="0"/>
-              <a:t>4 October 2021</a:t>
+              <a:t>5 October 2021</a:t>
             </a:fld>
             <a:endParaRPr lang="en-US" sz="1100" dirty="0"/>
           </a:p>
@@ -9860,7 +9443,7 @@
           <a:p>
             <a:fld id="{939306D3-16AC-481B-963B-74A1D01AC013}" type="datetime3">
               <a:rPr lang="en-US" sz="1100" smtClean="0"/>
-              <a:t>4 October 2021</a:t>
+              <a:t>5 October 2021</a:t>
             </a:fld>
             <a:endParaRPr lang="en-US" sz="1100" dirty="0"/>
           </a:p>
@@ -10452,7 +10035,7 @@
           <a:p>
             <a:fld id="{939306D3-16AC-481B-963B-74A1D01AC013}" type="datetime3">
               <a:rPr lang="en-US" sz="1100" smtClean="0"/>
-              <a:t>4 October 2021</a:t>
+              <a:t>5 October 2021</a:t>
             </a:fld>
             <a:endParaRPr lang="en-US" sz="1100" dirty="0"/>
           </a:p>
@@ -11720,7 +11303,7 @@
           <a:p>
             <a:fld id="{E3705B4D-1726-4BAB-A90E-07379DAEAD37}" type="datetime3">
               <a:rPr lang="en-US" sz="1100" smtClean="0"/>
-              <a:t>4 October 2021</a:t>
+              <a:t>5 October 2021</a:t>
             </a:fld>
             <a:endParaRPr lang="en-US" sz="1100" dirty="0"/>
           </a:p>
@@ -12429,7 +12012,7 @@
           <a:p>
             <a:fld id="{939306D3-16AC-481B-963B-74A1D01AC013}" type="datetime3">
               <a:rPr lang="en-US" sz="1100" smtClean="0"/>
-              <a:t>4 October 2021</a:t>
+              <a:t>5 October 2021</a:t>
             </a:fld>
             <a:endParaRPr lang="en-US" sz="1100" dirty="0"/>
           </a:p>
@@ -13051,7 +12634,7 @@
           <a:p>
             <a:fld id="{E3705B4D-1726-4BAB-A90E-07379DAEAD37}" type="datetime3">
               <a:rPr lang="en-US" sz="1100" smtClean="0"/>
-              <a:t>4 October 2021</a:t>
+              <a:t>5 October 2021</a:t>
             </a:fld>
             <a:endParaRPr lang="en-US" sz="1100" dirty="0"/>
           </a:p>
@@ -13342,7 +12925,7 @@
           <a:p>
             <a:fld id="{939306D3-16AC-481B-963B-74A1D01AC013}" type="datetime3">
               <a:rPr lang="en-US" sz="1100" smtClean="0"/>
-              <a:t>4 October 2021</a:t>
+              <a:t>5 October 2021</a:t>
             </a:fld>
             <a:endParaRPr lang="en-US" sz="1100" dirty="0"/>
           </a:p>
@@ -14551,7 +14134,7 @@
           <a:p>
             <a:fld id="{939306D3-16AC-481B-963B-74A1D01AC013}" type="datetime3">
               <a:rPr lang="en-US" sz="1100" smtClean="0"/>
-              <a:t>4 October 2021</a:t>
+              <a:t>5 October 2021</a:t>
             </a:fld>
             <a:endParaRPr lang="en-US" sz="1100" dirty="0"/>
           </a:p>
@@ -15518,7 +15101,7 @@
           <a:p>
             <a:fld id="{E3705B4D-1726-4BAB-A90E-07379DAEAD37}" type="datetime3">
               <a:rPr lang="en-US" sz="1100" smtClean="0"/>
-              <a:t>4 October 2021</a:t>
+              <a:t>5 October 2021</a:t>
             </a:fld>
             <a:endParaRPr lang="en-US" sz="1100" dirty="0"/>
           </a:p>
@@ -15805,7 +15388,7 @@
           <a:p>
             <a:fld id="{939306D3-16AC-481B-963B-74A1D01AC013}" type="datetime3">
               <a:rPr lang="en-US" sz="1100" smtClean="0"/>
-              <a:t>4 October 2021</a:t>
+              <a:t>5 October 2021</a:t>
             </a:fld>
             <a:endParaRPr lang="en-US" sz="1100" dirty="0"/>
           </a:p>
@@ -16864,7 +16447,7 @@
           <a:p>
             <a:fld id="{E3705B4D-1726-4BAB-A90E-07379DAEAD37}" type="datetime3">
               <a:rPr lang="en-US" sz="1100" smtClean="0"/>
-              <a:t>4 October 2021</a:t>
+              <a:t>5 October 2021</a:t>
             </a:fld>
             <a:endParaRPr lang="en-US" sz="1100" dirty="0"/>
           </a:p>
@@ -17128,7 +16711,7 @@
           <a:p>
             <a:fld id="{939306D3-16AC-481B-963B-74A1D01AC013}" type="datetime3">
               <a:rPr lang="en-US" sz="1100" smtClean="0"/>
-              <a:t>4 October 2021</a:t>
+              <a:t>5 October 2021</a:t>
             </a:fld>
             <a:endParaRPr lang="en-US" sz="1100" dirty="0"/>
           </a:p>
@@ -18652,7 +18235,7 @@
           <a:p>
             <a:fld id="{939306D3-16AC-481B-963B-74A1D01AC013}" type="datetime3">
               <a:rPr lang="en-US" sz="1100" smtClean="0"/>
-              <a:t>4 October 2021</a:t>
+              <a:t>5 October 2021</a:t>
             </a:fld>
             <a:endParaRPr lang="en-US" sz="1100" dirty="0"/>
           </a:p>
@@ -19751,7 +19334,7 @@
           <a:p>
             <a:fld id="{939306D3-16AC-481B-963B-74A1D01AC013}" type="datetime3">
               <a:rPr lang="en-US" sz="1100" smtClean="0"/>
-              <a:t>4 October 2021</a:t>
+              <a:t>5 October 2021</a:t>
             </a:fld>
             <a:endParaRPr lang="en-US" sz="1100" dirty="0"/>
           </a:p>
@@ -20004,7 +19587,7 @@
           <a:p>
             <a:fld id="{E3705B4D-1726-4BAB-A90E-07379DAEAD37}" type="datetime3">
               <a:rPr lang="en-US" sz="1100" smtClean="0"/>
-              <a:t>4 October 2021</a:t>
+              <a:t>5 October 2021</a:t>
             </a:fld>
             <a:endParaRPr lang="en-US" sz="1100" dirty="0"/>
           </a:p>
@@ -20456,7 +20039,7 @@
           <a:p>
             <a:fld id="{3792B3D8-82DF-4A6C-AFC1-06AFC1ABA742}" type="datetime3">
               <a:rPr lang="en-US" sz="1100" smtClean="0"/>
-              <a:t>4 October 2021</a:t>
+              <a:t>5 October 2021</a:t>
             </a:fld>
             <a:endParaRPr lang="en-US" sz="1100" dirty="0"/>
           </a:p>
@@ -21404,7 +20987,7 @@
           <a:p>
             <a:fld id="{E3705B4D-1726-4BAB-A90E-07379DAEAD37}" type="datetime3">
               <a:rPr lang="en-US" sz="1100" smtClean="0"/>
-              <a:t>4 October 2021</a:t>
+              <a:t>5 October 2021</a:t>
             </a:fld>
             <a:endParaRPr lang="en-US" sz="1100" dirty="0"/>
           </a:p>
@@ -21817,7 +21400,7 @@
           <a:p>
             <a:fld id="{171B5815-5139-4A68-A9FA-D26193D11F2D}" type="datetime3">
               <a:rPr lang="en-US" sz="1100" smtClean="0"/>
-              <a:t>4 October 2021</a:t>
+              <a:t>5 October 2021</a:t>
             </a:fld>
             <a:endParaRPr lang="en-US" sz="1100" dirty="0"/>
           </a:p>
@@ -23190,7 +22773,7 @@
           <a:p>
             <a:fld id="{E3705B4D-1726-4BAB-A90E-07379DAEAD37}" type="datetime3">
               <a:rPr lang="en-US" sz="1100" smtClean="0"/>
-              <a:t>4 October 2021</a:t>
+              <a:t>5 October 2021</a:t>
             </a:fld>
             <a:endParaRPr lang="en-US" sz="1100" dirty="0"/>
           </a:p>
@@ -23612,7 +23195,7 @@
           <a:p>
             <a:fld id="{E3705B4D-1726-4BAB-A90E-07379DAEAD37}" type="datetime3">
               <a:rPr lang="en-US" sz="1100" smtClean="0"/>
-              <a:t>4 October 2021</a:t>
+              <a:t>5 October 2021</a:t>
             </a:fld>
             <a:endParaRPr lang="en-US" sz="1100" dirty="0"/>
           </a:p>
@@ -25033,7 +24616,7 @@
           <a:p>
             <a:fld id="{146212BB-D587-45E4-8C80-89DA935C1E81}" type="datetime3">
               <a:rPr lang="en-US" sz="1100" smtClean="0"/>
-              <a:t>4 October 2021</a:t>
+              <a:t>5 October 2021</a:t>
             </a:fld>
             <a:endParaRPr lang="en-US" sz="1100" dirty="0"/>
           </a:p>
@@ -25851,7 +25434,7 @@
           <a:p>
             <a:fld id="{63E2318F-0C04-4A9D-B71F-4760BF0D8622}" type="datetime3">
               <a:rPr lang="en-US" sz="1100" smtClean="0"/>
-              <a:t>4 October 2021</a:t>
+              <a:t>5 October 2021</a:t>
             </a:fld>
             <a:endParaRPr lang="en-US" sz="1100" dirty="0"/>
           </a:p>
@@ -25915,1366 +25498,162 @@
       </p:sp>
       <p:grpSp>
         <p:nvGrpSpPr>
-          <p:cNvPr id="96" name="Группа 95"/>
+          <p:cNvPr id="97" name="Группа 96"/>
           <p:cNvGrpSpPr/>
           <p:nvPr/>
         </p:nvGrpSpPr>
         <p:grpSpPr>
           <a:xfrm>
-            <a:off x="217558" y="1262737"/>
-            <a:ext cx="10743950" cy="4253095"/>
-            <a:chOff x="188061" y="1364226"/>
-            <a:chExt cx="10743950" cy="4253095"/>
+            <a:off x="146121" y="1331795"/>
+            <a:ext cx="11080461" cy="4470724"/>
+            <a:chOff x="317571" y="1410377"/>
+            <a:chExt cx="11080461" cy="4470724"/>
           </a:xfrm>
         </p:grpSpPr>
-        <p:sp>
-          <p:nvSpPr>
-            <p:cNvPr id="7" name="Скругленный прямоугольник 6"/>
-            <p:cNvSpPr/>
-            <p:nvPr/>
-          </p:nvSpPr>
-          <p:spPr>
-            <a:xfrm>
-              <a:off x="301251" y="1465834"/>
-              <a:ext cx="1939413" cy="656303"/>
-            </a:xfrm>
-            <a:prstGeom prst="roundRect">
-              <a:avLst/>
-            </a:prstGeom>
-            <a:noFill/>
-          </p:spPr>
-          <p:style>
-            <a:lnRef idx="2">
-              <a:schemeClr val="accent1">
-                <a:shade val="50000"/>
-              </a:schemeClr>
-            </a:lnRef>
-            <a:fillRef idx="1">
-              <a:schemeClr val="accent1"/>
-            </a:fillRef>
-            <a:effectRef idx="0">
-              <a:schemeClr val="accent1"/>
-            </a:effectRef>
-            <a:fontRef idx="minor">
-              <a:schemeClr val="lt1"/>
-            </a:fontRef>
-          </p:style>
-          <p:txBody>
-            <a:bodyPr rtlCol="0" anchor="ctr"/>
-            <a:lstStyle/>
-            <a:p>
-              <a:pPr algn="ctr"/>
-              <a:r>
-                <a:rPr lang="en-US" sz="1400" dirty="0" smtClean="0">
-                  <a:solidFill>
-                    <a:schemeClr val="tx1"/>
-                  </a:solidFill>
-                </a:rPr>
-                <a:t>Create and clone a repository</a:t>
-              </a:r>
-              <a:endParaRPr lang="en-US" sz="1400" dirty="0">
-                <a:solidFill>
-                  <a:schemeClr val="tx1"/>
-                </a:solidFill>
-              </a:endParaRPr>
-            </a:p>
-          </p:txBody>
-        </p:sp>
         <p:grpSp>
           <p:nvGrpSpPr>
-            <p:cNvPr id="95" name="Группа 94"/>
+            <p:cNvPr id="98" name="Группа 97"/>
             <p:cNvGrpSpPr/>
             <p:nvPr/>
           </p:nvGrpSpPr>
           <p:grpSpPr>
             <a:xfrm>
-              <a:off x="188061" y="1364226"/>
-              <a:ext cx="10743950" cy="4253095"/>
-              <a:chOff x="188061" y="1364226"/>
-              <a:chExt cx="10743950" cy="4253095"/>
+              <a:off x="317571" y="1410377"/>
+              <a:ext cx="11080461" cy="4470724"/>
+              <a:chOff x="217558" y="1262737"/>
+              <a:chExt cx="11080461" cy="4470724"/>
             </a:xfrm>
           </p:grpSpPr>
+          <p:sp>
+            <p:nvSpPr>
+              <p:cNvPr id="100" name="Прямоугольник 99"/>
+              <p:cNvSpPr/>
+              <p:nvPr/>
+            </p:nvSpPr>
+            <p:spPr>
+              <a:xfrm>
+                <a:off x="6549222" y="1880802"/>
+                <a:ext cx="1939413" cy="656303"/>
+              </a:xfrm>
+              <a:prstGeom prst="rect">
+                <a:avLst/>
+              </a:prstGeom>
+              <a:noFill/>
+            </p:spPr>
+            <p:style>
+              <a:lnRef idx="2">
+                <a:schemeClr val="accent1">
+                  <a:shade val="50000"/>
+                </a:schemeClr>
+              </a:lnRef>
+              <a:fillRef idx="1">
+                <a:schemeClr val="accent1"/>
+              </a:fillRef>
+              <a:effectRef idx="0">
+                <a:schemeClr val="accent1"/>
+              </a:effectRef>
+              <a:fontRef idx="minor">
+                <a:schemeClr val="lt1"/>
+              </a:fontRef>
+            </p:style>
+            <p:txBody>
+              <a:bodyPr rtlCol="0" anchor="ctr"/>
+              <a:lstStyle/>
+              <a:p>
+                <a:pPr algn="ctr"/>
+                <a:r>
+                  <a:rPr lang="en-US" sz="1400" dirty="0" smtClean="0">
+                    <a:solidFill>
+                      <a:schemeClr val="tx1"/>
+                    </a:solidFill>
+                  </a:rPr>
+                  <a:t>Add</a:t>
+                </a:r>
+                <a:r>
+                  <a:rPr lang="en-US" sz="1400" dirty="0" smtClean="0">
+                    <a:solidFill>
+                      <a:schemeClr val="tx1"/>
+                    </a:solidFill>
+                  </a:rPr>
+                  <a:t> changes to stash</a:t>
+                </a:r>
+                <a:endParaRPr lang="en-US" sz="1400" dirty="0" smtClean="0">
+                  <a:solidFill>
+                    <a:schemeClr val="tx1"/>
+                  </a:solidFill>
+                </a:endParaRPr>
+              </a:p>
+              <a:p>
+                <a:pPr algn="ctr"/>
+                <a:r>
+                  <a:rPr lang="en-US" sz="1400" b="1" dirty="0" smtClean="0">
+                    <a:solidFill>
+                      <a:schemeClr val="tx1"/>
+                    </a:solidFill>
+                  </a:rPr>
+                  <a:t>$ </a:t>
+                </a:r>
+                <a:r>
+                  <a:rPr lang="en-US" sz="1400" b="1" dirty="0" err="1">
+                    <a:solidFill>
+                      <a:schemeClr val="tx1"/>
+                    </a:solidFill>
+                  </a:rPr>
+                  <a:t>git</a:t>
+                </a:r>
+                <a:r>
+                  <a:rPr lang="en-US" sz="1400" b="1" dirty="0">
+                    <a:solidFill>
+                      <a:schemeClr val="tx1"/>
+                    </a:solidFill>
+                  </a:rPr>
+                  <a:t> </a:t>
+                </a:r>
+                <a:r>
+                  <a:rPr lang="en-US" sz="1400" b="1" dirty="0" smtClean="0">
+                    <a:solidFill>
+                      <a:schemeClr val="tx1"/>
+                    </a:solidFill>
+                  </a:rPr>
+                  <a:t>add --all</a:t>
+                </a:r>
+                <a:endParaRPr lang="en-US" sz="1400" b="1" dirty="0">
+                  <a:solidFill>
+                    <a:schemeClr val="tx1"/>
+                  </a:solidFill>
+                </a:endParaRPr>
+              </a:p>
+            </p:txBody>
+          </p:sp>
           <p:grpSp>
             <p:nvGrpSpPr>
-              <p:cNvPr id="92" name="Группа 91"/>
+              <p:cNvPr id="101" name="Группа 100"/>
               <p:cNvGrpSpPr/>
               <p:nvPr/>
             </p:nvGrpSpPr>
             <p:grpSpPr>
               <a:xfrm>
-                <a:off x="188061" y="1364226"/>
-                <a:ext cx="10743950" cy="4253095"/>
+                <a:off x="217558" y="1262737"/>
+                <a:ext cx="11080461" cy="4470724"/>
                 <a:chOff x="188061" y="1364226"/>
-                <a:chExt cx="10743950" cy="4253095"/>
+                <a:chExt cx="11080461" cy="4470724"/>
               </a:xfrm>
             </p:grpSpPr>
-            <p:grpSp>
-              <p:nvGrpSpPr>
-                <p:cNvPr id="78" name="Группа 77"/>
-                <p:cNvGrpSpPr/>
-                <p:nvPr/>
-              </p:nvGrpSpPr>
-              <p:grpSpPr>
-                <a:xfrm>
-                  <a:off x="1188666" y="2122137"/>
-                  <a:ext cx="9743345" cy="3495184"/>
-                  <a:chOff x="1188666" y="2122137"/>
-                  <a:chExt cx="9743345" cy="3495184"/>
-                </a:xfrm>
-              </p:grpSpPr>
-              <p:grpSp>
-                <p:nvGrpSpPr>
-                  <p:cNvPr id="75" name="Группа 74"/>
-                  <p:cNvGrpSpPr/>
-                  <p:nvPr/>
-                </p:nvGrpSpPr>
-                <p:grpSpPr>
-                  <a:xfrm>
-                    <a:off x="1188666" y="2122137"/>
-                    <a:ext cx="9743345" cy="3482505"/>
-                    <a:chOff x="1196040" y="2122137"/>
-                    <a:chExt cx="9743345" cy="3482505"/>
-                  </a:xfrm>
-                </p:grpSpPr>
-                <p:grpSp>
-                  <p:nvGrpSpPr>
-                    <p:cNvPr id="69" name="Группа 68"/>
-                    <p:cNvGrpSpPr/>
-                    <p:nvPr/>
-                  </p:nvGrpSpPr>
-                  <p:grpSpPr>
-                    <a:xfrm>
-                      <a:off x="1196040" y="2122137"/>
-                      <a:ext cx="9743345" cy="3482504"/>
-                      <a:chOff x="1196040" y="2122137"/>
-                      <a:chExt cx="9743345" cy="3482504"/>
-                    </a:xfrm>
-                  </p:grpSpPr>
-                  <p:grpSp>
-                    <p:nvGrpSpPr>
-                      <p:cNvPr id="65" name="Группа 64"/>
-                      <p:cNvGrpSpPr/>
-                      <p:nvPr/>
-                    </p:nvGrpSpPr>
-                    <p:grpSpPr>
-                      <a:xfrm>
-                        <a:off x="1196040" y="2122137"/>
-                        <a:ext cx="9743345" cy="3482504"/>
-                        <a:chOff x="1601620" y="2122137"/>
-                        <a:chExt cx="9743345" cy="3482504"/>
-                      </a:xfrm>
-                    </p:grpSpPr>
-                    <p:cxnSp>
-                      <p:nvCxnSpPr>
-                        <p:cNvPr id="18" name="Соединительная линия уступом 17"/>
-                        <p:cNvCxnSpPr>
-                          <a:stCxn id="7" idx="2"/>
-                          <a:endCxn id="8" idx="1"/>
-                        </p:cNvCxnSpPr>
-                        <p:nvPr/>
-                      </p:nvCxnSpPr>
-                      <p:spPr>
-                        <a:xfrm rot="16200000" flipH="1">
-                          <a:off x="1631417" y="2174631"/>
-                          <a:ext cx="530032" cy="425043"/>
-                        </a:xfrm>
-                        <a:prstGeom prst="bentConnector2">
-                          <a:avLst/>
-                        </a:prstGeom>
-                        <a:ln>
-                          <a:tailEnd type="triangle"/>
-                        </a:ln>
-                      </p:spPr>
-                      <p:style>
-                        <a:lnRef idx="1">
-                          <a:schemeClr val="accent1"/>
-                        </a:lnRef>
-                        <a:fillRef idx="0">
-                          <a:schemeClr val="accent1"/>
-                        </a:fillRef>
-                        <a:effectRef idx="0">
-                          <a:schemeClr val="accent1"/>
-                        </a:effectRef>
-                        <a:fontRef idx="minor">
-                          <a:schemeClr val="tx1"/>
-                        </a:fontRef>
-                      </p:style>
-                    </p:cxnSp>
-                    <p:grpSp>
-                      <p:nvGrpSpPr>
-                        <p:cNvPr id="64" name="Группа 63"/>
-                        <p:cNvGrpSpPr/>
-                        <p:nvPr/>
-                      </p:nvGrpSpPr>
-                      <p:grpSpPr>
-                        <a:xfrm>
-                          <a:off x="1601620" y="2318657"/>
-                          <a:ext cx="9743345" cy="3285984"/>
-                          <a:chOff x="1601620" y="2318657"/>
-                          <a:chExt cx="9743345" cy="3285984"/>
-                        </a:xfrm>
-                      </p:grpSpPr>
-                      <p:grpSp>
-                        <p:nvGrpSpPr>
-                          <p:cNvPr id="60" name="Группа 59"/>
-                          <p:cNvGrpSpPr/>
-                          <p:nvPr/>
-                        </p:nvGrpSpPr>
-                        <p:grpSpPr>
-                          <a:xfrm>
-                            <a:off x="1601620" y="2318657"/>
-                            <a:ext cx="9743345" cy="3285984"/>
-                            <a:chOff x="962575" y="2342677"/>
-                            <a:chExt cx="9743345" cy="3285984"/>
-                          </a:xfrm>
-                        </p:grpSpPr>
-                        <p:grpSp>
-                          <p:nvGrpSpPr>
-                            <p:cNvPr id="59" name="Группа 58"/>
-                            <p:cNvGrpSpPr/>
-                            <p:nvPr/>
-                          </p:nvGrpSpPr>
-                          <p:grpSpPr>
-                            <a:xfrm>
-                              <a:off x="962575" y="2342677"/>
-                              <a:ext cx="9743345" cy="3285984"/>
-                              <a:chOff x="962575" y="2342677"/>
-                              <a:chExt cx="9743345" cy="3285984"/>
-                            </a:xfrm>
-                          </p:grpSpPr>
-                          <p:cxnSp>
-                            <p:nvCxnSpPr>
-                              <p:cNvPr id="49" name="Соединительная линия уступом 48"/>
-                              <p:cNvCxnSpPr>
-                                <a:stCxn id="37" idx="2"/>
-                                <a:endCxn id="31" idx="2"/>
-                              </p:cNvCxnSpPr>
-                              <p:nvPr/>
-                            </p:nvCxnSpPr>
-                            <p:spPr>
-                              <a:xfrm rot="5400000">
-                                <a:off x="3181834" y="3807965"/>
-                                <a:ext cx="1185580" cy="2455812"/>
-                              </a:xfrm>
-                              <a:prstGeom prst="bentConnector3">
-                                <a:avLst>
-                                  <a:gd name="adj1" fmla="val 119282"/>
-                                </a:avLst>
-                              </a:prstGeom>
-                              <a:ln>
-                                <a:tailEnd type="triangle"/>
-                              </a:ln>
-                            </p:spPr>
-                            <p:style>
-                              <a:lnRef idx="1">
-                                <a:schemeClr val="accent1"/>
-                              </a:lnRef>
-                              <a:fillRef idx="0">
-                                <a:schemeClr val="accent1"/>
-                              </a:fillRef>
-                              <a:effectRef idx="0">
-                                <a:schemeClr val="accent1"/>
-                              </a:effectRef>
-                              <a:fontRef idx="minor">
-                                <a:schemeClr val="tx1"/>
-                              </a:fontRef>
-                            </p:style>
-                          </p:cxnSp>
-                          <p:grpSp>
-                            <p:nvGrpSpPr>
-                              <p:cNvPr id="58" name="Группа 57"/>
-                              <p:cNvGrpSpPr/>
-                              <p:nvPr/>
-                            </p:nvGrpSpPr>
-                            <p:grpSpPr>
-                              <a:xfrm>
-                                <a:off x="962575" y="2342677"/>
-                                <a:ext cx="9743345" cy="3285984"/>
-                                <a:chOff x="962575" y="2342677"/>
-                                <a:chExt cx="9743345" cy="3285984"/>
-                              </a:xfrm>
-                            </p:grpSpPr>
-                            <p:sp>
-                              <p:nvSpPr>
-                                <p:cNvPr id="8" name="Прямоугольник 7"/>
-                                <p:cNvSpPr/>
-                                <p:nvPr/>
-                              </p:nvSpPr>
-                              <p:spPr>
-                                <a:xfrm>
-                                  <a:off x="1469910" y="2348037"/>
-                                  <a:ext cx="2153614" cy="656303"/>
-                                </a:xfrm>
-                                <a:prstGeom prst="rect">
-                                  <a:avLst/>
-                                </a:prstGeom>
-                                <a:noFill/>
-                              </p:spPr>
-                              <p:style>
-                                <a:lnRef idx="2">
-                                  <a:schemeClr val="accent1">
-                                    <a:shade val="50000"/>
-                                  </a:schemeClr>
-                                </a:lnRef>
-                                <a:fillRef idx="1">
-                                  <a:schemeClr val="accent1"/>
-                                </a:fillRef>
-                                <a:effectRef idx="0">
-                                  <a:schemeClr val="accent1"/>
-                                </a:effectRef>
-                                <a:fontRef idx="minor">
-                                  <a:schemeClr val="lt1"/>
-                                </a:fontRef>
-                              </p:style>
-                              <p:txBody>
-                                <a:bodyPr rtlCol="0" anchor="ctr"/>
-                                <a:lstStyle/>
-                                <a:p>
-                                  <a:pPr algn="ctr"/>
-                                  <a:r>
-                                    <a:rPr lang="en-US" sz="1000" dirty="0">
-                                      <a:solidFill>
-                                        <a:schemeClr val="tx1"/>
-                                      </a:solidFill>
-                                    </a:rPr>
-                                    <a:t>Check out to main (develop) </a:t>
-                                  </a:r>
-                                  <a:r>
-                                    <a:rPr lang="en-US" sz="1000" dirty="0" smtClean="0">
-                                      <a:solidFill>
-                                        <a:schemeClr val="tx1"/>
-                                      </a:solidFill>
-                                    </a:rPr>
-                                    <a:t>branch</a:t>
-                                  </a:r>
-                                </a:p>
-                                <a:p>
-                                  <a:pPr algn="ctr"/>
-                                  <a:r>
-                                    <a:rPr lang="en-US" sz="1000" dirty="0" smtClean="0">
-                                      <a:solidFill>
-                                        <a:schemeClr val="tx1"/>
-                                      </a:solidFill>
-                                    </a:rPr>
-                                    <a:t>$ </a:t>
-                                  </a:r>
-                                  <a:r>
-                                    <a:rPr lang="en-US" sz="1000" dirty="0" err="1" smtClean="0">
-                                      <a:solidFill>
-                                        <a:schemeClr val="tx1"/>
-                                      </a:solidFill>
-                                    </a:rPr>
-                                    <a:t>git</a:t>
-                                  </a:r>
-                                  <a:r>
-                                    <a:rPr lang="en-US" sz="1000" smtClean="0">
-                                      <a:solidFill>
-                                        <a:schemeClr val="tx1"/>
-                                      </a:solidFill>
-                                    </a:rPr>
-                                    <a:t> checkout </a:t>
-                                  </a:r>
-                                  <a:r>
-                                    <a:rPr lang="en-US" sz="1000" dirty="0" smtClean="0">
-                                      <a:solidFill>
-                                        <a:schemeClr val="tx1"/>
-                                      </a:solidFill>
-                                    </a:rPr>
-                                    <a:t>&lt;branch-name&gt;</a:t>
-                                  </a:r>
-                                  <a:endParaRPr lang="en-US" sz="1000" dirty="0">
-                                    <a:solidFill>
-                                      <a:schemeClr val="tx1"/>
-                                    </a:solidFill>
-                                  </a:endParaRPr>
-                                </a:p>
-                              </p:txBody>
-                            </p:sp>
-                            <p:sp>
-                              <p:nvSpPr>
-                                <p:cNvPr id="12" name="Прямоугольник 11"/>
-                                <p:cNvSpPr/>
-                                <p:nvPr/>
-                              </p:nvSpPr>
-                              <p:spPr>
-                                <a:xfrm>
-                                  <a:off x="962575" y="3219520"/>
-                                  <a:ext cx="3168284" cy="656303"/>
-                                </a:xfrm>
-                                <a:prstGeom prst="rect">
-                                  <a:avLst/>
-                                </a:prstGeom>
-                                <a:noFill/>
-                              </p:spPr>
-                              <p:style>
-                                <a:lnRef idx="2">
-                                  <a:schemeClr val="accent1">
-                                    <a:shade val="50000"/>
-                                  </a:schemeClr>
-                                </a:lnRef>
-                                <a:fillRef idx="1">
-                                  <a:schemeClr val="accent1"/>
-                                </a:fillRef>
-                                <a:effectRef idx="0">
-                                  <a:schemeClr val="accent1"/>
-                                </a:effectRef>
-                                <a:fontRef idx="minor">
-                                  <a:schemeClr val="lt1"/>
-                                </a:fontRef>
-                              </p:style>
-                              <p:txBody>
-                                <a:bodyPr rtlCol="0" anchor="ctr"/>
-                                <a:lstStyle/>
-                                <a:p>
-                                  <a:pPr algn="ctr"/>
-                                  <a:r>
-                                    <a:rPr lang="en-US" sz="1400" dirty="0">
-                                      <a:solidFill>
-                                        <a:schemeClr val="tx1"/>
-                                      </a:solidFill>
-                                    </a:rPr>
-                                    <a:t>Pull changes from remote main (develop) ($ </a:t>
-                                  </a:r>
-                                  <a:r>
-                                    <a:rPr lang="en-US" sz="1400" dirty="0" err="1">
-                                      <a:solidFill>
-                                        <a:schemeClr val="tx1"/>
-                                      </a:solidFill>
-                                    </a:rPr>
-                                    <a:t>git</a:t>
-                                  </a:r>
-                                  <a:r>
-                                    <a:rPr lang="en-US" sz="1400" dirty="0">
-                                      <a:solidFill>
-                                        <a:schemeClr val="tx1"/>
-                                      </a:solidFill>
-                                    </a:rPr>
-                                    <a:t> pull)</a:t>
-                                  </a:r>
-                                </a:p>
-                              </p:txBody>
-                            </p:sp>
-                            <p:sp>
-                              <p:nvSpPr>
-                                <p:cNvPr id="23" name="Прямоугольник 22"/>
-                                <p:cNvSpPr/>
-                                <p:nvPr/>
-                              </p:nvSpPr>
-                              <p:spPr>
-                                <a:xfrm>
-                                  <a:off x="962577" y="4095939"/>
-                                  <a:ext cx="3168282" cy="656303"/>
-                                </a:xfrm>
-                                <a:prstGeom prst="rect">
-                                  <a:avLst/>
-                                </a:prstGeom>
-                                <a:noFill/>
-                              </p:spPr>
-                              <p:style>
-                                <a:lnRef idx="2">
-                                  <a:schemeClr val="accent1">
-                                    <a:shade val="50000"/>
-                                  </a:schemeClr>
-                                </a:lnRef>
-                                <a:fillRef idx="1">
-                                  <a:schemeClr val="accent1"/>
-                                </a:fillRef>
-                                <a:effectRef idx="0">
-                                  <a:schemeClr val="accent1"/>
-                                </a:effectRef>
-                                <a:fontRef idx="minor">
-                                  <a:schemeClr val="lt1"/>
-                                </a:fontRef>
-                              </p:style>
-                              <p:txBody>
-                                <a:bodyPr rtlCol="0" anchor="ctr"/>
-                                <a:lstStyle/>
-                                <a:p>
-                                  <a:pPr algn="ctr"/>
-                                  <a:r>
-                                    <a:rPr lang="en-US" sz="1400" dirty="0">
-                                      <a:solidFill>
-                                        <a:schemeClr val="tx1"/>
-                                      </a:solidFill>
-                                    </a:rPr>
-                                    <a:t>Create working </a:t>
-                                  </a:r>
-                                  <a:r>
-                                    <a:rPr lang="en-US" sz="1400" dirty="0" smtClean="0">
-                                      <a:solidFill>
-                                        <a:schemeClr val="tx1"/>
-                                      </a:solidFill>
-                                    </a:rPr>
-                                    <a:t>branch</a:t>
-                                  </a:r>
-                                  <a:endParaRPr lang="ru-RU" sz="1400" dirty="0" smtClean="0">
-                                    <a:solidFill>
-                                      <a:schemeClr val="tx1"/>
-                                    </a:solidFill>
-                                  </a:endParaRPr>
-                                </a:p>
-                                <a:p>
-                                  <a:pPr algn="ctr"/>
-                                  <a:r>
-                                    <a:rPr lang="en-US" sz="1400" dirty="0" smtClean="0">
-                                      <a:solidFill>
-                                        <a:schemeClr val="tx1"/>
-                                      </a:solidFill>
-                                    </a:rPr>
-                                    <a:t>($ </a:t>
-                                  </a:r>
-                                  <a:r>
-                                    <a:rPr lang="en-US" sz="1400" dirty="0" err="1">
-                                      <a:solidFill>
-                                        <a:schemeClr val="tx1"/>
-                                      </a:solidFill>
-                                    </a:rPr>
-                                    <a:t>git</a:t>
-                                  </a:r>
-                                  <a:r>
-                                    <a:rPr lang="en-US" sz="1400" dirty="0">
-                                      <a:solidFill>
-                                        <a:schemeClr val="tx1"/>
-                                      </a:solidFill>
-                                    </a:rPr>
-                                    <a:t> checkout -b &lt;branch-name&gt;)</a:t>
-                                  </a:r>
-                                </a:p>
-                              </p:txBody>
-                            </p:sp>
-                            <p:cxnSp>
-                              <p:nvCxnSpPr>
-                                <p:cNvPr id="27" name="Прямая со стрелкой 26"/>
-                                <p:cNvCxnSpPr>
-                                  <a:stCxn id="8" idx="2"/>
-                                  <a:endCxn id="12" idx="0"/>
-                                </p:cNvCxnSpPr>
-                                <p:nvPr/>
-                              </p:nvCxnSpPr>
-                              <p:spPr>
-                                <a:xfrm>
-                                  <a:off x="2546717" y="3004340"/>
-                                  <a:ext cx="0" cy="215180"/>
-                                </a:xfrm>
-                                <a:prstGeom prst="straightConnector1">
-                                  <a:avLst/>
-                                </a:prstGeom>
-                                <a:ln>
-                                  <a:tailEnd type="triangle"/>
-                                </a:ln>
-                              </p:spPr>
-                              <p:style>
-                                <a:lnRef idx="1">
-                                  <a:schemeClr val="accent1"/>
-                                </a:lnRef>
-                                <a:fillRef idx="0">
-                                  <a:schemeClr val="accent1"/>
-                                </a:fillRef>
-                                <a:effectRef idx="0">
-                                  <a:schemeClr val="accent1"/>
-                                </a:effectRef>
-                                <a:fontRef idx="minor">
-                                  <a:schemeClr val="tx1"/>
-                                </a:fontRef>
-                              </p:style>
-                            </p:cxnSp>
-                            <p:cxnSp>
-                              <p:nvCxnSpPr>
-                                <p:cNvPr id="30" name="Прямая со стрелкой 29"/>
-                                <p:cNvCxnSpPr>
-                                  <a:stCxn id="12" idx="2"/>
-                                  <a:endCxn id="23" idx="0"/>
-                                </p:cNvCxnSpPr>
-                                <p:nvPr/>
-                              </p:nvCxnSpPr>
-                              <p:spPr>
-                                <a:xfrm>
-                                  <a:off x="2546717" y="3875823"/>
-                                  <a:ext cx="1" cy="220116"/>
-                                </a:xfrm>
-                                <a:prstGeom prst="straightConnector1">
-                                  <a:avLst/>
-                                </a:prstGeom>
-                                <a:ln>
-                                  <a:tailEnd type="triangle"/>
-                                </a:ln>
-                              </p:spPr>
-                              <p:style>
-                                <a:lnRef idx="1">
-                                  <a:schemeClr val="accent1"/>
-                                </a:lnRef>
-                                <a:fillRef idx="0">
-                                  <a:schemeClr val="accent1"/>
-                                </a:fillRef>
-                                <a:effectRef idx="0">
-                                  <a:schemeClr val="accent1"/>
-                                </a:effectRef>
-                                <a:fontRef idx="minor">
-                                  <a:schemeClr val="tx1"/>
-                                </a:fontRef>
-                              </p:style>
-                            </p:cxnSp>
-                            <p:sp>
-                              <p:nvSpPr>
-                                <p:cNvPr id="31" name="Прямоугольник 30"/>
-                                <p:cNvSpPr/>
-                                <p:nvPr/>
-                              </p:nvSpPr>
-                              <p:spPr>
-                                <a:xfrm>
-                                  <a:off x="1577011" y="4972358"/>
-                                  <a:ext cx="1939413" cy="656303"/>
-                                </a:xfrm>
-                                <a:prstGeom prst="rect">
-                                  <a:avLst/>
-                                </a:prstGeom>
-                                <a:noFill/>
-                              </p:spPr>
-                              <p:style>
-                                <a:lnRef idx="2">
-                                  <a:schemeClr val="accent1">
-                                    <a:shade val="50000"/>
-                                  </a:schemeClr>
-                                </a:lnRef>
-                                <a:fillRef idx="1">
-                                  <a:schemeClr val="accent1"/>
-                                </a:fillRef>
-                                <a:effectRef idx="0">
-                                  <a:schemeClr val="accent1"/>
-                                </a:effectRef>
-                                <a:fontRef idx="minor">
-                                  <a:schemeClr val="lt1"/>
-                                </a:fontRef>
-                              </p:style>
-                              <p:txBody>
-                                <a:bodyPr rtlCol="0" anchor="ctr"/>
-                                <a:lstStyle/>
-                                <a:p>
-                                  <a:pPr algn="ctr"/>
-                                  <a:r>
-                                    <a:rPr lang="en-US" sz="1400" dirty="0">
-                                      <a:solidFill>
-                                        <a:schemeClr val="tx1"/>
-                                      </a:solidFill>
-                                    </a:rPr>
-                                    <a:t>Create or update files on the branch</a:t>
-                                  </a:r>
-                                </a:p>
-                              </p:txBody>
-                            </p:sp>
-                            <p:cxnSp>
-                              <p:nvCxnSpPr>
-                                <p:cNvPr id="32" name="Прямая со стрелкой 31"/>
-                                <p:cNvCxnSpPr>
-                                  <a:stCxn id="23" idx="2"/>
-                                  <a:endCxn id="31" idx="0"/>
-                                </p:cNvCxnSpPr>
-                                <p:nvPr/>
-                              </p:nvCxnSpPr>
-                              <p:spPr>
-                                <a:xfrm>
-                                  <a:off x="2546718" y="4752242"/>
-                                  <a:ext cx="0" cy="220116"/>
-                                </a:xfrm>
-                                <a:prstGeom prst="straightConnector1">
-                                  <a:avLst/>
-                                </a:prstGeom>
-                                <a:ln>
-                                  <a:tailEnd type="triangle"/>
-                                </a:ln>
-                              </p:spPr>
-                              <p:style>
-                                <a:lnRef idx="1">
-                                  <a:schemeClr val="accent1"/>
-                                </a:lnRef>
-                                <a:fillRef idx="0">
-                                  <a:schemeClr val="accent1"/>
-                                </a:fillRef>
-                                <a:effectRef idx="0">
-                                  <a:schemeClr val="accent1"/>
-                                </a:effectRef>
-                                <a:fontRef idx="minor">
-                                  <a:schemeClr val="tx1"/>
-                                </a:fontRef>
-                              </p:style>
-                            </p:cxnSp>
-                            <p:sp>
-                              <p:nvSpPr>
-                                <p:cNvPr id="37" name="Ромб 36"/>
-                                <p:cNvSpPr/>
-                                <p:nvPr/>
-                              </p:nvSpPr>
-                              <p:spPr>
-                                <a:xfrm>
-                                  <a:off x="4545330" y="3528681"/>
-                                  <a:ext cx="914400" cy="914400"/>
-                                </a:xfrm>
-                                <a:prstGeom prst="diamond">
-                                  <a:avLst/>
-                                </a:prstGeom>
-                                <a:noFill/>
-                              </p:spPr>
-                              <p:style>
-                                <a:lnRef idx="2">
-                                  <a:schemeClr val="accent1">
-                                    <a:shade val="50000"/>
-                                  </a:schemeClr>
-                                </a:lnRef>
-                                <a:fillRef idx="1">
-                                  <a:schemeClr val="accent1"/>
-                                </a:fillRef>
-                                <a:effectRef idx="0">
-                                  <a:schemeClr val="accent1"/>
-                                </a:effectRef>
-                                <a:fontRef idx="minor">
-                                  <a:schemeClr val="lt1"/>
-                                </a:fontRef>
-                              </p:style>
-                              <p:txBody>
-                                <a:bodyPr rtlCol="0" anchor="ctr"/>
-                                <a:lstStyle/>
-                                <a:p>
-                                  <a:pPr algn="ctr"/>
-                                  <a:r>
-                                    <a:rPr lang="en-US" sz="900" dirty="0" smtClean="0">
-                                      <a:solidFill>
-                                        <a:schemeClr val="tx1"/>
-                                      </a:solidFill>
-                                    </a:rPr>
-                                    <a:t>Logic part done</a:t>
-                                  </a:r>
-                                  <a:endParaRPr lang="en-US" sz="900" dirty="0">
-                                    <a:solidFill>
-                                      <a:schemeClr val="tx1"/>
-                                    </a:solidFill>
-                                  </a:endParaRPr>
-                                </a:p>
-                              </p:txBody>
-                            </p:sp>
-                            <p:cxnSp>
-                              <p:nvCxnSpPr>
-                                <p:cNvPr id="39" name="Соединительная линия уступом 38"/>
-                                <p:cNvCxnSpPr>
-                                  <a:stCxn id="31" idx="3"/>
-                                  <a:endCxn id="37" idx="1"/>
-                                </p:cNvCxnSpPr>
-                                <p:nvPr/>
-                              </p:nvCxnSpPr>
-                              <p:spPr>
-                                <a:xfrm flipV="1">
-                                  <a:off x="3516424" y="3985881"/>
-                                  <a:ext cx="1028906" cy="1314629"/>
-                                </a:xfrm>
-                                <a:prstGeom prst="bentConnector3">
-                                  <a:avLst>
-                                    <a:gd name="adj1" fmla="val 79253"/>
-                                  </a:avLst>
-                                </a:prstGeom>
-                                <a:ln>
-                                  <a:tailEnd type="triangle"/>
-                                </a:ln>
-                              </p:spPr>
-                              <p:style>
-                                <a:lnRef idx="1">
-                                  <a:schemeClr val="accent1"/>
-                                </a:lnRef>
-                                <a:fillRef idx="0">
-                                  <a:schemeClr val="accent1"/>
-                                </a:fillRef>
-                                <a:effectRef idx="0">
-                                  <a:schemeClr val="accent1"/>
-                                </a:effectRef>
-                                <a:fontRef idx="minor">
-                                  <a:schemeClr val="tx1"/>
-                                </a:fontRef>
-                              </p:style>
-                            </p:cxnSp>
-                            <p:sp>
-                              <p:nvSpPr>
-                                <p:cNvPr id="42" name="Прямоугольник 41"/>
-                                <p:cNvSpPr/>
-                                <p:nvPr/>
-                              </p:nvSpPr>
-                              <p:spPr>
-                                <a:xfrm>
-                                  <a:off x="5789635" y="2342677"/>
-                                  <a:ext cx="1939413" cy="656303"/>
-                                </a:xfrm>
-                                <a:prstGeom prst="rect">
-                                  <a:avLst/>
-                                </a:prstGeom>
-                                <a:noFill/>
-                              </p:spPr>
-                              <p:style>
-                                <a:lnRef idx="2">
-                                  <a:schemeClr val="accent1">
-                                    <a:shade val="50000"/>
-                                  </a:schemeClr>
-                                </a:lnRef>
-                                <a:fillRef idx="1">
-                                  <a:schemeClr val="accent1"/>
-                                </a:fillRef>
-                                <a:effectRef idx="0">
-                                  <a:schemeClr val="accent1"/>
-                                </a:effectRef>
-                                <a:fontRef idx="minor">
-                                  <a:schemeClr val="lt1"/>
-                                </a:fontRef>
-                              </p:style>
-                              <p:txBody>
-                                <a:bodyPr rtlCol="0" anchor="ctr"/>
-                                <a:lstStyle/>
-                                <a:p>
-                                  <a:pPr algn="ctr"/>
-                                  <a:r>
-                                    <a:rPr lang="en-US" sz="1400" dirty="0" smtClean="0">
-                                      <a:solidFill>
-                                        <a:schemeClr val="tx1"/>
-                                      </a:solidFill>
-                                    </a:rPr>
-                                    <a:t>Commit changes</a:t>
-                                  </a:r>
-                                </a:p>
-                                <a:p>
-                                  <a:pPr algn="ctr"/>
-                                  <a:r>
-                                    <a:rPr lang="en-US" sz="1400" dirty="0" smtClean="0">
-                                      <a:solidFill>
-                                        <a:schemeClr val="tx1"/>
-                                      </a:solidFill>
-                                    </a:rPr>
-                                    <a:t>($ </a:t>
-                                  </a:r>
-                                  <a:r>
-                                    <a:rPr lang="en-US" sz="1400" dirty="0" err="1">
-                                      <a:solidFill>
-                                        <a:schemeClr val="tx1"/>
-                                      </a:solidFill>
-                                    </a:rPr>
-                                    <a:t>git</a:t>
-                                  </a:r>
-                                  <a:r>
-                                    <a:rPr lang="en-US" sz="1400" dirty="0">
-                                      <a:solidFill>
-                                        <a:schemeClr val="tx1"/>
-                                      </a:solidFill>
-                                    </a:rPr>
-                                    <a:t> commit –m ‘Commit message’)</a:t>
-                                  </a:r>
-                                </a:p>
-                              </p:txBody>
-                            </p:sp>
-                            <p:sp>
-                              <p:nvSpPr>
-                                <p:cNvPr id="43" name="Прямоугольник 42"/>
-                                <p:cNvSpPr/>
-                                <p:nvPr/>
-                              </p:nvSpPr>
-                              <p:spPr>
-                                <a:xfrm>
-                                  <a:off x="5789635" y="3219520"/>
-                                  <a:ext cx="1939413" cy="656303"/>
-                                </a:xfrm>
-                                <a:prstGeom prst="rect">
-                                  <a:avLst/>
-                                </a:prstGeom>
-                                <a:noFill/>
-                              </p:spPr>
-                              <p:style>
-                                <a:lnRef idx="2">
-                                  <a:schemeClr val="accent1">
-                                    <a:shade val="50000"/>
-                                  </a:schemeClr>
-                                </a:lnRef>
-                                <a:fillRef idx="1">
-                                  <a:schemeClr val="accent1"/>
-                                </a:fillRef>
-                                <a:effectRef idx="0">
-                                  <a:schemeClr val="accent1"/>
-                                </a:effectRef>
-                                <a:fontRef idx="minor">
-                                  <a:schemeClr val="lt1"/>
-                                </a:fontRef>
-                              </p:style>
-                              <p:txBody>
-                                <a:bodyPr rtlCol="0" anchor="ctr"/>
-                                <a:lstStyle/>
-                                <a:p>
-                                  <a:pPr algn="ctr"/>
-                                  <a:r>
-                                    <a:rPr lang="en-US" sz="1400" dirty="0" smtClean="0">
-                                      <a:solidFill>
-                                        <a:schemeClr val="tx1"/>
-                                      </a:solidFill>
-                                    </a:rPr>
-                                    <a:t>Push changes to remote ($ </a:t>
-                                  </a:r>
-                                  <a:r>
-                                    <a:rPr lang="en-US" sz="1400" dirty="0" err="1" smtClean="0">
-                                      <a:solidFill>
-                                        <a:schemeClr val="tx1"/>
-                                      </a:solidFill>
-                                    </a:rPr>
-                                    <a:t>git</a:t>
-                                  </a:r>
-                                  <a:r>
-                                    <a:rPr lang="en-US" sz="1400" dirty="0" smtClean="0">
-                                      <a:solidFill>
-                                        <a:schemeClr val="tx1"/>
-                                      </a:solidFill>
-                                    </a:rPr>
-                                    <a:t> push)</a:t>
-                                  </a:r>
-                                  <a:endParaRPr lang="en-US" sz="1400" dirty="0">
-                                    <a:solidFill>
-                                      <a:schemeClr val="tx1"/>
-                                    </a:solidFill>
-                                  </a:endParaRPr>
-                                </a:p>
-                              </p:txBody>
-                            </p:sp>
-                            <p:cxnSp>
-                              <p:nvCxnSpPr>
-                                <p:cNvPr id="45" name="Соединительная линия уступом 44"/>
-                                <p:cNvCxnSpPr>
-                                  <a:stCxn id="37" idx="0"/>
-                                  <a:endCxn id="42" idx="1"/>
-                                </p:cNvCxnSpPr>
-                                <p:nvPr/>
-                              </p:nvCxnSpPr>
-                              <p:spPr>
-                                <a:xfrm rot="5400000" flipH="1" flipV="1">
-                                  <a:off x="4967156" y="2706203"/>
-                                  <a:ext cx="857852" cy="787105"/>
-                                </a:xfrm>
-                                <a:prstGeom prst="bentConnector2">
-                                  <a:avLst/>
-                                </a:prstGeom>
-                                <a:ln>
-                                  <a:tailEnd type="triangle"/>
-                                </a:ln>
-                              </p:spPr>
-                              <p:style>
-                                <a:lnRef idx="1">
-                                  <a:schemeClr val="accent1"/>
-                                </a:lnRef>
-                                <a:fillRef idx="0">
-                                  <a:schemeClr val="accent1"/>
-                                </a:fillRef>
-                                <a:effectRef idx="0">
-                                  <a:schemeClr val="accent1"/>
-                                </a:effectRef>
-                                <a:fontRef idx="minor">
-                                  <a:schemeClr val="tx1"/>
-                                </a:fontRef>
-                              </p:style>
-                            </p:cxnSp>
-                            <p:cxnSp>
-                              <p:nvCxnSpPr>
-                                <p:cNvPr id="47" name="Прямая со стрелкой 46"/>
-                                <p:cNvCxnSpPr>
-                                  <a:stCxn id="42" idx="2"/>
-                                  <a:endCxn id="43" idx="0"/>
-                                </p:cNvCxnSpPr>
-                                <p:nvPr/>
-                              </p:nvCxnSpPr>
-                              <p:spPr>
-                                <a:xfrm>
-                                  <a:off x="6759342" y="2998980"/>
-                                  <a:ext cx="0" cy="220540"/>
-                                </a:xfrm>
-                                <a:prstGeom prst="straightConnector1">
-                                  <a:avLst/>
-                                </a:prstGeom>
-                                <a:ln>
-                                  <a:tailEnd type="triangle"/>
-                                </a:ln>
-                              </p:spPr>
-                              <p:style>
-                                <a:lnRef idx="1">
-                                  <a:schemeClr val="accent1"/>
-                                </a:lnRef>
-                                <a:fillRef idx="0">
-                                  <a:schemeClr val="accent1"/>
-                                </a:fillRef>
-                                <a:effectRef idx="0">
-                                  <a:schemeClr val="accent1"/>
-                                </a:effectRef>
-                                <a:fontRef idx="minor">
-                                  <a:schemeClr val="tx1"/>
-                                </a:fontRef>
-                              </p:style>
-                            </p:cxnSp>
-                            <p:sp>
-                              <p:nvSpPr>
-                                <p:cNvPr id="52" name="Ромб 51"/>
-                                <p:cNvSpPr/>
-                                <p:nvPr/>
-                              </p:nvSpPr>
-                              <p:spPr>
-                                <a:xfrm>
-                                  <a:off x="6302139" y="4272649"/>
-                                  <a:ext cx="914400" cy="914400"/>
-                                </a:xfrm>
-                                <a:prstGeom prst="diamond">
-                                  <a:avLst/>
-                                </a:prstGeom>
-                                <a:noFill/>
-                              </p:spPr>
-                              <p:style>
-                                <a:lnRef idx="2">
-                                  <a:schemeClr val="accent1">
-                                    <a:shade val="50000"/>
-                                  </a:schemeClr>
-                                </a:lnRef>
-                                <a:fillRef idx="1">
-                                  <a:schemeClr val="accent1"/>
-                                </a:fillRef>
-                                <a:effectRef idx="0">
-                                  <a:schemeClr val="accent1"/>
-                                </a:effectRef>
-                                <a:fontRef idx="minor">
-                                  <a:schemeClr val="lt1"/>
-                                </a:fontRef>
-                              </p:style>
-                              <p:txBody>
-                                <a:bodyPr rtlCol="0" anchor="ctr"/>
-                                <a:lstStyle/>
-                                <a:p>
-                                  <a:pPr algn="ctr"/>
-                                  <a:r>
-                                    <a:rPr lang="en-US" sz="900" dirty="0" smtClean="0">
-                                      <a:solidFill>
-                                        <a:schemeClr val="tx1"/>
-                                      </a:solidFill>
-                                    </a:rPr>
-                                    <a:t>Task done</a:t>
-                                  </a:r>
-                                  <a:endParaRPr lang="en-US" sz="900" dirty="0">
-                                    <a:solidFill>
-                                      <a:schemeClr val="tx1"/>
-                                    </a:solidFill>
-                                  </a:endParaRPr>
-                                </a:p>
-                              </p:txBody>
-                            </p:sp>
-                            <p:sp>
-                              <p:nvSpPr>
-                                <p:cNvPr id="53" name="Прямоугольник 52"/>
-                                <p:cNvSpPr/>
-                                <p:nvPr/>
-                              </p:nvSpPr>
-                              <p:spPr>
-                                <a:xfrm>
-                                  <a:off x="8288656" y="3807628"/>
-                                  <a:ext cx="2417264" cy="656303"/>
-                                </a:xfrm>
-                                <a:prstGeom prst="rect">
-                                  <a:avLst/>
-                                </a:prstGeom>
-                                <a:noFill/>
-                              </p:spPr>
-                              <p:style>
-                                <a:lnRef idx="2">
-                                  <a:schemeClr val="accent1">
-                                    <a:shade val="50000"/>
-                                  </a:schemeClr>
-                                </a:lnRef>
-                                <a:fillRef idx="1">
-                                  <a:schemeClr val="accent1"/>
-                                </a:fillRef>
-                                <a:effectRef idx="0">
-                                  <a:schemeClr val="accent1"/>
-                                </a:effectRef>
-                                <a:fontRef idx="minor">
-                                  <a:schemeClr val="lt1"/>
-                                </a:fontRef>
-                              </p:style>
-                              <p:txBody>
-                                <a:bodyPr rtlCol="0" anchor="ctr"/>
-                                <a:lstStyle/>
-                                <a:p>
-                                  <a:pPr algn="ctr"/>
-                                  <a:r>
-                                    <a:rPr lang="en-US" sz="1400" dirty="0" smtClean="0">
-                                      <a:solidFill>
-                                        <a:schemeClr val="tx1"/>
-                                      </a:solidFill>
-                                    </a:rPr>
-                                    <a:t>Make Pull request on remote and approve it</a:t>
-                                  </a:r>
-                                  <a:endParaRPr lang="en-US" sz="1400" dirty="0">
-                                    <a:solidFill>
-                                      <a:schemeClr val="tx1"/>
-                                    </a:solidFill>
-                                  </a:endParaRPr>
-                                </a:p>
-                              </p:txBody>
-                            </p:sp>
-                            <p:cxnSp>
-                              <p:nvCxnSpPr>
-                                <p:cNvPr id="55" name="Соединительная линия уступом 54"/>
-                                <p:cNvCxnSpPr>
-                                  <a:stCxn id="52" idx="3"/>
-                                  <a:endCxn id="53" idx="1"/>
-                                </p:cNvCxnSpPr>
-                                <p:nvPr/>
-                              </p:nvCxnSpPr>
-                              <p:spPr>
-                                <a:xfrm flipV="1">
-                                  <a:off x="7216539" y="4135780"/>
-                                  <a:ext cx="1072117" cy="594069"/>
-                                </a:xfrm>
-                                <a:prstGeom prst="bentConnector3">
-                                  <a:avLst>
-                                    <a:gd name="adj1" fmla="val 50000"/>
-                                  </a:avLst>
-                                </a:prstGeom>
-                                <a:ln>
-                                  <a:tailEnd type="triangle"/>
-                                </a:ln>
-                              </p:spPr>
-                              <p:style>
-                                <a:lnRef idx="1">
-                                  <a:schemeClr val="accent1"/>
-                                </a:lnRef>
-                                <a:fillRef idx="0">
-                                  <a:schemeClr val="accent1"/>
-                                </a:fillRef>
-                                <a:effectRef idx="0">
-                                  <a:schemeClr val="accent1"/>
-                                </a:effectRef>
-                                <a:fontRef idx="minor">
-                                  <a:schemeClr val="tx1"/>
-                                </a:fontRef>
-                              </p:style>
-                            </p:cxnSp>
-                          </p:grpSp>
-                        </p:grpSp>
-                        <p:sp>
-                          <p:nvSpPr>
-                            <p:cNvPr id="50" name="TextBox 49"/>
-                            <p:cNvSpPr txBox="1"/>
-                            <p:nvPr/>
-                          </p:nvSpPr>
-                          <p:spPr>
-                            <a:xfrm>
-                              <a:off x="4612680" y="3038193"/>
-                              <a:ext cx="402546" cy="276999"/>
-                            </a:xfrm>
-                            <a:prstGeom prst="rect">
-                              <a:avLst/>
-                            </a:prstGeom>
-                            <a:noFill/>
-                          </p:spPr>
-                          <p:txBody>
-                            <a:bodyPr wrap="none" rtlCol="0">
-                              <a:spAutoFit/>
-                            </a:bodyPr>
-                            <a:lstStyle/>
-                            <a:p>
-                              <a:r>
-                                <a:rPr lang="en-US" sz="1200" dirty="0" smtClean="0"/>
-                                <a:t>Yes</a:t>
-                              </a:r>
-                              <a:endParaRPr lang="en-US" dirty="0"/>
-                            </a:p>
-                          </p:txBody>
-                        </p:sp>
-                        <p:sp>
-                          <p:nvSpPr>
-                            <p:cNvPr id="51" name="TextBox 50"/>
-                            <p:cNvSpPr txBox="1"/>
-                            <p:nvPr/>
-                          </p:nvSpPr>
-                          <p:spPr>
-                            <a:xfrm>
-                              <a:off x="4643609" y="4885465"/>
-                              <a:ext cx="365806" cy="276999"/>
-                            </a:xfrm>
-                            <a:prstGeom prst="rect">
-                              <a:avLst/>
-                            </a:prstGeom>
-                            <a:noFill/>
-                          </p:spPr>
-                          <p:txBody>
-                            <a:bodyPr wrap="none" rtlCol="0">
-                              <a:spAutoFit/>
-                            </a:bodyPr>
-                            <a:lstStyle/>
-                            <a:p>
-                              <a:r>
-                                <a:rPr lang="en-US" sz="1200" dirty="0" smtClean="0"/>
-                                <a:t>No</a:t>
-                              </a:r>
-                              <a:endParaRPr lang="en-US" dirty="0"/>
-                            </a:p>
-                          </p:txBody>
-                        </p:sp>
-                      </p:grpSp>
-                      <p:cxnSp>
-                        <p:nvCxnSpPr>
-                          <p:cNvPr id="62" name="Соединительная линия уступом 61"/>
-                          <p:cNvCxnSpPr>
-                            <a:stCxn id="53" idx="0"/>
-                            <a:endCxn id="8" idx="0"/>
-                          </p:cNvCxnSpPr>
-                          <p:nvPr/>
-                        </p:nvCxnSpPr>
-                        <p:spPr>
-                          <a:xfrm rot="16200000" flipV="1">
-                            <a:off x="5931253" y="-421473"/>
-                            <a:ext cx="1459591" cy="6950571"/>
-                          </a:xfrm>
-                          <a:prstGeom prst="bentConnector3">
-                            <a:avLst>
-                              <a:gd name="adj1" fmla="val 115662"/>
-                            </a:avLst>
-                          </a:prstGeom>
-                          <a:ln>
-                            <a:tailEnd type="triangle"/>
-                          </a:ln>
-                        </p:spPr>
-                        <p:style>
-                          <a:lnRef idx="1">
-                            <a:schemeClr val="accent1"/>
-                          </a:lnRef>
-                          <a:fillRef idx="0">
-                            <a:schemeClr val="accent1"/>
-                          </a:fillRef>
-                          <a:effectRef idx="0">
-                            <a:schemeClr val="accent1"/>
-                          </a:effectRef>
-                          <a:fontRef idx="minor">
-                            <a:schemeClr val="tx1"/>
-                          </a:fontRef>
-                        </p:style>
-                      </p:cxnSp>
-                    </p:grpSp>
-                  </p:grpSp>
-                  <p:sp>
-                    <p:nvSpPr>
-                      <p:cNvPr id="68" name="TextBox 67"/>
-                      <p:cNvSpPr txBox="1"/>
-                      <p:nvPr/>
-                    </p:nvSpPr>
-                    <p:spPr>
-                      <a:xfrm>
-                        <a:off x="7461102" y="4390012"/>
-                        <a:ext cx="402546" cy="276999"/>
-                      </a:xfrm>
-                      <a:prstGeom prst="rect">
-                        <a:avLst/>
-                      </a:prstGeom>
-                      <a:noFill/>
-                    </p:spPr>
-                    <p:txBody>
-                      <a:bodyPr wrap="none" rtlCol="0">
-                        <a:spAutoFit/>
-                      </a:bodyPr>
-                      <a:lstStyle/>
-                      <a:p>
-                        <a:r>
-                          <a:rPr lang="en-US" sz="1200" dirty="0" smtClean="0"/>
-                          <a:t>Yes</a:t>
-                        </a:r>
-                        <a:endParaRPr lang="en-US" dirty="0"/>
-                      </a:p>
-                    </p:txBody>
-                  </p:sp>
-                </p:grpSp>
-                <p:cxnSp>
-                  <p:nvCxnSpPr>
-                    <p:cNvPr id="71" name="Соединительная линия уступом 70"/>
-                    <p:cNvCxnSpPr>
-                      <a:stCxn id="52" idx="2"/>
-                      <a:endCxn id="31" idx="2"/>
-                    </p:cNvCxnSpPr>
-                    <p:nvPr/>
-                  </p:nvCxnSpPr>
-                  <p:spPr>
-                    <a:xfrm rot="5400000">
-                      <a:off x="4665688" y="3277525"/>
-                      <a:ext cx="441612" cy="4212621"/>
-                    </a:xfrm>
-                    <a:prstGeom prst="bentConnector3">
-                      <a:avLst>
-                        <a:gd name="adj1" fmla="val 151765"/>
-                      </a:avLst>
-                    </a:prstGeom>
-                    <a:ln>
-                      <a:tailEnd type="triangle"/>
-                    </a:ln>
-                  </p:spPr>
-                  <p:style>
-                    <a:lnRef idx="1">
-                      <a:schemeClr val="accent1"/>
-                    </a:lnRef>
-                    <a:fillRef idx="0">
-                      <a:schemeClr val="accent1"/>
-                    </a:fillRef>
-                    <a:effectRef idx="0">
-                      <a:schemeClr val="accent1"/>
-                    </a:effectRef>
-                    <a:fontRef idx="minor">
-                      <a:schemeClr val="tx1"/>
-                    </a:fontRef>
-                  </p:style>
-                </p:cxnSp>
-              </p:grpSp>
-              <p:sp>
-                <p:nvSpPr>
-                  <p:cNvPr id="77" name="TextBox 76"/>
-                  <p:cNvSpPr txBox="1"/>
-                  <p:nvPr/>
-                </p:nvSpPr>
-                <p:spPr>
-                  <a:xfrm>
-                    <a:off x="6618631" y="5340322"/>
-                    <a:ext cx="365806" cy="276999"/>
-                  </a:xfrm>
-                  <a:prstGeom prst="rect">
-                    <a:avLst/>
-                  </a:prstGeom>
-                  <a:noFill/>
-                </p:spPr>
-                <p:txBody>
-                  <a:bodyPr wrap="none" rtlCol="0">
-                    <a:spAutoFit/>
-                  </a:bodyPr>
-                  <a:lstStyle/>
-                  <a:p>
-                    <a:r>
-                      <a:rPr lang="en-US" sz="1200" dirty="0" smtClean="0"/>
-                      <a:t>No</a:t>
-                    </a:r>
-                    <a:endParaRPr lang="en-US" dirty="0"/>
-                  </a:p>
-                </p:txBody>
-              </p:sp>
-            </p:grpSp>
             <p:sp>
               <p:nvSpPr>
-                <p:cNvPr id="79" name="Овал 78"/>
+                <p:cNvPr id="103" name="Скругленный прямоугольник 102"/>
                 <p:cNvSpPr/>
                 <p:nvPr/>
               </p:nvSpPr>
               <p:spPr>
                 <a:xfrm>
-                  <a:off x="188061" y="1364226"/>
-                  <a:ext cx="343156" cy="265471"/>
+                  <a:off x="301251" y="1465834"/>
+                  <a:ext cx="1939413" cy="656303"/>
                 </a:xfrm>
-                <a:prstGeom prst="ellipse">
+                <a:prstGeom prst="roundRect">
                   <a:avLst/>
                 </a:prstGeom>
-                <a:solidFill>
-                  <a:srgbClr val="FFC000"/>
-                </a:solidFill>
-                <a:ln>
-                  <a:solidFill>
-                    <a:srgbClr val="FFC000"/>
-                  </a:solidFill>
-                </a:ln>
+                <a:noFill/>
               </p:spPr>
               <p:style>
                 <a:lnRef idx="2">
@@ -27298,390 +25677,1849 @@
                 <a:p>
                   <a:pPr algn="ctr"/>
                   <a:r>
-                    <a:rPr lang="en-US" sz="1400" dirty="0"/>
-                    <a:t>1</a:t>
+                    <a:rPr lang="en-US" sz="1400" dirty="0" smtClean="0">
+                      <a:solidFill>
+                        <a:schemeClr val="tx1"/>
+                      </a:solidFill>
+                    </a:rPr>
+                    <a:t>Create and clone a repository</a:t>
                   </a:r>
+                  <a:endParaRPr lang="en-US" sz="1400" dirty="0">
+                    <a:solidFill>
+                      <a:schemeClr val="tx1"/>
+                    </a:solidFill>
+                  </a:endParaRPr>
                 </a:p>
               </p:txBody>
             </p:sp>
-            <p:sp>
-              <p:nvSpPr>
-                <p:cNvPr id="85" name="Овал 84"/>
-                <p:cNvSpPr/>
+            <p:grpSp>
+              <p:nvGrpSpPr>
+                <p:cNvPr id="104" name="Группа 103"/>
+                <p:cNvGrpSpPr/>
                 <p:nvPr/>
-              </p:nvSpPr>
-              <p:spPr>
+              </p:nvGrpSpPr>
+              <p:grpSpPr>
                 <a:xfrm>
-                  <a:off x="1022467" y="3979025"/>
-                  <a:ext cx="343156" cy="265471"/>
+                  <a:off x="188061" y="1364226"/>
+                  <a:ext cx="11080461" cy="4470724"/>
+                  <a:chOff x="188061" y="1364226"/>
+                  <a:chExt cx="11080461" cy="4470724"/>
                 </a:xfrm>
-                <a:prstGeom prst="ellipse">
-                  <a:avLst/>
-                </a:prstGeom>
-                <a:solidFill>
-                  <a:srgbClr val="FFC000"/>
-                </a:solidFill>
-                <a:ln>
-                  <a:solidFill>
-                    <a:srgbClr val="FFC000"/>
-                  </a:solidFill>
-                </a:ln>
-              </p:spPr>
-              <p:style>
-                <a:lnRef idx="2">
-                  <a:schemeClr val="accent1">
-                    <a:shade val="50000"/>
-                  </a:schemeClr>
-                </a:lnRef>
-                <a:fillRef idx="1">
-                  <a:schemeClr val="accent1"/>
-                </a:fillRef>
-                <a:effectRef idx="0">
-                  <a:schemeClr val="accent1"/>
-                </a:effectRef>
-                <a:fontRef idx="minor">
-                  <a:schemeClr val="lt1"/>
-                </a:fontRef>
-              </p:style>
-              <p:txBody>
-                <a:bodyPr rtlCol="0" anchor="ctr"/>
-                <a:lstStyle/>
-                <a:p>
-                  <a:pPr algn="ctr"/>
-                  <a:r>
-                    <a:rPr lang="en-US" sz="1400" dirty="0" smtClean="0"/>
-                    <a:t>4</a:t>
-                  </a:r>
-                  <a:endParaRPr lang="en-US" sz="1400" dirty="0"/>
-                </a:p>
-              </p:txBody>
-            </p:sp>
-            <p:sp>
-              <p:nvSpPr>
-                <p:cNvPr id="86" name="Овал 85"/>
-                <p:cNvSpPr/>
-                <p:nvPr/>
-              </p:nvSpPr>
-              <p:spPr>
-                <a:xfrm>
-                  <a:off x="1002748" y="3075735"/>
-                  <a:ext cx="343156" cy="265471"/>
-                </a:xfrm>
-                <a:prstGeom prst="ellipse">
-                  <a:avLst/>
-                </a:prstGeom>
-                <a:solidFill>
-                  <a:srgbClr val="FFC000"/>
-                </a:solidFill>
-                <a:ln>
-                  <a:solidFill>
-                    <a:srgbClr val="FFC000"/>
-                  </a:solidFill>
-                </a:ln>
-              </p:spPr>
-              <p:style>
-                <a:lnRef idx="2">
-                  <a:schemeClr val="accent1">
-                    <a:shade val="50000"/>
-                  </a:schemeClr>
-                </a:lnRef>
-                <a:fillRef idx="1">
-                  <a:schemeClr val="accent1"/>
-                </a:fillRef>
-                <a:effectRef idx="0">
-                  <a:schemeClr val="accent1"/>
-                </a:effectRef>
-                <a:fontRef idx="minor">
-                  <a:schemeClr val="lt1"/>
-                </a:fontRef>
-              </p:style>
-              <p:txBody>
-                <a:bodyPr rtlCol="0" anchor="ctr"/>
-                <a:lstStyle/>
-                <a:p>
-                  <a:pPr algn="ctr"/>
-                  <a:r>
-                    <a:rPr lang="en-US" sz="1400" dirty="0" smtClean="0"/>
-                    <a:t>3</a:t>
-                  </a:r>
-                  <a:endParaRPr lang="en-US" sz="1400" dirty="0"/>
-                </a:p>
-              </p:txBody>
-            </p:sp>
-            <p:sp>
-              <p:nvSpPr>
-                <p:cNvPr id="87" name="Овал 86"/>
-                <p:cNvSpPr/>
-                <p:nvPr/>
-              </p:nvSpPr>
-              <p:spPr>
-                <a:xfrm>
-                  <a:off x="1621993" y="2179570"/>
-                  <a:ext cx="343156" cy="265471"/>
-                </a:xfrm>
-                <a:prstGeom prst="ellipse">
-                  <a:avLst/>
-                </a:prstGeom>
-                <a:solidFill>
-                  <a:srgbClr val="FFC000"/>
-                </a:solidFill>
-                <a:ln>
-                  <a:solidFill>
-                    <a:srgbClr val="FFC000"/>
-                  </a:solidFill>
-                </a:ln>
-              </p:spPr>
-              <p:style>
-                <a:lnRef idx="2">
-                  <a:schemeClr val="accent1">
-                    <a:shade val="50000"/>
-                  </a:schemeClr>
-                </a:lnRef>
-                <a:fillRef idx="1">
-                  <a:schemeClr val="accent1"/>
-                </a:fillRef>
-                <a:effectRef idx="0">
-                  <a:schemeClr val="accent1"/>
-                </a:effectRef>
-                <a:fontRef idx="minor">
-                  <a:schemeClr val="lt1"/>
-                </a:fontRef>
-              </p:style>
-              <p:txBody>
-                <a:bodyPr rtlCol="0" anchor="ctr"/>
-                <a:lstStyle/>
-                <a:p>
-                  <a:pPr algn="ctr"/>
-                  <a:r>
-                    <a:rPr lang="en-US" sz="1400" dirty="0" smtClean="0"/>
-                    <a:t>2</a:t>
-                  </a:r>
-                  <a:endParaRPr lang="en-US" sz="1400" dirty="0"/>
-                </a:p>
-              </p:txBody>
-            </p:sp>
-            <p:sp>
-              <p:nvSpPr>
-                <p:cNvPr id="88" name="Овал 87"/>
-                <p:cNvSpPr/>
-                <p:nvPr/>
-              </p:nvSpPr>
-              <p:spPr>
-                <a:xfrm>
-                  <a:off x="8370014" y="3650294"/>
-                  <a:ext cx="343156" cy="265471"/>
-                </a:xfrm>
-                <a:prstGeom prst="ellipse">
-                  <a:avLst/>
-                </a:prstGeom>
-                <a:solidFill>
-                  <a:srgbClr val="FFC000"/>
-                </a:solidFill>
-                <a:ln>
-                  <a:solidFill>
-                    <a:srgbClr val="FFC000"/>
-                  </a:solidFill>
-                </a:ln>
-              </p:spPr>
-              <p:style>
-                <a:lnRef idx="2">
-                  <a:schemeClr val="accent1">
-                    <a:shade val="50000"/>
-                  </a:schemeClr>
-                </a:lnRef>
-                <a:fillRef idx="1">
-                  <a:schemeClr val="accent1"/>
-                </a:fillRef>
-                <a:effectRef idx="0">
-                  <a:schemeClr val="accent1"/>
-                </a:effectRef>
-                <a:fontRef idx="minor">
-                  <a:schemeClr val="lt1"/>
-                </a:fontRef>
-              </p:style>
-              <p:txBody>
-                <a:bodyPr rtlCol="0" anchor="ctr"/>
-                <a:lstStyle/>
-                <a:p>
-                  <a:pPr algn="ctr"/>
-                  <a:r>
-                    <a:rPr lang="en-US" sz="1400" dirty="0" smtClean="0"/>
-                    <a:t>8</a:t>
-                  </a:r>
-                  <a:endParaRPr lang="en-US" sz="1400" dirty="0"/>
-                </a:p>
-              </p:txBody>
-            </p:sp>
-            <p:sp>
-              <p:nvSpPr>
-                <p:cNvPr id="89" name="Овал 88"/>
-                <p:cNvSpPr/>
-                <p:nvPr/>
-              </p:nvSpPr>
-              <p:spPr>
-                <a:xfrm>
-                  <a:off x="5851746" y="3087106"/>
-                  <a:ext cx="343156" cy="265471"/>
-                </a:xfrm>
-                <a:prstGeom prst="ellipse">
-                  <a:avLst/>
-                </a:prstGeom>
-                <a:solidFill>
-                  <a:srgbClr val="FFC000"/>
-                </a:solidFill>
-                <a:ln>
-                  <a:solidFill>
-                    <a:srgbClr val="FFC000"/>
-                  </a:solidFill>
-                </a:ln>
-              </p:spPr>
-              <p:style>
-                <a:lnRef idx="2">
-                  <a:schemeClr val="accent1">
-                    <a:shade val="50000"/>
-                  </a:schemeClr>
-                </a:lnRef>
-                <a:fillRef idx="1">
-                  <a:schemeClr val="accent1"/>
-                </a:fillRef>
-                <a:effectRef idx="0">
-                  <a:schemeClr val="accent1"/>
-                </a:effectRef>
-                <a:fontRef idx="minor">
-                  <a:schemeClr val="lt1"/>
-                </a:fontRef>
-              </p:style>
-              <p:txBody>
-                <a:bodyPr rtlCol="0" anchor="ctr"/>
-                <a:lstStyle/>
-                <a:p>
-                  <a:pPr algn="ctr"/>
-                  <a:r>
-                    <a:rPr lang="en-US" sz="1400" dirty="0" smtClean="0"/>
-                    <a:t>7</a:t>
-                  </a:r>
-                  <a:endParaRPr lang="en-US" sz="1400" dirty="0"/>
-                </a:p>
-              </p:txBody>
-            </p:sp>
-            <p:sp>
-              <p:nvSpPr>
-                <p:cNvPr id="90" name="Овал 89"/>
-                <p:cNvSpPr/>
-                <p:nvPr/>
-              </p:nvSpPr>
-              <p:spPr>
-                <a:xfrm>
-                  <a:off x="5844148" y="2224677"/>
-                  <a:ext cx="343156" cy="265471"/>
-                </a:xfrm>
-                <a:prstGeom prst="ellipse">
-                  <a:avLst/>
-                </a:prstGeom>
-                <a:solidFill>
-                  <a:srgbClr val="FFC000"/>
-                </a:solidFill>
-                <a:ln>
-                  <a:solidFill>
-                    <a:srgbClr val="FFC000"/>
-                  </a:solidFill>
-                </a:ln>
-              </p:spPr>
-              <p:style>
-                <a:lnRef idx="2">
-                  <a:schemeClr val="accent1">
-                    <a:shade val="50000"/>
-                  </a:schemeClr>
-                </a:lnRef>
-                <a:fillRef idx="1">
-                  <a:schemeClr val="accent1"/>
-                </a:fillRef>
-                <a:effectRef idx="0">
-                  <a:schemeClr val="accent1"/>
-                </a:effectRef>
-                <a:fontRef idx="minor">
-                  <a:schemeClr val="lt1"/>
-                </a:fontRef>
-              </p:style>
-              <p:txBody>
-                <a:bodyPr rtlCol="0" anchor="ctr"/>
-                <a:lstStyle/>
-                <a:p>
-                  <a:pPr algn="ctr"/>
-                  <a:r>
-                    <a:rPr lang="en-US" sz="1400" dirty="0" smtClean="0"/>
-                    <a:t>6</a:t>
-                  </a:r>
-                  <a:endParaRPr lang="en-US" sz="1400" dirty="0"/>
-                </a:p>
-              </p:txBody>
-            </p:sp>
-            <p:sp>
-              <p:nvSpPr>
-                <p:cNvPr id="91" name="Овал 90"/>
-                <p:cNvSpPr/>
-                <p:nvPr/>
-              </p:nvSpPr>
-              <p:spPr>
-                <a:xfrm>
-                  <a:off x="1621993" y="4828918"/>
-                  <a:ext cx="343156" cy="265471"/>
-                </a:xfrm>
-                <a:prstGeom prst="ellipse">
-                  <a:avLst/>
-                </a:prstGeom>
-                <a:solidFill>
-                  <a:srgbClr val="FFC000"/>
-                </a:solidFill>
-                <a:ln>
-                  <a:solidFill>
-                    <a:srgbClr val="FFC000"/>
-                  </a:solidFill>
-                </a:ln>
-              </p:spPr>
-              <p:style>
-                <a:lnRef idx="2">
-                  <a:schemeClr val="accent1">
-                    <a:shade val="50000"/>
-                  </a:schemeClr>
-                </a:lnRef>
-                <a:fillRef idx="1">
-                  <a:schemeClr val="accent1"/>
-                </a:fillRef>
-                <a:effectRef idx="0">
-                  <a:schemeClr val="accent1"/>
-                </a:effectRef>
-                <a:fontRef idx="minor">
-                  <a:schemeClr val="lt1"/>
-                </a:fontRef>
-              </p:style>
-              <p:txBody>
-                <a:bodyPr rtlCol="0" anchor="ctr"/>
-                <a:lstStyle/>
-                <a:p>
-                  <a:pPr algn="ctr"/>
-                  <a:r>
-                    <a:rPr lang="en-US" sz="1400" dirty="0" smtClean="0"/>
-                    <a:t>5</a:t>
-                  </a:r>
-                  <a:endParaRPr lang="en-US" sz="1400" dirty="0"/>
-                </a:p>
-              </p:txBody>
-            </p:sp>
+              </p:grpSpPr>
+              <p:grpSp>
+                <p:nvGrpSpPr>
+                  <p:cNvPr id="105" name="Группа 104"/>
+                  <p:cNvGrpSpPr/>
+                  <p:nvPr/>
+                </p:nvGrpSpPr>
+                <p:grpSpPr>
+                  <a:xfrm>
+                    <a:off x="188061" y="1364226"/>
+                    <a:ext cx="11080461" cy="4470724"/>
+                    <a:chOff x="188061" y="1364226"/>
+                    <a:chExt cx="11080461" cy="4470724"/>
+                  </a:xfrm>
+                </p:grpSpPr>
+                <p:grpSp>
+                  <p:nvGrpSpPr>
+                    <p:cNvPr id="107" name="Группа 106"/>
+                    <p:cNvGrpSpPr/>
+                    <p:nvPr/>
+                  </p:nvGrpSpPr>
+                  <p:grpSpPr>
+                    <a:xfrm>
+                      <a:off x="1188666" y="1995865"/>
+                      <a:ext cx="10079856" cy="3839085"/>
+                      <a:chOff x="1188666" y="1995865"/>
+                      <a:chExt cx="10079856" cy="3839085"/>
+                    </a:xfrm>
+                  </p:grpSpPr>
+                  <p:grpSp>
+                    <p:nvGrpSpPr>
+                      <p:cNvPr id="116" name="Группа 115"/>
+                      <p:cNvGrpSpPr/>
+                      <p:nvPr/>
+                    </p:nvGrpSpPr>
+                    <p:grpSpPr>
+                      <a:xfrm>
+                        <a:off x="1188666" y="1995865"/>
+                        <a:ext cx="10079856" cy="3608776"/>
+                        <a:chOff x="1196040" y="1995865"/>
+                        <a:chExt cx="10079856" cy="3608776"/>
+                      </a:xfrm>
+                    </p:grpSpPr>
+                    <p:grpSp>
+                      <p:nvGrpSpPr>
+                        <p:cNvPr id="118" name="Группа 117"/>
+                        <p:cNvGrpSpPr/>
+                        <p:nvPr/>
+                      </p:nvGrpSpPr>
+                      <p:grpSpPr>
+                        <a:xfrm>
+                          <a:off x="1196040" y="1995865"/>
+                          <a:ext cx="10079856" cy="3608776"/>
+                          <a:chOff x="1196040" y="1995865"/>
+                          <a:chExt cx="10079856" cy="3608776"/>
+                        </a:xfrm>
+                      </p:grpSpPr>
+                      <p:grpSp>
+                        <p:nvGrpSpPr>
+                          <p:cNvPr id="120" name="Группа 119"/>
+                          <p:cNvGrpSpPr/>
+                          <p:nvPr/>
+                        </p:nvGrpSpPr>
+                        <p:grpSpPr>
+                          <a:xfrm>
+                            <a:off x="1196040" y="1995865"/>
+                            <a:ext cx="10079856" cy="3608776"/>
+                            <a:chOff x="1601620" y="1995865"/>
+                            <a:chExt cx="10079856" cy="3608776"/>
+                          </a:xfrm>
+                        </p:grpSpPr>
+                        <p:cxnSp>
+                          <p:nvCxnSpPr>
+                            <p:cNvPr id="122" name="Соединительная линия уступом 121"/>
+                            <p:cNvCxnSpPr>
+                              <a:stCxn id="103" idx="2"/>
+                              <a:endCxn id="131" idx="1"/>
+                            </p:cNvCxnSpPr>
+                            <p:nvPr/>
+                          </p:nvCxnSpPr>
+                          <p:spPr>
+                            <a:xfrm rot="16200000" flipH="1">
+                              <a:off x="1558053" y="2247996"/>
+                              <a:ext cx="530032" cy="278314"/>
+                            </a:xfrm>
+                            <a:prstGeom prst="bentConnector2">
+                              <a:avLst/>
+                            </a:prstGeom>
+                            <a:ln>
+                              <a:tailEnd type="triangle"/>
+                            </a:ln>
+                          </p:spPr>
+                          <p:style>
+                            <a:lnRef idx="1">
+                              <a:schemeClr val="accent1"/>
+                            </a:lnRef>
+                            <a:fillRef idx="0">
+                              <a:schemeClr val="accent1"/>
+                            </a:fillRef>
+                            <a:effectRef idx="0">
+                              <a:schemeClr val="accent1"/>
+                            </a:effectRef>
+                            <a:fontRef idx="minor">
+                              <a:schemeClr val="tx1"/>
+                            </a:fontRef>
+                          </p:style>
+                        </p:cxnSp>
+                        <p:grpSp>
+                          <p:nvGrpSpPr>
+                            <p:cNvPr id="123" name="Группа 122"/>
+                            <p:cNvGrpSpPr/>
+                            <p:nvPr/>
+                          </p:nvGrpSpPr>
+                          <p:grpSpPr>
+                            <a:xfrm>
+                              <a:off x="1601620" y="1995865"/>
+                              <a:ext cx="10079856" cy="3608776"/>
+                              <a:chOff x="1601620" y="1995865"/>
+                              <a:chExt cx="10079856" cy="3608776"/>
+                            </a:xfrm>
+                          </p:grpSpPr>
+                          <p:grpSp>
+                            <p:nvGrpSpPr>
+                              <p:cNvPr id="124" name="Группа 123"/>
+                              <p:cNvGrpSpPr/>
+                              <p:nvPr/>
+                            </p:nvGrpSpPr>
+                            <p:grpSpPr>
+                              <a:xfrm>
+                                <a:off x="1601620" y="1995865"/>
+                                <a:ext cx="10079856" cy="3608776"/>
+                                <a:chOff x="962575" y="2019885"/>
+                                <a:chExt cx="10079856" cy="3608776"/>
+                              </a:xfrm>
+                            </p:grpSpPr>
+                            <p:grpSp>
+                              <p:nvGrpSpPr>
+                                <p:cNvPr id="126" name="Группа 125"/>
+                                <p:cNvGrpSpPr/>
+                                <p:nvPr/>
+                              </p:nvGrpSpPr>
+                              <p:grpSpPr>
+                                <a:xfrm>
+                                  <a:off x="962575" y="2019885"/>
+                                  <a:ext cx="10079856" cy="3608776"/>
+                                  <a:chOff x="962575" y="2019885"/>
+                                  <a:chExt cx="10079856" cy="3608776"/>
+                                </a:xfrm>
+                              </p:grpSpPr>
+                              <p:cxnSp>
+                                <p:nvCxnSpPr>
+                                  <p:cNvPr id="129" name="Соединительная линия уступом 128"/>
+                                  <p:cNvCxnSpPr>
+                                    <a:stCxn id="138" idx="2"/>
+                                    <a:endCxn id="136" idx="2"/>
+                                  </p:cNvCxnSpPr>
+                                  <p:nvPr/>
+                                </p:nvCxnSpPr>
+                                <p:spPr>
+                                  <a:xfrm rot="5400000">
+                                    <a:off x="3393589" y="3792009"/>
+                                    <a:ext cx="989781" cy="2683522"/>
+                                  </a:xfrm>
+                                  <a:prstGeom prst="bentConnector3">
+                                    <a:avLst>
+                                      <a:gd name="adj1" fmla="val 123096"/>
+                                    </a:avLst>
+                                  </a:prstGeom>
+                                  <a:ln>
+                                    <a:tailEnd type="triangle"/>
+                                  </a:ln>
+                                </p:spPr>
+                                <p:style>
+                                  <a:lnRef idx="1">
+                                    <a:schemeClr val="accent1"/>
+                                  </a:lnRef>
+                                  <a:fillRef idx="0">
+                                    <a:schemeClr val="accent1"/>
+                                  </a:fillRef>
+                                  <a:effectRef idx="0">
+                                    <a:schemeClr val="accent1"/>
+                                  </a:effectRef>
+                                  <a:fontRef idx="minor">
+                                    <a:schemeClr val="tx1"/>
+                                  </a:fontRef>
+                                </p:style>
+                              </p:cxnSp>
+                              <p:grpSp>
+                                <p:nvGrpSpPr>
+                                  <p:cNvPr id="130" name="Группа 129"/>
+                                  <p:cNvGrpSpPr/>
+                                  <p:nvPr/>
+                                </p:nvGrpSpPr>
+                                <p:grpSpPr>
+                                  <a:xfrm>
+                                    <a:off x="962575" y="2019885"/>
+                                    <a:ext cx="10079856" cy="3608776"/>
+                                    <a:chOff x="962575" y="2019885"/>
+                                    <a:chExt cx="10079856" cy="3608776"/>
+                                  </a:xfrm>
+                                </p:grpSpPr>
+                                <p:sp>
+                                  <p:nvSpPr>
+                                    <p:cNvPr id="131" name="Прямоугольник 130"/>
+                                    <p:cNvSpPr/>
+                                    <p:nvPr/>
+                                  </p:nvSpPr>
+                                  <p:spPr>
+                                    <a:xfrm>
+                                      <a:off x="1323181" y="2348037"/>
+                                      <a:ext cx="2443161" cy="656303"/>
+                                    </a:xfrm>
+                                    <a:prstGeom prst="rect">
+                                      <a:avLst/>
+                                    </a:prstGeom>
+                                    <a:noFill/>
+                                  </p:spPr>
+                                  <p:style>
+                                    <a:lnRef idx="2">
+                                      <a:schemeClr val="accent1">
+                                        <a:shade val="50000"/>
+                                      </a:schemeClr>
+                                    </a:lnRef>
+                                    <a:fillRef idx="1">
+                                      <a:schemeClr val="accent1"/>
+                                    </a:fillRef>
+                                    <a:effectRef idx="0">
+                                      <a:schemeClr val="accent1"/>
+                                    </a:effectRef>
+                                    <a:fontRef idx="minor">
+                                      <a:schemeClr val="lt1"/>
+                                    </a:fontRef>
+                                  </p:style>
+                                  <p:txBody>
+                                    <a:bodyPr rtlCol="0" anchor="ctr"/>
+                                    <a:lstStyle/>
+                                    <a:p>
+                                      <a:pPr algn="ctr"/>
+                                      <a:r>
+                                        <a:rPr lang="en-US" sz="1400" dirty="0">
+                                          <a:solidFill>
+                                            <a:schemeClr val="tx1"/>
+                                          </a:solidFill>
+                                        </a:rPr>
+                                        <a:t>Check out </a:t>
+                                      </a:r>
+                                      <a:r>
+                                        <a:rPr lang="en-US" sz="1400" dirty="0" smtClean="0">
+                                          <a:solidFill>
+                                            <a:schemeClr val="tx1"/>
+                                          </a:solidFill>
+                                        </a:rPr>
+                                        <a:t>to local main branch </a:t>
+                                      </a:r>
+                                      <a:r>
+                                        <a:rPr lang="en-US" sz="1400" b="1" dirty="0" smtClean="0">
+                                          <a:solidFill>
+                                            <a:schemeClr val="tx1"/>
+                                          </a:solidFill>
+                                        </a:rPr>
+                                        <a:t>$ </a:t>
+                                      </a:r>
+                                      <a:r>
+                                        <a:rPr lang="en-US" sz="1400" b="1" dirty="0" err="1" smtClean="0">
+                                          <a:solidFill>
+                                            <a:schemeClr val="tx1"/>
+                                          </a:solidFill>
+                                        </a:rPr>
+                                        <a:t>git</a:t>
+                                      </a:r>
+                                      <a:r>
+                                        <a:rPr lang="en-US" sz="1400" b="1" dirty="0" smtClean="0">
+                                          <a:solidFill>
+                                            <a:schemeClr val="tx1"/>
+                                          </a:solidFill>
+                                        </a:rPr>
+                                        <a:t> checkout </a:t>
+                                      </a:r>
+                                      <a:r>
+                                        <a:rPr lang="en-US" sz="1400" b="1" dirty="0" smtClean="0">
+                                          <a:solidFill>
+                                            <a:schemeClr val="tx1"/>
+                                          </a:solidFill>
+                                        </a:rPr>
+                                        <a:t>main</a:t>
+                                      </a:r>
+                                      <a:endParaRPr lang="en-US" sz="1400" b="1" dirty="0">
+                                        <a:solidFill>
+                                          <a:schemeClr val="tx1"/>
+                                        </a:solidFill>
+                                      </a:endParaRPr>
+                                    </a:p>
+                                  </p:txBody>
+                                </p:sp>
+                                <p:sp>
+                                  <p:nvSpPr>
+                                    <p:cNvPr id="132" name="Прямоугольник 131"/>
+                                    <p:cNvSpPr/>
+                                    <p:nvPr/>
+                                  </p:nvSpPr>
+                                  <p:spPr>
+                                    <a:xfrm>
+                                      <a:off x="962575" y="3219520"/>
+                                      <a:ext cx="3168284" cy="656303"/>
+                                    </a:xfrm>
+                                    <a:prstGeom prst="rect">
+                                      <a:avLst/>
+                                    </a:prstGeom>
+                                    <a:noFill/>
+                                  </p:spPr>
+                                  <p:style>
+                                    <a:lnRef idx="2">
+                                      <a:schemeClr val="accent1">
+                                        <a:shade val="50000"/>
+                                      </a:schemeClr>
+                                    </a:lnRef>
+                                    <a:fillRef idx="1">
+                                      <a:schemeClr val="accent1"/>
+                                    </a:fillRef>
+                                    <a:effectRef idx="0">
+                                      <a:schemeClr val="accent1"/>
+                                    </a:effectRef>
+                                    <a:fontRef idx="minor">
+                                      <a:schemeClr val="lt1"/>
+                                    </a:fontRef>
+                                  </p:style>
+                                  <p:txBody>
+                                    <a:bodyPr rtlCol="0" anchor="ctr"/>
+                                    <a:lstStyle/>
+                                    <a:p>
+                                      <a:pPr algn="ctr"/>
+                                      <a:r>
+                                        <a:rPr lang="en-US" sz="1400" dirty="0">
+                                          <a:solidFill>
+                                            <a:schemeClr val="tx1"/>
+                                          </a:solidFill>
+                                        </a:rPr>
+                                        <a:t>Pull changes from remote </a:t>
+                                      </a:r>
+                                      <a:r>
+                                        <a:rPr lang="en-US" sz="1400" dirty="0" smtClean="0">
+                                          <a:solidFill>
+                                            <a:schemeClr val="tx1"/>
+                                          </a:solidFill>
+                                        </a:rPr>
+                                        <a:t>main</a:t>
+                                      </a:r>
+                                    </a:p>
+                                    <a:p>
+                                      <a:pPr algn="ctr"/>
+                                      <a:r>
+                                        <a:rPr lang="en-US" sz="1400" b="1" dirty="0" smtClean="0">
+                                          <a:solidFill>
+                                            <a:schemeClr val="tx1"/>
+                                          </a:solidFill>
+                                        </a:rPr>
+                                        <a:t>$ </a:t>
+                                      </a:r>
+                                      <a:r>
+                                        <a:rPr lang="en-US" sz="1400" b="1" dirty="0" err="1">
+                                          <a:solidFill>
+                                            <a:schemeClr val="tx1"/>
+                                          </a:solidFill>
+                                        </a:rPr>
+                                        <a:t>git</a:t>
+                                      </a:r>
+                                      <a:r>
+                                        <a:rPr lang="en-US" sz="1400" b="1" dirty="0">
+                                          <a:solidFill>
+                                            <a:schemeClr val="tx1"/>
+                                          </a:solidFill>
+                                        </a:rPr>
+                                        <a:t> </a:t>
+                                      </a:r>
+                                      <a:r>
+                                        <a:rPr lang="en-US" sz="1400" b="1" dirty="0" smtClean="0">
+                                          <a:solidFill>
+                                            <a:schemeClr val="tx1"/>
+                                          </a:solidFill>
+                                        </a:rPr>
+                                        <a:t>pull</a:t>
+                                      </a:r>
+                                      <a:endParaRPr lang="en-US" sz="1400" b="1" dirty="0">
+                                        <a:solidFill>
+                                          <a:schemeClr val="tx1"/>
+                                        </a:solidFill>
+                                      </a:endParaRPr>
+                                    </a:p>
+                                  </p:txBody>
+                                </p:sp>
+                                <p:sp>
+                                  <p:nvSpPr>
+                                    <p:cNvPr id="133" name="Прямоугольник 132"/>
+                                    <p:cNvSpPr/>
+                                    <p:nvPr/>
+                                  </p:nvSpPr>
+                                  <p:spPr>
+                                    <a:xfrm>
+                                      <a:off x="962577" y="4095939"/>
+                                      <a:ext cx="3168282" cy="656303"/>
+                                    </a:xfrm>
+                                    <a:prstGeom prst="rect">
+                                      <a:avLst/>
+                                    </a:prstGeom>
+                                    <a:noFill/>
+                                  </p:spPr>
+                                  <p:style>
+                                    <a:lnRef idx="2">
+                                      <a:schemeClr val="accent1">
+                                        <a:shade val="50000"/>
+                                      </a:schemeClr>
+                                    </a:lnRef>
+                                    <a:fillRef idx="1">
+                                      <a:schemeClr val="accent1"/>
+                                    </a:fillRef>
+                                    <a:effectRef idx="0">
+                                      <a:schemeClr val="accent1"/>
+                                    </a:effectRef>
+                                    <a:fontRef idx="minor">
+                                      <a:schemeClr val="lt1"/>
+                                    </a:fontRef>
+                                  </p:style>
+                                  <p:txBody>
+                                    <a:bodyPr rtlCol="0" anchor="ctr"/>
+                                    <a:lstStyle/>
+                                    <a:p>
+                                      <a:pPr algn="ctr"/>
+                                      <a:r>
+                                        <a:rPr lang="en-US" sz="1400" dirty="0">
+                                          <a:solidFill>
+                                            <a:schemeClr val="tx1"/>
+                                          </a:solidFill>
+                                        </a:rPr>
+                                        <a:t>Create working </a:t>
+                                      </a:r>
+                                      <a:r>
+                                        <a:rPr lang="en-US" sz="1400" dirty="0" smtClean="0">
+                                          <a:solidFill>
+                                            <a:schemeClr val="tx1"/>
+                                          </a:solidFill>
+                                        </a:rPr>
+                                        <a:t>branch</a:t>
+                                      </a:r>
+                                    </a:p>
+                                    <a:p>
+                                      <a:pPr algn="ctr"/>
+                                      <a:r>
+                                        <a:rPr lang="en-US" sz="1400" b="1" dirty="0" smtClean="0">
+                                          <a:solidFill>
+                                            <a:schemeClr val="tx1"/>
+                                          </a:solidFill>
+                                        </a:rPr>
+                                        <a:t>$ </a:t>
+                                      </a:r>
+                                      <a:r>
+                                        <a:rPr lang="en-US" sz="1400" b="1" dirty="0" err="1">
+                                          <a:solidFill>
+                                            <a:schemeClr val="tx1"/>
+                                          </a:solidFill>
+                                        </a:rPr>
+                                        <a:t>git</a:t>
+                                      </a:r>
+                                      <a:r>
+                                        <a:rPr lang="en-US" sz="1400" b="1" dirty="0">
+                                          <a:solidFill>
+                                            <a:schemeClr val="tx1"/>
+                                          </a:solidFill>
+                                        </a:rPr>
+                                        <a:t> checkout -b &lt;branch-name</a:t>
+                                      </a:r>
+                                      <a:r>
+                                        <a:rPr lang="en-US" sz="1400" b="1" dirty="0" smtClean="0">
+                                          <a:solidFill>
+                                            <a:schemeClr val="tx1"/>
+                                          </a:solidFill>
+                                        </a:rPr>
+                                        <a:t>&gt;</a:t>
+                                      </a:r>
+                                      <a:endParaRPr lang="en-US" sz="1400" b="1" dirty="0">
+                                        <a:solidFill>
+                                          <a:schemeClr val="tx1"/>
+                                        </a:solidFill>
+                                      </a:endParaRPr>
+                                    </a:p>
+                                  </p:txBody>
+                                </p:sp>
+                                <p:cxnSp>
+                                  <p:nvCxnSpPr>
+                                    <p:cNvPr id="134" name="Прямая со стрелкой 133"/>
+                                    <p:cNvCxnSpPr>
+                                      <a:stCxn id="131" idx="2"/>
+                                      <a:endCxn id="132" idx="0"/>
+                                    </p:cNvCxnSpPr>
+                                    <p:nvPr/>
+                                  </p:nvCxnSpPr>
+                                  <p:spPr>
+                                    <a:xfrm>
+                                      <a:off x="2544762" y="3004340"/>
+                                      <a:ext cx="1955" cy="215180"/>
+                                    </a:xfrm>
+                                    <a:prstGeom prst="straightConnector1">
+                                      <a:avLst/>
+                                    </a:prstGeom>
+                                    <a:ln>
+                                      <a:tailEnd type="triangle"/>
+                                    </a:ln>
+                                  </p:spPr>
+                                  <p:style>
+                                    <a:lnRef idx="1">
+                                      <a:schemeClr val="accent1"/>
+                                    </a:lnRef>
+                                    <a:fillRef idx="0">
+                                      <a:schemeClr val="accent1"/>
+                                    </a:fillRef>
+                                    <a:effectRef idx="0">
+                                      <a:schemeClr val="accent1"/>
+                                    </a:effectRef>
+                                    <a:fontRef idx="minor">
+                                      <a:schemeClr val="tx1"/>
+                                    </a:fontRef>
+                                  </p:style>
+                                </p:cxnSp>
+                                <p:cxnSp>
+                                  <p:nvCxnSpPr>
+                                    <p:cNvPr id="135" name="Прямая со стрелкой 134"/>
+                                    <p:cNvCxnSpPr>
+                                      <a:stCxn id="132" idx="2"/>
+                                      <a:endCxn id="133" idx="0"/>
+                                    </p:cNvCxnSpPr>
+                                    <p:nvPr/>
+                                  </p:nvCxnSpPr>
+                                  <p:spPr>
+                                    <a:xfrm>
+                                      <a:off x="2546717" y="3875823"/>
+                                      <a:ext cx="1" cy="220116"/>
+                                    </a:xfrm>
+                                    <a:prstGeom prst="straightConnector1">
+                                      <a:avLst/>
+                                    </a:prstGeom>
+                                    <a:ln>
+                                      <a:tailEnd type="triangle"/>
+                                    </a:ln>
+                                  </p:spPr>
+                                  <p:style>
+                                    <a:lnRef idx="1">
+                                      <a:schemeClr val="accent1"/>
+                                    </a:lnRef>
+                                    <a:fillRef idx="0">
+                                      <a:schemeClr val="accent1"/>
+                                    </a:fillRef>
+                                    <a:effectRef idx="0">
+                                      <a:schemeClr val="accent1"/>
+                                    </a:effectRef>
+                                    <a:fontRef idx="minor">
+                                      <a:schemeClr val="tx1"/>
+                                    </a:fontRef>
+                                  </p:style>
+                                </p:cxnSp>
+                                <p:sp>
+                                  <p:nvSpPr>
+                                    <p:cNvPr id="136" name="Прямоугольник 135"/>
+                                    <p:cNvSpPr/>
+                                    <p:nvPr/>
+                                  </p:nvSpPr>
+                                  <p:spPr>
+                                    <a:xfrm>
+                                      <a:off x="1577011" y="4972358"/>
+                                      <a:ext cx="1939413" cy="656303"/>
+                                    </a:xfrm>
+                                    <a:prstGeom prst="rect">
+                                      <a:avLst/>
+                                    </a:prstGeom>
+                                    <a:noFill/>
+                                  </p:spPr>
+                                  <p:style>
+                                    <a:lnRef idx="2">
+                                      <a:schemeClr val="accent1">
+                                        <a:shade val="50000"/>
+                                      </a:schemeClr>
+                                    </a:lnRef>
+                                    <a:fillRef idx="1">
+                                      <a:schemeClr val="accent1"/>
+                                    </a:fillRef>
+                                    <a:effectRef idx="0">
+                                      <a:schemeClr val="accent1"/>
+                                    </a:effectRef>
+                                    <a:fontRef idx="minor">
+                                      <a:schemeClr val="lt1"/>
+                                    </a:fontRef>
+                                  </p:style>
+                                  <p:txBody>
+                                    <a:bodyPr rtlCol="0" anchor="ctr"/>
+                                    <a:lstStyle/>
+                                    <a:p>
+                                      <a:pPr algn="ctr"/>
+                                      <a:r>
+                                        <a:rPr lang="en-US" sz="1400" dirty="0">
+                                          <a:solidFill>
+                                            <a:schemeClr val="tx1"/>
+                                          </a:solidFill>
+                                        </a:rPr>
+                                        <a:t>Create or update files on </a:t>
+                                      </a:r>
+                                      <a:r>
+                                        <a:rPr lang="en-US" sz="1400" dirty="0" smtClean="0">
+                                          <a:solidFill>
+                                            <a:schemeClr val="tx1"/>
+                                          </a:solidFill>
+                                        </a:rPr>
+                                        <a:t>working</a:t>
+                                      </a:r>
+                                      <a:r>
+                                        <a:rPr lang="en-US" sz="1400" dirty="0" smtClean="0">
+                                          <a:solidFill>
+                                            <a:schemeClr val="tx1"/>
+                                          </a:solidFill>
+                                        </a:rPr>
+                                        <a:t> </a:t>
+                                      </a:r>
+                                      <a:r>
+                                        <a:rPr lang="en-US" sz="1400" dirty="0">
+                                          <a:solidFill>
+                                            <a:schemeClr val="tx1"/>
+                                          </a:solidFill>
+                                        </a:rPr>
+                                        <a:t>branch</a:t>
+                                      </a:r>
+                                    </a:p>
+                                  </p:txBody>
+                                </p:sp>
+                                <p:cxnSp>
+                                  <p:nvCxnSpPr>
+                                    <p:cNvPr id="137" name="Прямая со стрелкой 136"/>
+                                    <p:cNvCxnSpPr>
+                                      <a:stCxn id="133" idx="2"/>
+                                      <a:endCxn id="136" idx="0"/>
+                                    </p:cNvCxnSpPr>
+                                    <p:nvPr/>
+                                  </p:nvCxnSpPr>
+                                  <p:spPr>
+                                    <a:xfrm>
+                                      <a:off x="2546718" y="4752242"/>
+                                      <a:ext cx="0" cy="220116"/>
+                                    </a:xfrm>
+                                    <a:prstGeom prst="straightConnector1">
+                                      <a:avLst/>
+                                    </a:prstGeom>
+                                    <a:ln>
+                                      <a:tailEnd type="triangle"/>
+                                    </a:ln>
+                                  </p:spPr>
+                                  <p:style>
+                                    <a:lnRef idx="1">
+                                      <a:schemeClr val="accent1"/>
+                                    </a:lnRef>
+                                    <a:fillRef idx="0">
+                                      <a:schemeClr val="accent1"/>
+                                    </a:fillRef>
+                                    <a:effectRef idx="0">
+                                      <a:schemeClr val="accent1"/>
+                                    </a:effectRef>
+                                    <a:fontRef idx="minor">
+                                      <a:schemeClr val="tx1"/>
+                                    </a:fontRef>
+                                  </p:style>
+                                </p:cxnSp>
+                                <p:sp>
+                                  <p:nvSpPr>
+                                    <p:cNvPr id="138" name="Ромб 137"/>
+                                    <p:cNvSpPr/>
+                                    <p:nvPr/>
+                                  </p:nvSpPr>
+                                  <p:spPr>
+                                    <a:xfrm>
+                                      <a:off x="4773040" y="3724480"/>
+                                      <a:ext cx="914400" cy="914400"/>
+                                    </a:xfrm>
+                                    <a:prstGeom prst="diamond">
+                                      <a:avLst/>
+                                    </a:prstGeom>
+                                    <a:noFill/>
+                                  </p:spPr>
+                                  <p:style>
+                                    <a:lnRef idx="2">
+                                      <a:schemeClr val="accent1">
+                                        <a:shade val="50000"/>
+                                      </a:schemeClr>
+                                    </a:lnRef>
+                                    <a:fillRef idx="1">
+                                      <a:schemeClr val="accent1"/>
+                                    </a:fillRef>
+                                    <a:effectRef idx="0">
+                                      <a:schemeClr val="accent1"/>
+                                    </a:effectRef>
+                                    <a:fontRef idx="minor">
+                                      <a:schemeClr val="lt1"/>
+                                    </a:fontRef>
+                                  </p:style>
+                                  <p:txBody>
+                                    <a:bodyPr rtlCol="0" anchor="ctr"/>
+                                    <a:lstStyle/>
+                                    <a:p>
+                                      <a:pPr algn="ctr"/>
+                                      <a:r>
+                                        <a:rPr lang="en-US" sz="900" dirty="0" smtClean="0">
+                                          <a:solidFill>
+                                            <a:schemeClr val="tx1"/>
+                                          </a:solidFill>
+                                        </a:rPr>
+                                        <a:t>Logic part done</a:t>
+                                      </a:r>
+                                      <a:endParaRPr lang="en-US" sz="900" dirty="0">
+                                        <a:solidFill>
+                                          <a:schemeClr val="tx1"/>
+                                        </a:solidFill>
+                                      </a:endParaRPr>
+                                    </a:p>
+                                  </p:txBody>
+                                </p:sp>
+                                <p:cxnSp>
+                                  <p:nvCxnSpPr>
+                                    <p:cNvPr id="139" name="Соединительная линия уступом 138"/>
+                                    <p:cNvCxnSpPr>
+                                      <a:stCxn id="136" idx="3"/>
+                                      <a:endCxn id="138" idx="1"/>
+                                    </p:cNvCxnSpPr>
+                                    <p:nvPr/>
+                                  </p:nvCxnSpPr>
+                                  <p:spPr>
+                                    <a:xfrm flipV="1">
+                                      <a:off x="3516424" y="4181680"/>
+                                      <a:ext cx="1256616" cy="1118830"/>
+                                    </a:xfrm>
+                                    <a:prstGeom prst="bentConnector3">
+                                      <a:avLst>
+                                        <a:gd name="adj1" fmla="val 74445"/>
+                                      </a:avLst>
+                                    </a:prstGeom>
+                                    <a:ln>
+                                      <a:tailEnd type="triangle"/>
+                                    </a:ln>
+                                  </p:spPr>
+                                  <p:style>
+                                    <a:lnRef idx="1">
+                                      <a:schemeClr val="accent1"/>
+                                    </a:lnRef>
+                                    <a:fillRef idx="0">
+                                      <a:schemeClr val="accent1"/>
+                                    </a:fillRef>
+                                    <a:effectRef idx="0">
+                                      <a:schemeClr val="accent1"/>
+                                    </a:effectRef>
+                                    <a:fontRef idx="minor">
+                                      <a:schemeClr val="tx1"/>
+                                    </a:fontRef>
+                                  </p:style>
+                                </p:cxnSp>
+                                <p:sp>
+                                  <p:nvSpPr>
+                                    <p:cNvPr id="140" name="Прямоугольник 139"/>
+                                    <p:cNvSpPr/>
+                                    <p:nvPr/>
+                                  </p:nvSpPr>
+                                  <p:spPr>
+                                    <a:xfrm>
+                                      <a:off x="5706823" y="2919573"/>
+                                      <a:ext cx="3113036" cy="656303"/>
+                                    </a:xfrm>
+                                    <a:prstGeom prst="rect">
+                                      <a:avLst/>
+                                    </a:prstGeom>
+                                    <a:noFill/>
+                                  </p:spPr>
+                                  <p:style>
+                                    <a:lnRef idx="2">
+                                      <a:schemeClr val="accent1">
+                                        <a:shade val="50000"/>
+                                      </a:schemeClr>
+                                    </a:lnRef>
+                                    <a:fillRef idx="1">
+                                      <a:schemeClr val="accent1"/>
+                                    </a:fillRef>
+                                    <a:effectRef idx="0">
+                                      <a:schemeClr val="accent1"/>
+                                    </a:effectRef>
+                                    <a:fontRef idx="minor">
+                                      <a:schemeClr val="lt1"/>
+                                    </a:fontRef>
+                                  </p:style>
+                                  <p:txBody>
+                                    <a:bodyPr rtlCol="0" anchor="ctr"/>
+                                    <a:lstStyle/>
+                                    <a:p>
+                                      <a:pPr algn="ctr"/>
+                                      <a:r>
+                                        <a:rPr lang="en-US" sz="1400" dirty="0" smtClean="0">
+                                          <a:solidFill>
+                                            <a:schemeClr val="tx1"/>
+                                          </a:solidFill>
+                                        </a:rPr>
+                                        <a:t>Commit changes</a:t>
+                                      </a:r>
+                                    </a:p>
+                                    <a:p>
+                                      <a:pPr algn="ctr"/>
+                                      <a:r>
+                                        <a:rPr lang="en-US" sz="1400" b="1" dirty="0" smtClean="0">
+                                          <a:solidFill>
+                                            <a:schemeClr val="tx1"/>
+                                          </a:solidFill>
+                                        </a:rPr>
+                                        <a:t>$ </a:t>
+                                      </a:r>
+                                      <a:r>
+                                        <a:rPr lang="en-US" sz="1400" b="1" dirty="0" err="1">
+                                          <a:solidFill>
+                                            <a:schemeClr val="tx1"/>
+                                          </a:solidFill>
+                                        </a:rPr>
+                                        <a:t>git</a:t>
+                                      </a:r>
+                                      <a:r>
+                                        <a:rPr lang="en-US" sz="1400" b="1" dirty="0">
+                                          <a:solidFill>
+                                            <a:schemeClr val="tx1"/>
+                                          </a:solidFill>
+                                        </a:rPr>
+                                        <a:t> commit –m ‘Commit </a:t>
+                                      </a:r>
+                                      <a:r>
+                                        <a:rPr lang="en-US" sz="1400" b="1" dirty="0" smtClean="0">
+                                          <a:solidFill>
+                                            <a:schemeClr val="tx1"/>
+                                          </a:solidFill>
+                                        </a:rPr>
+                                        <a:t>message’</a:t>
+                                      </a:r>
+                                      <a:endParaRPr lang="en-US" sz="1400" b="1" dirty="0">
+                                        <a:solidFill>
+                                          <a:schemeClr val="tx1"/>
+                                        </a:solidFill>
+                                      </a:endParaRPr>
+                                    </a:p>
+                                  </p:txBody>
+                                </p:sp>
+                                <p:sp>
+                                  <p:nvSpPr>
+                                    <p:cNvPr id="141" name="Прямоугольник 140"/>
+                                    <p:cNvSpPr/>
+                                    <p:nvPr/>
+                                  </p:nvSpPr>
+                                  <p:spPr>
+                                    <a:xfrm>
+                                      <a:off x="6174500" y="3814719"/>
+                                      <a:ext cx="2182103" cy="656303"/>
+                                    </a:xfrm>
+                                    <a:prstGeom prst="rect">
+                                      <a:avLst/>
+                                    </a:prstGeom>
+                                    <a:noFill/>
+                                  </p:spPr>
+                                  <p:style>
+                                    <a:lnRef idx="2">
+                                      <a:schemeClr val="accent1">
+                                        <a:shade val="50000"/>
+                                      </a:schemeClr>
+                                    </a:lnRef>
+                                    <a:fillRef idx="1">
+                                      <a:schemeClr val="accent1"/>
+                                    </a:fillRef>
+                                    <a:effectRef idx="0">
+                                      <a:schemeClr val="accent1"/>
+                                    </a:effectRef>
+                                    <a:fontRef idx="minor">
+                                      <a:schemeClr val="lt1"/>
+                                    </a:fontRef>
+                                  </p:style>
+                                  <p:txBody>
+                                    <a:bodyPr rtlCol="0" anchor="ctr"/>
+                                    <a:lstStyle/>
+                                    <a:p>
+                                      <a:pPr algn="ctr"/>
+                                      <a:r>
+                                        <a:rPr lang="en-US" sz="1400" dirty="0" smtClean="0">
+                                          <a:solidFill>
+                                            <a:schemeClr val="tx1"/>
+                                          </a:solidFill>
+                                        </a:rPr>
+                                        <a:t>Push changes to remote </a:t>
+                                      </a:r>
+                                      <a:r>
+                                        <a:rPr lang="en-US" sz="1400" b="1" dirty="0" smtClean="0">
+                                          <a:solidFill>
+                                            <a:schemeClr val="tx1"/>
+                                          </a:solidFill>
+                                        </a:rPr>
+                                        <a:t>$ </a:t>
+                                      </a:r>
+                                      <a:r>
+                                        <a:rPr lang="en-US" sz="1400" b="1" dirty="0" err="1" smtClean="0">
+                                          <a:solidFill>
+                                            <a:schemeClr val="tx1"/>
+                                          </a:solidFill>
+                                        </a:rPr>
+                                        <a:t>git</a:t>
+                                      </a:r>
+                                      <a:r>
+                                        <a:rPr lang="en-US" sz="1400" b="1" dirty="0" smtClean="0">
+                                          <a:solidFill>
+                                            <a:schemeClr val="tx1"/>
+                                          </a:solidFill>
+                                        </a:rPr>
+                                        <a:t> </a:t>
+                                      </a:r>
+                                      <a:r>
+                                        <a:rPr lang="en-US" sz="1400" b="1" dirty="0" smtClean="0">
+                                          <a:solidFill>
+                                            <a:schemeClr val="tx1"/>
+                                          </a:solidFill>
+                                        </a:rPr>
+                                        <a:t>push origin HEAD</a:t>
+                                      </a:r>
+                                      <a:endParaRPr lang="en-US" sz="1400" b="1" dirty="0">
+                                        <a:solidFill>
+                                          <a:schemeClr val="tx1"/>
+                                        </a:solidFill>
+                                      </a:endParaRPr>
+                                    </a:p>
+                                  </p:txBody>
+                                </p:sp>
+                                <p:cxnSp>
+                                  <p:nvCxnSpPr>
+                                    <p:cNvPr id="142" name="Соединительная линия уступом 141"/>
+                                    <p:cNvCxnSpPr>
+                                      <a:stCxn id="138" idx="0"/>
+                                      <a:endCxn id="100" idx="1"/>
+                                    </p:cNvCxnSpPr>
+                                    <p:nvPr/>
+                                  </p:nvCxnSpPr>
+                                  <p:spPr>
+                                    <a:xfrm rot="5400000" flipH="1" flipV="1">
+                                      <a:off x="5066929" y="2497775"/>
+                                      <a:ext cx="1390017" cy="1063394"/>
+                                    </a:xfrm>
+                                    <a:prstGeom prst="bentConnector2">
+                                      <a:avLst/>
+                                    </a:prstGeom>
+                                    <a:ln>
+                                      <a:tailEnd type="triangle"/>
+                                    </a:ln>
+                                  </p:spPr>
+                                  <p:style>
+                                    <a:lnRef idx="1">
+                                      <a:schemeClr val="accent1"/>
+                                    </a:lnRef>
+                                    <a:fillRef idx="0">
+                                      <a:schemeClr val="accent1"/>
+                                    </a:fillRef>
+                                    <a:effectRef idx="0">
+                                      <a:schemeClr val="accent1"/>
+                                    </a:effectRef>
+                                    <a:fontRef idx="minor">
+                                      <a:schemeClr val="tx1"/>
+                                    </a:fontRef>
+                                  </p:style>
+                                </p:cxnSp>
+                                <p:cxnSp>
+                                  <p:nvCxnSpPr>
+                                    <p:cNvPr id="143" name="Прямая со стрелкой 142"/>
+                                    <p:cNvCxnSpPr>
+                                      <a:stCxn id="140" idx="2"/>
+                                      <a:endCxn id="141" idx="0"/>
+                                    </p:cNvCxnSpPr>
+                                    <p:nvPr/>
+                                  </p:nvCxnSpPr>
+                                  <p:spPr>
+                                    <a:xfrm>
+                                      <a:off x="7263341" y="3575876"/>
+                                      <a:ext cx="2211" cy="238843"/>
+                                    </a:xfrm>
+                                    <a:prstGeom prst="straightConnector1">
+                                      <a:avLst/>
+                                    </a:prstGeom>
+                                    <a:ln>
+                                      <a:tailEnd type="triangle"/>
+                                    </a:ln>
+                                  </p:spPr>
+                                  <p:style>
+                                    <a:lnRef idx="1">
+                                      <a:schemeClr val="accent1"/>
+                                    </a:lnRef>
+                                    <a:fillRef idx="0">
+                                      <a:schemeClr val="accent1"/>
+                                    </a:fillRef>
+                                    <a:effectRef idx="0">
+                                      <a:schemeClr val="accent1"/>
+                                    </a:effectRef>
+                                    <a:fontRef idx="minor">
+                                      <a:schemeClr val="tx1"/>
+                                    </a:fontRef>
+                                  </p:style>
+                                </p:cxnSp>
+                                <p:sp>
+                                  <p:nvSpPr>
+                                    <p:cNvPr id="144" name="Ромб 143"/>
+                                    <p:cNvSpPr/>
+                                    <p:nvPr/>
+                                  </p:nvSpPr>
+                                  <p:spPr>
+                                    <a:xfrm>
+                                      <a:off x="6808352" y="4708039"/>
+                                      <a:ext cx="914400" cy="914400"/>
+                                    </a:xfrm>
+                                    <a:prstGeom prst="diamond">
+                                      <a:avLst/>
+                                    </a:prstGeom>
+                                    <a:noFill/>
+                                  </p:spPr>
+                                  <p:style>
+                                    <a:lnRef idx="2">
+                                      <a:schemeClr val="accent1">
+                                        <a:shade val="50000"/>
+                                      </a:schemeClr>
+                                    </a:lnRef>
+                                    <a:fillRef idx="1">
+                                      <a:schemeClr val="accent1"/>
+                                    </a:fillRef>
+                                    <a:effectRef idx="0">
+                                      <a:schemeClr val="accent1"/>
+                                    </a:effectRef>
+                                    <a:fontRef idx="minor">
+                                      <a:schemeClr val="lt1"/>
+                                    </a:fontRef>
+                                  </p:style>
+                                  <p:txBody>
+                                    <a:bodyPr rtlCol="0" anchor="ctr"/>
+                                    <a:lstStyle/>
+                                    <a:p>
+                                      <a:pPr algn="ctr"/>
+                                      <a:r>
+                                        <a:rPr lang="en-US" sz="900" dirty="0" smtClean="0">
+                                          <a:solidFill>
+                                            <a:schemeClr val="tx1"/>
+                                          </a:solidFill>
+                                        </a:rPr>
+                                        <a:t>Task done</a:t>
+                                      </a:r>
+                                      <a:endParaRPr lang="en-US" sz="900" dirty="0">
+                                        <a:solidFill>
+                                          <a:schemeClr val="tx1"/>
+                                        </a:solidFill>
+                                      </a:endParaRPr>
+                                    </a:p>
+                                  </p:txBody>
+                                </p:sp>
+                                <p:sp>
+                                  <p:nvSpPr>
+                                    <p:cNvPr id="145" name="Прямоугольник 144"/>
+                                    <p:cNvSpPr/>
+                                    <p:nvPr/>
+                                  </p:nvSpPr>
+                                  <p:spPr>
+                                    <a:xfrm>
+                                      <a:off x="8625167" y="2019885"/>
+                                      <a:ext cx="2417264" cy="656303"/>
+                                    </a:xfrm>
+                                    <a:prstGeom prst="rect">
+                                      <a:avLst/>
+                                    </a:prstGeom>
+                                    <a:noFill/>
+                                  </p:spPr>
+                                  <p:style>
+                                    <a:lnRef idx="2">
+                                      <a:schemeClr val="accent1">
+                                        <a:shade val="50000"/>
+                                      </a:schemeClr>
+                                    </a:lnRef>
+                                    <a:fillRef idx="1">
+                                      <a:schemeClr val="accent1"/>
+                                    </a:fillRef>
+                                    <a:effectRef idx="0">
+                                      <a:schemeClr val="accent1"/>
+                                    </a:effectRef>
+                                    <a:fontRef idx="minor">
+                                      <a:schemeClr val="lt1"/>
+                                    </a:fontRef>
+                                  </p:style>
+                                  <p:txBody>
+                                    <a:bodyPr rtlCol="0" anchor="ctr"/>
+                                    <a:lstStyle/>
+                                    <a:p>
+                                      <a:pPr algn="ctr"/>
+                                      <a:r>
+                                        <a:rPr lang="en-US" sz="1400" dirty="0" smtClean="0">
+                                          <a:solidFill>
+                                            <a:schemeClr val="tx1"/>
+                                          </a:solidFill>
+                                        </a:rPr>
+                                        <a:t>Make Pull request on remote and approve it</a:t>
+                                      </a:r>
+                                      <a:endParaRPr lang="en-US" sz="1400" dirty="0">
+                                        <a:solidFill>
+                                          <a:schemeClr val="tx1"/>
+                                        </a:solidFill>
+                                      </a:endParaRPr>
+                                    </a:p>
+                                  </p:txBody>
+                                </p:sp>
+                                <p:cxnSp>
+                                  <p:nvCxnSpPr>
+                                    <p:cNvPr id="146" name="Соединительная линия уступом 145"/>
+                                    <p:cNvCxnSpPr>
+                                      <a:stCxn id="144" idx="3"/>
+                                      <a:endCxn id="145" idx="2"/>
+                                    </p:cNvCxnSpPr>
+                                    <p:nvPr/>
+                                  </p:nvCxnSpPr>
+                                  <p:spPr>
+                                    <a:xfrm flipV="1">
+                                      <a:off x="7722752" y="2676188"/>
+                                      <a:ext cx="2111047" cy="2489051"/>
+                                    </a:xfrm>
+                                    <a:prstGeom prst="bentConnector2">
+                                      <a:avLst/>
+                                    </a:prstGeom>
+                                    <a:ln>
+                                      <a:tailEnd type="triangle"/>
+                                    </a:ln>
+                                  </p:spPr>
+                                  <p:style>
+                                    <a:lnRef idx="1">
+                                      <a:schemeClr val="accent1"/>
+                                    </a:lnRef>
+                                    <a:fillRef idx="0">
+                                      <a:schemeClr val="accent1"/>
+                                    </a:fillRef>
+                                    <a:effectRef idx="0">
+                                      <a:schemeClr val="accent1"/>
+                                    </a:effectRef>
+                                    <a:fontRef idx="minor">
+                                      <a:schemeClr val="tx1"/>
+                                    </a:fontRef>
+                                  </p:style>
+                                </p:cxnSp>
+                              </p:grpSp>
+                            </p:grpSp>
+                            <p:sp>
+                              <p:nvSpPr>
+                                <p:cNvPr id="127" name="TextBox 126"/>
+                                <p:cNvSpPr txBox="1"/>
+                                <p:nvPr/>
+                              </p:nvSpPr>
+                              <p:spPr>
+                                <a:xfrm>
+                                  <a:off x="4610910" y="3159873"/>
+                                  <a:ext cx="402546" cy="276999"/>
+                                </a:xfrm>
+                                <a:prstGeom prst="rect">
+                                  <a:avLst/>
+                                </a:prstGeom>
+                                <a:noFill/>
+                              </p:spPr>
+                              <p:txBody>
+                                <a:bodyPr wrap="none" rtlCol="0">
+                                  <a:spAutoFit/>
+                                </a:bodyPr>
+                                <a:lstStyle/>
+                                <a:p>
+                                  <a:r>
+                                    <a:rPr lang="en-US" sz="1200" dirty="0" smtClean="0"/>
+                                    <a:t>Yes</a:t>
+                                  </a:r>
+                                  <a:endParaRPr lang="en-US" dirty="0"/>
+                                </a:p>
+                              </p:txBody>
+                            </p:sp>
+                            <p:sp>
+                              <p:nvSpPr>
+                                <p:cNvPr id="128" name="TextBox 127"/>
+                                <p:cNvSpPr txBox="1"/>
+                                <p:nvPr/>
+                              </p:nvSpPr>
+                              <p:spPr>
+                                <a:xfrm>
+                                  <a:off x="4652532" y="4537586"/>
+                                  <a:ext cx="365806" cy="276999"/>
+                                </a:xfrm>
+                                <a:prstGeom prst="rect">
+                                  <a:avLst/>
+                                </a:prstGeom>
+                                <a:noFill/>
+                              </p:spPr>
+                              <p:txBody>
+                                <a:bodyPr wrap="none" rtlCol="0">
+                                  <a:spAutoFit/>
+                                </a:bodyPr>
+                                <a:lstStyle/>
+                                <a:p>
+                                  <a:r>
+                                    <a:rPr lang="en-US" sz="1200" dirty="0" smtClean="0"/>
+                                    <a:t>No</a:t>
+                                  </a:r>
+                                  <a:endParaRPr lang="en-US" dirty="0"/>
+                                </a:p>
+                              </p:txBody>
+                            </p:sp>
+                          </p:grpSp>
+                          <p:cxnSp>
+                            <p:nvCxnSpPr>
+                              <p:cNvPr id="125" name="Соединительная линия уступом 124"/>
+                              <p:cNvCxnSpPr>
+                                <a:stCxn id="145" idx="0"/>
+                                <a:endCxn id="131" idx="0"/>
+                              </p:cNvCxnSpPr>
+                              <p:nvPr/>
+                            </p:nvCxnSpPr>
+                            <p:spPr>
+                              <a:xfrm rot="16200000" flipH="1" flipV="1">
+                                <a:off x="6664250" y="-1484578"/>
+                                <a:ext cx="328152" cy="7289037"/>
+                              </a:xfrm>
+                              <a:prstGeom prst="bentConnector3">
+                                <a:avLst>
+                                  <a:gd name="adj1" fmla="val -69663"/>
+                                </a:avLst>
+                              </a:prstGeom>
+                              <a:ln>
+                                <a:tailEnd type="triangle"/>
+                              </a:ln>
+                            </p:spPr>
+                            <p:style>
+                              <a:lnRef idx="1">
+                                <a:schemeClr val="accent1"/>
+                              </a:lnRef>
+                              <a:fillRef idx="0">
+                                <a:schemeClr val="accent1"/>
+                              </a:fillRef>
+                              <a:effectRef idx="0">
+                                <a:schemeClr val="accent1"/>
+                              </a:effectRef>
+                              <a:fontRef idx="minor">
+                                <a:schemeClr val="tx1"/>
+                              </a:fontRef>
+                            </p:style>
+                          </p:cxnSp>
+                        </p:grpSp>
+                      </p:grpSp>
+                      <p:sp>
+                        <p:nvSpPr>
+                          <p:cNvPr id="121" name="TextBox 120"/>
+                          <p:cNvSpPr txBox="1"/>
+                          <p:nvPr/>
+                        </p:nvSpPr>
+                        <p:spPr>
+                          <a:xfrm>
+                            <a:off x="8009165" y="4852568"/>
+                            <a:ext cx="402546" cy="276999"/>
+                          </a:xfrm>
+                          <a:prstGeom prst="rect">
+                            <a:avLst/>
+                          </a:prstGeom>
+                          <a:noFill/>
+                        </p:spPr>
+                        <p:txBody>
+                          <a:bodyPr wrap="none" rtlCol="0">
+                            <a:spAutoFit/>
+                          </a:bodyPr>
+                          <a:lstStyle/>
+                          <a:p>
+                            <a:r>
+                              <a:rPr lang="en-US" sz="1200" dirty="0" smtClean="0"/>
+                              <a:t>Yes</a:t>
+                            </a:r>
+                            <a:endParaRPr lang="en-US" dirty="0"/>
+                          </a:p>
+                        </p:txBody>
+                      </p:sp>
+                    </p:grpSp>
+                    <p:cxnSp>
+                      <p:nvCxnSpPr>
+                        <p:cNvPr id="119" name="Соединительная линия уступом 118"/>
+                        <p:cNvCxnSpPr>
+                          <a:stCxn id="144" idx="2"/>
+                          <a:endCxn id="136" idx="2"/>
+                        </p:cNvCxnSpPr>
+                        <p:nvPr/>
+                      </p:nvCxnSpPr>
+                      <p:spPr>
+                        <a:xfrm rot="5400000">
+                          <a:off x="5136489" y="3242113"/>
+                          <a:ext cx="6222" cy="4718834"/>
+                        </a:xfrm>
+                        <a:prstGeom prst="bentConnector3">
+                          <a:avLst>
+                            <a:gd name="adj1" fmla="val 3774060"/>
+                          </a:avLst>
+                        </a:prstGeom>
+                        <a:ln>
+                          <a:tailEnd type="triangle"/>
+                        </a:ln>
+                      </p:spPr>
+                      <p:style>
+                        <a:lnRef idx="1">
+                          <a:schemeClr val="accent1"/>
+                        </a:lnRef>
+                        <a:fillRef idx="0">
+                          <a:schemeClr val="accent1"/>
+                        </a:fillRef>
+                        <a:effectRef idx="0">
+                          <a:schemeClr val="accent1"/>
+                        </a:effectRef>
+                        <a:fontRef idx="minor">
+                          <a:schemeClr val="tx1"/>
+                        </a:fontRef>
+                      </p:style>
+                    </p:cxnSp>
+                  </p:grpSp>
+                  <p:sp>
+                    <p:nvSpPr>
+                      <p:cNvPr id="117" name="TextBox 116"/>
+                      <p:cNvSpPr txBox="1"/>
+                      <p:nvPr/>
+                    </p:nvSpPr>
+                    <p:spPr>
+                      <a:xfrm>
+                        <a:off x="6847010" y="5557951"/>
+                        <a:ext cx="365806" cy="276999"/>
+                      </a:xfrm>
+                      <a:prstGeom prst="rect">
+                        <a:avLst/>
+                      </a:prstGeom>
+                      <a:noFill/>
+                    </p:spPr>
+                    <p:txBody>
+                      <a:bodyPr wrap="none" rtlCol="0">
+                        <a:spAutoFit/>
+                      </a:bodyPr>
+                      <a:lstStyle/>
+                      <a:p>
+                        <a:r>
+                          <a:rPr lang="en-US" sz="1200" dirty="0" smtClean="0"/>
+                          <a:t>No</a:t>
+                        </a:r>
+                        <a:endParaRPr lang="en-US" dirty="0"/>
+                      </a:p>
+                    </p:txBody>
+                  </p:sp>
+                </p:grpSp>
+                <p:sp>
+                  <p:nvSpPr>
+                    <p:cNvPr id="108" name="Овал 107"/>
+                    <p:cNvSpPr/>
+                    <p:nvPr/>
+                  </p:nvSpPr>
+                  <p:spPr>
+                    <a:xfrm>
+                      <a:off x="188061" y="1364226"/>
+                      <a:ext cx="343156" cy="265471"/>
+                    </a:xfrm>
+                    <a:prstGeom prst="ellipse">
+                      <a:avLst/>
+                    </a:prstGeom>
+                    <a:solidFill>
+                      <a:srgbClr val="FFC000"/>
+                    </a:solidFill>
+                    <a:ln>
+                      <a:solidFill>
+                        <a:srgbClr val="FFC000"/>
+                      </a:solidFill>
+                    </a:ln>
+                  </p:spPr>
+                  <p:style>
+                    <a:lnRef idx="2">
+                      <a:schemeClr val="accent1">
+                        <a:shade val="50000"/>
+                      </a:schemeClr>
+                    </a:lnRef>
+                    <a:fillRef idx="1">
+                      <a:schemeClr val="accent1"/>
+                    </a:fillRef>
+                    <a:effectRef idx="0">
+                      <a:schemeClr val="accent1"/>
+                    </a:effectRef>
+                    <a:fontRef idx="minor">
+                      <a:schemeClr val="lt1"/>
+                    </a:fontRef>
+                  </p:style>
+                  <p:txBody>
+                    <a:bodyPr rtlCol="0" anchor="ctr"/>
+                    <a:lstStyle/>
+                    <a:p>
+                      <a:pPr algn="ctr"/>
+                      <a:r>
+                        <a:rPr lang="en-US" sz="1400" dirty="0"/>
+                        <a:t>1</a:t>
+                      </a:r>
+                    </a:p>
+                  </p:txBody>
+                </p:sp>
+                <p:sp>
+                  <p:nvSpPr>
+                    <p:cNvPr id="109" name="Овал 108"/>
+                    <p:cNvSpPr/>
+                    <p:nvPr/>
+                  </p:nvSpPr>
+                  <p:spPr>
+                    <a:xfrm>
+                      <a:off x="1022467" y="3979025"/>
+                      <a:ext cx="343156" cy="265471"/>
+                    </a:xfrm>
+                    <a:prstGeom prst="ellipse">
+                      <a:avLst/>
+                    </a:prstGeom>
+                    <a:solidFill>
+                      <a:srgbClr val="FFC000"/>
+                    </a:solidFill>
+                    <a:ln>
+                      <a:solidFill>
+                        <a:srgbClr val="FFC000"/>
+                      </a:solidFill>
+                    </a:ln>
+                  </p:spPr>
+                  <p:style>
+                    <a:lnRef idx="2">
+                      <a:schemeClr val="accent1">
+                        <a:shade val="50000"/>
+                      </a:schemeClr>
+                    </a:lnRef>
+                    <a:fillRef idx="1">
+                      <a:schemeClr val="accent1"/>
+                    </a:fillRef>
+                    <a:effectRef idx="0">
+                      <a:schemeClr val="accent1"/>
+                    </a:effectRef>
+                    <a:fontRef idx="minor">
+                      <a:schemeClr val="lt1"/>
+                    </a:fontRef>
+                  </p:style>
+                  <p:txBody>
+                    <a:bodyPr rtlCol="0" anchor="ctr"/>
+                    <a:lstStyle/>
+                    <a:p>
+                      <a:pPr algn="ctr"/>
+                      <a:r>
+                        <a:rPr lang="en-US" sz="1400" dirty="0" smtClean="0"/>
+                        <a:t>4</a:t>
+                      </a:r>
+                      <a:endParaRPr lang="en-US" sz="1400" dirty="0"/>
+                    </a:p>
+                  </p:txBody>
+                </p:sp>
+                <p:sp>
+                  <p:nvSpPr>
+                    <p:cNvPr id="110" name="Овал 109"/>
+                    <p:cNvSpPr/>
+                    <p:nvPr/>
+                  </p:nvSpPr>
+                  <p:spPr>
+                    <a:xfrm>
+                      <a:off x="1002748" y="3075735"/>
+                      <a:ext cx="343156" cy="265471"/>
+                    </a:xfrm>
+                    <a:prstGeom prst="ellipse">
+                      <a:avLst/>
+                    </a:prstGeom>
+                    <a:solidFill>
+                      <a:srgbClr val="FFC000"/>
+                    </a:solidFill>
+                    <a:ln>
+                      <a:solidFill>
+                        <a:srgbClr val="FFC000"/>
+                      </a:solidFill>
+                    </a:ln>
+                  </p:spPr>
+                  <p:style>
+                    <a:lnRef idx="2">
+                      <a:schemeClr val="accent1">
+                        <a:shade val="50000"/>
+                      </a:schemeClr>
+                    </a:lnRef>
+                    <a:fillRef idx="1">
+                      <a:schemeClr val="accent1"/>
+                    </a:fillRef>
+                    <a:effectRef idx="0">
+                      <a:schemeClr val="accent1"/>
+                    </a:effectRef>
+                    <a:fontRef idx="minor">
+                      <a:schemeClr val="lt1"/>
+                    </a:fontRef>
+                  </p:style>
+                  <p:txBody>
+                    <a:bodyPr rtlCol="0" anchor="ctr"/>
+                    <a:lstStyle/>
+                    <a:p>
+                      <a:pPr algn="ctr"/>
+                      <a:r>
+                        <a:rPr lang="en-US" sz="1400" dirty="0" smtClean="0"/>
+                        <a:t>3</a:t>
+                      </a:r>
+                      <a:endParaRPr lang="en-US" sz="1400" dirty="0"/>
+                    </a:p>
+                  </p:txBody>
+                </p:sp>
+                <p:sp>
+                  <p:nvSpPr>
+                    <p:cNvPr id="111" name="Овал 110"/>
+                    <p:cNvSpPr/>
+                    <p:nvPr/>
+                  </p:nvSpPr>
+                  <p:spPr>
+                    <a:xfrm>
+                      <a:off x="1379099" y="2179570"/>
+                      <a:ext cx="343156" cy="265471"/>
+                    </a:xfrm>
+                    <a:prstGeom prst="ellipse">
+                      <a:avLst/>
+                    </a:prstGeom>
+                    <a:solidFill>
+                      <a:srgbClr val="FFC000"/>
+                    </a:solidFill>
+                    <a:ln>
+                      <a:solidFill>
+                        <a:srgbClr val="FFC000"/>
+                      </a:solidFill>
+                    </a:ln>
+                  </p:spPr>
+                  <p:style>
+                    <a:lnRef idx="2">
+                      <a:schemeClr val="accent1">
+                        <a:shade val="50000"/>
+                      </a:schemeClr>
+                    </a:lnRef>
+                    <a:fillRef idx="1">
+                      <a:schemeClr val="accent1"/>
+                    </a:fillRef>
+                    <a:effectRef idx="0">
+                      <a:schemeClr val="accent1"/>
+                    </a:effectRef>
+                    <a:fontRef idx="minor">
+                      <a:schemeClr val="lt1"/>
+                    </a:fontRef>
+                  </p:style>
+                  <p:txBody>
+                    <a:bodyPr rtlCol="0" anchor="ctr"/>
+                    <a:lstStyle/>
+                    <a:p>
+                      <a:pPr algn="ctr"/>
+                      <a:r>
+                        <a:rPr lang="en-US" sz="1400" dirty="0" smtClean="0"/>
+                        <a:t>2</a:t>
+                      </a:r>
+                      <a:endParaRPr lang="en-US" sz="1400" dirty="0"/>
+                    </a:p>
+                  </p:txBody>
+                </p:sp>
+                <p:sp>
+                  <p:nvSpPr>
+                    <p:cNvPr id="112" name="Овал 111"/>
+                    <p:cNvSpPr/>
+                    <p:nvPr/>
+                  </p:nvSpPr>
+                  <p:spPr>
+                    <a:xfrm>
+                      <a:off x="8679680" y="1878172"/>
+                      <a:ext cx="343156" cy="265471"/>
+                    </a:xfrm>
+                    <a:prstGeom prst="ellipse">
+                      <a:avLst/>
+                    </a:prstGeom>
+                    <a:solidFill>
+                      <a:srgbClr val="FFC000"/>
+                    </a:solidFill>
+                    <a:ln>
+                      <a:solidFill>
+                        <a:srgbClr val="FFC000"/>
+                      </a:solidFill>
+                    </a:ln>
+                  </p:spPr>
+                  <p:style>
+                    <a:lnRef idx="2">
+                      <a:schemeClr val="accent1">
+                        <a:shade val="50000"/>
+                      </a:schemeClr>
+                    </a:lnRef>
+                    <a:fillRef idx="1">
+                      <a:schemeClr val="accent1"/>
+                    </a:fillRef>
+                    <a:effectRef idx="0">
+                      <a:schemeClr val="accent1"/>
+                    </a:effectRef>
+                    <a:fontRef idx="minor">
+                      <a:schemeClr val="lt1"/>
+                    </a:fontRef>
+                  </p:style>
+                  <p:txBody>
+                    <a:bodyPr rtlCol="0" anchor="ctr"/>
+                    <a:lstStyle/>
+                    <a:p>
+                      <a:pPr algn="ctr"/>
+                      <a:r>
+                        <a:rPr lang="en-US" sz="1400" dirty="0" smtClean="0"/>
+                        <a:t>9</a:t>
+                      </a:r>
+                      <a:endParaRPr lang="en-US" sz="1400" dirty="0"/>
+                    </a:p>
+                  </p:txBody>
+                </p:sp>
+                <p:sp>
+                  <p:nvSpPr>
+                    <p:cNvPr id="113" name="Овал 112"/>
+                    <p:cNvSpPr/>
+                    <p:nvPr/>
+                  </p:nvSpPr>
+                  <p:spPr>
+                    <a:xfrm>
+                      <a:off x="5765859" y="2761619"/>
+                      <a:ext cx="343156" cy="265471"/>
+                    </a:xfrm>
+                    <a:prstGeom prst="ellipse">
+                      <a:avLst/>
+                    </a:prstGeom>
+                    <a:solidFill>
+                      <a:srgbClr val="FFC000"/>
+                    </a:solidFill>
+                    <a:ln>
+                      <a:solidFill>
+                        <a:srgbClr val="FFC000"/>
+                      </a:solidFill>
+                    </a:ln>
+                  </p:spPr>
+                  <p:style>
+                    <a:lnRef idx="2">
+                      <a:schemeClr val="accent1">
+                        <a:shade val="50000"/>
+                      </a:schemeClr>
+                    </a:lnRef>
+                    <a:fillRef idx="1">
+                      <a:schemeClr val="accent1"/>
+                    </a:fillRef>
+                    <a:effectRef idx="0">
+                      <a:schemeClr val="accent1"/>
+                    </a:effectRef>
+                    <a:fontRef idx="minor">
+                      <a:schemeClr val="lt1"/>
+                    </a:fontRef>
+                  </p:style>
+                  <p:txBody>
+                    <a:bodyPr rtlCol="0" anchor="ctr"/>
+                    <a:lstStyle/>
+                    <a:p>
+                      <a:pPr algn="ctr"/>
+                      <a:r>
+                        <a:rPr lang="en-US" sz="1400" dirty="0" smtClean="0"/>
+                        <a:t>7</a:t>
+                      </a:r>
+                      <a:endParaRPr lang="en-US" sz="1400" dirty="0"/>
+                    </a:p>
+                  </p:txBody>
+                </p:sp>
+                <p:sp>
+                  <p:nvSpPr>
+                    <p:cNvPr id="114" name="Овал 113"/>
+                    <p:cNvSpPr/>
+                    <p:nvPr/>
+                  </p:nvSpPr>
+                  <p:spPr>
+                    <a:xfrm>
+                      <a:off x="1621993" y="4828918"/>
+                      <a:ext cx="343156" cy="265471"/>
+                    </a:xfrm>
+                    <a:prstGeom prst="ellipse">
+                      <a:avLst/>
+                    </a:prstGeom>
+                    <a:solidFill>
+                      <a:srgbClr val="FFC000"/>
+                    </a:solidFill>
+                    <a:ln>
+                      <a:solidFill>
+                        <a:srgbClr val="FFC000"/>
+                      </a:solidFill>
+                    </a:ln>
+                  </p:spPr>
+                  <p:style>
+                    <a:lnRef idx="2">
+                      <a:schemeClr val="accent1">
+                        <a:shade val="50000"/>
+                      </a:schemeClr>
+                    </a:lnRef>
+                    <a:fillRef idx="1">
+                      <a:schemeClr val="accent1"/>
+                    </a:fillRef>
+                    <a:effectRef idx="0">
+                      <a:schemeClr val="accent1"/>
+                    </a:effectRef>
+                    <a:fontRef idx="minor">
+                      <a:schemeClr val="lt1"/>
+                    </a:fontRef>
+                  </p:style>
+                  <p:txBody>
+                    <a:bodyPr rtlCol="0" anchor="ctr"/>
+                    <a:lstStyle/>
+                    <a:p>
+                      <a:pPr algn="ctr"/>
+                      <a:r>
+                        <a:rPr lang="en-US" sz="1400" dirty="0" smtClean="0"/>
+                        <a:t>5</a:t>
+                      </a:r>
+                      <a:endParaRPr lang="en-US" sz="1400" dirty="0"/>
+                    </a:p>
+                  </p:txBody>
+                </p:sp>
+                <p:sp>
+                  <p:nvSpPr>
+                    <p:cNvPr id="115" name="Овал 114"/>
+                    <p:cNvSpPr/>
+                    <p:nvPr/>
+                  </p:nvSpPr>
+                  <p:spPr>
+                    <a:xfrm>
+                      <a:off x="6355290" y="1851218"/>
+                      <a:ext cx="343156" cy="265471"/>
+                    </a:xfrm>
+                    <a:prstGeom prst="ellipse">
+                      <a:avLst/>
+                    </a:prstGeom>
+                    <a:solidFill>
+                      <a:srgbClr val="FFC000"/>
+                    </a:solidFill>
+                    <a:ln>
+                      <a:solidFill>
+                        <a:srgbClr val="FFC000"/>
+                      </a:solidFill>
+                    </a:ln>
+                  </p:spPr>
+                  <p:style>
+                    <a:lnRef idx="2">
+                      <a:schemeClr val="accent1">
+                        <a:shade val="50000"/>
+                      </a:schemeClr>
+                    </a:lnRef>
+                    <a:fillRef idx="1">
+                      <a:schemeClr val="accent1"/>
+                    </a:fillRef>
+                    <a:effectRef idx="0">
+                      <a:schemeClr val="accent1"/>
+                    </a:effectRef>
+                    <a:fontRef idx="minor">
+                      <a:schemeClr val="lt1"/>
+                    </a:fontRef>
+                  </p:style>
+                  <p:txBody>
+                    <a:bodyPr rtlCol="0" anchor="ctr"/>
+                    <a:lstStyle/>
+                    <a:p>
+                      <a:pPr algn="ctr"/>
+                      <a:r>
+                        <a:rPr lang="en-US" sz="1400" dirty="0" smtClean="0"/>
+                        <a:t>6</a:t>
+                      </a:r>
+                      <a:endParaRPr lang="en-US" sz="1400" dirty="0"/>
+                    </a:p>
+                  </p:txBody>
+                </p:sp>
+              </p:grpSp>
+              <p:cxnSp>
+                <p:nvCxnSpPr>
+                  <p:cNvPr id="106" name="Прямая со стрелкой 105"/>
+                  <p:cNvCxnSpPr>
+                    <a:stCxn id="141" idx="2"/>
+                    <a:endCxn id="144" idx="0"/>
+                  </p:cNvCxnSpPr>
+                  <p:nvPr/>
+                </p:nvCxnSpPr>
+                <p:spPr>
+                  <a:xfrm>
+                    <a:off x="7491643" y="4447002"/>
+                    <a:ext cx="0" cy="237017"/>
+                  </a:xfrm>
+                  <a:prstGeom prst="straightConnector1">
+                    <a:avLst/>
+                  </a:prstGeom>
+                  <a:ln>
+                    <a:tailEnd type="triangle"/>
+                  </a:ln>
+                </p:spPr>
+                <p:style>
+                  <a:lnRef idx="1">
+                    <a:schemeClr val="accent1"/>
+                  </a:lnRef>
+                  <a:fillRef idx="0">
+                    <a:schemeClr val="accent1"/>
+                  </a:fillRef>
+                  <a:effectRef idx="0">
+                    <a:schemeClr val="accent1"/>
+                  </a:effectRef>
+                  <a:fontRef idx="minor">
+                    <a:schemeClr val="tx1"/>
+                  </a:fontRef>
+                </p:style>
+              </p:cxnSp>
+            </p:grpSp>
           </p:grpSp>
           <p:cxnSp>
             <p:nvCxnSpPr>
-              <p:cNvPr id="94" name="Прямая со стрелкой 93"/>
+              <p:cNvPr id="102" name="Прямая со стрелкой 101"/>
               <p:cNvCxnSpPr>
-                <a:stCxn id="43" idx="2"/>
-                <a:endCxn id="52" idx="0"/>
+                <a:stCxn id="100" idx="2"/>
+                <a:endCxn id="140" idx="0"/>
               </p:cNvCxnSpPr>
               <p:nvPr/>
             </p:nvCxnSpPr>
             <p:spPr>
-              <a:xfrm flipH="1">
-                <a:off x="6985430" y="3851803"/>
-                <a:ext cx="3" cy="396826"/>
+              <a:xfrm>
+                <a:off x="7518929" y="2537105"/>
+                <a:ext cx="0" cy="256959"/>
               </a:xfrm>
               <a:prstGeom prst="straightConnector1">
                 <a:avLst/>
@@ -27706,6 +27544,58 @@
             </p:style>
           </p:cxnSp>
         </p:grpSp>
+        <p:sp>
+          <p:nvSpPr>
+            <p:cNvPr id="99" name="Овал 98"/>
+            <p:cNvSpPr/>
+            <p:nvPr/>
+          </p:nvSpPr>
+          <p:spPr>
+            <a:xfrm>
+              <a:off x="6373393" y="3714733"/>
+              <a:ext cx="343156" cy="265471"/>
+            </a:xfrm>
+            <a:prstGeom prst="ellipse">
+              <a:avLst/>
+            </a:prstGeom>
+            <a:solidFill>
+              <a:srgbClr val="FFC000"/>
+            </a:solidFill>
+            <a:ln>
+              <a:solidFill>
+                <a:srgbClr val="FFC000"/>
+              </a:solidFill>
+            </a:ln>
+          </p:spPr>
+          <p:style>
+            <a:lnRef idx="2">
+              <a:schemeClr val="accent1">
+                <a:shade val="50000"/>
+              </a:schemeClr>
+            </a:lnRef>
+            <a:fillRef idx="1">
+              <a:schemeClr val="accent1"/>
+            </a:fillRef>
+            <a:effectRef idx="0">
+              <a:schemeClr val="accent1"/>
+            </a:effectRef>
+            <a:fontRef idx="minor">
+              <a:schemeClr val="lt1"/>
+            </a:fontRef>
+          </p:style>
+          <p:txBody>
+            <a:bodyPr rtlCol="0" anchor="ctr"/>
+            <a:lstStyle/>
+            <a:p>
+              <a:pPr algn="ctr"/>
+              <a:r>
+                <a:rPr lang="en-US" sz="1400" dirty="0" smtClean="0"/>
+                <a:t>8</a:t>
+              </a:r>
+              <a:endParaRPr lang="en-US" sz="1400" dirty="0"/>
+            </a:p>
+          </p:txBody>
+        </p:sp>
       </p:grpSp>
     </p:spTree>
     <p:extLst>

--- a/Alifanov.ITLeadersCourse/Automated framework with C#.pptx
+++ b/Alifanov.ITLeadersCourse/Automated framework with C#.pptx
@@ -5,7 +5,7 @@
     <p:sldMasterId id="2147483648" r:id="rId1"/>
   </p:sldMasterIdLst>
   <p:notesMasterIdLst>
-    <p:notesMasterId r:id="rId25"/>
+    <p:notesMasterId r:id="rId28"/>
   </p:notesMasterIdLst>
   <p:sldIdLst>
     <p:sldId id="256" r:id="rId2"/>
@@ -29,8 +29,11 @@
     <p:sldId id="267" r:id="rId20"/>
     <p:sldId id="271" r:id="rId21"/>
     <p:sldId id="268" r:id="rId22"/>
-    <p:sldId id="295" r:id="rId23"/>
-    <p:sldId id="294" r:id="rId24"/>
+    <p:sldId id="284" r:id="rId23"/>
+    <p:sldId id="272" r:id="rId24"/>
+    <p:sldId id="273" r:id="rId25"/>
+    <p:sldId id="295" r:id="rId26"/>
+    <p:sldId id="294" r:id="rId27"/>
   </p:sldIdLst>
   <p:sldSz cx="12192000" cy="6858000"/>
   <p:notesSz cx="6858000" cy="9144000"/>
@@ -231,7 +234,7 @@
           <a:p>
             <a:fld id="{04BB28D0-A67A-445A-845D-15D23A1D5A30}" type="datetimeFigureOut">
               <a:rPr lang="en-US" smtClean="0"/>
-              <a:t>10/5/2021</a:t>
+              <a:t>10/8/2021</a:t>
             </a:fld>
             <a:endParaRPr lang="en-US"/>
           </a:p>
@@ -631,8 +634,17 @@
           <a:bodyPr/>
           <a:lstStyle/>
           <a:p>
-            <a:pPr marL="0" indent="0">
-              <a:buNone/>
+            <a:pPr marL="228600" indent="-228600">
+              <a:buAutoNum type="arabicPeriod"/>
+            </a:pPr>
+            <a:r>
+              <a:rPr lang="en-US" dirty="0" smtClean="0"/>
+              <a:t>Create new branch</a:t>
+            </a:r>
+          </a:p>
+          <a:p>
+            <a:pPr marL="228600" indent="-228600">
+              <a:buAutoNum type="arabicPeriod"/>
             </a:pPr>
             <a:endParaRPr lang="en-US" dirty="0"/>
           </a:p>
@@ -806,9 +818,44 @@
           <a:bodyPr/>
           <a:lstStyle/>
           <a:p>
-            <a:pPr marL="0" indent="0">
-              <a:buNone/>
+            <a:pPr marL="228600" indent="-228600">
+              <a:buAutoNum type="arabicPeriod"/>
             </a:pPr>
+            <a:r>
+              <a:rPr lang="en-US" dirty="0" smtClean="0"/>
+              <a:t>Make a commit</a:t>
+            </a:r>
+          </a:p>
+          <a:p>
+            <a:pPr marL="228600" indent="-228600">
+              <a:buAutoNum type="arabicPeriod"/>
+            </a:pPr>
+            <a:r>
+              <a:rPr lang="en-US" dirty="0" smtClean="0"/>
+              <a:t>Push branch to remote</a:t>
+            </a:r>
+          </a:p>
+          <a:p>
+            <a:pPr marL="228600" indent="-228600">
+              <a:buAutoNum type="arabicPeriod"/>
+            </a:pPr>
+            <a:r>
+              <a:rPr lang="en-US" dirty="0" smtClean="0"/>
+              <a:t>Make a PR</a:t>
+            </a:r>
+            <a:r>
+              <a:rPr lang="en-US" baseline="0" dirty="0" smtClean="0"/>
+              <a:t> and approve it</a:t>
+            </a:r>
+          </a:p>
+          <a:p>
+            <a:endParaRPr lang="en-US" baseline="0" dirty="0" smtClean="0"/>
+          </a:p>
+          <a:p>
+            <a:r>
+              <a:rPr lang="en-US" baseline="0" dirty="0" smtClean="0"/>
+              <a:t>End Lesson 1.</a:t>
+            </a:r>
             <a:endParaRPr lang="en-US" dirty="0" smtClean="0"/>
           </a:p>
         </p:txBody>
@@ -981,8 +1028,54 @@
           <a:bodyPr/>
           <a:lstStyle/>
           <a:p>
-            <a:pPr marL="0" indent="0">
-              <a:buNone/>
+            <a:r>
+              <a:rPr lang="en-US" dirty="0" smtClean="0"/>
+              <a:t>Lesson</a:t>
+            </a:r>
+            <a:r>
+              <a:rPr lang="en-US" baseline="0" dirty="0" smtClean="0"/>
+              <a:t> 2.</a:t>
+            </a:r>
+          </a:p>
+          <a:p>
+            <a:pPr marL="228600" indent="-228600">
+              <a:buAutoNum type="arabicPeriod"/>
+            </a:pPr>
+            <a:r>
+              <a:rPr lang="en-US" baseline="0" dirty="0" smtClean="0"/>
+              <a:t>Implement Input logic</a:t>
+            </a:r>
+          </a:p>
+          <a:p>
+            <a:pPr marL="228600" indent="-228600">
+              <a:buAutoNum type="arabicPeriod"/>
+            </a:pPr>
+            <a:r>
+              <a:rPr lang="en-US" baseline="0" dirty="0" smtClean="0"/>
+              <a:t>Homework questions and answers</a:t>
+            </a:r>
+          </a:p>
+          <a:p>
+            <a:pPr marL="228600" indent="-228600">
+              <a:buAutoNum type="arabicPeriod"/>
+            </a:pPr>
+            <a:r>
+              <a:rPr lang="en-US" baseline="0" dirty="0" smtClean="0"/>
+              <a:t>!!! Pull remote main branch (explain if we create a branch now then new branch will be without all changes made in preceding lesson)</a:t>
+            </a:r>
+          </a:p>
+          <a:p>
+            <a:pPr marL="228600" indent="-228600">
+              <a:buAutoNum type="arabicPeriod"/>
+            </a:pPr>
+            <a:r>
+              <a:rPr lang="en-US" baseline="0" dirty="0" smtClean="0"/>
+              <a:t>Create new branch</a:t>
+            </a:r>
+          </a:p>
+          <a:p>
+            <a:pPr marL="228600" indent="-228600">
+              <a:buAutoNum type="arabicPeriod"/>
             </a:pPr>
             <a:endParaRPr lang="en-US" baseline="0" dirty="0" smtClean="0"/>
           </a:p>
@@ -1074,10 +1167,59 @@
           <a:bodyPr/>
           <a:lstStyle/>
           <a:p>
+            <a:pPr marL="228600" indent="-228600">
+              <a:buAutoNum type="arabicPeriod"/>
+            </a:pPr>
+            <a:r>
+              <a:rPr lang="en-US" dirty="0" smtClean="0"/>
+              <a:t>Make</a:t>
+            </a:r>
+            <a:r>
+              <a:rPr lang="en-US" baseline="0" dirty="0" smtClean="0"/>
+              <a:t> a commit</a:t>
+            </a:r>
+          </a:p>
+          <a:p>
+            <a:pPr marL="228600" indent="-228600">
+              <a:buAutoNum type="arabicPeriod"/>
+            </a:pPr>
+            <a:r>
+              <a:rPr lang="en-US" baseline="0" dirty="0" smtClean="0"/>
+              <a:t>Push the commit</a:t>
+            </a:r>
+          </a:p>
+          <a:p>
+            <a:pPr marL="228600" indent="-228600">
+              <a:buAutoNum type="arabicPeriod"/>
+            </a:pPr>
+            <a:r>
+              <a:rPr lang="en-US" baseline="0" dirty="0" smtClean="0"/>
+              <a:t>Make a PR and approve it</a:t>
+            </a:r>
+          </a:p>
+          <a:p>
+            <a:pPr marL="228600" indent="-228600">
+              <a:buAutoNum type="arabicPeriod"/>
+            </a:pPr>
+            <a:r>
+              <a:rPr lang="en-US" baseline="0" dirty="0" smtClean="0"/>
+              <a:t>Give homework</a:t>
+            </a:r>
+          </a:p>
+          <a:p>
+            <a:pPr marL="228600" indent="-228600">
+              <a:buAutoNum type="arabicPeriod"/>
+            </a:pPr>
+            <a:endParaRPr lang="en-US" baseline="0" dirty="0" smtClean="0"/>
+          </a:p>
+          <a:p>
             <a:pPr marL="0" indent="0">
               <a:buNone/>
             </a:pPr>
-            <a:endParaRPr lang="en-US" baseline="0" dirty="0" smtClean="0"/>
+            <a:r>
+              <a:rPr lang="en-US" baseline="0" dirty="0" smtClean="0"/>
+              <a:t>End Lesson 2.</a:t>
+            </a:r>
           </a:p>
         </p:txBody>
       </p:sp>
@@ -1252,6 +1394,48 @@
             <a:pPr marL="0" indent="0">
               <a:buNone/>
             </a:pPr>
+            <a:r>
+              <a:rPr lang="en-US" baseline="0" dirty="0" smtClean="0"/>
+              <a:t>Lesson 3 Arrays and Loops</a:t>
+            </a:r>
+          </a:p>
+          <a:p>
+            <a:pPr marL="0" indent="0">
+              <a:buNone/>
+            </a:pPr>
+            <a:endParaRPr lang="en-US" baseline="0" dirty="0" smtClean="0"/>
+          </a:p>
+          <a:p>
+            <a:pPr marL="228600" indent="-228600">
+              <a:buAutoNum type="arabicPeriod"/>
+            </a:pPr>
+            <a:r>
+              <a:rPr lang="en-US" baseline="0" dirty="0" smtClean="0"/>
+              <a:t>Homework questions and answers</a:t>
+            </a:r>
+          </a:p>
+          <a:p>
+            <a:pPr marL="228600" indent="-228600">
+              <a:buAutoNum type="arabicPeriod"/>
+            </a:pPr>
+            <a:r>
+              <a:rPr lang="en-US" baseline="0" dirty="0" smtClean="0"/>
+              <a:t>Introduction</a:t>
+            </a:r>
+          </a:p>
+          <a:p>
+            <a:pPr marL="228600" indent="-228600">
+              <a:buAutoNum type="arabicPeriod"/>
+            </a:pPr>
+            <a:r>
+              <a:rPr lang="en-US" baseline="0" dirty="0" smtClean="0"/>
+              <a:t>Create a new branch</a:t>
+            </a:r>
+          </a:p>
+          <a:p>
+            <a:pPr marL="228600" indent="-228600">
+              <a:buAutoNum type="arabicPeriod"/>
+            </a:pPr>
             <a:endParaRPr lang="en-US" baseline="0" dirty="0" smtClean="0"/>
           </a:p>
         </p:txBody>
@@ -1423,6 +1607,52 @@
           <a:bodyPr/>
           <a:lstStyle/>
           <a:p>
+            <a:pPr marL="228600" indent="-228600">
+              <a:buAutoNum type="arabicPeriod"/>
+            </a:pPr>
+            <a:r>
+              <a:rPr lang="en-US" dirty="0" smtClean="0"/>
+              <a:t>Make</a:t>
+            </a:r>
+            <a:r>
+              <a:rPr lang="en-US" baseline="0" dirty="0" smtClean="0"/>
+              <a:t> a commit</a:t>
+            </a:r>
+          </a:p>
+          <a:p>
+            <a:pPr marL="228600" indent="-228600">
+              <a:buAutoNum type="arabicPeriod"/>
+            </a:pPr>
+            <a:r>
+              <a:rPr lang="en-US" baseline="0" dirty="0" smtClean="0"/>
+              <a:t>Push the commit</a:t>
+            </a:r>
+          </a:p>
+          <a:p>
+            <a:pPr marL="228600" indent="-228600">
+              <a:buAutoNum type="arabicPeriod"/>
+            </a:pPr>
+            <a:r>
+              <a:rPr lang="en-US" baseline="0" dirty="0" smtClean="0"/>
+              <a:t>Make a PR and approve it</a:t>
+            </a:r>
+          </a:p>
+          <a:p>
+            <a:pPr marL="228600" indent="-228600">
+              <a:buAutoNum type="arabicPeriod"/>
+            </a:pPr>
+            <a:endParaRPr lang="en-US" baseline="0" dirty="0" smtClean="0"/>
+          </a:p>
+          <a:p>
+            <a:pPr marL="0" indent="0">
+              <a:buNone/>
+            </a:pPr>
+            <a:r>
+              <a:rPr lang="en-US" baseline="0" dirty="0" smtClean="0"/>
+              <a:t>End Lesson 3.</a:t>
+            </a:r>
+          </a:p>
+          <a:p>
             <a:pPr marL="0" indent="0">
               <a:buNone/>
             </a:pPr>
@@ -1599,9 +1829,10 @@
           <a:lstStyle/>
           <a:p>
             <a:pPr marL="0" indent="0">
+              <a:buFont typeface="+mj-lt"/>
               <a:buNone/>
             </a:pPr>
-            <a:endParaRPr lang="en-US" baseline="0" dirty="0" smtClean="0"/>
+            <a:endParaRPr lang="en-US" dirty="0" smtClean="0"/>
           </a:p>
         </p:txBody>
       </p:sp>
@@ -1631,7 +1862,7 @@
     </p:spTree>
     <p:extLst>
       <p:ext uri="{BB962C8B-B14F-4D97-AF65-F5344CB8AC3E}">
-        <p14:creationId xmlns:p14="http://schemas.microsoft.com/office/powerpoint/2010/main" val="489106304"/>
+        <p14:creationId xmlns:p14="http://schemas.microsoft.com/office/powerpoint/2010/main" val="2336813315"/>
       </p:ext>
     </p:extLst>
   </p:cSld>
@@ -1686,10 +1917,45 @@
           <a:lstStyle/>
           <a:p>
             <a:pPr marL="0" indent="0">
-              <a:buFont typeface="+mj-lt"/>
               <a:buNone/>
             </a:pPr>
-            <a:endParaRPr lang="en-US" dirty="0" smtClean="0"/>
+            <a:r>
+              <a:rPr lang="en-US" baseline="0" dirty="0" smtClean="0"/>
+              <a:t>Lesson 4.</a:t>
+            </a:r>
+          </a:p>
+          <a:p>
+            <a:pPr marL="228600" indent="-228600">
+              <a:buAutoNum type="arabicPeriod"/>
+            </a:pPr>
+            <a:r>
+              <a:rPr lang="en-US" baseline="0" dirty="0" smtClean="0"/>
+              <a:t>Homework questions and answers</a:t>
+            </a:r>
+          </a:p>
+          <a:p>
+            <a:pPr marL="228600" indent="-228600">
+              <a:buAutoNum type="arabicPeriod"/>
+            </a:pPr>
+            <a:r>
+              <a:rPr lang="en-US" baseline="0" dirty="0" smtClean="0"/>
+              <a:t>Introduction</a:t>
+            </a:r>
+          </a:p>
+          <a:p>
+            <a:pPr marL="228600" indent="-228600">
+              <a:buAutoNum type="arabicPeriod"/>
+            </a:pPr>
+            <a:r>
+              <a:rPr lang="en-US" baseline="0" dirty="0" smtClean="0"/>
+              <a:t>Create a new branch</a:t>
+            </a:r>
+          </a:p>
+          <a:p>
+            <a:pPr marL="0" indent="0">
+              <a:buNone/>
+            </a:pPr>
+            <a:endParaRPr lang="en-US" baseline="0" dirty="0" smtClean="0"/>
           </a:p>
         </p:txBody>
       </p:sp>
@@ -1711,6 +1977,314 @@
             <a:fld id="{72322572-43F4-4B03-89EA-3E2E4F93C9D1}" type="slidenum">
               <a:rPr lang="en-US" smtClean="0"/>
               <a:t>23</a:t>
+            </a:fld>
+            <a:endParaRPr lang="en-US"/>
+          </a:p>
+        </p:txBody>
+      </p:sp>
+    </p:spTree>
+    <p:extLst>
+      <p:ext uri="{BB962C8B-B14F-4D97-AF65-F5344CB8AC3E}">
+        <p14:creationId xmlns:p14="http://schemas.microsoft.com/office/powerpoint/2010/main" val="693944847"/>
+      </p:ext>
+    </p:extLst>
+  </p:cSld>
+  <p:clrMapOvr>
+    <a:masterClrMapping/>
+  </p:clrMapOvr>
+</p:notes>
+</file>
+
+<file path=ppt/notesSlides/notesSlide22.xml><?xml version="1.0" encoding="utf-8"?>
+<p:notes xmlns:a="http://schemas.openxmlformats.org/drawingml/2006/main" xmlns:r="http://schemas.openxmlformats.org/officeDocument/2006/relationships" xmlns:p="http://schemas.openxmlformats.org/presentationml/2006/main">
+  <p:cSld>
+    <p:spTree>
+      <p:nvGrpSpPr>
+        <p:cNvPr id="1" name=""/>
+        <p:cNvGrpSpPr/>
+        <p:nvPr/>
+      </p:nvGrpSpPr>
+      <p:grpSpPr>
+        <a:xfrm>
+          <a:off x="0" y="0"/>
+          <a:ext cx="0" cy="0"/>
+          <a:chOff x="0" y="0"/>
+          <a:chExt cx="0" cy="0"/>
+        </a:xfrm>
+      </p:grpSpPr>
+      <p:sp>
+        <p:nvSpPr>
+          <p:cNvPr id="2" name="Образ слайда 1"/>
+          <p:cNvSpPr>
+            <a:spLocks noGrp="1" noRot="1" noChangeAspect="1"/>
+          </p:cNvSpPr>
+          <p:nvPr>
+            <p:ph type="sldImg"/>
+          </p:nvPr>
+        </p:nvSpPr>
+        <p:spPr/>
+      </p:sp>
+      <p:sp>
+        <p:nvSpPr>
+          <p:cNvPr id="3" name="Заметки 2"/>
+          <p:cNvSpPr>
+            <a:spLocks noGrp="1"/>
+          </p:cNvSpPr>
+          <p:nvPr>
+            <p:ph type="body" idx="1"/>
+          </p:nvPr>
+        </p:nvSpPr>
+        <p:spPr/>
+        <p:txBody>
+          <a:bodyPr/>
+          <a:lstStyle/>
+          <a:p>
+            <a:pPr marL="228600" indent="-228600">
+              <a:buAutoNum type="arabicPeriod"/>
+            </a:pPr>
+            <a:r>
+              <a:rPr lang="en-US" dirty="0" smtClean="0"/>
+              <a:t>Make</a:t>
+            </a:r>
+            <a:r>
+              <a:rPr lang="en-US" baseline="0" dirty="0" smtClean="0"/>
+              <a:t> a commit</a:t>
+            </a:r>
+          </a:p>
+          <a:p>
+            <a:pPr marL="228600" indent="-228600">
+              <a:buAutoNum type="arabicPeriod"/>
+            </a:pPr>
+            <a:r>
+              <a:rPr lang="en-US" baseline="0" dirty="0" smtClean="0"/>
+              <a:t>Push the commit</a:t>
+            </a:r>
+          </a:p>
+          <a:p>
+            <a:pPr marL="228600" indent="-228600">
+              <a:buAutoNum type="arabicPeriod"/>
+            </a:pPr>
+            <a:r>
+              <a:rPr lang="en-US" baseline="0" dirty="0" smtClean="0"/>
+              <a:t>Make a PR and approve it</a:t>
+            </a:r>
+          </a:p>
+          <a:p>
+            <a:pPr marL="228600" indent="-228600">
+              <a:buAutoNum type="arabicPeriod"/>
+            </a:pPr>
+            <a:endParaRPr lang="en-US" baseline="0" dirty="0" smtClean="0"/>
+          </a:p>
+          <a:p>
+            <a:pPr marL="0" indent="0">
+              <a:buNone/>
+            </a:pPr>
+            <a:r>
+              <a:rPr lang="en-US" baseline="0" dirty="0" smtClean="0"/>
+              <a:t>End Lesson 4.</a:t>
+            </a:r>
+          </a:p>
+          <a:p>
+            <a:pPr marL="0" indent="0">
+              <a:buNone/>
+            </a:pPr>
+            <a:endParaRPr lang="en-US" baseline="0" dirty="0" smtClean="0"/>
+          </a:p>
+        </p:txBody>
+      </p:sp>
+      <p:sp>
+        <p:nvSpPr>
+          <p:cNvPr id="4" name="Номер слайда 3"/>
+          <p:cNvSpPr>
+            <a:spLocks noGrp="1"/>
+          </p:cNvSpPr>
+          <p:nvPr>
+            <p:ph type="sldNum" sz="quarter" idx="10"/>
+          </p:nvPr>
+        </p:nvSpPr>
+        <p:spPr/>
+        <p:txBody>
+          <a:bodyPr/>
+          <a:lstStyle/>
+          <a:p>
+            <a:fld id="{72322572-43F4-4B03-89EA-3E2E4F93C9D1}" type="slidenum">
+              <a:rPr lang="en-US" smtClean="0"/>
+              <a:t>24</a:t>
+            </a:fld>
+            <a:endParaRPr lang="en-US"/>
+          </a:p>
+        </p:txBody>
+      </p:sp>
+    </p:spTree>
+    <p:extLst>
+      <p:ext uri="{BB962C8B-B14F-4D97-AF65-F5344CB8AC3E}">
+        <p14:creationId xmlns:p14="http://schemas.microsoft.com/office/powerpoint/2010/main" val="1434211609"/>
+      </p:ext>
+    </p:extLst>
+  </p:cSld>
+  <p:clrMapOvr>
+    <a:masterClrMapping/>
+  </p:clrMapOvr>
+</p:notes>
+</file>
+
+<file path=ppt/notesSlides/notesSlide23.xml><?xml version="1.0" encoding="utf-8"?>
+<p:notes xmlns:a="http://schemas.openxmlformats.org/drawingml/2006/main" xmlns:r="http://schemas.openxmlformats.org/officeDocument/2006/relationships" xmlns:p="http://schemas.openxmlformats.org/presentationml/2006/main">
+  <p:cSld>
+    <p:spTree>
+      <p:nvGrpSpPr>
+        <p:cNvPr id="1" name=""/>
+        <p:cNvGrpSpPr/>
+        <p:nvPr/>
+      </p:nvGrpSpPr>
+      <p:grpSpPr>
+        <a:xfrm>
+          <a:off x="0" y="0"/>
+          <a:ext cx="0" cy="0"/>
+          <a:chOff x="0" y="0"/>
+          <a:chExt cx="0" cy="0"/>
+        </a:xfrm>
+      </p:grpSpPr>
+      <p:sp>
+        <p:nvSpPr>
+          <p:cNvPr id="2" name="Образ слайда 1"/>
+          <p:cNvSpPr>
+            <a:spLocks noGrp="1" noRot="1" noChangeAspect="1"/>
+          </p:cNvSpPr>
+          <p:nvPr>
+            <p:ph type="sldImg"/>
+          </p:nvPr>
+        </p:nvSpPr>
+        <p:spPr/>
+      </p:sp>
+      <p:sp>
+        <p:nvSpPr>
+          <p:cNvPr id="3" name="Заметки 2"/>
+          <p:cNvSpPr>
+            <a:spLocks noGrp="1"/>
+          </p:cNvSpPr>
+          <p:nvPr>
+            <p:ph type="body" idx="1"/>
+          </p:nvPr>
+        </p:nvSpPr>
+        <p:spPr/>
+        <p:txBody>
+          <a:bodyPr/>
+          <a:lstStyle/>
+          <a:p>
+            <a:pPr marL="0" indent="0">
+              <a:buNone/>
+            </a:pPr>
+            <a:endParaRPr lang="en-US" baseline="0" dirty="0" smtClean="0"/>
+          </a:p>
+        </p:txBody>
+      </p:sp>
+      <p:sp>
+        <p:nvSpPr>
+          <p:cNvPr id="4" name="Номер слайда 3"/>
+          <p:cNvSpPr>
+            <a:spLocks noGrp="1"/>
+          </p:cNvSpPr>
+          <p:nvPr>
+            <p:ph type="sldNum" sz="quarter" idx="10"/>
+          </p:nvPr>
+        </p:nvSpPr>
+        <p:spPr/>
+        <p:txBody>
+          <a:bodyPr/>
+          <a:lstStyle/>
+          <a:p>
+            <a:fld id="{72322572-43F4-4B03-89EA-3E2E4F93C9D1}" type="slidenum">
+              <a:rPr lang="en-US" smtClean="0"/>
+              <a:t>25</a:t>
+            </a:fld>
+            <a:endParaRPr lang="en-US"/>
+          </a:p>
+        </p:txBody>
+      </p:sp>
+    </p:spTree>
+    <p:extLst>
+      <p:ext uri="{BB962C8B-B14F-4D97-AF65-F5344CB8AC3E}">
+        <p14:creationId xmlns:p14="http://schemas.microsoft.com/office/powerpoint/2010/main" val="489106304"/>
+      </p:ext>
+    </p:extLst>
+  </p:cSld>
+  <p:clrMapOvr>
+    <a:masterClrMapping/>
+  </p:clrMapOvr>
+</p:notes>
+</file>
+
+<file path=ppt/notesSlides/notesSlide24.xml><?xml version="1.0" encoding="utf-8"?>
+<p:notes xmlns:a="http://schemas.openxmlformats.org/drawingml/2006/main" xmlns:r="http://schemas.openxmlformats.org/officeDocument/2006/relationships" xmlns:p="http://schemas.openxmlformats.org/presentationml/2006/main">
+  <p:cSld>
+    <p:spTree>
+      <p:nvGrpSpPr>
+        <p:cNvPr id="1" name=""/>
+        <p:cNvGrpSpPr/>
+        <p:nvPr/>
+      </p:nvGrpSpPr>
+      <p:grpSpPr>
+        <a:xfrm>
+          <a:off x="0" y="0"/>
+          <a:ext cx="0" cy="0"/>
+          <a:chOff x="0" y="0"/>
+          <a:chExt cx="0" cy="0"/>
+        </a:xfrm>
+      </p:grpSpPr>
+      <p:sp>
+        <p:nvSpPr>
+          <p:cNvPr id="2" name="Образ слайда 1"/>
+          <p:cNvSpPr>
+            <a:spLocks noGrp="1" noRot="1" noChangeAspect="1"/>
+          </p:cNvSpPr>
+          <p:nvPr>
+            <p:ph type="sldImg"/>
+          </p:nvPr>
+        </p:nvSpPr>
+        <p:spPr/>
+      </p:sp>
+      <p:sp>
+        <p:nvSpPr>
+          <p:cNvPr id="3" name="Заметки 2"/>
+          <p:cNvSpPr>
+            <a:spLocks noGrp="1"/>
+          </p:cNvSpPr>
+          <p:nvPr>
+            <p:ph type="body" idx="1"/>
+          </p:nvPr>
+        </p:nvSpPr>
+        <p:spPr/>
+        <p:txBody>
+          <a:bodyPr/>
+          <a:lstStyle/>
+          <a:p>
+            <a:pPr marL="0" indent="0">
+              <a:buFont typeface="+mj-lt"/>
+              <a:buNone/>
+            </a:pPr>
+            <a:endParaRPr lang="en-US" dirty="0" smtClean="0"/>
+          </a:p>
+        </p:txBody>
+      </p:sp>
+      <p:sp>
+        <p:nvSpPr>
+          <p:cNvPr id="4" name="Номер слайда 3"/>
+          <p:cNvSpPr>
+            <a:spLocks noGrp="1"/>
+          </p:cNvSpPr>
+          <p:nvPr>
+            <p:ph type="sldNum" sz="quarter" idx="10"/>
+          </p:nvPr>
+        </p:nvSpPr>
+        <p:spPr/>
+        <p:txBody>
+          <a:bodyPr/>
+          <a:lstStyle/>
+          <a:p>
+            <a:fld id="{72322572-43F4-4B03-89EA-3E2E4F93C9D1}" type="slidenum">
+              <a:rPr lang="en-US" smtClean="0"/>
+              <a:t>26</a:t>
             </a:fld>
             <a:endParaRPr lang="en-US"/>
           </a:p>
@@ -1945,10 +2519,14 @@
           <a:bodyPr/>
           <a:lstStyle/>
           <a:p>
-            <a:pPr marL="0" indent="0">
+            <a:pPr marL="228600" indent="-228600">
               <a:buFont typeface="+mj-lt"/>
-              <a:buNone/>
+              <a:buAutoNum type="arabicPeriod"/>
             </a:pPr>
+            <a:r>
+              <a:rPr lang="en-US" baseline="0" dirty="0" smtClean="0"/>
+              <a:t>Show practical application of bash commands before cloning the repo</a:t>
+            </a:r>
             <a:endParaRPr lang="en-US" dirty="0" smtClean="0"/>
           </a:p>
         </p:txBody>
@@ -2033,11 +2611,62 @@
           <a:bodyPr/>
           <a:lstStyle/>
           <a:p>
-            <a:pPr marL="0" indent="0">
+            <a:pPr marL="228600" indent="-228600">
               <a:buFont typeface="+mj-lt"/>
-              <a:buNone/>
+              <a:buAutoNum type="arabicPeriod"/>
             </a:pPr>
-            <a:endParaRPr lang="en-US" baseline="0" dirty="0" smtClean="0"/>
+            <a:r>
+              <a:rPr lang="en-US" dirty="0" smtClean="0"/>
+              <a:t>Having cloned the repo create</a:t>
+            </a:r>
+            <a:r>
+              <a:rPr lang="en-US" baseline="0" dirty="0" smtClean="0"/>
+              <a:t> a new branch</a:t>
+            </a:r>
+          </a:p>
+          <a:p>
+            <a:pPr marL="228600" indent="-228600">
+              <a:buFont typeface="+mj-lt"/>
+              <a:buAutoNum type="arabicPeriod"/>
+            </a:pPr>
+            <a:r>
+              <a:rPr lang="en-US" baseline="0" dirty="0" smtClean="0"/>
+              <a:t>Create a</a:t>
+            </a:r>
+            <a:r>
+              <a:rPr lang="en-US" dirty="0" smtClean="0"/>
+              <a:t> console</a:t>
+            </a:r>
+            <a:r>
+              <a:rPr lang="en-US" baseline="0" dirty="0" smtClean="0"/>
+              <a:t> application project and explain about stages in </a:t>
+            </a:r>
+            <a:r>
+              <a:rPr lang="en-US" baseline="0" dirty="0" err="1" smtClean="0"/>
+              <a:t>Git</a:t>
+            </a:r>
+            <a:r>
+              <a:rPr lang="en-US" baseline="0" dirty="0" smtClean="0"/>
+              <a:t>.</a:t>
+            </a:r>
+          </a:p>
+          <a:p>
+            <a:pPr marL="228600" indent="-228600">
+              <a:buFont typeface="+mj-lt"/>
+              <a:buAutoNum type="arabicPeriod"/>
+            </a:pPr>
+            <a:r>
+              <a:rPr lang="en-US" baseline="0" dirty="0" smtClean="0"/>
+              <a:t>Explain basic </a:t>
+            </a:r>
+            <a:r>
+              <a:rPr lang="en-US" baseline="0" dirty="0" err="1" smtClean="0"/>
+              <a:t>git</a:t>
+            </a:r>
+            <a:r>
+              <a:rPr lang="en-US" baseline="0" dirty="0" smtClean="0"/>
+              <a:t> commands</a:t>
+            </a:r>
           </a:p>
         </p:txBody>
       </p:sp>
@@ -2121,9 +2750,57 @@
           <a:bodyPr/>
           <a:lstStyle/>
           <a:p>
-            <a:pPr marL="0" indent="0">
+            <a:pPr marL="228600" indent="-228600">
               <a:buFont typeface="+mj-lt"/>
-              <a:buNone/>
+              <a:buAutoNum type="arabicPeriod"/>
+            </a:pPr>
+            <a:r>
+              <a:rPr lang="en-US" baseline="0" dirty="0" smtClean="0"/>
+              <a:t>Explain general </a:t>
+            </a:r>
+            <a:r>
+              <a:rPr lang="en-US" baseline="0" dirty="0" err="1" smtClean="0"/>
+              <a:t>git</a:t>
+            </a:r>
+            <a:r>
+              <a:rPr lang="en-US" baseline="0" dirty="0" smtClean="0"/>
+              <a:t> workflow</a:t>
+            </a:r>
+          </a:p>
+          <a:p>
+            <a:pPr marL="228600" indent="-228600">
+              <a:buFont typeface="+mj-lt"/>
+              <a:buAutoNum type="arabicPeriod"/>
+            </a:pPr>
+            <a:r>
+              <a:rPr lang="en-US" baseline="0" dirty="0" smtClean="0"/>
+              <a:t>Stage changes</a:t>
+            </a:r>
+          </a:p>
+          <a:p>
+            <a:pPr marL="228600" indent="-228600">
+              <a:buFont typeface="+mj-lt"/>
+              <a:buAutoNum type="arabicPeriod"/>
+            </a:pPr>
+            <a:r>
+              <a:rPr lang="en-US" baseline="0" dirty="0" smtClean="0"/>
+              <a:t>Make first commit</a:t>
+            </a:r>
+          </a:p>
+          <a:p>
+            <a:pPr marL="228600" indent="-228600">
+              <a:buFont typeface="+mj-lt"/>
+              <a:buAutoNum type="arabicPeriod"/>
+            </a:pPr>
+            <a:r>
+              <a:rPr lang="en-US" baseline="0" dirty="0" smtClean="0"/>
+              <a:t>Push created console application</a:t>
+            </a:r>
+          </a:p>
+          <a:p>
+            <a:pPr marL="228600" indent="-228600">
+              <a:buFont typeface="+mj-lt"/>
+              <a:buAutoNum type="arabicPeriod"/>
             </a:pPr>
             <a:endParaRPr lang="en-US" baseline="0" dirty="0" smtClean="0"/>
           </a:p>
@@ -2303,8 +2980,95 @@
           <a:bodyPr/>
           <a:lstStyle/>
           <a:p>
-            <a:pPr marL="0" indent="0">
-              <a:buNone/>
+            <a:pPr marL="228600" indent="-228600">
+              <a:buAutoNum type="arabicPeriod"/>
+            </a:pPr>
+            <a:r>
+              <a:rPr lang="en-US" dirty="0" smtClean="0"/>
+              <a:t>Introduction</a:t>
+            </a:r>
+            <a:r>
+              <a:rPr lang="en-US" baseline="0" dirty="0" smtClean="0"/>
+              <a:t> in VS and Console application</a:t>
+            </a:r>
+          </a:p>
+          <a:p>
+            <a:pPr marL="228600" indent="-228600">
+              <a:buAutoNum type="arabicPeriod"/>
+            </a:pPr>
+            <a:r>
+              <a:rPr lang="en-US" baseline="0" dirty="0" smtClean="0"/>
+              <a:t>Debugging</a:t>
+            </a:r>
+          </a:p>
+          <a:p>
+            <a:pPr marL="228600" indent="-228600">
+              <a:buAutoNum type="arabicPeriod"/>
+            </a:pPr>
+            <a:r>
+              <a:rPr lang="en-US" baseline="0" dirty="0" smtClean="0"/>
+              <a:t>Create a new branch Output logic</a:t>
+            </a:r>
+            <a:endParaRPr lang="en-US" dirty="0" smtClean="0"/>
+          </a:p>
+          <a:p>
+            <a:pPr marL="228600" indent="-228600">
+              <a:buAutoNum type="arabicPeriod"/>
+            </a:pPr>
+            <a:r>
+              <a:rPr lang="en-US" dirty="0" smtClean="0"/>
+              <a:t>Implement </a:t>
+            </a:r>
+            <a:r>
+              <a:rPr lang="en-US" baseline="0" dirty="0" smtClean="0"/>
+              <a:t>Output logic via interfaces in the console application</a:t>
+            </a:r>
+          </a:p>
+          <a:p>
+            <a:pPr marL="228600" indent="-228600">
+              <a:buAutoNum type="arabicPeriod"/>
+            </a:pPr>
+            <a:r>
+              <a:rPr lang="en-US" baseline="0" dirty="0" smtClean="0"/>
+              <a:t>Push Output and PR it</a:t>
+            </a:r>
+          </a:p>
+          <a:p>
+            <a:pPr marL="228600" indent="-228600">
+              <a:buAutoNum type="arabicPeriod"/>
+            </a:pPr>
+            <a:r>
+              <a:rPr lang="en-US" baseline="0" dirty="0" smtClean="0"/>
+              <a:t>Create new branch</a:t>
+            </a:r>
+          </a:p>
+          <a:p>
+            <a:pPr marL="228600" indent="-228600">
+              <a:buAutoNum type="arabicPeriod"/>
+            </a:pPr>
+            <a:r>
+              <a:rPr lang="en-US" baseline="0" dirty="0" smtClean="0"/>
+              <a:t>Primitive types</a:t>
+            </a:r>
+          </a:p>
+          <a:p>
+            <a:pPr marL="228600" indent="-228600">
+              <a:buAutoNum type="arabicPeriod"/>
+            </a:pPr>
+            <a:r>
+              <a:rPr lang="en-US" baseline="0" dirty="0" smtClean="0"/>
+              <a:t>Push and make a PR in repository</a:t>
+            </a:r>
+          </a:p>
+          <a:p>
+            <a:pPr marL="228600" indent="-228600">
+              <a:buAutoNum type="arabicPeriod"/>
+            </a:pPr>
+            <a:endParaRPr lang="en-US" baseline="0" dirty="0" smtClean="0"/>
+          </a:p>
+          <a:p>
+            <a:pPr marL="228600" indent="-228600">
+              <a:buAutoNum type="arabicPeriod"/>
             </a:pPr>
             <a:endParaRPr lang="en-US" dirty="0"/>
           </a:p>
@@ -3091,7 +3855,7 @@
           <a:p>
             <a:fld id="{6E0645D3-1BEA-4FA9-AB54-C0B0A8D021AD}" type="datetime3">
               <a:rPr lang="en-US" smtClean="0"/>
-              <a:t>5 October 2021</a:t>
+              <a:t>8 October 2021</a:t>
             </a:fld>
             <a:endParaRPr lang="en-US" dirty="0"/>
           </a:p>
@@ -3342,7 +4106,7 @@
           <a:p>
             <a:fld id="{40AD50CD-C363-44DD-AE5B-203C5D40B13B}" type="datetime3">
               <a:rPr lang="en-US" smtClean="0"/>
-              <a:t>5 October 2021</a:t>
+              <a:t>8 October 2021</a:t>
             </a:fld>
             <a:endParaRPr lang="en-US" dirty="0"/>
           </a:p>
@@ -3656,7 +4420,7 @@
           <a:p>
             <a:fld id="{E7409F44-56A9-4002-AEB5-86A43D19CA2F}" type="datetime3">
               <a:rPr lang="en-US" smtClean="0"/>
-              <a:t>5 October 2021</a:t>
+              <a:t>8 October 2021</a:t>
             </a:fld>
             <a:endParaRPr lang="en-US" dirty="0"/>
           </a:p>
@@ -3989,7 +4753,7 @@
           <a:p>
             <a:fld id="{FFD852B1-13FD-4F6A-80A3-877B1622CBE7}" type="datetime3">
               <a:rPr lang="en-US" smtClean="0"/>
-              <a:t>5 October 2021</a:t>
+              <a:t>8 October 2021</a:t>
             </a:fld>
             <a:endParaRPr lang="en-US" dirty="0"/>
           </a:p>
@@ -4303,7 +5067,7 @@
           <a:p>
             <a:fld id="{43C90565-36C7-4CB4-BE45-1F37694E5E2A}" type="datetime3">
               <a:rPr lang="en-US" smtClean="0"/>
-              <a:t>5 October 2021</a:t>
+              <a:t>8 October 2021</a:t>
             </a:fld>
             <a:endParaRPr lang="en-US" dirty="0"/>
           </a:p>
@@ -4696,7 +5460,7 @@
           <a:p>
             <a:fld id="{D8422CB0-85AD-4000-A60E-F3ADFE1EC577}" type="datetime3">
               <a:rPr lang="en-US" smtClean="0"/>
-              <a:t>5 October 2021</a:t>
+              <a:t>8 October 2021</a:t>
             </a:fld>
             <a:endParaRPr lang="en-US" dirty="0"/>
           </a:p>
@@ -4866,7 +5630,7 @@
           <a:p>
             <a:fld id="{CCF8BAE4-1F19-418E-A8BB-79A48576D4EA}" type="datetime3">
               <a:rPr lang="en-US" smtClean="0"/>
-              <a:t>5 October 2021</a:t>
+              <a:t>8 October 2021</a:t>
             </a:fld>
             <a:endParaRPr lang="en-US" dirty="0"/>
           </a:p>
@@ -5045,7 +5809,7 @@
           <a:p>
             <a:fld id="{6C6EA9DF-4A8F-413F-8F6A-5AF9146BD61F}" type="datetime3">
               <a:rPr lang="en-US" smtClean="0"/>
-              <a:t>5 October 2021</a:t>
+              <a:t>8 October 2021</a:t>
             </a:fld>
             <a:endParaRPr lang="en-US" dirty="0"/>
           </a:p>
@@ -5215,7 +5979,7 @@
           <a:p>
             <a:fld id="{939306D3-16AC-481B-963B-74A1D01AC013}" type="datetime3">
               <a:rPr lang="en-US" smtClean="0"/>
-              <a:t>5 October 2021</a:t>
+              <a:t>8 October 2021</a:t>
             </a:fld>
             <a:endParaRPr lang="en-US" dirty="0"/>
           </a:p>
@@ -5461,7 +6225,7 @@
           <a:p>
             <a:fld id="{53B23675-A097-482E-93D9-DCDB34B0BA89}" type="datetime3">
               <a:rPr lang="en-US" smtClean="0"/>
-              <a:t>5 October 2021</a:t>
+              <a:t>8 October 2021</a:t>
             </a:fld>
             <a:endParaRPr lang="en-US" dirty="0"/>
           </a:p>
@@ -5693,7 +6457,7 @@
           <a:p>
             <a:fld id="{A3FD861C-0A67-4424-8F42-13A5AB039027}" type="datetime3">
               <a:rPr lang="en-US" smtClean="0"/>
-              <a:t>5 October 2021</a:t>
+              <a:t>8 October 2021</a:t>
             </a:fld>
             <a:endParaRPr lang="en-US" dirty="0"/>
           </a:p>
@@ -6066,7 +6830,7 @@
           <a:p>
             <a:fld id="{F48DCAEC-E29B-4D93-9DB9-AB8D1FE2D702}" type="datetime3">
               <a:rPr lang="en-US" smtClean="0"/>
-              <a:t>5 October 2021</a:t>
+              <a:t>8 October 2021</a:t>
             </a:fld>
             <a:endParaRPr lang="en-US" dirty="0"/>
           </a:p>
@@ -6189,7 +6953,7 @@
           <a:p>
             <a:fld id="{4C5CA901-B02A-4F2D-AC74-8ADE57E73DF4}" type="datetime3">
               <a:rPr lang="en-US" smtClean="0"/>
-              <a:t>5 October 2021</a:t>
+              <a:t>8 October 2021</a:t>
             </a:fld>
             <a:endParaRPr lang="en-US" dirty="0"/>
           </a:p>
@@ -6284,7 +7048,7 @@
           <a:p>
             <a:fld id="{D3480550-6EF3-49B0-AB5E-50034F2FFB28}" type="datetime3">
               <a:rPr lang="en-US" smtClean="0"/>
-              <a:t>5 October 2021</a:t>
+              <a:t>8 October 2021</a:t>
             </a:fld>
             <a:endParaRPr lang="en-US" dirty="0"/>
           </a:p>
@@ -6539,7 +7303,7 @@
           <a:p>
             <a:fld id="{47BAD964-252D-4C66-9406-7BE94E3F181D}" type="datetime3">
               <a:rPr lang="en-US" smtClean="0"/>
-              <a:t>5 October 2021</a:t>
+              <a:t>8 October 2021</a:t>
             </a:fld>
             <a:endParaRPr lang="en-US" dirty="0"/>
           </a:p>
@@ -6848,7 +7612,7 @@
           <a:p>
             <a:fld id="{67FF22B2-7B0E-40DF-9E30-4862C672A073}" type="datetime3">
               <a:rPr lang="en-US" smtClean="0"/>
-              <a:t>5 October 2021</a:t>
+              <a:t>8 October 2021</a:t>
             </a:fld>
             <a:endParaRPr lang="en-US" dirty="0"/>
           </a:p>
@@ -7545,7 +8309,7 @@
           <a:p>
             <a:fld id="{3CFD582D-0E09-44AB-BB3E-4722821CEBEA}" type="datetime3">
               <a:rPr lang="en-US" smtClean="0"/>
-              <a:t>5 October 2021</a:t>
+              <a:t>8 October 2021</a:t>
             </a:fld>
             <a:endParaRPr lang="en-US" dirty="0"/>
           </a:p>
@@ -8174,7 +8938,7 @@
           <a:p>
             <a:fld id="{E3705B4D-1726-4BAB-A90E-07379DAEAD37}" type="datetime3">
               <a:rPr lang="en-US" sz="1100" smtClean="0"/>
-              <a:t>5 October 2021</a:t>
+              <a:t>8 October 2021</a:t>
             </a:fld>
             <a:endParaRPr lang="en-US" sz="1100" dirty="0"/>
           </a:p>
@@ -9443,7 +10207,7 @@
           <a:p>
             <a:fld id="{939306D3-16AC-481B-963B-74A1D01AC013}" type="datetime3">
               <a:rPr lang="en-US" sz="1100" smtClean="0"/>
-              <a:t>5 October 2021</a:t>
+              <a:t>8 October 2021</a:t>
             </a:fld>
             <a:endParaRPr lang="en-US" sz="1100" dirty="0"/>
           </a:p>
@@ -10035,7 +10799,7 @@
           <a:p>
             <a:fld id="{939306D3-16AC-481B-963B-74A1D01AC013}" type="datetime3">
               <a:rPr lang="en-US" sz="1100" smtClean="0"/>
-              <a:t>5 October 2021</a:t>
+              <a:t>8 October 2021</a:t>
             </a:fld>
             <a:endParaRPr lang="en-US" sz="1100" dirty="0"/>
           </a:p>
@@ -11303,7 +12067,7 @@
           <a:p>
             <a:fld id="{E3705B4D-1726-4BAB-A90E-07379DAEAD37}" type="datetime3">
               <a:rPr lang="en-US" sz="1100" smtClean="0"/>
-              <a:t>5 October 2021</a:t>
+              <a:t>8 October 2021</a:t>
             </a:fld>
             <a:endParaRPr lang="en-US" sz="1100" dirty="0"/>
           </a:p>
@@ -12012,7 +12776,7 @@
           <a:p>
             <a:fld id="{939306D3-16AC-481B-963B-74A1D01AC013}" type="datetime3">
               <a:rPr lang="en-US" sz="1100" smtClean="0"/>
-              <a:t>5 October 2021</a:t>
+              <a:t>8 October 2021</a:t>
             </a:fld>
             <a:endParaRPr lang="en-US" sz="1100" dirty="0"/>
           </a:p>
@@ -12634,7 +13398,7 @@
           <a:p>
             <a:fld id="{E3705B4D-1726-4BAB-A90E-07379DAEAD37}" type="datetime3">
               <a:rPr lang="en-US" sz="1100" smtClean="0"/>
-              <a:t>5 October 2021</a:t>
+              <a:t>8 October 2021</a:t>
             </a:fld>
             <a:endParaRPr lang="en-US" sz="1100" dirty="0"/>
           </a:p>
@@ -12925,7 +13689,7 @@
           <a:p>
             <a:fld id="{939306D3-16AC-481B-963B-74A1D01AC013}" type="datetime3">
               <a:rPr lang="en-US" sz="1100" smtClean="0"/>
-              <a:t>5 October 2021</a:t>
+              <a:t>8 October 2021</a:t>
             </a:fld>
             <a:endParaRPr lang="en-US" sz="1100" dirty="0"/>
           </a:p>
@@ -14134,7 +14898,7 @@
           <a:p>
             <a:fld id="{939306D3-16AC-481B-963B-74A1D01AC013}" type="datetime3">
               <a:rPr lang="en-US" sz="1100" smtClean="0"/>
-              <a:t>5 October 2021</a:t>
+              <a:t>8 October 2021</a:t>
             </a:fld>
             <a:endParaRPr lang="en-US" sz="1100" dirty="0"/>
           </a:p>
@@ -15101,7 +15865,7 @@
           <a:p>
             <a:fld id="{E3705B4D-1726-4BAB-A90E-07379DAEAD37}" type="datetime3">
               <a:rPr lang="en-US" sz="1100" smtClean="0"/>
-              <a:t>5 October 2021</a:t>
+              <a:t>8 October 2021</a:t>
             </a:fld>
             <a:endParaRPr lang="en-US" sz="1100" dirty="0"/>
           </a:p>
@@ -15388,7 +16152,7 @@
           <a:p>
             <a:fld id="{939306D3-16AC-481B-963B-74A1D01AC013}" type="datetime3">
               <a:rPr lang="en-US" sz="1100" smtClean="0"/>
-              <a:t>5 October 2021</a:t>
+              <a:t>8 October 2021</a:t>
             </a:fld>
             <a:endParaRPr lang="en-US" sz="1100" dirty="0"/>
           </a:p>
@@ -16447,7 +17211,7 @@
           <a:p>
             <a:fld id="{E3705B4D-1726-4BAB-A90E-07379DAEAD37}" type="datetime3">
               <a:rPr lang="en-US" sz="1100" smtClean="0"/>
-              <a:t>5 October 2021</a:t>
+              <a:t>8 October 2021</a:t>
             </a:fld>
             <a:endParaRPr lang="en-US" sz="1100" dirty="0"/>
           </a:p>
@@ -16711,7 +17475,7 @@
           <a:p>
             <a:fld id="{939306D3-16AC-481B-963B-74A1D01AC013}" type="datetime3">
               <a:rPr lang="en-US" sz="1100" smtClean="0"/>
-              <a:t>5 October 2021</a:t>
+              <a:t>8 October 2021</a:t>
             </a:fld>
             <a:endParaRPr lang="en-US" sz="1100" dirty="0"/>
           </a:p>
@@ -18235,7 +18999,7 @@
           <a:p>
             <a:fld id="{939306D3-16AC-481B-963B-74A1D01AC013}" type="datetime3">
               <a:rPr lang="en-US" sz="1100" smtClean="0"/>
-              <a:t>5 October 2021</a:t>
+              <a:t>8 October 2021</a:t>
             </a:fld>
             <a:endParaRPr lang="en-US" sz="1100" dirty="0"/>
           </a:p>
@@ -19274,46 +20038,6 @@
       </p:grpSpPr>
       <p:sp>
         <p:nvSpPr>
-          <p:cNvPr id="2" name="Заголовок 1"/>
-          <p:cNvSpPr>
-            <a:spLocks noGrp="1"/>
-          </p:cNvSpPr>
-          <p:nvPr>
-            <p:ph type="title"/>
-          </p:nvPr>
-        </p:nvSpPr>
-        <p:spPr/>
-        <p:txBody>
-          <a:bodyPr/>
-          <a:lstStyle/>
-          <a:p>
-            <a:r>
-              <a:rPr lang="en-US" dirty="0"/>
-              <a:t>C# </a:t>
-            </a:r>
-            <a:r>
-              <a:rPr lang="en-US" dirty="0" smtClean="0"/>
-              <a:t>basics</a:t>
-            </a:r>
-            <a:br>
-              <a:rPr lang="en-US" dirty="0" smtClean="0"/>
-            </a:br>
-            <a:r>
-              <a:rPr lang="en-US" sz="2400" dirty="0" smtClean="0">
-                <a:solidFill>
-                  <a:prstClr val="white">
-                    <a:lumMod val="50000"/>
-                  </a:prstClr>
-                </a:solidFill>
-              </a:rPr>
-              <a:t>Useful links</a:t>
-            </a:r>
-            <a:endParaRPr lang="en-US" dirty="0"/>
-          </a:p>
-        </p:txBody>
-      </p:sp>
-      <p:sp>
-        <p:nvSpPr>
           <p:cNvPr id="4" name="Дата 3"/>
           <p:cNvSpPr>
             <a:spLocks noGrp="1"/>
@@ -19324,17 +20048,17 @@
         </p:nvSpPr>
         <p:spPr>
           <a:xfrm>
-            <a:off x="6598153" y="6041362"/>
-            <a:ext cx="1518920" cy="365125"/>
+            <a:off x="6518189" y="6041362"/>
+            <a:ext cx="1598883" cy="365125"/>
           </a:xfrm>
         </p:spPr>
         <p:txBody>
           <a:bodyPr/>
           <a:lstStyle/>
           <a:p>
-            <a:fld id="{939306D3-16AC-481B-963B-74A1D01AC013}" type="datetime3">
+            <a:fld id="{E3705B4D-1726-4BAB-A90E-07379DAEAD37}" type="datetime3">
               <a:rPr lang="en-US" sz="1100" smtClean="0"/>
-              <a:t>5 October 2021</a:t>
+              <a:t>8 October 2021</a:t>
             </a:fld>
             <a:endParaRPr lang="en-US" sz="1100" dirty="0"/>
           </a:p>
@@ -19398,140 +20122,138 @@
       </p:sp>
       <p:sp>
         <p:nvSpPr>
-          <p:cNvPr id="7" name="TextBox 6"/>
-          <p:cNvSpPr txBox="1"/>
-          <p:nvPr/>
+          <p:cNvPr id="8" name="Заголовок 7"/>
+          <p:cNvSpPr>
+            <a:spLocks noGrp="1"/>
+          </p:cNvSpPr>
+          <p:nvPr>
+            <p:ph type="title"/>
+          </p:nvPr>
         </p:nvSpPr>
         <p:spPr>
           <a:xfrm>
-            <a:off x="711107" y="2596469"/>
-            <a:ext cx="7879556" cy="2185214"/>
+            <a:off x="0" y="0"/>
+            <a:ext cx="12192000" cy="6858000"/>
           </a:xfrm>
-          <a:prstGeom prst="rect">
-            <a:avLst/>
-          </a:prstGeom>
-          <a:noFill/>
+          <a:solidFill>
+            <a:schemeClr val="accent2">
+              <a:lumMod val="75000"/>
+            </a:schemeClr>
+          </a:solidFill>
         </p:spPr>
         <p:txBody>
-          <a:bodyPr wrap="square" rtlCol="0">
-            <a:spAutoFit/>
-          </a:bodyPr>
+          <a:bodyPr/>
           <a:lstStyle/>
           <a:p>
             <a:r>
-              <a:rPr lang="en-US" dirty="0" err="1" smtClean="0">
-                <a:latin typeface="Consolas" panose="020B0609020204030204" pitchFamily="49" charset="0"/>
-              </a:rPr>
-              <a:t>Svetlin</a:t>
-            </a:r>
-            <a:r>
-              <a:rPr lang="en-US" dirty="0" smtClean="0">
-                <a:latin typeface="Consolas" panose="020B0609020204030204" pitchFamily="49" charset="0"/>
-              </a:rPr>
-              <a:t> </a:t>
-            </a:r>
-            <a:r>
-              <a:rPr lang="en-US" dirty="0" err="1" smtClean="0">
-                <a:latin typeface="Consolas" panose="020B0609020204030204" pitchFamily="49" charset="0"/>
-              </a:rPr>
-              <a:t>Nakov</a:t>
-            </a:r>
-            <a:r>
-              <a:rPr lang="en-US" dirty="0" smtClean="0">
-                <a:latin typeface="Consolas" panose="020B0609020204030204" pitchFamily="49" charset="0"/>
-              </a:rPr>
-              <a:t> and Team</a:t>
-            </a:r>
-          </a:p>
-          <a:p>
-            <a:r>
-              <a:rPr lang="en-US" dirty="0" smtClean="0">
-                <a:latin typeface="Consolas" panose="020B0609020204030204" pitchFamily="49" charset="0"/>
-              </a:rPr>
-              <a:t>“Fundamentals of Computer Programming with C#”</a:t>
-            </a:r>
-          </a:p>
-          <a:p>
-            <a:endParaRPr lang="en-US" dirty="0">
-              <a:solidFill>
-                <a:srgbClr val="33CCCC"/>
-              </a:solidFill>
-              <a:latin typeface="Consolas" panose="020B0609020204030204" pitchFamily="49" charset="0"/>
-            </a:endParaRPr>
-          </a:p>
-          <a:p>
+              <a:rPr lang="en-US" dirty="0" smtClean="0"/>
+              <a:t/>
+            </a:r>
+            <a:br>
+              <a:rPr lang="en-US" dirty="0" smtClean="0"/>
+            </a:br>
+            <a:r>
+              <a:rPr lang="en-US" dirty="0"/>
+              <a:t/>
+            </a:r>
+            <a:br>
+              <a:rPr lang="en-US" dirty="0"/>
+            </a:br>
+            <a:r>
+              <a:rPr lang="en-US" dirty="0" smtClean="0"/>
+              <a:t/>
+            </a:r>
+            <a:br>
+              <a:rPr lang="en-US" dirty="0" smtClean="0"/>
+            </a:br>
+            <a:r>
+              <a:rPr lang="en-US" dirty="0"/>
+              <a:t/>
+            </a:r>
+            <a:br>
+              <a:rPr lang="en-US" dirty="0"/>
+            </a:br>
+            <a:r>
+              <a:rPr lang="en-US" dirty="0" smtClean="0"/>
+              <a:t/>
+            </a:r>
+            <a:br>
+              <a:rPr lang="en-US" dirty="0" smtClean="0"/>
+            </a:br>
+            <a:r>
+              <a:rPr lang="en-US" dirty="0"/>
+              <a:t/>
+            </a:r>
+            <a:br>
+              <a:rPr lang="en-US" dirty="0"/>
+            </a:br>
+            <a:r>
+              <a:rPr lang="en-US" dirty="0" smtClean="0"/>
+              <a:t/>
+            </a:r>
+            <a:br>
+              <a:rPr lang="en-US" dirty="0" smtClean="0"/>
+            </a:br>
+            <a:r>
+              <a:rPr lang="en-US" dirty="0"/>
+              <a:t/>
+            </a:r>
+            <a:br>
+              <a:rPr lang="en-US" dirty="0"/>
+            </a:br>
+            <a:r>
+              <a:rPr lang="en-US" dirty="0" smtClean="0"/>
+              <a:t>		</a:t>
+            </a:r>
+            <a:r>
+              <a:rPr lang="en-US" sz="6600" dirty="0" smtClean="0">
+                <a:solidFill>
+                  <a:schemeClr val="bg1"/>
+                </a:solidFill>
+              </a:rPr>
+              <a:t>C# basics</a:t>
+            </a:r>
+            <a:br>
+              <a:rPr lang="en-US" sz="6600" dirty="0" smtClean="0">
+                <a:solidFill>
+                  <a:schemeClr val="bg1"/>
+                </a:solidFill>
+              </a:rPr>
+            </a:br>
             <a:r>
               <a:rPr lang="en-US" dirty="0">
                 <a:solidFill>
-                  <a:srgbClr val="33CCCC"/>
+                  <a:schemeClr val="bg1"/>
                 </a:solidFill>
-                <a:latin typeface="Consolas" panose="020B0609020204030204" pitchFamily="49" charset="0"/>
-                <a:hlinkClick r:id="rId3"/>
-              </a:rPr>
-              <a:t>https://</a:t>
+              </a:rPr>
+              <a:t>	</a:t>
             </a:r>
             <a:r>
               <a:rPr lang="en-US" dirty="0" smtClean="0">
                 <a:solidFill>
-                  <a:srgbClr val="33CCCC"/>
+                  <a:schemeClr val="bg1"/>
                 </a:solidFill>
-                <a:latin typeface="Consolas" panose="020B0609020204030204" pitchFamily="49" charset="0"/>
-                <a:hlinkClick r:id="rId3"/>
-              </a:rPr>
-              <a:t>introprogramming.info/english-intro-csharp-book</a:t>
-            </a:r>
-            <a:endParaRPr lang="en-US" dirty="0" smtClean="0">
-              <a:solidFill>
-                <a:srgbClr val="33CCCC"/>
-              </a:solidFill>
-              <a:latin typeface="Consolas" panose="020B0609020204030204" pitchFamily="49" charset="0"/>
-            </a:endParaRPr>
-          </a:p>
-          <a:p>
-            <a:endParaRPr lang="en-US" sz="1600" dirty="0" smtClean="0">
-              <a:solidFill>
-                <a:srgbClr val="33CCCC"/>
-              </a:solidFill>
-              <a:latin typeface="Consolas" panose="020B0609020204030204" pitchFamily="49" charset="0"/>
-            </a:endParaRPr>
-          </a:p>
-          <a:p>
-            <a:r>
-              <a:rPr lang="en-US" sz="1600" dirty="0" err="1" smtClean="0">
-                <a:latin typeface="Consolas" panose="020B0609020204030204" pitchFamily="49" charset="0"/>
-              </a:rPr>
-              <a:t>Metanit</a:t>
-            </a:r>
-            <a:r>
-              <a:rPr lang="en-US" sz="1600" dirty="0" smtClean="0">
-                <a:latin typeface="Consolas" panose="020B0609020204030204" pitchFamily="49" charset="0"/>
-              </a:rPr>
-              <a:t> site</a:t>
-            </a:r>
-          </a:p>
-          <a:p>
-            <a:endParaRPr lang="en-US" sz="1600" dirty="0" smtClean="0">
-              <a:latin typeface="Consolas" panose="020B0609020204030204" pitchFamily="49" charset="0"/>
-            </a:endParaRPr>
-          </a:p>
-          <a:p>
-            <a:r>
-              <a:rPr lang="en-US" sz="1600" dirty="0" smtClean="0">
-                <a:latin typeface="Consolas" panose="020B0609020204030204" pitchFamily="49" charset="0"/>
-                <a:hlinkClick r:id="rId4"/>
-              </a:rPr>
-              <a:t>https://metanit.com/sharp/tutorial/</a:t>
-            </a:r>
-            <a:endParaRPr lang="en-US" sz="1600" dirty="0" smtClean="0">
-              <a:latin typeface="Consolas" panose="020B0609020204030204" pitchFamily="49" charset="0"/>
-            </a:endParaRPr>
+              </a:rPr>
+              <a:t>	Methods</a:t>
+            </a:r>
+            <a:r>
+              <a:rPr lang="en-US" dirty="0" smtClean="0"/>
+              <a:t/>
+            </a:r>
+            <a:br>
+              <a:rPr lang="en-US" dirty="0" smtClean="0"/>
+            </a:br>
+            <a:r>
+              <a:rPr lang="en-US" dirty="0"/>
+              <a:t>	</a:t>
+            </a:r>
           </a:p>
         </p:txBody>
       </p:sp>
     </p:spTree>
     <p:extLst>
       <p:ext uri="{BB962C8B-B14F-4D97-AF65-F5344CB8AC3E}">
-        <p14:creationId xmlns:p14="http://schemas.microsoft.com/office/powerpoint/2010/main" val="3126519434"/>
+        <p14:creationId xmlns:p14="http://schemas.microsoft.com/office/powerpoint/2010/main" val="4037691486"/>
       </p:ext>
     </p:extLst>
   </p:cSld>
@@ -19567,6 +20289,4028 @@
       </p:grpSpPr>
       <p:sp>
         <p:nvSpPr>
+          <p:cNvPr id="2" name="Заголовок 1"/>
+          <p:cNvSpPr>
+            <a:spLocks noGrp="1"/>
+          </p:cNvSpPr>
+          <p:nvPr>
+            <p:ph type="title"/>
+          </p:nvPr>
+        </p:nvSpPr>
+        <p:spPr/>
+        <p:txBody>
+          <a:bodyPr/>
+          <a:lstStyle/>
+          <a:p>
+            <a:r>
+              <a:rPr lang="en-US" dirty="0"/>
+              <a:t>C# </a:t>
+            </a:r>
+            <a:r>
+              <a:rPr lang="en-US" dirty="0" smtClean="0"/>
+              <a:t>basics</a:t>
+            </a:r>
+            <a:br>
+              <a:rPr lang="en-US" dirty="0" smtClean="0"/>
+            </a:br>
+            <a:r>
+              <a:rPr lang="en-US" sz="2400" dirty="0" smtClean="0">
+                <a:solidFill>
+                  <a:prstClr val="white">
+                    <a:lumMod val="50000"/>
+                  </a:prstClr>
+                </a:solidFill>
+              </a:rPr>
+              <a:t>Methods</a:t>
+            </a:r>
+            <a:endParaRPr lang="en-US" dirty="0"/>
+          </a:p>
+        </p:txBody>
+      </p:sp>
+      <p:sp>
+        <p:nvSpPr>
+          <p:cNvPr id="4" name="Дата 3"/>
+          <p:cNvSpPr>
+            <a:spLocks noGrp="1"/>
+          </p:cNvSpPr>
+          <p:nvPr>
+            <p:ph type="dt" sz="half" idx="10"/>
+          </p:nvPr>
+        </p:nvSpPr>
+        <p:spPr>
+          <a:xfrm>
+            <a:off x="6598153" y="6041362"/>
+            <a:ext cx="1518920" cy="365125"/>
+          </a:xfrm>
+        </p:spPr>
+        <p:txBody>
+          <a:bodyPr/>
+          <a:lstStyle/>
+          <a:p>
+            <a:fld id="{939306D3-16AC-481B-963B-74A1D01AC013}" type="datetime3">
+              <a:rPr lang="en-US" sz="1100" smtClean="0"/>
+              <a:t>8 October 2021</a:t>
+            </a:fld>
+            <a:endParaRPr lang="en-US" sz="1100" dirty="0"/>
+          </a:p>
+        </p:txBody>
+      </p:sp>
+      <p:sp>
+        <p:nvSpPr>
+          <p:cNvPr id="5" name="Нижний колонтитул 4"/>
+          <p:cNvSpPr>
+            <a:spLocks noGrp="1"/>
+          </p:cNvSpPr>
+          <p:nvPr>
+            <p:ph type="ftr" sz="quarter" idx="11"/>
+          </p:nvPr>
+        </p:nvSpPr>
+        <p:spPr/>
+        <p:txBody>
+          <a:bodyPr/>
+          <a:lstStyle/>
+          <a:p>
+            <a:r>
+              <a:rPr lang="en-US" sz="1100" dirty="0" smtClean="0"/>
+              <a:t>Automated framework with C#</a:t>
+            </a:r>
+          </a:p>
+          <a:p>
+            <a:r>
+              <a:rPr lang="en-US" sz="1100" dirty="0"/>
+              <a:t>Yury </a:t>
+            </a:r>
+            <a:r>
+              <a:rPr lang="en-US" sz="1100" dirty="0" smtClean="0"/>
+              <a:t>Alifanov</a:t>
+            </a:r>
+            <a:endParaRPr lang="en-US" sz="1100" dirty="0"/>
+          </a:p>
+        </p:txBody>
+      </p:sp>
+      <p:sp>
+        <p:nvSpPr>
+          <p:cNvPr id="6" name="Номер слайда 5"/>
+          <p:cNvSpPr>
+            <a:spLocks noGrp="1"/>
+          </p:cNvSpPr>
+          <p:nvPr>
+            <p:ph type="sldNum" sz="quarter" idx="12"/>
+          </p:nvPr>
+        </p:nvSpPr>
+        <p:spPr/>
+        <p:txBody>
+          <a:bodyPr/>
+          <a:lstStyle/>
+          <a:p>
+            <a:fld id="{519954A3-9DFD-4C44-94BA-B95130A3BA1C}" type="slidenum">
+              <a:rPr lang="en-US" sz="1100" smtClean="0"/>
+              <a:t>23</a:t>
+            </a:fld>
+            <a:endParaRPr lang="en-US" sz="1100" dirty="0"/>
+          </a:p>
+        </p:txBody>
+      </p:sp>
+      <p:sp>
+        <p:nvSpPr>
+          <p:cNvPr id="3" name="Объект 2"/>
+          <p:cNvSpPr>
+            <a:spLocks noGrp="1"/>
+          </p:cNvSpPr>
+          <p:nvPr>
+            <p:ph idx="1"/>
+          </p:nvPr>
+        </p:nvSpPr>
+        <p:spPr>
+          <a:xfrm>
+            <a:off x="677334" y="1641816"/>
+            <a:ext cx="9980479" cy="4263813"/>
+          </a:xfrm>
+        </p:spPr>
+        <p:txBody>
+          <a:bodyPr>
+            <a:normAutofit/>
+          </a:bodyPr>
+          <a:lstStyle/>
+          <a:p>
+            <a:pPr marL="0" indent="0">
+              <a:buNone/>
+            </a:pPr>
+            <a:r>
+              <a:rPr lang="en-US" dirty="0" smtClean="0"/>
+              <a:t>Method declaration</a:t>
+            </a:r>
+          </a:p>
+          <a:p>
+            <a:pPr marL="0" indent="0">
+              <a:buNone/>
+            </a:pPr>
+            <a:r>
+              <a:rPr lang="en-US" dirty="0"/>
+              <a:t>	</a:t>
+            </a:r>
+            <a:r>
+              <a:rPr lang="en-US" sz="1600" dirty="0" smtClean="0">
+                <a:solidFill>
+                  <a:schemeClr val="accent2"/>
+                </a:solidFill>
+                <a:latin typeface="Consolas" panose="020B0609020204030204" pitchFamily="49" charset="0"/>
+              </a:rPr>
+              <a:t>public string</a:t>
+            </a:r>
+            <a:r>
+              <a:rPr lang="en-US" sz="1600" dirty="0" smtClean="0">
+                <a:latin typeface="Consolas" panose="020B0609020204030204" pitchFamily="49" charset="0"/>
+              </a:rPr>
+              <a:t> </a:t>
+            </a:r>
+            <a:r>
+              <a:rPr lang="en-US" sz="1600" dirty="0" err="1" smtClean="0">
+                <a:latin typeface="Consolas" panose="020B0609020204030204" pitchFamily="49" charset="0"/>
+              </a:rPr>
+              <a:t>MethodName</a:t>
+            </a:r>
+            <a:r>
+              <a:rPr lang="en-US" sz="1600" dirty="0" smtClean="0">
+                <a:latin typeface="Consolas" panose="020B0609020204030204" pitchFamily="49" charset="0"/>
+              </a:rPr>
+              <a:t>(</a:t>
+            </a:r>
+            <a:r>
+              <a:rPr lang="en-US" sz="1600" dirty="0" err="1" smtClean="0">
+                <a:solidFill>
+                  <a:schemeClr val="accent2"/>
+                </a:solidFill>
+                <a:latin typeface="Consolas" panose="020B0609020204030204" pitchFamily="49" charset="0"/>
+              </a:rPr>
+              <a:t>int</a:t>
+            </a:r>
+            <a:r>
+              <a:rPr lang="en-US" sz="1600" dirty="0" smtClean="0">
+                <a:latin typeface="Consolas" panose="020B0609020204030204" pitchFamily="49" charset="0"/>
+              </a:rPr>
+              <a:t> age, </a:t>
+            </a:r>
+            <a:r>
+              <a:rPr lang="en-US" sz="1600" dirty="0" smtClean="0">
+                <a:solidFill>
+                  <a:schemeClr val="accent2"/>
+                </a:solidFill>
+                <a:latin typeface="Consolas" panose="020B0609020204030204" pitchFamily="49" charset="0"/>
+              </a:rPr>
+              <a:t>string</a:t>
+            </a:r>
+            <a:r>
+              <a:rPr lang="en-US" sz="1600" dirty="0" smtClean="0">
+                <a:latin typeface="Consolas" panose="020B0609020204030204" pitchFamily="49" charset="0"/>
+              </a:rPr>
+              <a:t> name);</a:t>
+            </a:r>
+          </a:p>
+          <a:p>
+            <a:pPr marL="0" indent="0">
+              <a:buNone/>
+            </a:pPr>
+            <a:r>
+              <a:rPr lang="en-US" dirty="0" smtClean="0"/>
+              <a:t>Method signature</a:t>
+            </a:r>
+          </a:p>
+          <a:p>
+            <a:pPr marL="0" indent="0">
+              <a:buNone/>
+            </a:pPr>
+            <a:r>
+              <a:rPr lang="en-US" dirty="0"/>
+              <a:t>	</a:t>
+            </a:r>
+            <a:r>
+              <a:rPr lang="en-US" sz="1600" dirty="0" err="1">
+                <a:latin typeface="Consolas" panose="020B0609020204030204" pitchFamily="49" charset="0"/>
+              </a:rPr>
+              <a:t>MethodName</a:t>
+            </a:r>
+            <a:r>
+              <a:rPr lang="en-US" sz="1600" dirty="0">
+                <a:latin typeface="Consolas" panose="020B0609020204030204" pitchFamily="49" charset="0"/>
+              </a:rPr>
+              <a:t>(</a:t>
+            </a:r>
+            <a:r>
+              <a:rPr lang="en-US" sz="1600" dirty="0" err="1">
+                <a:solidFill>
+                  <a:schemeClr val="accent2"/>
+                </a:solidFill>
+                <a:latin typeface="Consolas" panose="020B0609020204030204" pitchFamily="49" charset="0"/>
+              </a:rPr>
+              <a:t>int</a:t>
+            </a:r>
+            <a:r>
+              <a:rPr lang="en-US" sz="1600" dirty="0">
+                <a:latin typeface="Consolas" panose="020B0609020204030204" pitchFamily="49" charset="0"/>
+              </a:rPr>
+              <a:t> age, </a:t>
+            </a:r>
+            <a:r>
+              <a:rPr lang="en-US" sz="1600" dirty="0">
+                <a:solidFill>
+                  <a:schemeClr val="accent2"/>
+                </a:solidFill>
+                <a:latin typeface="Consolas" panose="020B0609020204030204" pitchFamily="49" charset="0"/>
+              </a:rPr>
+              <a:t>string</a:t>
+            </a:r>
+            <a:r>
+              <a:rPr lang="en-US" sz="1600" dirty="0">
+                <a:latin typeface="Consolas" panose="020B0609020204030204" pitchFamily="49" charset="0"/>
+              </a:rPr>
+              <a:t> name)</a:t>
+            </a:r>
+            <a:endParaRPr lang="en-US" sz="1600" dirty="0" smtClean="0">
+              <a:latin typeface="Consolas" panose="020B0609020204030204" pitchFamily="49" charset="0"/>
+            </a:endParaRPr>
+          </a:p>
+          <a:p>
+            <a:pPr marL="0" indent="0">
+              <a:buNone/>
+            </a:pPr>
+            <a:r>
+              <a:rPr lang="en-US" dirty="0" smtClean="0"/>
+              <a:t>Method implementation</a:t>
+            </a:r>
+          </a:p>
+          <a:p>
+            <a:pPr marL="0" indent="0">
+              <a:buNone/>
+            </a:pPr>
+            <a:r>
+              <a:rPr lang="en-US" dirty="0"/>
+              <a:t>	</a:t>
+            </a:r>
+            <a:r>
+              <a:rPr lang="en-US" sz="1600" dirty="0" smtClean="0">
+                <a:latin typeface="Consolas" panose="020B0609020204030204" pitchFamily="49" charset="0"/>
+              </a:rPr>
+              <a:t>&lt;</a:t>
+            </a:r>
+            <a:r>
+              <a:rPr lang="en-US" sz="1600" dirty="0" err="1" smtClean="0">
+                <a:latin typeface="Consolas" panose="020B0609020204030204" pitchFamily="49" charset="0"/>
+              </a:rPr>
+              <a:t>access_modifier</a:t>
+            </a:r>
+            <a:r>
+              <a:rPr lang="en-US" sz="1600" dirty="0" smtClean="0">
+                <a:latin typeface="Consolas" panose="020B0609020204030204" pitchFamily="49" charset="0"/>
+              </a:rPr>
+              <a:t>&gt; </a:t>
+            </a:r>
+            <a:r>
+              <a:rPr lang="en-US" sz="1600" dirty="0">
+                <a:latin typeface="Consolas" panose="020B0609020204030204" pitchFamily="49" charset="0"/>
+              </a:rPr>
+              <a:t>&lt;</a:t>
+            </a:r>
+            <a:r>
+              <a:rPr lang="en-US" sz="1600" dirty="0" err="1">
+                <a:latin typeface="Consolas" panose="020B0609020204030204" pitchFamily="49" charset="0"/>
+              </a:rPr>
+              <a:t>return_type</a:t>
+            </a:r>
+            <a:r>
+              <a:rPr lang="en-US" sz="1600" dirty="0">
+                <a:latin typeface="Consolas" panose="020B0609020204030204" pitchFamily="49" charset="0"/>
+              </a:rPr>
+              <a:t>&gt; &lt;</a:t>
+            </a:r>
+            <a:r>
+              <a:rPr lang="en-US" sz="1600" dirty="0" err="1">
+                <a:latin typeface="Consolas" panose="020B0609020204030204" pitchFamily="49" charset="0"/>
+              </a:rPr>
+              <a:t>method_name</a:t>
+            </a:r>
+            <a:r>
+              <a:rPr lang="en-US" sz="1600" dirty="0">
+                <a:latin typeface="Consolas" panose="020B0609020204030204" pitchFamily="49" charset="0"/>
+              </a:rPr>
+              <a:t>&gt;(&lt;</a:t>
+            </a:r>
+            <a:r>
+              <a:rPr lang="en-US" sz="1600" dirty="0" err="1">
+                <a:latin typeface="Consolas" panose="020B0609020204030204" pitchFamily="49" charset="0"/>
+              </a:rPr>
+              <a:t>parameters_list</a:t>
+            </a:r>
+            <a:r>
+              <a:rPr lang="en-US" sz="1600" dirty="0">
+                <a:latin typeface="Consolas" panose="020B0609020204030204" pitchFamily="49" charset="0"/>
+              </a:rPr>
+              <a:t>&gt;) </a:t>
+            </a:r>
+            <a:endParaRPr lang="en-US" sz="1600" dirty="0" smtClean="0">
+              <a:latin typeface="Consolas" panose="020B0609020204030204" pitchFamily="49" charset="0"/>
+            </a:endParaRPr>
+          </a:p>
+          <a:p>
+            <a:pPr marL="0" indent="0">
+              <a:buNone/>
+            </a:pPr>
+            <a:r>
+              <a:rPr lang="en-US" sz="1600" dirty="0">
+                <a:latin typeface="Consolas" panose="020B0609020204030204" pitchFamily="49" charset="0"/>
+              </a:rPr>
+              <a:t>	</a:t>
+            </a:r>
+            <a:r>
+              <a:rPr lang="en-US" sz="1600" dirty="0" smtClean="0">
+                <a:latin typeface="Consolas" panose="020B0609020204030204" pitchFamily="49" charset="0"/>
+              </a:rPr>
+              <a:t>{</a:t>
+            </a:r>
+          </a:p>
+          <a:p>
+            <a:pPr marL="0" indent="0">
+              <a:buNone/>
+            </a:pPr>
+            <a:r>
+              <a:rPr lang="en-US" sz="1600" dirty="0">
+                <a:latin typeface="Consolas" panose="020B0609020204030204" pitchFamily="49" charset="0"/>
+              </a:rPr>
+              <a:t>	</a:t>
+            </a:r>
+            <a:r>
+              <a:rPr lang="en-US" sz="1600" dirty="0" smtClean="0">
+                <a:latin typeface="Consolas" panose="020B0609020204030204" pitchFamily="49" charset="0"/>
+              </a:rPr>
+              <a:t>	 </a:t>
+            </a:r>
+            <a:r>
+              <a:rPr lang="en-US" sz="1600" dirty="0">
+                <a:solidFill>
+                  <a:schemeClr val="accent5">
+                    <a:lumMod val="75000"/>
+                  </a:schemeClr>
+                </a:solidFill>
+                <a:latin typeface="Consolas" panose="020B0609020204030204" pitchFamily="49" charset="0"/>
+              </a:rPr>
+              <a:t>// … code goes here – in the method's body …</a:t>
+            </a:r>
+            <a:r>
+              <a:rPr lang="en-US" sz="1600" dirty="0">
+                <a:latin typeface="Consolas" panose="020B0609020204030204" pitchFamily="49" charset="0"/>
+              </a:rPr>
+              <a:t> </a:t>
+            </a:r>
+            <a:endParaRPr lang="en-US" sz="1600" dirty="0" smtClean="0">
+              <a:latin typeface="Consolas" panose="020B0609020204030204" pitchFamily="49" charset="0"/>
+            </a:endParaRPr>
+          </a:p>
+          <a:p>
+            <a:pPr marL="0" indent="0">
+              <a:buNone/>
+            </a:pPr>
+            <a:r>
+              <a:rPr lang="en-US" sz="1600" dirty="0">
+                <a:latin typeface="Consolas" panose="020B0609020204030204" pitchFamily="49" charset="0"/>
+              </a:rPr>
+              <a:t>	</a:t>
+            </a:r>
+            <a:r>
+              <a:rPr lang="en-US" sz="1600" dirty="0" smtClean="0">
+                <a:latin typeface="Consolas" panose="020B0609020204030204" pitchFamily="49" charset="0"/>
+              </a:rPr>
+              <a:t>} </a:t>
+            </a:r>
+          </a:p>
+          <a:p>
+            <a:pPr marL="0" indent="0">
+              <a:buNone/>
+            </a:pPr>
+            <a:r>
+              <a:rPr lang="en-US" dirty="0"/>
+              <a:t>Method </a:t>
+            </a:r>
+            <a:r>
+              <a:rPr lang="en-US" dirty="0" smtClean="0"/>
+              <a:t>invocation</a:t>
+            </a:r>
+          </a:p>
+          <a:p>
+            <a:pPr marL="0" indent="0">
+              <a:buNone/>
+            </a:pPr>
+            <a:r>
+              <a:rPr lang="en-US" sz="1600" dirty="0"/>
+              <a:t>	</a:t>
+            </a:r>
+            <a:r>
+              <a:rPr lang="en-US" sz="1600" dirty="0" err="1" smtClean="0">
+                <a:latin typeface="Consolas" panose="020B0609020204030204" pitchFamily="49" charset="0"/>
+              </a:rPr>
+              <a:t>MethodName</a:t>
+            </a:r>
+            <a:r>
+              <a:rPr lang="en-US" sz="1600" dirty="0" smtClean="0">
+                <a:latin typeface="Consolas" panose="020B0609020204030204" pitchFamily="49" charset="0"/>
+              </a:rPr>
+              <a:t>(25, </a:t>
+            </a:r>
+            <a:r>
+              <a:rPr lang="en-US" sz="1600" dirty="0" smtClean="0">
+                <a:solidFill>
+                  <a:srgbClr val="C00000"/>
+                </a:solidFill>
+                <a:latin typeface="Consolas" panose="020B0609020204030204" pitchFamily="49" charset="0"/>
+              </a:rPr>
+              <a:t>“John”</a:t>
+            </a:r>
+            <a:r>
+              <a:rPr lang="en-US" sz="1600" dirty="0">
+                <a:latin typeface="Consolas" panose="020B0609020204030204" pitchFamily="49" charset="0"/>
+              </a:rPr>
+              <a:t>); </a:t>
+            </a:r>
+            <a:r>
+              <a:rPr lang="en-US" sz="1600" dirty="0" err="1" smtClean="0">
+                <a:latin typeface="Consolas" panose="020B0609020204030204" pitchFamily="49" charset="0"/>
+              </a:rPr>
+              <a:t>MethodName</a:t>
+            </a:r>
+            <a:r>
+              <a:rPr lang="en-US" sz="1600" dirty="0" smtClean="0">
+                <a:latin typeface="Consolas" panose="020B0609020204030204" pitchFamily="49" charset="0"/>
+              </a:rPr>
+              <a:t>(age, </a:t>
+            </a:r>
+            <a:r>
+              <a:rPr lang="en-US" sz="1600" dirty="0">
+                <a:solidFill>
+                  <a:srgbClr val="C00000"/>
+                </a:solidFill>
+                <a:latin typeface="Consolas" panose="020B0609020204030204" pitchFamily="49" charset="0"/>
+              </a:rPr>
+              <a:t>“John</a:t>
+            </a:r>
+            <a:r>
+              <a:rPr lang="en-US" sz="1600" dirty="0" smtClean="0">
+                <a:solidFill>
+                  <a:srgbClr val="C00000"/>
+                </a:solidFill>
+                <a:latin typeface="Consolas" panose="020B0609020204030204" pitchFamily="49" charset="0"/>
+              </a:rPr>
+              <a:t>”</a:t>
+            </a:r>
+            <a:r>
+              <a:rPr lang="en-US" sz="1600" dirty="0" smtClean="0">
+                <a:solidFill>
+                  <a:schemeClr val="tx1"/>
+                </a:solidFill>
+                <a:latin typeface="Consolas" panose="020B0609020204030204" pitchFamily="49" charset="0"/>
+              </a:rPr>
+              <a:t> </a:t>
+            </a:r>
+            <a:r>
+              <a:rPr lang="en-US" sz="1600" dirty="0">
+                <a:latin typeface="Consolas" panose="020B0609020204030204" pitchFamily="49" charset="0"/>
+              </a:rPr>
+              <a:t>+</a:t>
+            </a:r>
+            <a:r>
+              <a:rPr lang="en-US" sz="1600" dirty="0" smtClean="0">
+                <a:solidFill>
+                  <a:schemeClr val="tx1"/>
+                </a:solidFill>
+                <a:latin typeface="Consolas" panose="020B0609020204030204" pitchFamily="49" charset="0"/>
+              </a:rPr>
+              <a:t> </a:t>
+            </a:r>
+            <a:r>
+              <a:rPr lang="en-US" sz="1600" dirty="0" smtClean="0">
+                <a:solidFill>
+                  <a:srgbClr val="C00000"/>
+                </a:solidFill>
+                <a:latin typeface="Consolas" panose="020B0609020204030204" pitchFamily="49" charset="0"/>
+              </a:rPr>
+              <a:t>“Smith”</a:t>
+            </a:r>
+            <a:r>
+              <a:rPr lang="en-US" sz="1600" dirty="0" smtClean="0">
+                <a:latin typeface="Consolas" panose="020B0609020204030204" pitchFamily="49" charset="0"/>
+              </a:rPr>
+              <a:t>); </a:t>
+            </a:r>
+          </a:p>
+        </p:txBody>
+      </p:sp>
+    </p:spTree>
+    <p:extLst>
+      <p:ext uri="{BB962C8B-B14F-4D97-AF65-F5344CB8AC3E}">
+        <p14:creationId xmlns:p14="http://schemas.microsoft.com/office/powerpoint/2010/main" val="1410522914"/>
+      </p:ext>
+    </p:extLst>
+  </p:cSld>
+  <p:clrMapOvr>
+    <a:masterClrMapping/>
+  </p:clrMapOvr>
+  <p:timing>
+    <p:tnLst>
+      <p:par>
+        <p:cTn id="1" dur="indefinite" restart="never" nodeType="tmRoot">
+          <p:childTnLst>
+            <p:seq concurrent="1" nextAc="seek">
+              <p:cTn id="2" dur="indefinite" nodeType="mainSeq">
+                <p:childTnLst>
+                  <p:par>
+                    <p:cTn id="3" fill="hold">
+                      <p:stCondLst>
+                        <p:cond delay="indefinite"/>
+                      </p:stCondLst>
+                      <p:childTnLst>
+                        <p:par>
+                          <p:cTn id="4" fill="hold">
+                            <p:stCondLst>
+                              <p:cond delay="0"/>
+                            </p:stCondLst>
+                            <p:childTnLst>
+                              <p:par>
+                                <p:cTn id="5" presetID="42" presetClass="entr" presetSubtype="0" fill="hold" grpId="0" nodeType="clickEffect">
+                                  <p:stCondLst>
+                                    <p:cond delay="0"/>
+                                  </p:stCondLst>
+                                  <p:childTnLst>
+                                    <p:set>
+                                      <p:cBhvr>
+                                        <p:cTn id="6" dur="1" fill="hold">
+                                          <p:stCondLst>
+                                            <p:cond delay="0"/>
+                                          </p:stCondLst>
+                                        </p:cTn>
+                                        <p:tgtEl>
+                                          <p:spTgt spid="3">
+                                            <p:txEl>
+                                              <p:pRg st="0" end="0"/>
+                                            </p:txEl>
+                                          </p:spTgt>
+                                        </p:tgtEl>
+                                        <p:attrNameLst>
+                                          <p:attrName>style.visibility</p:attrName>
+                                        </p:attrNameLst>
+                                      </p:cBhvr>
+                                      <p:to>
+                                        <p:strVal val="visible"/>
+                                      </p:to>
+                                    </p:set>
+                                    <p:animEffect transition="in" filter="fade">
+                                      <p:cBhvr>
+                                        <p:cTn id="7" dur="1000"/>
+                                        <p:tgtEl>
+                                          <p:spTgt spid="3">
+                                            <p:txEl>
+                                              <p:pRg st="0" end="0"/>
+                                            </p:txEl>
+                                          </p:spTgt>
+                                        </p:tgtEl>
+                                      </p:cBhvr>
+                                    </p:animEffect>
+                                    <p:anim calcmode="lin" valueType="num">
+                                      <p:cBhvr>
+                                        <p:cTn id="8" dur="1000" fill="hold"/>
+                                        <p:tgtEl>
+                                          <p:spTgt spid="3">
+                                            <p:txEl>
+                                              <p:pRg st="0" end="0"/>
+                                            </p:txEl>
+                                          </p:spTgt>
+                                        </p:tgtEl>
+                                        <p:attrNameLst>
+                                          <p:attrName>ppt_x</p:attrName>
+                                        </p:attrNameLst>
+                                      </p:cBhvr>
+                                      <p:tavLst>
+                                        <p:tav tm="0">
+                                          <p:val>
+                                            <p:strVal val="#ppt_x"/>
+                                          </p:val>
+                                        </p:tav>
+                                        <p:tav tm="100000">
+                                          <p:val>
+                                            <p:strVal val="#ppt_x"/>
+                                          </p:val>
+                                        </p:tav>
+                                      </p:tavLst>
+                                    </p:anim>
+                                    <p:anim calcmode="lin" valueType="num">
+                                      <p:cBhvr>
+                                        <p:cTn id="9" dur="1000" fill="hold"/>
+                                        <p:tgtEl>
+                                          <p:spTgt spid="3">
+                                            <p:txEl>
+                                              <p:pRg st="0" end="0"/>
+                                            </p:txEl>
+                                          </p:spTgt>
+                                        </p:tgtEl>
+                                        <p:attrNameLst>
+                                          <p:attrName>ppt_y</p:attrName>
+                                        </p:attrNameLst>
+                                      </p:cBhvr>
+                                      <p:tavLst>
+                                        <p:tav tm="0">
+                                          <p:val>
+                                            <p:strVal val="#ppt_y+.1"/>
+                                          </p:val>
+                                        </p:tav>
+                                        <p:tav tm="100000">
+                                          <p:val>
+                                            <p:strVal val="#ppt_y"/>
+                                          </p:val>
+                                        </p:tav>
+                                      </p:tavLst>
+                                    </p:anim>
+                                  </p:childTnLst>
+                                </p:cTn>
+                              </p:par>
+                              <p:par>
+                                <p:cTn id="10" presetID="42" presetClass="entr" presetSubtype="0" fill="hold" grpId="0" nodeType="withEffect">
+                                  <p:stCondLst>
+                                    <p:cond delay="0"/>
+                                  </p:stCondLst>
+                                  <p:childTnLst>
+                                    <p:set>
+                                      <p:cBhvr>
+                                        <p:cTn id="11" dur="1" fill="hold">
+                                          <p:stCondLst>
+                                            <p:cond delay="0"/>
+                                          </p:stCondLst>
+                                        </p:cTn>
+                                        <p:tgtEl>
+                                          <p:spTgt spid="3">
+                                            <p:txEl>
+                                              <p:pRg st="1" end="1"/>
+                                            </p:txEl>
+                                          </p:spTgt>
+                                        </p:tgtEl>
+                                        <p:attrNameLst>
+                                          <p:attrName>style.visibility</p:attrName>
+                                        </p:attrNameLst>
+                                      </p:cBhvr>
+                                      <p:to>
+                                        <p:strVal val="visible"/>
+                                      </p:to>
+                                    </p:set>
+                                    <p:animEffect transition="in" filter="fade">
+                                      <p:cBhvr>
+                                        <p:cTn id="12" dur="1000"/>
+                                        <p:tgtEl>
+                                          <p:spTgt spid="3">
+                                            <p:txEl>
+                                              <p:pRg st="1" end="1"/>
+                                            </p:txEl>
+                                          </p:spTgt>
+                                        </p:tgtEl>
+                                      </p:cBhvr>
+                                    </p:animEffect>
+                                    <p:anim calcmode="lin" valueType="num">
+                                      <p:cBhvr>
+                                        <p:cTn id="13" dur="1000" fill="hold"/>
+                                        <p:tgtEl>
+                                          <p:spTgt spid="3">
+                                            <p:txEl>
+                                              <p:pRg st="1" end="1"/>
+                                            </p:txEl>
+                                          </p:spTgt>
+                                        </p:tgtEl>
+                                        <p:attrNameLst>
+                                          <p:attrName>ppt_x</p:attrName>
+                                        </p:attrNameLst>
+                                      </p:cBhvr>
+                                      <p:tavLst>
+                                        <p:tav tm="0">
+                                          <p:val>
+                                            <p:strVal val="#ppt_x"/>
+                                          </p:val>
+                                        </p:tav>
+                                        <p:tav tm="100000">
+                                          <p:val>
+                                            <p:strVal val="#ppt_x"/>
+                                          </p:val>
+                                        </p:tav>
+                                      </p:tavLst>
+                                    </p:anim>
+                                    <p:anim calcmode="lin" valueType="num">
+                                      <p:cBhvr>
+                                        <p:cTn id="14" dur="1000" fill="hold"/>
+                                        <p:tgtEl>
+                                          <p:spTgt spid="3">
+                                            <p:txEl>
+                                              <p:pRg st="1" end="1"/>
+                                            </p:txEl>
+                                          </p:spTgt>
+                                        </p:tgtEl>
+                                        <p:attrNameLst>
+                                          <p:attrName>ppt_y</p:attrName>
+                                        </p:attrNameLst>
+                                      </p:cBhvr>
+                                      <p:tavLst>
+                                        <p:tav tm="0">
+                                          <p:val>
+                                            <p:strVal val="#ppt_y+.1"/>
+                                          </p:val>
+                                        </p:tav>
+                                        <p:tav tm="100000">
+                                          <p:val>
+                                            <p:strVal val="#ppt_y"/>
+                                          </p:val>
+                                        </p:tav>
+                                      </p:tavLst>
+                                    </p:anim>
+                                  </p:childTnLst>
+                                </p:cTn>
+                              </p:par>
+                            </p:childTnLst>
+                          </p:cTn>
+                        </p:par>
+                      </p:childTnLst>
+                    </p:cTn>
+                  </p:par>
+                  <p:par>
+                    <p:cTn id="15" fill="hold">
+                      <p:stCondLst>
+                        <p:cond delay="indefinite"/>
+                      </p:stCondLst>
+                      <p:childTnLst>
+                        <p:par>
+                          <p:cTn id="16" fill="hold">
+                            <p:stCondLst>
+                              <p:cond delay="0"/>
+                            </p:stCondLst>
+                            <p:childTnLst>
+                              <p:par>
+                                <p:cTn id="17" presetID="42" presetClass="entr" presetSubtype="0" fill="hold" grpId="0" nodeType="clickEffect">
+                                  <p:stCondLst>
+                                    <p:cond delay="0"/>
+                                  </p:stCondLst>
+                                  <p:childTnLst>
+                                    <p:set>
+                                      <p:cBhvr>
+                                        <p:cTn id="18" dur="1" fill="hold">
+                                          <p:stCondLst>
+                                            <p:cond delay="0"/>
+                                          </p:stCondLst>
+                                        </p:cTn>
+                                        <p:tgtEl>
+                                          <p:spTgt spid="3">
+                                            <p:txEl>
+                                              <p:pRg st="2" end="2"/>
+                                            </p:txEl>
+                                          </p:spTgt>
+                                        </p:tgtEl>
+                                        <p:attrNameLst>
+                                          <p:attrName>style.visibility</p:attrName>
+                                        </p:attrNameLst>
+                                      </p:cBhvr>
+                                      <p:to>
+                                        <p:strVal val="visible"/>
+                                      </p:to>
+                                    </p:set>
+                                    <p:animEffect transition="in" filter="fade">
+                                      <p:cBhvr>
+                                        <p:cTn id="19" dur="1000"/>
+                                        <p:tgtEl>
+                                          <p:spTgt spid="3">
+                                            <p:txEl>
+                                              <p:pRg st="2" end="2"/>
+                                            </p:txEl>
+                                          </p:spTgt>
+                                        </p:tgtEl>
+                                      </p:cBhvr>
+                                    </p:animEffect>
+                                    <p:anim calcmode="lin" valueType="num">
+                                      <p:cBhvr>
+                                        <p:cTn id="20" dur="1000" fill="hold"/>
+                                        <p:tgtEl>
+                                          <p:spTgt spid="3">
+                                            <p:txEl>
+                                              <p:pRg st="2" end="2"/>
+                                            </p:txEl>
+                                          </p:spTgt>
+                                        </p:tgtEl>
+                                        <p:attrNameLst>
+                                          <p:attrName>ppt_x</p:attrName>
+                                        </p:attrNameLst>
+                                      </p:cBhvr>
+                                      <p:tavLst>
+                                        <p:tav tm="0">
+                                          <p:val>
+                                            <p:strVal val="#ppt_x"/>
+                                          </p:val>
+                                        </p:tav>
+                                        <p:tav tm="100000">
+                                          <p:val>
+                                            <p:strVal val="#ppt_x"/>
+                                          </p:val>
+                                        </p:tav>
+                                      </p:tavLst>
+                                    </p:anim>
+                                    <p:anim calcmode="lin" valueType="num">
+                                      <p:cBhvr>
+                                        <p:cTn id="21" dur="1000" fill="hold"/>
+                                        <p:tgtEl>
+                                          <p:spTgt spid="3">
+                                            <p:txEl>
+                                              <p:pRg st="2" end="2"/>
+                                            </p:txEl>
+                                          </p:spTgt>
+                                        </p:tgtEl>
+                                        <p:attrNameLst>
+                                          <p:attrName>ppt_y</p:attrName>
+                                        </p:attrNameLst>
+                                      </p:cBhvr>
+                                      <p:tavLst>
+                                        <p:tav tm="0">
+                                          <p:val>
+                                            <p:strVal val="#ppt_y+.1"/>
+                                          </p:val>
+                                        </p:tav>
+                                        <p:tav tm="100000">
+                                          <p:val>
+                                            <p:strVal val="#ppt_y"/>
+                                          </p:val>
+                                        </p:tav>
+                                      </p:tavLst>
+                                    </p:anim>
+                                  </p:childTnLst>
+                                </p:cTn>
+                              </p:par>
+                              <p:par>
+                                <p:cTn id="22" presetID="42" presetClass="entr" presetSubtype="0" fill="hold" grpId="0" nodeType="withEffect">
+                                  <p:stCondLst>
+                                    <p:cond delay="0"/>
+                                  </p:stCondLst>
+                                  <p:childTnLst>
+                                    <p:set>
+                                      <p:cBhvr>
+                                        <p:cTn id="23" dur="1" fill="hold">
+                                          <p:stCondLst>
+                                            <p:cond delay="0"/>
+                                          </p:stCondLst>
+                                        </p:cTn>
+                                        <p:tgtEl>
+                                          <p:spTgt spid="3">
+                                            <p:txEl>
+                                              <p:pRg st="3" end="3"/>
+                                            </p:txEl>
+                                          </p:spTgt>
+                                        </p:tgtEl>
+                                        <p:attrNameLst>
+                                          <p:attrName>style.visibility</p:attrName>
+                                        </p:attrNameLst>
+                                      </p:cBhvr>
+                                      <p:to>
+                                        <p:strVal val="visible"/>
+                                      </p:to>
+                                    </p:set>
+                                    <p:animEffect transition="in" filter="fade">
+                                      <p:cBhvr>
+                                        <p:cTn id="24" dur="1000"/>
+                                        <p:tgtEl>
+                                          <p:spTgt spid="3">
+                                            <p:txEl>
+                                              <p:pRg st="3" end="3"/>
+                                            </p:txEl>
+                                          </p:spTgt>
+                                        </p:tgtEl>
+                                      </p:cBhvr>
+                                    </p:animEffect>
+                                    <p:anim calcmode="lin" valueType="num">
+                                      <p:cBhvr>
+                                        <p:cTn id="25" dur="1000" fill="hold"/>
+                                        <p:tgtEl>
+                                          <p:spTgt spid="3">
+                                            <p:txEl>
+                                              <p:pRg st="3" end="3"/>
+                                            </p:txEl>
+                                          </p:spTgt>
+                                        </p:tgtEl>
+                                        <p:attrNameLst>
+                                          <p:attrName>ppt_x</p:attrName>
+                                        </p:attrNameLst>
+                                      </p:cBhvr>
+                                      <p:tavLst>
+                                        <p:tav tm="0">
+                                          <p:val>
+                                            <p:strVal val="#ppt_x"/>
+                                          </p:val>
+                                        </p:tav>
+                                        <p:tav tm="100000">
+                                          <p:val>
+                                            <p:strVal val="#ppt_x"/>
+                                          </p:val>
+                                        </p:tav>
+                                      </p:tavLst>
+                                    </p:anim>
+                                    <p:anim calcmode="lin" valueType="num">
+                                      <p:cBhvr>
+                                        <p:cTn id="26" dur="1000" fill="hold"/>
+                                        <p:tgtEl>
+                                          <p:spTgt spid="3">
+                                            <p:txEl>
+                                              <p:pRg st="3" end="3"/>
+                                            </p:txEl>
+                                          </p:spTgt>
+                                        </p:tgtEl>
+                                        <p:attrNameLst>
+                                          <p:attrName>ppt_y</p:attrName>
+                                        </p:attrNameLst>
+                                      </p:cBhvr>
+                                      <p:tavLst>
+                                        <p:tav tm="0">
+                                          <p:val>
+                                            <p:strVal val="#ppt_y+.1"/>
+                                          </p:val>
+                                        </p:tav>
+                                        <p:tav tm="100000">
+                                          <p:val>
+                                            <p:strVal val="#ppt_y"/>
+                                          </p:val>
+                                        </p:tav>
+                                      </p:tavLst>
+                                    </p:anim>
+                                  </p:childTnLst>
+                                </p:cTn>
+                              </p:par>
+                            </p:childTnLst>
+                          </p:cTn>
+                        </p:par>
+                      </p:childTnLst>
+                    </p:cTn>
+                  </p:par>
+                  <p:par>
+                    <p:cTn id="27" fill="hold">
+                      <p:stCondLst>
+                        <p:cond delay="indefinite"/>
+                      </p:stCondLst>
+                      <p:childTnLst>
+                        <p:par>
+                          <p:cTn id="28" fill="hold">
+                            <p:stCondLst>
+                              <p:cond delay="0"/>
+                            </p:stCondLst>
+                            <p:childTnLst>
+                              <p:par>
+                                <p:cTn id="29" presetID="42" presetClass="entr" presetSubtype="0" fill="hold" grpId="0" nodeType="clickEffect">
+                                  <p:stCondLst>
+                                    <p:cond delay="0"/>
+                                  </p:stCondLst>
+                                  <p:childTnLst>
+                                    <p:set>
+                                      <p:cBhvr>
+                                        <p:cTn id="30" dur="1" fill="hold">
+                                          <p:stCondLst>
+                                            <p:cond delay="0"/>
+                                          </p:stCondLst>
+                                        </p:cTn>
+                                        <p:tgtEl>
+                                          <p:spTgt spid="3">
+                                            <p:txEl>
+                                              <p:pRg st="4" end="4"/>
+                                            </p:txEl>
+                                          </p:spTgt>
+                                        </p:tgtEl>
+                                        <p:attrNameLst>
+                                          <p:attrName>style.visibility</p:attrName>
+                                        </p:attrNameLst>
+                                      </p:cBhvr>
+                                      <p:to>
+                                        <p:strVal val="visible"/>
+                                      </p:to>
+                                    </p:set>
+                                    <p:animEffect transition="in" filter="fade">
+                                      <p:cBhvr>
+                                        <p:cTn id="31" dur="1000"/>
+                                        <p:tgtEl>
+                                          <p:spTgt spid="3">
+                                            <p:txEl>
+                                              <p:pRg st="4" end="4"/>
+                                            </p:txEl>
+                                          </p:spTgt>
+                                        </p:tgtEl>
+                                      </p:cBhvr>
+                                    </p:animEffect>
+                                    <p:anim calcmode="lin" valueType="num">
+                                      <p:cBhvr>
+                                        <p:cTn id="32" dur="1000" fill="hold"/>
+                                        <p:tgtEl>
+                                          <p:spTgt spid="3">
+                                            <p:txEl>
+                                              <p:pRg st="4" end="4"/>
+                                            </p:txEl>
+                                          </p:spTgt>
+                                        </p:tgtEl>
+                                        <p:attrNameLst>
+                                          <p:attrName>ppt_x</p:attrName>
+                                        </p:attrNameLst>
+                                      </p:cBhvr>
+                                      <p:tavLst>
+                                        <p:tav tm="0">
+                                          <p:val>
+                                            <p:strVal val="#ppt_x"/>
+                                          </p:val>
+                                        </p:tav>
+                                        <p:tav tm="100000">
+                                          <p:val>
+                                            <p:strVal val="#ppt_x"/>
+                                          </p:val>
+                                        </p:tav>
+                                      </p:tavLst>
+                                    </p:anim>
+                                    <p:anim calcmode="lin" valueType="num">
+                                      <p:cBhvr>
+                                        <p:cTn id="33" dur="1000" fill="hold"/>
+                                        <p:tgtEl>
+                                          <p:spTgt spid="3">
+                                            <p:txEl>
+                                              <p:pRg st="4" end="4"/>
+                                            </p:txEl>
+                                          </p:spTgt>
+                                        </p:tgtEl>
+                                        <p:attrNameLst>
+                                          <p:attrName>ppt_y</p:attrName>
+                                        </p:attrNameLst>
+                                      </p:cBhvr>
+                                      <p:tavLst>
+                                        <p:tav tm="0">
+                                          <p:val>
+                                            <p:strVal val="#ppt_y+.1"/>
+                                          </p:val>
+                                        </p:tav>
+                                        <p:tav tm="100000">
+                                          <p:val>
+                                            <p:strVal val="#ppt_y"/>
+                                          </p:val>
+                                        </p:tav>
+                                      </p:tavLst>
+                                    </p:anim>
+                                  </p:childTnLst>
+                                </p:cTn>
+                              </p:par>
+                              <p:par>
+                                <p:cTn id="34" presetID="42" presetClass="entr" presetSubtype="0" fill="hold" grpId="0" nodeType="withEffect">
+                                  <p:stCondLst>
+                                    <p:cond delay="0"/>
+                                  </p:stCondLst>
+                                  <p:childTnLst>
+                                    <p:set>
+                                      <p:cBhvr>
+                                        <p:cTn id="35" dur="1" fill="hold">
+                                          <p:stCondLst>
+                                            <p:cond delay="0"/>
+                                          </p:stCondLst>
+                                        </p:cTn>
+                                        <p:tgtEl>
+                                          <p:spTgt spid="3">
+                                            <p:txEl>
+                                              <p:pRg st="5" end="5"/>
+                                            </p:txEl>
+                                          </p:spTgt>
+                                        </p:tgtEl>
+                                        <p:attrNameLst>
+                                          <p:attrName>style.visibility</p:attrName>
+                                        </p:attrNameLst>
+                                      </p:cBhvr>
+                                      <p:to>
+                                        <p:strVal val="visible"/>
+                                      </p:to>
+                                    </p:set>
+                                    <p:animEffect transition="in" filter="fade">
+                                      <p:cBhvr>
+                                        <p:cTn id="36" dur="1000"/>
+                                        <p:tgtEl>
+                                          <p:spTgt spid="3">
+                                            <p:txEl>
+                                              <p:pRg st="5" end="5"/>
+                                            </p:txEl>
+                                          </p:spTgt>
+                                        </p:tgtEl>
+                                      </p:cBhvr>
+                                    </p:animEffect>
+                                    <p:anim calcmode="lin" valueType="num">
+                                      <p:cBhvr>
+                                        <p:cTn id="37" dur="1000" fill="hold"/>
+                                        <p:tgtEl>
+                                          <p:spTgt spid="3">
+                                            <p:txEl>
+                                              <p:pRg st="5" end="5"/>
+                                            </p:txEl>
+                                          </p:spTgt>
+                                        </p:tgtEl>
+                                        <p:attrNameLst>
+                                          <p:attrName>ppt_x</p:attrName>
+                                        </p:attrNameLst>
+                                      </p:cBhvr>
+                                      <p:tavLst>
+                                        <p:tav tm="0">
+                                          <p:val>
+                                            <p:strVal val="#ppt_x"/>
+                                          </p:val>
+                                        </p:tav>
+                                        <p:tav tm="100000">
+                                          <p:val>
+                                            <p:strVal val="#ppt_x"/>
+                                          </p:val>
+                                        </p:tav>
+                                      </p:tavLst>
+                                    </p:anim>
+                                    <p:anim calcmode="lin" valueType="num">
+                                      <p:cBhvr>
+                                        <p:cTn id="38" dur="1000" fill="hold"/>
+                                        <p:tgtEl>
+                                          <p:spTgt spid="3">
+                                            <p:txEl>
+                                              <p:pRg st="5" end="5"/>
+                                            </p:txEl>
+                                          </p:spTgt>
+                                        </p:tgtEl>
+                                        <p:attrNameLst>
+                                          <p:attrName>ppt_y</p:attrName>
+                                        </p:attrNameLst>
+                                      </p:cBhvr>
+                                      <p:tavLst>
+                                        <p:tav tm="0">
+                                          <p:val>
+                                            <p:strVal val="#ppt_y+.1"/>
+                                          </p:val>
+                                        </p:tav>
+                                        <p:tav tm="100000">
+                                          <p:val>
+                                            <p:strVal val="#ppt_y"/>
+                                          </p:val>
+                                        </p:tav>
+                                      </p:tavLst>
+                                    </p:anim>
+                                  </p:childTnLst>
+                                </p:cTn>
+                              </p:par>
+                              <p:par>
+                                <p:cTn id="39" presetID="42" presetClass="entr" presetSubtype="0" fill="hold" grpId="0" nodeType="withEffect">
+                                  <p:stCondLst>
+                                    <p:cond delay="0"/>
+                                  </p:stCondLst>
+                                  <p:childTnLst>
+                                    <p:set>
+                                      <p:cBhvr>
+                                        <p:cTn id="40" dur="1" fill="hold">
+                                          <p:stCondLst>
+                                            <p:cond delay="0"/>
+                                          </p:stCondLst>
+                                        </p:cTn>
+                                        <p:tgtEl>
+                                          <p:spTgt spid="3">
+                                            <p:txEl>
+                                              <p:pRg st="6" end="6"/>
+                                            </p:txEl>
+                                          </p:spTgt>
+                                        </p:tgtEl>
+                                        <p:attrNameLst>
+                                          <p:attrName>style.visibility</p:attrName>
+                                        </p:attrNameLst>
+                                      </p:cBhvr>
+                                      <p:to>
+                                        <p:strVal val="visible"/>
+                                      </p:to>
+                                    </p:set>
+                                    <p:animEffect transition="in" filter="fade">
+                                      <p:cBhvr>
+                                        <p:cTn id="41" dur="1000"/>
+                                        <p:tgtEl>
+                                          <p:spTgt spid="3">
+                                            <p:txEl>
+                                              <p:pRg st="6" end="6"/>
+                                            </p:txEl>
+                                          </p:spTgt>
+                                        </p:tgtEl>
+                                      </p:cBhvr>
+                                    </p:animEffect>
+                                    <p:anim calcmode="lin" valueType="num">
+                                      <p:cBhvr>
+                                        <p:cTn id="42" dur="1000" fill="hold"/>
+                                        <p:tgtEl>
+                                          <p:spTgt spid="3">
+                                            <p:txEl>
+                                              <p:pRg st="6" end="6"/>
+                                            </p:txEl>
+                                          </p:spTgt>
+                                        </p:tgtEl>
+                                        <p:attrNameLst>
+                                          <p:attrName>ppt_x</p:attrName>
+                                        </p:attrNameLst>
+                                      </p:cBhvr>
+                                      <p:tavLst>
+                                        <p:tav tm="0">
+                                          <p:val>
+                                            <p:strVal val="#ppt_x"/>
+                                          </p:val>
+                                        </p:tav>
+                                        <p:tav tm="100000">
+                                          <p:val>
+                                            <p:strVal val="#ppt_x"/>
+                                          </p:val>
+                                        </p:tav>
+                                      </p:tavLst>
+                                    </p:anim>
+                                    <p:anim calcmode="lin" valueType="num">
+                                      <p:cBhvr>
+                                        <p:cTn id="43" dur="1000" fill="hold"/>
+                                        <p:tgtEl>
+                                          <p:spTgt spid="3">
+                                            <p:txEl>
+                                              <p:pRg st="6" end="6"/>
+                                            </p:txEl>
+                                          </p:spTgt>
+                                        </p:tgtEl>
+                                        <p:attrNameLst>
+                                          <p:attrName>ppt_y</p:attrName>
+                                        </p:attrNameLst>
+                                      </p:cBhvr>
+                                      <p:tavLst>
+                                        <p:tav tm="0">
+                                          <p:val>
+                                            <p:strVal val="#ppt_y+.1"/>
+                                          </p:val>
+                                        </p:tav>
+                                        <p:tav tm="100000">
+                                          <p:val>
+                                            <p:strVal val="#ppt_y"/>
+                                          </p:val>
+                                        </p:tav>
+                                      </p:tavLst>
+                                    </p:anim>
+                                  </p:childTnLst>
+                                </p:cTn>
+                              </p:par>
+                              <p:par>
+                                <p:cTn id="44" presetID="42" presetClass="entr" presetSubtype="0" fill="hold" grpId="0" nodeType="withEffect">
+                                  <p:stCondLst>
+                                    <p:cond delay="0"/>
+                                  </p:stCondLst>
+                                  <p:childTnLst>
+                                    <p:set>
+                                      <p:cBhvr>
+                                        <p:cTn id="45" dur="1" fill="hold">
+                                          <p:stCondLst>
+                                            <p:cond delay="0"/>
+                                          </p:stCondLst>
+                                        </p:cTn>
+                                        <p:tgtEl>
+                                          <p:spTgt spid="3">
+                                            <p:txEl>
+                                              <p:pRg st="7" end="7"/>
+                                            </p:txEl>
+                                          </p:spTgt>
+                                        </p:tgtEl>
+                                        <p:attrNameLst>
+                                          <p:attrName>style.visibility</p:attrName>
+                                        </p:attrNameLst>
+                                      </p:cBhvr>
+                                      <p:to>
+                                        <p:strVal val="visible"/>
+                                      </p:to>
+                                    </p:set>
+                                    <p:animEffect transition="in" filter="fade">
+                                      <p:cBhvr>
+                                        <p:cTn id="46" dur="1000"/>
+                                        <p:tgtEl>
+                                          <p:spTgt spid="3">
+                                            <p:txEl>
+                                              <p:pRg st="7" end="7"/>
+                                            </p:txEl>
+                                          </p:spTgt>
+                                        </p:tgtEl>
+                                      </p:cBhvr>
+                                    </p:animEffect>
+                                    <p:anim calcmode="lin" valueType="num">
+                                      <p:cBhvr>
+                                        <p:cTn id="47" dur="1000" fill="hold"/>
+                                        <p:tgtEl>
+                                          <p:spTgt spid="3">
+                                            <p:txEl>
+                                              <p:pRg st="7" end="7"/>
+                                            </p:txEl>
+                                          </p:spTgt>
+                                        </p:tgtEl>
+                                        <p:attrNameLst>
+                                          <p:attrName>ppt_x</p:attrName>
+                                        </p:attrNameLst>
+                                      </p:cBhvr>
+                                      <p:tavLst>
+                                        <p:tav tm="0">
+                                          <p:val>
+                                            <p:strVal val="#ppt_x"/>
+                                          </p:val>
+                                        </p:tav>
+                                        <p:tav tm="100000">
+                                          <p:val>
+                                            <p:strVal val="#ppt_x"/>
+                                          </p:val>
+                                        </p:tav>
+                                      </p:tavLst>
+                                    </p:anim>
+                                    <p:anim calcmode="lin" valueType="num">
+                                      <p:cBhvr>
+                                        <p:cTn id="48" dur="1000" fill="hold"/>
+                                        <p:tgtEl>
+                                          <p:spTgt spid="3">
+                                            <p:txEl>
+                                              <p:pRg st="7" end="7"/>
+                                            </p:txEl>
+                                          </p:spTgt>
+                                        </p:tgtEl>
+                                        <p:attrNameLst>
+                                          <p:attrName>ppt_y</p:attrName>
+                                        </p:attrNameLst>
+                                      </p:cBhvr>
+                                      <p:tavLst>
+                                        <p:tav tm="0">
+                                          <p:val>
+                                            <p:strVal val="#ppt_y+.1"/>
+                                          </p:val>
+                                        </p:tav>
+                                        <p:tav tm="100000">
+                                          <p:val>
+                                            <p:strVal val="#ppt_y"/>
+                                          </p:val>
+                                        </p:tav>
+                                      </p:tavLst>
+                                    </p:anim>
+                                  </p:childTnLst>
+                                </p:cTn>
+                              </p:par>
+                              <p:par>
+                                <p:cTn id="49" presetID="42" presetClass="entr" presetSubtype="0" fill="hold" grpId="0" nodeType="withEffect">
+                                  <p:stCondLst>
+                                    <p:cond delay="0"/>
+                                  </p:stCondLst>
+                                  <p:childTnLst>
+                                    <p:set>
+                                      <p:cBhvr>
+                                        <p:cTn id="50" dur="1" fill="hold">
+                                          <p:stCondLst>
+                                            <p:cond delay="0"/>
+                                          </p:stCondLst>
+                                        </p:cTn>
+                                        <p:tgtEl>
+                                          <p:spTgt spid="3">
+                                            <p:txEl>
+                                              <p:pRg st="8" end="8"/>
+                                            </p:txEl>
+                                          </p:spTgt>
+                                        </p:tgtEl>
+                                        <p:attrNameLst>
+                                          <p:attrName>style.visibility</p:attrName>
+                                        </p:attrNameLst>
+                                      </p:cBhvr>
+                                      <p:to>
+                                        <p:strVal val="visible"/>
+                                      </p:to>
+                                    </p:set>
+                                    <p:animEffect transition="in" filter="fade">
+                                      <p:cBhvr>
+                                        <p:cTn id="51" dur="1000"/>
+                                        <p:tgtEl>
+                                          <p:spTgt spid="3">
+                                            <p:txEl>
+                                              <p:pRg st="8" end="8"/>
+                                            </p:txEl>
+                                          </p:spTgt>
+                                        </p:tgtEl>
+                                      </p:cBhvr>
+                                    </p:animEffect>
+                                    <p:anim calcmode="lin" valueType="num">
+                                      <p:cBhvr>
+                                        <p:cTn id="52" dur="1000" fill="hold"/>
+                                        <p:tgtEl>
+                                          <p:spTgt spid="3">
+                                            <p:txEl>
+                                              <p:pRg st="8" end="8"/>
+                                            </p:txEl>
+                                          </p:spTgt>
+                                        </p:tgtEl>
+                                        <p:attrNameLst>
+                                          <p:attrName>ppt_x</p:attrName>
+                                        </p:attrNameLst>
+                                      </p:cBhvr>
+                                      <p:tavLst>
+                                        <p:tav tm="0">
+                                          <p:val>
+                                            <p:strVal val="#ppt_x"/>
+                                          </p:val>
+                                        </p:tav>
+                                        <p:tav tm="100000">
+                                          <p:val>
+                                            <p:strVal val="#ppt_x"/>
+                                          </p:val>
+                                        </p:tav>
+                                      </p:tavLst>
+                                    </p:anim>
+                                    <p:anim calcmode="lin" valueType="num">
+                                      <p:cBhvr>
+                                        <p:cTn id="53" dur="1000" fill="hold"/>
+                                        <p:tgtEl>
+                                          <p:spTgt spid="3">
+                                            <p:txEl>
+                                              <p:pRg st="8" end="8"/>
+                                            </p:txEl>
+                                          </p:spTgt>
+                                        </p:tgtEl>
+                                        <p:attrNameLst>
+                                          <p:attrName>ppt_y</p:attrName>
+                                        </p:attrNameLst>
+                                      </p:cBhvr>
+                                      <p:tavLst>
+                                        <p:tav tm="0">
+                                          <p:val>
+                                            <p:strVal val="#ppt_y+.1"/>
+                                          </p:val>
+                                        </p:tav>
+                                        <p:tav tm="100000">
+                                          <p:val>
+                                            <p:strVal val="#ppt_y"/>
+                                          </p:val>
+                                        </p:tav>
+                                      </p:tavLst>
+                                    </p:anim>
+                                  </p:childTnLst>
+                                </p:cTn>
+                              </p:par>
+                            </p:childTnLst>
+                          </p:cTn>
+                        </p:par>
+                      </p:childTnLst>
+                    </p:cTn>
+                  </p:par>
+                  <p:par>
+                    <p:cTn id="54" fill="hold">
+                      <p:stCondLst>
+                        <p:cond delay="indefinite"/>
+                      </p:stCondLst>
+                      <p:childTnLst>
+                        <p:par>
+                          <p:cTn id="55" fill="hold">
+                            <p:stCondLst>
+                              <p:cond delay="0"/>
+                            </p:stCondLst>
+                            <p:childTnLst>
+                              <p:par>
+                                <p:cTn id="56" presetID="42" presetClass="entr" presetSubtype="0" fill="hold" grpId="0" nodeType="clickEffect">
+                                  <p:stCondLst>
+                                    <p:cond delay="0"/>
+                                  </p:stCondLst>
+                                  <p:childTnLst>
+                                    <p:set>
+                                      <p:cBhvr>
+                                        <p:cTn id="57" dur="1" fill="hold">
+                                          <p:stCondLst>
+                                            <p:cond delay="0"/>
+                                          </p:stCondLst>
+                                        </p:cTn>
+                                        <p:tgtEl>
+                                          <p:spTgt spid="3">
+                                            <p:txEl>
+                                              <p:pRg st="9" end="9"/>
+                                            </p:txEl>
+                                          </p:spTgt>
+                                        </p:tgtEl>
+                                        <p:attrNameLst>
+                                          <p:attrName>style.visibility</p:attrName>
+                                        </p:attrNameLst>
+                                      </p:cBhvr>
+                                      <p:to>
+                                        <p:strVal val="visible"/>
+                                      </p:to>
+                                    </p:set>
+                                    <p:animEffect transition="in" filter="fade">
+                                      <p:cBhvr>
+                                        <p:cTn id="58" dur="1000"/>
+                                        <p:tgtEl>
+                                          <p:spTgt spid="3">
+                                            <p:txEl>
+                                              <p:pRg st="9" end="9"/>
+                                            </p:txEl>
+                                          </p:spTgt>
+                                        </p:tgtEl>
+                                      </p:cBhvr>
+                                    </p:animEffect>
+                                    <p:anim calcmode="lin" valueType="num">
+                                      <p:cBhvr>
+                                        <p:cTn id="59" dur="1000" fill="hold"/>
+                                        <p:tgtEl>
+                                          <p:spTgt spid="3">
+                                            <p:txEl>
+                                              <p:pRg st="9" end="9"/>
+                                            </p:txEl>
+                                          </p:spTgt>
+                                        </p:tgtEl>
+                                        <p:attrNameLst>
+                                          <p:attrName>ppt_x</p:attrName>
+                                        </p:attrNameLst>
+                                      </p:cBhvr>
+                                      <p:tavLst>
+                                        <p:tav tm="0">
+                                          <p:val>
+                                            <p:strVal val="#ppt_x"/>
+                                          </p:val>
+                                        </p:tav>
+                                        <p:tav tm="100000">
+                                          <p:val>
+                                            <p:strVal val="#ppt_x"/>
+                                          </p:val>
+                                        </p:tav>
+                                      </p:tavLst>
+                                    </p:anim>
+                                    <p:anim calcmode="lin" valueType="num">
+                                      <p:cBhvr>
+                                        <p:cTn id="60" dur="1000" fill="hold"/>
+                                        <p:tgtEl>
+                                          <p:spTgt spid="3">
+                                            <p:txEl>
+                                              <p:pRg st="9" end="9"/>
+                                            </p:txEl>
+                                          </p:spTgt>
+                                        </p:tgtEl>
+                                        <p:attrNameLst>
+                                          <p:attrName>ppt_y</p:attrName>
+                                        </p:attrNameLst>
+                                      </p:cBhvr>
+                                      <p:tavLst>
+                                        <p:tav tm="0">
+                                          <p:val>
+                                            <p:strVal val="#ppt_y+.1"/>
+                                          </p:val>
+                                        </p:tav>
+                                        <p:tav tm="100000">
+                                          <p:val>
+                                            <p:strVal val="#ppt_y"/>
+                                          </p:val>
+                                        </p:tav>
+                                      </p:tavLst>
+                                    </p:anim>
+                                  </p:childTnLst>
+                                </p:cTn>
+                              </p:par>
+                              <p:par>
+                                <p:cTn id="61" presetID="42" presetClass="entr" presetSubtype="0" fill="hold" grpId="0" nodeType="withEffect">
+                                  <p:stCondLst>
+                                    <p:cond delay="0"/>
+                                  </p:stCondLst>
+                                  <p:childTnLst>
+                                    <p:set>
+                                      <p:cBhvr>
+                                        <p:cTn id="62" dur="1" fill="hold">
+                                          <p:stCondLst>
+                                            <p:cond delay="0"/>
+                                          </p:stCondLst>
+                                        </p:cTn>
+                                        <p:tgtEl>
+                                          <p:spTgt spid="3">
+                                            <p:txEl>
+                                              <p:pRg st="10" end="10"/>
+                                            </p:txEl>
+                                          </p:spTgt>
+                                        </p:tgtEl>
+                                        <p:attrNameLst>
+                                          <p:attrName>style.visibility</p:attrName>
+                                        </p:attrNameLst>
+                                      </p:cBhvr>
+                                      <p:to>
+                                        <p:strVal val="visible"/>
+                                      </p:to>
+                                    </p:set>
+                                    <p:animEffect transition="in" filter="fade">
+                                      <p:cBhvr>
+                                        <p:cTn id="63" dur="1000"/>
+                                        <p:tgtEl>
+                                          <p:spTgt spid="3">
+                                            <p:txEl>
+                                              <p:pRg st="10" end="10"/>
+                                            </p:txEl>
+                                          </p:spTgt>
+                                        </p:tgtEl>
+                                      </p:cBhvr>
+                                    </p:animEffect>
+                                    <p:anim calcmode="lin" valueType="num">
+                                      <p:cBhvr>
+                                        <p:cTn id="64" dur="1000" fill="hold"/>
+                                        <p:tgtEl>
+                                          <p:spTgt spid="3">
+                                            <p:txEl>
+                                              <p:pRg st="10" end="10"/>
+                                            </p:txEl>
+                                          </p:spTgt>
+                                        </p:tgtEl>
+                                        <p:attrNameLst>
+                                          <p:attrName>ppt_x</p:attrName>
+                                        </p:attrNameLst>
+                                      </p:cBhvr>
+                                      <p:tavLst>
+                                        <p:tav tm="0">
+                                          <p:val>
+                                            <p:strVal val="#ppt_x"/>
+                                          </p:val>
+                                        </p:tav>
+                                        <p:tav tm="100000">
+                                          <p:val>
+                                            <p:strVal val="#ppt_x"/>
+                                          </p:val>
+                                        </p:tav>
+                                      </p:tavLst>
+                                    </p:anim>
+                                    <p:anim calcmode="lin" valueType="num">
+                                      <p:cBhvr>
+                                        <p:cTn id="65" dur="1000" fill="hold"/>
+                                        <p:tgtEl>
+                                          <p:spTgt spid="3">
+                                            <p:txEl>
+                                              <p:pRg st="10" end="10"/>
+                                            </p:txEl>
+                                          </p:spTgt>
+                                        </p:tgtEl>
+                                        <p:attrNameLst>
+                                          <p:attrName>ppt_y</p:attrName>
+                                        </p:attrNameLst>
+                                      </p:cBhvr>
+                                      <p:tavLst>
+                                        <p:tav tm="0">
+                                          <p:val>
+                                            <p:strVal val="#ppt_y+.1"/>
+                                          </p:val>
+                                        </p:tav>
+                                        <p:tav tm="100000">
+                                          <p:val>
+                                            <p:strVal val="#ppt_y"/>
+                                          </p:val>
+                                        </p:tav>
+                                      </p:tavLst>
+                                    </p:anim>
+                                  </p:childTnLst>
+                                </p:cTn>
+                              </p:par>
+                            </p:childTnLst>
+                          </p:cTn>
+                        </p:par>
+                      </p:childTnLst>
+                    </p:cTn>
+                  </p:par>
+                </p:childTnLst>
+              </p:cTn>
+              <p:prevCondLst>
+                <p:cond evt="onPrev" delay="0">
+                  <p:tgtEl>
+                    <p:sldTgt/>
+                  </p:tgtEl>
+                </p:cond>
+              </p:prevCondLst>
+              <p:nextCondLst>
+                <p:cond evt="onNext" delay="0">
+                  <p:tgtEl>
+                    <p:sldTgt/>
+                  </p:tgtEl>
+                </p:cond>
+              </p:nextCondLst>
+            </p:seq>
+          </p:childTnLst>
+        </p:cTn>
+      </p:par>
+    </p:tnLst>
+    <p:bldLst>
+      <p:bldP spid="3" grpId="0" uiExpand="1" build="p"/>
+    </p:bldLst>
+  </p:timing>
+</p:sld>
+</file>
+
+<file path=ppt/slides/slide24.xml><?xml version="1.0" encoding="utf-8"?>
+<p:sld xmlns:a="http://schemas.openxmlformats.org/drawingml/2006/main" xmlns:r="http://schemas.openxmlformats.org/officeDocument/2006/relationships" xmlns:p="http://schemas.openxmlformats.org/presentationml/2006/main">
+  <p:cSld>
+    <p:spTree>
+      <p:nvGrpSpPr>
+        <p:cNvPr id="1" name=""/>
+        <p:cNvGrpSpPr/>
+        <p:nvPr/>
+      </p:nvGrpSpPr>
+      <p:grpSpPr>
+        <a:xfrm>
+          <a:off x="0" y="0"/>
+          <a:ext cx="0" cy="0"/>
+          <a:chOff x="0" y="0"/>
+          <a:chExt cx="0" cy="0"/>
+        </a:xfrm>
+      </p:grpSpPr>
+      <p:sp>
+        <p:nvSpPr>
+          <p:cNvPr id="2" name="Заголовок 1"/>
+          <p:cNvSpPr>
+            <a:spLocks noGrp="1"/>
+          </p:cNvSpPr>
+          <p:nvPr>
+            <p:ph type="title"/>
+          </p:nvPr>
+        </p:nvSpPr>
+        <p:spPr/>
+        <p:txBody>
+          <a:bodyPr/>
+          <a:lstStyle/>
+          <a:p>
+            <a:r>
+              <a:rPr lang="en-US" dirty="0"/>
+              <a:t>C# </a:t>
+            </a:r>
+            <a:r>
+              <a:rPr lang="en-US" dirty="0" smtClean="0"/>
+              <a:t>basics</a:t>
+            </a:r>
+            <a:br>
+              <a:rPr lang="en-US" dirty="0" smtClean="0"/>
+            </a:br>
+            <a:r>
+              <a:rPr lang="en-US" sz="2400" dirty="0" smtClean="0">
+                <a:solidFill>
+                  <a:prstClr val="white">
+                    <a:lumMod val="50000"/>
+                  </a:prstClr>
+                </a:solidFill>
+              </a:rPr>
+              <a:t>Methods</a:t>
+            </a:r>
+            <a:endParaRPr lang="en-US" dirty="0"/>
+          </a:p>
+        </p:txBody>
+      </p:sp>
+      <p:sp>
+        <p:nvSpPr>
+          <p:cNvPr id="4" name="Дата 3"/>
+          <p:cNvSpPr>
+            <a:spLocks noGrp="1"/>
+          </p:cNvSpPr>
+          <p:nvPr>
+            <p:ph type="dt" sz="half" idx="10"/>
+          </p:nvPr>
+        </p:nvSpPr>
+        <p:spPr>
+          <a:xfrm>
+            <a:off x="6598153" y="6041362"/>
+            <a:ext cx="1518920" cy="365125"/>
+          </a:xfrm>
+        </p:spPr>
+        <p:txBody>
+          <a:bodyPr/>
+          <a:lstStyle/>
+          <a:p>
+            <a:fld id="{939306D3-16AC-481B-963B-74A1D01AC013}" type="datetime3">
+              <a:rPr lang="en-US" sz="1100" smtClean="0"/>
+              <a:t>8 October 2021</a:t>
+            </a:fld>
+            <a:endParaRPr lang="en-US" sz="1100" dirty="0"/>
+          </a:p>
+        </p:txBody>
+      </p:sp>
+      <p:sp>
+        <p:nvSpPr>
+          <p:cNvPr id="5" name="Нижний колонтитул 4"/>
+          <p:cNvSpPr>
+            <a:spLocks noGrp="1"/>
+          </p:cNvSpPr>
+          <p:nvPr>
+            <p:ph type="ftr" sz="quarter" idx="11"/>
+          </p:nvPr>
+        </p:nvSpPr>
+        <p:spPr/>
+        <p:txBody>
+          <a:bodyPr/>
+          <a:lstStyle/>
+          <a:p>
+            <a:r>
+              <a:rPr lang="en-US" sz="1100" dirty="0" smtClean="0"/>
+              <a:t>Automated framework with C#</a:t>
+            </a:r>
+          </a:p>
+          <a:p>
+            <a:r>
+              <a:rPr lang="en-US" sz="1100" dirty="0"/>
+              <a:t>Yury </a:t>
+            </a:r>
+            <a:r>
+              <a:rPr lang="en-US" sz="1100" dirty="0" smtClean="0"/>
+              <a:t>Alifanov</a:t>
+            </a:r>
+            <a:endParaRPr lang="en-US" sz="1100" dirty="0"/>
+          </a:p>
+        </p:txBody>
+      </p:sp>
+      <p:sp>
+        <p:nvSpPr>
+          <p:cNvPr id="6" name="Номер слайда 5"/>
+          <p:cNvSpPr>
+            <a:spLocks noGrp="1"/>
+          </p:cNvSpPr>
+          <p:nvPr>
+            <p:ph type="sldNum" sz="quarter" idx="12"/>
+          </p:nvPr>
+        </p:nvSpPr>
+        <p:spPr/>
+        <p:txBody>
+          <a:bodyPr/>
+          <a:lstStyle/>
+          <a:p>
+            <a:fld id="{519954A3-9DFD-4C44-94BA-B95130A3BA1C}" type="slidenum">
+              <a:rPr lang="en-US" sz="1100" smtClean="0"/>
+              <a:t>24</a:t>
+            </a:fld>
+            <a:endParaRPr lang="en-US" sz="1100" dirty="0"/>
+          </a:p>
+        </p:txBody>
+      </p:sp>
+      <p:sp>
+        <p:nvSpPr>
+          <p:cNvPr id="3" name="Объект 2"/>
+          <p:cNvSpPr>
+            <a:spLocks noGrp="1"/>
+          </p:cNvSpPr>
+          <p:nvPr>
+            <p:ph idx="1"/>
+          </p:nvPr>
+        </p:nvSpPr>
+        <p:spPr>
+          <a:xfrm>
+            <a:off x="677334" y="1641816"/>
+            <a:ext cx="10352616" cy="4263813"/>
+          </a:xfrm>
+        </p:spPr>
+        <p:txBody>
+          <a:bodyPr>
+            <a:normAutofit/>
+          </a:bodyPr>
+          <a:lstStyle/>
+          <a:p>
+            <a:pPr marL="0" indent="0">
+              <a:buNone/>
+            </a:pPr>
+            <a:r>
+              <a:rPr lang="en-US" dirty="0" smtClean="0"/>
+              <a:t>Method with parameters</a:t>
+            </a:r>
+          </a:p>
+          <a:p>
+            <a:pPr marL="0" indent="0">
+              <a:buNone/>
+            </a:pPr>
+            <a:r>
+              <a:rPr lang="en-US" dirty="0"/>
+              <a:t>	</a:t>
+            </a:r>
+            <a:r>
+              <a:rPr lang="en-US" sz="1600" dirty="0" smtClean="0">
+                <a:solidFill>
+                  <a:schemeClr val="accent2"/>
+                </a:solidFill>
+                <a:latin typeface="Consolas" panose="020B0609020204030204" pitchFamily="49" charset="0"/>
+              </a:rPr>
+              <a:t>public static string</a:t>
+            </a:r>
+            <a:r>
+              <a:rPr lang="en-US" sz="1600" dirty="0" smtClean="0">
+                <a:latin typeface="Consolas" panose="020B0609020204030204" pitchFamily="49" charset="0"/>
+              </a:rPr>
+              <a:t> </a:t>
+            </a:r>
+            <a:r>
+              <a:rPr lang="en-US" sz="1600" dirty="0" err="1" smtClean="0">
+                <a:latin typeface="Consolas" panose="020B0609020204030204" pitchFamily="49" charset="0"/>
+              </a:rPr>
+              <a:t>MethodName</a:t>
+            </a:r>
+            <a:r>
+              <a:rPr lang="en-US" sz="1600" dirty="0" smtClean="0">
+                <a:latin typeface="Consolas" panose="020B0609020204030204" pitchFamily="49" charset="0"/>
+              </a:rPr>
+              <a:t>(</a:t>
+            </a:r>
+            <a:r>
+              <a:rPr lang="en-US" sz="1600" dirty="0" err="1" smtClean="0">
+                <a:solidFill>
+                  <a:schemeClr val="accent2"/>
+                </a:solidFill>
+                <a:latin typeface="Consolas" panose="020B0609020204030204" pitchFamily="49" charset="0"/>
+              </a:rPr>
+              <a:t>uint</a:t>
+            </a:r>
+            <a:r>
+              <a:rPr lang="en-US" sz="1600" dirty="0" smtClean="0">
+                <a:latin typeface="Consolas" panose="020B0609020204030204" pitchFamily="49" charset="0"/>
+              </a:rPr>
+              <a:t> age, </a:t>
+            </a:r>
+            <a:r>
+              <a:rPr lang="en-US" sz="1600" dirty="0" smtClean="0">
+                <a:solidFill>
+                  <a:schemeClr val="accent2"/>
+                </a:solidFill>
+                <a:latin typeface="Consolas" panose="020B0609020204030204" pitchFamily="49" charset="0"/>
+              </a:rPr>
+              <a:t>string</a:t>
+            </a:r>
+            <a:r>
+              <a:rPr lang="en-US" sz="1600" dirty="0" smtClean="0">
+                <a:latin typeface="Consolas" panose="020B0609020204030204" pitchFamily="49" charset="0"/>
+              </a:rPr>
+              <a:t> name, </a:t>
+            </a:r>
+            <a:r>
+              <a:rPr lang="en-US" sz="1600" dirty="0" smtClean="0">
+                <a:solidFill>
+                  <a:schemeClr val="accent2"/>
+                </a:solidFill>
+                <a:latin typeface="Consolas" panose="020B0609020204030204" pitchFamily="49" charset="0"/>
+              </a:rPr>
+              <a:t>string</a:t>
+            </a:r>
+            <a:r>
+              <a:rPr lang="en-US" sz="1600" dirty="0" smtClean="0">
+                <a:latin typeface="Consolas" panose="020B0609020204030204" pitchFamily="49" charset="0"/>
+              </a:rPr>
+              <a:t>[] accounts);</a:t>
+            </a:r>
+          </a:p>
+          <a:p>
+            <a:pPr marL="0" indent="0">
+              <a:buNone/>
+            </a:pPr>
+            <a:r>
+              <a:rPr lang="en-US" dirty="0" smtClean="0"/>
+              <a:t>Variable number of arguments</a:t>
+            </a:r>
+          </a:p>
+          <a:p>
+            <a:pPr marL="0" indent="0">
+              <a:buNone/>
+            </a:pPr>
+            <a:r>
+              <a:rPr lang="en-US" dirty="0" smtClean="0"/>
+              <a:t>	</a:t>
+            </a:r>
+            <a:r>
+              <a:rPr lang="en-US" sz="1600" dirty="0" smtClean="0">
+                <a:solidFill>
+                  <a:schemeClr val="accent2"/>
+                </a:solidFill>
+                <a:latin typeface="Consolas" panose="020B0609020204030204" pitchFamily="49" charset="0"/>
+              </a:rPr>
+              <a:t>public </a:t>
+            </a:r>
+            <a:r>
+              <a:rPr lang="en-US" sz="1600" dirty="0">
+                <a:solidFill>
+                  <a:schemeClr val="accent2"/>
+                </a:solidFill>
+                <a:latin typeface="Consolas" panose="020B0609020204030204" pitchFamily="49" charset="0"/>
+              </a:rPr>
+              <a:t>static </a:t>
+            </a:r>
+            <a:r>
+              <a:rPr lang="en-US" sz="1600" dirty="0" smtClean="0">
+                <a:solidFill>
+                  <a:schemeClr val="accent2"/>
+                </a:solidFill>
+                <a:latin typeface="Consolas" panose="020B0609020204030204" pitchFamily="49" charset="0"/>
+              </a:rPr>
+              <a:t>void</a:t>
+            </a:r>
+            <a:r>
+              <a:rPr lang="en-US" sz="1600" dirty="0" smtClean="0">
+                <a:latin typeface="Consolas" panose="020B0609020204030204" pitchFamily="49" charset="0"/>
+              </a:rPr>
+              <a:t> </a:t>
+            </a:r>
+            <a:r>
+              <a:rPr lang="en-US" sz="1600" dirty="0" err="1" smtClean="0">
+                <a:latin typeface="Consolas" panose="020B0609020204030204" pitchFamily="49" charset="0"/>
+              </a:rPr>
+              <a:t>PrintTotalSumForCategory</a:t>
+            </a:r>
+            <a:r>
+              <a:rPr lang="en-US" sz="1600" dirty="0" smtClean="0">
+                <a:latin typeface="Consolas" panose="020B0609020204030204" pitchFamily="49" charset="0"/>
+              </a:rPr>
+              <a:t>(</a:t>
+            </a:r>
+            <a:r>
+              <a:rPr lang="en-US" sz="1600" dirty="0" smtClean="0">
+                <a:solidFill>
+                  <a:schemeClr val="accent2"/>
+                </a:solidFill>
+                <a:latin typeface="Consolas" panose="020B0609020204030204" pitchFamily="49" charset="0"/>
+              </a:rPr>
+              <a:t>string</a:t>
+            </a:r>
+            <a:r>
+              <a:rPr lang="en-US" sz="1600" dirty="0" smtClean="0">
+                <a:latin typeface="Consolas" panose="020B0609020204030204" pitchFamily="49" charset="0"/>
+              </a:rPr>
+              <a:t> category, </a:t>
+            </a:r>
+            <a:r>
+              <a:rPr lang="en-US" sz="1600" dirty="0" err="1" smtClean="0">
+                <a:solidFill>
+                  <a:schemeClr val="accent2"/>
+                </a:solidFill>
+                <a:latin typeface="Consolas" panose="020B0609020204030204" pitchFamily="49" charset="0"/>
+              </a:rPr>
+              <a:t>params</a:t>
+            </a:r>
+            <a:r>
+              <a:rPr lang="en-US" sz="1600" dirty="0" smtClean="0">
+                <a:solidFill>
+                  <a:schemeClr val="accent2"/>
+                </a:solidFill>
+                <a:latin typeface="Consolas" panose="020B0609020204030204" pitchFamily="49" charset="0"/>
+              </a:rPr>
+              <a:t> decimal</a:t>
+            </a:r>
+            <a:r>
+              <a:rPr lang="en-US" sz="1600" dirty="0" smtClean="0">
+                <a:latin typeface="Consolas" panose="020B0609020204030204" pitchFamily="49" charset="0"/>
+              </a:rPr>
+              <a:t>[] prices)</a:t>
+            </a:r>
+          </a:p>
+          <a:p>
+            <a:pPr marL="0" indent="0">
+              <a:buNone/>
+            </a:pPr>
+            <a:r>
+              <a:rPr lang="en-US" dirty="0" smtClean="0"/>
+              <a:t>Optional parameters</a:t>
+            </a:r>
+          </a:p>
+          <a:p>
+            <a:pPr marL="0" indent="0">
+              <a:buNone/>
+            </a:pPr>
+            <a:r>
+              <a:rPr lang="en-US" dirty="0"/>
+              <a:t>	</a:t>
+            </a:r>
+            <a:r>
+              <a:rPr lang="en-US" sz="1600" dirty="0" smtClean="0">
+                <a:solidFill>
+                  <a:schemeClr val="accent2"/>
+                </a:solidFill>
+                <a:latin typeface="Consolas" panose="020B0609020204030204" pitchFamily="49" charset="0"/>
+              </a:rPr>
+              <a:t>public </a:t>
+            </a:r>
+            <a:r>
+              <a:rPr lang="en-US" sz="1600" dirty="0">
+                <a:solidFill>
+                  <a:schemeClr val="accent2"/>
+                </a:solidFill>
+                <a:latin typeface="Consolas" panose="020B0609020204030204" pitchFamily="49" charset="0"/>
+              </a:rPr>
+              <a:t>static </a:t>
+            </a:r>
+            <a:r>
+              <a:rPr lang="en-US" sz="1600" dirty="0" err="1" smtClean="0">
+                <a:latin typeface="Consolas" panose="020B0609020204030204" pitchFamily="49" charset="0"/>
+              </a:rPr>
+              <a:t>InputPassword</a:t>
+            </a:r>
+            <a:r>
+              <a:rPr lang="en-US" sz="1600" dirty="0" smtClean="0">
+                <a:latin typeface="Consolas" panose="020B0609020204030204" pitchFamily="49" charset="0"/>
+              </a:rPr>
+              <a:t>(</a:t>
+            </a:r>
+            <a:r>
+              <a:rPr lang="en-US" sz="1600" dirty="0" smtClean="0">
+                <a:solidFill>
+                  <a:schemeClr val="accent2"/>
+                </a:solidFill>
+                <a:latin typeface="Consolas" panose="020B0609020204030204" pitchFamily="49" charset="0"/>
+              </a:rPr>
+              <a:t>string</a:t>
+            </a:r>
+            <a:r>
+              <a:rPr lang="en-US" sz="1600" dirty="0" smtClean="0">
+                <a:latin typeface="Consolas" panose="020B0609020204030204" pitchFamily="49" charset="0"/>
+              </a:rPr>
+              <a:t> login = </a:t>
+            </a:r>
+            <a:r>
+              <a:rPr lang="en-US" sz="1600" dirty="0" smtClean="0">
+                <a:solidFill>
+                  <a:srgbClr val="C00000"/>
+                </a:solidFill>
+                <a:latin typeface="Consolas" panose="020B0609020204030204" pitchFamily="49" charset="0"/>
+              </a:rPr>
+              <a:t>“dummy”</a:t>
+            </a:r>
+            <a:r>
+              <a:rPr lang="en-US" sz="1600" dirty="0" smtClean="0">
+                <a:latin typeface="Consolas" panose="020B0609020204030204" pitchFamily="49" charset="0"/>
+              </a:rPr>
+              <a:t>, </a:t>
+            </a:r>
+            <a:r>
+              <a:rPr lang="en-US" sz="1600" dirty="0">
+                <a:solidFill>
+                  <a:schemeClr val="accent2"/>
+                </a:solidFill>
+                <a:latin typeface="Consolas" panose="020B0609020204030204" pitchFamily="49" charset="0"/>
+              </a:rPr>
+              <a:t>string</a:t>
+            </a:r>
+            <a:r>
+              <a:rPr lang="en-US" sz="1600" dirty="0">
+                <a:latin typeface="Consolas" panose="020B0609020204030204" pitchFamily="49" charset="0"/>
+              </a:rPr>
+              <a:t> </a:t>
+            </a:r>
+            <a:r>
+              <a:rPr lang="en-US" sz="1600" dirty="0" smtClean="0">
+                <a:latin typeface="Consolas" panose="020B0609020204030204" pitchFamily="49" charset="0"/>
+              </a:rPr>
+              <a:t>password = </a:t>
+            </a:r>
+            <a:r>
+              <a:rPr lang="en-US" sz="1600" dirty="0" smtClean="0">
+                <a:solidFill>
+                  <a:srgbClr val="C00000"/>
+                </a:solidFill>
+                <a:latin typeface="Consolas" panose="020B0609020204030204" pitchFamily="49" charset="0"/>
+              </a:rPr>
+              <a:t>“dummy”</a:t>
+            </a:r>
+            <a:r>
+              <a:rPr lang="en-US" sz="1600" dirty="0" smtClean="0">
+                <a:latin typeface="Consolas" panose="020B0609020204030204" pitchFamily="49" charset="0"/>
+              </a:rPr>
+              <a:t>); </a:t>
+            </a:r>
+          </a:p>
+          <a:p>
+            <a:pPr marL="0" indent="0">
+              <a:buNone/>
+            </a:pPr>
+            <a:r>
+              <a:rPr lang="en-US" dirty="0" smtClean="0"/>
+              <a:t>Method overloading</a:t>
+            </a:r>
+          </a:p>
+          <a:p>
+            <a:pPr marL="0" indent="0">
+              <a:buNone/>
+            </a:pPr>
+            <a:r>
+              <a:rPr lang="en-US" sz="1600" dirty="0"/>
+              <a:t>	</a:t>
+            </a:r>
+            <a:r>
+              <a:rPr lang="en-US" sz="1600" dirty="0" smtClean="0">
+                <a:solidFill>
+                  <a:schemeClr val="accent2"/>
+                </a:solidFill>
+                <a:latin typeface="Consolas" panose="020B0609020204030204" pitchFamily="49" charset="0"/>
+              </a:rPr>
+              <a:t>public </a:t>
+            </a:r>
+            <a:r>
+              <a:rPr lang="en-US" sz="1600" dirty="0" err="1" smtClean="0">
+                <a:solidFill>
+                  <a:schemeClr val="accent2"/>
+                </a:solidFill>
+                <a:latin typeface="Consolas" panose="020B0609020204030204" pitchFamily="49" charset="0"/>
+              </a:rPr>
+              <a:t>int</a:t>
+            </a:r>
+            <a:r>
+              <a:rPr lang="en-US" sz="1600" dirty="0" smtClean="0">
+                <a:solidFill>
+                  <a:schemeClr val="accent2"/>
+                </a:solidFill>
+                <a:latin typeface="Consolas" panose="020B0609020204030204" pitchFamily="49" charset="0"/>
+              </a:rPr>
+              <a:t> </a:t>
+            </a:r>
+            <a:r>
+              <a:rPr lang="en-US" sz="1600" dirty="0" err="1" smtClean="0">
+                <a:latin typeface="Consolas" panose="020B0609020204030204" pitchFamily="49" charset="0"/>
+              </a:rPr>
+              <a:t>GetSumOfIntegers</a:t>
+            </a:r>
+            <a:r>
+              <a:rPr lang="en-US" sz="1600" dirty="0" smtClean="0">
+                <a:latin typeface="Consolas" panose="020B0609020204030204" pitchFamily="49" charset="0"/>
+              </a:rPr>
+              <a:t>(</a:t>
+            </a:r>
+            <a:r>
+              <a:rPr lang="en-US" sz="1600" dirty="0" err="1" smtClean="0">
+                <a:solidFill>
+                  <a:schemeClr val="accent2"/>
+                </a:solidFill>
+                <a:latin typeface="Consolas" panose="020B0609020204030204" pitchFamily="49" charset="0"/>
+              </a:rPr>
+              <a:t>int</a:t>
+            </a:r>
+            <a:r>
+              <a:rPr lang="en-US" sz="1600" dirty="0" smtClean="0">
+                <a:latin typeface="Consolas" panose="020B0609020204030204" pitchFamily="49" charset="0"/>
+              </a:rPr>
+              <a:t> a, </a:t>
+            </a:r>
+            <a:r>
+              <a:rPr lang="en-US" sz="1600" dirty="0" err="1" smtClean="0">
+                <a:solidFill>
+                  <a:schemeClr val="accent2"/>
+                </a:solidFill>
+                <a:latin typeface="Consolas" panose="020B0609020204030204" pitchFamily="49" charset="0"/>
+              </a:rPr>
+              <a:t>int</a:t>
+            </a:r>
+            <a:r>
+              <a:rPr lang="en-US" sz="1600" dirty="0" smtClean="0">
+                <a:latin typeface="Consolas" panose="020B0609020204030204" pitchFamily="49" charset="0"/>
+              </a:rPr>
+              <a:t> b);</a:t>
+            </a:r>
+          </a:p>
+          <a:p>
+            <a:pPr marL="0" indent="0">
+              <a:buNone/>
+            </a:pPr>
+            <a:r>
+              <a:rPr lang="en-US" sz="1600" dirty="0">
+                <a:latin typeface="Consolas" panose="020B0609020204030204" pitchFamily="49" charset="0"/>
+              </a:rPr>
+              <a:t>	</a:t>
+            </a:r>
+            <a:r>
+              <a:rPr lang="en-US" sz="1600" dirty="0" smtClean="0">
+                <a:solidFill>
+                  <a:schemeClr val="accent2"/>
+                </a:solidFill>
+                <a:latin typeface="Consolas" panose="020B0609020204030204" pitchFamily="49" charset="0"/>
+              </a:rPr>
+              <a:t>public double </a:t>
+            </a:r>
+            <a:r>
+              <a:rPr lang="en-US" sz="1600" dirty="0" err="1" smtClean="0">
+                <a:latin typeface="Consolas" panose="020B0609020204030204" pitchFamily="49" charset="0"/>
+              </a:rPr>
+              <a:t>GetSumOfDoulbles</a:t>
+            </a:r>
+            <a:r>
+              <a:rPr lang="en-US" sz="1600" dirty="0" smtClean="0">
+                <a:latin typeface="Consolas" panose="020B0609020204030204" pitchFamily="49" charset="0"/>
+              </a:rPr>
+              <a:t>(</a:t>
+            </a:r>
+            <a:r>
+              <a:rPr lang="en-US" sz="1600" dirty="0" smtClean="0">
+                <a:solidFill>
+                  <a:schemeClr val="accent2"/>
+                </a:solidFill>
+                <a:latin typeface="Consolas" panose="020B0609020204030204" pitchFamily="49" charset="0"/>
+              </a:rPr>
+              <a:t>double</a:t>
+            </a:r>
+            <a:r>
+              <a:rPr lang="en-US" sz="1600" dirty="0" smtClean="0">
+                <a:latin typeface="Consolas" panose="020B0609020204030204" pitchFamily="49" charset="0"/>
+              </a:rPr>
+              <a:t> </a:t>
+            </a:r>
+            <a:r>
+              <a:rPr lang="en-US" sz="1600" dirty="0">
+                <a:latin typeface="Consolas" panose="020B0609020204030204" pitchFamily="49" charset="0"/>
+              </a:rPr>
+              <a:t>a, </a:t>
+            </a:r>
+            <a:r>
+              <a:rPr lang="en-US" sz="1600" dirty="0">
+                <a:solidFill>
+                  <a:schemeClr val="accent2"/>
+                </a:solidFill>
+                <a:latin typeface="Consolas" panose="020B0609020204030204" pitchFamily="49" charset="0"/>
+              </a:rPr>
+              <a:t>double</a:t>
+            </a:r>
+            <a:r>
+              <a:rPr lang="en-US" sz="1600" dirty="0" smtClean="0">
+                <a:latin typeface="Consolas" panose="020B0609020204030204" pitchFamily="49" charset="0"/>
+              </a:rPr>
+              <a:t> </a:t>
+            </a:r>
+            <a:r>
+              <a:rPr lang="en-US" sz="1600" dirty="0">
+                <a:latin typeface="Consolas" panose="020B0609020204030204" pitchFamily="49" charset="0"/>
+              </a:rPr>
+              <a:t>b</a:t>
+            </a:r>
+            <a:r>
+              <a:rPr lang="en-US" sz="1600" dirty="0" smtClean="0">
+                <a:latin typeface="Consolas" panose="020B0609020204030204" pitchFamily="49" charset="0"/>
+              </a:rPr>
+              <a:t>);</a:t>
+            </a:r>
+          </a:p>
+          <a:p>
+            <a:pPr marL="0" indent="0">
+              <a:buNone/>
+            </a:pPr>
+            <a:r>
+              <a:rPr lang="en-US" sz="1600" dirty="0" smtClean="0">
+                <a:solidFill>
+                  <a:schemeClr val="accent2"/>
+                </a:solidFill>
+                <a:latin typeface="Consolas" panose="020B0609020204030204" pitchFamily="49" charset="0"/>
+              </a:rPr>
+              <a:t>	public </a:t>
+            </a:r>
+            <a:r>
+              <a:rPr lang="en-US" sz="1600" dirty="0" err="1" smtClean="0">
+                <a:solidFill>
+                  <a:schemeClr val="accent2"/>
+                </a:solidFill>
+                <a:latin typeface="Consolas" panose="020B0609020204030204" pitchFamily="49" charset="0"/>
+              </a:rPr>
+              <a:t>int</a:t>
+            </a:r>
+            <a:r>
+              <a:rPr lang="en-US" sz="1600" dirty="0" smtClean="0">
+                <a:solidFill>
+                  <a:schemeClr val="accent2"/>
+                </a:solidFill>
+                <a:latin typeface="Consolas" panose="020B0609020204030204" pitchFamily="49" charset="0"/>
+              </a:rPr>
+              <a:t> </a:t>
+            </a:r>
+            <a:r>
+              <a:rPr lang="en-US" sz="1600" dirty="0" err="1" smtClean="0">
+                <a:latin typeface="Consolas" panose="020B0609020204030204" pitchFamily="49" charset="0"/>
+              </a:rPr>
+              <a:t>GetSum</a:t>
+            </a:r>
+            <a:r>
+              <a:rPr lang="en-US" sz="1600" dirty="0" smtClean="0">
+                <a:latin typeface="Consolas" panose="020B0609020204030204" pitchFamily="49" charset="0"/>
+              </a:rPr>
+              <a:t>(</a:t>
+            </a:r>
+            <a:r>
+              <a:rPr lang="en-US" sz="1600" dirty="0" err="1" smtClean="0">
+                <a:solidFill>
+                  <a:schemeClr val="accent2"/>
+                </a:solidFill>
+                <a:latin typeface="Consolas" panose="020B0609020204030204" pitchFamily="49" charset="0"/>
+              </a:rPr>
+              <a:t>int</a:t>
+            </a:r>
+            <a:r>
+              <a:rPr lang="en-US" sz="1600" dirty="0" smtClean="0">
+                <a:latin typeface="Consolas" panose="020B0609020204030204" pitchFamily="49" charset="0"/>
+              </a:rPr>
+              <a:t> a, </a:t>
+            </a:r>
+            <a:r>
+              <a:rPr lang="en-US" sz="1600" dirty="0" err="1" smtClean="0">
+                <a:solidFill>
+                  <a:schemeClr val="accent2"/>
+                </a:solidFill>
+                <a:latin typeface="Consolas" panose="020B0609020204030204" pitchFamily="49" charset="0"/>
+              </a:rPr>
+              <a:t>int</a:t>
+            </a:r>
+            <a:r>
+              <a:rPr lang="en-US" sz="1600" dirty="0" smtClean="0">
+                <a:latin typeface="Consolas" panose="020B0609020204030204" pitchFamily="49" charset="0"/>
+              </a:rPr>
+              <a:t> b);</a:t>
+            </a:r>
+          </a:p>
+          <a:p>
+            <a:pPr marL="0" indent="0">
+              <a:buNone/>
+            </a:pPr>
+            <a:r>
+              <a:rPr lang="en-US" sz="1600" dirty="0" smtClean="0">
+                <a:latin typeface="Consolas" panose="020B0609020204030204" pitchFamily="49" charset="0"/>
+              </a:rPr>
+              <a:t>	</a:t>
+            </a:r>
+            <a:r>
+              <a:rPr lang="en-US" sz="1600" dirty="0" smtClean="0">
+                <a:solidFill>
+                  <a:schemeClr val="accent2"/>
+                </a:solidFill>
+                <a:latin typeface="Consolas" panose="020B0609020204030204" pitchFamily="49" charset="0"/>
+              </a:rPr>
+              <a:t>public double </a:t>
+            </a:r>
+            <a:r>
+              <a:rPr lang="en-US" sz="1600" dirty="0" err="1" smtClean="0">
+                <a:latin typeface="Consolas" panose="020B0609020204030204" pitchFamily="49" charset="0"/>
+              </a:rPr>
+              <a:t>GetSum</a:t>
+            </a:r>
+            <a:r>
+              <a:rPr lang="en-US" sz="1600" dirty="0" smtClean="0">
+                <a:latin typeface="Consolas" panose="020B0609020204030204" pitchFamily="49" charset="0"/>
+              </a:rPr>
+              <a:t>(</a:t>
+            </a:r>
+            <a:r>
+              <a:rPr lang="en-US" sz="1600" dirty="0" smtClean="0">
+                <a:solidFill>
+                  <a:schemeClr val="accent2"/>
+                </a:solidFill>
+                <a:latin typeface="Consolas" panose="020B0609020204030204" pitchFamily="49" charset="0"/>
+              </a:rPr>
+              <a:t>double</a:t>
+            </a:r>
+            <a:r>
+              <a:rPr lang="en-US" sz="1600" dirty="0" smtClean="0">
+                <a:latin typeface="Consolas" panose="020B0609020204030204" pitchFamily="49" charset="0"/>
+              </a:rPr>
+              <a:t> a, </a:t>
+            </a:r>
+            <a:r>
+              <a:rPr lang="en-US" sz="1600" dirty="0" smtClean="0">
+                <a:solidFill>
+                  <a:schemeClr val="accent2"/>
+                </a:solidFill>
+                <a:latin typeface="Consolas" panose="020B0609020204030204" pitchFamily="49" charset="0"/>
+              </a:rPr>
+              <a:t>double</a:t>
+            </a:r>
+            <a:r>
+              <a:rPr lang="en-US" sz="1600" dirty="0" smtClean="0">
+                <a:latin typeface="Consolas" panose="020B0609020204030204" pitchFamily="49" charset="0"/>
+              </a:rPr>
+              <a:t> b);</a:t>
+            </a:r>
+          </a:p>
+          <a:p>
+            <a:pPr marL="0" indent="0">
+              <a:buNone/>
+            </a:pPr>
+            <a:endParaRPr lang="en-US" sz="1600" dirty="0" smtClean="0">
+              <a:latin typeface="Consolas" panose="020B0609020204030204" pitchFamily="49" charset="0"/>
+            </a:endParaRPr>
+          </a:p>
+          <a:p>
+            <a:pPr marL="0" indent="0">
+              <a:buNone/>
+            </a:pPr>
+            <a:endParaRPr lang="en-US" sz="1600" dirty="0"/>
+          </a:p>
+        </p:txBody>
+      </p:sp>
+    </p:spTree>
+    <p:extLst>
+      <p:ext uri="{BB962C8B-B14F-4D97-AF65-F5344CB8AC3E}">
+        <p14:creationId xmlns:p14="http://schemas.microsoft.com/office/powerpoint/2010/main" val="3651604871"/>
+      </p:ext>
+    </p:extLst>
+  </p:cSld>
+  <p:clrMapOvr>
+    <a:masterClrMapping/>
+  </p:clrMapOvr>
+  <p:timing>
+    <p:tnLst>
+      <p:par>
+        <p:cTn id="1" dur="indefinite" restart="never" nodeType="tmRoot">
+          <p:childTnLst>
+            <p:seq concurrent="1" nextAc="seek">
+              <p:cTn id="2" dur="indefinite" nodeType="mainSeq">
+                <p:childTnLst>
+                  <p:par>
+                    <p:cTn id="3" fill="hold">
+                      <p:stCondLst>
+                        <p:cond delay="indefinite"/>
+                      </p:stCondLst>
+                      <p:childTnLst>
+                        <p:par>
+                          <p:cTn id="4" fill="hold">
+                            <p:stCondLst>
+                              <p:cond delay="0"/>
+                            </p:stCondLst>
+                            <p:childTnLst>
+                              <p:par>
+                                <p:cTn id="5" presetID="42" presetClass="entr" presetSubtype="0" fill="hold" grpId="0" nodeType="clickEffect">
+                                  <p:stCondLst>
+                                    <p:cond delay="0"/>
+                                  </p:stCondLst>
+                                  <p:childTnLst>
+                                    <p:set>
+                                      <p:cBhvr>
+                                        <p:cTn id="6" dur="1" fill="hold">
+                                          <p:stCondLst>
+                                            <p:cond delay="0"/>
+                                          </p:stCondLst>
+                                        </p:cTn>
+                                        <p:tgtEl>
+                                          <p:spTgt spid="3">
+                                            <p:txEl>
+                                              <p:pRg st="0" end="0"/>
+                                            </p:txEl>
+                                          </p:spTgt>
+                                        </p:tgtEl>
+                                        <p:attrNameLst>
+                                          <p:attrName>style.visibility</p:attrName>
+                                        </p:attrNameLst>
+                                      </p:cBhvr>
+                                      <p:to>
+                                        <p:strVal val="visible"/>
+                                      </p:to>
+                                    </p:set>
+                                    <p:animEffect transition="in" filter="fade">
+                                      <p:cBhvr>
+                                        <p:cTn id="7" dur="1000"/>
+                                        <p:tgtEl>
+                                          <p:spTgt spid="3">
+                                            <p:txEl>
+                                              <p:pRg st="0" end="0"/>
+                                            </p:txEl>
+                                          </p:spTgt>
+                                        </p:tgtEl>
+                                      </p:cBhvr>
+                                    </p:animEffect>
+                                    <p:anim calcmode="lin" valueType="num">
+                                      <p:cBhvr>
+                                        <p:cTn id="8" dur="1000" fill="hold"/>
+                                        <p:tgtEl>
+                                          <p:spTgt spid="3">
+                                            <p:txEl>
+                                              <p:pRg st="0" end="0"/>
+                                            </p:txEl>
+                                          </p:spTgt>
+                                        </p:tgtEl>
+                                        <p:attrNameLst>
+                                          <p:attrName>ppt_x</p:attrName>
+                                        </p:attrNameLst>
+                                      </p:cBhvr>
+                                      <p:tavLst>
+                                        <p:tav tm="0">
+                                          <p:val>
+                                            <p:strVal val="#ppt_x"/>
+                                          </p:val>
+                                        </p:tav>
+                                        <p:tav tm="100000">
+                                          <p:val>
+                                            <p:strVal val="#ppt_x"/>
+                                          </p:val>
+                                        </p:tav>
+                                      </p:tavLst>
+                                    </p:anim>
+                                    <p:anim calcmode="lin" valueType="num">
+                                      <p:cBhvr>
+                                        <p:cTn id="9" dur="1000" fill="hold"/>
+                                        <p:tgtEl>
+                                          <p:spTgt spid="3">
+                                            <p:txEl>
+                                              <p:pRg st="0" end="0"/>
+                                            </p:txEl>
+                                          </p:spTgt>
+                                        </p:tgtEl>
+                                        <p:attrNameLst>
+                                          <p:attrName>ppt_y</p:attrName>
+                                        </p:attrNameLst>
+                                      </p:cBhvr>
+                                      <p:tavLst>
+                                        <p:tav tm="0">
+                                          <p:val>
+                                            <p:strVal val="#ppt_y+.1"/>
+                                          </p:val>
+                                        </p:tav>
+                                        <p:tav tm="100000">
+                                          <p:val>
+                                            <p:strVal val="#ppt_y"/>
+                                          </p:val>
+                                        </p:tav>
+                                      </p:tavLst>
+                                    </p:anim>
+                                  </p:childTnLst>
+                                </p:cTn>
+                              </p:par>
+                              <p:par>
+                                <p:cTn id="10" presetID="42" presetClass="entr" presetSubtype="0" fill="hold" grpId="0" nodeType="withEffect">
+                                  <p:stCondLst>
+                                    <p:cond delay="0"/>
+                                  </p:stCondLst>
+                                  <p:childTnLst>
+                                    <p:set>
+                                      <p:cBhvr>
+                                        <p:cTn id="11" dur="1" fill="hold">
+                                          <p:stCondLst>
+                                            <p:cond delay="0"/>
+                                          </p:stCondLst>
+                                        </p:cTn>
+                                        <p:tgtEl>
+                                          <p:spTgt spid="3">
+                                            <p:txEl>
+                                              <p:pRg st="1" end="1"/>
+                                            </p:txEl>
+                                          </p:spTgt>
+                                        </p:tgtEl>
+                                        <p:attrNameLst>
+                                          <p:attrName>style.visibility</p:attrName>
+                                        </p:attrNameLst>
+                                      </p:cBhvr>
+                                      <p:to>
+                                        <p:strVal val="visible"/>
+                                      </p:to>
+                                    </p:set>
+                                    <p:animEffect transition="in" filter="fade">
+                                      <p:cBhvr>
+                                        <p:cTn id="12" dur="1000"/>
+                                        <p:tgtEl>
+                                          <p:spTgt spid="3">
+                                            <p:txEl>
+                                              <p:pRg st="1" end="1"/>
+                                            </p:txEl>
+                                          </p:spTgt>
+                                        </p:tgtEl>
+                                      </p:cBhvr>
+                                    </p:animEffect>
+                                    <p:anim calcmode="lin" valueType="num">
+                                      <p:cBhvr>
+                                        <p:cTn id="13" dur="1000" fill="hold"/>
+                                        <p:tgtEl>
+                                          <p:spTgt spid="3">
+                                            <p:txEl>
+                                              <p:pRg st="1" end="1"/>
+                                            </p:txEl>
+                                          </p:spTgt>
+                                        </p:tgtEl>
+                                        <p:attrNameLst>
+                                          <p:attrName>ppt_x</p:attrName>
+                                        </p:attrNameLst>
+                                      </p:cBhvr>
+                                      <p:tavLst>
+                                        <p:tav tm="0">
+                                          <p:val>
+                                            <p:strVal val="#ppt_x"/>
+                                          </p:val>
+                                        </p:tav>
+                                        <p:tav tm="100000">
+                                          <p:val>
+                                            <p:strVal val="#ppt_x"/>
+                                          </p:val>
+                                        </p:tav>
+                                      </p:tavLst>
+                                    </p:anim>
+                                    <p:anim calcmode="lin" valueType="num">
+                                      <p:cBhvr>
+                                        <p:cTn id="14" dur="1000" fill="hold"/>
+                                        <p:tgtEl>
+                                          <p:spTgt spid="3">
+                                            <p:txEl>
+                                              <p:pRg st="1" end="1"/>
+                                            </p:txEl>
+                                          </p:spTgt>
+                                        </p:tgtEl>
+                                        <p:attrNameLst>
+                                          <p:attrName>ppt_y</p:attrName>
+                                        </p:attrNameLst>
+                                      </p:cBhvr>
+                                      <p:tavLst>
+                                        <p:tav tm="0">
+                                          <p:val>
+                                            <p:strVal val="#ppt_y+.1"/>
+                                          </p:val>
+                                        </p:tav>
+                                        <p:tav tm="100000">
+                                          <p:val>
+                                            <p:strVal val="#ppt_y"/>
+                                          </p:val>
+                                        </p:tav>
+                                      </p:tavLst>
+                                    </p:anim>
+                                  </p:childTnLst>
+                                </p:cTn>
+                              </p:par>
+                            </p:childTnLst>
+                          </p:cTn>
+                        </p:par>
+                      </p:childTnLst>
+                    </p:cTn>
+                  </p:par>
+                  <p:par>
+                    <p:cTn id="15" fill="hold">
+                      <p:stCondLst>
+                        <p:cond delay="indefinite"/>
+                      </p:stCondLst>
+                      <p:childTnLst>
+                        <p:par>
+                          <p:cTn id="16" fill="hold">
+                            <p:stCondLst>
+                              <p:cond delay="0"/>
+                            </p:stCondLst>
+                            <p:childTnLst>
+                              <p:par>
+                                <p:cTn id="17" presetID="42" presetClass="entr" presetSubtype="0" fill="hold" grpId="0" nodeType="clickEffect">
+                                  <p:stCondLst>
+                                    <p:cond delay="0"/>
+                                  </p:stCondLst>
+                                  <p:childTnLst>
+                                    <p:set>
+                                      <p:cBhvr>
+                                        <p:cTn id="18" dur="1" fill="hold">
+                                          <p:stCondLst>
+                                            <p:cond delay="0"/>
+                                          </p:stCondLst>
+                                        </p:cTn>
+                                        <p:tgtEl>
+                                          <p:spTgt spid="3">
+                                            <p:txEl>
+                                              <p:pRg st="2" end="2"/>
+                                            </p:txEl>
+                                          </p:spTgt>
+                                        </p:tgtEl>
+                                        <p:attrNameLst>
+                                          <p:attrName>style.visibility</p:attrName>
+                                        </p:attrNameLst>
+                                      </p:cBhvr>
+                                      <p:to>
+                                        <p:strVal val="visible"/>
+                                      </p:to>
+                                    </p:set>
+                                    <p:animEffect transition="in" filter="fade">
+                                      <p:cBhvr>
+                                        <p:cTn id="19" dur="1000"/>
+                                        <p:tgtEl>
+                                          <p:spTgt spid="3">
+                                            <p:txEl>
+                                              <p:pRg st="2" end="2"/>
+                                            </p:txEl>
+                                          </p:spTgt>
+                                        </p:tgtEl>
+                                      </p:cBhvr>
+                                    </p:animEffect>
+                                    <p:anim calcmode="lin" valueType="num">
+                                      <p:cBhvr>
+                                        <p:cTn id="20" dur="1000" fill="hold"/>
+                                        <p:tgtEl>
+                                          <p:spTgt spid="3">
+                                            <p:txEl>
+                                              <p:pRg st="2" end="2"/>
+                                            </p:txEl>
+                                          </p:spTgt>
+                                        </p:tgtEl>
+                                        <p:attrNameLst>
+                                          <p:attrName>ppt_x</p:attrName>
+                                        </p:attrNameLst>
+                                      </p:cBhvr>
+                                      <p:tavLst>
+                                        <p:tav tm="0">
+                                          <p:val>
+                                            <p:strVal val="#ppt_x"/>
+                                          </p:val>
+                                        </p:tav>
+                                        <p:tav tm="100000">
+                                          <p:val>
+                                            <p:strVal val="#ppt_x"/>
+                                          </p:val>
+                                        </p:tav>
+                                      </p:tavLst>
+                                    </p:anim>
+                                    <p:anim calcmode="lin" valueType="num">
+                                      <p:cBhvr>
+                                        <p:cTn id="21" dur="1000" fill="hold"/>
+                                        <p:tgtEl>
+                                          <p:spTgt spid="3">
+                                            <p:txEl>
+                                              <p:pRg st="2" end="2"/>
+                                            </p:txEl>
+                                          </p:spTgt>
+                                        </p:tgtEl>
+                                        <p:attrNameLst>
+                                          <p:attrName>ppt_y</p:attrName>
+                                        </p:attrNameLst>
+                                      </p:cBhvr>
+                                      <p:tavLst>
+                                        <p:tav tm="0">
+                                          <p:val>
+                                            <p:strVal val="#ppt_y+.1"/>
+                                          </p:val>
+                                        </p:tav>
+                                        <p:tav tm="100000">
+                                          <p:val>
+                                            <p:strVal val="#ppt_y"/>
+                                          </p:val>
+                                        </p:tav>
+                                      </p:tavLst>
+                                    </p:anim>
+                                  </p:childTnLst>
+                                </p:cTn>
+                              </p:par>
+                              <p:par>
+                                <p:cTn id="22" presetID="42" presetClass="entr" presetSubtype="0" fill="hold" grpId="0" nodeType="withEffect">
+                                  <p:stCondLst>
+                                    <p:cond delay="0"/>
+                                  </p:stCondLst>
+                                  <p:childTnLst>
+                                    <p:set>
+                                      <p:cBhvr>
+                                        <p:cTn id="23" dur="1" fill="hold">
+                                          <p:stCondLst>
+                                            <p:cond delay="0"/>
+                                          </p:stCondLst>
+                                        </p:cTn>
+                                        <p:tgtEl>
+                                          <p:spTgt spid="3">
+                                            <p:txEl>
+                                              <p:pRg st="3" end="3"/>
+                                            </p:txEl>
+                                          </p:spTgt>
+                                        </p:tgtEl>
+                                        <p:attrNameLst>
+                                          <p:attrName>style.visibility</p:attrName>
+                                        </p:attrNameLst>
+                                      </p:cBhvr>
+                                      <p:to>
+                                        <p:strVal val="visible"/>
+                                      </p:to>
+                                    </p:set>
+                                    <p:animEffect transition="in" filter="fade">
+                                      <p:cBhvr>
+                                        <p:cTn id="24" dur="1000"/>
+                                        <p:tgtEl>
+                                          <p:spTgt spid="3">
+                                            <p:txEl>
+                                              <p:pRg st="3" end="3"/>
+                                            </p:txEl>
+                                          </p:spTgt>
+                                        </p:tgtEl>
+                                      </p:cBhvr>
+                                    </p:animEffect>
+                                    <p:anim calcmode="lin" valueType="num">
+                                      <p:cBhvr>
+                                        <p:cTn id="25" dur="1000" fill="hold"/>
+                                        <p:tgtEl>
+                                          <p:spTgt spid="3">
+                                            <p:txEl>
+                                              <p:pRg st="3" end="3"/>
+                                            </p:txEl>
+                                          </p:spTgt>
+                                        </p:tgtEl>
+                                        <p:attrNameLst>
+                                          <p:attrName>ppt_x</p:attrName>
+                                        </p:attrNameLst>
+                                      </p:cBhvr>
+                                      <p:tavLst>
+                                        <p:tav tm="0">
+                                          <p:val>
+                                            <p:strVal val="#ppt_x"/>
+                                          </p:val>
+                                        </p:tav>
+                                        <p:tav tm="100000">
+                                          <p:val>
+                                            <p:strVal val="#ppt_x"/>
+                                          </p:val>
+                                        </p:tav>
+                                      </p:tavLst>
+                                    </p:anim>
+                                    <p:anim calcmode="lin" valueType="num">
+                                      <p:cBhvr>
+                                        <p:cTn id="26" dur="1000" fill="hold"/>
+                                        <p:tgtEl>
+                                          <p:spTgt spid="3">
+                                            <p:txEl>
+                                              <p:pRg st="3" end="3"/>
+                                            </p:txEl>
+                                          </p:spTgt>
+                                        </p:tgtEl>
+                                        <p:attrNameLst>
+                                          <p:attrName>ppt_y</p:attrName>
+                                        </p:attrNameLst>
+                                      </p:cBhvr>
+                                      <p:tavLst>
+                                        <p:tav tm="0">
+                                          <p:val>
+                                            <p:strVal val="#ppt_y+.1"/>
+                                          </p:val>
+                                        </p:tav>
+                                        <p:tav tm="100000">
+                                          <p:val>
+                                            <p:strVal val="#ppt_y"/>
+                                          </p:val>
+                                        </p:tav>
+                                      </p:tavLst>
+                                    </p:anim>
+                                  </p:childTnLst>
+                                </p:cTn>
+                              </p:par>
+                            </p:childTnLst>
+                          </p:cTn>
+                        </p:par>
+                      </p:childTnLst>
+                    </p:cTn>
+                  </p:par>
+                  <p:par>
+                    <p:cTn id="27" fill="hold">
+                      <p:stCondLst>
+                        <p:cond delay="indefinite"/>
+                      </p:stCondLst>
+                      <p:childTnLst>
+                        <p:par>
+                          <p:cTn id="28" fill="hold">
+                            <p:stCondLst>
+                              <p:cond delay="0"/>
+                            </p:stCondLst>
+                            <p:childTnLst>
+                              <p:par>
+                                <p:cTn id="29" presetID="42" presetClass="entr" presetSubtype="0" fill="hold" grpId="0" nodeType="clickEffect">
+                                  <p:stCondLst>
+                                    <p:cond delay="0"/>
+                                  </p:stCondLst>
+                                  <p:childTnLst>
+                                    <p:set>
+                                      <p:cBhvr>
+                                        <p:cTn id="30" dur="1" fill="hold">
+                                          <p:stCondLst>
+                                            <p:cond delay="0"/>
+                                          </p:stCondLst>
+                                        </p:cTn>
+                                        <p:tgtEl>
+                                          <p:spTgt spid="3">
+                                            <p:txEl>
+                                              <p:pRg st="4" end="4"/>
+                                            </p:txEl>
+                                          </p:spTgt>
+                                        </p:tgtEl>
+                                        <p:attrNameLst>
+                                          <p:attrName>style.visibility</p:attrName>
+                                        </p:attrNameLst>
+                                      </p:cBhvr>
+                                      <p:to>
+                                        <p:strVal val="visible"/>
+                                      </p:to>
+                                    </p:set>
+                                    <p:animEffect transition="in" filter="fade">
+                                      <p:cBhvr>
+                                        <p:cTn id="31" dur="1000"/>
+                                        <p:tgtEl>
+                                          <p:spTgt spid="3">
+                                            <p:txEl>
+                                              <p:pRg st="4" end="4"/>
+                                            </p:txEl>
+                                          </p:spTgt>
+                                        </p:tgtEl>
+                                      </p:cBhvr>
+                                    </p:animEffect>
+                                    <p:anim calcmode="lin" valueType="num">
+                                      <p:cBhvr>
+                                        <p:cTn id="32" dur="1000" fill="hold"/>
+                                        <p:tgtEl>
+                                          <p:spTgt spid="3">
+                                            <p:txEl>
+                                              <p:pRg st="4" end="4"/>
+                                            </p:txEl>
+                                          </p:spTgt>
+                                        </p:tgtEl>
+                                        <p:attrNameLst>
+                                          <p:attrName>ppt_x</p:attrName>
+                                        </p:attrNameLst>
+                                      </p:cBhvr>
+                                      <p:tavLst>
+                                        <p:tav tm="0">
+                                          <p:val>
+                                            <p:strVal val="#ppt_x"/>
+                                          </p:val>
+                                        </p:tav>
+                                        <p:tav tm="100000">
+                                          <p:val>
+                                            <p:strVal val="#ppt_x"/>
+                                          </p:val>
+                                        </p:tav>
+                                      </p:tavLst>
+                                    </p:anim>
+                                    <p:anim calcmode="lin" valueType="num">
+                                      <p:cBhvr>
+                                        <p:cTn id="33" dur="1000" fill="hold"/>
+                                        <p:tgtEl>
+                                          <p:spTgt spid="3">
+                                            <p:txEl>
+                                              <p:pRg st="4" end="4"/>
+                                            </p:txEl>
+                                          </p:spTgt>
+                                        </p:tgtEl>
+                                        <p:attrNameLst>
+                                          <p:attrName>ppt_y</p:attrName>
+                                        </p:attrNameLst>
+                                      </p:cBhvr>
+                                      <p:tavLst>
+                                        <p:tav tm="0">
+                                          <p:val>
+                                            <p:strVal val="#ppt_y+.1"/>
+                                          </p:val>
+                                        </p:tav>
+                                        <p:tav tm="100000">
+                                          <p:val>
+                                            <p:strVal val="#ppt_y"/>
+                                          </p:val>
+                                        </p:tav>
+                                      </p:tavLst>
+                                    </p:anim>
+                                  </p:childTnLst>
+                                </p:cTn>
+                              </p:par>
+                              <p:par>
+                                <p:cTn id="34" presetID="42" presetClass="entr" presetSubtype="0" fill="hold" grpId="0" nodeType="withEffect">
+                                  <p:stCondLst>
+                                    <p:cond delay="0"/>
+                                  </p:stCondLst>
+                                  <p:childTnLst>
+                                    <p:set>
+                                      <p:cBhvr>
+                                        <p:cTn id="35" dur="1" fill="hold">
+                                          <p:stCondLst>
+                                            <p:cond delay="0"/>
+                                          </p:stCondLst>
+                                        </p:cTn>
+                                        <p:tgtEl>
+                                          <p:spTgt spid="3">
+                                            <p:txEl>
+                                              <p:pRg st="5" end="5"/>
+                                            </p:txEl>
+                                          </p:spTgt>
+                                        </p:tgtEl>
+                                        <p:attrNameLst>
+                                          <p:attrName>style.visibility</p:attrName>
+                                        </p:attrNameLst>
+                                      </p:cBhvr>
+                                      <p:to>
+                                        <p:strVal val="visible"/>
+                                      </p:to>
+                                    </p:set>
+                                    <p:animEffect transition="in" filter="fade">
+                                      <p:cBhvr>
+                                        <p:cTn id="36" dur="1000"/>
+                                        <p:tgtEl>
+                                          <p:spTgt spid="3">
+                                            <p:txEl>
+                                              <p:pRg st="5" end="5"/>
+                                            </p:txEl>
+                                          </p:spTgt>
+                                        </p:tgtEl>
+                                      </p:cBhvr>
+                                    </p:animEffect>
+                                    <p:anim calcmode="lin" valueType="num">
+                                      <p:cBhvr>
+                                        <p:cTn id="37" dur="1000" fill="hold"/>
+                                        <p:tgtEl>
+                                          <p:spTgt spid="3">
+                                            <p:txEl>
+                                              <p:pRg st="5" end="5"/>
+                                            </p:txEl>
+                                          </p:spTgt>
+                                        </p:tgtEl>
+                                        <p:attrNameLst>
+                                          <p:attrName>ppt_x</p:attrName>
+                                        </p:attrNameLst>
+                                      </p:cBhvr>
+                                      <p:tavLst>
+                                        <p:tav tm="0">
+                                          <p:val>
+                                            <p:strVal val="#ppt_x"/>
+                                          </p:val>
+                                        </p:tav>
+                                        <p:tav tm="100000">
+                                          <p:val>
+                                            <p:strVal val="#ppt_x"/>
+                                          </p:val>
+                                        </p:tav>
+                                      </p:tavLst>
+                                    </p:anim>
+                                    <p:anim calcmode="lin" valueType="num">
+                                      <p:cBhvr>
+                                        <p:cTn id="38" dur="1000" fill="hold"/>
+                                        <p:tgtEl>
+                                          <p:spTgt spid="3">
+                                            <p:txEl>
+                                              <p:pRg st="5" end="5"/>
+                                            </p:txEl>
+                                          </p:spTgt>
+                                        </p:tgtEl>
+                                        <p:attrNameLst>
+                                          <p:attrName>ppt_y</p:attrName>
+                                        </p:attrNameLst>
+                                      </p:cBhvr>
+                                      <p:tavLst>
+                                        <p:tav tm="0">
+                                          <p:val>
+                                            <p:strVal val="#ppt_y+.1"/>
+                                          </p:val>
+                                        </p:tav>
+                                        <p:tav tm="100000">
+                                          <p:val>
+                                            <p:strVal val="#ppt_y"/>
+                                          </p:val>
+                                        </p:tav>
+                                      </p:tavLst>
+                                    </p:anim>
+                                  </p:childTnLst>
+                                </p:cTn>
+                              </p:par>
+                            </p:childTnLst>
+                          </p:cTn>
+                        </p:par>
+                      </p:childTnLst>
+                    </p:cTn>
+                  </p:par>
+                  <p:par>
+                    <p:cTn id="39" fill="hold">
+                      <p:stCondLst>
+                        <p:cond delay="indefinite"/>
+                      </p:stCondLst>
+                      <p:childTnLst>
+                        <p:par>
+                          <p:cTn id="40" fill="hold">
+                            <p:stCondLst>
+                              <p:cond delay="0"/>
+                            </p:stCondLst>
+                            <p:childTnLst>
+                              <p:par>
+                                <p:cTn id="41" presetID="42" presetClass="entr" presetSubtype="0" fill="hold" grpId="0" nodeType="clickEffect">
+                                  <p:stCondLst>
+                                    <p:cond delay="0"/>
+                                  </p:stCondLst>
+                                  <p:childTnLst>
+                                    <p:set>
+                                      <p:cBhvr>
+                                        <p:cTn id="42" dur="1" fill="hold">
+                                          <p:stCondLst>
+                                            <p:cond delay="0"/>
+                                          </p:stCondLst>
+                                        </p:cTn>
+                                        <p:tgtEl>
+                                          <p:spTgt spid="3">
+                                            <p:txEl>
+                                              <p:pRg st="6" end="6"/>
+                                            </p:txEl>
+                                          </p:spTgt>
+                                        </p:tgtEl>
+                                        <p:attrNameLst>
+                                          <p:attrName>style.visibility</p:attrName>
+                                        </p:attrNameLst>
+                                      </p:cBhvr>
+                                      <p:to>
+                                        <p:strVal val="visible"/>
+                                      </p:to>
+                                    </p:set>
+                                    <p:animEffect transition="in" filter="fade">
+                                      <p:cBhvr>
+                                        <p:cTn id="43" dur="1000"/>
+                                        <p:tgtEl>
+                                          <p:spTgt spid="3">
+                                            <p:txEl>
+                                              <p:pRg st="6" end="6"/>
+                                            </p:txEl>
+                                          </p:spTgt>
+                                        </p:tgtEl>
+                                      </p:cBhvr>
+                                    </p:animEffect>
+                                    <p:anim calcmode="lin" valueType="num">
+                                      <p:cBhvr>
+                                        <p:cTn id="44" dur="1000" fill="hold"/>
+                                        <p:tgtEl>
+                                          <p:spTgt spid="3">
+                                            <p:txEl>
+                                              <p:pRg st="6" end="6"/>
+                                            </p:txEl>
+                                          </p:spTgt>
+                                        </p:tgtEl>
+                                        <p:attrNameLst>
+                                          <p:attrName>ppt_x</p:attrName>
+                                        </p:attrNameLst>
+                                      </p:cBhvr>
+                                      <p:tavLst>
+                                        <p:tav tm="0">
+                                          <p:val>
+                                            <p:strVal val="#ppt_x"/>
+                                          </p:val>
+                                        </p:tav>
+                                        <p:tav tm="100000">
+                                          <p:val>
+                                            <p:strVal val="#ppt_x"/>
+                                          </p:val>
+                                        </p:tav>
+                                      </p:tavLst>
+                                    </p:anim>
+                                    <p:anim calcmode="lin" valueType="num">
+                                      <p:cBhvr>
+                                        <p:cTn id="45" dur="1000" fill="hold"/>
+                                        <p:tgtEl>
+                                          <p:spTgt spid="3">
+                                            <p:txEl>
+                                              <p:pRg st="6" end="6"/>
+                                            </p:txEl>
+                                          </p:spTgt>
+                                        </p:tgtEl>
+                                        <p:attrNameLst>
+                                          <p:attrName>ppt_y</p:attrName>
+                                        </p:attrNameLst>
+                                      </p:cBhvr>
+                                      <p:tavLst>
+                                        <p:tav tm="0">
+                                          <p:val>
+                                            <p:strVal val="#ppt_y+.1"/>
+                                          </p:val>
+                                        </p:tav>
+                                        <p:tav tm="100000">
+                                          <p:val>
+                                            <p:strVal val="#ppt_y"/>
+                                          </p:val>
+                                        </p:tav>
+                                      </p:tavLst>
+                                    </p:anim>
+                                  </p:childTnLst>
+                                </p:cTn>
+                              </p:par>
+                              <p:par>
+                                <p:cTn id="46" presetID="42" presetClass="entr" presetSubtype="0" fill="hold" grpId="0" nodeType="withEffect">
+                                  <p:stCondLst>
+                                    <p:cond delay="0"/>
+                                  </p:stCondLst>
+                                  <p:childTnLst>
+                                    <p:set>
+                                      <p:cBhvr>
+                                        <p:cTn id="47" dur="1" fill="hold">
+                                          <p:stCondLst>
+                                            <p:cond delay="0"/>
+                                          </p:stCondLst>
+                                        </p:cTn>
+                                        <p:tgtEl>
+                                          <p:spTgt spid="3">
+                                            <p:txEl>
+                                              <p:pRg st="7" end="7"/>
+                                            </p:txEl>
+                                          </p:spTgt>
+                                        </p:tgtEl>
+                                        <p:attrNameLst>
+                                          <p:attrName>style.visibility</p:attrName>
+                                        </p:attrNameLst>
+                                      </p:cBhvr>
+                                      <p:to>
+                                        <p:strVal val="visible"/>
+                                      </p:to>
+                                    </p:set>
+                                    <p:animEffect transition="in" filter="fade">
+                                      <p:cBhvr>
+                                        <p:cTn id="48" dur="1000"/>
+                                        <p:tgtEl>
+                                          <p:spTgt spid="3">
+                                            <p:txEl>
+                                              <p:pRg st="7" end="7"/>
+                                            </p:txEl>
+                                          </p:spTgt>
+                                        </p:tgtEl>
+                                      </p:cBhvr>
+                                    </p:animEffect>
+                                    <p:anim calcmode="lin" valueType="num">
+                                      <p:cBhvr>
+                                        <p:cTn id="49" dur="1000" fill="hold"/>
+                                        <p:tgtEl>
+                                          <p:spTgt spid="3">
+                                            <p:txEl>
+                                              <p:pRg st="7" end="7"/>
+                                            </p:txEl>
+                                          </p:spTgt>
+                                        </p:tgtEl>
+                                        <p:attrNameLst>
+                                          <p:attrName>ppt_x</p:attrName>
+                                        </p:attrNameLst>
+                                      </p:cBhvr>
+                                      <p:tavLst>
+                                        <p:tav tm="0">
+                                          <p:val>
+                                            <p:strVal val="#ppt_x"/>
+                                          </p:val>
+                                        </p:tav>
+                                        <p:tav tm="100000">
+                                          <p:val>
+                                            <p:strVal val="#ppt_x"/>
+                                          </p:val>
+                                        </p:tav>
+                                      </p:tavLst>
+                                    </p:anim>
+                                    <p:anim calcmode="lin" valueType="num">
+                                      <p:cBhvr>
+                                        <p:cTn id="50" dur="1000" fill="hold"/>
+                                        <p:tgtEl>
+                                          <p:spTgt spid="3">
+                                            <p:txEl>
+                                              <p:pRg st="7" end="7"/>
+                                            </p:txEl>
+                                          </p:spTgt>
+                                        </p:tgtEl>
+                                        <p:attrNameLst>
+                                          <p:attrName>ppt_y</p:attrName>
+                                        </p:attrNameLst>
+                                      </p:cBhvr>
+                                      <p:tavLst>
+                                        <p:tav tm="0">
+                                          <p:val>
+                                            <p:strVal val="#ppt_y+.1"/>
+                                          </p:val>
+                                        </p:tav>
+                                        <p:tav tm="100000">
+                                          <p:val>
+                                            <p:strVal val="#ppt_y"/>
+                                          </p:val>
+                                        </p:tav>
+                                      </p:tavLst>
+                                    </p:anim>
+                                  </p:childTnLst>
+                                </p:cTn>
+                              </p:par>
+                              <p:par>
+                                <p:cTn id="51" presetID="42" presetClass="entr" presetSubtype="0" fill="hold" grpId="0" nodeType="withEffect">
+                                  <p:stCondLst>
+                                    <p:cond delay="0"/>
+                                  </p:stCondLst>
+                                  <p:childTnLst>
+                                    <p:set>
+                                      <p:cBhvr>
+                                        <p:cTn id="52" dur="1" fill="hold">
+                                          <p:stCondLst>
+                                            <p:cond delay="0"/>
+                                          </p:stCondLst>
+                                        </p:cTn>
+                                        <p:tgtEl>
+                                          <p:spTgt spid="3">
+                                            <p:txEl>
+                                              <p:pRg st="8" end="8"/>
+                                            </p:txEl>
+                                          </p:spTgt>
+                                        </p:tgtEl>
+                                        <p:attrNameLst>
+                                          <p:attrName>style.visibility</p:attrName>
+                                        </p:attrNameLst>
+                                      </p:cBhvr>
+                                      <p:to>
+                                        <p:strVal val="visible"/>
+                                      </p:to>
+                                    </p:set>
+                                    <p:animEffect transition="in" filter="fade">
+                                      <p:cBhvr>
+                                        <p:cTn id="53" dur="1000"/>
+                                        <p:tgtEl>
+                                          <p:spTgt spid="3">
+                                            <p:txEl>
+                                              <p:pRg st="8" end="8"/>
+                                            </p:txEl>
+                                          </p:spTgt>
+                                        </p:tgtEl>
+                                      </p:cBhvr>
+                                    </p:animEffect>
+                                    <p:anim calcmode="lin" valueType="num">
+                                      <p:cBhvr>
+                                        <p:cTn id="54" dur="1000" fill="hold"/>
+                                        <p:tgtEl>
+                                          <p:spTgt spid="3">
+                                            <p:txEl>
+                                              <p:pRg st="8" end="8"/>
+                                            </p:txEl>
+                                          </p:spTgt>
+                                        </p:tgtEl>
+                                        <p:attrNameLst>
+                                          <p:attrName>ppt_x</p:attrName>
+                                        </p:attrNameLst>
+                                      </p:cBhvr>
+                                      <p:tavLst>
+                                        <p:tav tm="0">
+                                          <p:val>
+                                            <p:strVal val="#ppt_x"/>
+                                          </p:val>
+                                        </p:tav>
+                                        <p:tav tm="100000">
+                                          <p:val>
+                                            <p:strVal val="#ppt_x"/>
+                                          </p:val>
+                                        </p:tav>
+                                      </p:tavLst>
+                                    </p:anim>
+                                    <p:anim calcmode="lin" valueType="num">
+                                      <p:cBhvr>
+                                        <p:cTn id="55" dur="1000" fill="hold"/>
+                                        <p:tgtEl>
+                                          <p:spTgt spid="3">
+                                            <p:txEl>
+                                              <p:pRg st="8" end="8"/>
+                                            </p:txEl>
+                                          </p:spTgt>
+                                        </p:tgtEl>
+                                        <p:attrNameLst>
+                                          <p:attrName>ppt_y</p:attrName>
+                                        </p:attrNameLst>
+                                      </p:cBhvr>
+                                      <p:tavLst>
+                                        <p:tav tm="0">
+                                          <p:val>
+                                            <p:strVal val="#ppt_y+.1"/>
+                                          </p:val>
+                                        </p:tav>
+                                        <p:tav tm="100000">
+                                          <p:val>
+                                            <p:strVal val="#ppt_y"/>
+                                          </p:val>
+                                        </p:tav>
+                                      </p:tavLst>
+                                    </p:anim>
+                                  </p:childTnLst>
+                                </p:cTn>
+                              </p:par>
+                              <p:par>
+                                <p:cTn id="56" presetID="42" presetClass="entr" presetSubtype="0" fill="hold" grpId="0" nodeType="withEffect">
+                                  <p:stCondLst>
+                                    <p:cond delay="0"/>
+                                  </p:stCondLst>
+                                  <p:childTnLst>
+                                    <p:set>
+                                      <p:cBhvr>
+                                        <p:cTn id="57" dur="1" fill="hold">
+                                          <p:stCondLst>
+                                            <p:cond delay="0"/>
+                                          </p:stCondLst>
+                                        </p:cTn>
+                                        <p:tgtEl>
+                                          <p:spTgt spid="3">
+                                            <p:txEl>
+                                              <p:pRg st="9" end="9"/>
+                                            </p:txEl>
+                                          </p:spTgt>
+                                        </p:tgtEl>
+                                        <p:attrNameLst>
+                                          <p:attrName>style.visibility</p:attrName>
+                                        </p:attrNameLst>
+                                      </p:cBhvr>
+                                      <p:to>
+                                        <p:strVal val="visible"/>
+                                      </p:to>
+                                    </p:set>
+                                    <p:animEffect transition="in" filter="fade">
+                                      <p:cBhvr>
+                                        <p:cTn id="58" dur="1000"/>
+                                        <p:tgtEl>
+                                          <p:spTgt spid="3">
+                                            <p:txEl>
+                                              <p:pRg st="9" end="9"/>
+                                            </p:txEl>
+                                          </p:spTgt>
+                                        </p:tgtEl>
+                                      </p:cBhvr>
+                                    </p:animEffect>
+                                    <p:anim calcmode="lin" valueType="num">
+                                      <p:cBhvr>
+                                        <p:cTn id="59" dur="1000" fill="hold"/>
+                                        <p:tgtEl>
+                                          <p:spTgt spid="3">
+                                            <p:txEl>
+                                              <p:pRg st="9" end="9"/>
+                                            </p:txEl>
+                                          </p:spTgt>
+                                        </p:tgtEl>
+                                        <p:attrNameLst>
+                                          <p:attrName>ppt_x</p:attrName>
+                                        </p:attrNameLst>
+                                      </p:cBhvr>
+                                      <p:tavLst>
+                                        <p:tav tm="0">
+                                          <p:val>
+                                            <p:strVal val="#ppt_x"/>
+                                          </p:val>
+                                        </p:tav>
+                                        <p:tav tm="100000">
+                                          <p:val>
+                                            <p:strVal val="#ppt_x"/>
+                                          </p:val>
+                                        </p:tav>
+                                      </p:tavLst>
+                                    </p:anim>
+                                    <p:anim calcmode="lin" valueType="num">
+                                      <p:cBhvr>
+                                        <p:cTn id="60" dur="1000" fill="hold"/>
+                                        <p:tgtEl>
+                                          <p:spTgt spid="3">
+                                            <p:txEl>
+                                              <p:pRg st="9" end="9"/>
+                                            </p:txEl>
+                                          </p:spTgt>
+                                        </p:tgtEl>
+                                        <p:attrNameLst>
+                                          <p:attrName>ppt_y</p:attrName>
+                                        </p:attrNameLst>
+                                      </p:cBhvr>
+                                      <p:tavLst>
+                                        <p:tav tm="0">
+                                          <p:val>
+                                            <p:strVal val="#ppt_y+.1"/>
+                                          </p:val>
+                                        </p:tav>
+                                        <p:tav tm="100000">
+                                          <p:val>
+                                            <p:strVal val="#ppt_y"/>
+                                          </p:val>
+                                        </p:tav>
+                                      </p:tavLst>
+                                    </p:anim>
+                                  </p:childTnLst>
+                                </p:cTn>
+                              </p:par>
+                              <p:par>
+                                <p:cTn id="61" presetID="42" presetClass="entr" presetSubtype="0" fill="hold" grpId="0" nodeType="withEffect">
+                                  <p:stCondLst>
+                                    <p:cond delay="0"/>
+                                  </p:stCondLst>
+                                  <p:childTnLst>
+                                    <p:set>
+                                      <p:cBhvr>
+                                        <p:cTn id="62" dur="1" fill="hold">
+                                          <p:stCondLst>
+                                            <p:cond delay="0"/>
+                                          </p:stCondLst>
+                                        </p:cTn>
+                                        <p:tgtEl>
+                                          <p:spTgt spid="3">
+                                            <p:txEl>
+                                              <p:pRg st="10" end="10"/>
+                                            </p:txEl>
+                                          </p:spTgt>
+                                        </p:tgtEl>
+                                        <p:attrNameLst>
+                                          <p:attrName>style.visibility</p:attrName>
+                                        </p:attrNameLst>
+                                      </p:cBhvr>
+                                      <p:to>
+                                        <p:strVal val="visible"/>
+                                      </p:to>
+                                    </p:set>
+                                    <p:animEffect transition="in" filter="fade">
+                                      <p:cBhvr>
+                                        <p:cTn id="63" dur="1000"/>
+                                        <p:tgtEl>
+                                          <p:spTgt spid="3">
+                                            <p:txEl>
+                                              <p:pRg st="10" end="10"/>
+                                            </p:txEl>
+                                          </p:spTgt>
+                                        </p:tgtEl>
+                                      </p:cBhvr>
+                                    </p:animEffect>
+                                    <p:anim calcmode="lin" valueType="num">
+                                      <p:cBhvr>
+                                        <p:cTn id="64" dur="1000" fill="hold"/>
+                                        <p:tgtEl>
+                                          <p:spTgt spid="3">
+                                            <p:txEl>
+                                              <p:pRg st="10" end="10"/>
+                                            </p:txEl>
+                                          </p:spTgt>
+                                        </p:tgtEl>
+                                        <p:attrNameLst>
+                                          <p:attrName>ppt_x</p:attrName>
+                                        </p:attrNameLst>
+                                      </p:cBhvr>
+                                      <p:tavLst>
+                                        <p:tav tm="0">
+                                          <p:val>
+                                            <p:strVal val="#ppt_x"/>
+                                          </p:val>
+                                        </p:tav>
+                                        <p:tav tm="100000">
+                                          <p:val>
+                                            <p:strVal val="#ppt_x"/>
+                                          </p:val>
+                                        </p:tav>
+                                      </p:tavLst>
+                                    </p:anim>
+                                    <p:anim calcmode="lin" valueType="num">
+                                      <p:cBhvr>
+                                        <p:cTn id="65" dur="1000" fill="hold"/>
+                                        <p:tgtEl>
+                                          <p:spTgt spid="3">
+                                            <p:txEl>
+                                              <p:pRg st="10" end="10"/>
+                                            </p:txEl>
+                                          </p:spTgt>
+                                        </p:tgtEl>
+                                        <p:attrNameLst>
+                                          <p:attrName>ppt_y</p:attrName>
+                                        </p:attrNameLst>
+                                      </p:cBhvr>
+                                      <p:tavLst>
+                                        <p:tav tm="0">
+                                          <p:val>
+                                            <p:strVal val="#ppt_y+.1"/>
+                                          </p:val>
+                                        </p:tav>
+                                        <p:tav tm="100000">
+                                          <p:val>
+                                            <p:strVal val="#ppt_y"/>
+                                          </p:val>
+                                        </p:tav>
+                                      </p:tavLst>
+                                    </p:anim>
+                                  </p:childTnLst>
+                                </p:cTn>
+                              </p:par>
+                            </p:childTnLst>
+                          </p:cTn>
+                        </p:par>
+                      </p:childTnLst>
+                    </p:cTn>
+                  </p:par>
+                </p:childTnLst>
+              </p:cTn>
+              <p:prevCondLst>
+                <p:cond evt="onPrev" delay="0">
+                  <p:tgtEl>
+                    <p:sldTgt/>
+                  </p:tgtEl>
+                </p:cond>
+              </p:prevCondLst>
+              <p:nextCondLst>
+                <p:cond evt="onNext" delay="0">
+                  <p:tgtEl>
+                    <p:sldTgt/>
+                  </p:tgtEl>
+                </p:cond>
+              </p:nextCondLst>
+            </p:seq>
+          </p:childTnLst>
+        </p:cTn>
+      </p:par>
+    </p:tnLst>
+    <p:bldLst>
+      <p:bldP spid="3" grpId="0" uiExpand="1" build="p"/>
+    </p:bldLst>
+  </p:timing>
+</p:sld>
+</file>
+
+<file path=ppt/slides/slide25.xml><?xml version="1.0" encoding="utf-8"?>
+<p:sld xmlns:a="http://schemas.openxmlformats.org/drawingml/2006/main" xmlns:r="http://schemas.openxmlformats.org/officeDocument/2006/relationships" xmlns:p="http://schemas.openxmlformats.org/presentationml/2006/main">
+  <p:cSld>
+    <p:spTree>
+      <p:nvGrpSpPr>
+        <p:cNvPr id="1" name=""/>
+        <p:cNvGrpSpPr/>
+        <p:nvPr/>
+      </p:nvGrpSpPr>
+      <p:grpSpPr>
+        <a:xfrm>
+          <a:off x="0" y="0"/>
+          <a:ext cx="0" cy="0"/>
+          <a:chOff x="0" y="0"/>
+          <a:chExt cx="0" cy="0"/>
+        </a:xfrm>
+      </p:grpSpPr>
+      <p:sp>
+        <p:nvSpPr>
+          <p:cNvPr id="2" name="Заголовок 1"/>
+          <p:cNvSpPr>
+            <a:spLocks noGrp="1"/>
+          </p:cNvSpPr>
+          <p:nvPr>
+            <p:ph type="title"/>
+          </p:nvPr>
+        </p:nvSpPr>
+        <p:spPr/>
+        <p:txBody>
+          <a:bodyPr/>
+          <a:lstStyle/>
+          <a:p>
+            <a:r>
+              <a:rPr lang="en-US" dirty="0"/>
+              <a:t>C# </a:t>
+            </a:r>
+            <a:r>
+              <a:rPr lang="en-US" dirty="0" smtClean="0"/>
+              <a:t>basics</a:t>
+            </a:r>
+            <a:br>
+              <a:rPr lang="en-US" dirty="0" smtClean="0"/>
+            </a:br>
+            <a:r>
+              <a:rPr lang="en-US" sz="2400" dirty="0" smtClean="0">
+                <a:solidFill>
+                  <a:prstClr val="white">
+                    <a:lumMod val="50000"/>
+                  </a:prstClr>
+                </a:solidFill>
+              </a:rPr>
+              <a:t>Useful links</a:t>
+            </a:r>
+            <a:endParaRPr lang="en-US" dirty="0"/>
+          </a:p>
+        </p:txBody>
+      </p:sp>
+      <p:sp>
+        <p:nvSpPr>
+          <p:cNvPr id="4" name="Дата 3"/>
+          <p:cNvSpPr>
+            <a:spLocks noGrp="1"/>
+          </p:cNvSpPr>
+          <p:nvPr>
+            <p:ph type="dt" sz="half" idx="10"/>
+          </p:nvPr>
+        </p:nvSpPr>
+        <p:spPr>
+          <a:xfrm>
+            <a:off x="6598153" y="6041362"/>
+            <a:ext cx="1518920" cy="365125"/>
+          </a:xfrm>
+        </p:spPr>
+        <p:txBody>
+          <a:bodyPr/>
+          <a:lstStyle/>
+          <a:p>
+            <a:fld id="{939306D3-16AC-481B-963B-74A1D01AC013}" type="datetime3">
+              <a:rPr lang="en-US" sz="1100" smtClean="0"/>
+              <a:t>8 October 2021</a:t>
+            </a:fld>
+            <a:endParaRPr lang="en-US" sz="1100" dirty="0"/>
+          </a:p>
+        </p:txBody>
+      </p:sp>
+      <p:sp>
+        <p:nvSpPr>
+          <p:cNvPr id="5" name="Нижний колонтитул 4"/>
+          <p:cNvSpPr>
+            <a:spLocks noGrp="1"/>
+          </p:cNvSpPr>
+          <p:nvPr>
+            <p:ph type="ftr" sz="quarter" idx="11"/>
+          </p:nvPr>
+        </p:nvSpPr>
+        <p:spPr/>
+        <p:txBody>
+          <a:bodyPr/>
+          <a:lstStyle/>
+          <a:p>
+            <a:r>
+              <a:rPr lang="en-US" sz="1100" dirty="0" smtClean="0"/>
+              <a:t>Automated framework with C#</a:t>
+            </a:r>
+          </a:p>
+          <a:p>
+            <a:r>
+              <a:rPr lang="en-US" sz="1100" dirty="0"/>
+              <a:t>Yury </a:t>
+            </a:r>
+            <a:r>
+              <a:rPr lang="en-US" sz="1100" dirty="0" smtClean="0"/>
+              <a:t>Alifanov</a:t>
+            </a:r>
+            <a:endParaRPr lang="en-US" sz="1100" dirty="0"/>
+          </a:p>
+        </p:txBody>
+      </p:sp>
+      <p:sp>
+        <p:nvSpPr>
+          <p:cNvPr id="6" name="Номер слайда 5"/>
+          <p:cNvSpPr>
+            <a:spLocks noGrp="1"/>
+          </p:cNvSpPr>
+          <p:nvPr>
+            <p:ph type="sldNum" sz="quarter" idx="12"/>
+          </p:nvPr>
+        </p:nvSpPr>
+        <p:spPr/>
+        <p:txBody>
+          <a:bodyPr/>
+          <a:lstStyle/>
+          <a:p>
+            <a:fld id="{519954A3-9DFD-4C44-94BA-B95130A3BA1C}" type="slidenum">
+              <a:rPr lang="en-US" sz="1100" smtClean="0"/>
+              <a:t>25</a:t>
+            </a:fld>
+            <a:endParaRPr lang="en-US" sz="1100" dirty="0"/>
+          </a:p>
+        </p:txBody>
+      </p:sp>
+      <p:sp>
+        <p:nvSpPr>
+          <p:cNvPr id="7" name="TextBox 6"/>
+          <p:cNvSpPr txBox="1"/>
+          <p:nvPr/>
+        </p:nvSpPr>
+        <p:spPr>
+          <a:xfrm>
+            <a:off x="711107" y="2596469"/>
+            <a:ext cx="7879556" cy="2185214"/>
+          </a:xfrm>
+          <a:prstGeom prst="rect">
+            <a:avLst/>
+          </a:prstGeom>
+          <a:noFill/>
+        </p:spPr>
+        <p:txBody>
+          <a:bodyPr wrap="square" rtlCol="0">
+            <a:spAutoFit/>
+          </a:bodyPr>
+          <a:lstStyle/>
+          <a:p>
+            <a:r>
+              <a:rPr lang="en-US" dirty="0" err="1" smtClean="0">
+                <a:latin typeface="Consolas" panose="020B0609020204030204" pitchFamily="49" charset="0"/>
+              </a:rPr>
+              <a:t>Svetlin</a:t>
+            </a:r>
+            <a:r>
+              <a:rPr lang="en-US" dirty="0" smtClean="0">
+                <a:latin typeface="Consolas" panose="020B0609020204030204" pitchFamily="49" charset="0"/>
+              </a:rPr>
+              <a:t> </a:t>
+            </a:r>
+            <a:r>
+              <a:rPr lang="en-US" dirty="0" err="1" smtClean="0">
+                <a:latin typeface="Consolas" panose="020B0609020204030204" pitchFamily="49" charset="0"/>
+              </a:rPr>
+              <a:t>Nakov</a:t>
+            </a:r>
+            <a:r>
+              <a:rPr lang="en-US" dirty="0" smtClean="0">
+                <a:latin typeface="Consolas" panose="020B0609020204030204" pitchFamily="49" charset="0"/>
+              </a:rPr>
+              <a:t> and Team</a:t>
+            </a:r>
+          </a:p>
+          <a:p>
+            <a:r>
+              <a:rPr lang="en-US" dirty="0" smtClean="0">
+                <a:latin typeface="Consolas" panose="020B0609020204030204" pitchFamily="49" charset="0"/>
+              </a:rPr>
+              <a:t>“Fundamentals of Computer Programming with C#”</a:t>
+            </a:r>
+          </a:p>
+          <a:p>
+            <a:endParaRPr lang="en-US" dirty="0">
+              <a:solidFill>
+                <a:srgbClr val="33CCCC"/>
+              </a:solidFill>
+              <a:latin typeface="Consolas" panose="020B0609020204030204" pitchFamily="49" charset="0"/>
+            </a:endParaRPr>
+          </a:p>
+          <a:p>
+            <a:r>
+              <a:rPr lang="en-US" dirty="0">
+                <a:solidFill>
+                  <a:srgbClr val="33CCCC"/>
+                </a:solidFill>
+                <a:latin typeface="Consolas" panose="020B0609020204030204" pitchFamily="49" charset="0"/>
+                <a:hlinkClick r:id="rId3"/>
+              </a:rPr>
+              <a:t>https://</a:t>
+            </a:r>
+            <a:r>
+              <a:rPr lang="en-US" dirty="0" smtClean="0">
+                <a:solidFill>
+                  <a:srgbClr val="33CCCC"/>
+                </a:solidFill>
+                <a:latin typeface="Consolas" panose="020B0609020204030204" pitchFamily="49" charset="0"/>
+                <a:hlinkClick r:id="rId3"/>
+              </a:rPr>
+              <a:t>introprogramming.info/english-intro-csharp-book</a:t>
+            </a:r>
+            <a:endParaRPr lang="en-US" dirty="0" smtClean="0">
+              <a:solidFill>
+                <a:srgbClr val="33CCCC"/>
+              </a:solidFill>
+              <a:latin typeface="Consolas" panose="020B0609020204030204" pitchFamily="49" charset="0"/>
+            </a:endParaRPr>
+          </a:p>
+          <a:p>
+            <a:endParaRPr lang="en-US" sz="1600" dirty="0" smtClean="0">
+              <a:solidFill>
+                <a:srgbClr val="33CCCC"/>
+              </a:solidFill>
+              <a:latin typeface="Consolas" panose="020B0609020204030204" pitchFamily="49" charset="0"/>
+            </a:endParaRPr>
+          </a:p>
+          <a:p>
+            <a:r>
+              <a:rPr lang="en-US" sz="1600" dirty="0" err="1" smtClean="0">
+                <a:latin typeface="Consolas" panose="020B0609020204030204" pitchFamily="49" charset="0"/>
+              </a:rPr>
+              <a:t>Metanit</a:t>
+            </a:r>
+            <a:r>
+              <a:rPr lang="en-US" sz="1600" dirty="0" smtClean="0">
+                <a:latin typeface="Consolas" panose="020B0609020204030204" pitchFamily="49" charset="0"/>
+              </a:rPr>
+              <a:t> site</a:t>
+            </a:r>
+          </a:p>
+          <a:p>
+            <a:endParaRPr lang="en-US" sz="1600" dirty="0" smtClean="0">
+              <a:latin typeface="Consolas" panose="020B0609020204030204" pitchFamily="49" charset="0"/>
+            </a:endParaRPr>
+          </a:p>
+          <a:p>
+            <a:r>
+              <a:rPr lang="en-US" sz="1600" dirty="0" smtClean="0">
+                <a:latin typeface="Consolas" panose="020B0609020204030204" pitchFamily="49" charset="0"/>
+                <a:hlinkClick r:id="rId4"/>
+              </a:rPr>
+              <a:t>https://metanit.com/sharp/tutorial/</a:t>
+            </a:r>
+            <a:endParaRPr lang="en-US" sz="1600" dirty="0" smtClean="0">
+              <a:latin typeface="Consolas" panose="020B0609020204030204" pitchFamily="49" charset="0"/>
+            </a:endParaRPr>
+          </a:p>
+        </p:txBody>
+      </p:sp>
+    </p:spTree>
+    <p:extLst>
+      <p:ext uri="{BB962C8B-B14F-4D97-AF65-F5344CB8AC3E}">
+        <p14:creationId xmlns:p14="http://schemas.microsoft.com/office/powerpoint/2010/main" val="3126519434"/>
+      </p:ext>
+    </p:extLst>
+  </p:cSld>
+  <p:clrMapOvr>
+    <a:masterClrMapping/>
+  </p:clrMapOvr>
+  <p:timing>
+    <p:tnLst>
+      <p:par>
+        <p:cTn id="1" dur="indefinite" restart="never" nodeType="tmRoot"/>
+      </p:par>
+    </p:tnLst>
+  </p:timing>
+</p:sld>
+</file>
+
+<file path=ppt/slides/slide26.xml><?xml version="1.0" encoding="utf-8"?>
+<p:sld xmlns:a="http://schemas.openxmlformats.org/drawingml/2006/main" xmlns:r="http://schemas.openxmlformats.org/officeDocument/2006/relationships" xmlns:p="http://schemas.openxmlformats.org/presentationml/2006/main">
+  <p:cSld>
+    <p:spTree>
+      <p:nvGrpSpPr>
+        <p:cNvPr id="1" name=""/>
+        <p:cNvGrpSpPr/>
+        <p:nvPr/>
+      </p:nvGrpSpPr>
+      <p:grpSpPr>
+        <a:xfrm>
+          <a:off x="0" y="0"/>
+          <a:ext cx="0" cy="0"/>
+          <a:chOff x="0" y="0"/>
+          <a:chExt cx="0" cy="0"/>
+        </a:xfrm>
+      </p:grpSpPr>
+      <p:sp>
+        <p:nvSpPr>
           <p:cNvPr id="4" name="Дата 3"/>
           <p:cNvSpPr>
             <a:spLocks noGrp="1"/>
@@ -19587,7 +24331,7 @@
           <a:p>
             <a:fld id="{E3705B4D-1726-4BAB-A90E-07379DAEAD37}" type="datetime3">
               <a:rPr lang="en-US" sz="1100" smtClean="0"/>
-              <a:t>5 October 2021</a:t>
+              <a:t>8 October 2021</a:t>
             </a:fld>
             <a:endParaRPr lang="en-US" sz="1100" dirty="0"/>
           </a:p>
@@ -19643,7 +24387,7 @@
           <a:p>
             <a:fld id="{519954A3-9DFD-4C44-94BA-B95130A3BA1C}" type="slidenum">
               <a:rPr lang="en-US" sz="1100" smtClean="0"/>
-              <a:t>23</a:t>
+              <a:t>26</a:t>
             </a:fld>
             <a:endParaRPr lang="en-US" sz="1100" dirty="0"/>
           </a:p>
@@ -20039,7 +24783,7 @@
           <a:p>
             <a:fld id="{3792B3D8-82DF-4A6C-AFC1-06AFC1ABA742}" type="datetime3">
               <a:rPr lang="en-US" sz="1100" smtClean="0"/>
-              <a:t>5 October 2021</a:t>
+              <a:t>8 October 2021</a:t>
             </a:fld>
             <a:endParaRPr lang="en-US" sz="1100" dirty="0"/>
           </a:p>
@@ -20987,7 +25731,7 @@
           <a:p>
             <a:fld id="{E3705B4D-1726-4BAB-A90E-07379DAEAD37}" type="datetime3">
               <a:rPr lang="en-US" sz="1100" smtClean="0"/>
-              <a:t>5 October 2021</a:t>
+              <a:t>8 October 2021</a:t>
             </a:fld>
             <a:endParaRPr lang="en-US" sz="1100" dirty="0"/>
           </a:p>
@@ -21400,7 +26144,7 @@
           <a:p>
             <a:fld id="{171B5815-5139-4A68-A9FA-D26193D11F2D}" type="datetime3">
               <a:rPr lang="en-US" sz="1100" smtClean="0"/>
-              <a:t>5 October 2021</a:t>
+              <a:t>8 October 2021</a:t>
             </a:fld>
             <a:endParaRPr lang="en-US" sz="1100" dirty="0"/>
           </a:p>
@@ -22773,7 +27517,7 @@
           <a:p>
             <a:fld id="{E3705B4D-1726-4BAB-A90E-07379DAEAD37}" type="datetime3">
               <a:rPr lang="en-US" sz="1100" smtClean="0"/>
-              <a:t>5 October 2021</a:t>
+              <a:t>8 October 2021</a:t>
             </a:fld>
             <a:endParaRPr lang="en-US" sz="1100" dirty="0"/>
           </a:p>
@@ -23195,7 +27939,7 @@
           <a:p>
             <a:fld id="{E3705B4D-1726-4BAB-A90E-07379DAEAD37}" type="datetime3">
               <a:rPr lang="en-US" sz="1100" smtClean="0"/>
-              <a:t>5 October 2021</a:t>
+              <a:t>8 October 2021</a:t>
             </a:fld>
             <a:endParaRPr lang="en-US" sz="1100" dirty="0"/>
           </a:p>
@@ -24616,7 +29360,7 @@
           <a:p>
             <a:fld id="{146212BB-D587-45E4-8C80-89DA935C1E81}" type="datetime3">
               <a:rPr lang="en-US" sz="1100" smtClean="0"/>
-              <a:t>5 October 2021</a:t>
+              <a:t>8 October 2021</a:t>
             </a:fld>
             <a:endParaRPr lang="en-US" sz="1100" dirty="0"/>
           </a:p>
@@ -25434,7 +30178,7 @@
           <a:p>
             <a:fld id="{63E2318F-0C04-4A9D-B71F-4760BF0D8622}" type="datetime3">
               <a:rPr lang="en-US" sz="1100" smtClean="0"/>
-              <a:t>5 October 2021</a:t>
+              <a:t>8 October 2021</a:t>
             </a:fld>
             <a:endParaRPr lang="en-US" sz="1100" dirty="0"/>
           </a:p>
@@ -25498,7 +30242,7 @@
       </p:sp>
       <p:grpSp>
         <p:nvGrpSpPr>
-          <p:cNvPr id="97" name="Группа 96"/>
+          <p:cNvPr id="54" name="Группа 53"/>
           <p:cNvGrpSpPr/>
           <p:nvPr/>
         </p:nvGrpSpPr>
@@ -25512,7 +30256,7 @@
         </p:grpSpPr>
         <p:grpSp>
           <p:nvGrpSpPr>
-            <p:cNvPr id="98" name="Группа 97"/>
+            <p:cNvPr id="56" name="Группа 55"/>
             <p:cNvGrpSpPr/>
             <p:nvPr/>
           </p:nvGrpSpPr>
@@ -25526,7 +30270,7 @@
           </p:grpSpPr>
           <p:sp>
             <p:nvSpPr>
-              <p:cNvPr id="100" name="Прямоугольник 99"/>
+              <p:cNvPr id="61" name="Прямоугольник 60"/>
               <p:cNvSpPr/>
               <p:nvPr/>
             </p:nvSpPr>
@@ -25567,21 +30311,8 @@
                       <a:schemeClr val="tx1"/>
                     </a:solidFill>
                   </a:rPr>
-                  <a:t>Add</a:t>
+                  <a:t>Add changes to stash</a:t>
                 </a:r>
-                <a:r>
-                  <a:rPr lang="en-US" sz="1400" dirty="0" smtClean="0">
-                    <a:solidFill>
-                      <a:schemeClr val="tx1"/>
-                    </a:solidFill>
-                  </a:rPr>
-                  <a:t> changes to stash</a:t>
-                </a:r>
-                <a:endParaRPr lang="en-US" sz="1400" dirty="0" smtClean="0">
-                  <a:solidFill>
-                    <a:schemeClr val="tx1"/>
-                  </a:solidFill>
-                </a:endParaRPr>
               </a:p>
               <a:p>
                 <a:pPr algn="ctr"/>
@@ -25627,7 +30358,7 @@
           </p:sp>
           <p:grpSp>
             <p:nvGrpSpPr>
-              <p:cNvPr id="101" name="Группа 100"/>
+              <p:cNvPr id="63" name="Группа 62"/>
               <p:cNvGrpSpPr/>
               <p:nvPr/>
             </p:nvGrpSpPr>
@@ -25641,7 +30372,7 @@
             </p:grpSpPr>
             <p:sp>
               <p:nvSpPr>
-                <p:cNvPr id="103" name="Скругленный прямоугольник 102"/>
+                <p:cNvPr id="67" name="Скругленный прямоугольник 66"/>
                 <p:cNvSpPr/>
                 <p:nvPr/>
               </p:nvSpPr>
@@ -25694,7 +30425,7 @@
             </p:sp>
             <p:grpSp>
               <p:nvGrpSpPr>
-                <p:cNvPr id="104" name="Группа 103"/>
+                <p:cNvPr id="70" name="Группа 69"/>
                 <p:cNvGrpSpPr/>
                 <p:nvPr/>
               </p:nvGrpSpPr>
@@ -25708,7 +30439,7 @@
               </p:grpSpPr>
               <p:grpSp>
                 <p:nvGrpSpPr>
-                  <p:cNvPr id="105" name="Группа 104"/>
+                  <p:cNvPr id="72" name="Группа 71"/>
                   <p:cNvGrpSpPr/>
                   <p:nvPr/>
                 </p:nvGrpSpPr>
@@ -25722,7 +30453,7 @@
                 </p:grpSpPr>
                 <p:grpSp>
                   <p:nvGrpSpPr>
-                    <p:cNvPr id="107" name="Группа 106"/>
+                    <p:cNvPr id="74" name="Группа 73"/>
                     <p:cNvGrpSpPr/>
                     <p:nvPr/>
                   </p:nvGrpSpPr>
@@ -25736,7 +30467,7 @@
                   </p:grpSpPr>
                   <p:grpSp>
                     <p:nvGrpSpPr>
-                      <p:cNvPr id="116" name="Группа 115"/>
+                      <p:cNvPr id="98" name="Группа 97"/>
                       <p:cNvGrpSpPr/>
                       <p:nvPr/>
                     </p:nvGrpSpPr>
@@ -25750,7 +30481,7 @@
                     </p:grpSpPr>
                     <p:grpSp>
                       <p:nvGrpSpPr>
-                        <p:cNvPr id="118" name="Группа 117"/>
+                        <p:cNvPr id="100" name="Группа 99"/>
                         <p:cNvGrpSpPr/>
                         <p:nvPr/>
                       </p:nvGrpSpPr>
@@ -25764,7 +30495,7 @@
                       </p:grpSpPr>
                       <p:grpSp>
                         <p:nvGrpSpPr>
-                          <p:cNvPr id="120" name="Группа 119"/>
+                          <p:cNvPr id="102" name="Группа 101"/>
                           <p:cNvGrpSpPr/>
                           <p:nvPr/>
                         </p:nvGrpSpPr>
@@ -25778,10 +30509,10 @@
                         </p:grpSpPr>
                         <p:cxnSp>
                           <p:nvCxnSpPr>
-                            <p:cNvPr id="122" name="Соединительная линия уступом 121"/>
+                            <p:cNvPr id="104" name="Соединительная линия уступом 103"/>
                             <p:cNvCxnSpPr>
-                              <a:stCxn id="103" idx="2"/>
-                              <a:endCxn id="131" idx="1"/>
+                              <a:stCxn id="67" idx="2"/>
+                              <a:endCxn id="113" idx="1"/>
                             </p:cNvCxnSpPr>
                             <p:nvPr/>
                           </p:nvCxnSpPr>
@@ -25814,7 +30545,7 @@
                         </p:cxnSp>
                         <p:grpSp>
                           <p:nvGrpSpPr>
-                            <p:cNvPr id="123" name="Группа 122"/>
+                            <p:cNvPr id="105" name="Группа 104"/>
                             <p:cNvGrpSpPr/>
                             <p:nvPr/>
                           </p:nvGrpSpPr>
@@ -25828,7 +30559,7 @@
                           </p:grpSpPr>
                           <p:grpSp>
                             <p:nvGrpSpPr>
-                              <p:cNvPr id="124" name="Группа 123"/>
+                              <p:cNvPr id="106" name="Группа 105"/>
                               <p:cNvGrpSpPr/>
                               <p:nvPr/>
                             </p:nvGrpSpPr>
@@ -25842,7 +30573,7 @@
                             </p:grpSpPr>
                             <p:grpSp>
                               <p:nvGrpSpPr>
-                                <p:cNvPr id="126" name="Группа 125"/>
+                                <p:cNvPr id="108" name="Группа 107"/>
                                 <p:cNvGrpSpPr/>
                                 <p:nvPr/>
                               </p:nvGrpSpPr>
@@ -25856,10 +30587,10 @@
                               </p:grpSpPr>
                               <p:cxnSp>
                                 <p:nvCxnSpPr>
-                                  <p:cNvPr id="129" name="Соединительная линия уступом 128"/>
+                                  <p:cNvPr id="111" name="Соединительная линия уступом 110"/>
                                   <p:cNvCxnSpPr>
-                                    <a:stCxn id="138" idx="2"/>
-                                    <a:endCxn id="136" idx="2"/>
+                                    <a:stCxn id="120" idx="2"/>
+                                    <a:endCxn id="118" idx="2"/>
                                   </p:cNvCxnSpPr>
                                   <p:nvPr/>
                                 </p:nvCxnSpPr>
@@ -25894,7 +30625,7 @@
                               </p:cxnSp>
                               <p:grpSp>
                                 <p:nvGrpSpPr>
-                                  <p:cNvPr id="130" name="Группа 129"/>
+                                  <p:cNvPr id="112" name="Группа 111"/>
                                   <p:cNvGrpSpPr/>
                                   <p:nvPr/>
                                 </p:nvGrpSpPr>
@@ -25908,7 +30639,7 @@
                                 </p:grpSpPr>
                                 <p:sp>
                                   <p:nvSpPr>
-                                    <p:cNvPr id="131" name="Прямоугольник 130"/>
+                                    <p:cNvPr id="113" name="Прямоугольник 112"/>
                                     <p:cNvSpPr/>
                                     <p:nvPr/>
                                   </p:nvSpPr>
@@ -25981,15 +30712,7 @@
                                             <a:schemeClr val="tx1"/>
                                           </a:solidFill>
                                         </a:rPr>
-                                        <a:t> checkout </a:t>
-                                      </a:r>
-                                      <a:r>
-                                        <a:rPr lang="en-US" sz="1400" b="1" dirty="0" smtClean="0">
-                                          <a:solidFill>
-                                            <a:schemeClr val="tx1"/>
-                                          </a:solidFill>
-                                        </a:rPr>
-                                        <a:t>main</a:t>
+                                        <a:t> checkout main</a:t>
                                       </a:r>
                                       <a:endParaRPr lang="en-US" sz="1400" b="1" dirty="0">
                                         <a:solidFill>
@@ -26001,7 +30724,7 @@
                                 </p:sp>
                                 <p:sp>
                                   <p:nvSpPr>
-                                    <p:cNvPr id="132" name="Прямоугольник 131"/>
+                                    <p:cNvPr id="114" name="Прямоугольник 113"/>
                                     <p:cNvSpPr/>
                                     <p:nvPr/>
                                   </p:nvSpPr>
@@ -26097,7 +30820,7 @@
                                 </p:sp>
                                 <p:sp>
                                   <p:nvSpPr>
-                                    <p:cNvPr id="133" name="Прямоугольник 132"/>
+                                    <p:cNvPr id="115" name="Прямоугольник 114"/>
                                     <p:cNvSpPr/>
                                     <p:nvPr/>
                                   </p:nvSpPr>
@@ -26193,10 +30916,10 @@
                                 </p:sp>
                                 <p:cxnSp>
                                   <p:nvCxnSpPr>
-                                    <p:cNvPr id="134" name="Прямая со стрелкой 133"/>
+                                    <p:cNvPr id="116" name="Прямая со стрелкой 115"/>
                                     <p:cNvCxnSpPr>
-                                      <a:stCxn id="131" idx="2"/>
-                                      <a:endCxn id="132" idx="0"/>
+                                      <a:stCxn id="113" idx="2"/>
+                                      <a:endCxn id="114" idx="0"/>
                                     </p:cNvCxnSpPr>
                                     <p:nvPr/>
                                   </p:nvCxnSpPr>
@@ -26229,10 +30952,10 @@
                                 </p:cxnSp>
                                 <p:cxnSp>
                                   <p:nvCxnSpPr>
-                                    <p:cNvPr id="135" name="Прямая со стрелкой 134"/>
+                                    <p:cNvPr id="117" name="Прямая со стрелкой 116"/>
                                     <p:cNvCxnSpPr>
-                                      <a:stCxn id="132" idx="2"/>
-                                      <a:endCxn id="133" idx="0"/>
+                                      <a:stCxn id="114" idx="2"/>
+                                      <a:endCxn id="115" idx="0"/>
                                     </p:cNvCxnSpPr>
                                     <p:nvPr/>
                                   </p:nvCxnSpPr>
@@ -26265,7 +30988,7 @@
                                 </p:cxnSp>
                                 <p:sp>
                                   <p:nvSpPr>
-                                    <p:cNvPr id="136" name="Прямоугольник 135"/>
+                                    <p:cNvPr id="118" name="Прямоугольник 117"/>
                                     <p:cNvSpPr/>
                                     <p:nvPr/>
                                   </p:nvSpPr>
@@ -26314,15 +31037,7 @@
                                             <a:schemeClr val="tx1"/>
                                           </a:solidFill>
                                         </a:rPr>
-                                        <a:t>working</a:t>
-                                      </a:r>
-                                      <a:r>
-                                        <a:rPr lang="en-US" sz="1400" dirty="0" smtClean="0">
-                                          <a:solidFill>
-                                            <a:schemeClr val="tx1"/>
-                                          </a:solidFill>
-                                        </a:rPr>
-                                        <a:t> </a:t>
+                                        <a:t>working </a:t>
                                       </a:r>
                                       <a:r>
                                         <a:rPr lang="en-US" sz="1400" dirty="0">
@@ -26337,10 +31052,10 @@
                                 </p:sp>
                                 <p:cxnSp>
                                   <p:nvCxnSpPr>
-                                    <p:cNvPr id="137" name="Прямая со стрелкой 136"/>
+                                    <p:cNvPr id="119" name="Прямая со стрелкой 118"/>
                                     <p:cNvCxnSpPr>
-                                      <a:stCxn id="133" idx="2"/>
-                                      <a:endCxn id="136" idx="0"/>
+                                      <a:stCxn id="115" idx="2"/>
+                                      <a:endCxn id="118" idx="0"/>
                                     </p:cNvCxnSpPr>
                                     <p:nvPr/>
                                   </p:nvCxnSpPr>
@@ -26373,7 +31088,7 @@
                                 </p:cxnSp>
                                 <p:sp>
                                   <p:nvSpPr>
-                                    <p:cNvPr id="138" name="Ромб 137"/>
+                                    <p:cNvPr id="120" name="Ромб 119"/>
                                     <p:cNvSpPr/>
                                     <p:nvPr/>
                                   </p:nvSpPr>
@@ -26426,10 +31141,10 @@
                                 </p:sp>
                                 <p:cxnSp>
                                   <p:nvCxnSpPr>
-                                    <p:cNvPr id="139" name="Соединительная линия уступом 138"/>
+                                    <p:cNvPr id="121" name="Соединительная линия уступом 120"/>
                                     <p:cNvCxnSpPr>
-                                      <a:stCxn id="136" idx="3"/>
-                                      <a:endCxn id="138" idx="1"/>
+                                      <a:stCxn id="118" idx="3"/>
+                                      <a:endCxn id="120" idx="1"/>
                                     </p:cNvCxnSpPr>
                                     <p:nvPr/>
                                   </p:nvCxnSpPr>
@@ -26464,7 +31179,7 @@
                                 </p:cxnSp>
                                 <p:sp>
                                   <p:nvSpPr>
-                                    <p:cNvPr id="140" name="Прямоугольник 139"/>
+                                    <p:cNvPr id="122" name="Прямоугольник 121"/>
                                     <p:cNvSpPr/>
                                     <p:nvPr/>
                                   </p:nvSpPr>
@@ -26552,7 +31267,7 @@
                                 </p:sp>
                                 <p:sp>
                                   <p:nvSpPr>
-                                    <p:cNvPr id="141" name="Прямоугольник 140"/>
+                                    <p:cNvPr id="123" name="Прямоугольник 122"/>
                                     <p:cNvSpPr/>
                                     <p:nvPr/>
                                   </p:nvSpPr>
@@ -26617,15 +31332,7 @@
                                             <a:schemeClr val="tx1"/>
                                           </a:solidFill>
                                         </a:rPr>
-                                        <a:t> </a:t>
-                                      </a:r>
-                                      <a:r>
-                                        <a:rPr lang="en-US" sz="1400" b="1" dirty="0" smtClean="0">
-                                          <a:solidFill>
-                                            <a:schemeClr val="tx1"/>
-                                          </a:solidFill>
-                                        </a:rPr>
-                                        <a:t>push origin HEAD</a:t>
+                                        <a:t> push origin HEAD</a:t>
                                       </a:r>
                                       <a:endParaRPr lang="en-US" sz="1400" b="1" dirty="0">
                                         <a:solidFill>
@@ -26637,10 +31344,10 @@
                                 </p:sp>
                                 <p:cxnSp>
                                   <p:nvCxnSpPr>
-                                    <p:cNvPr id="142" name="Соединительная линия уступом 141"/>
+                                    <p:cNvPr id="124" name="Соединительная линия уступом 123"/>
                                     <p:cNvCxnSpPr>
-                                      <a:stCxn id="138" idx="0"/>
-                                      <a:endCxn id="100" idx="1"/>
+                                      <a:stCxn id="120" idx="0"/>
+                                      <a:endCxn id="61" idx="1"/>
                                     </p:cNvCxnSpPr>
                                     <p:nvPr/>
                                   </p:nvCxnSpPr>
@@ -26673,10 +31380,10 @@
                                 </p:cxnSp>
                                 <p:cxnSp>
                                   <p:nvCxnSpPr>
-                                    <p:cNvPr id="143" name="Прямая со стрелкой 142"/>
+                                    <p:cNvPr id="125" name="Прямая со стрелкой 124"/>
                                     <p:cNvCxnSpPr>
-                                      <a:stCxn id="140" idx="2"/>
-                                      <a:endCxn id="141" idx="0"/>
+                                      <a:stCxn id="122" idx="2"/>
+                                      <a:endCxn id="123" idx="0"/>
                                     </p:cNvCxnSpPr>
                                     <p:nvPr/>
                                   </p:nvCxnSpPr>
@@ -26709,7 +31416,7 @@
                                 </p:cxnSp>
                                 <p:sp>
                                   <p:nvSpPr>
-                                    <p:cNvPr id="144" name="Ромб 143"/>
+                                    <p:cNvPr id="126" name="Ромб 125"/>
                                     <p:cNvSpPr/>
                                     <p:nvPr/>
                                   </p:nvSpPr>
@@ -26762,7 +31469,7 @@
                                 </p:sp>
                                 <p:sp>
                                   <p:nvSpPr>
-                                    <p:cNvPr id="145" name="Прямоугольник 144"/>
+                                    <p:cNvPr id="127" name="Прямоугольник 126"/>
                                     <p:cNvSpPr/>
                                     <p:nvPr/>
                                   </p:nvSpPr>
@@ -26815,10 +31522,10 @@
                                 </p:sp>
                                 <p:cxnSp>
                                   <p:nvCxnSpPr>
-                                    <p:cNvPr id="146" name="Соединительная линия уступом 145"/>
+                                    <p:cNvPr id="128" name="Соединительная линия уступом 127"/>
                                     <p:cNvCxnSpPr>
-                                      <a:stCxn id="144" idx="3"/>
-                                      <a:endCxn id="145" idx="2"/>
+                                      <a:stCxn id="126" idx="3"/>
+                                      <a:endCxn id="127" idx="2"/>
                                     </p:cNvCxnSpPr>
                                     <p:nvPr/>
                                   </p:nvCxnSpPr>
@@ -26853,7 +31560,7 @@
                             </p:grpSp>
                             <p:sp>
                               <p:nvSpPr>
-                                <p:cNvPr id="127" name="TextBox 126"/>
+                                <p:cNvPr id="109" name="TextBox 108"/>
                                 <p:cNvSpPr txBox="1"/>
                                 <p:nvPr/>
                               </p:nvSpPr>
@@ -26883,7 +31590,7 @@
                             </p:sp>
                             <p:sp>
                               <p:nvSpPr>
-                                <p:cNvPr id="128" name="TextBox 127"/>
+                                <p:cNvPr id="110" name="TextBox 109"/>
                                 <p:cNvSpPr txBox="1"/>
                                 <p:nvPr/>
                               </p:nvSpPr>
@@ -26914,10 +31621,10 @@
                           </p:grpSp>
                           <p:cxnSp>
                             <p:nvCxnSpPr>
-                              <p:cNvPr id="125" name="Соединительная линия уступом 124"/>
+                              <p:cNvPr id="107" name="Соединительная линия уступом 106"/>
                               <p:cNvCxnSpPr>
-                                <a:stCxn id="145" idx="0"/>
-                                <a:endCxn id="131" idx="0"/>
+                                <a:stCxn id="127" idx="0"/>
+                                <a:endCxn id="113" idx="0"/>
                               </p:cNvCxnSpPr>
                               <p:nvPr/>
                             </p:nvCxnSpPr>
@@ -26954,7 +31661,7 @@
                       </p:grpSp>
                       <p:sp>
                         <p:nvSpPr>
-                          <p:cNvPr id="121" name="TextBox 120"/>
+                          <p:cNvPr id="103" name="TextBox 102"/>
                           <p:cNvSpPr txBox="1"/>
                           <p:nvPr/>
                         </p:nvSpPr>
@@ -26985,10 +31692,10 @@
                     </p:grpSp>
                     <p:cxnSp>
                       <p:nvCxnSpPr>
-                        <p:cNvPr id="119" name="Соединительная линия уступом 118"/>
+                        <p:cNvPr id="101" name="Соединительная линия уступом 100"/>
                         <p:cNvCxnSpPr>
-                          <a:stCxn id="144" idx="2"/>
-                          <a:endCxn id="136" idx="2"/>
+                          <a:stCxn id="126" idx="2"/>
+                          <a:endCxn id="118" idx="2"/>
                         </p:cNvCxnSpPr>
                         <p:nvPr/>
                       </p:nvCxnSpPr>
@@ -27024,7 +31731,7 @@
                   </p:grpSp>
                   <p:sp>
                     <p:nvSpPr>
-                      <p:cNvPr id="117" name="TextBox 116"/>
+                      <p:cNvPr id="99" name="TextBox 98"/>
                       <p:cNvSpPr txBox="1"/>
                       <p:nvPr/>
                     </p:nvSpPr>
@@ -27055,7 +31762,7 @@
                 </p:grpSp>
                 <p:sp>
                   <p:nvSpPr>
-                    <p:cNvPr id="108" name="Овал 107"/>
+                    <p:cNvPr id="76" name="Овал 75"/>
                     <p:cNvSpPr/>
                     <p:nvPr/>
                   </p:nvSpPr>
@@ -27106,7 +31813,7 @@
                 </p:sp>
                 <p:sp>
                   <p:nvSpPr>
-                    <p:cNvPr id="109" name="Овал 108"/>
+                    <p:cNvPr id="80" name="Овал 79"/>
                     <p:cNvSpPr/>
                     <p:nvPr/>
                   </p:nvSpPr>
@@ -27158,7 +31865,7 @@
                 </p:sp>
                 <p:sp>
                   <p:nvSpPr>
-                    <p:cNvPr id="110" name="Овал 109"/>
+                    <p:cNvPr id="81" name="Овал 80"/>
                     <p:cNvSpPr/>
                     <p:nvPr/>
                   </p:nvSpPr>
@@ -27210,7 +31917,7 @@
                 </p:sp>
                 <p:sp>
                   <p:nvSpPr>
-                    <p:cNvPr id="111" name="Овал 110"/>
+                    <p:cNvPr id="82" name="Овал 81"/>
                     <p:cNvSpPr/>
                     <p:nvPr/>
                   </p:nvSpPr>
@@ -27262,7 +31969,7 @@
                 </p:sp>
                 <p:sp>
                   <p:nvSpPr>
-                    <p:cNvPr id="112" name="Овал 111"/>
+                    <p:cNvPr id="83" name="Овал 82"/>
                     <p:cNvSpPr/>
                     <p:nvPr/>
                   </p:nvSpPr>
@@ -27314,7 +32021,7 @@
                 </p:sp>
                 <p:sp>
                   <p:nvSpPr>
-                    <p:cNvPr id="113" name="Овал 112"/>
+                    <p:cNvPr id="84" name="Овал 83"/>
                     <p:cNvSpPr/>
                     <p:nvPr/>
                   </p:nvSpPr>
@@ -27366,7 +32073,7 @@
                 </p:sp>
                 <p:sp>
                   <p:nvSpPr>
-                    <p:cNvPr id="114" name="Овал 113"/>
+                    <p:cNvPr id="93" name="Овал 92"/>
                     <p:cNvSpPr/>
                     <p:nvPr/>
                   </p:nvSpPr>
@@ -27418,7 +32125,7 @@
                 </p:sp>
                 <p:sp>
                   <p:nvSpPr>
-                    <p:cNvPr id="115" name="Овал 114"/>
+                    <p:cNvPr id="97" name="Овал 96"/>
                     <p:cNvSpPr/>
                     <p:nvPr/>
                   </p:nvSpPr>
@@ -27471,10 +32178,10 @@
               </p:grpSp>
               <p:cxnSp>
                 <p:nvCxnSpPr>
-                  <p:cNvPr id="106" name="Прямая со стрелкой 105"/>
+                  <p:cNvPr id="73" name="Прямая со стрелкой 72"/>
                   <p:cNvCxnSpPr>
-                    <a:stCxn id="141" idx="2"/>
-                    <a:endCxn id="144" idx="0"/>
+                    <a:stCxn id="123" idx="2"/>
+                    <a:endCxn id="126" idx="0"/>
                   </p:cNvCxnSpPr>
                   <p:nvPr/>
                 </p:nvCxnSpPr>
@@ -27509,10 +32216,10 @@
           </p:grpSp>
           <p:cxnSp>
             <p:nvCxnSpPr>
-              <p:cNvPr id="102" name="Прямая со стрелкой 101"/>
+              <p:cNvPr id="66" name="Прямая со стрелкой 65"/>
               <p:cNvCxnSpPr>
-                <a:stCxn id="100" idx="2"/>
-                <a:endCxn id="140" idx="0"/>
+                <a:stCxn id="61" idx="2"/>
+                <a:endCxn id="122" idx="0"/>
               </p:cNvCxnSpPr>
               <p:nvPr/>
             </p:nvCxnSpPr>
@@ -27546,7 +32253,7 @@
         </p:grpSp>
         <p:sp>
           <p:nvSpPr>
-            <p:cNvPr id="99" name="Овал 98"/>
+            <p:cNvPr id="57" name="Овал 56"/>
             <p:cNvSpPr/>
             <p:nvPr/>
           </p:nvSpPr>

--- a/Alifanov.ITLeadersCourse/Automated framework with C#.pptx
+++ b/Alifanov.ITLeadersCourse/Automated framework with C#.pptx
@@ -5,7 +5,7 @@
     <p:sldMasterId id="2147483648" r:id="rId1"/>
   </p:sldMasterIdLst>
   <p:notesMasterIdLst>
-    <p:notesMasterId r:id="rId28"/>
+    <p:notesMasterId r:id="rId31"/>
   </p:notesMasterIdLst>
   <p:sldIdLst>
     <p:sldId id="256" r:id="rId2"/>
@@ -32,8 +32,11 @@
     <p:sldId id="284" r:id="rId23"/>
     <p:sldId id="272" r:id="rId24"/>
     <p:sldId id="273" r:id="rId25"/>
-    <p:sldId id="295" r:id="rId26"/>
-    <p:sldId id="294" r:id="rId27"/>
+    <p:sldId id="285" r:id="rId26"/>
+    <p:sldId id="288" r:id="rId27"/>
+    <p:sldId id="274" r:id="rId28"/>
+    <p:sldId id="295" r:id="rId29"/>
+    <p:sldId id="294" r:id="rId30"/>
   </p:sldIdLst>
   <p:sldSz cx="12192000" cy="6858000"/>
   <p:notesSz cx="6858000" cy="9144000"/>
@@ -234,7 +237,7 @@
           <a:p>
             <a:fld id="{04BB28D0-A67A-445A-845D-15D23A1D5A30}" type="datetimeFigureOut">
               <a:rPr lang="en-US" smtClean="0"/>
-              <a:t>10/8/2021</a:t>
+              <a:t>10/11/2021</a:t>
             </a:fld>
             <a:endParaRPr lang="en-US"/>
           </a:p>
@@ -2173,9 +2176,10 @@
           <a:lstStyle/>
           <a:p>
             <a:pPr marL="0" indent="0">
+              <a:buFont typeface="+mj-lt"/>
               <a:buNone/>
             </a:pPr>
-            <a:endParaRPr lang="en-US" baseline="0" dirty="0" smtClean="0"/>
+            <a:endParaRPr lang="en-US" dirty="0" smtClean="0"/>
           </a:p>
         </p:txBody>
       </p:sp>
@@ -2205,7 +2209,7 @@
     </p:spTree>
     <p:extLst>
       <p:ext uri="{BB962C8B-B14F-4D97-AF65-F5344CB8AC3E}">
-        <p14:creationId xmlns:p14="http://schemas.microsoft.com/office/powerpoint/2010/main" val="489106304"/>
+        <p14:creationId xmlns:p14="http://schemas.microsoft.com/office/powerpoint/2010/main" val="4168680800"/>
       </p:ext>
     </p:extLst>
   </p:cSld>
@@ -2260,10 +2264,59 @@
           <a:lstStyle/>
           <a:p>
             <a:pPr marL="0" indent="0">
-              <a:buFont typeface="+mj-lt"/>
               <a:buNone/>
             </a:pPr>
-            <a:endParaRPr lang="en-US" dirty="0" smtClean="0"/>
+            <a:r>
+              <a:rPr lang="en-US" baseline="0" dirty="0" smtClean="0"/>
+              <a:t>Lesson 5 </a:t>
+            </a:r>
+            <a:r>
+              <a:rPr lang="en-US" baseline="0" dirty="0" err="1" smtClean="0"/>
+              <a:t>Enums</a:t>
+            </a:r>
+            <a:r>
+              <a:rPr lang="en-US" baseline="0" dirty="0" smtClean="0"/>
+              <a:t> and Strings.</a:t>
+            </a:r>
+          </a:p>
+          <a:p>
+            <a:pPr marL="228600" indent="-228600">
+              <a:buAutoNum type="arabicPeriod"/>
+            </a:pPr>
+            <a:r>
+              <a:rPr lang="en-US" baseline="0" dirty="0" smtClean="0"/>
+              <a:t>Homework questions and answers</a:t>
+            </a:r>
+          </a:p>
+          <a:p>
+            <a:pPr marL="228600" indent="-228600">
+              <a:buAutoNum type="arabicPeriod"/>
+            </a:pPr>
+            <a:r>
+              <a:rPr lang="en-US" baseline="0" dirty="0" smtClean="0"/>
+              <a:t>Introduction</a:t>
+            </a:r>
+          </a:p>
+          <a:p>
+            <a:pPr marL="228600" indent="-228600">
+              <a:buAutoNum type="arabicPeriod"/>
+            </a:pPr>
+            <a:r>
+              <a:rPr lang="en-US" baseline="0" dirty="0" smtClean="0"/>
+              <a:t>Create a new branch</a:t>
+            </a:r>
+          </a:p>
+          <a:p>
+            <a:pPr marL="0" indent="0">
+              <a:buNone/>
+            </a:pPr>
+            <a:endParaRPr lang="en-US" baseline="0" dirty="0" smtClean="0"/>
+          </a:p>
+          <a:p>
+            <a:pPr marL="0" indent="0">
+              <a:buNone/>
+            </a:pPr>
+            <a:endParaRPr lang="en-US" baseline="0" dirty="0" smtClean="0"/>
           </a:p>
         </p:txBody>
       </p:sp>
@@ -2285,6 +2338,314 @@
             <a:fld id="{72322572-43F4-4B03-89EA-3E2E4F93C9D1}" type="slidenum">
               <a:rPr lang="en-US" smtClean="0"/>
               <a:t>26</a:t>
+            </a:fld>
+            <a:endParaRPr lang="en-US"/>
+          </a:p>
+        </p:txBody>
+      </p:sp>
+    </p:spTree>
+    <p:extLst>
+      <p:ext uri="{BB962C8B-B14F-4D97-AF65-F5344CB8AC3E}">
+        <p14:creationId xmlns:p14="http://schemas.microsoft.com/office/powerpoint/2010/main" val="3478067176"/>
+      </p:ext>
+    </p:extLst>
+  </p:cSld>
+  <p:clrMapOvr>
+    <a:masterClrMapping/>
+  </p:clrMapOvr>
+</p:notes>
+</file>
+
+<file path=ppt/notesSlides/notesSlide25.xml><?xml version="1.0" encoding="utf-8"?>
+<p:notes xmlns:a="http://schemas.openxmlformats.org/drawingml/2006/main" xmlns:r="http://schemas.openxmlformats.org/officeDocument/2006/relationships" xmlns:p="http://schemas.openxmlformats.org/presentationml/2006/main">
+  <p:cSld>
+    <p:spTree>
+      <p:nvGrpSpPr>
+        <p:cNvPr id="1" name=""/>
+        <p:cNvGrpSpPr/>
+        <p:nvPr/>
+      </p:nvGrpSpPr>
+      <p:grpSpPr>
+        <a:xfrm>
+          <a:off x="0" y="0"/>
+          <a:ext cx="0" cy="0"/>
+          <a:chOff x="0" y="0"/>
+          <a:chExt cx="0" cy="0"/>
+        </a:xfrm>
+      </p:grpSpPr>
+      <p:sp>
+        <p:nvSpPr>
+          <p:cNvPr id="2" name="Образ слайда 1"/>
+          <p:cNvSpPr>
+            <a:spLocks noGrp="1" noRot="1" noChangeAspect="1"/>
+          </p:cNvSpPr>
+          <p:nvPr>
+            <p:ph type="sldImg"/>
+          </p:nvPr>
+        </p:nvSpPr>
+        <p:spPr/>
+      </p:sp>
+      <p:sp>
+        <p:nvSpPr>
+          <p:cNvPr id="3" name="Заметки 2"/>
+          <p:cNvSpPr>
+            <a:spLocks noGrp="1"/>
+          </p:cNvSpPr>
+          <p:nvPr>
+            <p:ph type="body" idx="1"/>
+          </p:nvPr>
+        </p:nvSpPr>
+        <p:spPr/>
+        <p:txBody>
+          <a:bodyPr/>
+          <a:lstStyle/>
+          <a:p>
+            <a:pPr marL="228600" indent="-228600">
+              <a:buAutoNum type="arabicPeriod"/>
+            </a:pPr>
+            <a:r>
+              <a:rPr lang="en-US" dirty="0" smtClean="0"/>
+              <a:t>Make</a:t>
+            </a:r>
+            <a:r>
+              <a:rPr lang="en-US" baseline="0" dirty="0" smtClean="0"/>
+              <a:t> a commit</a:t>
+            </a:r>
+          </a:p>
+          <a:p>
+            <a:pPr marL="228600" indent="-228600">
+              <a:buAutoNum type="arabicPeriod"/>
+            </a:pPr>
+            <a:r>
+              <a:rPr lang="en-US" baseline="0" dirty="0" smtClean="0"/>
+              <a:t>Push the commit</a:t>
+            </a:r>
+          </a:p>
+          <a:p>
+            <a:pPr marL="228600" indent="-228600">
+              <a:buAutoNum type="arabicPeriod"/>
+            </a:pPr>
+            <a:r>
+              <a:rPr lang="en-US" baseline="0" dirty="0" smtClean="0"/>
+              <a:t>Make a PR and approve it</a:t>
+            </a:r>
+          </a:p>
+          <a:p>
+            <a:pPr marL="228600" indent="-228600">
+              <a:buAutoNum type="arabicPeriod"/>
+            </a:pPr>
+            <a:endParaRPr lang="en-US" baseline="0" dirty="0" smtClean="0"/>
+          </a:p>
+          <a:p>
+            <a:pPr marL="0" indent="0">
+              <a:buNone/>
+            </a:pPr>
+            <a:r>
+              <a:rPr lang="en-US" baseline="0" dirty="0" smtClean="0"/>
+              <a:t>End Lesson 5.</a:t>
+            </a:r>
+          </a:p>
+          <a:p>
+            <a:pPr marL="0" indent="0">
+              <a:buNone/>
+            </a:pPr>
+            <a:endParaRPr lang="en-US" baseline="0" dirty="0" smtClean="0"/>
+          </a:p>
+        </p:txBody>
+      </p:sp>
+      <p:sp>
+        <p:nvSpPr>
+          <p:cNvPr id="4" name="Номер слайда 3"/>
+          <p:cNvSpPr>
+            <a:spLocks noGrp="1"/>
+          </p:cNvSpPr>
+          <p:nvPr>
+            <p:ph type="sldNum" sz="quarter" idx="10"/>
+          </p:nvPr>
+        </p:nvSpPr>
+        <p:spPr/>
+        <p:txBody>
+          <a:bodyPr/>
+          <a:lstStyle/>
+          <a:p>
+            <a:fld id="{72322572-43F4-4B03-89EA-3E2E4F93C9D1}" type="slidenum">
+              <a:rPr lang="en-US" smtClean="0"/>
+              <a:t>27</a:t>
+            </a:fld>
+            <a:endParaRPr lang="en-US"/>
+          </a:p>
+        </p:txBody>
+      </p:sp>
+    </p:spTree>
+    <p:extLst>
+      <p:ext uri="{BB962C8B-B14F-4D97-AF65-F5344CB8AC3E}">
+        <p14:creationId xmlns:p14="http://schemas.microsoft.com/office/powerpoint/2010/main" val="3133589637"/>
+      </p:ext>
+    </p:extLst>
+  </p:cSld>
+  <p:clrMapOvr>
+    <a:masterClrMapping/>
+  </p:clrMapOvr>
+</p:notes>
+</file>
+
+<file path=ppt/notesSlides/notesSlide26.xml><?xml version="1.0" encoding="utf-8"?>
+<p:notes xmlns:a="http://schemas.openxmlformats.org/drawingml/2006/main" xmlns:r="http://schemas.openxmlformats.org/officeDocument/2006/relationships" xmlns:p="http://schemas.openxmlformats.org/presentationml/2006/main">
+  <p:cSld>
+    <p:spTree>
+      <p:nvGrpSpPr>
+        <p:cNvPr id="1" name=""/>
+        <p:cNvGrpSpPr/>
+        <p:nvPr/>
+      </p:nvGrpSpPr>
+      <p:grpSpPr>
+        <a:xfrm>
+          <a:off x="0" y="0"/>
+          <a:ext cx="0" cy="0"/>
+          <a:chOff x="0" y="0"/>
+          <a:chExt cx="0" cy="0"/>
+        </a:xfrm>
+      </p:grpSpPr>
+      <p:sp>
+        <p:nvSpPr>
+          <p:cNvPr id="2" name="Образ слайда 1"/>
+          <p:cNvSpPr>
+            <a:spLocks noGrp="1" noRot="1" noChangeAspect="1"/>
+          </p:cNvSpPr>
+          <p:nvPr>
+            <p:ph type="sldImg"/>
+          </p:nvPr>
+        </p:nvSpPr>
+        <p:spPr/>
+      </p:sp>
+      <p:sp>
+        <p:nvSpPr>
+          <p:cNvPr id="3" name="Заметки 2"/>
+          <p:cNvSpPr>
+            <a:spLocks noGrp="1"/>
+          </p:cNvSpPr>
+          <p:nvPr>
+            <p:ph type="body" idx="1"/>
+          </p:nvPr>
+        </p:nvSpPr>
+        <p:spPr/>
+        <p:txBody>
+          <a:bodyPr/>
+          <a:lstStyle/>
+          <a:p>
+            <a:pPr marL="0" indent="0">
+              <a:buNone/>
+            </a:pPr>
+            <a:endParaRPr lang="en-US" baseline="0" dirty="0" smtClean="0"/>
+          </a:p>
+        </p:txBody>
+      </p:sp>
+      <p:sp>
+        <p:nvSpPr>
+          <p:cNvPr id="4" name="Номер слайда 3"/>
+          <p:cNvSpPr>
+            <a:spLocks noGrp="1"/>
+          </p:cNvSpPr>
+          <p:nvPr>
+            <p:ph type="sldNum" sz="quarter" idx="10"/>
+          </p:nvPr>
+        </p:nvSpPr>
+        <p:spPr/>
+        <p:txBody>
+          <a:bodyPr/>
+          <a:lstStyle/>
+          <a:p>
+            <a:fld id="{72322572-43F4-4B03-89EA-3E2E4F93C9D1}" type="slidenum">
+              <a:rPr lang="en-US" smtClean="0"/>
+              <a:t>28</a:t>
+            </a:fld>
+            <a:endParaRPr lang="en-US"/>
+          </a:p>
+        </p:txBody>
+      </p:sp>
+    </p:spTree>
+    <p:extLst>
+      <p:ext uri="{BB962C8B-B14F-4D97-AF65-F5344CB8AC3E}">
+        <p14:creationId xmlns:p14="http://schemas.microsoft.com/office/powerpoint/2010/main" val="489106304"/>
+      </p:ext>
+    </p:extLst>
+  </p:cSld>
+  <p:clrMapOvr>
+    <a:masterClrMapping/>
+  </p:clrMapOvr>
+</p:notes>
+</file>
+
+<file path=ppt/notesSlides/notesSlide27.xml><?xml version="1.0" encoding="utf-8"?>
+<p:notes xmlns:a="http://schemas.openxmlformats.org/drawingml/2006/main" xmlns:r="http://schemas.openxmlformats.org/officeDocument/2006/relationships" xmlns:p="http://schemas.openxmlformats.org/presentationml/2006/main">
+  <p:cSld>
+    <p:spTree>
+      <p:nvGrpSpPr>
+        <p:cNvPr id="1" name=""/>
+        <p:cNvGrpSpPr/>
+        <p:nvPr/>
+      </p:nvGrpSpPr>
+      <p:grpSpPr>
+        <a:xfrm>
+          <a:off x="0" y="0"/>
+          <a:ext cx="0" cy="0"/>
+          <a:chOff x="0" y="0"/>
+          <a:chExt cx="0" cy="0"/>
+        </a:xfrm>
+      </p:grpSpPr>
+      <p:sp>
+        <p:nvSpPr>
+          <p:cNvPr id="2" name="Образ слайда 1"/>
+          <p:cNvSpPr>
+            <a:spLocks noGrp="1" noRot="1" noChangeAspect="1"/>
+          </p:cNvSpPr>
+          <p:nvPr>
+            <p:ph type="sldImg"/>
+          </p:nvPr>
+        </p:nvSpPr>
+        <p:spPr/>
+      </p:sp>
+      <p:sp>
+        <p:nvSpPr>
+          <p:cNvPr id="3" name="Заметки 2"/>
+          <p:cNvSpPr>
+            <a:spLocks noGrp="1"/>
+          </p:cNvSpPr>
+          <p:nvPr>
+            <p:ph type="body" idx="1"/>
+          </p:nvPr>
+        </p:nvSpPr>
+        <p:spPr/>
+        <p:txBody>
+          <a:bodyPr/>
+          <a:lstStyle/>
+          <a:p>
+            <a:pPr marL="0" indent="0">
+              <a:buFont typeface="+mj-lt"/>
+              <a:buNone/>
+            </a:pPr>
+            <a:endParaRPr lang="en-US" dirty="0" smtClean="0"/>
+          </a:p>
+        </p:txBody>
+      </p:sp>
+      <p:sp>
+        <p:nvSpPr>
+          <p:cNvPr id="4" name="Номер слайда 3"/>
+          <p:cNvSpPr>
+            <a:spLocks noGrp="1"/>
+          </p:cNvSpPr>
+          <p:nvPr>
+            <p:ph type="sldNum" sz="quarter" idx="10"/>
+          </p:nvPr>
+        </p:nvSpPr>
+        <p:spPr/>
+        <p:txBody>
+          <a:bodyPr/>
+          <a:lstStyle/>
+          <a:p>
+            <a:fld id="{72322572-43F4-4B03-89EA-3E2E4F93C9D1}" type="slidenum">
+              <a:rPr lang="en-US" smtClean="0"/>
+              <a:t>29</a:t>
             </a:fld>
             <a:endParaRPr lang="en-US"/>
           </a:p>
@@ -3855,7 +4216,7 @@
           <a:p>
             <a:fld id="{6E0645D3-1BEA-4FA9-AB54-C0B0A8D021AD}" type="datetime3">
               <a:rPr lang="en-US" smtClean="0"/>
-              <a:t>8 October 2021</a:t>
+              <a:t>11 October 2021</a:t>
             </a:fld>
             <a:endParaRPr lang="en-US" dirty="0"/>
           </a:p>
@@ -4106,7 +4467,7 @@
           <a:p>
             <a:fld id="{40AD50CD-C363-44DD-AE5B-203C5D40B13B}" type="datetime3">
               <a:rPr lang="en-US" smtClean="0"/>
-              <a:t>8 October 2021</a:t>
+              <a:t>11 October 2021</a:t>
             </a:fld>
             <a:endParaRPr lang="en-US" dirty="0"/>
           </a:p>
@@ -4420,7 +4781,7 @@
           <a:p>
             <a:fld id="{E7409F44-56A9-4002-AEB5-86A43D19CA2F}" type="datetime3">
               <a:rPr lang="en-US" smtClean="0"/>
-              <a:t>8 October 2021</a:t>
+              <a:t>11 October 2021</a:t>
             </a:fld>
             <a:endParaRPr lang="en-US" dirty="0"/>
           </a:p>
@@ -4753,7 +5114,7 @@
           <a:p>
             <a:fld id="{FFD852B1-13FD-4F6A-80A3-877B1622CBE7}" type="datetime3">
               <a:rPr lang="en-US" smtClean="0"/>
-              <a:t>8 October 2021</a:t>
+              <a:t>11 October 2021</a:t>
             </a:fld>
             <a:endParaRPr lang="en-US" dirty="0"/>
           </a:p>
@@ -5067,7 +5428,7 @@
           <a:p>
             <a:fld id="{43C90565-36C7-4CB4-BE45-1F37694E5E2A}" type="datetime3">
               <a:rPr lang="en-US" smtClean="0"/>
-              <a:t>8 October 2021</a:t>
+              <a:t>11 October 2021</a:t>
             </a:fld>
             <a:endParaRPr lang="en-US" dirty="0"/>
           </a:p>
@@ -5460,7 +5821,7 @@
           <a:p>
             <a:fld id="{D8422CB0-85AD-4000-A60E-F3ADFE1EC577}" type="datetime3">
               <a:rPr lang="en-US" smtClean="0"/>
-              <a:t>8 October 2021</a:t>
+              <a:t>11 October 2021</a:t>
             </a:fld>
             <a:endParaRPr lang="en-US" dirty="0"/>
           </a:p>
@@ -5630,7 +5991,7 @@
           <a:p>
             <a:fld id="{CCF8BAE4-1F19-418E-A8BB-79A48576D4EA}" type="datetime3">
               <a:rPr lang="en-US" smtClean="0"/>
-              <a:t>8 October 2021</a:t>
+              <a:t>11 October 2021</a:t>
             </a:fld>
             <a:endParaRPr lang="en-US" dirty="0"/>
           </a:p>
@@ -5809,7 +6170,7 @@
           <a:p>
             <a:fld id="{6C6EA9DF-4A8F-413F-8F6A-5AF9146BD61F}" type="datetime3">
               <a:rPr lang="en-US" smtClean="0"/>
-              <a:t>8 October 2021</a:t>
+              <a:t>11 October 2021</a:t>
             </a:fld>
             <a:endParaRPr lang="en-US" dirty="0"/>
           </a:p>
@@ -5979,7 +6340,7 @@
           <a:p>
             <a:fld id="{939306D3-16AC-481B-963B-74A1D01AC013}" type="datetime3">
               <a:rPr lang="en-US" smtClean="0"/>
-              <a:t>8 October 2021</a:t>
+              <a:t>11 October 2021</a:t>
             </a:fld>
             <a:endParaRPr lang="en-US" dirty="0"/>
           </a:p>
@@ -6225,7 +6586,7 @@
           <a:p>
             <a:fld id="{53B23675-A097-482E-93D9-DCDB34B0BA89}" type="datetime3">
               <a:rPr lang="en-US" smtClean="0"/>
-              <a:t>8 October 2021</a:t>
+              <a:t>11 October 2021</a:t>
             </a:fld>
             <a:endParaRPr lang="en-US" dirty="0"/>
           </a:p>
@@ -6457,7 +6818,7 @@
           <a:p>
             <a:fld id="{A3FD861C-0A67-4424-8F42-13A5AB039027}" type="datetime3">
               <a:rPr lang="en-US" smtClean="0"/>
-              <a:t>8 October 2021</a:t>
+              <a:t>11 October 2021</a:t>
             </a:fld>
             <a:endParaRPr lang="en-US" dirty="0"/>
           </a:p>
@@ -6830,7 +7191,7 @@
           <a:p>
             <a:fld id="{F48DCAEC-E29B-4D93-9DB9-AB8D1FE2D702}" type="datetime3">
               <a:rPr lang="en-US" smtClean="0"/>
-              <a:t>8 October 2021</a:t>
+              <a:t>11 October 2021</a:t>
             </a:fld>
             <a:endParaRPr lang="en-US" dirty="0"/>
           </a:p>
@@ -6953,7 +7314,7 @@
           <a:p>
             <a:fld id="{4C5CA901-B02A-4F2D-AC74-8ADE57E73DF4}" type="datetime3">
               <a:rPr lang="en-US" smtClean="0"/>
-              <a:t>8 October 2021</a:t>
+              <a:t>11 October 2021</a:t>
             </a:fld>
             <a:endParaRPr lang="en-US" dirty="0"/>
           </a:p>
@@ -7048,7 +7409,7 @@
           <a:p>
             <a:fld id="{D3480550-6EF3-49B0-AB5E-50034F2FFB28}" type="datetime3">
               <a:rPr lang="en-US" smtClean="0"/>
-              <a:t>8 October 2021</a:t>
+              <a:t>11 October 2021</a:t>
             </a:fld>
             <a:endParaRPr lang="en-US" dirty="0"/>
           </a:p>
@@ -7303,7 +7664,7 @@
           <a:p>
             <a:fld id="{47BAD964-252D-4C66-9406-7BE94E3F181D}" type="datetime3">
               <a:rPr lang="en-US" smtClean="0"/>
-              <a:t>8 October 2021</a:t>
+              <a:t>11 October 2021</a:t>
             </a:fld>
             <a:endParaRPr lang="en-US" dirty="0"/>
           </a:p>
@@ -7612,7 +7973,7 @@
           <a:p>
             <a:fld id="{67FF22B2-7B0E-40DF-9E30-4862C672A073}" type="datetime3">
               <a:rPr lang="en-US" smtClean="0"/>
-              <a:t>8 October 2021</a:t>
+              <a:t>11 October 2021</a:t>
             </a:fld>
             <a:endParaRPr lang="en-US" dirty="0"/>
           </a:p>
@@ -8309,7 +8670,7 @@
           <a:p>
             <a:fld id="{3CFD582D-0E09-44AB-BB3E-4722821CEBEA}" type="datetime3">
               <a:rPr lang="en-US" smtClean="0"/>
-              <a:t>8 October 2021</a:t>
+              <a:t>11 October 2021</a:t>
             </a:fld>
             <a:endParaRPr lang="en-US" dirty="0"/>
           </a:p>
@@ -8938,7 +9299,7 @@
           <a:p>
             <a:fld id="{E3705B4D-1726-4BAB-A90E-07379DAEAD37}" type="datetime3">
               <a:rPr lang="en-US" sz="1100" smtClean="0"/>
-              <a:t>8 October 2021</a:t>
+              <a:t>11 October 2021</a:t>
             </a:fld>
             <a:endParaRPr lang="en-US" sz="1100" dirty="0"/>
           </a:p>
@@ -10207,7 +10568,7 @@
           <a:p>
             <a:fld id="{939306D3-16AC-481B-963B-74A1D01AC013}" type="datetime3">
               <a:rPr lang="en-US" sz="1100" smtClean="0"/>
-              <a:t>8 October 2021</a:t>
+              <a:t>11 October 2021</a:t>
             </a:fld>
             <a:endParaRPr lang="en-US" sz="1100" dirty="0"/>
           </a:p>
@@ -10799,7 +11160,7 @@
           <a:p>
             <a:fld id="{939306D3-16AC-481B-963B-74A1D01AC013}" type="datetime3">
               <a:rPr lang="en-US" sz="1100" smtClean="0"/>
-              <a:t>8 October 2021</a:t>
+              <a:t>11 October 2021</a:t>
             </a:fld>
             <a:endParaRPr lang="en-US" sz="1100" dirty="0"/>
           </a:p>
@@ -12067,7 +12428,7 @@
           <a:p>
             <a:fld id="{E3705B4D-1726-4BAB-A90E-07379DAEAD37}" type="datetime3">
               <a:rPr lang="en-US" sz="1100" smtClean="0"/>
-              <a:t>8 October 2021</a:t>
+              <a:t>11 October 2021</a:t>
             </a:fld>
             <a:endParaRPr lang="en-US" sz="1100" dirty="0"/>
           </a:p>
@@ -12776,7 +13137,7 @@
           <a:p>
             <a:fld id="{939306D3-16AC-481B-963B-74A1D01AC013}" type="datetime3">
               <a:rPr lang="en-US" sz="1100" smtClean="0"/>
-              <a:t>8 October 2021</a:t>
+              <a:t>11 October 2021</a:t>
             </a:fld>
             <a:endParaRPr lang="en-US" sz="1100" dirty="0"/>
           </a:p>
@@ -13398,7 +13759,7 @@
           <a:p>
             <a:fld id="{E3705B4D-1726-4BAB-A90E-07379DAEAD37}" type="datetime3">
               <a:rPr lang="en-US" sz="1100" smtClean="0"/>
-              <a:t>8 October 2021</a:t>
+              <a:t>11 October 2021</a:t>
             </a:fld>
             <a:endParaRPr lang="en-US" sz="1100" dirty="0"/>
           </a:p>
@@ -13689,7 +14050,7 @@
           <a:p>
             <a:fld id="{939306D3-16AC-481B-963B-74A1D01AC013}" type="datetime3">
               <a:rPr lang="en-US" sz="1100" smtClean="0"/>
-              <a:t>8 October 2021</a:t>
+              <a:t>11 October 2021</a:t>
             </a:fld>
             <a:endParaRPr lang="en-US" sz="1100" dirty="0"/>
           </a:p>
@@ -14898,7 +15259,7 @@
           <a:p>
             <a:fld id="{939306D3-16AC-481B-963B-74A1D01AC013}" type="datetime3">
               <a:rPr lang="en-US" sz="1100" smtClean="0"/>
-              <a:t>8 October 2021</a:t>
+              <a:t>11 October 2021</a:t>
             </a:fld>
             <a:endParaRPr lang="en-US" sz="1100" dirty="0"/>
           </a:p>
@@ -15865,7 +16226,7 @@
           <a:p>
             <a:fld id="{E3705B4D-1726-4BAB-A90E-07379DAEAD37}" type="datetime3">
               <a:rPr lang="en-US" sz="1100" smtClean="0"/>
-              <a:t>8 October 2021</a:t>
+              <a:t>11 October 2021</a:t>
             </a:fld>
             <a:endParaRPr lang="en-US" sz="1100" dirty="0"/>
           </a:p>
@@ -16152,7 +16513,7 @@
           <a:p>
             <a:fld id="{939306D3-16AC-481B-963B-74A1D01AC013}" type="datetime3">
               <a:rPr lang="en-US" sz="1100" smtClean="0"/>
-              <a:t>8 October 2021</a:t>
+              <a:t>11 October 2021</a:t>
             </a:fld>
             <a:endParaRPr lang="en-US" sz="1100" dirty="0"/>
           </a:p>
@@ -17211,7 +17572,7 @@
           <a:p>
             <a:fld id="{E3705B4D-1726-4BAB-A90E-07379DAEAD37}" type="datetime3">
               <a:rPr lang="en-US" sz="1100" smtClean="0"/>
-              <a:t>8 October 2021</a:t>
+              <a:t>11 October 2021</a:t>
             </a:fld>
             <a:endParaRPr lang="en-US" sz="1100" dirty="0"/>
           </a:p>
@@ -17475,7 +17836,7 @@
           <a:p>
             <a:fld id="{939306D3-16AC-481B-963B-74A1D01AC013}" type="datetime3">
               <a:rPr lang="en-US" sz="1100" smtClean="0"/>
-              <a:t>8 October 2021</a:t>
+              <a:t>11 October 2021</a:t>
             </a:fld>
             <a:endParaRPr lang="en-US" sz="1100" dirty="0"/>
           </a:p>
@@ -18999,7 +19360,7 @@
           <a:p>
             <a:fld id="{939306D3-16AC-481B-963B-74A1D01AC013}" type="datetime3">
               <a:rPr lang="en-US" sz="1100" smtClean="0"/>
-              <a:t>8 October 2021</a:t>
+              <a:t>11 October 2021</a:t>
             </a:fld>
             <a:endParaRPr lang="en-US" sz="1100" dirty="0"/>
           </a:p>
@@ -20058,7 +20419,7 @@
           <a:p>
             <a:fld id="{E3705B4D-1726-4BAB-A90E-07379DAEAD37}" type="datetime3">
               <a:rPr lang="en-US" sz="1100" smtClean="0"/>
-              <a:t>8 October 2021</a:t>
+              <a:t>11 October 2021</a:t>
             </a:fld>
             <a:endParaRPr lang="en-US" sz="1100" dirty="0"/>
           </a:p>
@@ -20349,7 +20710,7 @@
           <a:p>
             <a:fld id="{939306D3-16AC-481B-963B-74A1D01AC013}" type="datetime3">
               <a:rPr lang="en-US" sz="1100" smtClean="0"/>
-              <a:t>8 October 2021</a:t>
+              <a:t>11 October 2021</a:t>
             </a:fld>
             <a:endParaRPr lang="en-US" sz="1100" dirty="0"/>
           </a:p>
@@ -22106,7 +22467,7 @@
           <a:p>
             <a:fld id="{939306D3-16AC-481B-963B-74A1D01AC013}" type="datetime3">
               <a:rPr lang="en-US" sz="1100" smtClean="0"/>
-              <a:t>8 October 2021</a:t>
+              <a:t>11 October 2021</a:t>
             </a:fld>
             <a:endParaRPr lang="en-US" sz="1100" dirty="0"/>
           </a:p>
@@ -24018,46 +24379,6 @@
       </p:grpSpPr>
       <p:sp>
         <p:nvSpPr>
-          <p:cNvPr id="2" name="Заголовок 1"/>
-          <p:cNvSpPr>
-            <a:spLocks noGrp="1"/>
-          </p:cNvSpPr>
-          <p:nvPr>
-            <p:ph type="title"/>
-          </p:nvPr>
-        </p:nvSpPr>
-        <p:spPr/>
-        <p:txBody>
-          <a:bodyPr/>
-          <a:lstStyle/>
-          <a:p>
-            <a:r>
-              <a:rPr lang="en-US" dirty="0"/>
-              <a:t>C# </a:t>
-            </a:r>
-            <a:r>
-              <a:rPr lang="en-US" dirty="0" smtClean="0"/>
-              <a:t>basics</a:t>
-            </a:r>
-            <a:br>
-              <a:rPr lang="en-US" dirty="0" smtClean="0"/>
-            </a:br>
-            <a:r>
-              <a:rPr lang="en-US" sz="2400" dirty="0" smtClean="0">
-                <a:solidFill>
-                  <a:prstClr val="white">
-                    <a:lumMod val="50000"/>
-                  </a:prstClr>
-                </a:solidFill>
-              </a:rPr>
-              <a:t>Useful links</a:t>
-            </a:r>
-            <a:endParaRPr lang="en-US" dirty="0"/>
-          </a:p>
-        </p:txBody>
-      </p:sp>
-      <p:sp>
-        <p:nvSpPr>
           <p:cNvPr id="4" name="Дата 3"/>
           <p:cNvSpPr>
             <a:spLocks noGrp="1"/>
@@ -24068,17 +24389,17 @@
         </p:nvSpPr>
         <p:spPr>
           <a:xfrm>
-            <a:off x="6598153" y="6041362"/>
-            <a:ext cx="1518920" cy="365125"/>
+            <a:off x="6518189" y="6041362"/>
+            <a:ext cx="1598883" cy="365125"/>
           </a:xfrm>
         </p:spPr>
         <p:txBody>
           <a:bodyPr/>
           <a:lstStyle/>
           <a:p>
-            <a:fld id="{939306D3-16AC-481B-963B-74A1D01AC013}" type="datetime3">
+            <a:fld id="{E3705B4D-1726-4BAB-A90E-07379DAEAD37}" type="datetime3">
               <a:rPr lang="en-US" sz="1100" smtClean="0"/>
-              <a:t>8 October 2021</a:t>
+              <a:t>11 October 2021</a:t>
             </a:fld>
             <a:endParaRPr lang="en-US" sz="1100" dirty="0"/>
           </a:p>
@@ -24142,140 +24463,154 @@
       </p:sp>
       <p:sp>
         <p:nvSpPr>
-          <p:cNvPr id="7" name="TextBox 6"/>
-          <p:cNvSpPr txBox="1"/>
-          <p:nvPr/>
+          <p:cNvPr id="8" name="Заголовок 7"/>
+          <p:cNvSpPr>
+            <a:spLocks noGrp="1"/>
+          </p:cNvSpPr>
+          <p:nvPr>
+            <p:ph type="title"/>
+          </p:nvPr>
         </p:nvSpPr>
         <p:spPr>
           <a:xfrm>
-            <a:off x="711107" y="2596469"/>
-            <a:ext cx="7879556" cy="2185214"/>
+            <a:off x="0" y="0"/>
+            <a:ext cx="12192000" cy="6858000"/>
           </a:xfrm>
-          <a:prstGeom prst="rect">
-            <a:avLst/>
-          </a:prstGeom>
-          <a:noFill/>
+          <a:solidFill>
+            <a:schemeClr val="accent2">
+              <a:lumMod val="75000"/>
+            </a:schemeClr>
+          </a:solidFill>
         </p:spPr>
         <p:txBody>
-          <a:bodyPr wrap="square" rtlCol="0">
-            <a:spAutoFit/>
-          </a:bodyPr>
+          <a:bodyPr/>
           <a:lstStyle/>
           <a:p>
             <a:r>
-              <a:rPr lang="en-US" dirty="0" err="1" smtClean="0">
-                <a:latin typeface="Consolas" panose="020B0609020204030204" pitchFamily="49" charset="0"/>
-              </a:rPr>
-              <a:t>Svetlin</a:t>
-            </a:r>
-            <a:r>
-              <a:rPr lang="en-US" dirty="0" smtClean="0">
-                <a:latin typeface="Consolas" panose="020B0609020204030204" pitchFamily="49" charset="0"/>
-              </a:rPr>
-              <a:t> </a:t>
-            </a:r>
-            <a:r>
-              <a:rPr lang="en-US" dirty="0" err="1" smtClean="0">
-                <a:latin typeface="Consolas" panose="020B0609020204030204" pitchFamily="49" charset="0"/>
-              </a:rPr>
-              <a:t>Nakov</a:t>
-            </a:r>
-            <a:r>
-              <a:rPr lang="en-US" dirty="0" smtClean="0">
-                <a:latin typeface="Consolas" panose="020B0609020204030204" pitchFamily="49" charset="0"/>
-              </a:rPr>
-              <a:t> and Team</a:t>
-            </a:r>
-          </a:p>
-          <a:p>
-            <a:r>
-              <a:rPr lang="en-US" dirty="0" smtClean="0">
-                <a:latin typeface="Consolas" panose="020B0609020204030204" pitchFamily="49" charset="0"/>
-              </a:rPr>
-              <a:t>“Fundamentals of Computer Programming with C#”</a:t>
-            </a:r>
-          </a:p>
-          <a:p>
-            <a:endParaRPr lang="en-US" dirty="0">
-              <a:solidFill>
-                <a:srgbClr val="33CCCC"/>
-              </a:solidFill>
-              <a:latin typeface="Consolas" panose="020B0609020204030204" pitchFamily="49" charset="0"/>
-            </a:endParaRPr>
-          </a:p>
-          <a:p>
+              <a:rPr lang="en-US" dirty="0" smtClean="0"/>
+              <a:t/>
+            </a:r>
+            <a:br>
+              <a:rPr lang="en-US" dirty="0" smtClean="0"/>
+            </a:br>
+            <a:r>
+              <a:rPr lang="en-US" dirty="0"/>
+              <a:t/>
+            </a:r>
+            <a:br>
+              <a:rPr lang="en-US" dirty="0"/>
+            </a:br>
+            <a:r>
+              <a:rPr lang="en-US" dirty="0" smtClean="0"/>
+              <a:t/>
+            </a:r>
+            <a:br>
+              <a:rPr lang="en-US" dirty="0" smtClean="0"/>
+            </a:br>
+            <a:r>
+              <a:rPr lang="en-US" dirty="0"/>
+              <a:t/>
+            </a:r>
+            <a:br>
+              <a:rPr lang="en-US" dirty="0"/>
+            </a:br>
+            <a:r>
+              <a:rPr lang="en-US" dirty="0" smtClean="0"/>
+              <a:t/>
+            </a:r>
+            <a:br>
+              <a:rPr lang="en-US" dirty="0" smtClean="0"/>
+            </a:br>
+            <a:r>
+              <a:rPr lang="en-US" dirty="0"/>
+              <a:t/>
+            </a:r>
+            <a:br>
+              <a:rPr lang="en-US" dirty="0"/>
+            </a:br>
+            <a:r>
+              <a:rPr lang="en-US" dirty="0" smtClean="0"/>
+              <a:t/>
+            </a:r>
+            <a:br>
+              <a:rPr lang="en-US" dirty="0" smtClean="0"/>
+            </a:br>
+            <a:r>
+              <a:rPr lang="en-US" dirty="0"/>
+              <a:t/>
+            </a:r>
+            <a:br>
+              <a:rPr lang="en-US" dirty="0"/>
+            </a:br>
+            <a:r>
+              <a:rPr lang="en-US" dirty="0" smtClean="0"/>
+              <a:t>		</a:t>
+            </a:r>
+            <a:r>
+              <a:rPr lang="en-US" sz="6600" dirty="0" smtClean="0">
+                <a:solidFill>
+                  <a:schemeClr val="bg1"/>
+                </a:solidFill>
+              </a:rPr>
+              <a:t>C# basics</a:t>
+            </a:r>
+            <a:br>
+              <a:rPr lang="en-US" sz="6600" dirty="0" smtClean="0">
+                <a:solidFill>
+                  <a:schemeClr val="bg1"/>
+                </a:solidFill>
+              </a:rPr>
+            </a:br>
             <a:r>
               <a:rPr lang="en-US" dirty="0">
                 <a:solidFill>
-                  <a:srgbClr val="33CCCC"/>
+                  <a:schemeClr val="bg1"/>
                 </a:solidFill>
-                <a:latin typeface="Consolas" panose="020B0609020204030204" pitchFamily="49" charset="0"/>
-                <a:hlinkClick r:id="rId3"/>
-              </a:rPr>
-              <a:t>https://</a:t>
+              </a:rPr>
+              <a:t>	</a:t>
             </a:r>
             <a:r>
               <a:rPr lang="en-US" dirty="0" smtClean="0">
                 <a:solidFill>
-                  <a:srgbClr val="33CCCC"/>
+                  <a:schemeClr val="bg1"/>
                 </a:solidFill>
-                <a:latin typeface="Consolas" panose="020B0609020204030204" pitchFamily="49" charset="0"/>
-                <a:hlinkClick r:id="rId3"/>
-              </a:rPr>
-              <a:t>introprogramming.info/english-intro-csharp-book</a:t>
-            </a:r>
-            <a:endParaRPr lang="en-US" dirty="0" smtClean="0">
-              <a:solidFill>
-                <a:srgbClr val="33CCCC"/>
-              </a:solidFill>
-              <a:latin typeface="Consolas" panose="020B0609020204030204" pitchFamily="49" charset="0"/>
-            </a:endParaRPr>
-          </a:p>
-          <a:p>
-            <a:endParaRPr lang="en-US" sz="1600" dirty="0" smtClean="0">
-              <a:solidFill>
-                <a:srgbClr val="33CCCC"/>
-              </a:solidFill>
-              <a:latin typeface="Consolas" panose="020B0609020204030204" pitchFamily="49" charset="0"/>
-            </a:endParaRPr>
-          </a:p>
-          <a:p>
-            <a:r>
-              <a:rPr lang="en-US" sz="1600" dirty="0" err="1" smtClean="0">
-                <a:latin typeface="Consolas" panose="020B0609020204030204" pitchFamily="49" charset="0"/>
-              </a:rPr>
-              <a:t>Metanit</a:t>
-            </a:r>
-            <a:r>
-              <a:rPr lang="en-US" sz="1600" dirty="0" smtClean="0">
-                <a:latin typeface="Consolas" panose="020B0609020204030204" pitchFamily="49" charset="0"/>
-              </a:rPr>
-              <a:t> site</a:t>
-            </a:r>
-          </a:p>
-          <a:p>
-            <a:endParaRPr lang="en-US" sz="1600" dirty="0" smtClean="0">
-              <a:latin typeface="Consolas" panose="020B0609020204030204" pitchFamily="49" charset="0"/>
-            </a:endParaRPr>
-          </a:p>
-          <a:p>
-            <a:r>
-              <a:rPr lang="en-US" sz="1600" dirty="0" smtClean="0">
-                <a:latin typeface="Consolas" panose="020B0609020204030204" pitchFamily="49" charset="0"/>
-                <a:hlinkClick r:id="rId4"/>
-              </a:rPr>
-              <a:t>https://metanit.com/sharp/tutorial/</a:t>
-            </a:r>
-            <a:endParaRPr lang="en-US" sz="1600" dirty="0" smtClean="0">
-              <a:latin typeface="Consolas" panose="020B0609020204030204" pitchFamily="49" charset="0"/>
-            </a:endParaRPr>
+              </a:rPr>
+              <a:t>	</a:t>
+            </a:r>
+            <a:r>
+              <a:rPr lang="en-US" dirty="0" err="1" smtClean="0">
+                <a:solidFill>
+                  <a:schemeClr val="bg1"/>
+                </a:solidFill>
+              </a:rPr>
+              <a:t>Enums</a:t>
+            </a:r>
+            <a:r>
+              <a:rPr lang="en-US" dirty="0" smtClean="0">
+                <a:solidFill>
+                  <a:schemeClr val="bg1"/>
+                </a:solidFill>
+              </a:rPr>
+              <a:t> and Strings</a:t>
+            </a:r>
+            <a:r>
+              <a:rPr lang="en-US" dirty="0" smtClean="0"/>
+              <a:t/>
+            </a:r>
+            <a:br>
+              <a:rPr lang="en-US" dirty="0" smtClean="0"/>
+            </a:br>
+            <a:r>
+              <a:rPr lang="en-US" dirty="0"/>
+              <a:t>	</a:t>
+            </a:r>
           </a:p>
         </p:txBody>
       </p:sp>
     </p:spTree>
     <p:extLst>
       <p:ext uri="{BB962C8B-B14F-4D97-AF65-F5344CB8AC3E}">
-        <p14:creationId xmlns:p14="http://schemas.microsoft.com/office/powerpoint/2010/main" val="3126519434"/>
+        <p14:creationId xmlns:p14="http://schemas.microsoft.com/office/powerpoint/2010/main" val="2169443835"/>
       </p:ext>
     </p:extLst>
   </p:cSld>
@@ -24311,6 +24646,4387 @@
       </p:grpSpPr>
       <p:sp>
         <p:nvSpPr>
+          <p:cNvPr id="2" name="Заголовок 1"/>
+          <p:cNvSpPr>
+            <a:spLocks noGrp="1"/>
+          </p:cNvSpPr>
+          <p:nvPr>
+            <p:ph type="title"/>
+          </p:nvPr>
+        </p:nvSpPr>
+        <p:spPr/>
+        <p:txBody>
+          <a:bodyPr/>
+          <a:lstStyle/>
+          <a:p>
+            <a:r>
+              <a:rPr lang="en-US" dirty="0"/>
+              <a:t>C# </a:t>
+            </a:r>
+            <a:r>
+              <a:rPr lang="en-US" dirty="0" smtClean="0"/>
+              <a:t>basics</a:t>
+            </a:r>
+            <a:br>
+              <a:rPr lang="en-US" dirty="0" smtClean="0"/>
+            </a:br>
+            <a:r>
+              <a:rPr lang="en-US" sz="2400" dirty="0" err="1" smtClean="0">
+                <a:solidFill>
+                  <a:prstClr val="white">
+                    <a:lumMod val="50000"/>
+                  </a:prstClr>
+                </a:solidFill>
+              </a:rPr>
+              <a:t>Enums</a:t>
+            </a:r>
+            <a:endParaRPr lang="en-US" dirty="0"/>
+          </a:p>
+        </p:txBody>
+      </p:sp>
+      <p:sp>
+        <p:nvSpPr>
+          <p:cNvPr id="4" name="Дата 3"/>
+          <p:cNvSpPr>
+            <a:spLocks noGrp="1"/>
+          </p:cNvSpPr>
+          <p:nvPr>
+            <p:ph type="dt" sz="half" idx="10"/>
+          </p:nvPr>
+        </p:nvSpPr>
+        <p:spPr>
+          <a:xfrm>
+            <a:off x="6598153" y="6041362"/>
+            <a:ext cx="1518920" cy="365125"/>
+          </a:xfrm>
+        </p:spPr>
+        <p:txBody>
+          <a:bodyPr/>
+          <a:lstStyle/>
+          <a:p>
+            <a:fld id="{939306D3-16AC-481B-963B-74A1D01AC013}" type="datetime3">
+              <a:rPr lang="en-US" sz="1100" smtClean="0"/>
+              <a:t>11 October 2021</a:t>
+            </a:fld>
+            <a:endParaRPr lang="en-US" sz="1100" dirty="0"/>
+          </a:p>
+        </p:txBody>
+      </p:sp>
+      <p:sp>
+        <p:nvSpPr>
+          <p:cNvPr id="5" name="Нижний колонтитул 4"/>
+          <p:cNvSpPr>
+            <a:spLocks noGrp="1"/>
+          </p:cNvSpPr>
+          <p:nvPr>
+            <p:ph type="ftr" sz="quarter" idx="11"/>
+          </p:nvPr>
+        </p:nvSpPr>
+        <p:spPr/>
+        <p:txBody>
+          <a:bodyPr/>
+          <a:lstStyle/>
+          <a:p>
+            <a:r>
+              <a:rPr lang="en-US" sz="1100" dirty="0" smtClean="0"/>
+              <a:t>Automated framework with C#</a:t>
+            </a:r>
+          </a:p>
+          <a:p>
+            <a:r>
+              <a:rPr lang="en-US" sz="1100" dirty="0"/>
+              <a:t>Yury </a:t>
+            </a:r>
+            <a:r>
+              <a:rPr lang="en-US" sz="1100" dirty="0" smtClean="0"/>
+              <a:t>Alifanov</a:t>
+            </a:r>
+            <a:endParaRPr lang="en-US" sz="1100" dirty="0"/>
+          </a:p>
+        </p:txBody>
+      </p:sp>
+      <p:sp>
+        <p:nvSpPr>
+          <p:cNvPr id="6" name="Номер слайда 5"/>
+          <p:cNvSpPr>
+            <a:spLocks noGrp="1"/>
+          </p:cNvSpPr>
+          <p:nvPr>
+            <p:ph type="sldNum" sz="quarter" idx="12"/>
+          </p:nvPr>
+        </p:nvSpPr>
+        <p:spPr/>
+        <p:txBody>
+          <a:bodyPr/>
+          <a:lstStyle/>
+          <a:p>
+            <a:fld id="{519954A3-9DFD-4C44-94BA-B95130A3BA1C}" type="slidenum">
+              <a:rPr lang="en-US" sz="1100" smtClean="0"/>
+              <a:t>26</a:t>
+            </a:fld>
+            <a:endParaRPr lang="en-US" sz="1100" dirty="0"/>
+          </a:p>
+        </p:txBody>
+      </p:sp>
+      <p:sp>
+        <p:nvSpPr>
+          <p:cNvPr id="3" name="Объект 2"/>
+          <p:cNvSpPr>
+            <a:spLocks noGrp="1"/>
+          </p:cNvSpPr>
+          <p:nvPr>
+            <p:ph idx="1"/>
+          </p:nvPr>
+        </p:nvSpPr>
+        <p:spPr>
+          <a:xfrm>
+            <a:off x="677334" y="1641816"/>
+            <a:ext cx="10352616" cy="4263813"/>
+          </a:xfrm>
+        </p:spPr>
+        <p:txBody>
+          <a:bodyPr>
+            <a:normAutofit/>
+          </a:bodyPr>
+          <a:lstStyle/>
+          <a:p>
+            <a:pPr marL="0" indent="0">
+              <a:buNone/>
+            </a:pPr>
+            <a:endParaRPr lang="en-US" dirty="0" smtClean="0"/>
+          </a:p>
+          <a:p>
+            <a:pPr marL="0" indent="0">
+              <a:buNone/>
+            </a:pPr>
+            <a:r>
+              <a:rPr lang="en-US" dirty="0"/>
+              <a:t>	</a:t>
+            </a:r>
+          </a:p>
+          <a:p>
+            <a:pPr marL="0" indent="0">
+              <a:buNone/>
+            </a:pPr>
+            <a:endParaRPr lang="en-US" sz="1600" dirty="0" smtClean="0">
+              <a:latin typeface="Consolas" panose="020B0609020204030204" pitchFamily="49" charset="0"/>
+            </a:endParaRPr>
+          </a:p>
+          <a:p>
+            <a:pPr marL="0" indent="0">
+              <a:buNone/>
+            </a:pPr>
+            <a:endParaRPr lang="en-US" sz="1600" dirty="0">
+              <a:latin typeface="Consolas" panose="020B0609020204030204" pitchFamily="49" charset="0"/>
+            </a:endParaRPr>
+          </a:p>
+          <a:p>
+            <a:pPr marL="0" indent="0">
+              <a:buNone/>
+            </a:pPr>
+            <a:endParaRPr lang="en-US" sz="1600" dirty="0" smtClean="0">
+              <a:latin typeface="Consolas" panose="020B0609020204030204" pitchFamily="49" charset="0"/>
+            </a:endParaRPr>
+          </a:p>
+          <a:p>
+            <a:pPr marL="0" indent="0">
+              <a:buNone/>
+            </a:pPr>
+            <a:endParaRPr lang="en-US" sz="1600" dirty="0">
+              <a:latin typeface="Consolas" panose="020B0609020204030204" pitchFamily="49" charset="0"/>
+            </a:endParaRPr>
+          </a:p>
+          <a:p>
+            <a:pPr marL="0" indent="0">
+              <a:buNone/>
+            </a:pPr>
+            <a:endParaRPr lang="en-US" sz="1600" dirty="0" smtClean="0">
+              <a:latin typeface="Consolas" panose="020B0609020204030204" pitchFamily="49" charset="0"/>
+            </a:endParaRPr>
+          </a:p>
+          <a:p>
+            <a:pPr marL="0" indent="0">
+              <a:buNone/>
+            </a:pPr>
+            <a:endParaRPr lang="en-US" sz="1600" dirty="0">
+              <a:latin typeface="Consolas" panose="020B0609020204030204" pitchFamily="49" charset="0"/>
+            </a:endParaRPr>
+          </a:p>
+          <a:p>
+            <a:pPr marL="0" indent="0">
+              <a:buNone/>
+            </a:pPr>
+            <a:r>
+              <a:rPr lang="en-US" sz="1600" dirty="0" smtClean="0">
+                <a:solidFill>
+                  <a:srgbClr val="AAAE02"/>
+                </a:solidFill>
+                <a:latin typeface="Consolas" panose="020B0609020204030204" pitchFamily="49" charset="0"/>
+              </a:rPr>
+              <a:t>Directions</a:t>
+            </a:r>
+            <a:r>
+              <a:rPr lang="en-US" sz="1600" dirty="0" smtClean="0">
+                <a:latin typeface="Consolas" panose="020B0609020204030204" pitchFamily="49" charset="0"/>
+              </a:rPr>
+              <a:t> direction = </a:t>
+            </a:r>
+            <a:r>
+              <a:rPr lang="en-US" sz="1600" dirty="0" err="1" smtClean="0">
+                <a:solidFill>
+                  <a:srgbClr val="AAAE02"/>
+                </a:solidFill>
+                <a:latin typeface="Consolas" panose="020B0609020204030204" pitchFamily="49" charset="0"/>
+              </a:rPr>
+              <a:t>Directions</a:t>
+            </a:r>
+            <a:r>
+              <a:rPr lang="en-US" sz="1600" dirty="0" err="1" smtClean="0">
+                <a:latin typeface="Consolas" panose="020B0609020204030204" pitchFamily="49" charset="0"/>
+              </a:rPr>
+              <a:t>.South</a:t>
+            </a:r>
+            <a:r>
+              <a:rPr lang="en-US" sz="1600" dirty="0" smtClean="0">
+                <a:latin typeface="Consolas" panose="020B0609020204030204" pitchFamily="49" charset="0"/>
+              </a:rPr>
+              <a:t>;</a:t>
+            </a:r>
+          </a:p>
+        </p:txBody>
+      </p:sp>
+      <p:sp>
+        <p:nvSpPr>
+          <p:cNvPr id="7" name="TextBox 6"/>
+          <p:cNvSpPr txBox="1"/>
+          <p:nvPr/>
+        </p:nvSpPr>
+        <p:spPr>
+          <a:xfrm>
+            <a:off x="677334" y="2221707"/>
+            <a:ext cx="2235994" cy="2031325"/>
+          </a:xfrm>
+          <a:prstGeom prst="rect">
+            <a:avLst/>
+          </a:prstGeom>
+          <a:noFill/>
+        </p:spPr>
+        <p:txBody>
+          <a:bodyPr wrap="square" rtlCol="0">
+            <a:spAutoFit/>
+          </a:bodyPr>
+          <a:lstStyle/>
+          <a:p>
+            <a:r>
+              <a:rPr lang="en-US" dirty="0" err="1">
+                <a:solidFill>
+                  <a:schemeClr val="accent2"/>
+                </a:solidFill>
+                <a:latin typeface="Consolas" panose="020B0609020204030204" pitchFamily="49" charset="0"/>
+              </a:rPr>
+              <a:t>enum</a:t>
+            </a:r>
+            <a:r>
+              <a:rPr lang="en-US" dirty="0">
+                <a:latin typeface="Consolas" panose="020B0609020204030204" pitchFamily="49" charset="0"/>
+              </a:rPr>
+              <a:t> </a:t>
+            </a:r>
+            <a:r>
+              <a:rPr lang="en-US" dirty="0">
+                <a:solidFill>
+                  <a:srgbClr val="AAAE02"/>
+                </a:solidFill>
+                <a:latin typeface="Consolas" panose="020B0609020204030204" pitchFamily="49" charset="0"/>
+              </a:rPr>
+              <a:t>Directions</a:t>
+            </a:r>
+          </a:p>
+          <a:p>
+            <a:r>
+              <a:rPr lang="en-US" dirty="0" smtClean="0">
+                <a:latin typeface="Consolas" panose="020B0609020204030204" pitchFamily="49" charset="0"/>
+              </a:rPr>
+              <a:t>{</a:t>
+            </a:r>
+            <a:endParaRPr lang="en-US" dirty="0">
+              <a:latin typeface="Consolas" panose="020B0609020204030204" pitchFamily="49" charset="0"/>
+            </a:endParaRPr>
+          </a:p>
+          <a:p>
+            <a:r>
+              <a:rPr lang="en-US" dirty="0">
+                <a:latin typeface="Consolas" panose="020B0609020204030204" pitchFamily="49" charset="0"/>
+              </a:rPr>
+              <a:t>	South</a:t>
+            </a:r>
+            <a:r>
+              <a:rPr lang="en-US" dirty="0" smtClean="0">
+                <a:latin typeface="Consolas" panose="020B0609020204030204" pitchFamily="49" charset="0"/>
+              </a:rPr>
+              <a:t>,	</a:t>
+            </a:r>
+            <a:r>
+              <a:rPr lang="en-US" dirty="0" smtClean="0">
+                <a:solidFill>
+                  <a:schemeClr val="accent5">
+                    <a:lumMod val="75000"/>
+                  </a:schemeClr>
+                </a:solidFill>
+                <a:latin typeface="Consolas" panose="020B0609020204030204" pitchFamily="49" charset="0"/>
+              </a:rPr>
+              <a:t>// 0</a:t>
+            </a:r>
+            <a:endParaRPr lang="en-US" dirty="0">
+              <a:solidFill>
+                <a:schemeClr val="accent5">
+                  <a:lumMod val="75000"/>
+                </a:schemeClr>
+              </a:solidFill>
+              <a:latin typeface="Consolas" panose="020B0609020204030204" pitchFamily="49" charset="0"/>
+            </a:endParaRPr>
+          </a:p>
+          <a:p>
+            <a:r>
+              <a:rPr lang="en-US" dirty="0">
+                <a:latin typeface="Consolas" panose="020B0609020204030204" pitchFamily="49" charset="0"/>
+              </a:rPr>
+              <a:t>	East</a:t>
+            </a:r>
+            <a:r>
+              <a:rPr lang="en-US" dirty="0" smtClean="0">
+                <a:latin typeface="Consolas" panose="020B0609020204030204" pitchFamily="49" charset="0"/>
+              </a:rPr>
+              <a:t>,	</a:t>
+            </a:r>
+            <a:r>
+              <a:rPr lang="en-US" dirty="0" smtClean="0">
+                <a:solidFill>
+                  <a:schemeClr val="accent5">
+                    <a:lumMod val="75000"/>
+                  </a:schemeClr>
+                </a:solidFill>
+                <a:latin typeface="Consolas" panose="020B0609020204030204" pitchFamily="49" charset="0"/>
+              </a:rPr>
+              <a:t>// 1</a:t>
+            </a:r>
+            <a:endParaRPr lang="en-US" dirty="0">
+              <a:solidFill>
+                <a:schemeClr val="accent5">
+                  <a:lumMod val="75000"/>
+                </a:schemeClr>
+              </a:solidFill>
+              <a:latin typeface="Consolas" panose="020B0609020204030204" pitchFamily="49" charset="0"/>
+            </a:endParaRPr>
+          </a:p>
+          <a:p>
+            <a:r>
+              <a:rPr lang="en-US" dirty="0">
+                <a:latin typeface="Consolas" panose="020B0609020204030204" pitchFamily="49" charset="0"/>
+              </a:rPr>
+              <a:t>	North</a:t>
+            </a:r>
+            <a:r>
+              <a:rPr lang="en-US" dirty="0" smtClean="0">
+                <a:latin typeface="Consolas" panose="020B0609020204030204" pitchFamily="49" charset="0"/>
+              </a:rPr>
+              <a:t>,	</a:t>
+            </a:r>
+            <a:r>
+              <a:rPr lang="en-US" dirty="0" smtClean="0">
+                <a:solidFill>
+                  <a:schemeClr val="accent5">
+                    <a:lumMod val="75000"/>
+                  </a:schemeClr>
+                </a:solidFill>
+                <a:latin typeface="Consolas" panose="020B0609020204030204" pitchFamily="49" charset="0"/>
+              </a:rPr>
+              <a:t>// 2</a:t>
+            </a:r>
+            <a:endParaRPr lang="en-US" dirty="0">
+              <a:latin typeface="Consolas" panose="020B0609020204030204" pitchFamily="49" charset="0"/>
+            </a:endParaRPr>
+          </a:p>
+          <a:p>
+            <a:r>
+              <a:rPr lang="en-US" dirty="0">
+                <a:latin typeface="Consolas" panose="020B0609020204030204" pitchFamily="49" charset="0"/>
+              </a:rPr>
+              <a:t>	</a:t>
+            </a:r>
+            <a:r>
+              <a:rPr lang="en-US" dirty="0" smtClean="0">
+                <a:latin typeface="Consolas" panose="020B0609020204030204" pitchFamily="49" charset="0"/>
+              </a:rPr>
+              <a:t>West	</a:t>
+            </a:r>
+            <a:r>
+              <a:rPr lang="en-US" dirty="0" smtClean="0">
+                <a:solidFill>
+                  <a:schemeClr val="accent5">
+                    <a:lumMod val="75000"/>
+                  </a:schemeClr>
+                </a:solidFill>
+                <a:latin typeface="Consolas" panose="020B0609020204030204" pitchFamily="49" charset="0"/>
+              </a:rPr>
+              <a:t>// 3</a:t>
+            </a:r>
+            <a:endParaRPr lang="en-US" dirty="0">
+              <a:latin typeface="Consolas" panose="020B0609020204030204" pitchFamily="49" charset="0"/>
+            </a:endParaRPr>
+          </a:p>
+          <a:p>
+            <a:r>
+              <a:rPr lang="en-US" dirty="0" smtClean="0">
+                <a:latin typeface="Consolas" panose="020B0609020204030204" pitchFamily="49" charset="0"/>
+              </a:rPr>
+              <a:t>}</a:t>
+            </a:r>
+            <a:endParaRPr lang="en-US" dirty="0">
+              <a:latin typeface="Consolas" panose="020B0609020204030204" pitchFamily="49" charset="0"/>
+            </a:endParaRPr>
+          </a:p>
+        </p:txBody>
+      </p:sp>
+      <p:sp>
+        <p:nvSpPr>
+          <p:cNvPr id="8" name="TextBox 7"/>
+          <p:cNvSpPr txBox="1"/>
+          <p:nvPr/>
+        </p:nvSpPr>
+        <p:spPr>
+          <a:xfrm>
+            <a:off x="2913328" y="2221707"/>
+            <a:ext cx="2687372" cy="2031325"/>
+          </a:xfrm>
+          <a:prstGeom prst="rect">
+            <a:avLst/>
+          </a:prstGeom>
+          <a:noFill/>
+        </p:spPr>
+        <p:txBody>
+          <a:bodyPr wrap="square" rtlCol="0">
+            <a:spAutoFit/>
+          </a:bodyPr>
+          <a:lstStyle/>
+          <a:p>
+            <a:r>
+              <a:rPr lang="en-US" dirty="0" err="1">
+                <a:solidFill>
+                  <a:schemeClr val="accent2"/>
+                </a:solidFill>
+                <a:latin typeface="Consolas" panose="020B0609020204030204" pitchFamily="49" charset="0"/>
+              </a:rPr>
+              <a:t>enum</a:t>
+            </a:r>
+            <a:r>
+              <a:rPr lang="en-US" dirty="0">
+                <a:latin typeface="Consolas" panose="020B0609020204030204" pitchFamily="49" charset="0"/>
+              </a:rPr>
+              <a:t> </a:t>
+            </a:r>
+            <a:r>
+              <a:rPr lang="en-US" dirty="0">
+                <a:solidFill>
+                  <a:srgbClr val="AAAE02"/>
+                </a:solidFill>
+                <a:latin typeface="Consolas" panose="020B0609020204030204" pitchFamily="49" charset="0"/>
+              </a:rPr>
+              <a:t>Directions</a:t>
+            </a:r>
+          </a:p>
+          <a:p>
+            <a:r>
+              <a:rPr lang="en-US" dirty="0" smtClean="0">
+                <a:latin typeface="Consolas" panose="020B0609020204030204" pitchFamily="49" charset="0"/>
+              </a:rPr>
+              <a:t>{</a:t>
+            </a:r>
+            <a:endParaRPr lang="en-US" dirty="0">
+              <a:latin typeface="Consolas" panose="020B0609020204030204" pitchFamily="49" charset="0"/>
+            </a:endParaRPr>
+          </a:p>
+          <a:p>
+            <a:r>
+              <a:rPr lang="en-US" dirty="0">
+                <a:latin typeface="Consolas" panose="020B0609020204030204" pitchFamily="49" charset="0"/>
+              </a:rPr>
+              <a:t>	</a:t>
+            </a:r>
+            <a:r>
+              <a:rPr lang="en-US" dirty="0" smtClean="0">
+                <a:latin typeface="Consolas" panose="020B0609020204030204" pitchFamily="49" charset="0"/>
+              </a:rPr>
+              <a:t>South = 2,	</a:t>
+            </a:r>
+            <a:r>
+              <a:rPr lang="en-US" dirty="0" smtClean="0">
+                <a:solidFill>
+                  <a:schemeClr val="accent5">
+                    <a:lumMod val="75000"/>
+                  </a:schemeClr>
+                </a:solidFill>
+                <a:latin typeface="Consolas" panose="020B0609020204030204" pitchFamily="49" charset="0"/>
+              </a:rPr>
+              <a:t>// 2</a:t>
+            </a:r>
+            <a:endParaRPr lang="en-US" dirty="0">
+              <a:solidFill>
+                <a:schemeClr val="accent5">
+                  <a:lumMod val="75000"/>
+                </a:schemeClr>
+              </a:solidFill>
+              <a:latin typeface="Consolas" panose="020B0609020204030204" pitchFamily="49" charset="0"/>
+            </a:endParaRPr>
+          </a:p>
+          <a:p>
+            <a:r>
+              <a:rPr lang="en-US" dirty="0">
+                <a:latin typeface="Consolas" panose="020B0609020204030204" pitchFamily="49" charset="0"/>
+              </a:rPr>
+              <a:t>	East</a:t>
+            </a:r>
+            <a:r>
+              <a:rPr lang="en-US" dirty="0" smtClean="0">
+                <a:latin typeface="Consolas" panose="020B0609020204030204" pitchFamily="49" charset="0"/>
+              </a:rPr>
+              <a:t>,		</a:t>
+            </a:r>
+            <a:r>
+              <a:rPr lang="en-US" dirty="0" smtClean="0">
+                <a:solidFill>
+                  <a:schemeClr val="accent5">
+                    <a:lumMod val="75000"/>
+                  </a:schemeClr>
+                </a:solidFill>
+                <a:latin typeface="Consolas" panose="020B0609020204030204" pitchFamily="49" charset="0"/>
+              </a:rPr>
+              <a:t>// 3</a:t>
+            </a:r>
+            <a:endParaRPr lang="en-US" dirty="0">
+              <a:solidFill>
+                <a:schemeClr val="accent5">
+                  <a:lumMod val="75000"/>
+                </a:schemeClr>
+              </a:solidFill>
+              <a:latin typeface="Consolas" panose="020B0609020204030204" pitchFamily="49" charset="0"/>
+            </a:endParaRPr>
+          </a:p>
+          <a:p>
+            <a:r>
+              <a:rPr lang="en-US" dirty="0">
+                <a:latin typeface="Consolas" panose="020B0609020204030204" pitchFamily="49" charset="0"/>
+              </a:rPr>
+              <a:t>	North</a:t>
+            </a:r>
+            <a:r>
+              <a:rPr lang="en-US" dirty="0" smtClean="0">
+                <a:latin typeface="Consolas" panose="020B0609020204030204" pitchFamily="49" charset="0"/>
+              </a:rPr>
+              <a:t>,		</a:t>
+            </a:r>
+            <a:r>
+              <a:rPr lang="en-US" dirty="0" smtClean="0">
+                <a:solidFill>
+                  <a:schemeClr val="accent5">
+                    <a:lumMod val="75000"/>
+                  </a:schemeClr>
+                </a:solidFill>
+                <a:latin typeface="Consolas" panose="020B0609020204030204" pitchFamily="49" charset="0"/>
+              </a:rPr>
+              <a:t>// 4</a:t>
+            </a:r>
+            <a:endParaRPr lang="en-US" dirty="0">
+              <a:latin typeface="Consolas" panose="020B0609020204030204" pitchFamily="49" charset="0"/>
+            </a:endParaRPr>
+          </a:p>
+          <a:p>
+            <a:r>
+              <a:rPr lang="en-US" dirty="0">
+                <a:latin typeface="Consolas" panose="020B0609020204030204" pitchFamily="49" charset="0"/>
+              </a:rPr>
+              <a:t>	</a:t>
+            </a:r>
+            <a:r>
+              <a:rPr lang="en-US" dirty="0" smtClean="0">
+                <a:latin typeface="Consolas" panose="020B0609020204030204" pitchFamily="49" charset="0"/>
+              </a:rPr>
+              <a:t>West		</a:t>
+            </a:r>
+            <a:r>
+              <a:rPr lang="en-US" dirty="0" smtClean="0">
+                <a:solidFill>
+                  <a:schemeClr val="accent5">
+                    <a:lumMod val="75000"/>
+                  </a:schemeClr>
+                </a:solidFill>
+                <a:latin typeface="Consolas" panose="020B0609020204030204" pitchFamily="49" charset="0"/>
+              </a:rPr>
+              <a:t>// 5</a:t>
+            </a:r>
+            <a:endParaRPr lang="en-US" dirty="0">
+              <a:latin typeface="Consolas" panose="020B0609020204030204" pitchFamily="49" charset="0"/>
+            </a:endParaRPr>
+          </a:p>
+          <a:p>
+            <a:r>
+              <a:rPr lang="en-US" dirty="0" smtClean="0">
+                <a:latin typeface="Consolas" panose="020B0609020204030204" pitchFamily="49" charset="0"/>
+              </a:rPr>
+              <a:t>}</a:t>
+            </a:r>
+            <a:endParaRPr lang="en-US" dirty="0">
+              <a:latin typeface="Consolas" panose="020B0609020204030204" pitchFamily="49" charset="0"/>
+            </a:endParaRPr>
+          </a:p>
+        </p:txBody>
+      </p:sp>
+      <p:sp>
+        <p:nvSpPr>
+          <p:cNvPr id="9" name="TextBox 8"/>
+          <p:cNvSpPr txBox="1"/>
+          <p:nvPr/>
+        </p:nvSpPr>
+        <p:spPr>
+          <a:xfrm>
+            <a:off x="5600700" y="2221706"/>
+            <a:ext cx="2687372" cy="2031325"/>
+          </a:xfrm>
+          <a:prstGeom prst="rect">
+            <a:avLst/>
+          </a:prstGeom>
+          <a:noFill/>
+        </p:spPr>
+        <p:txBody>
+          <a:bodyPr wrap="square" rtlCol="0">
+            <a:spAutoFit/>
+          </a:bodyPr>
+          <a:lstStyle/>
+          <a:p>
+            <a:r>
+              <a:rPr lang="en-US" dirty="0" err="1">
+                <a:solidFill>
+                  <a:schemeClr val="accent2"/>
+                </a:solidFill>
+                <a:latin typeface="Consolas" panose="020B0609020204030204" pitchFamily="49" charset="0"/>
+              </a:rPr>
+              <a:t>enum</a:t>
+            </a:r>
+            <a:r>
+              <a:rPr lang="en-US" dirty="0">
+                <a:latin typeface="Consolas" panose="020B0609020204030204" pitchFamily="49" charset="0"/>
+              </a:rPr>
+              <a:t> </a:t>
+            </a:r>
+            <a:r>
+              <a:rPr lang="en-US" dirty="0">
+                <a:solidFill>
+                  <a:srgbClr val="AAAE02"/>
+                </a:solidFill>
+                <a:latin typeface="Consolas" panose="020B0609020204030204" pitchFamily="49" charset="0"/>
+              </a:rPr>
+              <a:t>Directions</a:t>
+            </a:r>
+          </a:p>
+          <a:p>
+            <a:r>
+              <a:rPr lang="en-US" dirty="0" smtClean="0">
+                <a:latin typeface="Consolas" panose="020B0609020204030204" pitchFamily="49" charset="0"/>
+              </a:rPr>
+              <a:t>{</a:t>
+            </a:r>
+            <a:endParaRPr lang="en-US" dirty="0">
+              <a:latin typeface="Consolas" panose="020B0609020204030204" pitchFamily="49" charset="0"/>
+            </a:endParaRPr>
+          </a:p>
+          <a:p>
+            <a:r>
+              <a:rPr lang="en-US" dirty="0">
+                <a:latin typeface="Consolas" panose="020B0609020204030204" pitchFamily="49" charset="0"/>
+              </a:rPr>
+              <a:t>	</a:t>
+            </a:r>
+            <a:r>
+              <a:rPr lang="en-US" dirty="0" smtClean="0">
+                <a:latin typeface="Consolas" panose="020B0609020204030204" pitchFamily="49" charset="0"/>
+              </a:rPr>
+              <a:t>South = 2,	</a:t>
+            </a:r>
+            <a:r>
+              <a:rPr lang="en-US" dirty="0" smtClean="0">
+                <a:solidFill>
+                  <a:schemeClr val="accent5">
+                    <a:lumMod val="75000"/>
+                  </a:schemeClr>
+                </a:solidFill>
+                <a:latin typeface="Consolas" panose="020B0609020204030204" pitchFamily="49" charset="0"/>
+              </a:rPr>
+              <a:t>// 2</a:t>
+            </a:r>
+            <a:endParaRPr lang="en-US" dirty="0">
+              <a:solidFill>
+                <a:schemeClr val="accent5">
+                  <a:lumMod val="75000"/>
+                </a:schemeClr>
+              </a:solidFill>
+              <a:latin typeface="Consolas" panose="020B0609020204030204" pitchFamily="49" charset="0"/>
+            </a:endParaRPr>
+          </a:p>
+          <a:p>
+            <a:r>
+              <a:rPr lang="en-US" dirty="0">
+                <a:latin typeface="Consolas" panose="020B0609020204030204" pitchFamily="49" charset="0"/>
+              </a:rPr>
+              <a:t>	</a:t>
+            </a:r>
+            <a:r>
+              <a:rPr lang="en-US" dirty="0" smtClean="0">
+                <a:latin typeface="Consolas" panose="020B0609020204030204" pitchFamily="49" charset="0"/>
+              </a:rPr>
+              <a:t>East = 4,	</a:t>
+            </a:r>
+            <a:r>
+              <a:rPr lang="en-US" dirty="0" smtClean="0">
+                <a:solidFill>
+                  <a:schemeClr val="accent5">
+                    <a:lumMod val="75000"/>
+                  </a:schemeClr>
+                </a:solidFill>
+                <a:latin typeface="Consolas" panose="020B0609020204030204" pitchFamily="49" charset="0"/>
+              </a:rPr>
+              <a:t>// 4</a:t>
+            </a:r>
+            <a:endParaRPr lang="en-US" dirty="0">
+              <a:solidFill>
+                <a:schemeClr val="accent5">
+                  <a:lumMod val="75000"/>
+                </a:schemeClr>
+              </a:solidFill>
+              <a:latin typeface="Consolas" panose="020B0609020204030204" pitchFamily="49" charset="0"/>
+            </a:endParaRPr>
+          </a:p>
+          <a:p>
+            <a:r>
+              <a:rPr lang="en-US" dirty="0">
+                <a:latin typeface="Consolas" panose="020B0609020204030204" pitchFamily="49" charset="0"/>
+              </a:rPr>
+              <a:t>	</a:t>
+            </a:r>
+            <a:r>
+              <a:rPr lang="en-US" dirty="0" smtClean="0">
+                <a:latin typeface="Consolas" panose="020B0609020204030204" pitchFamily="49" charset="0"/>
+              </a:rPr>
+              <a:t>North = 5,	</a:t>
+            </a:r>
+            <a:r>
+              <a:rPr lang="en-US" dirty="0" smtClean="0">
+                <a:solidFill>
+                  <a:schemeClr val="accent5">
+                    <a:lumMod val="75000"/>
+                  </a:schemeClr>
+                </a:solidFill>
+                <a:latin typeface="Consolas" panose="020B0609020204030204" pitchFamily="49" charset="0"/>
+              </a:rPr>
+              <a:t>// 5</a:t>
+            </a:r>
+            <a:endParaRPr lang="en-US" dirty="0">
+              <a:latin typeface="Consolas" panose="020B0609020204030204" pitchFamily="49" charset="0"/>
+            </a:endParaRPr>
+          </a:p>
+          <a:p>
+            <a:r>
+              <a:rPr lang="en-US" dirty="0">
+                <a:latin typeface="Consolas" panose="020B0609020204030204" pitchFamily="49" charset="0"/>
+              </a:rPr>
+              <a:t>	</a:t>
+            </a:r>
+            <a:r>
+              <a:rPr lang="en-US" dirty="0" smtClean="0">
+                <a:latin typeface="Consolas" panose="020B0609020204030204" pitchFamily="49" charset="0"/>
+              </a:rPr>
+              <a:t>West = 7	</a:t>
+            </a:r>
+            <a:r>
+              <a:rPr lang="en-US" dirty="0" smtClean="0">
+                <a:solidFill>
+                  <a:schemeClr val="accent5">
+                    <a:lumMod val="75000"/>
+                  </a:schemeClr>
+                </a:solidFill>
+                <a:latin typeface="Consolas" panose="020B0609020204030204" pitchFamily="49" charset="0"/>
+              </a:rPr>
+              <a:t>// 7</a:t>
+            </a:r>
+            <a:endParaRPr lang="en-US" dirty="0">
+              <a:latin typeface="Consolas" panose="020B0609020204030204" pitchFamily="49" charset="0"/>
+            </a:endParaRPr>
+          </a:p>
+          <a:p>
+            <a:r>
+              <a:rPr lang="en-US" dirty="0" smtClean="0">
+                <a:latin typeface="Consolas" panose="020B0609020204030204" pitchFamily="49" charset="0"/>
+              </a:rPr>
+              <a:t>}</a:t>
+            </a:r>
+            <a:endParaRPr lang="en-US" dirty="0">
+              <a:latin typeface="Consolas" panose="020B0609020204030204" pitchFamily="49" charset="0"/>
+            </a:endParaRPr>
+          </a:p>
+        </p:txBody>
+      </p:sp>
+    </p:spTree>
+    <p:extLst>
+      <p:ext uri="{BB962C8B-B14F-4D97-AF65-F5344CB8AC3E}">
+        <p14:creationId xmlns:p14="http://schemas.microsoft.com/office/powerpoint/2010/main" val="3130513760"/>
+      </p:ext>
+    </p:extLst>
+  </p:cSld>
+  <p:clrMapOvr>
+    <a:masterClrMapping/>
+  </p:clrMapOvr>
+  <p:timing>
+    <p:tnLst>
+      <p:par>
+        <p:cTn id="1" dur="indefinite" restart="never" nodeType="tmRoot">
+          <p:childTnLst>
+            <p:seq concurrent="1" nextAc="seek">
+              <p:cTn id="2" dur="indefinite" nodeType="mainSeq">
+                <p:childTnLst>
+                  <p:par>
+                    <p:cTn id="3" fill="hold">
+                      <p:stCondLst>
+                        <p:cond delay="indefinite"/>
+                      </p:stCondLst>
+                      <p:childTnLst>
+                        <p:par>
+                          <p:cTn id="4" fill="hold">
+                            <p:stCondLst>
+                              <p:cond delay="0"/>
+                            </p:stCondLst>
+                            <p:childTnLst>
+                              <p:par>
+                                <p:cTn id="5" presetID="47" presetClass="entr" presetSubtype="0" fill="hold" grpId="0" nodeType="clickEffect">
+                                  <p:stCondLst>
+                                    <p:cond delay="0"/>
+                                  </p:stCondLst>
+                                  <p:childTnLst>
+                                    <p:set>
+                                      <p:cBhvr>
+                                        <p:cTn id="6" dur="1" fill="hold">
+                                          <p:stCondLst>
+                                            <p:cond delay="0"/>
+                                          </p:stCondLst>
+                                        </p:cTn>
+                                        <p:tgtEl>
+                                          <p:spTgt spid="7"/>
+                                        </p:tgtEl>
+                                        <p:attrNameLst>
+                                          <p:attrName>style.visibility</p:attrName>
+                                        </p:attrNameLst>
+                                      </p:cBhvr>
+                                      <p:to>
+                                        <p:strVal val="visible"/>
+                                      </p:to>
+                                    </p:set>
+                                    <p:animEffect transition="in" filter="fade">
+                                      <p:cBhvr>
+                                        <p:cTn id="7" dur="1000"/>
+                                        <p:tgtEl>
+                                          <p:spTgt spid="7"/>
+                                        </p:tgtEl>
+                                      </p:cBhvr>
+                                    </p:animEffect>
+                                    <p:anim calcmode="lin" valueType="num">
+                                      <p:cBhvr>
+                                        <p:cTn id="8" dur="1000" fill="hold"/>
+                                        <p:tgtEl>
+                                          <p:spTgt spid="7"/>
+                                        </p:tgtEl>
+                                        <p:attrNameLst>
+                                          <p:attrName>ppt_x</p:attrName>
+                                        </p:attrNameLst>
+                                      </p:cBhvr>
+                                      <p:tavLst>
+                                        <p:tav tm="0">
+                                          <p:val>
+                                            <p:strVal val="#ppt_x"/>
+                                          </p:val>
+                                        </p:tav>
+                                        <p:tav tm="100000">
+                                          <p:val>
+                                            <p:strVal val="#ppt_x"/>
+                                          </p:val>
+                                        </p:tav>
+                                      </p:tavLst>
+                                    </p:anim>
+                                    <p:anim calcmode="lin" valueType="num">
+                                      <p:cBhvr>
+                                        <p:cTn id="9" dur="1000" fill="hold"/>
+                                        <p:tgtEl>
+                                          <p:spTgt spid="7"/>
+                                        </p:tgtEl>
+                                        <p:attrNameLst>
+                                          <p:attrName>ppt_y</p:attrName>
+                                        </p:attrNameLst>
+                                      </p:cBhvr>
+                                      <p:tavLst>
+                                        <p:tav tm="0">
+                                          <p:val>
+                                            <p:strVal val="#ppt_y-.1"/>
+                                          </p:val>
+                                        </p:tav>
+                                        <p:tav tm="100000">
+                                          <p:val>
+                                            <p:strVal val="#ppt_y"/>
+                                          </p:val>
+                                        </p:tav>
+                                      </p:tavLst>
+                                    </p:anim>
+                                  </p:childTnLst>
+                                </p:cTn>
+                              </p:par>
+                            </p:childTnLst>
+                          </p:cTn>
+                        </p:par>
+                      </p:childTnLst>
+                    </p:cTn>
+                  </p:par>
+                  <p:par>
+                    <p:cTn id="10" fill="hold">
+                      <p:stCondLst>
+                        <p:cond delay="indefinite"/>
+                      </p:stCondLst>
+                      <p:childTnLst>
+                        <p:par>
+                          <p:cTn id="11" fill="hold">
+                            <p:stCondLst>
+                              <p:cond delay="0"/>
+                            </p:stCondLst>
+                            <p:childTnLst>
+                              <p:par>
+                                <p:cTn id="12" presetID="47" presetClass="entr" presetSubtype="0" fill="hold" grpId="0" nodeType="clickEffect">
+                                  <p:stCondLst>
+                                    <p:cond delay="0"/>
+                                  </p:stCondLst>
+                                  <p:childTnLst>
+                                    <p:set>
+                                      <p:cBhvr>
+                                        <p:cTn id="13" dur="1" fill="hold">
+                                          <p:stCondLst>
+                                            <p:cond delay="0"/>
+                                          </p:stCondLst>
+                                        </p:cTn>
+                                        <p:tgtEl>
+                                          <p:spTgt spid="8"/>
+                                        </p:tgtEl>
+                                        <p:attrNameLst>
+                                          <p:attrName>style.visibility</p:attrName>
+                                        </p:attrNameLst>
+                                      </p:cBhvr>
+                                      <p:to>
+                                        <p:strVal val="visible"/>
+                                      </p:to>
+                                    </p:set>
+                                    <p:animEffect transition="in" filter="fade">
+                                      <p:cBhvr>
+                                        <p:cTn id="14" dur="1000"/>
+                                        <p:tgtEl>
+                                          <p:spTgt spid="8"/>
+                                        </p:tgtEl>
+                                      </p:cBhvr>
+                                    </p:animEffect>
+                                    <p:anim calcmode="lin" valueType="num">
+                                      <p:cBhvr>
+                                        <p:cTn id="15" dur="1000" fill="hold"/>
+                                        <p:tgtEl>
+                                          <p:spTgt spid="8"/>
+                                        </p:tgtEl>
+                                        <p:attrNameLst>
+                                          <p:attrName>ppt_x</p:attrName>
+                                        </p:attrNameLst>
+                                      </p:cBhvr>
+                                      <p:tavLst>
+                                        <p:tav tm="0">
+                                          <p:val>
+                                            <p:strVal val="#ppt_x"/>
+                                          </p:val>
+                                        </p:tav>
+                                        <p:tav tm="100000">
+                                          <p:val>
+                                            <p:strVal val="#ppt_x"/>
+                                          </p:val>
+                                        </p:tav>
+                                      </p:tavLst>
+                                    </p:anim>
+                                    <p:anim calcmode="lin" valueType="num">
+                                      <p:cBhvr>
+                                        <p:cTn id="16" dur="1000" fill="hold"/>
+                                        <p:tgtEl>
+                                          <p:spTgt spid="8"/>
+                                        </p:tgtEl>
+                                        <p:attrNameLst>
+                                          <p:attrName>ppt_y</p:attrName>
+                                        </p:attrNameLst>
+                                      </p:cBhvr>
+                                      <p:tavLst>
+                                        <p:tav tm="0">
+                                          <p:val>
+                                            <p:strVal val="#ppt_y-.1"/>
+                                          </p:val>
+                                        </p:tav>
+                                        <p:tav tm="100000">
+                                          <p:val>
+                                            <p:strVal val="#ppt_y"/>
+                                          </p:val>
+                                        </p:tav>
+                                      </p:tavLst>
+                                    </p:anim>
+                                  </p:childTnLst>
+                                </p:cTn>
+                              </p:par>
+                            </p:childTnLst>
+                          </p:cTn>
+                        </p:par>
+                      </p:childTnLst>
+                    </p:cTn>
+                  </p:par>
+                  <p:par>
+                    <p:cTn id="17" fill="hold">
+                      <p:stCondLst>
+                        <p:cond delay="indefinite"/>
+                      </p:stCondLst>
+                      <p:childTnLst>
+                        <p:par>
+                          <p:cTn id="18" fill="hold">
+                            <p:stCondLst>
+                              <p:cond delay="0"/>
+                            </p:stCondLst>
+                            <p:childTnLst>
+                              <p:par>
+                                <p:cTn id="19" presetID="47" presetClass="entr" presetSubtype="0" fill="hold" grpId="0" nodeType="clickEffect">
+                                  <p:stCondLst>
+                                    <p:cond delay="0"/>
+                                  </p:stCondLst>
+                                  <p:childTnLst>
+                                    <p:set>
+                                      <p:cBhvr>
+                                        <p:cTn id="20" dur="1" fill="hold">
+                                          <p:stCondLst>
+                                            <p:cond delay="0"/>
+                                          </p:stCondLst>
+                                        </p:cTn>
+                                        <p:tgtEl>
+                                          <p:spTgt spid="9"/>
+                                        </p:tgtEl>
+                                        <p:attrNameLst>
+                                          <p:attrName>style.visibility</p:attrName>
+                                        </p:attrNameLst>
+                                      </p:cBhvr>
+                                      <p:to>
+                                        <p:strVal val="visible"/>
+                                      </p:to>
+                                    </p:set>
+                                    <p:animEffect transition="in" filter="fade">
+                                      <p:cBhvr>
+                                        <p:cTn id="21" dur="1000"/>
+                                        <p:tgtEl>
+                                          <p:spTgt spid="9"/>
+                                        </p:tgtEl>
+                                      </p:cBhvr>
+                                    </p:animEffect>
+                                    <p:anim calcmode="lin" valueType="num">
+                                      <p:cBhvr>
+                                        <p:cTn id="22" dur="1000" fill="hold"/>
+                                        <p:tgtEl>
+                                          <p:spTgt spid="9"/>
+                                        </p:tgtEl>
+                                        <p:attrNameLst>
+                                          <p:attrName>ppt_x</p:attrName>
+                                        </p:attrNameLst>
+                                      </p:cBhvr>
+                                      <p:tavLst>
+                                        <p:tav tm="0">
+                                          <p:val>
+                                            <p:strVal val="#ppt_x"/>
+                                          </p:val>
+                                        </p:tav>
+                                        <p:tav tm="100000">
+                                          <p:val>
+                                            <p:strVal val="#ppt_x"/>
+                                          </p:val>
+                                        </p:tav>
+                                      </p:tavLst>
+                                    </p:anim>
+                                    <p:anim calcmode="lin" valueType="num">
+                                      <p:cBhvr>
+                                        <p:cTn id="23" dur="1000" fill="hold"/>
+                                        <p:tgtEl>
+                                          <p:spTgt spid="9"/>
+                                        </p:tgtEl>
+                                        <p:attrNameLst>
+                                          <p:attrName>ppt_y</p:attrName>
+                                        </p:attrNameLst>
+                                      </p:cBhvr>
+                                      <p:tavLst>
+                                        <p:tav tm="0">
+                                          <p:val>
+                                            <p:strVal val="#ppt_y-.1"/>
+                                          </p:val>
+                                        </p:tav>
+                                        <p:tav tm="100000">
+                                          <p:val>
+                                            <p:strVal val="#ppt_y"/>
+                                          </p:val>
+                                        </p:tav>
+                                      </p:tavLst>
+                                    </p:anim>
+                                  </p:childTnLst>
+                                </p:cTn>
+                              </p:par>
+                            </p:childTnLst>
+                          </p:cTn>
+                        </p:par>
+                      </p:childTnLst>
+                    </p:cTn>
+                  </p:par>
+                  <p:par>
+                    <p:cTn id="24" fill="hold">
+                      <p:stCondLst>
+                        <p:cond delay="indefinite"/>
+                      </p:stCondLst>
+                      <p:childTnLst>
+                        <p:par>
+                          <p:cTn id="25" fill="hold">
+                            <p:stCondLst>
+                              <p:cond delay="0"/>
+                            </p:stCondLst>
+                            <p:childTnLst>
+                              <p:par>
+                                <p:cTn id="26" presetID="42" presetClass="entr" presetSubtype="0" fill="hold" grpId="0" nodeType="clickEffect">
+                                  <p:stCondLst>
+                                    <p:cond delay="0"/>
+                                  </p:stCondLst>
+                                  <p:childTnLst>
+                                    <p:set>
+                                      <p:cBhvr>
+                                        <p:cTn id="27" dur="1" fill="hold">
+                                          <p:stCondLst>
+                                            <p:cond delay="0"/>
+                                          </p:stCondLst>
+                                        </p:cTn>
+                                        <p:tgtEl>
+                                          <p:spTgt spid="3">
+                                            <p:txEl>
+                                              <p:pRg st="8" end="8"/>
+                                            </p:txEl>
+                                          </p:spTgt>
+                                        </p:tgtEl>
+                                        <p:attrNameLst>
+                                          <p:attrName>style.visibility</p:attrName>
+                                        </p:attrNameLst>
+                                      </p:cBhvr>
+                                      <p:to>
+                                        <p:strVal val="visible"/>
+                                      </p:to>
+                                    </p:set>
+                                    <p:animEffect transition="in" filter="fade">
+                                      <p:cBhvr>
+                                        <p:cTn id="28" dur="1000"/>
+                                        <p:tgtEl>
+                                          <p:spTgt spid="3">
+                                            <p:txEl>
+                                              <p:pRg st="8" end="8"/>
+                                            </p:txEl>
+                                          </p:spTgt>
+                                        </p:tgtEl>
+                                      </p:cBhvr>
+                                    </p:animEffect>
+                                    <p:anim calcmode="lin" valueType="num">
+                                      <p:cBhvr>
+                                        <p:cTn id="29" dur="1000" fill="hold"/>
+                                        <p:tgtEl>
+                                          <p:spTgt spid="3">
+                                            <p:txEl>
+                                              <p:pRg st="8" end="8"/>
+                                            </p:txEl>
+                                          </p:spTgt>
+                                        </p:tgtEl>
+                                        <p:attrNameLst>
+                                          <p:attrName>ppt_x</p:attrName>
+                                        </p:attrNameLst>
+                                      </p:cBhvr>
+                                      <p:tavLst>
+                                        <p:tav tm="0">
+                                          <p:val>
+                                            <p:strVal val="#ppt_x"/>
+                                          </p:val>
+                                        </p:tav>
+                                        <p:tav tm="100000">
+                                          <p:val>
+                                            <p:strVal val="#ppt_x"/>
+                                          </p:val>
+                                        </p:tav>
+                                      </p:tavLst>
+                                    </p:anim>
+                                    <p:anim calcmode="lin" valueType="num">
+                                      <p:cBhvr>
+                                        <p:cTn id="30" dur="1000" fill="hold"/>
+                                        <p:tgtEl>
+                                          <p:spTgt spid="3">
+                                            <p:txEl>
+                                              <p:pRg st="8" end="8"/>
+                                            </p:txEl>
+                                          </p:spTgt>
+                                        </p:tgtEl>
+                                        <p:attrNameLst>
+                                          <p:attrName>ppt_y</p:attrName>
+                                        </p:attrNameLst>
+                                      </p:cBhvr>
+                                      <p:tavLst>
+                                        <p:tav tm="0">
+                                          <p:val>
+                                            <p:strVal val="#ppt_y+.1"/>
+                                          </p:val>
+                                        </p:tav>
+                                        <p:tav tm="100000">
+                                          <p:val>
+                                            <p:strVal val="#ppt_y"/>
+                                          </p:val>
+                                        </p:tav>
+                                      </p:tavLst>
+                                    </p:anim>
+                                  </p:childTnLst>
+                                </p:cTn>
+                              </p:par>
+                            </p:childTnLst>
+                          </p:cTn>
+                        </p:par>
+                      </p:childTnLst>
+                    </p:cTn>
+                  </p:par>
+                </p:childTnLst>
+              </p:cTn>
+              <p:prevCondLst>
+                <p:cond evt="onPrev" delay="0">
+                  <p:tgtEl>
+                    <p:sldTgt/>
+                  </p:tgtEl>
+                </p:cond>
+              </p:prevCondLst>
+              <p:nextCondLst>
+                <p:cond evt="onNext" delay="0">
+                  <p:tgtEl>
+                    <p:sldTgt/>
+                  </p:tgtEl>
+                </p:cond>
+              </p:nextCondLst>
+            </p:seq>
+          </p:childTnLst>
+        </p:cTn>
+      </p:par>
+    </p:tnLst>
+    <p:bldLst>
+      <p:bldP spid="3" grpId="0" uiExpand="1" build="p"/>
+      <p:bldP spid="7" grpId="0"/>
+      <p:bldP spid="8" grpId="0"/>
+      <p:bldP spid="9" grpId="0"/>
+    </p:bldLst>
+  </p:timing>
+</p:sld>
+</file>
+
+<file path=ppt/slides/slide27.xml><?xml version="1.0" encoding="utf-8"?>
+<p:sld xmlns:a="http://schemas.openxmlformats.org/drawingml/2006/main" xmlns:r="http://schemas.openxmlformats.org/officeDocument/2006/relationships" xmlns:p="http://schemas.openxmlformats.org/presentationml/2006/main">
+  <p:cSld>
+    <p:spTree>
+      <p:nvGrpSpPr>
+        <p:cNvPr id="1" name=""/>
+        <p:cNvGrpSpPr/>
+        <p:nvPr/>
+      </p:nvGrpSpPr>
+      <p:grpSpPr>
+        <a:xfrm>
+          <a:off x="0" y="0"/>
+          <a:ext cx="0" cy="0"/>
+          <a:chOff x="0" y="0"/>
+          <a:chExt cx="0" cy="0"/>
+        </a:xfrm>
+      </p:grpSpPr>
+      <p:sp>
+        <p:nvSpPr>
+          <p:cNvPr id="2" name="Заголовок 1"/>
+          <p:cNvSpPr>
+            <a:spLocks noGrp="1"/>
+          </p:cNvSpPr>
+          <p:nvPr>
+            <p:ph type="title"/>
+          </p:nvPr>
+        </p:nvSpPr>
+        <p:spPr/>
+        <p:txBody>
+          <a:bodyPr/>
+          <a:lstStyle/>
+          <a:p>
+            <a:r>
+              <a:rPr lang="en-US" dirty="0"/>
+              <a:t>C# </a:t>
+            </a:r>
+            <a:r>
+              <a:rPr lang="en-US" dirty="0" smtClean="0"/>
+              <a:t>basics</a:t>
+            </a:r>
+            <a:br>
+              <a:rPr lang="en-US" dirty="0" smtClean="0"/>
+            </a:br>
+            <a:r>
+              <a:rPr lang="en-US" sz="2400" dirty="0" smtClean="0">
+                <a:solidFill>
+                  <a:prstClr val="white">
+                    <a:lumMod val="50000"/>
+                  </a:prstClr>
+                </a:solidFill>
+              </a:rPr>
+              <a:t>Strings</a:t>
+            </a:r>
+            <a:endParaRPr lang="en-US" dirty="0"/>
+          </a:p>
+        </p:txBody>
+      </p:sp>
+      <p:sp>
+        <p:nvSpPr>
+          <p:cNvPr id="4" name="Дата 3"/>
+          <p:cNvSpPr>
+            <a:spLocks noGrp="1"/>
+          </p:cNvSpPr>
+          <p:nvPr>
+            <p:ph type="dt" sz="half" idx="10"/>
+          </p:nvPr>
+        </p:nvSpPr>
+        <p:spPr>
+          <a:xfrm>
+            <a:off x="6598153" y="6041362"/>
+            <a:ext cx="1518920" cy="365125"/>
+          </a:xfrm>
+        </p:spPr>
+        <p:txBody>
+          <a:bodyPr/>
+          <a:lstStyle/>
+          <a:p>
+            <a:fld id="{939306D3-16AC-481B-963B-74A1D01AC013}" type="datetime3">
+              <a:rPr lang="en-US" sz="1100" smtClean="0"/>
+              <a:t>11 October 2021</a:t>
+            </a:fld>
+            <a:endParaRPr lang="en-US" sz="1100" dirty="0"/>
+          </a:p>
+        </p:txBody>
+      </p:sp>
+      <p:sp>
+        <p:nvSpPr>
+          <p:cNvPr id="5" name="Нижний колонтитул 4"/>
+          <p:cNvSpPr>
+            <a:spLocks noGrp="1"/>
+          </p:cNvSpPr>
+          <p:nvPr>
+            <p:ph type="ftr" sz="quarter" idx="11"/>
+          </p:nvPr>
+        </p:nvSpPr>
+        <p:spPr/>
+        <p:txBody>
+          <a:bodyPr/>
+          <a:lstStyle/>
+          <a:p>
+            <a:r>
+              <a:rPr lang="en-US" sz="1100" dirty="0" smtClean="0"/>
+              <a:t>Automated framework with C#</a:t>
+            </a:r>
+          </a:p>
+          <a:p>
+            <a:r>
+              <a:rPr lang="en-US" sz="1100" dirty="0"/>
+              <a:t>Yury </a:t>
+            </a:r>
+            <a:r>
+              <a:rPr lang="en-US" sz="1100" dirty="0" smtClean="0"/>
+              <a:t>Alifanov</a:t>
+            </a:r>
+            <a:endParaRPr lang="en-US" sz="1100" dirty="0"/>
+          </a:p>
+        </p:txBody>
+      </p:sp>
+      <p:sp>
+        <p:nvSpPr>
+          <p:cNvPr id="6" name="Номер слайда 5"/>
+          <p:cNvSpPr>
+            <a:spLocks noGrp="1"/>
+          </p:cNvSpPr>
+          <p:nvPr>
+            <p:ph type="sldNum" sz="quarter" idx="12"/>
+          </p:nvPr>
+        </p:nvSpPr>
+        <p:spPr/>
+        <p:txBody>
+          <a:bodyPr/>
+          <a:lstStyle/>
+          <a:p>
+            <a:fld id="{519954A3-9DFD-4C44-94BA-B95130A3BA1C}" type="slidenum">
+              <a:rPr lang="en-US" sz="1100" smtClean="0"/>
+              <a:t>27</a:t>
+            </a:fld>
+            <a:endParaRPr lang="en-US" sz="1100" dirty="0"/>
+          </a:p>
+        </p:txBody>
+      </p:sp>
+      <p:sp>
+        <p:nvSpPr>
+          <p:cNvPr id="3" name="Объект 2"/>
+          <p:cNvSpPr>
+            <a:spLocks noGrp="1"/>
+          </p:cNvSpPr>
+          <p:nvPr>
+            <p:ph idx="1"/>
+          </p:nvPr>
+        </p:nvSpPr>
+        <p:spPr>
+          <a:xfrm>
+            <a:off x="777345" y="1703956"/>
+            <a:ext cx="11066991" cy="4263813"/>
+          </a:xfrm>
+        </p:spPr>
+        <p:txBody>
+          <a:bodyPr>
+            <a:normAutofit fontScale="85000" lnSpcReduction="20000"/>
+          </a:bodyPr>
+          <a:lstStyle/>
+          <a:p>
+            <a:pPr marL="0" indent="0">
+              <a:buNone/>
+            </a:pPr>
+            <a:r>
+              <a:rPr lang="en-US" dirty="0" smtClean="0"/>
+              <a:t>General representation</a:t>
+            </a:r>
+          </a:p>
+          <a:p>
+            <a:pPr marL="0" indent="0">
+              <a:buNone/>
+            </a:pPr>
+            <a:r>
+              <a:rPr lang="en-US" dirty="0"/>
+              <a:t>	</a:t>
+            </a:r>
+            <a:r>
+              <a:rPr lang="en-US" sz="1600" dirty="0" smtClean="0">
+                <a:solidFill>
+                  <a:schemeClr val="accent2"/>
+                </a:solidFill>
+                <a:latin typeface="Consolas" panose="020B0609020204030204" pitchFamily="49" charset="0"/>
+              </a:rPr>
+              <a:t>string</a:t>
+            </a:r>
+            <a:r>
+              <a:rPr lang="en-US" sz="1600" dirty="0" smtClean="0">
+                <a:latin typeface="Consolas" panose="020B0609020204030204" pitchFamily="49" charset="0"/>
+              </a:rPr>
+              <a:t> name = </a:t>
+            </a:r>
+            <a:r>
+              <a:rPr lang="en-US" sz="1600" dirty="0" smtClean="0">
+                <a:solidFill>
+                  <a:srgbClr val="C00000"/>
+                </a:solidFill>
+                <a:latin typeface="Consolas" panose="020B0609020204030204" pitchFamily="49" charset="0"/>
+              </a:rPr>
+              <a:t>“John Smith”</a:t>
+            </a:r>
+            <a:r>
+              <a:rPr lang="en-US" sz="1600" dirty="0" smtClean="0">
+                <a:latin typeface="Consolas" panose="020B0609020204030204" pitchFamily="49" charset="0"/>
+              </a:rPr>
+              <a:t>;</a:t>
+            </a:r>
+          </a:p>
+          <a:p>
+            <a:pPr marL="0" indent="0">
+              <a:buNone/>
+            </a:pPr>
+            <a:r>
+              <a:rPr lang="en-US" dirty="0" smtClean="0"/>
+              <a:t>Declaring and initializing</a:t>
+            </a:r>
+          </a:p>
+          <a:p>
+            <a:pPr marL="0" indent="0">
+              <a:buNone/>
+            </a:pPr>
+            <a:r>
+              <a:rPr lang="en-US" dirty="0" smtClean="0"/>
+              <a:t>	</a:t>
+            </a:r>
+            <a:r>
+              <a:rPr lang="en-US" sz="1600" dirty="0" smtClean="0">
+                <a:solidFill>
+                  <a:schemeClr val="accent2"/>
+                </a:solidFill>
+                <a:latin typeface="Consolas" panose="020B0609020204030204" pitchFamily="49" charset="0"/>
+              </a:rPr>
+              <a:t>string</a:t>
+            </a:r>
+            <a:r>
+              <a:rPr lang="en-US" sz="1600" dirty="0" smtClean="0">
+                <a:latin typeface="Consolas" panose="020B0609020204030204" pitchFamily="49" charset="0"/>
+              </a:rPr>
+              <a:t> company = </a:t>
+            </a:r>
+            <a:r>
+              <a:rPr lang="en-US" sz="1600" dirty="0" smtClean="0">
+                <a:solidFill>
+                  <a:srgbClr val="C00000"/>
+                </a:solidFill>
+                <a:latin typeface="Consolas" panose="020B0609020204030204" pitchFamily="49" charset="0"/>
+              </a:rPr>
+              <a:t>“</a:t>
+            </a:r>
+            <a:r>
+              <a:rPr lang="en-US" sz="1600" dirty="0" err="1" smtClean="0">
+                <a:solidFill>
+                  <a:srgbClr val="C00000"/>
+                </a:solidFill>
+                <a:latin typeface="Consolas" panose="020B0609020204030204" pitchFamily="49" charset="0"/>
+              </a:rPr>
+              <a:t>DataArt</a:t>
+            </a:r>
+            <a:r>
+              <a:rPr lang="en-US" sz="1600" dirty="0" smtClean="0">
+                <a:solidFill>
+                  <a:srgbClr val="C00000"/>
+                </a:solidFill>
+                <a:latin typeface="Consolas" panose="020B0609020204030204" pitchFamily="49" charset="0"/>
+              </a:rPr>
+              <a:t>”</a:t>
+            </a:r>
+            <a:r>
+              <a:rPr lang="en-US" sz="1600" dirty="0" smtClean="0">
+                <a:latin typeface="Consolas" panose="020B0609020204030204" pitchFamily="49" charset="0"/>
+              </a:rPr>
+              <a:t>;</a:t>
+            </a:r>
+          </a:p>
+          <a:p>
+            <a:pPr marL="0" indent="0">
+              <a:buNone/>
+            </a:pPr>
+            <a:r>
+              <a:rPr lang="en-US" dirty="0" smtClean="0"/>
+              <a:t>Concatenation</a:t>
+            </a:r>
+          </a:p>
+          <a:p>
+            <a:pPr marL="0" indent="0">
+              <a:buNone/>
+            </a:pPr>
+            <a:r>
+              <a:rPr lang="en-US" dirty="0"/>
+              <a:t>	</a:t>
+            </a:r>
+            <a:r>
+              <a:rPr lang="en-US" sz="1600" dirty="0">
+                <a:solidFill>
+                  <a:schemeClr val="accent2"/>
+                </a:solidFill>
+                <a:latin typeface="Consolas" panose="020B0609020204030204" pitchFamily="49" charset="0"/>
+              </a:rPr>
+              <a:t>string</a:t>
+            </a:r>
+            <a:r>
+              <a:rPr lang="en-US" sz="1600" dirty="0">
+                <a:latin typeface="Consolas" panose="020B0609020204030204" pitchFamily="49" charset="0"/>
+              </a:rPr>
+              <a:t> </a:t>
+            </a:r>
+            <a:r>
+              <a:rPr lang="en-US" sz="1600" dirty="0" smtClean="0">
+                <a:latin typeface="Consolas" panose="020B0609020204030204" pitchFamily="49" charset="0"/>
+              </a:rPr>
+              <a:t>description = company + </a:t>
+            </a:r>
+            <a:r>
+              <a:rPr lang="en-US" sz="1600" dirty="0" smtClean="0">
+                <a:solidFill>
+                  <a:srgbClr val="C00000"/>
+                </a:solidFill>
+                <a:latin typeface="Consolas" panose="020B0609020204030204" pitchFamily="49" charset="0"/>
+              </a:rPr>
+              <a:t>“</a:t>
+            </a:r>
+            <a:r>
+              <a:rPr lang="en-US" sz="1600" dirty="0">
+                <a:solidFill>
+                  <a:srgbClr val="C00000"/>
+                </a:solidFill>
+                <a:latin typeface="Consolas" panose="020B0609020204030204" pitchFamily="49" charset="0"/>
+              </a:rPr>
+              <a:t> </a:t>
+            </a:r>
+            <a:r>
+              <a:rPr lang="en-US" sz="1600" dirty="0" smtClean="0">
+                <a:solidFill>
+                  <a:srgbClr val="C00000"/>
+                </a:solidFill>
+                <a:latin typeface="Consolas" panose="020B0609020204030204" pitchFamily="49" charset="0"/>
+              </a:rPr>
+              <a:t>is IT company”</a:t>
+            </a:r>
+            <a:r>
+              <a:rPr lang="en-US" sz="1600" dirty="0" smtClean="0">
+                <a:latin typeface="Consolas" panose="020B0609020204030204" pitchFamily="49" charset="0"/>
+              </a:rPr>
+              <a:t>; </a:t>
+            </a:r>
+            <a:r>
+              <a:rPr lang="en-US" sz="1600" dirty="0" smtClean="0">
+                <a:solidFill>
+                  <a:schemeClr val="accent5">
+                    <a:lumMod val="75000"/>
+                  </a:schemeClr>
+                </a:solidFill>
+                <a:latin typeface="Consolas" panose="020B0609020204030204" pitchFamily="49" charset="0"/>
+              </a:rPr>
+              <a:t>// </a:t>
+            </a:r>
+            <a:r>
+              <a:rPr lang="en-US" sz="1600" dirty="0" err="1" smtClean="0">
+                <a:solidFill>
+                  <a:schemeClr val="accent5">
+                    <a:lumMod val="75000"/>
+                  </a:schemeClr>
+                </a:solidFill>
+                <a:latin typeface="Consolas" panose="020B0609020204030204" pitchFamily="49" charset="0"/>
+              </a:rPr>
+              <a:t>DataArt</a:t>
+            </a:r>
+            <a:r>
+              <a:rPr lang="en-US" sz="1600" dirty="0" smtClean="0">
+                <a:solidFill>
+                  <a:schemeClr val="accent5">
+                    <a:lumMod val="75000"/>
+                  </a:schemeClr>
+                </a:solidFill>
+                <a:latin typeface="Consolas" panose="020B0609020204030204" pitchFamily="49" charset="0"/>
+              </a:rPr>
+              <a:t> is IT company</a:t>
+            </a:r>
+            <a:endParaRPr lang="en-US" sz="1600" dirty="0">
+              <a:solidFill>
+                <a:schemeClr val="accent5">
+                  <a:lumMod val="75000"/>
+                </a:schemeClr>
+              </a:solidFill>
+              <a:latin typeface="Consolas" panose="020B0609020204030204" pitchFamily="49" charset="0"/>
+            </a:endParaRPr>
+          </a:p>
+          <a:p>
+            <a:pPr marL="0" indent="0">
+              <a:buNone/>
+            </a:pPr>
+            <a:r>
+              <a:rPr lang="en-US" dirty="0" smtClean="0"/>
+              <a:t>Interpolation</a:t>
+            </a:r>
+          </a:p>
+          <a:p>
+            <a:pPr marL="0" indent="0">
+              <a:buNone/>
+            </a:pPr>
+            <a:r>
+              <a:rPr lang="en-US" dirty="0"/>
+              <a:t>	</a:t>
+            </a:r>
+            <a:r>
+              <a:rPr lang="en-US" dirty="0">
+                <a:solidFill>
+                  <a:schemeClr val="accent2"/>
+                </a:solidFill>
+                <a:latin typeface="Consolas" panose="020B0609020204030204" pitchFamily="49" charset="0"/>
+              </a:rPr>
+              <a:t> </a:t>
+            </a:r>
+            <a:r>
+              <a:rPr lang="en-US" sz="1600" dirty="0" err="1" smtClean="0">
+                <a:latin typeface="Consolas" panose="020B0609020204030204" pitchFamily="49" charset="0"/>
+              </a:rPr>
+              <a:t>Console.WriteLine</a:t>
+            </a:r>
+            <a:r>
+              <a:rPr lang="en-US" sz="1600" dirty="0" smtClean="0">
+                <a:latin typeface="Consolas" panose="020B0609020204030204" pitchFamily="49" charset="0"/>
+              </a:rPr>
+              <a:t>(</a:t>
+            </a:r>
+            <a:r>
+              <a:rPr lang="en-US" sz="1600" dirty="0" smtClean="0">
+                <a:solidFill>
+                  <a:srgbClr val="C00000"/>
+                </a:solidFill>
+                <a:latin typeface="Consolas" panose="020B0609020204030204" pitchFamily="49" charset="0"/>
+              </a:rPr>
+              <a:t>$“</a:t>
+            </a:r>
+            <a:r>
+              <a:rPr lang="en-US" sz="1600" dirty="0">
+                <a:solidFill>
+                  <a:srgbClr val="C00000"/>
+                </a:solidFill>
+                <a:latin typeface="Consolas" panose="020B0609020204030204" pitchFamily="49" charset="0"/>
+              </a:rPr>
+              <a:t>Company description:</a:t>
+            </a:r>
+            <a:r>
+              <a:rPr lang="en-US" sz="1600" dirty="0">
+                <a:latin typeface="Consolas" panose="020B0609020204030204" pitchFamily="49" charset="0"/>
+              </a:rPr>
+              <a:t> {description</a:t>
+            </a:r>
+            <a:r>
+              <a:rPr lang="en-US" sz="1600" dirty="0" smtClean="0">
+                <a:latin typeface="Consolas" panose="020B0609020204030204" pitchFamily="49" charset="0"/>
+              </a:rPr>
+              <a:t>}</a:t>
+            </a:r>
+            <a:r>
+              <a:rPr lang="en-US" sz="1600" dirty="0" smtClean="0">
+                <a:solidFill>
+                  <a:srgbClr val="C00000"/>
+                </a:solidFill>
+                <a:latin typeface="Consolas" panose="020B0609020204030204" pitchFamily="49" charset="0"/>
+              </a:rPr>
+              <a:t>”</a:t>
+            </a:r>
+            <a:r>
+              <a:rPr lang="en-US" sz="1600" dirty="0" smtClean="0">
+                <a:latin typeface="Consolas" panose="020B0609020204030204" pitchFamily="49" charset="0"/>
+              </a:rPr>
+              <a:t>); </a:t>
+            </a:r>
+            <a:r>
+              <a:rPr lang="en-US" sz="1600" dirty="0">
+                <a:solidFill>
+                  <a:schemeClr val="accent5">
+                    <a:lumMod val="75000"/>
+                  </a:schemeClr>
+                </a:solidFill>
+                <a:latin typeface="Consolas" panose="020B0609020204030204" pitchFamily="49" charset="0"/>
+              </a:rPr>
+              <a:t>// Company description: </a:t>
+            </a:r>
+            <a:r>
+              <a:rPr lang="en-US" sz="1600" dirty="0" err="1">
+                <a:solidFill>
+                  <a:schemeClr val="accent5">
+                    <a:lumMod val="75000"/>
+                  </a:schemeClr>
+                </a:solidFill>
+                <a:latin typeface="Consolas" panose="020B0609020204030204" pitchFamily="49" charset="0"/>
+              </a:rPr>
+              <a:t>DataArt</a:t>
+            </a:r>
+            <a:r>
+              <a:rPr lang="en-US" sz="1600" dirty="0">
+                <a:solidFill>
+                  <a:schemeClr val="accent5">
+                    <a:lumMod val="75000"/>
+                  </a:schemeClr>
+                </a:solidFill>
+                <a:latin typeface="Consolas" panose="020B0609020204030204" pitchFamily="49" charset="0"/>
+              </a:rPr>
+              <a:t> is IT company</a:t>
+            </a:r>
+          </a:p>
+          <a:p>
+            <a:pPr marL="0" indent="0">
+              <a:buNone/>
+            </a:pPr>
+            <a:r>
+              <a:rPr lang="en-US" dirty="0" smtClean="0"/>
+              <a:t>General operations with strings</a:t>
+            </a:r>
+          </a:p>
+          <a:p>
+            <a:pPr marL="0" indent="0">
+              <a:buNone/>
+            </a:pPr>
+            <a:r>
+              <a:rPr lang="en-US" dirty="0"/>
+              <a:t>	</a:t>
+            </a:r>
+            <a:r>
+              <a:rPr lang="en-US" sz="1600" dirty="0" smtClean="0">
+                <a:solidFill>
+                  <a:schemeClr val="accent2"/>
+                </a:solidFill>
+                <a:latin typeface="Consolas" panose="020B0609020204030204" pitchFamily="49" charset="0"/>
+              </a:rPr>
+              <a:t>bool</a:t>
+            </a:r>
+            <a:r>
+              <a:rPr lang="en-US" sz="1600" dirty="0" smtClean="0">
+                <a:latin typeface="Consolas" panose="020B0609020204030204" pitchFamily="49" charset="0"/>
+              </a:rPr>
+              <a:t> result = </a:t>
+            </a:r>
+            <a:r>
+              <a:rPr lang="en-US" sz="1600" dirty="0" err="1" smtClean="0">
+                <a:latin typeface="Consolas" panose="020B0609020204030204" pitchFamily="49" charset="0"/>
+              </a:rPr>
+              <a:t>company.Contains</a:t>
+            </a:r>
+            <a:r>
+              <a:rPr lang="en-US" sz="1600" dirty="0" smtClean="0">
+                <a:latin typeface="Consolas" panose="020B0609020204030204" pitchFamily="49" charset="0"/>
+              </a:rPr>
+              <a:t>(</a:t>
+            </a:r>
+            <a:r>
+              <a:rPr lang="en-US" sz="1600" dirty="0">
+                <a:solidFill>
+                  <a:srgbClr val="C00000"/>
+                </a:solidFill>
+                <a:latin typeface="Consolas" panose="020B0609020204030204" pitchFamily="49" charset="0"/>
+              </a:rPr>
+              <a:t>“</a:t>
+            </a:r>
+            <a:r>
+              <a:rPr lang="en-US" sz="1600" dirty="0" smtClean="0">
+                <a:solidFill>
+                  <a:srgbClr val="C00000"/>
+                </a:solidFill>
+                <a:latin typeface="Consolas" panose="020B0609020204030204" pitchFamily="49" charset="0"/>
+              </a:rPr>
+              <a:t>Data”</a:t>
+            </a:r>
+            <a:r>
+              <a:rPr lang="en-US" sz="1600" dirty="0" smtClean="0">
+                <a:latin typeface="Consolas" panose="020B0609020204030204" pitchFamily="49" charset="0"/>
+              </a:rPr>
+              <a:t>); </a:t>
+            </a:r>
+            <a:r>
+              <a:rPr lang="en-US" sz="1600" dirty="0" smtClean="0">
+                <a:solidFill>
+                  <a:schemeClr val="accent5">
+                    <a:lumMod val="75000"/>
+                  </a:schemeClr>
+                </a:solidFill>
+                <a:latin typeface="Consolas" panose="020B0609020204030204" pitchFamily="49" charset="0"/>
+              </a:rPr>
+              <a:t>// true</a:t>
+            </a:r>
+          </a:p>
+          <a:p>
+            <a:pPr marL="0" indent="0">
+              <a:buNone/>
+            </a:pPr>
+            <a:r>
+              <a:rPr lang="en-US" sz="1600" dirty="0">
+                <a:latin typeface="Consolas" panose="020B0609020204030204" pitchFamily="49" charset="0"/>
+              </a:rPr>
+              <a:t>	</a:t>
+            </a:r>
+            <a:r>
+              <a:rPr lang="en-US" sz="1600" dirty="0" smtClean="0">
+                <a:solidFill>
+                  <a:schemeClr val="accent2"/>
+                </a:solidFill>
+                <a:latin typeface="Consolas" panose="020B0609020204030204" pitchFamily="49" charset="0"/>
+              </a:rPr>
+              <a:t>string</a:t>
+            </a:r>
+            <a:r>
+              <a:rPr lang="en-US" sz="1600" dirty="0" smtClean="0">
+                <a:latin typeface="Consolas" panose="020B0609020204030204" pitchFamily="49" charset="0"/>
+              </a:rPr>
+              <a:t> </a:t>
+            </a:r>
+            <a:r>
+              <a:rPr lang="en-US" sz="1600" dirty="0" err="1" smtClean="0">
+                <a:latin typeface="Consolas" panose="020B0609020204030204" pitchFamily="49" charset="0"/>
+              </a:rPr>
+              <a:t>companyUp</a:t>
+            </a:r>
+            <a:r>
+              <a:rPr lang="en-US" sz="1600" dirty="0" smtClean="0">
+                <a:latin typeface="Consolas" panose="020B0609020204030204" pitchFamily="49" charset="0"/>
+              </a:rPr>
+              <a:t> = </a:t>
+            </a:r>
+            <a:r>
+              <a:rPr lang="en-US" sz="1600" dirty="0" err="1" smtClean="0">
+                <a:latin typeface="Consolas" panose="020B0609020204030204" pitchFamily="49" charset="0"/>
+              </a:rPr>
+              <a:t>company.ToUpper</a:t>
+            </a:r>
+            <a:r>
+              <a:rPr lang="en-US" sz="1600" dirty="0" smtClean="0">
+                <a:latin typeface="Consolas" panose="020B0609020204030204" pitchFamily="49" charset="0"/>
+              </a:rPr>
+              <a:t>(); </a:t>
+            </a:r>
+            <a:r>
+              <a:rPr lang="en-US" sz="1600" dirty="0" smtClean="0">
+                <a:solidFill>
+                  <a:schemeClr val="accent5">
+                    <a:lumMod val="75000"/>
+                  </a:schemeClr>
+                </a:solidFill>
+                <a:latin typeface="Consolas" panose="020B0609020204030204" pitchFamily="49" charset="0"/>
+              </a:rPr>
+              <a:t>// DATAART</a:t>
+            </a:r>
+          </a:p>
+          <a:p>
+            <a:pPr marL="0" indent="0">
+              <a:buNone/>
+            </a:pPr>
+            <a:r>
+              <a:rPr lang="en-US" sz="1600" dirty="0">
+                <a:latin typeface="Consolas" panose="020B0609020204030204" pitchFamily="49" charset="0"/>
+              </a:rPr>
+              <a:t>	</a:t>
+            </a:r>
+            <a:r>
+              <a:rPr lang="en-US" sz="1600" dirty="0" smtClean="0">
+                <a:solidFill>
+                  <a:schemeClr val="accent2"/>
+                </a:solidFill>
+                <a:latin typeface="Consolas" panose="020B0609020204030204" pitchFamily="49" charset="0"/>
+              </a:rPr>
+              <a:t>string</a:t>
+            </a:r>
+            <a:r>
+              <a:rPr lang="en-US" sz="1600" dirty="0" smtClean="0">
+                <a:latin typeface="Consolas" panose="020B0609020204030204" pitchFamily="49" charset="0"/>
+              </a:rPr>
+              <a:t> </a:t>
+            </a:r>
+            <a:r>
+              <a:rPr lang="en-US" sz="1600" dirty="0" err="1">
+                <a:latin typeface="Consolas" panose="020B0609020204030204" pitchFamily="49" charset="0"/>
+              </a:rPr>
+              <a:t>companyUp</a:t>
+            </a:r>
+            <a:r>
+              <a:rPr lang="en-US" sz="1600" dirty="0">
+                <a:latin typeface="Consolas" panose="020B0609020204030204" pitchFamily="49" charset="0"/>
+              </a:rPr>
+              <a:t> = </a:t>
+            </a:r>
+            <a:r>
+              <a:rPr lang="en-US" sz="1600" dirty="0" err="1" smtClean="0">
+                <a:latin typeface="Consolas" panose="020B0609020204030204" pitchFamily="49" charset="0"/>
+              </a:rPr>
+              <a:t>company.ToLower</a:t>
+            </a:r>
+            <a:r>
+              <a:rPr lang="en-US" sz="1600" dirty="0" smtClean="0">
+                <a:latin typeface="Consolas" panose="020B0609020204030204" pitchFamily="49" charset="0"/>
+              </a:rPr>
+              <a:t>(); </a:t>
+            </a:r>
+            <a:r>
+              <a:rPr lang="en-US" sz="1600" dirty="0">
+                <a:solidFill>
+                  <a:schemeClr val="accent5">
+                    <a:lumMod val="75000"/>
+                  </a:schemeClr>
+                </a:solidFill>
+                <a:latin typeface="Consolas" panose="020B0609020204030204" pitchFamily="49" charset="0"/>
+              </a:rPr>
+              <a:t>// </a:t>
+            </a:r>
+            <a:r>
+              <a:rPr lang="en-US" sz="1600" dirty="0" smtClean="0">
+                <a:solidFill>
+                  <a:schemeClr val="accent5">
+                    <a:lumMod val="75000"/>
+                  </a:schemeClr>
+                </a:solidFill>
+                <a:latin typeface="Consolas" panose="020B0609020204030204" pitchFamily="49" charset="0"/>
+              </a:rPr>
+              <a:t>dataart</a:t>
+            </a:r>
+          </a:p>
+          <a:p>
+            <a:pPr marL="0" indent="0">
+              <a:buNone/>
+            </a:pPr>
+            <a:r>
+              <a:rPr lang="en-US" sz="1600" dirty="0" smtClean="0">
+                <a:latin typeface="Consolas" panose="020B0609020204030204" pitchFamily="49" charset="0"/>
+              </a:rPr>
+              <a:t>	</a:t>
+            </a:r>
+            <a:r>
+              <a:rPr lang="en-US" sz="1600" dirty="0" smtClean="0">
+                <a:solidFill>
+                  <a:schemeClr val="accent2"/>
+                </a:solidFill>
+                <a:latin typeface="Consolas" panose="020B0609020204030204" pitchFamily="49" charset="0"/>
+              </a:rPr>
+              <a:t>string</a:t>
+            </a:r>
+            <a:r>
+              <a:rPr lang="en-US" sz="1600" dirty="0" smtClean="0">
+                <a:latin typeface="Consolas" panose="020B0609020204030204" pitchFamily="49" charset="0"/>
+              </a:rPr>
+              <a:t> </a:t>
+            </a:r>
+            <a:r>
+              <a:rPr lang="en-US" sz="1600" dirty="0" err="1" smtClean="0">
+                <a:latin typeface="Consolas" panose="020B0609020204030204" pitchFamily="49" charset="0"/>
+              </a:rPr>
+              <a:t>rawString</a:t>
+            </a:r>
+            <a:r>
+              <a:rPr lang="en-US" sz="1600" dirty="0" smtClean="0">
+                <a:latin typeface="Consolas" panose="020B0609020204030204" pitchFamily="49" charset="0"/>
+              </a:rPr>
+              <a:t> </a:t>
+            </a:r>
+            <a:r>
+              <a:rPr lang="en-US" sz="1600" dirty="0">
+                <a:latin typeface="Consolas" panose="020B0609020204030204" pitchFamily="49" charset="0"/>
+              </a:rPr>
+              <a:t>= </a:t>
+            </a:r>
+            <a:r>
+              <a:rPr lang="en-US" sz="1600" dirty="0" smtClean="0">
+                <a:solidFill>
+                  <a:srgbClr val="C00000"/>
+                </a:solidFill>
+                <a:latin typeface="Consolas" panose="020B0609020204030204" pitchFamily="49" charset="0"/>
+              </a:rPr>
+              <a:t>“ </a:t>
+            </a:r>
+            <a:r>
+              <a:rPr lang="en-US" sz="1600" dirty="0" err="1" smtClean="0">
+                <a:solidFill>
+                  <a:srgbClr val="C00000"/>
+                </a:solidFill>
+                <a:latin typeface="Consolas" panose="020B0609020204030204" pitchFamily="49" charset="0"/>
+              </a:rPr>
+              <a:t>DataArt</a:t>
+            </a:r>
+            <a:r>
+              <a:rPr lang="en-US" sz="1600" dirty="0" smtClean="0">
+                <a:solidFill>
+                  <a:srgbClr val="C00000"/>
+                </a:solidFill>
+                <a:latin typeface="Consolas" panose="020B0609020204030204" pitchFamily="49" charset="0"/>
+              </a:rPr>
+              <a:t> ”</a:t>
+            </a:r>
+            <a:r>
+              <a:rPr lang="en-US" sz="1600" dirty="0" smtClean="0">
+                <a:latin typeface="Consolas" panose="020B0609020204030204" pitchFamily="49" charset="0"/>
+              </a:rPr>
+              <a:t>;</a:t>
+            </a:r>
+          </a:p>
+          <a:p>
+            <a:pPr marL="0" indent="0">
+              <a:buNone/>
+            </a:pPr>
+            <a:r>
+              <a:rPr lang="en-US" sz="1600" dirty="0" smtClean="0">
+                <a:solidFill>
+                  <a:schemeClr val="accent2"/>
+                </a:solidFill>
+                <a:latin typeface="Consolas" panose="020B0609020204030204" pitchFamily="49" charset="0"/>
+              </a:rPr>
+              <a:t>	string</a:t>
+            </a:r>
+            <a:r>
+              <a:rPr lang="en-US" sz="1600" dirty="0" smtClean="0">
+                <a:latin typeface="Consolas" panose="020B0609020204030204" pitchFamily="49" charset="0"/>
+              </a:rPr>
+              <a:t> </a:t>
+            </a:r>
+            <a:r>
+              <a:rPr lang="en-US" sz="1600" dirty="0" err="1" smtClean="0">
+                <a:latin typeface="Consolas" panose="020B0609020204030204" pitchFamily="49" charset="0"/>
+              </a:rPr>
+              <a:t>trimmedString</a:t>
+            </a:r>
+            <a:r>
+              <a:rPr lang="en-US" sz="1600" dirty="0" smtClean="0">
+                <a:latin typeface="Consolas" panose="020B0609020204030204" pitchFamily="49" charset="0"/>
+              </a:rPr>
+              <a:t> = </a:t>
+            </a:r>
+            <a:r>
+              <a:rPr lang="en-US" sz="1600" dirty="0" err="1" smtClean="0">
+                <a:latin typeface="Consolas" panose="020B0609020204030204" pitchFamily="49" charset="0"/>
+              </a:rPr>
+              <a:t>rawString.Trim</a:t>
+            </a:r>
+            <a:r>
+              <a:rPr lang="en-US" sz="1600" dirty="0" smtClean="0">
+                <a:latin typeface="Consolas" panose="020B0609020204030204" pitchFamily="49" charset="0"/>
+              </a:rPr>
+              <a:t>();</a:t>
+            </a:r>
+          </a:p>
+        </p:txBody>
+      </p:sp>
+      <p:graphicFrame>
+        <p:nvGraphicFramePr>
+          <p:cNvPr id="7" name="Таблица 6"/>
+          <p:cNvGraphicFramePr>
+            <a:graphicFrameLocks noGrp="1"/>
+          </p:cNvGraphicFramePr>
+          <p:nvPr>
+            <p:extLst>
+              <p:ext uri="{D42A27DB-BD31-4B8C-83A1-F6EECF244321}">
+                <p14:modId xmlns:p14="http://schemas.microsoft.com/office/powerpoint/2010/main" val="1334984658"/>
+              </p:ext>
+            </p:extLst>
+          </p:nvPr>
+        </p:nvGraphicFramePr>
+        <p:xfrm>
+          <a:off x="5155015" y="1916114"/>
+          <a:ext cx="3347250" cy="365760"/>
+        </p:xfrm>
+        <a:graphic>
+          <a:graphicData uri="http://schemas.openxmlformats.org/drawingml/2006/table">
+            <a:tbl>
+              <a:tblPr firstRow="1" bandRow="1">
+                <a:tableStyleId>{5940675A-B579-460E-94D1-54222C63F5DA}</a:tableStyleId>
+              </a:tblPr>
+              <a:tblGrid>
+                <a:gridCol w="334725">
+                  <a:extLst>
+                    <a:ext uri="{9D8B030D-6E8A-4147-A177-3AD203B41FA5}">
+                      <a16:colId xmlns:a16="http://schemas.microsoft.com/office/drawing/2014/main" val="3213006736"/>
+                    </a:ext>
+                  </a:extLst>
+                </a:gridCol>
+                <a:gridCol w="334725">
+                  <a:extLst>
+                    <a:ext uri="{9D8B030D-6E8A-4147-A177-3AD203B41FA5}">
+                      <a16:colId xmlns:a16="http://schemas.microsoft.com/office/drawing/2014/main" val="497965456"/>
+                    </a:ext>
+                  </a:extLst>
+                </a:gridCol>
+                <a:gridCol w="334725">
+                  <a:extLst>
+                    <a:ext uri="{9D8B030D-6E8A-4147-A177-3AD203B41FA5}">
+                      <a16:colId xmlns:a16="http://schemas.microsoft.com/office/drawing/2014/main" val="3593111484"/>
+                    </a:ext>
+                  </a:extLst>
+                </a:gridCol>
+                <a:gridCol w="334725">
+                  <a:extLst>
+                    <a:ext uri="{9D8B030D-6E8A-4147-A177-3AD203B41FA5}">
+                      <a16:colId xmlns:a16="http://schemas.microsoft.com/office/drawing/2014/main" val="2639127245"/>
+                    </a:ext>
+                  </a:extLst>
+                </a:gridCol>
+                <a:gridCol w="334725">
+                  <a:extLst>
+                    <a:ext uri="{9D8B030D-6E8A-4147-A177-3AD203B41FA5}">
+                      <a16:colId xmlns:a16="http://schemas.microsoft.com/office/drawing/2014/main" val="3714801869"/>
+                    </a:ext>
+                  </a:extLst>
+                </a:gridCol>
+                <a:gridCol w="334725">
+                  <a:extLst>
+                    <a:ext uri="{9D8B030D-6E8A-4147-A177-3AD203B41FA5}">
+                      <a16:colId xmlns:a16="http://schemas.microsoft.com/office/drawing/2014/main" val="2057968970"/>
+                    </a:ext>
+                  </a:extLst>
+                </a:gridCol>
+                <a:gridCol w="334725">
+                  <a:extLst>
+                    <a:ext uri="{9D8B030D-6E8A-4147-A177-3AD203B41FA5}">
+                      <a16:colId xmlns:a16="http://schemas.microsoft.com/office/drawing/2014/main" val="3392033952"/>
+                    </a:ext>
+                  </a:extLst>
+                </a:gridCol>
+                <a:gridCol w="334725">
+                  <a:extLst>
+                    <a:ext uri="{9D8B030D-6E8A-4147-A177-3AD203B41FA5}">
+                      <a16:colId xmlns:a16="http://schemas.microsoft.com/office/drawing/2014/main" val="1455632323"/>
+                    </a:ext>
+                  </a:extLst>
+                </a:gridCol>
+                <a:gridCol w="334725">
+                  <a:extLst>
+                    <a:ext uri="{9D8B030D-6E8A-4147-A177-3AD203B41FA5}">
+                      <a16:colId xmlns:a16="http://schemas.microsoft.com/office/drawing/2014/main" val="164769961"/>
+                    </a:ext>
+                  </a:extLst>
+                </a:gridCol>
+                <a:gridCol w="334725">
+                  <a:extLst>
+                    <a:ext uri="{9D8B030D-6E8A-4147-A177-3AD203B41FA5}">
+                      <a16:colId xmlns:a16="http://schemas.microsoft.com/office/drawing/2014/main" val="2269658962"/>
+                    </a:ext>
+                  </a:extLst>
+                </a:gridCol>
+              </a:tblGrid>
+              <a:tr h="337609">
+                <a:tc>
+                  <a:txBody>
+                    <a:bodyPr/>
+                    <a:lstStyle/>
+                    <a:p>
+                      <a:pPr algn="ctr"/>
+                      <a:r>
+                        <a:rPr lang="en-US" dirty="0" smtClean="0">
+                          <a:latin typeface="Consolas" panose="020B0609020204030204" pitchFamily="49" charset="0"/>
+                        </a:rPr>
+                        <a:t>J</a:t>
+                      </a:r>
+                      <a:endParaRPr lang="en-US" dirty="0">
+                        <a:latin typeface="Consolas" panose="020B0609020204030204" pitchFamily="49" charset="0"/>
+                      </a:endParaRPr>
+                    </a:p>
+                  </a:txBody>
+                  <a:tcPr/>
+                </a:tc>
+                <a:tc>
+                  <a:txBody>
+                    <a:bodyPr/>
+                    <a:lstStyle/>
+                    <a:p>
+                      <a:pPr algn="ctr"/>
+                      <a:r>
+                        <a:rPr lang="en-US" dirty="0" smtClean="0">
+                          <a:latin typeface="Consolas" panose="020B0609020204030204" pitchFamily="49" charset="0"/>
+                        </a:rPr>
+                        <a:t>o</a:t>
+                      </a:r>
+                      <a:endParaRPr lang="en-US" dirty="0">
+                        <a:latin typeface="Consolas" panose="020B0609020204030204" pitchFamily="49" charset="0"/>
+                      </a:endParaRPr>
+                    </a:p>
+                  </a:txBody>
+                  <a:tcPr/>
+                </a:tc>
+                <a:tc>
+                  <a:txBody>
+                    <a:bodyPr/>
+                    <a:lstStyle/>
+                    <a:p>
+                      <a:pPr algn="ctr"/>
+                      <a:r>
+                        <a:rPr lang="en-US" dirty="0" smtClean="0">
+                          <a:latin typeface="Consolas" panose="020B0609020204030204" pitchFamily="49" charset="0"/>
+                        </a:rPr>
+                        <a:t>h</a:t>
+                      </a:r>
+                      <a:endParaRPr lang="en-US" dirty="0">
+                        <a:latin typeface="Consolas" panose="020B0609020204030204" pitchFamily="49" charset="0"/>
+                      </a:endParaRPr>
+                    </a:p>
+                  </a:txBody>
+                  <a:tcPr/>
+                </a:tc>
+                <a:tc>
+                  <a:txBody>
+                    <a:bodyPr/>
+                    <a:lstStyle/>
+                    <a:p>
+                      <a:pPr algn="ctr"/>
+                      <a:r>
+                        <a:rPr lang="en-US" dirty="0" smtClean="0">
+                          <a:latin typeface="Consolas" panose="020B0609020204030204" pitchFamily="49" charset="0"/>
+                        </a:rPr>
+                        <a:t>n</a:t>
+                      </a:r>
+                      <a:endParaRPr lang="en-US" dirty="0">
+                        <a:latin typeface="Consolas" panose="020B0609020204030204" pitchFamily="49" charset="0"/>
+                      </a:endParaRPr>
+                    </a:p>
+                  </a:txBody>
+                  <a:tcPr/>
+                </a:tc>
+                <a:tc>
+                  <a:txBody>
+                    <a:bodyPr/>
+                    <a:lstStyle/>
+                    <a:p>
+                      <a:pPr algn="ctr"/>
+                      <a:endParaRPr lang="en-US" dirty="0">
+                        <a:latin typeface="Consolas" panose="020B0609020204030204" pitchFamily="49" charset="0"/>
+                      </a:endParaRPr>
+                    </a:p>
+                  </a:txBody>
+                  <a:tcPr/>
+                </a:tc>
+                <a:tc>
+                  <a:txBody>
+                    <a:bodyPr/>
+                    <a:lstStyle/>
+                    <a:p>
+                      <a:pPr algn="ctr"/>
+                      <a:r>
+                        <a:rPr lang="en-US" dirty="0" smtClean="0">
+                          <a:latin typeface="Consolas" panose="020B0609020204030204" pitchFamily="49" charset="0"/>
+                        </a:rPr>
+                        <a:t>S</a:t>
+                      </a:r>
+                      <a:endParaRPr lang="en-US" dirty="0">
+                        <a:latin typeface="Consolas" panose="020B0609020204030204" pitchFamily="49" charset="0"/>
+                      </a:endParaRPr>
+                    </a:p>
+                  </a:txBody>
+                  <a:tcPr/>
+                </a:tc>
+                <a:tc>
+                  <a:txBody>
+                    <a:bodyPr/>
+                    <a:lstStyle/>
+                    <a:p>
+                      <a:pPr algn="ctr"/>
+                      <a:r>
+                        <a:rPr lang="en-US" dirty="0" smtClean="0">
+                          <a:latin typeface="Consolas" panose="020B0609020204030204" pitchFamily="49" charset="0"/>
+                        </a:rPr>
+                        <a:t>m</a:t>
+                      </a:r>
+                      <a:endParaRPr lang="en-US" dirty="0">
+                        <a:latin typeface="Consolas" panose="020B0609020204030204" pitchFamily="49" charset="0"/>
+                      </a:endParaRPr>
+                    </a:p>
+                  </a:txBody>
+                  <a:tcPr/>
+                </a:tc>
+                <a:tc>
+                  <a:txBody>
+                    <a:bodyPr/>
+                    <a:lstStyle/>
+                    <a:p>
+                      <a:pPr algn="ctr"/>
+                      <a:r>
+                        <a:rPr lang="en-US" dirty="0" err="1" smtClean="0">
+                          <a:latin typeface="Consolas" panose="020B0609020204030204" pitchFamily="49" charset="0"/>
+                        </a:rPr>
+                        <a:t>i</a:t>
+                      </a:r>
+                      <a:endParaRPr lang="en-US" dirty="0">
+                        <a:latin typeface="Consolas" panose="020B0609020204030204" pitchFamily="49" charset="0"/>
+                      </a:endParaRPr>
+                    </a:p>
+                  </a:txBody>
+                  <a:tcPr/>
+                </a:tc>
+                <a:tc>
+                  <a:txBody>
+                    <a:bodyPr/>
+                    <a:lstStyle/>
+                    <a:p>
+                      <a:pPr algn="ctr"/>
+                      <a:r>
+                        <a:rPr lang="en-US" dirty="0" smtClean="0">
+                          <a:latin typeface="Consolas" panose="020B0609020204030204" pitchFamily="49" charset="0"/>
+                        </a:rPr>
+                        <a:t>t</a:t>
+                      </a:r>
+                      <a:endParaRPr lang="en-US" dirty="0">
+                        <a:latin typeface="Consolas" panose="020B0609020204030204" pitchFamily="49" charset="0"/>
+                      </a:endParaRPr>
+                    </a:p>
+                  </a:txBody>
+                  <a:tcPr/>
+                </a:tc>
+                <a:tc>
+                  <a:txBody>
+                    <a:bodyPr/>
+                    <a:lstStyle/>
+                    <a:p>
+                      <a:pPr algn="ctr"/>
+                      <a:r>
+                        <a:rPr lang="en-US" dirty="0" smtClean="0">
+                          <a:latin typeface="Consolas" panose="020B0609020204030204" pitchFamily="49" charset="0"/>
+                        </a:rPr>
+                        <a:t>h</a:t>
+                      </a:r>
+                      <a:endParaRPr lang="en-US" dirty="0">
+                        <a:latin typeface="Consolas" panose="020B0609020204030204" pitchFamily="49" charset="0"/>
+                      </a:endParaRPr>
+                    </a:p>
+                  </a:txBody>
+                  <a:tcPr/>
+                </a:tc>
+                <a:extLst>
+                  <a:ext uri="{0D108BD9-81ED-4DB2-BD59-A6C34878D82A}">
+                    <a16:rowId xmlns:a16="http://schemas.microsoft.com/office/drawing/2014/main" val="1636886986"/>
+                  </a:ext>
+                </a:extLst>
+              </a:tr>
+            </a:tbl>
+          </a:graphicData>
+        </a:graphic>
+      </p:graphicFrame>
+    </p:spTree>
+    <p:extLst>
+      <p:ext uri="{BB962C8B-B14F-4D97-AF65-F5344CB8AC3E}">
+        <p14:creationId xmlns:p14="http://schemas.microsoft.com/office/powerpoint/2010/main" val="1885358761"/>
+      </p:ext>
+    </p:extLst>
+  </p:cSld>
+  <p:clrMapOvr>
+    <a:masterClrMapping/>
+  </p:clrMapOvr>
+  <p:timing>
+    <p:tnLst>
+      <p:par>
+        <p:cTn id="1" dur="indefinite" restart="never" nodeType="tmRoot">
+          <p:childTnLst>
+            <p:seq concurrent="1" nextAc="seek">
+              <p:cTn id="2" dur="indefinite" nodeType="mainSeq">
+                <p:childTnLst>
+                  <p:par>
+                    <p:cTn id="3" fill="hold">
+                      <p:stCondLst>
+                        <p:cond delay="indefinite"/>
+                      </p:stCondLst>
+                      <p:childTnLst>
+                        <p:par>
+                          <p:cTn id="4" fill="hold">
+                            <p:stCondLst>
+                              <p:cond delay="0"/>
+                            </p:stCondLst>
+                            <p:childTnLst>
+                              <p:par>
+                                <p:cTn id="5" presetID="42" presetClass="entr" presetSubtype="0" fill="hold" grpId="0" nodeType="clickEffect">
+                                  <p:stCondLst>
+                                    <p:cond delay="0"/>
+                                  </p:stCondLst>
+                                  <p:childTnLst>
+                                    <p:set>
+                                      <p:cBhvr>
+                                        <p:cTn id="6" dur="1" fill="hold">
+                                          <p:stCondLst>
+                                            <p:cond delay="0"/>
+                                          </p:stCondLst>
+                                        </p:cTn>
+                                        <p:tgtEl>
+                                          <p:spTgt spid="3">
+                                            <p:txEl>
+                                              <p:pRg st="0" end="0"/>
+                                            </p:txEl>
+                                          </p:spTgt>
+                                        </p:tgtEl>
+                                        <p:attrNameLst>
+                                          <p:attrName>style.visibility</p:attrName>
+                                        </p:attrNameLst>
+                                      </p:cBhvr>
+                                      <p:to>
+                                        <p:strVal val="visible"/>
+                                      </p:to>
+                                    </p:set>
+                                    <p:animEffect transition="in" filter="fade">
+                                      <p:cBhvr>
+                                        <p:cTn id="7" dur="1000"/>
+                                        <p:tgtEl>
+                                          <p:spTgt spid="3">
+                                            <p:txEl>
+                                              <p:pRg st="0" end="0"/>
+                                            </p:txEl>
+                                          </p:spTgt>
+                                        </p:tgtEl>
+                                      </p:cBhvr>
+                                    </p:animEffect>
+                                    <p:anim calcmode="lin" valueType="num">
+                                      <p:cBhvr>
+                                        <p:cTn id="8" dur="1000" fill="hold"/>
+                                        <p:tgtEl>
+                                          <p:spTgt spid="3">
+                                            <p:txEl>
+                                              <p:pRg st="0" end="0"/>
+                                            </p:txEl>
+                                          </p:spTgt>
+                                        </p:tgtEl>
+                                        <p:attrNameLst>
+                                          <p:attrName>ppt_x</p:attrName>
+                                        </p:attrNameLst>
+                                      </p:cBhvr>
+                                      <p:tavLst>
+                                        <p:tav tm="0">
+                                          <p:val>
+                                            <p:strVal val="#ppt_x"/>
+                                          </p:val>
+                                        </p:tav>
+                                        <p:tav tm="100000">
+                                          <p:val>
+                                            <p:strVal val="#ppt_x"/>
+                                          </p:val>
+                                        </p:tav>
+                                      </p:tavLst>
+                                    </p:anim>
+                                    <p:anim calcmode="lin" valueType="num">
+                                      <p:cBhvr>
+                                        <p:cTn id="9" dur="1000" fill="hold"/>
+                                        <p:tgtEl>
+                                          <p:spTgt spid="3">
+                                            <p:txEl>
+                                              <p:pRg st="0" end="0"/>
+                                            </p:txEl>
+                                          </p:spTgt>
+                                        </p:tgtEl>
+                                        <p:attrNameLst>
+                                          <p:attrName>ppt_y</p:attrName>
+                                        </p:attrNameLst>
+                                      </p:cBhvr>
+                                      <p:tavLst>
+                                        <p:tav tm="0">
+                                          <p:val>
+                                            <p:strVal val="#ppt_y+.1"/>
+                                          </p:val>
+                                        </p:tav>
+                                        <p:tav tm="100000">
+                                          <p:val>
+                                            <p:strVal val="#ppt_y"/>
+                                          </p:val>
+                                        </p:tav>
+                                      </p:tavLst>
+                                    </p:anim>
+                                  </p:childTnLst>
+                                </p:cTn>
+                              </p:par>
+                              <p:par>
+                                <p:cTn id="10" presetID="42" presetClass="entr" presetSubtype="0" fill="hold" grpId="0" nodeType="withEffect">
+                                  <p:stCondLst>
+                                    <p:cond delay="0"/>
+                                  </p:stCondLst>
+                                  <p:childTnLst>
+                                    <p:set>
+                                      <p:cBhvr>
+                                        <p:cTn id="11" dur="1" fill="hold">
+                                          <p:stCondLst>
+                                            <p:cond delay="0"/>
+                                          </p:stCondLst>
+                                        </p:cTn>
+                                        <p:tgtEl>
+                                          <p:spTgt spid="3">
+                                            <p:txEl>
+                                              <p:pRg st="1" end="1"/>
+                                            </p:txEl>
+                                          </p:spTgt>
+                                        </p:tgtEl>
+                                        <p:attrNameLst>
+                                          <p:attrName>style.visibility</p:attrName>
+                                        </p:attrNameLst>
+                                      </p:cBhvr>
+                                      <p:to>
+                                        <p:strVal val="visible"/>
+                                      </p:to>
+                                    </p:set>
+                                    <p:animEffect transition="in" filter="fade">
+                                      <p:cBhvr>
+                                        <p:cTn id="12" dur="1000"/>
+                                        <p:tgtEl>
+                                          <p:spTgt spid="3">
+                                            <p:txEl>
+                                              <p:pRg st="1" end="1"/>
+                                            </p:txEl>
+                                          </p:spTgt>
+                                        </p:tgtEl>
+                                      </p:cBhvr>
+                                    </p:animEffect>
+                                    <p:anim calcmode="lin" valueType="num">
+                                      <p:cBhvr>
+                                        <p:cTn id="13" dur="1000" fill="hold"/>
+                                        <p:tgtEl>
+                                          <p:spTgt spid="3">
+                                            <p:txEl>
+                                              <p:pRg st="1" end="1"/>
+                                            </p:txEl>
+                                          </p:spTgt>
+                                        </p:tgtEl>
+                                        <p:attrNameLst>
+                                          <p:attrName>ppt_x</p:attrName>
+                                        </p:attrNameLst>
+                                      </p:cBhvr>
+                                      <p:tavLst>
+                                        <p:tav tm="0">
+                                          <p:val>
+                                            <p:strVal val="#ppt_x"/>
+                                          </p:val>
+                                        </p:tav>
+                                        <p:tav tm="100000">
+                                          <p:val>
+                                            <p:strVal val="#ppt_x"/>
+                                          </p:val>
+                                        </p:tav>
+                                      </p:tavLst>
+                                    </p:anim>
+                                    <p:anim calcmode="lin" valueType="num">
+                                      <p:cBhvr>
+                                        <p:cTn id="14" dur="1000" fill="hold"/>
+                                        <p:tgtEl>
+                                          <p:spTgt spid="3">
+                                            <p:txEl>
+                                              <p:pRg st="1" end="1"/>
+                                            </p:txEl>
+                                          </p:spTgt>
+                                        </p:tgtEl>
+                                        <p:attrNameLst>
+                                          <p:attrName>ppt_y</p:attrName>
+                                        </p:attrNameLst>
+                                      </p:cBhvr>
+                                      <p:tavLst>
+                                        <p:tav tm="0">
+                                          <p:val>
+                                            <p:strVal val="#ppt_y+.1"/>
+                                          </p:val>
+                                        </p:tav>
+                                        <p:tav tm="100000">
+                                          <p:val>
+                                            <p:strVal val="#ppt_y"/>
+                                          </p:val>
+                                        </p:tav>
+                                      </p:tavLst>
+                                    </p:anim>
+                                  </p:childTnLst>
+                                </p:cTn>
+                              </p:par>
+                              <p:par>
+                                <p:cTn id="15" presetID="42" presetClass="entr" presetSubtype="0" fill="hold" nodeType="withEffect">
+                                  <p:stCondLst>
+                                    <p:cond delay="0"/>
+                                  </p:stCondLst>
+                                  <p:childTnLst>
+                                    <p:set>
+                                      <p:cBhvr>
+                                        <p:cTn id="16" dur="1" fill="hold">
+                                          <p:stCondLst>
+                                            <p:cond delay="0"/>
+                                          </p:stCondLst>
+                                        </p:cTn>
+                                        <p:tgtEl>
+                                          <p:spTgt spid="7"/>
+                                        </p:tgtEl>
+                                        <p:attrNameLst>
+                                          <p:attrName>style.visibility</p:attrName>
+                                        </p:attrNameLst>
+                                      </p:cBhvr>
+                                      <p:to>
+                                        <p:strVal val="visible"/>
+                                      </p:to>
+                                    </p:set>
+                                    <p:animEffect transition="in" filter="fade">
+                                      <p:cBhvr>
+                                        <p:cTn id="17" dur="1000"/>
+                                        <p:tgtEl>
+                                          <p:spTgt spid="7"/>
+                                        </p:tgtEl>
+                                      </p:cBhvr>
+                                    </p:animEffect>
+                                    <p:anim calcmode="lin" valueType="num">
+                                      <p:cBhvr>
+                                        <p:cTn id="18" dur="1000" fill="hold"/>
+                                        <p:tgtEl>
+                                          <p:spTgt spid="7"/>
+                                        </p:tgtEl>
+                                        <p:attrNameLst>
+                                          <p:attrName>ppt_x</p:attrName>
+                                        </p:attrNameLst>
+                                      </p:cBhvr>
+                                      <p:tavLst>
+                                        <p:tav tm="0">
+                                          <p:val>
+                                            <p:strVal val="#ppt_x"/>
+                                          </p:val>
+                                        </p:tav>
+                                        <p:tav tm="100000">
+                                          <p:val>
+                                            <p:strVal val="#ppt_x"/>
+                                          </p:val>
+                                        </p:tav>
+                                      </p:tavLst>
+                                    </p:anim>
+                                    <p:anim calcmode="lin" valueType="num">
+                                      <p:cBhvr>
+                                        <p:cTn id="19" dur="1000" fill="hold"/>
+                                        <p:tgtEl>
+                                          <p:spTgt spid="7"/>
+                                        </p:tgtEl>
+                                        <p:attrNameLst>
+                                          <p:attrName>ppt_y</p:attrName>
+                                        </p:attrNameLst>
+                                      </p:cBhvr>
+                                      <p:tavLst>
+                                        <p:tav tm="0">
+                                          <p:val>
+                                            <p:strVal val="#ppt_y+.1"/>
+                                          </p:val>
+                                        </p:tav>
+                                        <p:tav tm="100000">
+                                          <p:val>
+                                            <p:strVal val="#ppt_y"/>
+                                          </p:val>
+                                        </p:tav>
+                                      </p:tavLst>
+                                    </p:anim>
+                                  </p:childTnLst>
+                                </p:cTn>
+                              </p:par>
+                            </p:childTnLst>
+                          </p:cTn>
+                        </p:par>
+                      </p:childTnLst>
+                    </p:cTn>
+                  </p:par>
+                  <p:par>
+                    <p:cTn id="20" fill="hold">
+                      <p:stCondLst>
+                        <p:cond delay="indefinite"/>
+                      </p:stCondLst>
+                      <p:childTnLst>
+                        <p:par>
+                          <p:cTn id="21" fill="hold">
+                            <p:stCondLst>
+                              <p:cond delay="0"/>
+                            </p:stCondLst>
+                            <p:childTnLst>
+                              <p:par>
+                                <p:cTn id="22" presetID="42" presetClass="entr" presetSubtype="0" fill="hold" grpId="0" nodeType="clickEffect">
+                                  <p:stCondLst>
+                                    <p:cond delay="0"/>
+                                  </p:stCondLst>
+                                  <p:childTnLst>
+                                    <p:set>
+                                      <p:cBhvr>
+                                        <p:cTn id="23" dur="1" fill="hold">
+                                          <p:stCondLst>
+                                            <p:cond delay="0"/>
+                                          </p:stCondLst>
+                                        </p:cTn>
+                                        <p:tgtEl>
+                                          <p:spTgt spid="3">
+                                            <p:txEl>
+                                              <p:pRg st="2" end="2"/>
+                                            </p:txEl>
+                                          </p:spTgt>
+                                        </p:tgtEl>
+                                        <p:attrNameLst>
+                                          <p:attrName>style.visibility</p:attrName>
+                                        </p:attrNameLst>
+                                      </p:cBhvr>
+                                      <p:to>
+                                        <p:strVal val="visible"/>
+                                      </p:to>
+                                    </p:set>
+                                    <p:animEffect transition="in" filter="fade">
+                                      <p:cBhvr>
+                                        <p:cTn id="24" dur="1000"/>
+                                        <p:tgtEl>
+                                          <p:spTgt spid="3">
+                                            <p:txEl>
+                                              <p:pRg st="2" end="2"/>
+                                            </p:txEl>
+                                          </p:spTgt>
+                                        </p:tgtEl>
+                                      </p:cBhvr>
+                                    </p:animEffect>
+                                    <p:anim calcmode="lin" valueType="num">
+                                      <p:cBhvr>
+                                        <p:cTn id="25" dur="1000" fill="hold"/>
+                                        <p:tgtEl>
+                                          <p:spTgt spid="3">
+                                            <p:txEl>
+                                              <p:pRg st="2" end="2"/>
+                                            </p:txEl>
+                                          </p:spTgt>
+                                        </p:tgtEl>
+                                        <p:attrNameLst>
+                                          <p:attrName>ppt_x</p:attrName>
+                                        </p:attrNameLst>
+                                      </p:cBhvr>
+                                      <p:tavLst>
+                                        <p:tav tm="0">
+                                          <p:val>
+                                            <p:strVal val="#ppt_x"/>
+                                          </p:val>
+                                        </p:tav>
+                                        <p:tav tm="100000">
+                                          <p:val>
+                                            <p:strVal val="#ppt_x"/>
+                                          </p:val>
+                                        </p:tav>
+                                      </p:tavLst>
+                                    </p:anim>
+                                    <p:anim calcmode="lin" valueType="num">
+                                      <p:cBhvr>
+                                        <p:cTn id="26" dur="1000" fill="hold"/>
+                                        <p:tgtEl>
+                                          <p:spTgt spid="3">
+                                            <p:txEl>
+                                              <p:pRg st="2" end="2"/>
+                                            </p:txEl>
+                                          </p:spTgt>
+                                        </p:tgtEl>
+                                        <p:attrNameLst>
+                                          <p:attrName>ppt_y</p:attrName>
+                                        </p:attrNameLst>
+                                      </p:cBhvr>
+                                      <p:tavLst>
+                                        <p:tav tm="0">
+                                          <p:val>
+                                            <p:strVal val="#ppt_y+.1"/>
+                                          </p:val>
+                                        </p:tav>
+                                        <p:tav tm="100000">
+                                          <p:val>
+                                            <p:strVal val="#ppt_y"/>
+                                          </p:val>
+                                        </p:tav>
+                                      </p:tavLst>
+                                    </p:anim>
+                                  </p:childTnLst>
+                                </p:cTn>
+                              </p:par>
+                              <p:par>
+                                <p:cTn id="27" presetID="42" presetClass="entr" presetSubtype="0" fill="hold" grpId="0" nodeType="withEffect">
+                                  <p:stCondLst>
+                                    <p:cond delay="0"/>
+                                  </p:stCondLst>
+                                  <p:childTnLst>
+                                    <p:set>
+                                      <p:cBhvr>
+                                        <p:cTn id="28" dur="1" fill="hold">
+                                          <p:stCondLst>
+                                            <p:cond delay="0"/>
+                                          </p:stCondLst>
+                                        </p:cTn>
+                                        <p:tgtEl>
+                                          <p:spTgt spid="3">
+                                            <p:txEl>
+                                              <p:pRg st="3" end="3"/>
+                                            </p:txEl>
+                                          </p:spTgt>
+                                        </p:tgtEl>
+                                        <p:attrNameLst>
+                                          <p:attrName>style.visibility</p:attrName>
+                                        </p:attrNameLst>
+                                      </p:cBhvr>
+                                      <p:to>
+                                        <p:strVal val="visible"/>
+                                      </p:to>
+                                    </p:set>
+                                    <p:animEffect transition="in" filter="fade">
+                                      <p:cBhvr>
+                                        <p:cTn id="29" dur="1000"/>
+                                        <p:tgtEl>
+                                          <p:spTgt spid="3">
+                                            <p:txEl>
+                                              <p:pRg st="3" end="3"/>
+                                            </p:txEl>
+                                          </p:spTgt>
+                                        </p:tgtEl>
+                                      </p:cBhvr>
+                                    </p:animEffect>
+                                    <p:anim calcmode="lin" valueType="num">
+                                      <p:cBhvr>
+                                        <p:cTn id="30" dur="1000" fill="hold"/>
+                                        <p:tgtEl>
+                                          <p:spTgt spid="3">
+                                            <p:txEl>
+                                              <p:pRg st="3" end="3"/>
+                                            </p:txEl>
+                                          </p:spTgt>
+                                        </p:tgtEl>
+                                        <p:attrNameLst>
+                                          <p:attrName>ppt_x</p:attrName>
+                                        </p:attrNameLst>
+                                      </p:cBhvr>
+                                      <p:tavLst>
+                                        <p:tav tm="0">
+                                          <p:val>
+                                            <p:strVal val="#ppt_x"/>
+                                          </p:val>
+                                        </p:tav>
+                                        <p:tav tm="100000">
+                                          <p:val>
+                                            <p:strVal val="#ppt_x"/>
+                                          </p:val>
+                                        </p:tav>
+                                      </p:tavLst>
+                                    </p:anim>
+                                    <p:anim calcmode="lin" valueType="num">
+                                      <p:cBhvr>
+                                        <p:cTn id="31" dur="1000" fill="hold"/>
+                                        <p:tgtEl>
+                                          <p:spTgt spid="3">
+                                            <p:txEl>
+                                              <p:pRg st="3" end="3"/>
+                                            </p:txEl>
+                                          </p:spTgt>
+                                        </p:tgtEl>
+                                        <p:attrNameLst>
+                                          <p:attrName>ppt_y</p:attrName>
+                                        </p:attrNameLst>
+                                      </p:cBhvr>
+                                      <p:tavLst>
+                                        <p:tav tm="0">
+                                          <p:val>
+                                            <p:strVal val="#ppt_y+.1"/>
+                                          </p:val>
+                                        </p:tav>
+                                        <p:tav tm="100000">
+                                          <p:val>
+                                            <p:strVal val="#ppt_y"/>
+                                          </p:val>
+                                        </p:tav>
+                                      </p:tavLst>
+                                    </p:anim>
+                                  </p:childTnLst>
+                                </p:cTn>
+                              </p:par>
+                            </p:childTnLst>
+                          </p:cTn>
+                        </p:par>
+                      </p:childTnLst>
+                    </p:cTn>
+                  </p:par>
+                  <p:par>
+                    <p:cTn id="32" fill="hold">
+                      <p:stCondLst>
+                        <p:cond delay="indefinite"/>
+                      </p:stCondLst>
+                      <p:childTnLst>
+                        <p:par>
+                          <p:cTn id="33" fill="hold">
+                            <p:stCondLst>
+                              <p:cond delay="0"/>
+                            </p:stCondLst>
+                            <p:childTnLst>
+                              <p:par>
+                                <p:cTn id="34" presetID="42" presetClass="entr" presetSubtype="0" fill="hold" grpId="0" nodeType="clickEffect">
+                                  <p:stCondLst>
+                                    <p:cond delay="0"/>
+                                  </p:stCondLst>
+                                  <p:childTnLst>
+                                    <p:set>
+                                      <p:cBhvr>
+                                        <p:cTn id="35" dur="1" fill="hold">
+                                          <p:stCondLst>
+                                            <p:cond delay="0"/>
+                                          </p:stCondLst>
+                                        </p:cTn>
+                                        <p:tgtEl>
+                                          <p:spTgt spid="3">
+                                            <p:txEl>
+                                              <p:pRg st="4" end="4"/>
+                                            </p:txEl>
+                                          </p:spTgt>
+                                        </p:tgtEl>
+                                        <p:attrNameLst>
+                                          <p:attrName>style.visibility</p:attrName>
+                                        </p:attrNameLst>
+                                      </p:cBhvr>
+                                      <p:to>
+                                        <p:strVal val="visible"/>
+                                      </p:to>
+                                    </p:set>
+                                    <p:animEffect transition="in" filter="fade">
+                                      <p:cBhvr>
+                                        <p:cTn id="36" dur="1000"/>
+                                        <p:tgtEl>
+                                          <p:spTgt spid="3">
+                                            <p:txEl>
+                                              <p:pRg st="4" end="4"/>
+                                            </p:txEl>
+                                          </p:spTgt>
+                                        </p:tgtEl>
+                                      </p:cBhvr>
+                                    </p:animEffect>
+                                    <p:anim calcmode="lin" valueType="num">
+                                      <p:cBhvr>
+                                        <p:cTn id="37" dur="1000" fill="hold"/>
+                                        <p:tgtEl>
+                                          <p:spTgt spid="3">
+                                            <p:txEl>
+                                              <p:pRg st="4" end="4"/>
+                                            </p:txEl>
+                                          </p:spTgt>
+                                        </p:tgtEl>
+                                        <p:attrNameLst>
+                                          <p:attrName>ppt_x</p:attrName>
+                                        </p:attrNameLst>
+                                      </p:cBhvr>
+                                      <p:tavLst>
+                                        <p:tav tm="0">
+                                          <p:val>
+                                            <p:strVal val="#ppt_x"/>
+                                          </p:val>
+                                        </p:tav>
+                                        <p:tav tm="100000">
+                                          <p:val>
+                                            <p:strVal val="#ppt_x"/>
+                                          </p:val>
+                                        </p:tav>
+                                      </p:tavLst>
+                                    </p:anim>
+                                    <p:anim calcmode="lin" valueType="num">
+                                      <p:cBhvr>
+                                        <p:cTn id="38" dur="1000" fill="hold"/>
+                                        <p:tgtEl>
+                                          <p:spTgt spid="3">
+                                            <p:txEl>
+                                              <p:pRg st="4" end="4"/>
+                                            </p:txEl>
+                                          </p:spTgt>
+                                        </p:tgtEl>
+                                        <p:attrNameLst>
+                                          <p:attrName>ppt_y</p:attrName>
+                                        </p:attrNameLst>
+                                      </p:cBhvr>
+                                      <p:tavLst>
+                                        <p:tav tm="0">
+                                          <p:val>
+                                            <p:strVal val="#ppt_y+.1"/>
+                                          </p:val>
+                                        </p:tav>
+                                        <p:tav tm="100000">
+                                          <p:val>
+                                            <p:strVal val="#ppt_y"/>
+                                          </p:val>
+                                        </p:tav>
+                                      </p:tavLst>
+                                    </p:anim>
+                                  </p:childTnLst>
+                                </p:cTn>
+                              </p:par>
+                              <p:par>
+                                <p:cTn id="39" presetID="42" presetClass="entr" presetSubtype="0" fill="hold" grpId="0" nodeType="withEffect">
+                                  <p:stCondLst>
+                                    <p:cond delay="0"/>
+                                  </p:stCondLst>
+                                  <p:childTnLst>
+                                    <p:set>
+                                      <p:cBhvr>
+                                        <p:cTn id="40" dur="1" fill="hold">
+                                          <p:stCondLst>
+                                            <p:cond delay="0"/>
+                                          </p:stCondLst>
+                                        </p:cTn>
+                                        <p:tgtEl>
+                                          <p:spTgt spid="3">
+                                            <p:txEl>
+                                              <p:pRg st="5" end="5"/>
+                                            </p:txEl>
+                                          </p:spTgt>
+                                        </p:tgtEl>
+                                        <p:attrNameLst>
+                                          <p:attrName>style.visibility</p:attrName>
+                                        </p:attrNameLst>
+                                      </p:cBhvr>
+                                      <p:to>
+                                        <p:strVal val="visible"/>
+                                      </p:to>
+                                    </p:set>
+                                    <p:animEffect transition="in" filter="fade">
+                                      <p:cBhvr>
+                                        <p:cTn id="41" dur="1000"/>
+                                        <p:tgtEl>
+                                          <p:spTgt spid="3">
+                                            <p:txEl>
+                                              <p:pRg st="5" end="5"/>
+                                            </p:txEl>
+                                          </p:spTgt>
+                                        </p:tgtEl>
+                                      </p:cBhvr>
+                                    </p:animEffect>
+                                    <p:anim calcmode="lin" valueType="num">
+                                      <p:cBhvr>
+                                        <p:cTn id="42" dur="1000" fill="hold"/>
+                                        <p:tgtEl>
+                                          <p:spTgt spid="3">
+                                            <p:txEl>
+                                              <p:pRg st="5" end="5"/>
+                                            </p:txEl>
+                                          </p:spTgt>
+                                        </p:tgtEl>
+                                        <p:attrNameLst>
+                                          <p:attrName>ppt_x</p:attrName>
+                                        </p:attrNameLst>
+                                      </p:cBhvr>
+                                      <p:tavLst>
+                                        <p:tav tm="0">
+                                          <p:val>
+                                            <p:strVal val="#ppt_x"/>
+                                          </p:val>
+                                        </p:tav>
+                                        <p:tav tm="100000">
+                                          <p:val>
+                                            <p:strVal val="#ppt_x"/>
+                                          </p:val>
+                                        </p:tav>
+                                      </p:tavLst>
+                                    </p:anim>
+                                    <p:anim calcmode="lin" valueType="num">
+                                      <p:cBhvr>
+                                        <p:cTn id="43" dur="1000" fill="hold"/>
+                                        <p:tgtEl>
+                                          <p:spTgt spid="3">
+                                            <p:txEl>
+                                              <p:pRg st="5" end="5"/>
+                                            </p:txEl>
+                                          </p:spTgt>
+                                        </p:tgtEl>
+                                        <p:attrNameLst>
+                                          <p:attrName>ppt_y</p:attrName>
+                                        </p:attrNameLst>
+                                      </p:cBhvr>
+                                      <p:tavLst>
+                                        <p:tav tm="0">
+                                          <p:val>
+                                            <p:strVal val="#ppt_y+.1"/>
+                                          </p:val>
+                                        </p:tav>
+                                        <p:tav tm="100000">
+                                          <p:val>
+                                            <p:strVal val="#ppt_y"/>
+                                          </p:val>
+                                        </p:tav>
+                                      </p:tavLst>
+                                    </p:anim>
+                                  </p:childTnLst>
+                                </p:cTn>
+                              </p:par>
+                            </p:childTnLst>
+                          </p:cTn>
+                        </p:par>
+                      </p:childTnLst>
+                    </p:cTn>
+                  </p:par>
+                  <p:par>
+                    <p:cTn id="44" fill="hold">
+                      <p:stCondLst>
+                        <p:cond delay="indefinite"/>
+                      </p:stCondLst>
+                      <p:childTnLst>
+                        <p:par>
+                          <p:cTn id="45" fill="hold">
+                            <p:stCondLst>
+                              <p:cond delay="0"/>
+                            </p:stCondLst>
+                            <p:childTnLst>
+                              <p:par>
+                                <p:cTn id="46" presetID="42" presetClass="entr" presetSubtype="0" fill="hold" grpId="0" nodeType="clickEffect">
+                                  <p:stCondLst>
+                                    <p:cond delay="0"/>
+                                  </p:stCondLst>
+                                  <p:childTnLst>
+                                    <p:set>
+                                      <p:cBhvr>
+                                        <p:cTn id="47" dur="1" fill="hold">
+                                          <p:stCondLst>
+                                            <p:cond delay="0"/>
+                                          </p:stCondLst>
+                                        </p:cTn>
+                                        <p:tgtEl>
+                                          <p:spTgt spid="3">
+                                            <p:txEl>
+                                              <p:pRg st="6" end="6"/>
+                                            </p:txEl>
+                                          </p:spTgt>
+                                        </p:tgtEl>
+                                        <p:attrNameLst>
+                                          <p:attrName>style.visibility</p:attrName>
+                                        </p:attrNameLst>
+                                      </p:cBhvr>
+                                      <p:to>
+                                        <p:strVal val="visible"/>
+                                      </p:to>
+                                    </p:set>
+                                    <p:animEffect transition="in" filter="fade">
+                                      <p:cBhvr>
+                                        <p:cTn id="48" dur="1000"/>
+                                        <p:tgtEl>
+                                          <p:spTgt spid="3">
+                                            <p:txEl>
+                                              <p:pRg st="6" end="6"/>
+                                            </p:txEl>
+                                          </p:spTgt>
+                                        </p:tgtEl>
+                                      </p:cBhvr>
+                                    </p:animEffect>
+                                    <p:anim calcmode="lin" valueType="num">
+                                      <p:cBhvr>
+                                        <p:cTn id="49" dur="1000" fill="hold"/>
+                                        <p:tgtEl>
+                                          <p:spTgt spid="3">
+                                            <p:txEl>
+                                              <p:pRg st="6" end="6"/>
+                                            </p:txEl>
+                                          </p:spTgt>
+                                        </p:tgtEl>
+                                        <p:attrNameLst>
+                                          <p:attrName>ppt_x</p:attrName>
+                                        </p:attrNameLst>
+                                      </p:cBhvr>
+                                      <p:tavLst>
+                                        <p:tav tm="0">
+                                          <p:val>
+                                            <p:strVal val="#ppt_x"/>
+                                          </p:val>
+                                        </p:tav>
+                                        <p:tav tm="100000">
+                                          <p:val>
+                                            <p:strVal val="#ppt_x"/>
+                                          </p:val>
+                                        </p:tav>
+                                      </p:tavLst>
+                                    </p:anim>
+                                    <p:anim calcmode="lin" valueType="num">
+                                      <p:cBhvr>
+                                        <p:cTn id="50" dur="1000" fill="hold"/>
+                                        <p:tgtEl>
+                                          <p:spTgt spid="3">
+                                            <p:txEl>
+                                              <p:pRg st="6" end="6"/>
+                                            </p:txEl>
+                                          </p:spTgt>
+                                        </p:tgtEl>
+                                        <p:attrNameLst>
+                                          <p:attrName>ppt_y</p:attrName>
+                                        </p:attrNameLst>
+                                      </p:cBhvr>
+                                      <p:tavLst>
+                                        <p:tav tm="0">
+                                          <p:val>
+                                            <p:strVal val="#ppt_y+.1"/>
+                                          </p:val>
+                                        </p:tav>
+                                        <p:tav tm="100000">
+                                          <p:val>
+                                            <p:strVal val="#ppt_y"/>
+                                          </p:val>
+                                        </p:tav>
+                                      </p:tavLst>
+                                    </p:anim>
+                                  </p:childTnLst>
+                                </p:cTn>
+                              </p:par>
+                              <p:par>
+                                <p:cTn id="51" presetID="42" presetClass="entr" presetSubtype="0" fill="hold" grpId="0" nodeType="withEffect">
+                                  <p:stCondLst>
+                                    <p:cond delay="0"/>
+                                  </p:stCondLst>
+                                  <p:childTnLst>
+                                    <p:set>
+                                      <p:cBhvr>
+                                        <p:cTn id="52" dur="1" fill="hold">
+                                          <p:stCondLst>
+                                            <p:cond delay="0"/>
+                                          </p:stCondLst>
+                                        </p:cTn>
+                                        <p:tgtEl>
+                                          <p:spTgt spid="3">
+                                            <p:txEl>
+                                              <p:pRg st="7" end="7"/>
+                                            </p:txEl>
+                                          </p:spTgt>
+                                        </p:tgtEl>
+                                        <p:attrNameLst>
+                                          <p:attrName>style.visibility</p:attrName>
+                                        </p:attrNameLst>
+                                      </p:cBhvr>
+                                      <p:to>
+                                        <p:strVal val="visible"/>
+                                      </p:to>
+                                    </p:set>
+                                    <p:animEffect transition="in" filter="fade">
+                                      <p:cBhvr>
+                                        <p:cTn id="53" dur="1000"/>
+                                        <p:tgtEl>
+                                          <p:spTgt spid="3">
+                                            <p:txEl>
+                                              <p:pRg st="7" end="7"/>
+                                            </p:txEl>
+                                          </p:spTgt>
+                                        </p:tgtEl>
+                                      </p:cBhvr>
+                                    </p:animEffect>
+                                    <p:anim calcmode="lin" valueType="num">
+                                      <p:cBhvr>
+                                        <p:cTn id="54" dur="1000" fill="hold"/>
+                                        <p:tgtEl>
+                                          <p:spTgt spid="3">
+                                            <p:txEl>
+                                              <p:pRg st="7" end="7"/>
+                                            </p:txEl>
+                                          </p:spTgt>
+                                        </p:tgtEl>
+                                        <p:attrNameLst>
+                                          <p:attrName>ppt_x</p:attrName>
+                                        </p:attrNameLst>
+                                      </p:cBhvr>
+                                      <p:tavLst>
+                                        <p:tav tm="0">
+                                          <p:val>
+                                            <p:strVal val="#ppt_x"/>
+                                          </p:val>
+                                        </p:tav>
+                                        <p:tav tm="100000">
+                                          <p:val>
+                                            <p:strVal val="#ppt_x"/>
+                                          </p:val>
+                                        </p:tav>
+                                      </p:tavLst>
+                                    </p:anim>
+                                    <p:anim calcmode="lin" valueType="num">
+                                      <p:cBhvr>
+                                        <p:cTn id="55" dur="1000" fill="hold"/>
+                                        <p:tgtEl>
+                                          <p:spTgt spid="3">
+                                            <p:txEl>
+                                              <p:pRg st="7" end="7"/>
+                                            </p:txEl>
+                                          </p:spTgt>
+                                        </p:tgtEl>
+                                        <p:attrNameLst>
+                                          <p:attrName>ppt_y</p:attrName>
+                                        </p:attrNameLst>
+                                      </p:cBhvr>
+                                      <p:tavLst>
+                                        <p:tav tm="0">
+                                          <p:val>
+                                            <p:strVal val="#ppt_y+.1"/>
+                                          </p:val>
+                                        </p:tav>
+                                        <p:tav tm="100000">
+                                          <p:val>
+                                            <p:strVal val="#ppt_y"/>
+                                          </p:val>
+                                        </p:tav>
+                                      </p:tavLst>
+                                    </p:anim>
+                                  </p:childTnLst>
+                                </p:cTn>
+                              </p:par>
+                            </p:childTnLst>
+                          </p:cTn>
+                        </p:par>
+                      </p:childTnLst>
+                    </p:cTn>
+                  </p:par>
+                  <p:par>
+                    <p:cTn id="56" fill="hold">
+                      <p:stCondLst>
+                        <p:cond delay="indefinite"/>
+                      </p:stCondLst>
+                      <p:childTnLst>
+                        <p:par>
+                          <p:cTn id="57" fill="hold">
+                            <p:stCondLst>
+                              <p:cond delay="0"/>
+                            </p:stCondLst>
+                            <p:childTnLst>
+                              <p:par>
+                                <p:cTn id="58" presetID="42" presetClass="entr" presetSubtype="0" fill="hold" grpId="0" nodeType="clickEffect">
+                                  <p:stCondLst>
+                                    <p:cond delay="0"/>
+                                  </p:stCondLst>
+                                  <p:childTnLst>
+                                    <p:set>
+                                      <p:cBhvr>
+                                        <p:cTn id="59" dur="1" fill="hold">
+                                          <p:stCondLst>
+                                            <p:cond delay="0"/>
+                                          </p:stCondLst>
+                                        </p:cTn>
+                                        <p:tgtEl>
+                                          <p:spTgt spid="3">
+                                            <p:txEl>
+                                              <p:pRg st="8" end="8"/>
+                                            </p:txEl>
+                                          </p:spTgt>
+                                        </p:tgtEl>
+                                        <p:attrNameLst>
+                                          <p:attrName>style.visibility</p:attrName>
+                                        </p:attrNameLst>
+                                      </p:cBhvr>
+                                      <p:to>
+                                        <p:strVal val="visible"/>
+                                      </p:to>
+                                    </p:set>
+                                    <p:animEffect transition="in" filter="fade">
+                                      <p:cBhvr>
+                                        <p:cTn id="60" dur="1000"/>
+                                        <p:tgtEl>
+                                          <p:spTgt spid="3">
+                                            <p:txEl>
+                                              <p:pRg st="8" end="8"/>
+                                            </p:txEl>
+                                          </p:spTgt>
+                                        </p:tgtEl>
+                                      </p:cBhvr>
+                                    </p:animEffect>
+                                    <p:anim calcmode="lin" valueType="num">
+                                      <p:cBhvr>
+                                        <p:cTn id="61" dur="1000" fill="hold"/>
+                                        <p:tgtEl>
+                                          <p:spTgt spid="3">
+                                            <p:txEl>
+                                              <p:pRg st="8" end="8"/>
+                                            </p:txEl>
+                                          </p:spTgt>
+                                        </p:tgtEl>
+                                        <p:attrNameLst>
+                                          <p:attrName>ppt_x</p:attrName>
+                                        </p:attrNameLst>
+                                      </p:cBhvr>
+                                      <p:tavLst>
+                                        <p:tav tm="0">
+                                          <p:val>
+                                            <p:strVal val="#ppt_x"/>
+                                          </p:val>
+                                        </p:tav>
+                                        <p:tav tm="100000">
+                                          <p:val>
+                                            <p:strVal val="#ppt_x"/>
+                                          </p:val>
+                                        </p:tav>
+                                      </p:tavLst>
+                                    </p:anim>
+                                    <p:anim calcmode="lin" valueType="num">
+                                      <p:cBhvr>
+                                        <p:cTn id="62" dur="1000" fill="hold"/>
+                                        <p:tgtEl>
+                                          <p:spTgt spid="3">
+                                            <p:txEl>
+                                              <p:pRg st="8" end="8"/>
+                                            </p:txEl>
+                                          </p:spTgt>
+                                        </p:tgtEl>
+                                        <p:attrNameLst>
+                                          <p:attrName>ppt_y</p:attrName>
+                                        </p:attrNameLst>
+                                      </p:cBhvr>
+                                      <p:tavLst>
+                                        <p:tav tm="0">
+                                          <p:val>
+                                            <p:strVal val="#ppt_y+.1"/>
+                                          </p:val>
+                                        </p:tav>
+                                        <p:tav tm="100000">
+                                          <p:val>
+                                            <p:strVal val="#ppt_y"/>
+                                          </p:val>
+                                        </p:tav>
+                                      </p:tavLst>
+                                    </p:anim>
+                                  </p:childTnLst>
+                                </p:cTn>
+                              </p:par>
+                            </p:childTnLst>
+                          </p:cTn>
+                        </p:par>
+                      </p:childTnLst>
+                    </p:cTn>
+                  </p:par>
+                  <p:par>
+                    <p:cTn id="63" fill="hold">
+                      <p:stCondLst>
+                        <p:cond delay="indefinite"/>
+                      </p:stCondLst>
+                      <p:childTnLst>
+                        <p:par>
+                          <p:cTn id="64" fill="hold">
+                            <p:stCondLst>
+                              <p:cond delay="0"/>
+                            </p:stCondLst>
+                            <p:childTnLst>
+                              <p:par>
+                                <p:cTn id="65" presetID="42" presetClass="entr" presetSubtype="0" fill="hold" grpId="0" nodeType="clickEffect">
+                                  <p:stCondLst>
+                                    <p:cond delay="0"/>
+                                  </p:stCondLst>
+                                  <p:childTnLst>
+                                    <p:set>
+                                      <p:cBhvr>
+                                        <p:cTn id="66" dur="1" fill="hold">
+                                          <p:stCondLst>
+                                            <p:cond delay="0"/>
+                                          </p:stCondLst>
+                                        </p:cTn>
+                                        <p:tgtEl>
+                                          <p:spTgt spid="3">
+                                            <p:txEl>
+                                              <p:pRg st="9" end="9"/>
+                                            </p:txEl>
+                                          </p:spTgt>
+                                        </p:tgtEl>
+                                        <p:attrNameLst>
+                                          <p:attrName>style.visibility</p:attrName>
+                                        </p:attrNameLst>
+                                      </p:cBhvr>
+                                      <p:to>
+                                        <p:strVal val="visible"/>
+                                      </p:to>
+                                    </p:set>
+                                    <p:animEffect transition="in" filter="fade">
+                                      <p:cBhvr>
+                                        <p:cTn id="67" dur="1000"/>
+                                        <p:tgtEl>
+                                          <p:spTgt spid="3">
+                                            <p:txEl>
+                                              <p:pRg st="9" end="9"/>
+                                            </p:txEl>
+                                          </p:spTgt>
+                                        </p:tgtEl>
+                                      </p:cBhvr>
+                                    </p:animEffect>
+                                    <p:anim calcmode="lin" valueType="num">
+                                      <p:cBhvr>
+                                        <p:cTn id="68" dur="1000" fill="hold"/>
+                                        <p:tgtEl>
+                                          <p:spTgt spid="3">
+                                            <p:txEl>
+                                              <p:pRg st="9" end="9"/>
+                                            </p:txEl>
+                                          </p:spTgt>
+                                        </p:tgtEl>
+                                        <p:attrNameLst>
+                                          <p:attrName>ppt_x</p:attrName>
+                                        </p:attrNameLst>
+                                      </p:cBhvr>
+                                      <p:tavLst>
+                                        <p:tav tm="0">
+                                          <p:val>
+                                            <p:strVal val="#ppt_x"/>
+                                          </p:val>
+                                        </p:tav>
+                                        <p:tav tm="100000">
+                                          <p:val>
+                                            <p:strVal val="#ppt_x"/>
+                                          </p:val>
+                                        </p:tav>
+                                      </p:tavLst>
+                                    </p:anim>
+                                    <p:anim calcmode="lin" valueType="num">
+                                      <p:cBhvr>
+                                        <p:cTn id="69" dur="1000" fill="hold"/>
+                                        <p:tgtEl>
+                                          <p:spTgt spid="3">
+                                            <p:txEl>
+                                              <p:pRg st="9" end="9"/>
+                                            </p:txEl>
+                                          </p:spTgt>
+                                        </p:tgtEl>
+                                        <p:attrNameLst>
+                                          <p:attrName>ppt_y</p:attrName>
+                                        </p:attrNameLst>
+                                      </p:cBhvr>
+                                      <p:tavLst>
+                                        <p:tav tm="0">
+                                          <p:val>
+                                            <p:strVal val="#ppt_y+.1"/>
+                                          </p:val>
+                                        </p:tav>
+                                        <p:tav tm="100000">
+                                          <p:val>
+                                            <p:strVal val="#ppt_y"/>
+                                          </p:val>
+                                        </p:tav>
+                                      </p:tavLst>
+                                    </p:anim>
+                                  </p:childTnLst>
+                                </p:cTn>
+                              </p:par>
+                            </p:childTnLst>
+                          </p:cTn>
+                        </p:par>
+                      </p:childTnLst>
+                    </p:cTn>
+                  </p:par>
+                  <p:par>
+                    <p:cTn id="70" fill="hold">
+                      <p:stCondLst>
+                        <p:cond delay="indefinite"/>
+                      </p:stCondLst>
+                      <p:childTnLst>
+                        <p:par>
+                          <p:cTn id="71" fill="hold">
+                            <p:stCondLst>
+                              <p:cond delay="0"/>
+                            </p:stCondLst>
+                            <p:childTnLst>
+                              <p:par>
+                                <p:cTn id="72" presetID="42" presetClass="entr" presetSubtype="0" fill="hold" grpId="0" nodeType="clickEffect">
+                                  <p:stCondLst>
+                                    <p:cond delay="0"/>
+                                  </p:stCondLst>
+                                  <p:childTnLst>
+                                    <p:set>
+                                      <p:cBhvr>
+                                        <p:cTn id="73" dur="1" fill="hold">
+                                          <p:stCondLst>
+                                            <p:cond delay="0"/>
+                                          </p:stCondLst>
+                                        </p:cTn>
+                                        <p:tgtEl>
+                                          <p:spTgt spid="3">
+                                            <p:txEl>
+                                              <p:pRg st="10" end="10"/>
+                                            </p:txEl>
+                                          </p:spTgt>
+                                        </p:tgtEl>
+                                        <p:attrNameLst>
+                                          <p:attrName>style.visibility</p:attrName>
+                                        </p:attrNameLst>
+                                      </p:cBhvr>
+                                      <p:to>
+                                        <p:strVal val="visible"/>
+                                      </p:to>
+                                    </p:set>
+                                    <p:animEffect transition="in" filter="fade">
+                                      <p:cBhvr>
+                                        <p:cTn id="74" dur="1000"/>
+                                        <p:tgtEl>
+                                          <p:spTgt spid="3">
+                                            <p:txEl>
+                                              <p:pRg st="10" end="10"/>
+                                            </p:txEl>
+                                          </p:spTgt>
+                                        </p:tgtEl>
+                                      </p:cBhvr>
+                                    </p:animEffect>
+                                    <p:anim calcmode="lin" valueType="num">
+                                      <p:cBhvr>
+                                        <p:cTn id="75" dur="1000" fill="hold"/>
+                                        <p:tgtEl>
+                                          <p:spTgt spid="3">
+                                            <p:txEl>
+                                              <p:pRg st="10" end="10"/>
+                                            </p:txEl>
+                                          </p:spTgt>
+                                        </p:tgtEl>
+                                        <p:attrNameLst>
+                                          <p:attrName>ppt_x</p:attrName>
+                                        </p:attrNameLst>
+                                      </p:cBhvr>
+                                      <p:tavLst>
+                                        <p:tav tm="0">
+                                          <p:val>
+                                            <p:strVal val="#ppt_x"/>
+                                          </p:val>
+                                        </p:tav>
+                                        <p:tav tm="100000">
+                                          <p:val>
+                                            <p:strVal val="#ppt_x"/>
+                                          </p:val>
+                                        </p:tav>
+                                      </p:tavLst>
+                                    </p:anim>
+                                    <p:anim calcmode="lin" valueType="num">
+                                      <p:cBhvr>
+                                        <p:cTn id="76" dur="1000" fill="hold"/>
+                                        <p:tgtEl>
+                                          <p:spTgt spid="3">
+                                            <p:txEl>
+                                              <p:pRg st="10" end="10"/>
+                                            </p:txEl>
+                                          </p:spTgt>
+                                        </p:tgtEl>
+                                        <p:attrNameLst>
+                                          <p:attrName>ppt_y</p:attrName>
+                                        </p:attrNameLst>
+                                      </p:cBhvr>
+                                      <p:tavLst>
+                                        <p:tav tm="0">
+                                          <p:val>
+                                            <p:strVal val="#ppt_y+.1"/>
+                                          </p:val>
+                                        </p:tav>
+                                        <p:tav tm="100000">
+                                          <p:val>
+                                            <p:strVal val="#ppt_y"/>
+                                          </p:val>
+                                        </p:tav>
+                                      </p:tavLst>
+                                    </p:anim>
+                                  </p:childTnLst>
+                                </p:cTn>
+                              </p:par>
+                            </p:childTnLst>
+                          </p:cTn>
+                        </p:par>
+                      </p:childTnLst>
+                    </p:cTn>
+                  </p:par>
+                  <p:par>
+                    <p:cTn id="77" fill="hold">
+                      <p:stCondLst>
+                        <p:cond delay="indefinite"/>
+                      </p:stCondLst>
+                      <p:childTnLst>
+                        <p:par>
+                          <p:cTn id="78" fill="hold">
+                            <p:stCondLst>
+                              <p:cond delay="0"/>
+                            </p:stCondLst>
+                            <p:childTnLst>
+                              <p:par>
+                                <p:cTn id="79" presetID="42" presetClass="entr" presetSubtype="0" fill="hold" grpId="0" nodeType="clickEffect">
+                                  <p:stCondLst>
+                                    <p:cond delay="0"/>
+                                  </p:stCondLst>
+                                  <p:childTnLst>
+                                    <p:set>
+                                      <p:cBhvr>
+                                        <p:cTn id="80" dur="1" fill="hold">
+                                          <p:stCondLst>
+                                            <p:cond delay="0"/>
+                                          </p:stCondLst>
+                                        </p:cTn>
+                                        <p:tgtEl>
+                                          <p:spTgt spid="3">
+                                            <p:txEl>
+                                              <p:pRg st="11" end="11"/>
+                                            </p:txEl>
+                                          </p:spTgt>
+                                        </p:tgtEl>
+                                        <p:attrNameLst>
+                                          <p:attrName>style.visibility</p:attrName>
+                                        </p:attrNameLst>
+                                      </p:cBhvr>
+                                      <p:to>
+                                        <p:strVal val="visible"/>
+                                      </p:to>
+                                    </p:set>
+                                    <p:animEffect transition="in" filter="fade">
+                                      <p:cBhvr>
+                                        <p:cTn id="81" dur="1000"/>
+                                        <p:tgtEl>
+                                          <p:spTgt spid="3">
+                                            <p:txEl>
+                                              <p:pRg st="11" end="11"/>
+                                            </p:txEl>
+                                          </p:spTgt>
+                                        </p:tgtEl>
+                                      </p:cBhvr>
+                                    </p:animEffect>
+                                    <p:anim calcmode="lin" valueType="num">
+                                      <p:cBhvr>
+                                        <p:cTn id="82" dur="1000" fill="hold"/>
+                                        <p:tgtEl>
+                                          <p:spTgt spid="3">
+                                            <p:txEl>
+                                              <p:pRg st="11" end="11"/>
+                                            </p:txEl>
+                                          </p:spTgt>
+                                        </p:tgtEl>
+                                        <p:attrNameLst>
+                                          <p:attrName>ppt_x</p:attrName>
+                                        </p:attrNameLst>
+                                      </p:cBhvr>
+                                      <p:tavLst>
+                                        <p:tav tm="0">
+                                          <p:val>
+                                            <p:strVal val="#ppt_x"/>
+                                          </p:val>
+                                        </p:tav>
+                                        <p:tav tm="100000">
+                                          <p:val>
+                                            <p:strVal val="#ppt_x"/>
+                                          </p:val>
+                                        </p:tav>
+                                      </p:tavLst>
+                                    </p:anim>
+                                    <p:anim calcmode="lin" valueType="num">
+                                      <p:cBhvr>
+                                        <p:cTn id="83" dur="1000" fill="hold"/>
+                                        <p:tgtEl>
+                                          <p:spTgt spid="3">
+                                            <p:txEl>
+                                              <p:pRg st="11" end="11"/>
+                                            </p:txEl>
+                                          </p:spTgt>
+                                        </p:tgtEl>
+                                        <p:attrNameLst>
+                                          <p:attrName>ppt_y</p:attrName>
+                                        </p:attrNameLst>
+                                      </p:cBhvr>
+                                      <p:tavLst>
+                                        <p:tav tm="0">
+                                          <p:val>
+                                            <p:strVal val="#ppt_y+.1"/>
+                                          </p:val>
+                                        </p:tav>
+                                        <p:tav tm="100000">
+                                          <p:val>
+                                            <p:strVal val="#ppt_y"/>
+                                          </p:val>
+                                        </p:tav>
+                                      </p:tavLst>
+                                    </p:anim>
+                                  </p:childTnLst>
+                                </p:cTn>
+                              </p:par>
+                            </p:childTnLst>
+                          </p:cTn>
+                        </p:par>
+                      </p:childTnLst>
+                    </p:cTn>
+                  </p:par>
+                  <p:par>
+                    <p:cTn id="84" fill="hold">
+                      <p:stCondLst>
+                        <p:cond delay="indefinite"/>
+                      </p:stCondLst>
+                      <p:childTnLst>
+                        <p:par>
+                          <p:cTn id="85" fill="hold">
+                            <p:stCondLst>
+                              <p:cond delay="0"/>
+                            </p:stCondLst>
+                            <p:childTnLst>
+                              <p:par>
+                                <p:cTn id="86" presetID="42" presetClass="entr" presetSubtype="0" fill="hold" grpId="0" nodeType="clickEffect">
+                                  <p:stCondLst>
+                                    <p:cond delay="0"/>
+                                  </p:stCondLst>
+                                  <p:childTnLst>
+                                    <p:set>
+                                      <p:cBhvr>
+                                        <p:cTn id="87" dur="1" fill="hold">
+                                          <p:stCondLst>
+                                            <p:cond delay="0"/>
+                                          </p:stCondLst>
+                                        </p:cTn>
+                                        <p:tgtEl>
+                                          <p:spTgt spid="3">
+                                            <p:txEl>
+                                              <p:pRg st="12" end="12"/>
+                                            </p:txEl>
+                                          </p:spTgt>
+                                        </p:tgtEl>
+                                        <p:attrNameLst>
+                                          <p:attrName>style.visibility</p:attrName>
+                                        </p:attrNameLst>
+                                      </p:cBhvr>
+                                      <p:to>
+                                        <p:strVal val="visible"/>
+                                      </p:to>
+                                    </p:set>
+                                    <p:animEffect transition="in" filter="fade">
+                                      <p:cBhvr>
+                                        <p:cTn id="88" dur="1000"/>
+                                        <p:tgtEl>
+                                          <p:spTgt spid="3">
+                                            <p:txEl>
+                                              <p:pRg st="12" end="12"/>
+                                            </p:txEl>
+                                          </p:spTgt>
+                                        </p:tgtEl>
+                                      </p:cBhvr>
+                                    </p:animEffect>
+                                    <p:anim calcmode="lin" valueType="num">
+                                      <p:cBhvr>
+                                        <p:cTn id="89" dur="1000" fill="hold"/>
+                                        <p:tgtEl>
+                                          <p:spTgt spid="3">
+                                            <p:txEl>
+                                              <p:pRg st="12" end="12"/>
+                                            </p:txEl>
+                                          </p:spTgt>
+                                        </p:tgtEl>
+                                        <p:attrNameLst>
+                                          <p:attrName>ppt_x</p:attrName>
+                                        </p:attrNameLst>
+                                      </p:cBhvr>
+                                      <p:tavLst>
+                                        <p:tav tm="0">
+                                          <p:val>
+                                            <p:strVal val="#ppt_x"/>
+                                          </p:val>
+                                        </p:tav>
+                                        <p:tav tm="100000">
+                                          <p:val>
+                                            <p:strVal val="#ppt_x"/>
+                                          </p:val>
+                                        </p:tav>
+                                      </p:tavLst>
+                                    </p:anim>
+                                    <p:anim calcmode="lin" valueType="num">
+                                      <p:cBhvr>
+                                        <p:cTn id="90" dur="1000" fill="hold"/>
+                                        <p:tgtEl>
+                                          <p:spTgt spid="3">
+                                            <p:txEl>
+                                              <p:pRg st="12" end="12"/>
+                                            </p:txEl>
+                                          </p:spTgt>
+                                        </p:tgtEl>
+                                        <p:attrNameLst>
+                                          <p:attrName>ppt_y</p:attrName>
+                                        </p:attrNameLst>
+                                      </p:cBhvr>
+                                      <p:tavLst>
+                                        <p:tav tm="0">
+                                          <p:val>
+                                            <p:strVal val="#ppt_y+.1"/>
+                                          </p:val>
+                                        </p:tav>
+                                        <p:tav tm="100000">
+                                          <p:val>
+                                            <p:strVal val="#ppt_y"/>
+                                          </p:val>
+                                        </p:tav>
+                                      </p:tavLst>
+                                    </p:anim>
+                                  </p:childTnLst>
+                                </p:cTn>
+                              </p:par>
+                              <p:par>
+                                <p:cTn id="91" presetID="42" presetClass="entr" presetSubtype="0" fill="hold" grpId="0" nodeType="withEffect">
+                                  <p:stCondLst>
+                                    <p:cond delay="0"/>
+                                  </p:stCondLst>
+                                  <p:childTnLst>
+                                    <p:set>
+                                      <p:cBhvr>
+                                        <p:cTn id="92" dur="1" fill="hold">
+                                          <p:stCondLst>
+                                            <p:cond delay="0"/>
+                                          </p:stCondLst>
+                                        </p:cTn>
+                                        <p:tgtEl>
+                                          <p:spTgt spid="3">
+                                            <p:txEl>
+                                              <p:pRg st="13" end="13"/>
+                                            </p:txEl>
+                                          </p:spTgt>
+                                        </p:tgtEl>
+                                        <p:attrNameLst>
+                                          <p:attrName>style.visibility</p:attrName>
+                                        </p:attrNameLst>
+                                      </p:cBhvr>
+                                      <p:to>
+                                        <p:strVal val="visible"/>
+                                      </p:to>
+                                    </p:set>
+                                    <p:animEffect transition="in" filter="fade">
+                                      <p:cBhvr>
+                                        <p:cTn id="93" dur="1000"/>
+                                        <p:tgtEl>
+                                          <p:spTgt spid="3">
+                                            <p:txEl>
+                                              <p:pRg st="13" end="13"/>
+                                            </p:txEl>
+                                          </p:spTgt>
+                                        </p:tgtEl>
+                                      </p:cBhvr>
+                                    </p:animEffect>
+                                    <p:anim calcmode="lin" valueType="num">
+                                      <p:cBhvr>
+                                        <p:cTn id="94" dur="1000" fill="hold"/>
+                                        <p:tgtEl>
+                                          <p:spTgt spid="3">
+                                            <p:txEl>
+                                              <p:pRg st="13" end="13"/>
+                                            </p:txEl>
+                                          </p:spTgt>
+                                        </p:tgtEl>
+                                        <p:attrNameLst>
+                                          <p:attrName>ppt_x</p:attrName>
+                                        </p:attrNameLst>
+                                      </p:cBhvr>
+                                      <p:tavLst>
+                                        <p:tav tm="0">
+                                          <p:val>
+                                            <p:strVal val="#ppt_x"/>
+                                          </p:val>
+                                        </p:tav>
+                                        <p:tav tm="100000">
+                                          <p:val>
+                                            <p:strVal val="#ppt_x"/>
+                                          </p:val>
+                                        </p:tav>
+                                      </p:tavLst>
+                                    </p:anim>
+                                    <p:anim calcmode="lin" valueType="num">
+                                      <p:cBhvr>
+                                        <p:cTn id="95" dur="1000" fill="hold"/>
+                                        <p:tgtEl>
+                                          <p:spTgt spid="3">
+                                            <p:txEl>
+                                              <p:pRg st="13" end="13"/>
+                                            </p:txEl>
+                                          </p:spTgt>
+                                        </p:tgtEl>
+                                        <p:attrNameLst>
+                                          <p:attrName>ppt_y</p:attrName>
+                                        </p:attrNameLst>
+                                      </p:cBhvr>
+                                      <p:tavLst>
+                                        <p:tav tm="0">
+                                          <p:val>
+                                            <p:strVal val="#ppt_y+.1"/>
+                                          </p:val>
+                                        </p:tav>
+                                        <p:tav tm="100000">
+                                          <p:val>
+                                            <p:strVal val="#ppt_y"/>
+                                          </p:val>
+                                        </p:tav>
+                                      </p:tavLst>
+                                    </p:anim>
+                                  </p:childTnLst>
+                                </p:cTn>
+                              </p:par>
+                            </p:childTnLst>
+                          </p:cTn>
+                        </p:par>
+                      </p:childTnLst>
+                    </p:cTn>
+                  </p:par>
+                </p:childTnLst>
+              </p:cTn>
+              <p:prevCondLst>
+                <p:cond evt="onPrev" delay="0">
+                  <p:tgtEl>
+                    <p:sldTgt/>
+                  </p:tgtEl>
+                </p:cond>
+              </p:prevCondLst>
+              <p:nextCondLst>
+                <p:cond evt="onNext" delay="0">
+                  <p:tgtEl>
+                    <p:sldTgt/>
+                  </p:tgtEl>
+                </p:cond>
+              </p:nextCondLst>
+            </p:seq>
+          </p:childTnLst>
+        </p:cTn>
+      </p:par>
+    </p:tnLst>
+    <p:bldLst>
+      <p:bldP spid="3" grpId="0" uiExpand="1" build="p"/>
+    </p:bldLst>
+  </p:timing>
+</p:sld>
+</file>
+
+<file path=ppt/slides/slide28.xml><?xml version="1.0" encoding="utf-8"?>
+<p:sld xmlns:a="http://schemas.openxmlformats.org/drawingml/2006/main" xmlns:r="http://schemas.openxmlformats.org/officeDocument/2006/relationships" xmlns:p="http://schemas.openxmlformats.org/presentationml/2006/main">
+  <p:cSld>
+    <p:spTree>
+      <p:nvGrpSpPr>
+        <p:cNvPr id="1" name=""/>
+        <p:cNvGrpSpPr/>
+        <p:nvPr/>
+      </p:nvGrpSpPr>
+      <p:grpSpPr>
+        <a:xfrm>
+          <a:off x="0" y="0"/>
+          <a:ext cx="0" cy="0"/>
+          <a:chOff x="0" y="0"/>
+          <a:chExt cx="0" cy="0"/>
+        </a:xfrm>
+      </p:grpSpPr>
+      <p:sp>
+        <p:nvSpPr>
+          <p:cNvPr id="2" name="Заголовок 1"/>
+          <p:cNvSpPr>
+            <a:spLocks noGrp="1"/>
+          </p:cNvSpPr>
+          <p:nvPr>
+            <p:ph type="title"/>
+          </p:nvPr>
+        </p:nvSpPr>
+        <p:spPr/>
+        <p:txBody>
+          <a:bodyPr/>
+          <a:lstStyle/>
+          <a:p>
+            <a:r>
+              <a:rPr lang="en-US" dirty="0"/>
+              <a:t>C# </a:t>
+            </a:r>
+            <a:r>
+              <a:rPr lang="en-US" dirty="0" smtClean="0"/>
+              <a:t>basics</a:t>
+            </a:r>
+            <a:br>
+              <a:rPr lang="en-US" dirty="0" smtClean="0"/>
+            </a:br>
+            <a:r>
+              <a:rPr lang="en-US" sz="2400" dirty="0" smtClean="0">
+                <a:solidFill>
+                  <a:prstClr val="white">
+                    <a:lumMod val="50000"/>
+                  </a:prstClr>
+                </a:solidFill>
+              </a:rPr>
+              <a:t>Useful links</a:t>
+            </a:r>
+            <a:endParaRPr lang="en-US" dirty="0"/>
+          </a:p>
+        </p:txBody>
+      </p:sp>
+      <p:sp>
+        <p:nvSpPr>
+          <p:cNvPr id="4" name="Дата 3"/>
+          <p:cNvSpPr>
+            <a:spLocks noGrp="1"/>
+          </p:cNvSpPr>
+          <p:nvPr>
+            <p:ph type="dt" sz="half" idx="10"/>
+          </p:nvPr>
+        </p:nvSpPr>
+        <p:spPr>
+          <a:xfrm>
+            <a:off x="6598153" y="6041362"/>
+            <a:ext cx="1518920" cy="365125"/>
+          </a:xfrm>
+        </p:spPr>
+        <p:txBody>
+          <a:bodyPr/>
+          <a:lstStyle/>
+          <a:p>
+            <a:fld id="{939306D3-16AC-481B-963B-74A1D01AC013}" type="datetime3">
+              <a:rPr lang="en-US" sz="1100" smtClean="0"/>
+              <a:t>11 October 2021</a:t>
+            </a:fld>
+            <a:endParaRPr lang="en-US" sz="1100" dirty="0"/>
+          </a:p>
+        </p:txBody>
+      </p:sp>
+      <p:sp>
+        <p:nvSpPr>
+          <p:cNvPr id="5" name="Нижний колонтитул 4"/>
+          <p:cNvSpPr>
+            <a:spLocks noGrp="1"/>
+          </p:cNvSpPr>
+          <p:nvPr>
+            <p:ph type="ftr" sz="quarter" idx="11"/>
+          </p:nvPr>
+        </p:nvSpPr>
+        <p:spPr/>
+        <p:txBody>
+          <a:bodyPr/>
+          <a:lstStyle/>
+          <a:p>
+            <a:r>
+              <a:rPr lang="en-US" sz="1100" dirty="0" smtClean="0"/>
+              <a:t>Automated framework with C#</a:t>
+            </a:r>
+          </a:p>
+          <a:p>
+            <a:r>
+              <a:rPr lang="en-US" sz="1100" dirty="0"/>
+              <a:t>Yury </a:t>
+            </a:r>
+            <a:r>
+              <a:rPr lang="en-US" sz="1100" dirty="0" smtClean="0"/>
+              <a:t>Alifanov</a:t>
+            </a:r>
+            <a:endParaRPr lang="en-US" sz="1100" dirty="0"/>
+          </a:p>
+        </p:txBody>
+      </p:sp>
+      <p:sp>
+        <p:nvSpPr>
+          <p:cNvPr id="6" name="Номер слайда 5"/>
+          <p:cNvSpPr>
+            <a:spLocks noGrp="1"/>
+          </p:cNvSpPr>
+          <p:nvPr>
+            <p:ph type="sldNum" sz="quarter" idx="12"/>
+          </p:nvPr>
+        </p:nvSpPr>
+        <p:spPr/>
+        <p:txBody>
+          <a:bodyPr/>
+          <a:lstStyle/>
+          <a:p>
+            <a:fld id="{519954A3-9DFD-4C44-94BA-B95130A3BA1C}" type="slidenum">
+              <a:rPr lang="en-US" sz="1100" smtClean="0"/>
+              <a:t>28</a:t>
+            </a:fld>
+            <a:endParaRPr lang="en-US" sz="1100" dirty="0"/>
+          </a:p>
+        </p:txBody>
+      </p:sp>
+      <p:sp>
+        <p:nvSpPr>
+          <p:cNvPr id="7" name="TextBox 6"/>
+          <p:cNvSpPr txBox="1"/>
+          <p:nvPr/>
+        </p:nvSpPr>
+        <p:spPr>
+          <a:xfrm>
+            <a:off x="711107" y="2596469"/>
+            <a:ext cx="7879556" cy="2185214"/>
+          </a:xfrm>
+          <a:prstGeom prst="rect">
+            <a:avLst/>
+          </a:prstGeom>
+          <a:noFill/>
+        </p:spPr>
+        <p:txBody>
+          <a:bodyPr wrap="square" rtlCol="0">
+            <a:spAutoFit/>
+          </a:bodyPr>
+          <a:lstStyle/>
+          <a:p>
+            <a:r>
+              <a:rPr lang="en-US" dirty="0" err="1" smtClean="0">
+                <a:latin typeface="Consolas" panose="020B0609020204030204" pitchFamily="49" charset="0"/>
+              </a:rPr>
+              <a:t>Svetlin</a:t>
+            </a:r>
+            <a:r>
+              <a:rPr lang="en-US" dirty="0" smtClean="0">
+                <a:latin typeface="Consolas" panose="020B0609020204030204" pitchFamily="49" charset="0"/>
+              </a:rPr>
+              <a:t> </a:t>
+            </a:r>
+            <a:r>
+              <a:rPr lang="en-US" dirty="0" err="1" smtClean="0">
+                <a:latin typeface="Consolas" panose="020B0609020204030204" pitchFamily="49" charset="0"/>
+              </a:rPr>
+              <a:t>Nakov</a:t>
+            </a:r>
+            <a:r>
+              <a:rPr lang="en-US" dirty="0" smtClean="0">
+                <a:latin typeface="Consolas" panose="020B0609020204030204" pitchFamily="49" charset="0"/>
+              </a:rPr>
+              <a:t> and Team</a:t>
+            </a:r>
+          </a:p>
+          <a:p>
+            <a:r>
+              <a:rPr lang="en-US" dirty="0" smtClean="0">
+                <a:latin typeface="Consolas" panose="020B0609020204030204" pitchFamily="49" charset="0"/>
+              </a:rPr>
+              <a:t>“Fundamentals of Computer Programming with C#”</a:t>
+            </a:r>
+          </a:p>
+          <a:p>
+            <a:endParaRPr lang="en-US" dirty="0">
+              <a:solidFill>
+                <a:srgbClr val="33CCCC"/>
+              </a:solidFill>
+              <a:latin typeface="Consolas" panose="020B0609020204030204" pitchFamily="49" charset="0"/>
+            </a:endParaRPr>
+          </a:p>
+          <a:p>
+            <a:r>
+              <a:rPr lang="en-US" dirty="0">
+                <a:solidFill>
+                  <a:srgbClr val="33CCCC"/>
+                </a:solidFill>
+                <a:latin typeface="Consolas" panose="020B0609020204030204" pitchFamily="49" charset="0"/>
+                <a:hlinkClick r:id="rId3"/>
+              </a:rPr>
+              <a:t>https://</a:t>
+            </a:r>
+            <a:r>
+              <a:rPr lang="en-US" dirty="0" smtClean="0">
+                <a:solidFill>
+                  <a:srgbClr val="33CCCC"/>
+                </a:solidFill>
+                <a:latin typeface="Consolas" panose="020B0609020204030204" pitchFamily="49" charset="0"/>
+                <a:hlinkClick r:id="rId3"/>
+              </a:rPr>
+              <a:t>introprogramming.info/english-intro-csharp-book</a:t>
+            </a:r>
+            <a:endParaRPr lang="en-US" dirty="0" smtClean="0">
+              <a:solidFill>
+                <a:srgbClr val="33CCCC"/>
+              </a:solidFill>
+              <a:latin typeface="Consolas" panose="020B0609020204030204" pitchFamily="49" charset="0"/>
+            </a:endParaRPr>
+          </a:p>
+          <a:p>
+            <a:endParaRPr lang="en-US" sz="1600" dirty="0" smtClean="0">
+              <a:solidFill>
+                <a:srgbClr val="33CCCC"/>
+              </a:solidFill>
+              <a:latin typeface="Consolas" panose="020B0609020204030204" pitchFamily="49" charset="0"/>
+            </a:endParaRPr>
+          </a:p>
+          <a:p>
+            <a:r>
+              <a:rPr lang="en-US" sz="1600" dirty="0" err="1" smtClean="0">
+                <a:latin typeface="Consolas" panose="020B0609020204030204" pitchFamily="49" charset="0"/>
+              </a:rPr>
+              <a:t>Metanit</a:t>
+            </a:r>
+            <a:r>
+              <a:rPr lang="en-US" sz="1600" dirty="0" smtClean="0">
+                <a:latin typeface="Consolas" panose="020B0609020204030204" pitchFamily="49" charset="0"/>
+              </a:rPr>
+              <a:t> site</a:t>
+            </a:r>
+          </a:p>
+          <a:p>
+            <a:endParaRPr lang="en-US" sz="1600" dirty="0" smtClean="0">
+              <a:latin typeface="Consolas" panose="020B0609020204030204" pitchFamily="49" charset="0"/>
+            </a:endParaRPr>
+          </a:p>
+          <a:p>
+            <a:r>
+              <a:rPr lang="en-US" sz="1600" dirty="0" smtClean="0">
+                <a:latin typeface="Consolas" panose="020B0609020204030204" pitchFamily="49" charset="0"/>
+                <a:hlinkClick r:id="rId4"/>
+              </a:rPr>
+              <a:t>https://metanit.com/sharp/tutorial/</a:t>
+            </a:r>
+            <a:endParaRPr lang="en-US" sz="1600" dirty="0" smtClean="0">
+              <a:latin typeface="Consolas" panose="020B0609020204030204" pitchFamily="49" charset="0"/>
+            </a:endParaRPr>
+          </a:p>
+        </p:txBody>
+      </p:sp>
+    </p:spTree>
+    <p:extLst>
+      <p:ext uri="{BB962C8B-B14F-4D97-AF65-F5344CB8AC3E}">
+        <p14:creationId xmlns:p14="http://schemas.microsoft.com/office/powerpoint/2010/main" val="3126519434"/>
+      </p:ext>
+    </p:extLst>
+  </p:cSld>
+  <p:clrMapOvr>
+    <a:masterClrMapping/>
+  </p:clrMapOvr>
+  <p:timing>
+    <p:tnLst>
+      <p:par>
+        <p:cTn id="1" dur="indefinite" restart="never" nodeType="tmRoot"/>
+      </p:par>
+    </p:tnLst>
+  </p:timing>
+</p:sld>
+</file>
+
+<file path=ppt/slides/slide29.xml><?xml version="1.0" encoding="utf-8"?>
+<p:sld xmlns:a="http://schemas.openxmlformats.org/drawingml/2006/main" xmlns:r="http://schemas.openxmlformats.org/officeDocument/2006/relationships" xmlns:p="http://schemas.openxmlformats.org/presentationml/2006/main">
+  <p:cSld>
+    <p:spTree>
+      <p:nvGrpSpPr>
+        <p:cNvPr id="1" name=""/>
+        <p:cNvGrpSpPr/>
+        <p:nvPr/>
+      </p:nvGrpSpPr>
+      <p:grpSpPr>
+        <a:xfrm>
+          <a:off x="0" y="0"/>
+          <a:ext cx="0" cy="0"/>
+          <a:chOff x="0" y="0"/>
+          <a:chExt cx="0" cy="0"/>
+        </a:xfrm>
+      </p:grpSpPr>
+      <p:sp>
+        <p:nvSpPr>
           <p:cNvPr id="4" name="Дата 3"/>
           <p:cNvSpPr>
             <a:spLocks noGrp="1"/>
@@ -24331,7 +29047,7 @@
           <a:p>
             <a:fld id="{E3705B4D-1726-4BAB-A90E-07379DAEAD37}" type="datetime3">
               <a:rPr lang="en-US" sz="1100" smtClean="0"/>
-              <a:t>8 October 2021</a:t>
+              <a:t>11 October 2021</a:t>
             </a:fld>
             <a:endParaRPr lang="en-US" sz="1100" dirty="0"/>
           </a:p>
@@ -24387,7 +29103,7 @@
           <a:p>
             <a:fld id="{519954A3-9DFD-4C44-94BA-B95130A3BA1C}" type="slidenum">
               <a:rPr lang="en-US" sz="1100" smtClean="0"/>
-              <a:t>26</a:t>
+              <a:t>29</a:t>
             </a:fld>
             <a:endParaRPr lang="en-US" sz="1100" dirty="0"/>
           </a:p>
@@ -24783,7 +29499,7 @@
           <a:p>
             <a:fld id="{3792B3D8-82DF-4A6C-AFC1-06AFC1ABA742}" type="datetime3">
               <a:rPr lang="en-US" sz="1100" smtClean="0"/>
-              <a:t>8 October 2021</a:t>
+              <a:t>11 October 2021</a:t>
             </a:fld>
             <a:endParaRPr lang="en-US" sz="1100" dirty="0"/>
           </a:p>
@@ -25731,7 +30447,7 @@
           <a:p>
             <a:fld id="{E3705B4D-1726-4BAB-A90E-07379DAEAD37}" type="datetime3">
               <a:rPr lang="en-US" sz="1100" smtClean="0"/>
-              <a:t>8 October 2021</a:t>
+              <a:t>11 October 2021</a:t>
             </a:fld>
             <a:endParaRPr lang="en-US" sz="1100" dirty="0"/>
           </a:p>
@@ -26144,7 +30860,7 @@
           <a:p>
             <a:fld id="{171B5815-5139-4A68-A9FA-D26193D11F2D}" type="datetime3">
               <a:rPr lang="en-US" sz="1100" smtClean="0"/>
-              <a:t>8 October 2021</a:t>
+              <a:t>11 October 2021</a:t>
             </a:fld>
             <a:endParaRPr lang="en-US" sz="1100" dirty="0"/>
           </a:p>
@@ -27517,7 +32233,7 @@
           <a:p>
             <a:fld id="{E3705B4D-1726-4BAB-A90E-07379DAEAD37}" type="datetime3">
               <a:rPr lang="en-US" sz="1100" smtClean="0"/>
-              <a:t>8 October 2021</a:t>
+              <a:t>11 October 2021</a:t>
             </a:fld>
             <a:endParaRPr lang="en-US" sz="1100" dirty="0"/>
           </a:p>
@@ -27939,7 +32655,7 @@
           <a:p>
             <a:fld id="{E3705B4D-1726-4BAB-A90E-07379DAEAD37}" type="datetime3">
               <a:rPr lang="en-US" sz="1100" smtClean="0"/>
-              <a:t>8 October 2021</a:t>
+              <a:t>11 October 2021</a:t>
             </a:fld>
             <a:endParaRPr lang="en-US" sz="1100" dirty="0"/>
           </a:p>
@@ -29360,7 +34076,7 @@
           <a:p>
             <a:fld id="{146212BB-D587-45E4-8C80-89DA935C1E81}" type="datetime3">
               <a:rPr lang="en-US" sz="1100" smtClean="0"/>
-              <a:t>8 October 2021</a:t>
+              <a:t>11 October 2021</a:t>
             </a:fld>
             <a:endParaRPr lang="en-US" sz="1100" dirty="0"/>
           </a:p>
@@ -30178,7 +34894,7 @@
           <a:p>
             <a:fld id="{63E2318F-0C04-4A9D-B71F-4760BF0D8622}" type="datetime3">
               <a:rPr lang="en-US" sz="1100" smtClean="0"/>
-              <a:t>8 October 2021</a:t>
+              <a:t>11 October 2021</a:t>
             </a:fld>
             <a:endParaRPr lang="en-US" sz="1100" dirty="0"/>
           </a:p>

--- a/Alifanov.ITLeadersCourse/Automated framework with C#.pptx
+++ b/Alifanov.ITLeadersCourse/Automated framework with C#.pptx
@@ -5,7 +5,7 @@
     <p:sldMasterId id="2147483648" r:id="rId1"/>
   </p:sldMasterIdLst>
   <p:notesMasterIdLst>
-    <p:notesMasterId r:id="rId31"/>
+    <p:notesMasterId r:id="rId37"/>
   </p:notesMasterIdLst>
   <p:sldIdLst>
     <p:sldId id="256" r:id="rId2"/>
@@ -35,8 +35,14 @@
     <p:sldId id="285" r:id="rId26"/>
     <p:sldId id="288" r:id="rId27"/>
     <p:sldId id="274" r:id="rId28"/>
-    <p:sldId id="295" r:id="rId29"/>
-    <p:sldId id="294" r:id="rId30"/>
+    <p:sldId id="286" r:id="rId29"/>
+    <p:sldId id="289" r:id="rId30"/>
+    <p:sldId id="290" r:id="rId31"/>
+    <p:sldId id="291" r:id="rId32"/>
+    <p:sldId id="292" r:id="rId33"/>
+    <p:sldId id="293" r:id="rId34"/>
+    <p:sldId id="295" r:id="rId35"/>
+    <p:sldId id="294" r:id="rId36"/>
   </p:sldIdLst>
   <p:sldSz cx="12192000" cy="6858000"/>
   <p:notesSz cx="6858000" cy="9144000"/>
@@ -237,7 +243,7 @@
           <a:p>
             <a:fld id="{04BB28D0-A67A-445A-845D-15D23A1D5A30}" type="datetimeFigureOut">
               <a:rPr lang="en-US" smtClean="0"/>
-              <a:t>10/11/2021</a:t>
+              <a:t>10/5/2021</a:t>
             </a:fld>
             <a:endParaRPr lang="en-US"/>
           </a:p>
@@ -2534,9 +2540,10 @@
           <a:lstStyle/>
           <a:p>
             <a:pPr marL="0" indent="0">
+              <a:buFont typeface="+mj-lt"/>
               <a:buNone/>
             </a:pPr>
-            <a:endParaRPr lang="en-US" baseline="0" dirty="0" smtClean="0"/>
+            <a:endParaRPr lang="en-US" dirty="0" smtClean="0"/>
           </a:p>
         </p:txBody>
       </p:sp>
@@ -2566,7 +2573,7 @@
     </p:spTree>
     <p:extLst>
       <p:ext uri="{BB962C8B-B14F-4D97-AF65-F5344CB8AC3E}">
-        <p14:creationId xmlns:p14="http://schemas.microsoft.com/office/powerpoint/2010/main" val="489106304"/>
+        <p14:creationId xmlns:p14="http://schemas.microsoft.com/office/powerpoint/2010/main" val="2304659476"/>
       </p:ext>
     </p:extLst>
   </p:cSld>
@@ -2621,10 +2628,97 @@
           <a:lstStyle/>
           <a:p>
             <a:pPr marL="0" indent="0">
-              <a:buFont typeface="+mj-lt"/>
               <a:buNone/>
             </a:pPr>
-            <a:endParaRPr lang="en-US" dirty="0" smtClean="0"/>
+            <a:r>
+              <a:rPr lang="en-US" baseline="0" dirty="0" smtClean="0"/>
+              <a:t>Lesson 6 Exception Handling</a:t>
+            </a:r>
+          </a:p>
+          <a:p>
+            <a:pPr marL="228600" indent="-228600">
+              <a:buAutoNum type="arabicPeriod"/>
+            </a:pPr>
+            <a:r>
+              <a:rPr lang="en-US" baseline="0" dirty="0" smtClean="0"/>
+              <a:t>Homework questions and answers</a:t>
+            </a:r>
+          </a:p>
+          <a:p>
+            <a:pPr marL="228600" indent="-228600">
+              <a:buAutoNum type="arabicPeriod"/>
+            </a:pPr>
+            <a:r>
+              <a:rPr lang="en-US" baseline="0" dirty="0" smtClean="0"/>
+              <a:t>Introduction</a:t>
+            </a:r>
+          </a:p>
+          <a:p>
+            <a:pPr marL="228600" indent="-228600">
+              <a:buAutoNum type="arabicPeriod"/>
+            </a:pPr>
+            <a:r>
+              <a:rPr lang="en-US" baseline="0" dirty="0" smtClean="0"/>
+              <a:t>Create a new branch</a:t>
+            </a:r>
+          </a:p>
+          <a:p>
+            <a:pPr marL="228600" indent="-228600">
+              <a:buAutoNum type="arabicPeriod"/>
+            </a:pPr>
+            <a:r>
+              <a:rPr lang="en-US" dirty="0" smtClean="0"/>
+              <a:t>Make</a:t>
+            </a:r>
+            <a:r>
+              <a:rPr lang="en-US" baseline="0" dirty="0" smtClean="0"/>
+              <a:t> a commit</a:t>
+            </a:r>
+          </a:p>
+          <a:p>
+            <a:pPr marL="228600" indent="-228600">
+              <a:buAutoNum type="arabicPeriod"/>
+            </a:pPr>
+            <a:r>
+              <a:rPr lang="en-US" baseline="0" dirty="0" smtClean="0"/>
+              <a:t>Push the commit</a:t>
+            </a:r>
+          </a:p>
+          <a:p>
+            <a:pPr marL="228600" indent="-228600">
+              <a:buAutoNum type="arabicPeriod"/>
+            </a:pPr>
+            <a:r>
+              <a:rPr lang="en-US" baseline="0" dirty="0" smtClean="0"/>
+              <a:t>Make a PR and approve it</a:t>
+            </a:r>
+          </a:p>
+          <a:p>
+            <a:pPr marL="228600" indent="-228600">
+              <a:buAutoNum type="arabicPeriod"/>
+            </a:pPr>
+            <a:endParaRPr lang="en-US" baseline="0" dirty="0" smtClean="0"/>
+          </a:p>
+          <a:p>
+            <a:pPr marL="0" indent="0">
+              <a:buNone/>
+            </a:pPr>
+            <a:r>
+              <a:rPr lang="en-US" baseline="0" dirty="0" smtClean="0"/>
+              <a:t>End Lesson 6</a:t>
+            </a:r>
+          </a:p>
+          <a:p>
+            <a:pPr marL="0" indent="0">
+              <a:buNone/>
+            </a:pPr>
+            <a:endParaRPr lang="en-US" baseline="0" dirty="0" smtClean="0"/>
+          </a:p>
+          <a:p>
+            <a:pPr marL="0" indent="0">
+              <a:buNone/>
+            </a:pPr>
+            <a:endParaRPr lang="en-US" baseline="0" dirty="0" smtClean="0"/>
           </a:p>
         </p:txBody>
       </p:sp>
@@ -2654,7 +2748,212 @@
     </p:spTree>
     <p:extLst>
       <p:ext uri="{BB962C8B-B14F-4D97-AF65-F5344CB8AC3E}">
-        <p14:creationId xmlns:p14="http://schemas.microsoft.com/office/powerpoint/2010/main" val="760581871"/>
+        <p14:creationId xmlns:p14="http://schemas.microsoft.com/office/powerpoint/2010/main" val="2067590138"/>
+      </p:ext>
+    </p:extLst>
+  </p:cSld>
+  <p:clrMapOvr>
+    <a:masterClrMapping/>
+  </p:clrMapOvr>
+</p:notes>
+</file>
+
+<file path=ppt/notesSlides/notesSlide28.xml><?xml version="1.0" encoding="utf-8"?>
+<p:notes xmlns:a="http://schemas.openxmlformats.org/drawingml/2006/main" xmlns:r="http://schemas.openxmlformats.org/officeDocument/2006/relationships" xmlns:p="http://schemas.openxmlformats.org/presentationml/2006/main">
+  <p:cSld>
+    <p:spTree>
+      <p:nvGrpSpPr>
+        <p:cNvPr id="1" name=""/>
+        <p:cNvGrpSpPr/>
+        <p:nvPr/>
+      </p:nvGrpSpPr>
+      <p:grpSpPr>
+        <a:xfrm>
+          <a:off x="0" y="0"/>
+          <a:ext cx="0" cy="0"/>
+          <a:chOff x="0" y="0"/>
+          <a:chExt cx="0" cy="0"/>
+        </a:xfrm>
+      </p:grpSpPr>
+      <p:sp>
+        <p:nvSpPr>
+          <p:cNvPr id="2" name="Образ слайда 1"/>
+          <p:cNvSpPr>
+            <a:spLocks noGrp="1" noRot="1" noChangeAspect="1"/>
+          </p:cNvSpPr>
+          <p:nvPr>
+            <p:ph type="sldImg"/>
+          </p:nvPr>
+        </p:nvSpPr>
+        <p:spPr/>
+      </p:sp>
+      <p:sp>
+        <p:nvSpPr>
+          <p:cNvPr id="3" name="Заметки 2"/>
+          <p:cNvSpPr>
+            <a:spLocks noGrp="1"/>
+          </p:cNvSpPr>
+          <p:nvPr>
+            <p:ph type="body" idx="1"/>
+          </p:nvPr>
+        </p:nvSpPr>
+        <p:spPr/>
+        <p:txBody>
+          <a:bodyPr/>
+          <a:lstStyle/>
+          <a:p>
+            <a:pPr marL="0" indent="0">
+              <a:buFont typeface="+mj-lt"/>
+              <a:buNone/>
+            </a:pPr>
+            <a:endParaRPr lang="en-US" dirty="0" smtClean="0"/>
+          </a:p>
+        </p:txBody>
+      </p:sp>
+      <p:sp>
+        <p:nvSpPr>
+          <p:cNvPr id="4" name="Номер слайда 3"/>
+          <p:cNvSpPr>
+            <a:spLocks noGrp="1"/>
+          </p:cNvSpPr>
+          <p:nvPr>
+            <p:ph type="sldNum" sz="quarter" idx="10"/>
+          </p:nvPr>
+        </p:nvSpPr>
+        <p:spPr/>
+        <p:txBody>
+          <a:bodyPr/>
+          <a:lstStyle/>
+          <a:p>
+            <a:fld id="{72322572-43F4-4B03-89EA-3E2E4F93C9D1}" type="slidenum">
+              <a:rPr lang="en-US" smtClean="0"/>
+              <a:t>30</a:t>
+            </a:fld>
+            <a:endParaRPr lang="en-US"/>
+          </a:p>
+        </p:txBody>
+      </p:sp>
+    </p:spTree>
+    <p:extLst>
+      <p:ext uri="{BB962C8B-B14F-4D97-AF65-F5344CB8AC3E}">
+        <p14:creationId xmlns:p14="http://schemas.microsoft.com/office/powerpoint/2010/main" val="2237499151"/>
+      </p:ext>
+    </p:extLst>
+  </p:cSld>
+  <p:clrMapOvr>
+    <a:masterClrMapping/>
+  </p:clrMapOvr>
+</p:notes>
+</file>
+
+<file path=ppt/notesSlides/notesSlide29.xml><?xml version="1.0" encoding="utf-8"?>
+<p:notes xmlns:a="http://schemas.openxmlformats.org/drawingml/2006/main" xmlns:r="http://schemas.openxmlformats.org/officeDocument/2006/relationships" xmlns:p="http://schemas.openxmlformats.org/presentationml/2006/main">
+  <p:cSld>
+    <p:spTree>
+      <p:nvGrpSpPr>
+        <p:cNvPr id="1" name=""/>
+        <p:cNvGrpSpPr/>
+        <p:nvPr/>
+      </p:nvGrpSpPr>
+      <p:grpSpPr>
+        <a:xfrm>
+          <a:off x="0" y="0"/>
+          <a:ext cx="0" cy="0"/>
+          <a:chOff x="0" y="0"/>
+          <a:chExt cx="0" cy="0"/>
+        </a:xfrm>
+      </p:grpSpPr>
+      <p:sp>
+        <p:nvSpPr>
+          <p:cNvPr id="2" name="Образ слайда 1"/>
+          <p:cNvSpPr>
+            <a:spLocks noGrp="1" noRot="1" noChangeAspect="1"/>
+          </p:cNvSpPr>
+          <p:nvPr>
+            <p:ph type="sldImg"/>
+          </p:nvPr>
+        </p:nvSpPr>
+        <p:spPr/>
+      </p:sp>
+      <p:sp>
+        <p:nvSpPr>
+          <p:cNvPr id="3" name="Заметки 2"/>
+          <p:cNvSpPr>
+            <a:spLocks noGrp="1"/>
+          </p:cNvSpPr>
+          <p:nvPr>
+            <p:ph type="body" idx="1"/>
+          </p:nvPr>
+        </p:nvSpPr>
+        <p:spPr/>
+        <p:txBody>
+          <a:bodyPr/>
+          <a:lstStyle/>
+          <a:p>
+            <a:pPr marL="0" indent="0">
+              <a:buNone/>
+            </a:pPr>
+            <a:r>
+              <a:rPr lang="en-US" baseline="0" dirty="0" smtClean="0"/>
+              <a:t>Lesson 7 Exception Handling</a:t>
+            </a:r>
+          </a:p>
+          <a:p>
+            <a:pPr marL="228600" indent="-228600">
+              <a:buAutoNum type="arabicPeriod"/>
+            </a:pPr>
+            <a:r>
+              <a:rPr lang="en-US" baseline="0" dirty="0" smtClean="0"/>
+              <a:t>Homework questions and answers</a:t>
+            </a:r>
+          </a:p>
+          <a:p>
+            <a:pPr marL="228600" indent="-228600">
+              <a:buAutoNum type="arabicPeriod"/>
+            </a:pPr>
+            <a:r>
+              <a:rPr lang="en-US" baseline="0" dirty="0" smtClean="0"/>
+              <a:t>Introduction</a:t>
+            </a:r>
+          </a:p>
+          <a:p>
+            <a:pPr marL="228600" indent="-228600">
+              <a:buAutoNum type="arabicPeriod"/>
+            </a:pPr>
+            <a:r>
+              <a:rPr lang="en-US" baseline="0" dirty="0" smtClean="0"/>
+              <a:t>Create a new branch</a:t>
+            </a:r>
+          </a:p>
+        </p:txBody>
+      </p:sp>
+      <p:sp>
+        <p:nvSpPr>
+          <p:cNvPr id="4" name="Номер слайда 3"/>
+          <p:cNvSpPr>
+            <a:spLocks noGrp="1"/>
+          </p:cNvSpPr>
+          <p:nvPr>
+            <p:ph type="sldNum" sz="quarter" idx="10"/>
+          </p:nvPr>
+        </p:nvSpPr>
+        <p:spPr/>
+        <p:txBody>
+          <a:bodyPr/>
+          <a:lstStyle/>
+          <a:p>
+            <a:fld id="{72322572-43F4-4B03-89EA-3E2E4F93C9D1}" type="slidenum">
+              <a:rPr lang="en-US" smtClean="0"/>
+              <a:t>31</a:t>
+            </a:fld>
+            <a:endParaRPr lang="en-US"/>
+          </a:p>
+        </p:txBody>
+      </p:sp>
+    </p:spTree>
+    <p:extLst>
+      <p:ext uri="{BB962C8B-B14F-4D97-AF65-F5344CB8AC3E}">
+        <p14:creationId xmlns:p14="http://schemas.microsoft.com/office/powerpoint/2010/main" val="800124656"/>
       </p:ext>
     </p:extLst>
   </p:cSld>
@@ -2739,6 +3038,395 @@
     <p:extLst>
       <p:ext uri="{BB962C8B-B14F-4D97-AF65-F5344CB8AC3E}">
         <p14:creationId xmlns:p14="http://schemas.microsoft.com/office/powerpoint/2010/main" val="191711215"/>
+      </p:ext>
+    </p:extLst>
+  </p:cSld>
+  <p:clrMapOvr>
+    <a:masterClrMapping/>
+  </p:clrMapOvr>
+</p:notes>
+</file>
+
+<file path=ppt/notesSlides/notesSlide30.xml><?xml version="1.0" encoding="utf-8"?>
+<p:notes xmlns:a="http://schemas.openxmlformats.org/drawingml/2006/main" xmlns:r="http://schemas.openxmlformats.org/officeDocument/2006/relationships" xmlns:p="http://schemas.openxmlformats.org/presentationml/2006/main">
+  <p:cSld>
+    <p:spTree>
+      <p:nvGrpSpPr>
+        <p:cNvPr id="1" name=""/>
+        <p:cNvGrpSpPr/>
+        <p:nvPr/>
+      </p:nvGrpSpPr>
+      <p:grpSpPr>
+        <a:xfrm>
+          <a:off x="0" y="0"/>
+          <a:ext cx="0" cy="0"/>
+          <a:chOff x="0" y="0"/>
+          <a:chExt cx="0" cy="0"/>
+        </a:xfrm>
+      </p:grpSpPr>
+      <p:sp>
+        <p:nvSpPr>
+          <p:cNvPr id="2" name="Образ слайда 1"/>
+          <p:cNvSpPr>
+            <a:spLocks noGrp="1" noRot="1" noChangeAspect="1"/>
+          </p:cNvSpPr>
+          <p:nvPr>
+            <p:ph type="sldImg"/>
+          </p:nvPr>
+        </p:nvSpPr>
+        <p:spPr/>
+      </p:sp>
+      <p:sp>
+        <p:nvSpPr>
+          <p:cNvPr id="3" name="Заметки 2"/>
+          <p:cNvSpPr>
+            <a:spLocks noGrp="1"/>
+          </p:cNvSpPr>
+          <p:nvPr>
+            <p:ph type="body" idx="1"/>
+          </p:nvPr>
+        </p:nvSpPr>
+        <p:spPr/>
+        <p:txBody>
+          <a:bodyPr/>
+          <a:lstStyle/>
+          <a:p>
+            <a:pPr marL="0" indent="0">
+              <a:buNone/>
+            </a:pPr>
+            <a:endParaRPr lang="en-US" baseline="0" dirty="0" smtClean="0"/>
+          </a:p>
+        </p:txBody>
+      </p:sp>
+      <p:sp>
+        <p:nvSpPr>
+          <p:cNvPr id="4" name="Номер слайда 3"/>
+          <p:cNvSpPr>
+            <a:spLocks noGrp="1"/>
+          </p:cNvSpPr>
+          <p:nvPr>
+            <p:ph type="sldNum" sz="quarter" idx="10"/>
+          </p:nvPr>
+        </p:nvSpPr>
+        <p:spPr/>
+        <p:txBody>
+          <a:bodyPr/>
+          <a:lstStyle/>
+          <a:p>
+            <a:fld id="{72322572-43F4-4B03-89EA-3E2E4F93C9D1}" type="slidenum">
+              <a:rPr lang="en-US" smtClean="0"/>
+              <a:t>32</a:t>
+            </a:fld>
+            <a:endParaRPr lang="en-US"/>
+          </a:p>
+        </p:txBody>
+      </p:sp>
+    </p:spTree>
+    <p:extLst>
+      <p:ext uri="{BB962C8B-B14F-4D97-AF65-F5344CB8AC3E}">
+        <p14:creationId xmlns:p14="http://schemas.microsoft.com/office/powerpoint/2010/main" val="4126463728"/>
+      </p:ext>
+    </p:extLst>
+  </p:cSld>
+  <p:clrMapOvr>
+    <a:masterClrMapping/>
+  </p:clrMapOvr>
+</p:notes>
+</file>
+
+<file path=ppt/notesSlides/notesSlide31.xml><?xml version="1.0" encoding="utf-8"?>
+<p:notes xmlns:a="http://schemas.openxmlformats.org/drawingml/2006/main" xmlns:r="http://schemas.openxmlformats.org/officeDocument/2006/relationships" xmlns:p="http://schemas.openxmlformats.org/presentationml/2006/main">
+  <p:cSld>
+    <p:spTree>
+      <p:nvGrpSpPr>
+        <p:cNvPr id="1" name=""/>
+        <p:cNvGrpSpPr/>
+        <p:nvPr/>
+      </p:nvGrpSpPr>
+      <p:grpSpPr>
+        <a:xfrm>
+          <a:off x="0" y="0"/>
+          <a:ext cx="0" cy="0"/>
+          <a:chOff x="0" y="0"/>
+          <a:chExt cx="0" cy="0"/>
+        </a:xfrm>
+      </p:grpSpPr>
+      <p:sp>
+        <p:nvSpPr>
+          <p:cNvPr id="2" name="Образ слайда 1"/>
+          <p:cNvSpPr>
+            <a:spLocks noGrp="1" noRot="1" noChangeAspect="1"/>
+          </p:cNvSpPr>
+          <p:nvPr>
+            <p:ph type="sldImg"/>
+          </p:nvPr>
+        </p:nvSpPr>
+        <p:spPr/>
+      </p:sp>
+      <p:sp>
+        <p:nvSpPr>
+          <p:cNvPr id="3" name="Заметки 2"/>
+          <p:cNvSpPr>
+            <a:spLocks noGrp="1"/>
+          </p:cNvSpPr>
+          <p:nvPr>
+            <p:ph type="body" idx="1"/>
+          </p:nvPr>
+        </p:nvSpPr>
+        <p:spPr/>
+        <p:txBody>
+          <a:bodyPr/>
+          <a:lstStyle/>
+          <a:p>
+            <a:pPr marL="228600" indent="-228600">
+              <a:buAutoNum type="arabicPeriod"/>
+            </a:pPr>
+            <a:r>
+              <a:rPr lang="en-US" dirty="0" smtClean="0"/>
+              <a:t>Make</a:t>
+            </a:r>
+            <a:r>
+              <a:rPr lang="en-US" baseline="0" dirty="0" smtClean="0"/>
+              <a:t> a commit</a:t>
+            </a:r>
+          </a:p>
+          <a:p>
+            <a:pPr marL="228600" indent="-228600">
+              <a:buAutoNum type="arabicPeriod"/>
+            </a:pPr>
+            <a:r>
+              <a:rPr lang="en-US" baseline="0" dirty="0" smtClean="0"/>
+              <a:t>Push the commit</a:t>
+            </a:r>
+          </a:p>
+          <a:p>
+            <a:pPr marL="228600" indent="-228600">
+              <a:buAutoNum type="arabicPeriod"/>
+            </a:pPr>
+            <a:r>
+              <a:rPr lang="en-US" baseline="0" dirty="0" smtClean="0"/>
+              <a:t>Make a PR and approve it</a:t>
+            </a:r>
+          </a:p>
+          <a:p>
+            <a:pPr marL="228600" indent="-228600">
+              <a:buAutoNum type="arabicPeriod"/>
+            </a:pPr>
+            <a:endParaRPr lang="en-US" baseline="0" dirty="0" smtClean="0"/>
+          </a:p>
+          <a:p>
+            <a:pPr marL="0" indent="0">
+              <a:buNone/>
+            </a:pPr>
+            <a:r>
+              <a:rPr lang="en-US" baseline="0" dirty="0" smtClean="0"/>
+              <a:t>End Lesson 7</a:t>
+            </a:r>
+          </a:p>
+        </p:txBody>
+      </p:sp>
+      <p:sp>
+        <p:nvSpPr>
+          <p:cNvPr id="4" name="Номер слайда 3"/>
+          <p:cNvSpPr>
+            <a:spLocks noGrp="1"/>
+          </p:cNvSpPr>
+          <p:nvPr>
+            <p:ph type="sldNum" sz="quarter" idx="10"/>
+          </p:nvPr>
+        </p:nvSpPr>
+        <p:spPr/>
+        <p:txBody>
+          <a:bodyPr/>
+          <a:lstStyle/>
+          <a:p>
+            <a:fld id="{72322572-43F4-4B03-89EA-3E2E4F93C9D1}" type="slidenum">
+              <a:rPr lang="en-US" smtClean="0"/>
+              <a:t>33</a:t>
+            </a:fld>
+            <a:endParaRPr lang="en-US"/>
+          </a:p>
+        </p:txBody>
+      </p:sp>
+    </p:spTree>
+    <p:extLst>
+      <p:ext uri="{BB962C8B-B14F-4D97-AF65-F5344CB8AC3E}">
+        <p14:creationId xmlns:p14="http://schemas.microsoft.com/office/powerpoint/2010/main" val="2496205111"/>
+      </p:ext>
+    </p:extLst>
+  </p:cSld>
+  <p:clrMapOvr>
+    <a:masterClrMapping/>
+  </p:clrMapOvr>
+</p:notes>
+</file>
+
+<file path=ppt/notesSlides/notesSlide32.xml><?xml version="1.0" encoding="utf-8"?>
+<p:notes xmlns:a="http://schemas.openxmlformats.org/drawingml/2006/main" xmlns:r="http://schemas.openxmlformats.org/officeDocument/2006/relationships" xmlns:p="http://schemas.openxmlformats.org/presentationml/2006/main">
+  <p:cSld>
+    <p:spTree>
+      <p:nvGrpSpPr>
+        <p:cNvPr id="1" name=""/>
+        <p:cNvGrpSpPr/>
+        <p:nvPr/>
+      </p:nvGrpSpPr>
+      <p:grpSpPr>
+        <a:xfrm>
+          <a:off x="0" y="0"/>
+          <a:ext cx="0" cy="0"/>
+          <a:chOff x="0" y="0"/>
+          <a:chExt cx="0" cy="0"/>
+        </a:xfrm>
+      </p:grpSpPr>
+      <p:sp>
+        <p:nvSpPr>
+          <p:cNvPr id="2" name="Образ слайда 1"/>
+          <p:cNvSpPr>
+            <a:spLocks noGrp="1" noRot="1" noChangeAspect="1"/>
+          </p:cNvSpPr>
+          <p:nvPr>
+            <p:ph type="sldImg"/>
+          </p:nvPr>
+        </p:nvSpPr>
+        <p:spPr/>
+      </p:sp>
+      <p:sp>
+        <p:nvSpPr>
+          <p:cNvPr id="3" name="Заметки 2"/>
+          <p:cNvSpPr>
+            <a:spLocks noGrp="1"/>
+          </p:cNvSpPr>
+          <p:nvPr>
+            <p:ph type="body" idx="1"/>
+          </p:nvPr>
+        </p:nvSpPr>
+        <p:spPr/>
+        <p:txBody>
+          <a:bodyPr/>
+          <a:lstStyle/>
+          <a:p>
+            <a:pPr marL="0" indent="0">
+              <a:buNone/>
+            </a:pPr>
+            <a:endParaRPr lang="en-US" baseline="0" dirty="0" smtClean="0"/>
+          </a:p>
+        </p:txBody>
+      </p:sp>
+      <p:sp>
+        <p:nvSpPr>
+          <p:cNvPr id="4" name="Номер слайда 3"/>
+          <p:cNvSpPr>
+            <a:spLocks noGrp="1"/>
+          </p:cNvSpPr>
+          <p:nvPr>
+            <p:ph type="sldNum" sz="quarter" idx="10"/>
+          </p:nvPr>
+        </p:nvSpPr>
+        <p:spPr/>
+        <p:txBody>
+          <a:bodyPr/>
+          <a:lstStyle/>
+          <a:p>
+            <a:fld id="{72322572-43F4-4B03-89EA-3E2E4F93C9D1}" type="slidenum">
+              <a:rPr lang="en-US" smtClean="0"/>
+              <a:t>34</a:t>
+            </a:fld>
+            <a:endParaRPr lang="en-US"/>
+          </a:p>
+        </p:txBody>
+      </p:sp>
+    </p:spTree>
+    <p:extLst>
+      <p:ext uri="{BB962C8B-B14F-4D97-AF65-F5344CB8AC3E}">
+        <p14:creationId xmlns:p14="http://schemas.microsoft.com/office/powerpoint/2010/main" val="489106304"/>
+      </p:ext>
+    </p:extLst>
+  </p:cSld>
+  <p:clrMapOvr>
+    <a:masterClrMapping/>
+  </p:clrMapOvr>
+</p:notes>
+</file>
+
+<file path=ppt/notesSlides/notesSlide33.xml><?xml version="1.0" encoding="utf-8"?>
+<p:notes xmlns:a="http://schemas.openxmlformats.org/drawingml/2006/main" xmlns:r="http://schemas.openxmlformats.org/officeDocument/2006/relationships" xmlns:p="http://schemas.openxmlformats.org/presentationml/2006/main">
+  <p:cSld>
+    <p:spTree>
+      <p:nvGrpSpPr>
+        <p:cNvPr id="1" name=""/>
+        <p:cNvGrpSpPr/>
+        <p:nvPr/>
+      </p:nvGrpSpPr>
+      <p:grpSpPr>
+        <a:xfrm>
+          <a:off x="0" y="0"/>
+          <a:ext cx="0" cy="0"/>
+          <a:chOff x="0" y="0"/>
+          <a:chExt cx="0" cy="0"/>
+        </a:xfrm>
+      </p:grpSpPr>
+      <p:sp>
+        <p:nvSpPr>
+          <p:cNvPr id="2" name="Образ слайда 1"/>
+          <p:cNvSpPr>
+            <a:spLocks noGrp="1" noRot="1" noChangeAspect="1"/>
+          </p:cNvSpPr>
+          <p:nvPr>
+            <p:ph type="sldImg"/>
+          </p:nvPr>
+        </p:nvSpPr>
+        <p:spPr/>
+      </p:sp>
+      <p:sp>
+        <p:nvSpPr>
+          <p:cNvPr id="3" name="Заметки 2"/>
+          <p:cNvSpPr>
+            <a:spLocks noGrp="1"/>
+          </p:cNvSpPr>
+          <p:nvPr>
+            <p:ph type="body" idx="1"/>
+          </p:nvPr>
+        </p:nvSpPr>
+        <p:spPr/>
+        <p:txBody>
+          <a:bodyPr/>
+          <a:lstStyle/>
+          <a:p>
+            <a:pPr marL="0" indent="0">
+              <a:buFont typeface="+mj-lt"/>
+              <a:buNone/>
+            </a:pPr>
+            <a:endParaRPr lang="en-US" dirty="0" smtClean="0"/>
+          </a:p>
+        </p:txBody>
+      </p:sp>
+      <p:sp>
+        <p:nvSpPr>
+          <p:cNvPr id="4" name="Номер слайда 3"/>
+          <p:cNvSpPr>
+            <a:spLocks noGrp="1"/>
+          </p:cNvSpPr>
+          <p:nvPr>
+            <p:ph type="sldNum" sz="quarter" idx="10"/>
+          </p:nvPr>
+        </p:nvSpPr>
+        <p:spPr/>
+        <p:txBody>
+          <a:bodyPr/>
+          <a:lstStyle/>
+          <a:p>
+            <a:fld id="{72322572-43F4-4B03-89EA-3E2E4F93C9D1}" type="slidenum">
+              <a:rPr lang="en-US" smtClean="0"/>
+              <a:t>35</a:t>
+            </a:fld>
+            <a:endParaRPr lang="en-US"/>
+          </a:p>
+        </p:txBody>
+      </p:sp>
+    </p:spTree>
+    <p:extLst>
+      <p:ext uri="{BB962C8B-B14F-4D97-AF65-F5344CB8AC3E}">
+        <p14:creationId xmlns:p14="http://schemas.microsoft.com/office/powerpoint/2010/main" val="760581871"/>
       </p:ext>
     </p:extLst>
   </p:cSld>
@@ -4216,7 +4904,7 @@
           <a:p>
             <a:fld id="{6E0645D3-1BEA-4FA9-AB54-C0B0A8D021AD}" type="datetime3">
               <a:rPr lang="en-US" smtClean="0"/>
-              <a:t>11 October 2021</a:t>
+              <a:t>5 October 2021</a:t>
             </a:fld>
             <a:endParaRPr lang="en-US" dirty="0"/>
           </a:p>
@@ -4467,7 +5155,7 @@
           <a:p>
             <a:fld id="{40AD50CD-C363-44DD-AE5B-203C5D40B13B}" type="datetime3">
               <a:rPr lang="en-US" smtClean="0"/>
-              <a:t>11 October 2021</a:t>
+              <a:t>5 October 2021</a:t>
             </a:fld>
             <a:endParaRPr lang="en-US" dirty="0"/>
           </a:p>
@@ -4781,7 +5469,7 @@
           <a:p>
             <a:fld id="{E7409F44-56A9-4002-AEB5-86A43D19CA2F}" type="datetime3">
               <a:rPr lang="en-US" smtClean="0"/>
-              <a:t>11 October 2021</a:t>
+              <a:t>5 October 2021</a:t>
             </a:fld>
             <a:endParaRPr lang="en-US" dirty="0"/>
           </a:p>
@@ -5114,7 +5802,7 @@
           <a:p>
             <a:fld id="{FFD852B1-13FD-4F6A-80A3-877B1622CBE7}" type="datetime3">
               <a:rPr lang="en-US" smtClean="0"/>
-              <a:t>11 October 2021</a:t>
+              <a:t>5 October 2021</a:t>
             </a:fld>
             <a:endParaRPr lang="en-US" dirty="0"/>
           </a:p>
@@ -5428,7 +6116,7 @@
           <a:p>
             <a:fld id="{43C90565-36C7-4CB4-BE45-1F37694E5E2A}" type="datetime3">
               <a:rPr lang="en-US" smtClean="0"/>
-              <a:t>11 October 2021</a:t>
+              <a:t>5 October 2021</a:t>
             </a:fld>
             <a:endParaRPr lang="en-US" dirty="0"/>
           </a:p>
@@ -5821,7 +6509,7 @@
           <a:p>
             <a:fld id="{D8422CB0-85AD-4000-A60E-F3ADFE1EC577}" type="datetime3">
               <a:rPr lang="en-US" smtClean="0"/>
-              <a:t>11 October 2021</a:t>
+              <a:t>5 October 2021</a:t>
             </a:fld>
             <a:endParaRPr lang="en-US" dirty="0"/>
           </a:p>
@@ -5991,7 +6679,7 @@
           <a:p>
             <a:fld id="{CCF8BAE4-1F19-418E-A8BB-79A48576D4EA}" type="datetime3">
               <a:rPr lang="en-US" smtClean="0"/>
-              <a:t>11 October 2021</a:t>
+              <a:t>5 October 2021</a:t>
             </a:fld>
             <a:endParaRPr lang="en-US" dirty="0"/>
           </a:p>
@@ -6170,7 +6858,7 @@
           <a:p>
             <a:fld id="{6C6EA9DF-4A8F-413F-8F6A-5AF9146BD61F}" type="datetime3">
               <a:rPr lang="en-US" smtClean="0"/>
-              <a:t>11 October 2021</a:t>
+              <a:t>5 October 2021</a:t>
             </a:fld>
             <a:endParaRPr lang="en-US" dirty="0"/>
           </a:p>
@@ -6340,7 +7028,7 @@
           <a:p>
             <a:fld id="{939306D3-16AC-481B-963B-74A1D01AC013}" type="datetime3">
               <a:rPr lang="en-US" smtClean="0"/>
-              <a:t>11 October 2021</a:t>
+              <a:t>5 October 2021</a:t>
             </a:fld>
             <a:endParaRPr lang="en-US" dirty="0"/>
           </a:p>
@@ -6586,7 +7274,7 @@
           <a:p>
             <a:fld id="{53B23675-A097-482E-93D9-DCDB34B0BA89}" type="datetime3">
               <a:rPr lang="en-US" smtClean="0"/>
-              <a:t>11 October 2021</a:t>
+              <a:t>5 October 2021</a:t>
             </a:fld>
             <a:endParaRPr lang="en-US" dirty="0"/>
           </a:p>
@@ -6818,7 +7506,7 @@
           <a:p>
             <a:fld id="{A3FD861C-0A67-4424-8F42-13A5AB039027}" type="datetime3">
               <a:rPr lang="en-US" smtClean="0"/>
-              <a:t>11 October 2021</a:t>
+              <a:t>5 October 2021</a:t>
             </a:fld>
             <a:endParaRPr lang="en-US" dirty="0"/>
           </a:p>
@@ -7191,7 +7879,7 @@
           <a:p>
             <a:fld id="{F48DCAEC-E29B-4D93-9DB9-AB8D1FE2D702}" type="datetime3">
               <a:rPr lang="en-US" smtClean="0"/>
-              <a:t>11 October 2021</a:t>
+              <a:t>5 October 2021</a:t>
             </a:fld>
             <a:endParaRPr lang="en-US" dirty="0"/>
           </a:p>
@@ -7314,7 +8002,7 @@
           <a:p>
             <a:fld id="{4C5CA901-B02A-4F2D-AC74-8ADE57E73DF4}" type="datetime3">
               <a:rPr lang="en-US" smtClean="0"/>
-              <a:t>11 October 2021</a:t>
+              <a:t>5 October 2021</a:t>
             </a:fld>
             <a:endParaRPr lang="en-US" dirty="0"/>
           </a:p>
@@ -7409,7 +8097,7 @@
           <a:p>
             <a:fld id="{D3480550-6EF3-49B0-AB5E-50034F2FFB28}" type="datetime3">
               <a:rPr lang="en-US" smtClean="0"/>
-              <a:t>11 October 2021</a:t>
+              <a:t>5 October 2021</a:t>
             </a:fld>
             <a:endParaRPr lang="en-US" dirty="0"/>
           </a:p>
@@ -7664,7 +8352,7 @@
           <a:p>
             <a:fld id="{47BAD964-252D-4C66-9406-7BE94E3F181D}" type="datetime3">
               <a:rPr lang="en-US" smtClean="0"/>
-              <a:t>11 October 2021</a:t>
+              <a:t>5 October 2021</a:t>
             </a:fld>
             <a:endParaRPr lang="en-US" dirty="0"/>
           </a:p>
@@ -7973,7 +8661,7 @@
           <a:p>
             <a:fld id="{67FF22B2-7B0E-40DF-9E30-4862C672A073}" type="datetime3">
               <a:rPr lang="en-US" smtClean="0"/>
-              <a:t>11 October 2021</a:t>
+              <a:t>5 October 2021</a:t>
             </a:fld>
             <a:endParaRPr lang="en-US" dirty="0"/>
           </a:p>
@@ -8670,7 +9358,7 @@
           <a:p>
             <a:fld id="{3CFD582D-0E09-44AB-BB3E-4722821CEBEA}" type="datetime3">
               <a:rPr lang="en-US" smtClean="0"/>
-              <a:t>11 October 2021</a:t>
+              <a:t>5 October 2021</a:t>
             </a:fld>
             <a:endParaRPr lang="en-US" dirty="0"/>
           </a:p>
@@ -9299,7 +9987,7 @@
           <a:p>
             <a:fld id="{E3705B4D-1726-4BAB-A90E-07379DAEAD37}" type="datetime3">
               <a:rPr lang="en-US" sz="1100" smtClean="0"/>
-              <a:t>11 October 2021</a:t>
+              <a:t>5 October 2021</a:t>
             </a:fld>
             <a:endParaRPr lang="en-US" sz="1100" dirty="0"/>
           </a:p>
@@ -10568,7 +11256,7 @@
           <a:p>
             <a:fld id="{939306D3-16AC-481B-963B-74A1D01AC013}" type="datetime3">
               <a:rPr lang="en-US" sz="1100" smtClean="0"/>
-              <a:t>11 October 2021</a:t>
+              <a:t>5 October 2021</a:t>
             </a:fld>
             <a:endParaRPr lang="en-US" sz="1100" dirty="0"/>
           </a:p>
@@ -11160,7 +11848,7 @@
           <a:p>
             <a:fld id="{939306D3-16AC-481B-963B-74A1D01AC013}" type="datetime3">
               <a:rPr lang="en-US" sz="1100" smtClean="0"/>
-              <a:t>11 October 2021</a:t>
+              <a:t>5 October 2021</a:t>
             </a:fld>
             <a:endParaRPr lang="en-US" sz="1100" dirty="0"/>
           </a:p>
@@ -12428,7 +13116,7 @@
           <a:p>
             <a:fld id="{E3705B4D-1726-4BAB-A90E-07379DAEAD37}" type="datetime3">
               <a:rPr lang="en-US" sz="1100" smtClean="0"/>
-              <a:t>11 October 2021</a:t>
+              <a:t>5 October 2021</a:t>
             </a:fld>
             <a:endParaRPr lang="en-US" sz="1100" dirty="0"/>
           </a:p>
@@ -13137,7 +13825,7 @@
           <a:p>
             <a:fld id="{939306D3-16AC-481B-963B-74A1D01AC013}" type="datetime3">
               <a:rPr lang="en-US" sz="1100" smtClean="0"/>
-              <a:t>11 October 2021</a:t>
+              <a:t>5 October 2021</a:t>
             </a:fld>
             <a:endParaRPr lang="en-US" sz="1100" dirty="0"/>
           </a:p>
@@ -13759,7 +14447,7 @@
           <a:p>
             <a:fld id="{E3705B4D-1726-4BAB-A90E-07379DAEAD37}" type="datetime3">
               <a:rPr lang="en-US" sz="1100" smtClean="0"/>
-              <a:t>11 October 2021</a:t>
+              <a:t>5 October 2021</a:t>
             </a:fld>
             <a:endParaRPr lang="en-US" sz="1100" dirty="0"/>
           </a:p>
@@ -14050,7 +14738,7 @@
           <a:p>
             <a:fld id="{939306D3-16AC-481B-963B-74A1D01AC013}" type="datetime3">
               <a:rPr lang="en-US" sz="1100" smtClean="0"/>
-              <a:t>11 October 2021</a:t>
+              <a:t>5 October 2021</a:t>
             </a:fld>
             <a:endParaRPr lang="en-US" sz="1100" dirty="0"/>
           </a:p>
@@ -15259,7 +15947,7 @@
           <a:p>
             <a:fld id="{939306D3-16AC-481B-963B-74A1D01AC013}" type="datetime3">
               <a:rPr lang="en-US" sz="1100" smtClean="0"/>
-              <a:t>11 October 2021</a:t>
+              <a:t>5 October 2021</a:t>
             </a:fld>
             <a:endParaRPr lang="en-US" sz="1100" dirty="0"/>
           </a:p>
@@ -16226,7 +16914,7 @@
           <a:p>
             <a:fld id="{E3705B4D-1726-4BAB-A90E-07379DAEAD37}" type="datetime3">
               <a:rPr lang="en-US" sz="1100" smtClean="0"/>
-              <a:t>11 October 2021</a:t>
+              <a:t>5 October 2021</a:t>
             </a:fld>
             <a:endParaRPr lang="en-US" sz="1100" dirty="0"/>
           </a:p>
@@ -16513,7 +17201,7 @@
           <a:p>
             <a:fld id="{939306D3-16AC-481B-963B-74A1D01AC013}" type="datetime3">
               <a:rPr lang="en-US" sz="1100" smtClean="0"/>
-              <a:t>11 October 2021</a:t>
+              <a:t>5 October 2021</a:t>
             </a:fld>
             <a:endParaRPr lang="en-US" sz="1100" dirty="0"/>
           </a:p>
@@ -17572,7 +18260,7 @@
           <a:p>
             <a:fld id="{E3705B4D-1726-4BAB-A90E-07379DAEAD37}" type="datetime3">
               <a:rPr lang="en-US" sz="1100" smtClean="0"/>
-              <a:t>11 October 2021</a:t>
+              <a:t>5 October 2021</a:t>
             </a:fld>
             <a:endParaRPr lang="en-US" sz="1100" dirty="0"/>
           </a:p>
@@ -17836,7 +18524,7 @@
           <a:p>
             <a:fld id="{939306D3-16AC-481B-963B-74A1D01AC013}" type="datetime3">
               <a:rPr lang="en-US" sz="1100" smtClean="0"/>
-              <a:t>11 October 2021</a:t>
+              <a:t>5 October 2021</a:t>
             </a:fld>
             <a:endParaRPr lang="en-US" sz="1100" dirty="0"/>
           </a:p>
@@ -19360,7 +20048,7 @@
           <a:p>
             <a:fld id="{939306D3-16AC-481B-963B-74A1D01AC013}" type="datetime3">
               <a:rPr lang="en-US" sz="1100" smtClean="0"/>
-              <a:t>11 October 2021</a:t>
+              <a:t>5 October 2021</a:t>
             </a:fld>
             <a:endParaRPr lang="en-US" sz="1100" dirty="0"/>
           </a:p>
@@ -20419,7 +21107,7 @@
           <a:p>
             <a:fld id="{E3705B4D-1726-4BAB-A90E-07379DAEAD37}" type="datetime3">
               <a:rPr lang="en-US" sz="1100" smtClean="0"/>
-              <a:t>11 October 2021</a:t>
+              <a:t>5 October 2021</a:t>
             </a:fld>
             <a:endParaRPr lang="en-US" sz="1100" dirty="0"/>
           </a:p>
@@ -20710,7 +21398,7 @@
           <a:p>
             <a:fld id="{939306D3-16AC-481B-963B-74A1D01AC013}" type="datetime3">
               <a:rPr lang="en-US" sz="1100" smtClean="0"/>
-              <a:t>11 October 2021</a:t>
+              <a:t>5 October 2021</a:t>
             </a:fld>
             <a:endParaRPr lang="en-US" sz="1100" dirty="0"/>
           </a:p>
@@ -22467,7 +23155,7 @@
           <a:p>
             <a:fld id="{939306D3-16AC-481B-963B-74A1D01AC013}" type="datetime3">
               <a:rPr lang="en-US" sz="1100" smtClean="0"/>
-              <a:t>11 October 2021</a:t>
+              <a:t>5 October 2021</a:t>
             </a:fld>
             <a:endParaRPr lang="en-US" sz="1100" dirty="0"/>
           </a:p>
@@ -24399,7 +25087,7 @@
           <a:p>
             <a:fld id="{E3705B4D-1726-4BAB-A90E-07379DAEAD37}" type="datetime3">
               <a:rPr lang="en-US" sz="1100" smtClean="0"/>
-              <a:t>11 October 2021</a:t>
+              <a:t>5 October 2021</a:t>
             </a:fld>
             <a:endParaRPr lang="en-US" sz="1100" dirty="0"/>
           </a:p>
@@ -24706,7 +25394,7 @@
           <a:p>
             <a:fld id="{939306D3-16AC-481B-963B-74A1D01AC013}" type="datetime3">
               <a:rPr lang="en-US" sz="1100" smtClean="0"/>
-              <a:t>11 October 2021</a:t>
+              <a:t>5 October 2021</a:t>
             </a:fld>
             <a:endParaRPr lang="en-US" sz="1100" dirty="0"/>
           </a:p>
@@ -26014,7 +26702,7 @@
           <a:p>
             <a:fld id="{939306D3-16AC-481B-963B-74A1D01AC013}" type="datetime3">
               <a:rPr lang="en-US" sz="1100" smtClean="0"/>
-              <a:t>11 October 2021</a:t>
+              <a:t>5 October 2021</a:t>
             </a:fld>
             <a:endParaRPr lang="en-US" sz="1100" dirty="0"/>
           </a:p>
@@ -28734,46 +29422,6 @@
       </p:grpSpPr>
       <p:sp>
         <p:nvSpPr>
-          <p:cNvPr id="2" name="Заголовок 1"/>
-          <p:cNvSpPr>
-            <a:spLocks noGrp="1"/>
-          </p:cNvSpPr>
-          <p:nvPr>
-            <p:ph type="title"/>
-          </p:nvPr>
-        </p:nvSpPr>
-        <p:spPr/>
-        <p:txBody>
-          <a:bodyPr/>
-          <a:lstStyle/>
-          <a:p>
-            <a:r>
-              <a:rPr lang="en-US" dirty="0"/>
-              <a:t>C# </a:t>
-            </a:r>
-            <a:r>
-              <a:rPr lang="en-US" dirty="0" smtClean="0"/>
-              <a:t>basics</a:t>
-            </a:r>
-            <a:br>
-              <a:rPr lang="en-US" dirty="0" smtClean="0"/>
-            </a:br>
-            <a:r>
-              <a:rPr lang="en-US" sz="2400" dirty="0" smtClean="0">
-                <a:solidFill>
-                  <a:prstClr val="white">
-                    <a:lumMod val="50000"/>
-                  </a:prstClr>
-                </a:solidFill>
-              </a:rPr>
-              <a:t>Useful links</a:t>
-            </a:r>
-            <a:endParaRPr lang="en-US" dirty="0"/>
-          </a:p>
-        </p:txBody>
-      </p:sp>
-      <p:sp>
-        <p:nvSpPr>
           <p:cNvPr id="4" name="Дата 3"/>
           <p:cNvSpPr>
             <a:spLocks noGrp="1"/>
@@ -28784,17 +29432,17 @@
         </p:nvSpPr>
         <p:spPr>
           <a:xfrm>
-            <a:off x="6598153" y="6041362"/>
-            <a:ext cx="1518920" cy="365125"/>
+            <a:off x="6518189" y="6041362"/>
+            <a:ext cx="1598883" cy="365125"/>
           </a:xfrm>
         </p:spPr>
         <p:txBody>
           <a:bodyPr/>
           <a:lstStyle/>
           <a:p>
-            <a:fld id="{939306D3-16AC-481B-963B-74A1D01AC013}" type="datetime3">
+            <a:fld id="{E3705B4D-1726-4BAB-A90E-07379DAEAD37}" type="datetime3">
               <a:rPr lang="en-US" sz="1100" smtClean="0"/>
-              <a:t>11 October 2021</a:t>
+              <a:t>5 October 2021</a:t>
             </a:fld>
             <a:endParaRPr lang="en-US" sz="1100" dirty="0"/>
           </a:p>
@@ -28858,140 +29506,138 @@
       </p:sp>
       <p:sp>
         <p:nvSpPr>
-          <p:cNvPr id="7" name="TextBox 6"/>
-          <p:cNvSpPr txBox="1"/>
-          <p:nvPr/>
+          <p:cNvPr id="8" name="Заголовок 7"/>
+          <p:cNvSpPr>
+            <a:spLocks noGrp="1"/>
+          </p:cNvSpPr>
+          <p:nvPr>
+            <p:ph type="title"/>
+          </p:nvPr>
         </p:nvSpPr>
         <p:spPr>
           <a:xfrm>
-            <a:off x="711107" y="2596469"/>
-            <a:ext cx="7879556" cy="2185214"/>
+            <a:off x="0" y="0"/>
+            <a:ext cx="12192000" cy="6858000"/>
           </a:xfrm>
-          <a:prstGeom prst="rect">
-            <a:avLst/>
-          </a:prstGeom>
-          <a:noFill/>
+          <a:solidFill>
+            <a:schemeClr val="accent2">
+              <a:lumMod val="75000"/>
+            </a:schemeClr>
+          </a:solidFill>
         </p:spPr>
         <p:txBody>
-          <a:bodyPr wrap="square" rtlCol="0">
-            <a:spAutoFit/>
-          </a:bodyPr>
+          <a:bodyPr/>
           <a:lstStyle/>
           <a:p>
             <a:r>
-              <a:rPr lang="en-US" dirty="0" err="1" smtClean="0">
-                <a:latin typeface="Consolas" panose="020B0609020204030204" pitchFamily="49" charset="0"/>
-              </a:rPr>
-              <a:t>Svetlin</a:t>
-            </a:r>
-            <a:r>
-              <a:rPr lang="en-US" dirty="0" smtClean="0">
-                <a:latin typeface="Consolas" panose="020B0609020204030204" pitchFamily="49" charset="0"/>
-              </a:rPr>
-              <a:t> </a:t>
-            </a:r>
-            <a:r>
-              <a:rPr lang="en-US" dirty="0" err="1" smtClean="0">
-                <a:latin typeface="Consolas" panose="020B0609020204030204" pitchFamily="49" charset="0"/>
-              </a:rPr>
-              <a:t>Nakov</a:t>
-            </a:r>
-            <a:r>
-              <a:rPr lang="en-US" dirty="0" smtClean="0">
-                <a:latin typeface="Consolas" panose="020B0609020204030204" pitchFamily="49" charset="0"/>
-              </a:rPr>
-              <a:t> and Team</a:t>
-            </a:r>
-          </a:p>
-          <a:p>
-            <a:r>
-              <a:rPr lang="en-US" dirty="0" smtClean="0">
-                <a:latin typeface="Consolas" panose="020B0609020204030204" pitchFamily="49" charset="0"/>
-              </a:rPr>
-              <a:t>“Fundamentals of Computer Programming with C#”</a:t>
-            </a:r>
-          </a:p>
-          <a:p>
-            <a:endParaRPr lang="en-US" dirty="0">
-              <a:solidFill>
-                <a:srgbClr val="33CCCC"/>
-              </a:solidFill>
-              <a:latin typeface="Consolas" panose="020B0609020204030204" pitchFamily="49" charset="0"/>
-            </a:endParaRPr>
-          </a:p>
-          <a:p>
+              <a:rPr lang="en-US" dirty="0" smtClean="0"/>
+              <a:t/>
+            </a:r>
+            <a:br>
+              <a:rPr lang="en-US" dirty="0" smtClean="0"/>
+            </a:br>
+            <a:r>
+              <a:rPr lang="en-US" dirty="0"/>
+              <a:t/>
+            </a:r>
+            <a:br>
+              <a:rPr lang="en-US" dirty="0"/>
+            </a:br>
+            <a:r>
+              <a:rPr lang="en-US" dirty="0" smtClean="0"/>
+              <a:t/>
+            </a:r>
+            <a:br>
+              <a:rPr lang="en-US" dirty="0" smtClean="0"/>
+            </a:br>
+            <a:r>
+              <a:rPr lang="en-US" dirty="0"/>
+              <a:t/>
+            </a:r>
+            <a:br>
+              <a:rPr lang="en-US" dirty="0"/>
+            </a:br>
+            <a:r>
+              <a:rPr lang="en-US" dirty="0" smtClean="0"/>
+              <a:t/>
+            </a:r>
+            <a:br>
+              <a:rPr lang="en-US" dirty="0" smtClean="0"/>
+            </a:br>
+            <a:r>
+              <a:rPr lang="en-US" dirty="0"/>
+              <a:t/>
+            </a:r>
+            <a:br>
+              <a:rPr lang="en-US" dirty="0"/>
+            </a:br>
+            <a:r>
+              <a:rPr lang="en-US" dirty="0" smtClean="0"/>
+              <a:t/>
+            </a:r>
+            <a:br>
+              <a:rPr lang="en-US" dirty="0" smtClean="0"/>
+            </a:br>
+            <a:r>
+              <a:rPr lang="en-US" dirty="0"/>
+              <a:t/>
+            </a:r>
+            <a:br>
+              <a:rPr lang="en-US" dirty="0"/>
+            </a:br>
+            <a:r>
+              <a:rPr lang="en-US" dirty="0" smtClean="0"/>
+              <a:t>		</a:t>
+            </a:r>
+            <a:r>
+              <a:rPr lang="en-US" sz="6600" dirty="0" smtClean="0">
+                <a:solidFill>
+                  <a:schemeClr val="bg1"/>
+                </a:solidFill>
+              </a:rPr>
+              <a:t>C# basics</a:t>
+            </a:r>
+            <a:br>
+              <a:rPr lang="en-US" sz="6600" dirty="0" smtClean="0">
+                <a:solidFill>
+                  <a:schemeClr val="bg1"/>
+                </a:solidFill>
+              </a:rPr>
+            </a:br>
             <a:r>
               <a:rPr lang="en-US" dirty="0">
                 <a:solidFill>
-                  <a:srgbClr val="33CCCC"/>
+                  <a:schemeClr val="bg1"/>
                 </a:solidFill>
-                <a:latin typeface="Consolas" panose="020B0609020204030204" pitchFamily="49" charset="0"/>
-                <a:hlinkClick r:id="rId3"/>
-              </a:rPr>
-              <a:t>https://</a:t>
+              </a:rPr>
+              <a:t>	</a:t>
             </a:r>
             <a:r>
               <a:rPr lang="en-US" dirty="0" smtClean="0">
                 <a:solidFill>
-                  <a:srgbClr val="33CCCC"/>
+                  <a:schemeClr val="bg1"/>
                 </a:solidFill>
-                <a:latin typeface="Consolas" panose="020B0609020204030204" pitchFamily="49" charset="0"/>
-                <a:hlinkClick r:id="rId3"/>
-              </a:rPr>
-              <a:t>introprogramming.info/english-intro-csharp-book</a:t>
-            </a:r>
-            <a:endParaRPr lang="en-US" dirty="0" smtClean="0">
-              <a:solidFill>
-                <a:srgbClr val="33CCCC"/>
-              </a:solidFill>
-              <a:latin typeface="Consolas" panose="020B0609020204030204" pitchFamily="49" charset="0"/>
-            </a:endParaRPr>
-          </a:p>
-          <a:p>
-            <a:endParaRPr lang="en-US" sz="1600" dirty="0" smtClean="0">
-              <a:solidFill>
-                <a:srgbClr val="33CCCC"/>
-              </a:solidFill>
-              <a:latin typeface="Consolas" panose="020B0609020204030204" pitchFamily="49" charset="0"/>
-            </a:endParaRPr>
-          </a:p>
-          <a:p>
-            <a:r>
-              <a:rPr lang="en-US" sz="1600" dirty="0" err="1" smtClean="0">
-                <a:latin typeface="Consolas" panose="020B0609020204030204" pitchFamily="49" charset="0"/>
-              </a:rPr>
-              <a:t>Metanit</a:t>
-            </a:r>
-            <a:r>
-              <a:rPr lang="en-US" sz="1600" dirty="0" smtClean="0">
-                <a:latin typeface="Consolas" panose="020B0609020204030204" pitchFamily="49" charset="0"/>
-              </a:rPr>
-              <a:t> site</a:t>
-            </a:r>
-          </a:p>
-          <a:p>
-            <a:endParaRPr lang="en-US" sz="1600" dirty="0" smtClean="0">
-              <a:latin typeface="Consolas" panose="020B0609020204030204" pitchFamily="49" charset="0"/>
-            </a:endParaRPr>
-          </a:p>
-          <a:p>
-            <a:r>
-              <a:rPr lang="en-US" sz="1600" dirty="0" smtClean="0">
-                <a:latin typeface="Consolas" panose="020B0609020204030204" pitchFamily="49" charset="0"/>
-                <a:hlinkClick r:id="rId4"/>
-              </a:rPr>
-              <a:t>https://metanit.com/sharp/tutorial/</a:t>
-            </a:r>
-            <a:endParaRPr lang="en-US" sz="1600" dirty="0" smtClean="0">
-              <a:latin typeface="Consolas" panose="020B0609020204030204" pitchFamily="49" charset="0"/>
-            </a:endParaRPr>
+              </a:rPr>
+              <a:t>	Exception Handling</a:t>
+            </a:r>
+            <a:r>
+              <a:rPr lang="en-US" dirty="0" smtClean="0"/>
+              <a:t/>
+            </a:r>
+            <a:br>
+              <a:rPr lang="en-US" dirty="0" smtClean="0"/>
+            </a:br>
+            <a:r>
+              <a:rPr lang="en-US" dirty="0"/>
+              <a:t>	</a:t>
+            </a:r>
           </a:p>
         </p:txBody>
       </p:sp>
     </p:spTree>
     <p:extLst>
       <p:ext uri="{BB962C8B-B14F-4D97-AF65-F5344CB8AC3E}">
-        <p14:creationId xmlns:p14="http://schemas.microsoft.com/office/powerpoint/2010/main" val="3126519434"/>
+        <p14:creationId xmlns:p14="http://schemas.microsoft.com/office/powerpoint/2010/main" val="1569065754"/>
       </p:ext>
     </p:extLst>
   </p:cSld>
@@ -29027,6 +29673,46 @@
       </p:grpSpPr>
       <p:sp>
         <p:nvSpPr>
+          <p:cNvPr id="2" name="Заголовок 1"/>
+          <p:cNvSpPr>
+            <a:spLocks noGrp="1"/>
+          </p:cNvSpPr>
+          <p:nvPr>
+            <p:ph type="title"/>
+          </p:nvPr>
+        </p:nvSpPr>
+        <p:spPr/>
+        <p:txBody>
+          <a:bodyPr/>
+          <a:lstStyle/>
+          <a:p>
+            <a:r>
+              <a:rPr lang="en-US" dirty="0"/>
+              <a:t>C# </a:t>
+            </a:r>
+            <a:r>
+              <a:rPr lang="en-US" dirty="0" smtClean="0"/>
+              <a:t>basics</a:t>
+            </a:r>
+            <a:br>
+              <a:rPr lang="en-US" dirty="0" smtClean="0"/>
+            </a:br>
+            <a:r>
+              <a:rPr lang="en-US" sz="2400" dirty="0" smtClean="0">
+                <a:solidFill>
+                  <a:prstClr val="white">
+                    <a:lumMod val="50000"/>
+                  </a:prstClr>
+                </a:solidFill>
+              </a:rPr>
+              <a:t>Exception Handling</a:t>
+            </a:r>
+            <a:endParaRPr lang="en-US" dirty="0"/>
+          </a:p>
+        </p:txBody>
+      </p:sp>
+      <p:sp>
+        <p:nvSpPr>
           <p:cNvPr id="4" name="Дата 3"/>
           <p:cNvSpPr>
             <a:spLocks noGrp="1"/>
@@ -29037,17 +29723,17 @@
         </p:nvSpPr>
         <p:spPr>
           <a:xfrm>
-            <a:off x="6518189" y="6041362"/>
-            <a:ext cx="1598883" cy="365125"/>
+            <a:off x="6598153" y="6041362"/>
+            <a:ext cx="1518920" cy="365125"/>
           </a:xfrm>
         </p:spPr>
         <p:txBody>
           <a:bodyPr/>
           <a:lstStyle/>
           <a:p>
-            <a:fld id="{E3705B4D-1726-4BAB-A90E-07379DAEAD37}" type="datetime3">
+            <a:fld id="{939306D3-16AC-481B-963B-74A1D01AC013}" type="datetime3">
               <a:rPr lang="en-US" sz="1100" smtClean="0"/>
-              <a:t>11 October 2021</a:t>
+              <a:t>5 October 2021</a:t>
             </a:fld>
             <a:endParaRPr lang="en-US" sz="1100" dirty="0"/>
           </a:p>
@@ -29111,107 +29797,515 @@
       </p:sp>
       <p:sp>
         <p:nvSpPr>
-          <p:cNvPr id="8" name="Заголовок 7"/>
+          <p:cNvPr id="3" name="Объект 2"/>
           <p:cNvSpPr>
             <a:spLocks noGrp="1"/>
           </p:cNvSpPr>
           <p:nvPr>
-            <p:ph type="title"/>
+            <p:ph idx="1"/>
           </p:nvPr>
         </p:nvSpPr>
         <p:spPr>
           <a:xfrm>
-            <a:off x="0" y="0"/>
-            <a:ext cx="12192000" cy="6858000"/>
+            <a:off x="677334" y="1641816"/>
+            <a:ext cx="10352616" cy="4263813"/>
           </a:xfrm>
-          <a:solidFill>
-            <a:schemeClr val="accent2">
-              <a:lumMod val="75000"/>
-            </a:schemeClr>
-          </a:solidFill>
         </p:spPr>
         <p:txBody>
-          <a:bodyPr/>
+          <a:bodyPr>
+            <a:normAutofit/>
+          </a:bodyPr>
           <a:lstStyle/>
           <a:p>
-            <a:r>
-              <a:rPr lang="en-US" dirty="0" smtClean="0"/>
-              <a:t/>
-            </a:r>
-            <a:br>
-              <a:rPr lang="en-US" dirty="0" smtClean="0"/>
-            </a:br>
-            <a:r>
-              <a:rPr lang="en-US" dirty="0"/>
-              <a:t/>
-            </a:r>
-            <a:br>
-              <a:rPr lang="en-US" dirty="0"/>
-            </a:br>
-            <a:r>
-              <a:rPr lang="en-US" dirty="0" smtClean="0"/>
-              <a:t/>
-            </a:r>
-            <a:br>
-              <a:rPr lang="en-US" dirty="0" smtClean="0"/>
-            </a:br>
-            <a:r>
-              <a:rPr lang="en-US" dirty="0"/>
-              <a:t/>
-            </a:r>
-            <a:br>
-              <a:rPr lang="en-US" dirty="0"/>
-            </a:br>
-            <a:r>
-              <a:rPr lang="en-US" dirty="0" smtClean="0"/>
-              <a:t/>
-            </a:r>
-            <a:br>
-              <a:rPr lang="en-US" dirty="0" smtClean="0"/>
-            </a:br>
-            <a:r>
-              <a:rPr lang="en-US" dirty="0"/>
-              <a:t/>
-            </a:r>
-            <a:br>
-              <a:rPr lang="en-US" dirty="0"/>
-            </a:br>
-            <a:r>
-              <a:rPr lang="en-US" dirty="0" smtClean="0"/>
-              <a:t/>
-            </a:r>
-            <a:br>
-              <a:rPr lang="en-US" dirty="0" smtClean="0"/>
-            </a:br>
-            <a:r>
-              <a:rPr lang="en-US" dirty="0"/>
-              <a:t/>
-            </a:r>
-            <a:br>
-              <a:rPr lang="en-US" dirty="0"/>
-            </a:br>
-            <a:r>
-              <a:rPr lang="en-US" dirty="0" smtClean="0"/>
-              <a:t>		</a:t>
-            </a:r>
-            <a:r>
-              <a:rPr lang="en-US" sz="6600" dirty="0" smtClean="0">
-                <a:solidFill>
-                  <a:schemeClr val="bg1"/>
-                </a:solidFill>
-              </a:rPr>
-              <a:t>Thank you!</a:t>
-            </a:r>
-            <a:r>
-              <a:rPr lang="en-US" dirty="0" smtClean="0"/>
-              <a:t/>
-            </a:r>
-            <a:br>
-              <a:rPr lang="en-US" dirty="0" smtClean="0"/>
-            </a:br>
+            <a:pPr marL="0" indent="0">
+              <a:buNone/>
+            </a:pPr>
+            <a:endParaRPr lang="en-US" dirty="0" smtClean="0"/>
+          </a:p>
+          <a:p>
+            <a:pPr marL="0" indent="0">
+              <a:buNone/>
+            </a:pPr>
             <a:r>
               <a:rPr lang="en-US" dirty="0"/>
               <a:t>	</a:t>
+            </a:r>
+          </a:p>
+          <a:p>
+            <a:pPr marL="0" indent="0">
+              <a:buNone/>
+            </a:pPr>
+            <a:endParaRPr lang="en-US" sz="1600" dirty="0" smtClean="0">
+              <a:latin typeface="Consolas" panose="020B0609020204030204" pitchFamily="49" charset="0"/>
+            </a:endParaRPr>
+          </a:p>
+          <a:p>
+            <a:pPr marL="0" indent="0">
+              <a:buNone/>
+            </a:pPr>
+            <a:endParaRPr lang="en-US" sz="1600" dirty="0">
+              <a:latin typeface="Consolas" panose="020B0609020204030204" pitchFamily="49" charset="0"/>
+            </a:endParaRPr>
+          </a:p>
+          <a:p>
+            <a:pPr marL="0" indent="0">
+              <a:buNone/>
+            </a:pPr>
+            <a:endParaRPr lang="en-US" sz="1600" dirty="0" smtClean="0">
+              <a:latin typeface="Consolas" panose="020B0609020204030204" pitchFamily="49" charset="0"/>
+            </a:endParaRPr>
+          </a:p>
+          <a:p>
+            <a:pPr marL="0" indent="0">
+              <a:buNone/>
+            </a:pPr>
+            <a:endParaRPr lang="en-US" sz="1600" dirty="0">
+              <a:latin typeface="Consolas" panose="020B0609020204030204" pitchFamily="49" charset="0"/>
+            </a:endParaRPr>
+          </a:p>
+          <a:p>
+            <a:pPr marL="0" indent="0">
+              <a:buNone/>
+            </a:pPr>
+            <a:endParaRPr lang="en-US" sz="1600" dirty="0" smtClean="0">
+              <a:latin typeface="Consolas" panose="020B0609020204030204" pitchFamily="49" charset="0"/>
+            </a:endParaRPr>
+          </a:p>
+          <a:p>
+            <a:pPr marL="0" indent="0">
+              <a:buNone/>
+            </a:pPr>
+            <a:endParaRPr lang="en-US" sz="1600" dirty="0">
+              <a:latin typeface="Consolas" panose="020B0609020204030204" pitchFamily="49" charset="0"/>
+            </a:endParaRPr>
+          </a:p>
+        </p:txBody>
+      </p:sp>
+      <p:sp>
+        <p:nvSpPr>
+          <p:cNvPr id="7" name="TextBox 6"/>
+          <p:cNvSpPr txBox="1"/>
+          <p:nvPr/>
+        </p:nvSpPr>
+        <p:spPr>
+          <a:xfrm>
+            <a:off x="677334" y="2221707"/>
+            <a:ext cx="1215760" cy="2585323"/>
+          </a:xfrm>
+          <a:prstGeom prst="rect">
+            <a:avLst/>
+          </a:prstGeom>
+          <a:noFill/>
+        </p:spPr>
+        <p:txBody>
+          <a:bodyPr wrap="square" rtlCol="0">
+            <a:spAutoFit/>
+          </a:bodyPr>
+          <a:lstStyle/>
+          <a:p>
+            <a:r>
+              <a:rPr lang="en-US" dirty="0" smtClean="0">
+                <a:solidFill>
+                  <a:schemeClr val="accent2"/>
+                </a:solidFill>
+                <a:latin typeface="Consolas" panose="020B0609020204030204" pitchFamily="49" charset="0"/>
+              </a:rPr>
+              <a:t>try</a:t>
+            </a:r>
+          </a:p>
+          <a:p>
+            <a:r>
+              <a:rPr lang="en-US" dirty="0" smtClean="0">
+                <a:latin typeface="Consolas" panose="020B0609020204030204" pitchFamily="49" charset="0"/>
+              </a:rPr>
+              <a:t>{</a:t>
+            </a:r>
+          </a:p>
+          <a:p>
+            <a:r>
+              <a:rPr lang="en-US" dirty="0" smtClean="0">
+                <a:latin typeface="Consolas" panose="020B0609020204030204" pitchFamily="49" charset="0"/>
+              </a:rPr>
+              <a:t>}</a:t>
+            </a:r>
+          </a:p>
+          <a:p>
+            <a:r>
+              <a:rPr lang="en-US" dirty="0" smtClean="0">
+                <a:solidFill>
+                  <a:schemeClr val="accent2"/>
+                </a:solidFill>
+                <a:latin typeface="Consolas" panose="020B0609020204030204" pitchFamily="49" charset="0"/>
+              </a:rPr>
+              <a:t>catch</a:t>
+            </a:r>
+          </a:p>
+          <a:p>
+            <a:r>
+              <a:rPr lang="en-US" dirty="0">
+                <a:latin typeface="Consolas" panose="020B0609020204030204" pitchFamily="49" charset="0"/>
+              </a:rPr>
+              <a:t>{</a:t>
+            </a:r>
+          </a:p>
+          <a:p>
+            <a:r>
+              <a:rPr lang="en-US" dirty="0">
+                <a:latin typeface="Consolas" panose="020B0609020204030204" pitchFamily="49" charset="0"/>
+              </a:rPr>
+              <a:t>}</a:t>
+            </a:r>
+          </a:p>
+          <a:p>
+            <a:r>
+              <a:rPr lang="en-US" dirty="0" smtClean="0">
+                <a:solidFill>
+                  <a:schemeClr val="accent2"/>
+                </a:solidFill>
+                <a:latin typeface="Consolas" panose="020B0609020204030204" pitchFamily="49" charset="0"/>
+              </a:rPr>
+              <a:t>finally</a:t>
+            </a:r>
+          </a:p>
+          <a:p>
+            <a:r>
+              <a:rPr lang="en-US" dirty="0">
+                <a:latin typeface="Consolas" panose="020B0609020204030204" pitchFamily="49" charset="0"/>
+              </a:rPr>
+              <a:t>{</a:t>
+            </a:r>
+          </a:p>
+          <a:p>
+            <a:r>
+              <a:rPr lang="en-US" dirty="0">
+                <a:latin typeface="Consolas" panose="020B0609020204030204" pitchFamily="49" charset="0"/>
+              </a:rPr>
+              <a:t>}</a:t>
+            </a:r>
+          </a:p>
+        </p:txBody>
+      </p:sp>
+      <p:sp>
+        <p:nvSpPr>
+          <p:cNvPr id="8" name="TextBox 7"/>
+          <p:cNvSpPr txBox="1"/>
+          <p:nvPr/>
+        </p:nvSpPr>
+        <p:spPr>
+          <a:xfrm>
+            <a:off x="1893094" y="2221706"/>
+            <a:ext cx="2951692" cy="2862322"/>
+          </a:xfrm>
+          <a:prstGeom prst="rect">
+            <a:avLst/>
+          </a:prstGeom>
+          <a:noFill/>
+        </p:spPr>
+        <p:txBody>
+          <a:bodyPr wrap="square" rtlCol="0">
+            <a:spAutoFit/>
+          </a:bodyPr>
+          <a:lstStyle/>
+          <a:p>
+            <a:r>
+              <a:rPr lang="en-US" dirty="0">
+                <a:solidFill>
+                  <a:schemeClr val="accent2"/>
+                </a:solidFill>
+                <a:latin typeface="Consolas" panose="020B0609020204030204" pitchFamily="49" charset="0"/>
+              </a:rPr>
+              <a:t>try</a:t>
+            </a:r>
+          </a:p>
+          <a:p>
+            <a:r>
+              <a:rPr lang="en-US" dirty="0">
+                <a:latin typeface="Consolas" panose="020B0609020204030204" pitchFamily="49" charset="0"/>
+              </a:rPr>
+              <a:t>{</a:t>
+            </a:r>
+          </a:p>
+          <a:p>
+            <a:r>
+              <a:rPr lang="en-US" dirty="0">
+                <a:latin typeface="Consolas" panose="020B0609020204030204" pitchFamily="49" charset="0"/>
+              </a:rPr>
+              <a:t>}</a:t>
+            </a:r>
+          </a:p>
+          <a:p>
+            <a:r>
+              <a:rPr lang="en-US" dirty="0" smtClean="0">
+                <a:solidFill>
+                  <a:schemeClr val="accent2"/>
+                </a:solidFill>
+                <a:latin typeface="Consolas" panose="020B0609020204030204" pitchFamily="49" charset="0"/>
+              </a:rPr>
+              <a:t>catch</a:t>
+            </a:r>
+            <a:r>
+              <a:rPr lang="en-US" dirty="0" smtClean="0">
+                <a:latin typeface="Consolas" panose="020B0609020204030204" pitchFamily="49" charset="0"/>
+              </a:rPr>
+              <a:t> </a:t>
+            </a:r>
+            <a:r>
+              <a:rPr lang="en-US" dirty="0">
+                <a:latin typeface="Consolas" panose="020B0609020204030204" pitchFamily="49" charset="0"/>
+              </a:rPr>
+              <a:t>(</a:t>
+            </a:r>
+            <a:r>
+              <a:rPr lang="en-US" dirty="0" err="1" smtClean="0">
+                <a:latin typeface="Consolas" panose="020B0609020204030204" pitchFamily="49" charset="0"/>
+              </a:rPr>
+              <a:t>Exception_type</a:t>
+            </a:r>
+            <a:r>
+              <a:rPr lang="en-US" dirty="0">
+                <a:latin typeface="Consolas" panose="020B0609020204030204" pitchFamily="49" charset="0"/>
+              </a:rPr>
+              <a:t>)</a:t>
+            </a:r>
+          </a:p>
+          <a:p>
+            <a:r>
+              <a:rPr lang="en-US" dirty="0" smtClean="0">
+                <a:latin typeface="Consolas" panose="020B0609020204030204" pitchFamily="49" charset="0"/>
+              </a:rPr>
+              <a:t>{</a:t>
+            </a:r>
+          </a:p>
+          <a:p>
+            <a:r>
+              <a:rPr lang="en-US" dirty="0">
+                <a:latin typeface="Consolas" panose="020B0609020204030204" pitchFamily="49" charset="0"/>
+              </a:rPr>
+              <a:t>	</a:t>
+            </a:r>
+            <a:r>
+              <a:rPr lang="en-US" dirty="0" smtClean="0">
+                <a:solidFill>
+                  <a:schemeClr val="accent5">
+                    <a:lumMod val="75000"/>
+                  </a:schemeClr>
+                </a:solidFill>
+                <a:latin typeface="Consolas" panose="020B0609020204030204" pitchFamily="49" charset="0"/>
+              </a:rPr>
+              <a:t>// block of code</a:t>
+            </a:r>
+            <a:endParaRPr lang="en-US" dirty="0">
+              <a:solidFill>
+                <a:schemeClr val="accent5">
+                  <a:lumMod val="75000"/>
+                </a:schemeClr>
+              </a:solidFill>
+              <a:latin typeface="Consolas" panose="020B0609020204030204" pitchFamily="49" charset="0"/>
+            </a:endParaRPr>
+          </a:p>
+          <a:p>
+            <a:r>
+              <a:rPr lang="en-US" dirty="0">
+                <a:latin typeface="Consolas" panose="020B0609020204030204" pitchFamily="49" charset="0"/>
+              </a:rPr>
+              <a:t>}</a:t>
+            </a:r>
+          </a:p>
+          <a:p>
+            <a:r>
+              <a:rPr lang="en-US" dirty="0">
+                <a:solidFill>
+                  <a:schemeClr val="accent2"/>
+                </a:solidFill>
+                <a:latin typeface="Consolas" panose="020B0609020204030204" pitchFamily="49" charset="0"/>
+              </a:rPr>
+              <a:t>finally</a:t>
+            </a:r>
+          </a:p>
+          <a:p>
+            <a:r>
+              <a:rPr lang="en-US" dirty="0">
+                <a:latin typeface="Consolas" panose="020B0609020204030204" pitchFamily="49" charset="0"/>
+              </a:rPr>
+              <a:t>{</a:t>
+            </a:r>
+          </a:p>
+          <a:p>
+            <a:r>
+              <a:rPr lang="en-US" dirty="0">
+                <a:latin typeface="Consolas" panose="020B0609020204030204" pitchFamily="49" charset="0"/>
+              </a:rPr>
+              <a:t>}</a:t>
+            </a:r>
+          </a:p>
+        </p:txBody>
+      </p:sp>
+      <p:sp>
+        <p:nvSpPr>
+          <p:cNvPr id="10" name="TextBox 9"/>
+          <p:cNvSpPr txBox="1"/>
+          <p:nvPr/>
+        </p:nvSpPr>
+        <p:spPr>
+          <a:xfrm>
+            <a:off x="4844785" y="2221706"/>
+            <a:ext cx="4777845" cy="2862322"/>
+          </a:xfrm>
+          <a:prstGeom prst="rect">
+            <a:avLst/>
+          </a:prstGeom>
+          <a:noFill/>
+        </p:spPr>
+        <p:txBody>
+          <a:bodyPr wrap="square" rtlCol="0">
+            <a:spAutoFit/>
+          </a:bodyPr>
+          <a:lstStyle/>
+          <a:p>
+            <a:r>
+              <a:rPr lang="en-US" dirty="0">
+                <a:solidFill>
+                  <a:schemeClr val="accent2"/>
+                </a:solidFill>
+                <a:latin typeface="Consolas" panose="020B0609020204030204" pitchFamily="49" charset="0"/>
+              </a:rPr>
+              <a:t>try</a:t>
+            </a:r>
+          </a:p>
+          <a:p>
+            <a:r>
+              <a:rPr lang="en-US" dirty="0">
+                <a:latin typeface="Consolas" panose="020B0609020204030204" pitchFamily="49" charset="0"/>
+              </a:rPr>
+              <a:t>{</a:t>
+            </a:r>
+          </a:p>
+          <a:p>
+            <a:r>
+              <a:rPr lang="en-US" dirty="0">
+                <a:latin typeface="Consolas" panose="020B0609020204030204" pitchFamily="49" charset="0"/>
+              </a:rPr>
+              <a:t>}</a:t>
+            </a:r>
+          </a:p>
+          <a:p>
+            <a:r>
+              <a:rPr lang="en-US" dirty="0" smtClean="0">
+                <a:solidFill>
+                  <a:schemeClr val="accent2"/>
+                </a:solidFill>
+                <a:latin typeface="Consolas" panose="020B0609020204030204" pitchFamily="49" charset="0"/>
+              </a:rPr>
+              <a:t>catch</a:t>
+            </a:r>
+            <a:r>
+              <a:rPr lang="en-US" dirty="0" smtClean="0">
+                <a:latin typeface="Consolas" panose="020B0609020204030204" pitchFamily="49" charset="0"/>
+              </a:rPr>
+              <a:t> </a:t>
+            </a:r>
+            <a:r>
+              <a:rPr lang="en-US" dirty="0">
+                <a:latin typeface="Consolas" panose="020B0609020204030204" pitchFamily="49" charset="0"/>
+              </a:rPr>
+              <a:t>(</a:t>
+            </a:r>
+            <a:r>
+              <a:rPr lang="en-US" dirty="0" err="1" smtClean="0">
+                <a:latin typeface="Consolas" panose="020B0609020204030204" pitchFamily="49" charset="0"/>
+              </a:rPr>
+              <a:t>Exception_type</a:t>
+            </a:r>
+            <a:r>
+              <a:rPr lang="en-US" dirty="0" smtClean="0">
+                <a:latin typeface="Consolas" panose="020B0609020204030204" pitchFamily="49" charset="0"/>
+              </a:rPr>
+              <a:t> </a:t>
+            </a:r>
+            <a:r>
+              <a:rPr lang="en-US" dirty="0" err="1" smtClean="0">
+                <a:latin typeface="Consolas" panose="020B0609020204030204" pitchFamily="49" charset="0"/>
+              </a:rPr>
+              <a:t>variable_name</a:t>
+            </a:r>
+            <a:r>
+              <a:rPr lang="en-US" dirty="0" smtClean="0">
+                <a:latin typeface="Consolas" panose="020B0609020204030204" pitchFamily="49" charset="0"/>
+              </a:rPr>
+              <a:t>)</a:t>
+            </a:r>
+            <a:endParaRPr lang="en-US" dirty="0">
+              <a:latin typeface="Consolas" panose="020B0609020204030204" pitchFamily="49" charset="0"/>
+            </a:endParaRPr>
+          </a:p>
+          <a:p>
+            <a:r>
+              <a:rPr lang="en-US" dirty="0" smtClean="0">
+                <a:latin typeface="Consolas" panose="020B0609020204030204" pitchFamily="49" charset="0"/>
+              </a:rPr>
+              <a:t>{</a:t>
+            </a:r>
+          </a:p>
+          <a:p>
+            <a:r>
+              <a:rPr lang="en-US" dirty="0">
+                <a:latin typeface="Consolas" panose="020B0609020204030204" pitchFamily="49" charset="0"/>
+              </a:rPr>
+              <a:t>	</a:t>
+            </a:r>
+            <a:r>
+              <a:rPr lang="en-US" dirty="0" smtClean="0">
+                <a:solidFill>
+                  <a:schemeClr val="accent5">
+                    <a:lumMod val="75000"/>
+                  </a:schemeClr>
+                </a:solidFill>
+                <a:latin typeface="Consolas" panose="020B0609020204030204" pitchFamily="49" charset="0"/>
+              </a:rPr>
+              <a:t>// block of code</a:t>
+            </a:r>
+            <a:endParaRPr lang="en-US" dirty="0">
+              <a:solidFill>
+                <a:schemeClr val="accent5">
+                  <a:lumMod val="75000"/>
+                </a:schemeClr>
+              </a:solidFill>
+              <a:latin typeface="Consolas" panose="020B0609020204030204" pitchFamily="49" charset="0"/>
+            </a:endParaRPr>
+          </a:p>
+          <a:p>
+            <a:r>
+              <a:rPr lang="en-US" dirty="0">
+                <a:latin typeface="Consolas" panose="020B0609020204030204" pitchFamily="49" charset="0"/>
+              </a:rPr>
+              <a:t>}</a:t>
+            </a:r>
+          </a:p>
+          <a:p>
+            <a:r>
+              <a:rPr lang="en-US" dirty="0">
+                <a:solidFill>
+                  <a:schemeClr val="accent2"/>
+                </a:solidFill>
+                <a:latin typeface="Consolas" panose="020B0609020204030204" pitchFamily="49" charset="0"/>
+              </a:rPr>
+              <a:t>finally</a:t>
+            </a:r>
+          </a:p>
+          <a:p>
+            <a:r>
+              <a:rPr lang="en-US" dirty="0">
+                <a:latin typeface="Consolas" panose="020B0609020204030204" pitchFamily="49" charset="0"/>
+              </a:rPr>
+              <a:t>{</a:t>
+            </a:r>
+          </a:p>
+          <a:p>
+            <a:r>
+              <a:rPr lang="en-US" dirty="0">
+                <a:latin typeface="Consolas" panose="020B0609020204030204" pitchFamily="49" charset="0"/>
+              </a:rPr>
+              <a:t>}</a:t>
             </a:r>
           </a:p>
         </p:txBody>
@@ -29219,7 +30313,7 @@
     </p:spTree>
     <p:extLst>
       <p:ext uri="{BB962C8B-B14F-4D97-AF65-F5344CB8AC3E}">
-        <p14:creationId xmlns:p14="http://schemas.microsoft.com/office/powerpoint/2010/main" val="171775405"/>
+        <p14:creationId xmlns:p14="http://schemas.microsoft.com/office/powerpoint/2010/main" val="3726337585"/>
       </p:ext>
     </p:extLst>
   </p:cSld>
@@ -29229,9 +30323,334 @@
   <p:timing>
     <p:tnLst>
       <p:par>
-        <p:cTn id="1" dur="indefinite" restart="never" nodeType="tmRoot"/>
+        <p:cTn id="1" dur="indefinite" restart="never" nodeType="tmRoot">
+          <p:childTnLst>
+            <p:seq concurrent="1" nextAc="seek">
+              <p:cTn id="2" dur="indefinite" nodeType="mainSeq">
+                <p:childTnLst>
+                  <p:par>
+                    <p:cTn id="3" fill="hold">
+                      <p:stCondLst>
+                        <p:cond delay="indefinite"/>
+                      </p:stCondLst>
+                      <p:childTnLst>
+                        <p:par>
+                          <p:cTn id="4" fill="hold">
+                            <p:stCondLst>
+                              <p:cond delay="0"/>
+                            </p:stCondLst>
+                            <p:childTnLst>
+                              <p:par>
+                                <p:cTn id="5" presetID="47" presetClass="entr" presetSubtype="0" fill="hold" grpId="0" nodeType="clickEffect">
+                                  <p:stCondLst>
+                                    <p:cond delay="0"/>
+                                  </p:stCondLst>
+                                  <p:childTnLst>
+                                    <p:set>
+                                      <p:cBhvr>
+                                        <p:cTn id="6" dur="1" fill="hold">
+                                          <p:stCondLst>
+                                            <p:cond delay="0"/>
+                                          </p:stCondLst>
+                                        </p:cTn>
+                                        <p:tgtEl>
+                                          <p:spTgt spid="7"/>
+                                        </p:tgtEl>
+                                        <p:attrNameLst>
+                                          <p:attrName>style.visibility</p:attrName>
+                                        </p:attrNameLst>
+                                      </p:cBhvr>
+                                      <p:to>
+                                        <p:strVal val="visible"/>
+                                      </p:to>
+                                    </p:set>
+                                    <p:animEffect transition="in" filter="fade">
+                                      <p:cBhvr>
+                                        <p:cTn id="7" dur="1000"/>
+                                        <p:tgtEl>
+                                          <p:spTgt spid="7"/>
+                                        </p:tgtEl>
+                                      </p:cBhvr>
+                                    </p:animEffect>
+                                    <p:anim calcmode="lin" valueType="num">
+                                      <p:cBhvr>
+                                        <p:cTn id="8" dur="1000" fill="hold"/>
+                                        <p:tgtEl>
+                                          <p:spTgt spid="7"/>
+                                        </p:tgtEl>
+                                        <p:attrNameLst>
+                                          <p:attrName>ppt_x</p:attrName>
+                                        </p:attrNameLst>
+                                      </p:cBhvr>
+                                      <p:tavLst>
+                                        <p:tav tm="0">
+                                          <p:val>
+                                            <p:strVal val="#ppt_x"/>
+                                          </p:val>
+                                        </p:tav>
+                                        <p:tav tm="100000">
+                                          <p:val>
+                                            <p:strVal val="#ppt_x"/>
+                                          </p:val>
+                                        </p:tav>
+                                      </p:tavLst>
+                                    </p:anim>
+                                    <p:anim calcmode="lin" valueType="num">
+                                      <p:cBhvr>
+                                        <p:cTn id="9" dur="1000" fill="hold"/>
+                                        <p:tgtEl>
+                                          <p:spTgt spid="7"/>
+                                        </p:tgtEl>
+                                        <p:attrNameLst>
+                                          <p:attrName>ppt_y</p:attrName>
+                                        </p:attrNameLst>
+                                      </p:cBhvr>
+                                      <p:tavLst>
+                                        <p:tav tm="0">
+                                          <p:val>
+                                            <p:strVal val="#ppt_y-.1"/>
+                                          </p:val>
+                                        </p:tav>
+                                        <p:tav tm="100000">
+                                          <p:val>
+                                            <p:strVal val="#ppt_y"/>
+                                          </p:val>
+                                        </p:tav>
+                                      </p:tavLst>
+                                    </p:anim>
+                                  </p:childTnLst>
+                                </p:cTn>
+                              </p:par>
+                            </p:childTnLst>
+                          </p:cTn>
+                        </p:par>
+                      </p:childTnLst>
+                    </p:cTn>
+                  </p:par>
+                  <p:par>
+                    <p:cTn id="10" fill="hold">
+                      <p:stCondLst>
+                        <p:cond delay="indefinite"/>
+                      </p:stCondLst>
+                      <p:childTnLst>
+                        <p:par>
+                          <p:cTn id="11" fill="hold">
+                            <p:stCondLst>
+                              <p:cond delay="0"/>
+                            </p:stCondLst>
+                            <p:childTnLst>
+                              <p:par>
+                                <p:cTn id="12" presetID="47" presetClass="entr" presetSubtype="0" fill="hold" grpId="0" nodeType="clickEffect">
+                                  <p:stCondLst>
+                                    <p:cond delay="0"/>
+                                  </p:stCondLst>
+                                  <p:childTnLst>
+                                    <p:set>
+                                      <p:cBhvr>
+                                        <p:cTn id="13" dur="1" fill="hold">
+                                          <p:stCondLst>
+                                            <p:cond delay="0"/>
+                                          </p:stCondLst>
+                                        </p:cTn>
+                                        <p:tgtEl>
+                                          <p:spTgt spid="8"/>
+                                        </p:tgtEl>
+                                        <p:attrNameLst>
+                                          <p:attrName>style.visibility</p:attrName>
+                                        </p:attrNameLst>
+                                      </p:cBhvr>
+                                      <p:to>
+                                        <p:strVal val="visible"/>
+                                      </p:to>
+                                    </p:set>
+                                    <p:animEffect transition="in" filter="fade">
+                                      <p:cBhvr>
+                                        <p:cTn id="14" dur="1000"/>
+                                        <p:tgtEl>
+                                          <p:spTgt spid="8"/>
+                                        </p:tgtEl>
+                                      </p:cBhvr>
+                                    </p:animEffect>
+                                    <p:anim calcmode="lin" valueType="num">
+                                      <p:cBhvr>
+                                        <p:cTn id="15" dur="1000" fill="hold"/>
+                                        <p:tgtEl>
+                                          <p:spTgt spid="8"/>
+                                        </p:tgtEl>
+                                        <p:attrNameLst>
+                                          <p:attrName>ppt_x</p:attrName>
+                                        </p:attrNameLst>
+                                      </p:cBhvr>
+                                      <p:tavLst>
+                                        <p:tav tm="0">
+                                          <p:val>
+                                            <p:strVal val="#ppt_x"/>
+                                          </p:val>
+                                        </p:tav>
+                                        <p:tav tm="100000">
+                                          <p:val>
+                                            <p:strVal val="#ppt_x"/>
+                                          </p:val>
+                                        </p:tav>
+                                      </p:tavLst>
+                                    </p:anim>
+                                    <p:anim calcmode="lin" valueType="num">
+                                      <p:cBhvr>
+                                        <p:cTn id="16" dur="1000" fill="hold"/>
+                                        <p:tgtEl>
+                                          <p:spTgt spid="8"/>
+                                        </p:tgtEl>
+                                        <p:attrNameLst>
+                                          <p:attrName>ppt_y</p:attrName>
+                                        </p:attrNameLst>
+                                      </p:cBhvr>
+                                      <p:tavLst>
+                                        <p:tav tm="0">
+                                          <p:val>
+                                            <p:strVal val="#ppt_y-.1"/>
+                                          </p:val>
+                                        </p:tav>
+                                        <p:tav tm="100000">
+                                          <p:val>
+                                            <p:strVal val="#ppt_y"/>
+                                          </p:val>
+                                        </p:tav>
+                                      </p:tavLst>
+                                    </p:anim>
+                                  </p:childTnLst>
+                                </p:cTn>
+                              </p:par>
+                            </p:childTnLst>
+                          </p:cTn>
+                        </p:par>
+                      </p:childTnLst>
+                    </p:cTn>
+                  </p:par>
+                  <p:par>
+                    <p:cTn id="17" fill="hold">
+                      <p:stCondLst>
+                        <p:cond delay="indefinite"/>
+                      </p:stCondLst>
+                      <p:childTnLst>
+                        <p:par>
+                          <p:cTn id="18" fill="hold">
+                            <p:stCondLst>
+                              <p:cond delay="0"/>
+                            </p:stCondLst>
+                            <p:childTnLst>
+                              <p:par>
+                                <p:cTn id="19" presetID="47" presetClass="entr" presetSubtype="0" fill="hold" grpId="0" nodeType="clickEffect">
+                                  <p:stCondLst>
+                                    <p:cond delay="0"/>
+                                  </p:stCondLst>
+                                  <p:childTnLst>
+                                    <p:set>
+                                      <p:cBhvr>
+                                        <p:cTn id="20" dur="1" fill="hold">
+                                          <p:stCondLst>
+                                            <p:cond delay="0"/>
+                                          </p:stCondLst>
+                                        </p:cTn>
+                                        <p:tgtEl>
+                                          <p:spTgt spid="10"/>
+                                        </p:tgtEl>
+                                        <p:attrNameLst>
+                                          <p:attrName>style.visibility</p:attrName>
+                                        </p:attrNameLst>
+                                      </p:cBhvr>
+                                      <p:to>
+                                        <p:strVal val="visible"/>
+                                      </p:to>
+                                    </p:set>
+                                    <p:animEffect transition="in" filter="fade">
+                                      <p:cBhvr>
+                                        <p:cTn id="21" dur="1000"/>
+                                        <p:tgtEl>
+                                          <p:spTgt spid="10"/>
+                                        </p:tgtEl>
+                                      </p:cBhvr>
+                                    </p:animEffect>
+                                    <p:anim calcmode="lin" valueType="num">
+                                      <p:cBhvr>
+                                        <p:cTn id="22" dur="1000" fill="hold"/>
+                                        <p:tgtEl>
+                                          <p:spTgt spid="10"/>
+                                        </p:tgtEl>
+                                        <p:attrNameLst>
+                                          <p:attrName>ppt_x</p:attrName>
+                                        </p:attrNameLst>
+                                      </p:cBhvr>
+                                      <p:tavLst>
+                                        <p:tav tm="0">
+                                          <p:val>
+                                            <p:strVal val="#ppt_x"/>
+                                          </p:val>
+                                        </p:tav>
+                                        <p:tav tm="100000">
+                                          <p:val>
+                                            <p:strVal val="#ppt_x"/>
+                                          </p:val>
+                                        </p:tav>
+                                      </p:tavLst>
+                                    </p:anim>
+                                    <p:anim calcmode="lin" valueType="num">
+                                      <p:cBhvr>
+                                        <p:cTn id="23" dur="1000" fill="hold"/>
+                                        <p:tgtEl>
+                                          <p:spTgt spid="10"/>
+                                        </p:tgtEl>
+                                        <p:attrNameLst>
+                                          <p:attrName>ppt_y</p:attrName>
+                                        </p:attrNameLst>
+                                      </p:cBhvr>
+                                      <p:tavLst>
+                                        <p:tav tm="0">
+                                          <p:val>
+                                            <p:strVal val="#ppt_y-.1"/>
+                                          </p:val>
+                                        </p:tav>
+                                        <p:tav tm="100000">
+                                          <p:val>
+                                            <p:strVal val="#ppt_y"/>
+                                          </p:val>
+                                        </p:tav>
+                                      </p:tavLst>
+                                    </p:anim>
+                                  </p:childTnLst>
+                                </p:cTn>
+                              </p:par>
+                            </p:childTnLst>
+                          </p:cTn>
+                        </p:par>
+                      </p:childTnLst>
+                    </p:cTn>
+                  </p:par>
+                </p:childTnLst>
+              </p:cTn>
+              <p:prevCondLst>
+                <p:cond evt="onPrev" delay="0">
+                  <p:tgtEl>
+                    <p:sldTgt/>
+                  </p:tgtEl>
+                </p:cond>
+              </p:prevCondLst>
+              <p:nextCondLst>
+                <p:cond evt="onNext" delay="0">
+                  <p:tgtEl>
+                    <p:sldTgt/>
+                  </p:tgtEl>
+                </p:cond>
+              </p:nextCondLst>
+            </p:seq>
+          </p:childTnLst>
+        </p:cTn>
       </p:par>
     </p:tnLst>
+    <p:bldLst>
+      <p:bldP spid="7" grpId="0"/>
+      <p:bldP spid="8" grpId="0"/>
+      <p:bldP spid="10" grpId="0"/>
+    </p:bldLst>
   </p:timing>
 </p:sld>
 </file>
@@ -29499,7 +30918,7 @@
           <a:p>
             <a:fld id="{3792B3D8-82DF-4A6C-AFC1-06AFC1ABA742}" type="datetime3">
               <a:rPr lang="en-US" sz="1100" smtClean="0"/>
-              <a:t>11 October 2021</a:t>
+              <a:t>5 October 2021</a:t>
             </a:fld>
             <a:endParaRPr lang="en-US" sz="1100" dirty="0"/>
           </a:p>
@@ -30404,6 +31823,6922 @@
     <p:bldLst>
       <p:bldP spid="3" grpId="0" build="p"/>
     </p:bldLst>
+  </p:timing>
+</p:sld>
+</file>
+
+<file path=ppt/slides/slide30.xml><?xml version="1.0" encoding="utf-8"?>
+<p:sld xmlns:a="http://schemas.openxmlformats.org/drawingml/2006/main" xmlns:r="http://schemas.openxmlformats.org/officeDocument/2006/relationships" xmlns:p="http://schemas.openxmlformats.org/presentationml/2006/main">
+  <p:cSld>
+    <p:spTree>
+      <p:nvGrpSpPr>
+        <p:cNvPr id="1" name=""/>
+        <p:cNvGrpSpPr/>
+        <p:nvPr/>
+      </p:nvGrpSpPr>
+      <p:grpSpPr>
+        <a:xfrm>
+          <a:off x="0" y="0"/>
+          <a:ext cx="0" cy="0"/>
+          <a:chOff x="0" y="0"/>
+          <a:chExt cx="0" cy="0"/>
+        </a:xfrm>
+      </p:grpSpPr>
+      <p:sp>
+        <p:nvSpPr>
+          <p:cNvPr id="4" name="Дата 3"/>
+          <p:cNvSpPr>
+            <a:spLocks noGrp="1"/>
+          </p:cNvSpPr>
+          <p:nvPr>
+            <p:ph type="dt" sz="half" idx="10"/>
+          </p:nvPr>
+        </p:nvSpPr>
+        <p:spPr>
+          <a:xfrm>
+            <a:off x="6518189" y="6041362"/>
+            <a:ext cx="1598883" cy="365125"/>
+          </a:xfrm>
+        </p:spPr>
+        <p:txBody>
+          <a:bodyPr/>
+          <a:lstStyle/>
+          <a:p>
+            <a:fld id="{E3705B4D-1726-4BAB-A90E-07379DAEAD37}" type="datetime3">
+              <a:rPr lang="en-US" sz="1100" smtClean="0"/>
+              <a:t>5 October 2021</a:t>
+            </a:fld>
+            <a:endParaRPr lang="en-US" sz="1100" dirty="0"/>
+          </a:p>
+        </p:txBody>
+      </p:sp>
+      <p:sp>
+        <p:nvSpPr>
+          <p:cNvPr id="5" name="Нижний колонтитул 4"/>
+          <p:cNvSpPr>
+            <a:spLocks noGrp="1"/>
+          </p:cNvSpPr>
+          <p:nvPr>
+            <p:ph type="ftr" sz="quarter" idx="11"/>
+          </p:nvPr>
+        </p:nvSpPr>
+        <p:spPr/>
+        <p:txBody>
+          <a:bodyPr/>
+          <a:lstStyle/>
+          <a:p>
+            <a:r>
+              <a:rPr lang="en-US" sz="1100" dirty="0" smtClean="0"/>
+              <a:t>Automated framework with C#</a:t>
+            </a:r>
+          </a:p>
+          <a:p>
+            <a:r>
+              <a:rPr lang="en-US" sz="1100" dirty="0"/>
+              <a:t>Yury </a:t>
+            </a:r>
+            <a:r>
+              <a:rPr lang="en-US" sz="1100" dirty="0" smtClean="0"/>
+              <a:t>Alifanov</a:t>
+            </a:r>
+            <a:endParaRPr lang="en-US" sz="1100" dirty="0"/>
+          </a:p>
+        </p:txBody>
+      </p:sp>
+      <p:sp>
+        <p:nvSpPr>
+          <p:cNvPr id="6" name="Номер слайда 5"/>
+          <p:cNvSpPr>
+            <a:spLocks noGrp="1"/>
+          </p:cNvSpPr>
+          <p:nvPr>
+            <p:ph type="sldNum" sz="quarter" idx="12"/>
+          </p:nvPr>
+        </p:nvSpPr>
+        <p:spPr/>
+        <p:txBody>
+          <a:bodyPr/>
+          <a:lstStyle/>
+          <a:p>
+            <a:fld id="{519954A3-9DFD-4C44-94BA-B95130A3BA1C}" type="slidenum">
+              <a:rPr lang="en-US" sz="1100" smtClean="0"/>
+              <a:t>30</a:t>
+            </a:fld>
+            <a:endParaRPr lang="en-US" sz="1100" dirty="0"/>
+          </a:p>
+        </p:txBody>
+      </p:sp>
+      <p:sp>
+        <p:nvSpPr>
+          <p:cNvPr id="8" name="Заголовок 7"/>
+          <p:cNvSpPr>
+            <a:spLocks noGrp="1"/>
+          </p:cNvSpPr>
+          <p:nvPr>
+            <p:ph type="title"/>
+          </p:nvPr>
+        </p:nvSpPr>
+        <p:spPr>
+          <a:xfrm>
+            <a:off x="0" y="0"/>
+            <a:ext cx="12192000" cy="6858000"/>
+          </a:xfrm>
+          <a:solidFill>
+            <a:schemeClr val="accent2">
+              <a:lumMod val="75000"/>
+            </a:schemeClr>
+          </a:solidFill>
+        </p:spPr>
+        <p:txBody>
+          <a:bodyPr/>
+          <a:lstStyle/>
+          <a:p>
+            <a:r>
+              <a:rPr lang="en-US" dirty="0" smtClean="0"/>
+              <a:t/>
+            </a:r>
+            <a:br>
+              <a:rPr lang="en-US" dirty="0" smtClean="0"/>
+            </a:br>
+            <a:r>
+              <a:rPr lang="en-US" dirty="0"/>
+              <a:t/>
+            </a:r>
+            <a:br>
+              <a:rPr lang="en-US" dirty="0"/>
+            </a:br>
+            <a:r>
+              <a:rPr lang="en-US" dirty="0" smtClean="0"/>
+              <a:t/>
+            </a:r>
+            <a:br>
+              <a:rPr lang="en-US" dirty="0" smtClean="0"/>
+            </a:br>
+            <a:r>
+              <a:rPr lang="en-US" dirty="0"/>
+              <a:t/>
+            </a:r>
+            <a:br>
+              <a:rPr lang="en-US" dirty="0"/>
+            </a:br>
+            <a:r>
+              <a:rPr lang="en-US" dirty="0" smtClean="0"/>
+              <a:t/>
+            </a:r>
+            <a:br>
+              <a:rPr lang="en-US" dirty="0" smtClean="0"/>
+            </a:br>
+            <a:r>
+              <a:rPr lang="en-US" dirty="0"/>
+              <a:t/>
+            </a:r>
+            <a:br>
+              <a:rPr lang="en-US" dirty="0"/>
+            </a:br>
+            <a:r>
+              <a:rPr lang="en-US" dirty="0" smtClean="0"/>
+              <a:t/>
+            </a:r>
+            <a:br>
+              <a:rPr lang="en-US" dirty="0" smtClean="0"/>
+            </a:br>
+            <a:r>
+              <a:rPr lang="en-US" dirty="0"/>
+              <a:t/>
+            </a:r>
+            <a:br>
+              <a:rPr lang="en-US" dirty="0"/>
+            </a:br>
+            <a:r>
+              <a:rPr lang="en-US" dirty="0" smtClean="0"/>
+              <a:t>		</a:t>
+            </a:r>
+            <a:r>
+              <a:rPr lang="en-US" sz="6600" dirty="0" smtClean="0">
+                <a:solidFill>
+                  <a:schemeClr val="bg1"/>
+                </a:solidFill>
+              </a:rPr>
+              <a:t>C# basics</a:t>
+            </a:r>
+            <a:br>
+              <a:rPr lang="en-US" sz="6600" dirty="0" smtClean="0">
+                <a:solidFill>
+                  <a:schemeClr val="bg1"/>
+                </a:solidFill>
+              </a:rPr>
+            </a:br>
+            <a:r>
+              <a:rPr lang="en-US" dirty="0">
+                <a:solidFill>
+                  <a:schemeClr val="bg1"/>
+                </a:solidFill>
+              </a:rPr>
+              <a:t>	</a:t>
+            </a:r>
+            <a:r>
+              <a:rPr lang="en-US" dirty="0" smtClean="0">
+                <a:solidFill>
+                  <a:schemeClr val="bg1"/>
+                </a:solidFill>
+              </a:rPr>
+              <a:t>	Classes</a:t>
+            </a:r>
+            <a:r>
+              <a:rPr lang="en-US" dirty="0" smtClean="0"/>
+              <a:t/>
+            </a:r>
+            <a:br>
+              <a:rPr lang="en-US" dirty="0" smtClean="0"/>
+            </a:br>
+            <a:r>
+              <a:rPr lang="en-US" dirty="0"/>
+              <a:t>	</a:t>
+            </a:r>
+          </a:p>
+        </p:txBody>
+      </p:sp>
+    </p:spTree>
+    <p:extLst>
+      <p:ext uri="{BB962C8B-B14F-4D97-AF65-F5344CB8AC3E}">
+        <p14:creationId xmlns:p14="http://schemas.microsoft.com/office/powerpoint/2010/main" val="1655089565"/>
+      </p:ext>
+    </p:extLst>
+  </p:cSld>
+  <p:clrMapOvr>
+    <a:masterClrMapping/>
+  </p:clrMapOvr>
+  <p:timing>
+    <p:tnLst>
+      <p:par>
+        <p:cTn id="1" dur="indefinite" restart="never" nodeType="tmRoot"/>
+      </p:par>
+    </p:tnLst>
+  </p:timing>
+</p:sld>
+</file>
+
+<file path=ppt/slides/slide31.xml><?xml version="1.0" encoding="utf-8"?>
+<p:sld xmlns:a="http://schemas.openxmlformats.org/drawingml/2006/main" xmlns:r="http://schemas.openxmlformats.org/officeDocument/2006/relationships" xmlns:p="http://schemas.openxmlformats.org/presentationml/2006/main">
+  <p:cSld>
+    <p:spTree>
+      <p:nvGrpSpPr>
+        <p:cNvPr id="1" name=""/>
+        <p:cNvGrpSpPr/>
+        <p:nvPr/>
+      </p:nvGrpSpPr>
+      <p:grpSpPr>
+        <a:xfrm>
+          <a:off x="0" y="0"/>
+          <a:ext cx="0" cy="0"/>
+          <a:chOff x="0" y="0"/>
+          <a:chExt cx="0" cy="0"/>
+        </a:xfrm>
+      </p:grpSpPr>
+      <p:sp>
+        <p:nvSpPr>
+          <p:cNvPr id="2" name="Заголовок 1"/>
+          <p:cNvSpPr>
+            <a:spLocks noGrp="1"/>
+          </p:cNvSpPr>
+          <p:nvPr>
+            <p:ph type="title"/>
+          </p:nvPr>
+        </p:nvSpPr>
+        <p:spPr/>
+        <p:txBody>
+          <a:bodyPr/>
+          <a:lstStyle/>
+          <a:p>
+            <a:r>
+              <a:rPr lang="en-US" dirty="0"/>
+              <a:t>C# </a:t>
+            </a:r>
+            <a:r>
+              <a:rPr lang="en-US" dirty="0" smtClean="0"/>
+              <a:t>basics</a:t>
+            </a:r>
+            <a:br>
+              <a:rPr lang="en-US" dirty="0" smtClean="0"/>
+            </a:br>
+            <a:r>
+              <a:rPr lang="en-US" sz="2400" dirty="0" smtClean="0">
+                <a:solidFill>
+                  <a:prstClr val="white">
+                    <a:lumMod val="50000"/>
+                  </a:prstClr>
+                </a:solidFill>
+              </a:rPr>
+              <a:t>Classes</a:t>
+            </a:r>
+            <a:endParaRPr lang="en-US" dirty="0"/>
+          </a:p>
+        </p:txBody>
+      </p:sp>
+      <p:sp>
+        <p:nvSpPr>
+          <p:cNvPr id="4" name="Дата 3"/>
+          <p:cNvSpPr>
+            <a:spLocks noGrp="1"/>
+          </p:cNvSpPr>
+          <p:nvPr>
+            <p:ph type="dt" sz="half" idx="10"/>
+          </p:nvPr>
+        </p:nvSpPr>
+        <p:spPr>
+          <a:xfrm>
+            <a:off x="6598153" y="6041362"/>
+            <a:ext cx="1518920" cy="365125"/>
+          </a:xfrm>
+        </p:spPr>
+        <p:txBody>
+          <a:bodyPr/>
+          <a:lstStyle/>
+          <a:p>
+            <a:fld id="{939306D3-16AC-481B-963B-74A1D01AC013}" type="datetime3">
+              <a:rPr lang="en-US" sz="1100" smtClean="0"/>
+              <a:t>5 October 2021</a:t>
+            </a:fld>
+            <a:endParaRPr lang="en-US" sz="1100" dirty="0"/>
+          </a:p>
+        </p:txBody>
+      </p:sp>
+      <p:sp>
+        <p:nvSpPr>
+          <p:cNvPr id="5" name="Нижний колонтитул 4"/>
+          <p:cNvSpPr>
+            <a:spLocks noGrp="1"/>
+          </p:cNvSpPr>
+          <p:nvPr>
+            <p:ph type="ftr" sz="quarter" idx="11"/>
+          </p:nvPr>
+        </p:nvSpPr>
+        <p:spPr/>
+        <p:txBody>
+          <a:bodyPr/>
+          <a:lstStyle/>
+          <a:p>
+            <a:r>
+              <a:rPr lang="en-US" sz="1100" dirty="0" smtClean="0"/>
+              <a:t>Automated framework with C#</a:t>
+            </a:r>
+          </a:p>
+          <a:p>
+            <a:r>
+              <a:rPr lang="en-US" sz="1100" dirty="0"/>
+              <a:t>Yury </a:t>
+            </a:r>
+            <a:r>
+              <a:rPr lang="en-US" sz="1100" dirty="0" smtClean="0"/>
+              <a:t>Alifanov</a:t>
+            </a:r>
+            <a:endParaRPr lang="en-US" sz="1100" dirty="0"/>
+          </a:p>
+        </p:txBody>
+      </p:sp>
+      <p:sp>
+        <p:nvSpPr>
+          <p:cNvPr id="6" name="Номер слайда 5"/>
+          <p:cNvSpPr>
+            <a:spLocks noGrp="1"/>
+          </p:cNvSpPr>
+          <p:nvPr>
+            <p:ph type="sldNum" sz="quarter" idx="12"/>
+          </p:nvPr>
+        </p:nvSpPr>
+        <p:spPr/>
+        <p:txBody>
+          <a:bodyPr/>
+          <a:lstStyle/>
+          <a:p>
+            <a:fld id="{519954A3-9DFD-4C44-94BA-B95130A3BA1C}" type="slidenum">
+              <a:rPr lang="en-US" sz="1100" smtClean="0"/>
+              <a:t>31</a:t>
+            </a:fld>
+            <a:endParaRPr lang="en-US" sz="1100" dirty="0"/>
+          </a:p>
+        </p:txBody>
+      </p:sp>
+      <p:sp>
+        <p:nvSpPr>
+          <p:cNvPr id="7" name="TextBox 6"/>
+          <p:cNvSpPr txBox="1"/>
+          <p:nvPr/>
+        </p:nvSpPr>
+        <p:spPr>
+          <a:xfrm>
+            <a:off x="3197728" y="609600"/>
+            <a:ext cx="7325017" cy="5262979"/>
+          </a:xfrm>
+          <a:prstGeom prst="rect">
+            <a:avLst/>
+          </a:prstGeom>
+          <a:noFill/>
+        </p:spPr>
+        <p:txBody>
+          <a:bodyPr wrap="square" rtlCol="0">
+            <a:spAutoFit/>
+          </a:bodyPr>
+          <a:lstStyle/>
+          <a:p>
+            <a:r>
+              <a:rPr lang="en-US" sz="1400" dirty="0" smtClean="0">
+                <a:solidFill>
+                  <a:schemeClr val="accent2"/>
+                </a:solidFill>
+                <a:latin typeface="Consolas" panose="020B0609020204030204" pitchFamily="49" charset="0"/>
+              </a:rPr>
+              <a:t>public class </a:t>
+            </a:r>
+            <a:r>
+              <a:rPr lang="en-US" sz="1400" dirty="0" smtClean="0">
+                <a:solidFill>
+                  <a:srgbClr val="33CCCC"/>
+                </a:solidFill>
+                <a:latin typeface="Consolas" panose="020B0609020204030204" pitchFamily="49" charset="0"/>
+              </a:rPr>
+              <a:t>Person</a:t>
+            </a:r>
+          </a:p>
+          <a:p>
+            <a:r>
+              <a:rPr lang="en-US" sz="1400" dirty="0" smtClean="0">
+                <a:latin typeface="Consolas" panose="020B0609020204030204" pitchFamily="49" charset="0"/>
+              </a:rPr>
+              <a:t>{</a:t>
+            </a:r>
+          </a:p>
+          <a:p>
+            <a:r>
+              <a:rPr lang="en-US" sz="1400" dirty="0">
+                <a:latin typeface="Consolas" panose="020B0609020204030204" pitchFamily="49" charset="0"/>
+              </a:rPr>
+              <a:t>	</a:t>
+            </a:r>
+            <a:r>
+              <a:rPr lang="en-US" sz="1400" dirty="0" smtClean="0">
+                <a:solidFill>
+                  <a:schemeClr val="accent2"/>
+                </a:solidFill>
+                <a:latin typeface="Consolas" panose="020B0609020204030204" pitchFamily="49" charset="0"/>
+              </a:rPr>
+              <a:t>private string</a:t>
+            </a:r>
+            <a:r>
+              <a:rPr lang="en-US" sz="1400" dirty="0" smtClean="0">
+                <a:latin typeface="Consolas" panose="020B0609020204030204" pitchFamily="49" charset="0"/>
+              </a:rPr>
+              <a:t> name; </a:t>
+            </a:r>
+            <a:r>
+              <a:rPr lang="en-US" sz="1400" dirty="0" smtClean="0">
+                <a:solidFill>
+                  <a:schemeClr val="accent5">
+                    <a:lumMod val="75000"/>
+                  </a:schemeClr>
+                </a:solidFill>
+                <a:latin typeface="Consolas" panose="020B0609020204030204" pitchFamily="49" charset="0"/>
+              </a:rPr>
+              <a:t>// field definition</a:t>
+            </a:r>
+          </a:p>
+          <a:p>
+            <a:r>
+              <a:rPr lang="en-US" sz="1400" dirty="0">
+                <a:latin typeface="Consolas" panose="020B0609020204030204" pitchFamily="49" charset="0"/>
+              </a:rPr>
+              <a:t>	</a:t>
+            </a:r>
+            <a:r>
+              <a:rPr lang="en-US" sz="1400" dirty="0">
+                <a:solidFill>
+                  <a:schemeClr val="accent2"/>
+                </a:solidFill>
+                <a:latin typeface="Consolas" panose="020B0609020204030204" pitchFamily="49" charset="0"/>
+              </a:rPr>
+              <a:t>public string</a:t>
+            </a:r>
+            <a:r>
+              <a:rPr lang="en-US" sz="1400" dirty="0">
+                <a:latin typeface="Consolas" panose="020B0609020204030204" pitchFamily="49" charset="0"/>
+              </a:rPr>
+              <a:t> Name </a:t>
+            </a:r>
+            <a:r>
+              <a:rPr lang="en-US" sz="1400" dirty="0">
+                <a:solidFill>
+                  <a:schemeClr val="accent5">
+                    <a:lumMod val="75000"/>
+                  </a:schemeClr>
+                </a:solidFill>
+                <a:latin typeface="Consolas" panose="020B0609020204030204" pitchFamily="49" charset="0"/>
+              </a:rPr>
+              <a:t>// property declaration</a:t>
+            </a:r>
+            <a:endParaRPr lang="en-US" sz="1400" dirty="0">
+              <a:latin typeface="Consolas" panose="020B0609020204030204" pitchFamily="49" charset="0"/>
+            </a:endParaRPr>
+          </a:p>
+          <a:p>
+            <a:r>
+              <a:rPr lang="en-US" sz="1400" dirty="0">
+                <a:latin typeface="Consolas" panose="020B0609020204030204" pitchFamily="49" charset="0"/>
+              </a:rPr>
+              <a:t>	{</a:t>
+            </a:r>
+          </a:p>
+          <a:p>
+            <a:r>
+              <a:rPr lang="en-US" sz="1400" dirty="0">
+                <a:latin typeface="Consolas" panose="020B0609020204030204" pitchFamily="49" charset="0"/>
+              </a:rPr>
+              <a:t>		</a:t>
+            </a:r>
+            <a:r>
+              <a:rPr lang="en-US" sz="1400" dirty="0">
+                <a:solidFill>
+                  <a:schemeClr val="accent2"/>
+                </a:solidFill>
+                <a:latin typeface="Consolas" panose="020B0609020204030204" pitchFamily="49" charset="0"/>
+              </a:rPr>
+              <a:t>get</a:t>
+            </a:r>
+            <a:r>
+              <a:rPr lang="en-US" sz="1400" dirty="0">
+                <a:latin typeface="Consolas" panose="020B0609020204030204" pitchFamily="49" charset="0"/>
+              </a:rPr>
+              <a:t> { </a:t>
+            </a:r>
+            <a:r>
+              <a:rPr lang="en-US" sz="1400" dirty="0">
+                <a:solidFill>
+                  <a:schemeClr val="accent2"/>
+                </a:solidFill>
+                <a:latin typeface="Consolas" panose="020B0609020204030204" pitchFamily="49" charset="0"/>
+              </a:rPr>
+              <a:t>return</a:t>
+            </a:r>
+            <a:r>
+              <a:rPr lang="en-US" sz="1400" dirty="0">
+                <a:latin typeface="Consolas" panose="020B0609020204030204" pitchFamily="49" charset="0"/>
+              </a:rPr>
+              <a:t> name; }</a:t>
+            </a:r>
+          </a:p>
+          <a:p>
+            <a:r>
+              <a:rPr lang="en-US" sz="1400" dirty="0">
+                <a:latin typeface="Consolas" panose="020B0609020204030204" pitchFamily="49" charset="0"/>
+              </a:rPr>
+              <a:t>		</a:t>
+            </a:r>
+            <a:r>
+              <a:rPr lang="en-US" sz="1400" dirty="0">
+                <a:solidFill>
+                  <a:schemeClr val="accent2"/>
+                </a:solidFill>
+                <a:latin typeface="Consolas" panose="020B0609020204030204" pitchFamily="49" charset="0"/>
+              </a:rPr>
+              <a:t>set</a:t>
+            </a:r>
+            <a:r>
+              <a:rPr lang="en-US" sz="1400" dirty="0">
+                <a:latin typeface="Consolas" panose="020B0609020204030204" pitchFamily="49" charset="0"/>
+              </a:rPr>
+              <a:t> { name = </a:t>
+            </a:r>
+            <a:r>
+              <a:rPr lang="en-US" sz="1400" dirty="0">
+                <a:solidFill>
+                  <a:schemeClr val="accent2"/>
+                </a:solidFill>
+                <a:latin typeface="Consolas" panose="020B0609020204030204" pitchFamily="49" charset="0"/>
+              </a:rPr>
+              <a:t>value</a:t>
+            </a:r>
+            <a:r>
+              <a:rPr lang="en-US" sz="1400" dirty="0">
+                <a:latin typeface="Consolas" panose="020B0609020204030204" pitchFamily="49" charset="0"/>
+              </a:rPr>
+              <a:t>; }</a:t>
+            </a:r>
+          </a:p>
+          <a:p>
+            <a:r>
+              <a:rPr lang="en-US" sz="1400" dirty="0">
+                <a:latin typeface="Consolas" panose="020B0609020204030204" pitchFamily="49" charset="0"/>
+              </a:rPr>
+              <a:t>	}</a:t>
+            </a:r>
+          </a:p>
+          <a:p>
+            <a:endParaRPr lang="en-US" sz="1400" dirty="0">
+              <a:latin typeface="Consolas" panose="020B0609020204030204" pitchFamily="49" charset="0"/>
+            </a:endParaRPr>
+          </a:p>
+          <a:p>
+            <a:r>
+              <a:rPr lang="en-US" sz="1400" dirty="0" smtClean="0">
+                <a:latin typeface="Consolas" panose="020B0609020204030204" pitchFamily="49" charset="0"/>
+              </a:rPr>
+              <a:t>	</a:t>
+            </a:r>
+            <a:r>
+              <a:rPr lang="en-US" sz="1400" dirty="0" smtClean="0">
+                <a:solidFill>
+                  <a:schemeClr val="accent2"/>
+                </a:solidFill>
+                <a:latin typeface="Consolas" panose="020B0609020204030204" pitchFamily="49" charset="0"/>
+              </a:rPr>
+              <a:t>public</a:t>
+            </a:r>
+            <a:r>
+              <a:rPr lang="en-US" sz="1400" dirty="0" smtClean="0">
+                <a:latin typeface="Consolas" panose="020B0609020204030204" pitchFamily="49" charset="0"/>
+              </a:rPr>
+              <a:t> </a:t>
+            </a:r>
+            <a:r>
+              <a:rPr lang="en-US" sz="1400" dirty="0">
+                <a:solidFill>
+                  <a:srgbClr val="33CCCC"/>
+                </a:solidFill>
+                <a:latin typeface="Consolas" panose="020B0609020204030204" pitchFamily="49" charset="0"/>
+              </a:rPr>
+              <a:t>Person</a:t>
+            </a:r>
+            <a:r>
+              <a:rPr lang="en-US" sz="1400" dirty="0" smtClean="0">
+                <a:latin typeface="Consolas" panose="020B0609020204030204" pitchFamily="49" charset="0"/>
+              </a:rPr>
+              <a:t>() </a:t>
+            </a:r>
+            <a:r>
+              <a:rPr lang="en-US" sz="1400" dirty="0" smtClean="0">
+                <a:solidFill>
+                  <a:schemeClr val="accent5">
+                    <a:lumMod val="75000"/>
+                  </a:schemeClr>
+                </a:solidFill>
+                <a:latin typeface="Consolas" panose="020B0609020204030204" pitchFamily="49" charset="0"/>
+              </a:rPr>
+              <a:t>// </a:t>
+            </a:r>
+            <a:r>
+              <a:rPr lang="en-US" sz="1400" dirty="0" err="1" smtClean="0">
+                <a:solidFill>
+                  <a:schemeClr val="accent5">
+                    <a:lumMod val="75000"/>
+                  </a:schemeClr>
+                </a:solidFill>
+                <a:latin typeface="Consolas" panose="020B0609020204030204" pitchFamily="49" charset="0"/>
+              </a:rPr>
+              <a:t>parameterless</a:t>
+            </a:r>
+            <a:r>
+              <a:rPr lang="en-US" sz="1400" dirty="0" smtClean="0">
+                <a:solidFill>
+                  <a:schemeClr val="accent5">
+                    <a:lumMod val="75000"/>
+                  </a:schemeClr>
+                </a:solidFill>
+                <a:latin typeface="Consolas" panose="020B0609020204030204" pitchFamily="49" charset="0"/>
+              </a:rPr>
+              <a:t> constructor</a:t>
+            </a:r>
+          </a:p>
+          <a:p>
+            <a:r>
+              <a:rPr lang="en-US" sz="1400" dirty="0">
+                <a:latin typeface="Consolas" panose="020B0609020204030204" pitchFamily="49" charset="0"/>
+              </a:rPr>
+              <a:t>	</a:t>
+            </a:r>
+            <a:r>
+              <a:rPr lang="en-US" sz="1400" dirty="0" smtClean="0">
+                <a:latin typeface="Consolas" panose="020B0609020204030204" pitchFamily="49" charset="0"/>
+              </a:rPr>
+              <a:t>{</a:t>
+            </a:r>
+          </a:p>
+          <a:p>
+            <a:r>
+              <a:rPr lang="en-US" sz="1400" dirty="0">
+                <a:latin typeface="Consolas" panose="020B0609020204030204" pitchFamily="49" charset="0"/>
+              </a:rPr>
+              <a:t>	</a:t>
+            </a:r>
+            <a:r>
+              <a:rPr lang="en-US" sz="1400" dirty="0" smtClean="0">
+                <a:latin typeface="Consolas" panose="020B0609020204030204" pitchFamily="49" charset="0"/>
+              </a:rPr>
+              <a:t>	name = </a:t>
+            </a:r>
+            <a:r>
+              <a:rPr lang="en-US" sz="1400" dirty="0" smtClean="0">
+                <a:solidFill>
+                  <a:srgbClr val="C00000"/>
+                </a:solidFill>
+                <a:latin typeface="Consolas" panose="020B0609020204030204" pitchFamily="49" charset="0"/>
+              </a:rPr>
+              <a:t>“Incognito”</a:t>
+            </a:r>
+            <a:r>
+              <a:rPr lang="en-US" sz="1400" dirty="0" smtClean="0">
+                <a:latin typeface="Consolas" panose="020B0609020204030204" pitchFamily="49" charset="0"/>
+              </a:rPr>
+              <a:t>;</a:t>
+            </a:r>
+          </a:p>
+          <a:p>
+            <a:r>
+              <a:rPr lang="en-US" sz="1400" dirty="0">
+                <a:latin typeface="Consolas" panose="020B0609020204030204" pitchFamily="49" charset="0"/>
+              </a:rPr>
+              <a:t>	</a:t>
+            </a:r>
+            <a:r>
+              <a:rPr lang="en-US" sz="1400" dirty="0" smtClean="0">
+                <a:latin typeface="Consolas" panose="020B0609020204030204" pitchFamily="49" charset="0"/>
+              </a:rPr>
+              <a:t>}</a:t>
+            </a:r>
+          </a:p>
+          <a:p>
+            <a:r>
+              <a:rPr lang="en-US" sz="1400" dirty="0" smtClean="0">
+                <a:solidFill>
+                  <a:schemeClr val="accent5">
+                    <a:lumMod val="75000"/>
+                  </a:schemeClr>
+                </a:solidFill>
+                <a:latin typeface="Consolas" panose="020B0609020204030204" pitchFamily="49" charset="0"/>
+              </a:rPr>
+              <a:t>	// </a:t>
+            </a:r>
+            <a:r>
+              <a:rPr lang="en-US" sz="1400" dirty="0">
+                <a:solidFill>
+                  <a:schemeClr val="accent5">
+                    <a:lumMod val="75000"/>
+                  </a:schemeClr>
+                </a:solidFill>
+                <a:latin typeface="Consolas" panose="020B0609020204030204" pitchFamily="49" charset="0"/>
+              </a:rPr>
+              <a:t>class body between two curly brackets</a:t>
+            </a:r>
+            <a:endParaRPr lang="en-US" sz="1400" dirty="0" smtClean="0">
+              <a:latin typeface="Consolas" panose="020B0609020204030204" pitchFamily="49" charset="0"/>
+            </a:endParaRPr>
+          </a:p>
+          <a:p>
+            <a:r>
+              <a:rPr lang="en-US" sz="1400" dirty="0">
+                <a:latin typeface="Consolas" panose="020B0609020204030204" pitchFamily="49" charset="0"/>
+              </a:rPr>
+              <a:t>	</a:t>
+            </a:r>
+            <a:r>
+              <a:rPr lang="en-US" sz="1400" dirty="0">
+                <a:solidFill>
+                  <a:schemeClr val="accent2"/>
+                </a:solidFill>
+                <a:latin typeface="Consolas" panose="020B0609020204030204" pitchFamily="49" charset="0"/>
+              </a:rPr>
+              <a:t>public</a:t>
+            </a:r>
+            <a:r>
+              <a:rPr lang="en-US" sz="1400" dirty="0">
+                <a:latin typeface="Consolas" panose="020B0609020204030204" pitchFamily="49" charset="0"/>
+              </a:rPr>
+              <a:t> </a:t>
+            </a:r>
+            <a:r>
+              <a:rPr lang="en-US" sz="1400" dirty="0">
+                <a:solidFill>
+                  <a:srgbClr val="33CCCC"/>
+                </a:solidFill>
+                <a:latin typeface="Consolas" panose="020B0609020204030204" pitchFamily="49" charset="0"/>
+              </a:rPr>
+              <a:t>Person</a:t>
+            </a:r>
+            <a:r>
+              <a:rPr lang="en-US" sz="1400" dirty="0" smtClean="0">
+                <a:latin typeface="Consolas" panose="020B0609020204030204" pitchFamily="49" charset="0"/>
+              </a:rPr>
+              <a:t>(</a:t>
+            </a:r>
+            <a:r>
+              <a:rPr lang="en-US" sz="1400" dirty="0" smtClean="0">
+                <a:solidFill>
+                  <a:schemeClr val="accent2"/>
+                </a:solidFill>
+                <a:latin typeface="Consolas" panose="020B0609020204030204" pitchFamily="49" charset="0"/>
+              </a:rPr>
+              <a:t>string</a:t>
+            </a:r>
+            <a:r>
+              <a:rPr lang="en-US" sz="1400" dirty="0" smtClean="0">
+                <a:latin typeface="Consolas" panose="020B0609020204030204" pitchFamily="49" charset="0"/>
+              </a:rPr>
+              <a:t> name) </a:t>
+            </a:r>
+            <a:r>
+              <a:rPr lang="en-US" sz="1400" dirty="0">
+                <a:solidFill>
+                  <a:schemeClr val="accent5">
+                    <a:lumMod val="75000"/>
+                  </a:schemeClr>
+                </a:solidFill>
+                <a:latin typeface="Consolas" panose="020B0609020204030204" pitchFamily="49" charset="0"/>
+              </a:rPr>
+              <a:t>// </a:t>
+            </a:r>
+            <a:r>
+              <a:rPr lang="en-US" sz="1400" dirty="0" smtClean="0">
+                <a:solidFill>
+                  <a:schemeClr val="accent5">
+                    <a:lumMod val="75000"/>
+                  </a:schemeClr>
+                </a:solidFill>
+                <a:latin typeface="Consolas" panose="020B0609020204030204" pitchFamily="49" charset="0"/>
+              </a:rPr>
+              <a:t>constructor with parameters</a:t>
+            </a:r>
+            <a:endParaRPr lang="en-US" sz="1400" dirty="0">
+              <a:solidFill>
+                <a:schemeClr val="accent5">
+                  <a:lumMod val="75000"/>
+                </a:schemeClr>
+              </a:solidFill>
+              <a:latin typeface="Consolas" panose="020B0609020204030204" pitchFamily="49" charset="0"/>
+            </a:endParaRPr>
+          </a:p>
+          <a:p>
+            <a:r>
+              <a:rPr lang="en-US" sz="1400" dirty="0">
+                <a:latin typeface="Consolas" panose="020B0609020204030204" pitchFamily="49" charset="0"/>
+              </a:rPr>
+              <a:t>	{</a:t>
+            </a:r>
+          </a:p>
+          <a:p>
+            <a:r>
+              <a:rPr lang="en-US" sz="1400" dirty="0">
+                <a:latin typeface="Consolas" panose="020B0609020204030204" pitchFamily="49" charset="0"/>
+              </a:rPr>
+              <a:t>		</a:t>
+            </a:r>
+            <a:r>
+              <a:rPr lang="en-US" sz="1400" dirty="0" smtClean="0">
+                <a:solidFill>
+                  <a:schemeClr val="accent2"/>
+                </a:solidFill>
+                <a:latin typeface="Consolas" panose="020B0609020204030204" pitchFamily="49" charset="0"/>
+              </a:rPr>
+              <a:t>this</a:t>
+            </a:r>
+            <a:r>
+              <a:rPr lang="en-US" sz="1400" dirty="0" smtClean="0">
+                <a:latin typeface="Consolas" panose="020B0609020204030204" pitchFamily="49" charset="0"/>
+              </a:rPr>
+              <a:t>.name = name;</a:t>
+            </a:r>
+            <a:endParaRPr lang="en-US" sz="1400" dirty="0">
+              <a:latin typeface="Consolas" panose="020B0609020204030204" pitchFamily="49" charset="0"/>
+            </a:endParaRPr>
+          </a:p>
+          <a:p>
+            <a:r>
+              <a:rPr lang="en-US" sz="1400" dirty="0">
+                <a:latin typeface="Consolas" panose="020B0609020204030204" pitchFamily="49" charset="0"/>
+              </a:rPr>
+              <a:t>	</a:t>
+            </a:r>
+            <a:r>
+              <a:rPr lang="en-US" sz="1400" dirty="0" smtClean="0">
+                <a:latin typeface="Consolas" panose="020B0609020204030204" pitchFamily="49" charset="0"/>
+              </a:rPr>
+              <a:t>}</a:t>
+            </a:r>
+          </a:p>
+          <a:p>
+            <a:r>
+              <a:rPr lang="en-US" sz="1400" dirty="0" smtClean="0">
+                <a:latin typeface="Consolas" panose="020B0609020204030204" pitchFamily="49" charset="0"/>
+              </a:rPr>
+              <a:t>		</a:t>
+            </a:r>
+            <a:endParaRPr lang="en-US" sz="1400" dirty="0">
+              <a:latin typeface="Consolas" panose="020B0609020204030204" pitchFamily="49" charset="0"/>
+            </a:endParaRPr>
+          </a:p>
+          <a:p>
+            <a:r>
+              <a:rPr lang="en-US" sz="1400" dirty="0">
+                <a:latin typeface="Consolas" panose="020B0609020204030204" pitchFamily="49" charset="0"/>
+              </a:rPr>
+              <a:t>	</a:t>
+            </a:r>
+            <a:r>
+              <a:rPr lang="en-US" sz="1400" dirty="0" smtClean="0">
+                <a:solidFill>
+                  <a:schemeClr val="accent2"/>
+                </a:solidFill>
+                <a:latin typeface="Consolas" panose="020B0609020204030204" pitchFamily="49" charset="0"/>
+              </a:rPr>
+              <a:t>public void</a:t>
+            </a:r>
+            <a:r>
+              <a:rPr lang="en-US" sz="1400" dirty="0" smtClean="0">
+                <a:latin typeface="Consolas" panose="020B0609020204030204" pitchFamily="49" charset="0"/>
+              </a:rPr>
+              <a:t> </a:t>
+            </a:r>
+            <a:r>
+              <a:rPr lang="en-US" sz="1400" dirty="0" err="1" smtClean="0">
+                <a:latin typeface="Consolas" panose="020B0609020204030204" pitchFamily="49" charset="0"/>
+              </a:rPr>
+              <a:t>GetIntroduction</a:t>
+            </a:r>
+            <a:r>
+              <a:rPr lang="en-US" sz="1400" dirty="0" smtClean="0">
+                <a:latin typeface="Consolas" panose="020B0609020204030204" pitchFamily="49" charset="0"/>
+              </a:rPr>
+              <a:t>() </a:t>
+            </a:r>
+            <a:r>
+              <a:rPr lang="en-US" sz="1400" dirty="0" smtClean="0">
+                <a:solidFill>
+                  <a:schemeClr val="accent5">
+                    <a:lumMod val="75000"/>
+                  </a:schemeClr>
+                </a:solidFill>
+                <a:latin typeface="Consolas" panose="020B0609020204030204" pitchFamily="49" charset="0"/>
+              </a:rPr>
+              <a:t>// method declaration</a:t>
+            </a:r>
+            <a:endParaRPr lang="en-US" sz="1400" dirty="0">
+              <a:latin typeface="Consolas" panose="020B0609020204030204" pitchFamily="49" charset="0"/>
+            </a:endParaRPr>
+          </a:p>
+          <a:p>
+            <a:r>
+              <a:rPr lang="en-US" sz="1400" dirty="0">
+                <a:latin typeface="Consolas" panose="020B0609020204030204" pitchFamily="49" charset="0"/>
+              </a:rPr>
+              <a:t>	{</a:t>
+            </a:r>
+          </a:p>
+          <a:p>
+            <a:r>
+              <a:rPr lang="en-US" sz="1400" dirty="0">
+                <a:latin typeface="Consolas" panose="020B0609020204030204" pitchFamily="49" charset="0"/>
+              </a:rPr>
+              <a:t>		</a:t>
+            </a:r>
+            <a:r>
+              <a:rPr lang="en-US" sz="1400" dirty="0" err="1">
+                <a:solidFill>
+                  <a:srgbClr val="33CCCC"/>
+                </a:solidFill>
+                <a:latin typeface="Consolas" panose="020B0609020204030204" pitchFamily="49" charset="0"/>
+              </a:rPr>
+              <a:t>Console</a:t>
+            </a:r>
+            <a:r>
+              <a:rPr lang="en-US" sz="1400" dirty="0" err="1" smtClean="0">
+                <a:latin typeface="Consolas" panose="020B0609020204030204" pitchFamily="49" charset="0"/>
+              </a:rPr>
+              <a:t>.WriteLine</a:t>
+            </a:r>
+            <a:r>
+              <a:rPr lang="en-US" sz="1400" dirty="0" smtClean="0">
+                <a:latin typeface="Consolas" panose="020B0609020204030204" pitchFamily="49" charset="0"/>
+              </a:rPr>
+              <a:t>(</a:t>
+            </a:r>
+            <a:r>
+              <a:rPr lang="en-US" sz="1400" dirty="0" smtClean="0">
+                <a:solidFill>
+                  <a:srgbClr val="C00000"/>
+                </a:solidFill>
+                <a:latin typeface="Consolas" panose="020B0609020204030204" pitchFamily="49" charset="0"/>
+              </a:rPr>
+              <a:t>$”My name is</a:t>
+            </a:r>
+            <a:r>
+              <a:rPr lang="en-US" sz="1400" dirty="0" smtClean="0">
+                <a:latin typeface="Consolas" panose="020B0609020204030204" pitchFamily="49" charset="0"/>
+              </a:rPr>
+              <a:t> {name}</a:t>
+            </a:r>
+            <a:r>
+              <a:rPr lang="en-US" sz="1400" dirty="0" smtClean="0">
+                <a:solidFill>
+                  <a:srgbClr val="C00000"/>
+                </a:solidFill>
+                <a:latin typeface="Consolas" panose="020B0609020204030204" pitchFamily="49" charset="0"/>
+              </a:rPr>
+              <a:t>”</a:t>
+            </a:r>
+            <a:r>
+              <a:rPr lang="en-US" sz="1400" dirty="0" smtClean="0">
+                <a:latin typeface="Consolas" panose="020B0609020204030204" pitchFamily="49" charset="0"/>
+              </a:rPr>
+              <a:t>)</a:t>
+            </a:r>
+            <a:endParaRPr lang="en-US" sz="1400" dirty="0">
+              <a:latin typeface="Consolas" panose="020B0609020204030204" pitchFamily="49" charset="0"/>
+            </a:endParaRPr>
+          </a:p>
+          <a:p>
+            <a:r>
+              <a:rPr lang="en-US" sz="1400" dirty="0">
+                <a:latin typeface="Consolas" panose="020B0609020204030204" pitchFamily="49" charset="0"/>
+              </a:rPr>
+              <a:t>	}</a:t>
+            </a:r>
+          </a:p>
+          <a:p>
+            <a:r>
+              <a:rPr lang="en-US" sz="1400" dirty="0" smtClean="0">
+                <a:latin typeface="Consolas" panose="020B0609020204030204" pitchFamily="49" charset="0"/>
+              </a:rPr>
+              <a:t>}</a:t>
+            </a:r>
+          </a:p>
+        </p:txBody>
+      </p:sp>
+    </p:spTree>
+    <p:extLst>
+      <p:ext uri="{BB962C8B-B14F-4D97-AF65-F5344CB8AC3E}">
+        <p14:creationId xmlns:p14="http://schemas.microsoft.com/office/powerpoint/2010/main" val="1465212765"/>
+      </p:ext>
+    </p:extLst>
+  </p:cSld>
+  <p:clrMapOvr>
+    <a:masterClrMapping/>
+  </p:clrMapOvr>
+  <p:timing>
+    <p:tnLst>
+      <p:par>
+        <p:cTn id="1" dur="indefinite" restart="never" nodeType="tmRoot">
+          <p:childTnLst>
+            <p:seq concurrent="1" nextAc="seek">
+              <p:cTn id="2" dur="indefinite" nodeType="mainSeq">
+                <p:childTnLst>
+                  <p:par>
+                    <p:cTn id="3" fill="hold">
+                      <p:stCondLst>
+                        <p:cond delay="indefinite"/>
+                      </p:stCondLst>
+                      <p:childTnLst>
+                        <p:par>
+                          <p:cTn id="4" fill="hold">
+                            <p:stCondLst>
+                              <p:cond delay="0"/>
+                            </p:stCondLst>
+                            <p:childTnLst>
+                              <p:par>
+                                <p:cTn id="5" presetID="42" presetClass="entr" presetSubtype="0" fill="hold" nodeType="clickEffect">
+                                  <p:stCondLst>
+                                    <p:cond delay="0"/>
+                                  </p:stCondLst>
+                                  <p:childTnLst>
+                                    <p:set>
+                                      <p:cBhvr>
+                                        <p:cTn id="6" dur="1" fill="hold">
+                                          <p:stCondLst>
+                                            <p:cond delay="0"/>
+                                          </p:stCondLst>
+                                        </p:cTn>
+                                        <p:tgtEl>
+                                          <p:spTgt spid="7">
+                                            <p:txEl>
+                                              <p:pRg st="0" end="0"/>
+                                            </p:txEl>
+                                          </p:spTgt>
+                                        </p:tgtEl>
+                                        <p:attrNameLst>
+                                          <p:attrName>style.visibility</p:attrName>
+                                        </p:attrNameLst>
+                                      </p:cBhvr>
+                                      <p:to>
+                                        <p:strVal val="visible"/>
+                                      </p:to>
+                                    </p:set>
+                                    <p:animEffect transition="in" filter="fade">
+                                      <p:cBhvr>
+                                        <p:cTn id="7" dur="1000"/>
+                                        <p:tgtEl>
+                                          <p:spTgt spid="7">
+                                            <p:txEl>
+                                              <p:pRg st="0" end="0"/>
+                                            </p:txEl>
+                                          </p:spTgt>
+                                        </p:tgtEl>
+                                      </p:cBhvr>
+                                    </p:animEffect>
+                                    <p:anim calcmode="lin" valueType="num">
+                                      <p:cBhvr>
+                                        <p:cTn id="8" dur="1000" fill="hold"/>
+                                        <p:tgtEl>
+                                          <p:spTgt spid="7">
+                                            <p:txEl>
+                                              <p:pRg st="0" end="0"/>
+                                            </p:txEl>
+                                          </p:spTgt>
+                                        </p:tgtEl>
+                                        <p:attrNameLst>
+                                          <p:attrName>ppt_x</p:attrName>
+                                        </p:attrNameLst>
+                                      </p:cBhvr>
+                                      <p:tavLst>
+                                        <p:tav tm="0">
+                                          <p:val>
+                                            <p:strVal val="#ppt_x"/>
+                                          </p:val>
+                                        </p:tav>
+                                        <p:tav tm="100000">
+                                          <p:val>
+                                            <p:strVal val="#ppt_x"/>
+                                          </p:val>
+                                        </p:tav>
+                                      </p:tavLst>
+                                    </p:anim>
+                                    <p:anim calcmode="lin" valueType="num">
+                                      <p:cBhvr>
+                                        <p:cTn id="9" dur="1000" fill="hold"/>
+                                        <p:tgtEl>
+                                          <p:spTgt spid="7">
+                                            <p:txEl>
+                                              <p:pRg st="0" end="0"/>
+                                            </p:txEl>
+                                          </p:spTgt>
+                                        </p:tgtEl>
+                                        <p:attrNameLst>
+                                          <p:attrName>ppt_y</p:attrName>
+                                        </p:attrNameLst>
+                                      </p:cBhvr>
+                                      <p:tavLst>
+                                        <p:tav tm="0">
+                                          <p:val>
+                                            <p:strVal val="#ppt_y+.1"/>
+                                          </p:val>
+                                        </p:tav>
+                                        <p:tav tm="100000">
+                                          <p:val>
+                                            <p:strVal val="#ppt_y"/>
+                                          </p:val>
+                                        </p:tav>
+                                      </p:tavLst>
+                                    </p:anim>
+                                  </p:childTnLst>
+                                </p:cTn>
+                              </p:par>
+                              <p:par>
+                                <p:cTn id="10" presetID="42" presetClass="entr" presetSubtype="0" fill="hold" nodeType="withEffect">
+                                  <p:stCondLst>
+                                    <p:cond delay="0"/>
+                                  </p:stCondLst>
+                                  <p:childTnLst>
+                                    <p:set>
+                                      <p:cBhvr>
+                                        <p:cTn id="11" dur="1" fill="hold">
+                                          <p:stCondLst>
+                                            <p:cond delay="0"/>
+                                          </p:stCondLst>
+                                        </p:cTn>
+                                        <p:tgtEl>
+                                          <p:spTgt spid="7">
+                                            <p:txEl>
+                                              <p:pRg st="1" end="1"/>
+                                            </p:txEl>
+                                          </p:spTgt>
+                                        </p:tgtEl>
+                                        <p:attrNameLst>
+                                          <p:attrName>style.visibility</p:attrName>
+                                        </p:attrNameLst>
+                                      </p:cBhvr>
+                                      <p:to>
+                                        <p:strVal val="visible"/>
+                                      </p:to>
+                                    </p:set>
+                                    <p:animEffect transition="in" filter="fade">
+                                      <p:cBhvr>
+                                        <p:cTn id="12" dur="1000"/>
+                                        <p:tgtEl>
+                                          <p:spTgt spid="7">
+                                            <p:txEl>
+                                              <p:pRg st="1" end="1"/>
+                                            </p:txEl>
+                                          </p:spTgt>
+                                        </p:tgtEl>
+                                      </p:cBhvr>
+                                    </p:animEffect>
+                                    <p:anim calcmode="lin" valueType="num">
+                                      <p:cBhvr>
+                                        <p:cTn id="13" dur="1000" fill="hold"/>
+                                        <p:tgtEl>
+                                          <p:spTgt spid="7">
+                                            <p:txEl>
+                                              <p:pRg st="1" end="1"/>
+                                            </p:txEl>
+                                          </p:spTgt>
+                                        </p:tgtEl>
+                                        <p:attrNameLst>
+                                          <p:attrName>ppt_x</p:attrName>
+                                        </p:attrNameLst>
+                                      </p:cBhvr>
+                                      <p:tavLst>
+                                        <p:tav tm="0">
+                                          <p:val>
+                                            <p:strVal val="#ppt_x"/>
+                                          </p:val>
+                                        </p:tav>
+                                        <p:tav tm="100000">
+                                          <p:val>
+                                            <p:strVal val="#ppt_x"/>
+                                          </p:val>
+                                        </p:tav>
+                                      </p:tavLst>
+                                    </p:anim>
+                                    <p:anim calcmode="lin" valueType="num">
+                                      <p:cBhvr>
+                                        <p:cTn id="14" dur="1000" fill="hold"/>
+                                        <p:tgtEl>
+                                          <p:spTgt spid="7">
+                                            <p:txEl>
+                                              <p:pRg st="1" end="1"/>
+                                            </p:txEl>
+                                          </p:spTgt>
+                                        </p:tgtEl>
+                                        <p:attrNameLst>
+                                          <p:attrName>ppt_y</p:attrName>
+                                        </p:attrNameLst>
+                                      </p:cBhvr>
+                                      <p:tavLst>
+                                        <p:tav tm="0">
+                                          <p:val>
+                                            <p:strVal val="#ppt_y+.1"/>
+                                          </p:val>
+                                        </p:tav>
+                                        <p:tav tm="100000">
+                                          <p:val>
+                                            <p:strVal val="#ppt_y"/>
+                                          </p:val>
+                                        </p:tav>
+                                      </p:tavLst>
+                                    </p:anim>
+                                  </p:childTnLst>
+                                </p:cTn>
+                              </p:par>
+                              <p:par>
+                                <p:cTn id="15" presetID="42" presetClass="entr" presetSubtype="0" fill="hold" nodeType="withEffect">
+                                  <p:stCondLst>
+                                    <p:cond delay="0"/>
+                                  </p:stCondLst>
+                                  <p:childTnLst>
+                                    <p:set>
+                                      <p:cBhvr>
+                                        <p:cTn id="16" dur="1" fill="hold">
+                                          <p:stCondLst>
+                                            <p:cond delay="0"/>
+                                          </p:stCondLst>
+                                        </p:cTn>
+                                        <p:tgtEl>
+                                          <p:spTgt spid="7">
+                                            <p:txEl>
+                                              <p:pRg st="18" end="18"/>
+                                            </p:txEl>
+                                          </p:spTgt>
+                                        </p:tgtEl>
+                                        <p:attrNameLst>
+                                          <p:attrName>style.visibility</p:attrName>
+                                        </p:attrNameLst>
+                                      </p:cBhvr>
+                                      <p:to>
+                                        <p:strVal val="visible"/>
+                                      </p:to>
+                                    </p:set>
+                                    <p:animEffect transition="in" filter="fade">
+                                      <p:cBhvr>
+                                        <p:cTn id="17" dur="1000"/>
+                                        <p:tgtEl>
+                                          <p:spTgt spid="7">
+                                            <p:txEl>
+                                              <p:pRg st="18" end="18"/>
+                                            </p:txEl>
+                                          </p:spTgt>
+                                        </p:tgtEl>
+                                      </p:cBhvr>
+                                    </p:animEffect>
+                                    <p:anim calcmode="lin" valueType="num">
+                                      <p:cBhvr>
+                                        <p:cTn id="18" dur="1000" fill="hold"/>
+                                        <p:tgtEl>
+                                          <p:spTgt spid="7">
+                                            <p:txEl>
+                                              <p:pRg st="18" end="18"/>
+                                            </p:txEl>
+                                          </p:spTgt>
+                                        </p:tgtEl>
+                                        <p:attrNameLst>
+                                          <p:attrName>ppt_x</p:attrName>
+                                        </p:attrNameLst>
+                                      </p:cBhvr>
+                                      <p:tavLst>
+                                        <p:tav tm="0">
+                                          <p:val>
+                                            <p:strVal val="#ppt_x"/>
+                                          </p:val>
+                                        </p:tav>
+                                        <p:tav tm="100000">
+                                          <p:val>
+                                            <p:strVal val="#ppt_x"/>
+                                          </p:val>
+                                        </p:tav>
+                                      </p:tavLst>
+                                    </p:anim>
+                                    <p:anim calcmode="lin" valueType="num">
+                                      <p:cBhvr>
+                                        <p:cTn id="19" dur="1000" fill="hold"/>
+                                        <p:tgtEl>
+                                          <p:spTgt spid="7">
+                                            <p:txEl>
+                                              <p:pRg st="18" end="18"/>
+                                            </p:txEl>
+                                          </p:spTgt>
+                                        </p:tgtEl>
+                                        <p:attrNameLst>
+                                          <p:attrName>ppt_y</p:attrName>
+                                        </p:attrNameLst>
+                                      </p:cBhvr>
+                                      <p:tavLst>
+                                        <p:tav tm="0">
+                                          <p:val>
+                                            <p:strVal val="#ppt_y+.1"/>
+                                          </p:val>
+                                        </p:tav>
+                                        <p:tav tm="100000">
+                                          <p:val>
+                                            <p:strVal val="#ppt_y"/>
+                                          </p:val>
+                                        </p:tav>
+                                      </p:tavLst>
+                                    </p:anim>
+                                  </p:childTnLst>
+                                </p:cTn>
+                              </p:par>
+                              <p:par>
+                                <p:cTn id="20" presetID="42" presetClass="entr" presetSubtype="0" fill="hold" nodeType="withEffect">
+                                  <p:stCondLst>
+                                    <p:cond delay="0"/>
+                                  </p:stCondLst>
+                                  <p:childTnLst>
+                                    <p:set>
+                                      <p:cBhvr>
+                                        <p:cTn id="21" dur="1" fill="hold">
+                                          <p:stCondLst>
+                                            <p:cond delay="0"/>
+                                          </p:stCondLst>
+                                        </p:cTn>
+                                        <p:tgtEl>
+                                          <p:spTgt spid="7">
+                                            <p:txEl>
+                                              <p:pRg st="23" end="23"/>
+                                            </p:txEl>
+                                          </p:spTgt>
+                                        </p:tgtEl>
+                                        <p:attrNameLst>
+                                          <p:attrName>style.visibility</p:attrName>
+                                        </p:attrNameLst>
+                                      </p:cBhvr>
+                                      <p:to>
+                                        <p:strVal val="visible"/>
+                                      </p:to>
+                                    </p:set>
+                                    <p:animEffect transition="in" filter="fade">
+                                      <p:cBhvr>
+                                        <p:cTn id="22" dur="1000"/>
+                                        <p:tgtEl>
+                                          <p:spTgt spid="7">
+                                            <p:txEl>
+                                              <p:pRg st="23" end="23"/>
+                                            </p:txEl>
+                                          </p:spTgt>
+                                        </p:tgtEl>
+                                      </p:cBhvr>
+                                    </p:animEffect>
+                                    <p:anim calcmode="lin" valueType="num">
+                                      <p:cBhvr>
+                                        <p:cTn id="23" dur="1000" fill="hold"/>
+                                        <p:tgtEl>
+                                          <p:spTgt spid="7">
+                                            <p:txEl>
+                                              <p:pRg st="23" end="23"/>
+                                            </p:txEl>
+                                          </p:spTgt>
+                                        </p:tgtEl>
+                                        <p:attrNameLst>
+                                          <p:attrName>ppt_x</p:attrName>
+                                        </p:attrNameLst>
+                                      </p:cBhvr>
+                                      <p:tavLst>
+                                        <p:tav tm="0">
+                                          <p:val>
+                                            <p:strVal val="#ppt_x"/>
+                                          </p:val>
+                                        </p:tav>
+                                        <p:tav tm="100000">
+                                          <p:val>
+                                            <p:strVal val="#ppt_x"/>
+                                          </p:val>
+                                        </p:tav>
+                                      </p:tavLst>
+                                    </p:anim>
+                                    <p:anim calcmode="lin" valueType="num">
+                                      <p:cBhvr>
+                                        <p:cTn id="24" dur="1000" fill="hold"/>
+                                        <p:tgtEl>
+                                          <p:spTgt spid="7">
+                                            <p:txEl>
+                                              <p:pRg st="23" end="23"/>
+                                            </p:txEl>
+                                          </p:spTgt>
+                                        </p:tgtEl>
+                                        <p:attrNameLst>
+                                          <p:attrName>ppt_y</p:attrName>
+                                        </p:attrNameLst>
+                                      </p:cBhvr>
+                                      <p:tavLst>
+                                        <p:tav tm="0">
+                                          <p:val>
+                                            <p:strVal val="#ppt_y+.1"/>
+                                          </p:val>
+                                        </p:tav>
+                                        <p:tav tm="100000">
+                                          <p:val>
+                                            <p:strVal val="#ppt_y"/>
+                                          </p:val>
+                                        </p:tav>
+                                      </p:tavLst>
+                                    </p:anim>
+                                  </p:childTnLst>
+                                </p:cTn>
+                              </p:par>
+                              <p:par>
+                                <p:cTn id="25" presetID="42" presetClass="entr" presetSubtype="0" fill="hold" nodeType="withEffect">
+                                  <p:stCondLst>
+                                    <p:cond delay="0"/>
+                                  </p:stCondLst>
+                                  <p:childTnLst>
+                                    <p:set>
+                                      <p:cBhvr>
+                                        <p:cTn id="26" dur="1" fill="hold">
+                                          <p:stCondLst>
+                                            <p:cond delay="0"/>
+                                          </p:stCondLst>
+                                        </p:cTn>
+                                        <p:tgtEl>
+                                          <p:spTgt spid="7">
+                                            <p:txEl>
+                                              <p:pRg st="13" end="13"/>
+                                            </p:txEl>
+                                          </p:spTgt>
+                                        </p:tgtEl>
+                                        <p:attrNameLst>
+                                          <p:attrName>style.visibility</p:attrName>
+                                        </p:attrNameLst>
+                                      </p:cBhvr>
+                                      <p:to>
+                                        <p:strVal val="visible"/>
+                                      </p:to>
+                                    </p:set>
+                                    <p:animEffect transition="in" filter="fade">
+                                      <p:cBhvr>
+                                        <p:cTn id="27" dur="1000"/>
+                                        <p:tgtEl>
+                                          <p:spTgt spid="7">
+                                            <p:txEl>
+                                              <p:pRg st="13" end="13"/>
+                                            </p:txEl>
+                                          </p:spTgt>
+                                        </p:tgtEl>
+                                      </p:cBhvr>
+                                    </p:animEffect>
+                                    <p:anim calcmode="lin" valueType="num">
+                                      <p:cBhvr>
+                                        <p:cTn id="28" dur="1000" fill="hold"/>
+                                        <p:tgtEl>
+                                          <p:spTgt spid="7">
+                                            <p:txEl>
+                                              <p:pRg st="13" end="13"/>
+                                            </p:txEl>
+                                          </p:spTgt>
+                                        </p:tgtEl>
+                                        <p:attrNameLst>
+                                          <p:attrName>ppt_x</p:attrName>
+                                        </p:attrNameLst>
+                                      </p:cBhvr>
+                                      <p:tavLst>
+                                        <p:tav tm="0">
+                                          <p:val>
+                                            <p:strVal val="#ppt_x"/>
+                                          </p:val>
+                                        </p:tav>
+                                        <p:tav tm="100000">
+                                          <p:val>
+                                            <p:strVal val="#ppt_x"/>
+                                          </p:val>
+                                        </p:tav>
+                                      </p:tavLst>
+                                    </p:anim>
+                                    <p:anim calcmode="lin" valueType="num">
+                                      <p:cBhvr>
+                                        <p:cTn id="29" dur="1000" fill="hold"/>
+                                        <p:tgtEl>
+                                          <p:spTgt spid="7">
+                                            <p:txEl>
+                                              <p:pRg st="13" end="13"/>
+                                            </p:txEl>
+                                          </p:spTgt>
+                                        </p:tgtEl>
+                                        <p:attrNameLst>
+                                          <p:attrName>ppt_y</p:attrName>
+                                        </p:attrNameLst>
+                                      </p:cBhvr>
+                                      <p:tavLst>
+                                        <p:tav tm="0">
+                                          <p:val>
+                                            <p:strVal val="#ppt_y+.1"/>
+                                          </p:val>
+                                        </p:tav>
+                                        <p:tav tm="100000">
+                                          <p:val>
+                                            <p:strVal val="#ppt_y"/>
+                                          </p:val>
+                                        </p:tav>
+                                      </p:tavLst>
+                                    </p:anim>
+                                  </p:childTnLst>
+                                </p:cTn>
+                              </p:par>
+                            </p:childTnLst>
+                          </p:cTn>
+                        </p:par>
+                      </p:childTnLst>
+                    </p:cTn>
+                  </p:par>
+                  <p:par>
+                    <p:cTn id="30" fill="hold">
+                      <p:stCondLst>
+                        <p:cond delay="indefinite"/>
+                      </p:stCondLst>
+                      <p:childTnLst>
+                        <p:par>
+                          <p:cTn id="31" fill="hold">
+                            <p:stCondLst>
+                              <p:cond delay="0"/>
+                            </p:stCondLst>
+                            <p:childTnLst>
+                              <p:par>
+                                <p:cTn id="32" presetID="42" presetClass="entr" presetSubtype="0" fill="hold" nodeType="clickEffect">
+                                  <p:stCondLst>
+                                    <p:cond delay="0"/>
+                                  </p:stCondLst>
+                                  <p:childTnLst>
+                                    <p:set>
+                                      <p:cBhvr>
+                                        <p:cTn id="33" dur="1" fill="hold">
+                                          <p:stCondLst>
+                                            <p:cond delay="0"/>
+                                          </p:stCondLst>
+                                        </p:cTn>
+                                        <p:tgtEl>
+                                          <p:spTgt spid="7">
+                                            <p:txEl>
+                                              <p:pRg st="2" end="2"/>
+                                            </p:txEl>
+                                          </p:spTgt>
+                                        </p:tgtEl>
+                                        <p:attrNameLst>
+                                          <p:attrName>style.visibility</p:attrName>
+                                        </p:attrNameLst>
+                                      </p:cBhvr>
+                                      <p:to>
+                                        <p:strVal val="visible"/>
+                                      </p:to>
+                                    </p:set>
+                                    <p:animEffect transition="in" filter="fade">
+                                      <p:cBhvr>
+                                        <p:cTn id="34" dur="1000"/>
+                                        <p:tgtEl>
+                                          <p:spTgt spid="7">
+                                            <p:txEl>
+                                              <p:pRg st="2" end="2"/>
+                                            </p:txEl>
+                                          </p:spTgt>
+                                        </p:tgtEl>
+                                      </p:cBhvr>
+                                    </p:animEffect>
+                                    <p:anim calcmode="lin" valueType="num">
+                                      <p:cBhvr>
+                                        <p:cTn id="35" dur="1000" fill="hold"/>
+                                        <p:tgtEl>
+                                          <p:spTgt spid="7">
+                                            <p:txEl>
+                                              <p:pRg st="2" end="2"/>
+                                            </p:txEl>
+                                          </p:spTgt>
+                                        </p:tgtEl>
+                                        <p:attrNameLst>
+                                          <p:attrName>ppt_x</p:attrName>
+                                        </p:attrNameLst>
+                                      </p:cBhvr>
+                                      <p:tavLst>
+                                        <p:tav tm="0">
+                                          <p:val>
+                                            <p:strVal val="#ppt_x"/>
+                                          </p:val>
+                                        </p:tav>
+                                        <p:tav tm="100000">
+                                          <p:val>
+                                            <p:strVal val="#ppt_x"/>
+                                          </p:val>
+                                        </p:tav>
+                                      </p:tavLst>
+                                    </p:anim>
+                                    <p:anim calcmode="lin" valueType="num">
+                                      <p:cBhvr>
+                                        <p:cTn id="36" dur="1000" fill="hold"/>
+                                        <p:tgtEl>
+                                          <p:spTgt spid="7">
+                                            <p:txEl>
+                                              <p:pRg st="2" end="2"/>
+                                            </p:txEl>
+                                          </p:spTgt>
+                                        </p:tgtEl>
+                                        <p:attrNameLst>
+                                          <p:attrName>ppt_y</p:attrName>
+                                        </p:attrNameLst>
+                                      </p:cBhvr>
+                                      <p:tavLst>
+                                        <p:tav tm="0">
+                                          <p:val>
+                                            <p:strVal val="#ppt_y+.1"/>
+                                          </p:val>
+                                        </p:tav>
+                                        <p:tav tm="100000">
+                                          <p:val>
+                                            <p:strVal val="#ppt_y"/>
+                                          </p:val>
+                                        </p:tav>
+                                      </p:tavLst>
+                                    </p:anim>
+                                  </p:childTnLst>
+                                </p:cTn>
+                              </p:par>
+                              <p:par>
+                                <p:cTn id="37" presetID="42" presetClass="exit" presetSubtype="0" fill="hold" grpId="1" nodeType="withEffect">
+                                  <p:stCondLst>
+                                    <p:cond delay="0"/>
+                                  </p:stCondLst>
+                                  <p:childTnLst>
+                                    <p:animEffect transition="out" filter="fade">
+                                      <p:cBhvr>
+                                        <p:cTn id="38" dur="1000"/>
+                                        <p:tgtEl>
+                                          <p:spTgt spid="7">
+                                            <p:txEl>
+                                              <p:pRg st="13" end="13"/>
+                                            </p:txEl>
+                                          </p:spTgt>
+                                        </p:tgtEl>
+                                      </p:cBhvr>
+                                    </p:animEffect>
+                                    <p:anim calcmode="lin" valueType="num">
+                                      <p:cBhvr>
+                                        <p:cTn id="39" dur="1000"/>
+                                        <p:tgtEl>
+                                          <p:spTgt spid="7">
+                                            <p:txEl>
+                                              <p:pRg st="13" end="13"/>
+                                            </p:txEl>
+                                          </p:spTgt>
+                                        </p:tgtEl>
+                                        <p:attrNameLst>
+                                          <p:attrName>ppt_x</p:attrName>
+                                        </p:attrNameLst>
+                                      </p:cBhvr>
+                                      <p:tavLst>
+                                        <p:tav tm="0">
+                                          <p:val>
+                                            <p:strVal val="ppt_x"/>
+                                          </p:val>
+                                        </p:tav>
+                                        <p:tav tm="100000">
+                                          <p:val>
+                                            <p:strVal val="ppt_x"/>
+                                          </p:val>
+                                        </p:tav>
+                                      </p:tavLst>
+                                    </p:anim>
+                                    <p:anim calcmode="lin" valueType="num">
+                                      <p:cBhvr>
+                                        <p:cTn id="40" dur="1000"/>
+                                        <p:tgtEl>
+                                          <p:spTgt spid="7">
+                                            <p:txEl>
+                                              <p:pRg st="13" end="13"/>
+                                            </p:txEl>
+                                          </p:spTgt>
+                                        </p:tgtEl>
+                                        <p:attrNameLst>
+                                          <p:attrName>ppt_y</p:attrName>
+                                        </p:attrNameLst>
+                                      </p:cBhvr>
+                                      <p:tavLst>
+                                        <p:tav tm="0">
+                                          <p:val>
+                                            <p:strVal val="ppt_y"/>
+                                          </p:val>
+                                        </p:tav>
+                                        <p:tav tm="100000">
+                                          <p:val>
+                                            <p:strVal val="ppt_y+.1"/>
+                                          </p:val>
+                                        </p:tav>
+                                      </p:tavLst>
+                                    </p:anim>
+                                    <p:set>
+                                      <p:cBhvr>
+                                        <p:cTn id="41" dur="1" fill="hold">
+                                          <p:stCondLst>
+                                            <p:cond delay="999"/>
+                                          </p:stCondLst>
+                                        </p:cTn>
+                                        <p:tgtEl>
+                                          <p:spTgt spid="7">
+                                            <p:txEl>
+                                              <p:pRg st="13" end="13"/>
+                                            </p:txEl>
+                                          </p:spTgt>
+                                        </p:tgtEl>
+                                        <p:attrNameLst>
+                                          <p:attrName>style.visibility</p:attrName>
+                                        </p:attrNameLst>
+                                      </p:cBhvr>
+                                      <p:to>
+                                        <p:strVal val="hidden"/>
+                                      </p:to>
+                                    </p:set>
+                                  </p:childTnLst>
+                                </p:cTn>
+                              </p:par>
+                            </p:childTnLst>
+                          </p:cTn>
+                        </p:par>
+                      </p:childTnLst>
+                    </p:cTn>
+                  </p:par>
+                  <p:par>
+                    <p:cTn id="42" fill="hold">
+                      <p:stCondLst>
+                        <p:cond delay="indefinite"/>
+                      </p:stCondLst>
+                      <p:childTnLst>
+                        <p:par>
+                          <p:cTn id="43" fill="hold">
+                            <p:stCondLst>
+                              <p:cond delay="0"/>
+                            </p:stCondLst>
+                            <p:childTnLst>
+                              <p:par>
+                                <p:cTn id="44" presetID="42" presetClass="entr" presetSubtype="0" fill="hold" nodeType="clickEffect">
+                                  <p:stCondLst>
+                                    <p:cond delay="0"/>
+                                  </p:stCondLst>
+                                  <p:childTnLst>
+                                    <p:set>
+                                      <p:cBhvr>
+                                        <p:cTn id="45" dur="1" fill="hold">
+                                          <p:stCondLst>
+                                            <p:cond delay="0"/>
+                                          </p:stCondLst>
+                                        </p:cTn>
+                                        <p:tgtEl>
+                                          <p:spTgt spid="7">
+                                            <p:txEl>
+                                              <p:pRg st="3" end="3"/>
+                                            </p:txEl>
+                                          </p:spTgt>
+                                        </p:tgtEl>
+                                        <p:attrNameLst>
+                                          <p:attrName>style.visibility</p:attrName>
+                                        </p:attrNameLst>
+                                      </p:cBhvr>
+                                      <p:to>
+                                        <p:strVal val="visible"/>
+                                      </p:to>
+                                    </p:set>
+                                    <p:animEffect transition="in" filter="fade">
+                                      <p:cBhvr>
+                                        <p:cTn id="46" dur="1000"/>
+                                        <p:tgtEl>
+                                          <p:spTgt spid="7">
+                                            <p:txEl>
+                                              <p:pRg st="3" end="3"/>
+                                            </p:txEl>
+                                          </p:spTgt>
+                                        </p:tgtEl>
+                                      </p:cBhvr>
+                                    </p:animEffect>
+                                    <p:anim calcmode="lin" valueType="num">
+                                      <p:cBhvr>
+                                        <p:cTn id="47" dur="1000" fill="hold"/>
+                                        <p:tgtEl>
+                                          <p:spTgt spid="7">
+                                            <p:txEl>
+                                              <p:pRg st="3" end="3"/>
+                                            </p:txEl>
+                                          </p:spTgt>
+                                        </p:tgtEl>
+                                        <p:attrNameLst>
+                                          <p:attrName>ppt_x</p:attrName>
+                                        </p:attrNameLst>
+                                      </p:cBhvr>
+                                      <p:tavLst>
+                                        <p:tav tm="0">
+                                          <p:val>
+                                            <p:strVal val="#ppt_x"/>
+                                          </p:val>
+                                        </p:tav>
+                                        <p:tav tm="100000">
+                                          <p:val>
+                                            <p:strVal val="#ppt_x"/>
+                                          </p:val>
+                                        </p:tav>
+                                      </p:tavLst>
+                                    </p:anim>
+                                    <p:anim calcmode="lin" valueType="num">
+                                      <p:cBhvr>
+                                        <p:cTn id="48" dur="1000" fill="hold"/>
+                                        <p:tgtEl>
+                                          <p:spTgt spid="7">
+                                            <p:txEl>
+                                              <p:pRg st="3" end="3"/>
+                                            </p:txEl>
+                                          </p:spTgt>
+                                        </p:tgtEl>
+                                        <p:attrNameLst>
+                                          <p:attrName>ppt_y</p:attrName>
+                                        </p:attrNameLst>
+                                      </p:cBhvr>
+                                      <p:tavLst>
+                                        <p:tav tm="0">
+                                          <p:val>
+                                            <p:strVal val="#ppt_y+.1"/>
+                                          </p:val>
+                                        </p:tav>
+                                        <p:tav tm="100000">
+                                          <p:val>
+                                            <p:strVal val="#ppt_y"/>
+                                          </p:val>
+                                        </p:tav>
+                                      </p:tavLst>
+                                    </p:anim>
+                                  </p:childTnLst>
+                                </p:cTn>
+                              </p:par>
+                              <p:par>
+                                <p:cTn id="49" presetID="42" presetClass="entr" presetSubtype="0" fill="hold" nodeType="withEffect">
+                                  <p:stCondLst>
+                                    <p:cond delay="0"/>
+                                  </p:stCondLst>
+                                  <p:childTnLst>
+                                    <p:set>
+                                      <p:cBhvr>
+                                        <p:cTn id="50" dur="1" fill="hold">
+                                          <p:stCondLst>
+                                            <p:cond delay="0"/>
+                                          </p:stCondLst>
+                                        </p:cTn>
+                                        <p:tgtEl>
+                                          <p:spTgt spid="7">
+                                            <p:txEl>
+                                              <p:pRg st="4" end="4"/>
+                                            </p:txEl>
+                                          </p:spTgt>
+                                        </p:tgtEl>
+                                        <p:attrNameLst>
+                                          <p:attrName>style.visibility</p:attrName>
+                                        </p:attrNameLst>
+                                      </p:cBhvr>
+                                      <p:to>
+                                        <p:strVal val="visible"/>
+                                      </p:to>
+                                    </p:set>
+                                    <p:animEffect transition="in" filter="fade">
+                                      <p:cBhvr>
+                                        <p:cTn id="51" dur="1000"/>
+                                        <p:tgtEl>
+                                          <p:spTgt spid="7">
+                                            <p:txEl>
+                                              <p:pRg st="4" end="4"/>
+                                            </p:txEl>
+                                          </p:spTgt>
+                                        </p:tgtEl>
+                                      </p:cBhvr>
+                                    </p:animEffect>
+                                    <p:anim calcmode="lin" valueType="num">
+                                      <p:cBhvr>
+                                        <p:cTn id="52" dur="1000" fill="hold"/>
+                                        <p:tgtEl>
+                                          <p:spTgt spid="7">
+                                            <p:txEl>
+                                              <p:pRg st="4" end="4"/>
+                                            </p:txEl>
+                                          </p:spTgt>
+                                        </p:tgtEl>
+                                        <p:attrNameLst>
+                                          <p:attrName>ppt_x</p:attrName>
+                                        </p:attrNameLst>
+                                      </p:cBhvr>
+                                      <p:tavLst>
+                                        <p:tav tm="0">
+                                          <p:val>
+                                            <p:strVal val="#ppt_x"/>
+                                          </p:val>
+                                        </p:tav>
+                                        <p:tav tm="100000">
+                                          <p:val>
+                                            <p:strVal val="#ppt_x"/>
+                                          </p:val>
+                                        </p:tav>
+                                      </p:tavLst>
+                                    </p:anim>
+                                    <p:anim calcmode="lin" valueType="num">
+                                      <p:cBhvr>
+                                        <p:cTn id="53" dur="1000" fill="hold"/>
+                                        <p:tgtEl>
+                                          <p:spTgt spid="7">
+                                            <p:txEl>
+                                              <p:pRg st="4" end="4"/>
+                                            </p:txEl>
+                                          </p:spTgt>
+                                        </p:tgtEl>
+                                        <p:attrNameLst>
+                                          <p:attrName>ppt_y</p:attrName>
+                                        </p:attrNameLst>
+                                      </p:cBhvr>
+                                      <p:tavLst>
+                                        <p:tav tm="0">
+                                          <p:val>
+                                            <p:strVal val="#ppt_y+.1"/>
+                                          </p:val>
+                                        </p:tav>
+                                        <p:tav tm="100000">
+                                          <p:val>
+                                            <p:strVal val="#ppt_y"/>
+                                          </p:val>
+                                        </p:tav>
+                                      </p:tavLst>
+                                    </p:anim>
+                                  </p:childTnLst>
+                                </p:cTn>
+                              </p:par>
+                              <p:par>
+                                <p:cTn id="54" presetID="42" presetClass="entr" presetSubtype="0" fill="hold" nodeType="withEffect">
+                                  <p:stCondLst>
+                                    <p:cond delay="0"/>
+                                  </p:stCondLst>
+                                  <p:childTnLst>
+                                    <p:set>
+                                      <p:cBhvr>
+                                        <p:cTn id="55" dur="1" fill="hold">
+                                          <p:stCondLst>
+                                            <p:cond delay="0"/>
+                                          </p:stCondLst>
+                                        </p:cTn>
+                                        <p:tgtEl>
+                                          <p:spTgt spid="7">
+                                            <p:txEl>
+                                              <p:pRg st="5" end="5"/>
+                                            </p:txEl>
+                                          </p:spTgt>
+                                        </p:tgtEl>
+                                        <p:attrNameLst>
+                                          <p:attrName>style.visibility</p:attrName>
+                                        </p:attrNameLst>
+                                      </p:cBhvr>
+                                      <p:to>
+                                        <p:strVal val="visible"/>
+                                      </p:to>
+                                    </p:set>
+                                    <p:animEffect transition="in" filter="fade">
+                                      <p:cBhvr>
+                                        <p:cTn id="56" dur="1000"/>
+                                        <p:tgtEl>
+                                          <p:spTgt spid="7">
+                                            <p:txEl>
+                                              <p:pRg st="5" end="5"/>
+                                            </p:txEl>
+                                          </p:spTgt>
+                                        </p:tgtEl>
+                                      </p:cBhvr>
+                                    </p:animEffect>
+                                    <p:anim calcmode="lin" valueType="num">
+                                      <p:cBhvr>
+                                        <p:cTn id="57" dur="1000" fill="hold"/>
+                                        <p:tgtEl>
+                                          <p:spTgt spid="7">
+                                            <p:txEl>
+                                              <p:pRg st="5" end="5"/>
+                                            </p:txEl>
+                                          </p:spTgt>
+                                        </p:tgtEl>
+                                        <p:attrNameLst>
+                                          <p:attrName>ppt_x</p:attrName>
+                                        </p:attrNameLst>
+                                      </p:cBhvr>
+                                      <p:tavLst>
+                                        <p:tav tm="0">
+                                          <p:val>
+                                            <p:strVal val="#ppt_x"/>
+                                          </p:val>
+                                        </p:tav>
+                                        <p:tav tm="100000">
+                                          <p:val>
+                                            <p:strVal val="#ppt_x"/>
+                                          </p:val>
+                                        </p:tav>
+                                      </p:tavLst>
+                                    </p:anim>
+                                    <p:anim calcmode="lin" valueType="num">
+                                      <p:cBhvr>
+                                        <p:cTn id="58" dur="1000" fill="hold"/>
+                                        <p:tgtEl>
+                                          <p:spTgt spid="7">
+                                            <p:txEl>
+                                              <p:pRg st="5" end="5"/>
+                                            </p:txEl>
+                                          </p:spTgt>
+                                        </p:tgtEl>
+                                        <p:attrNameLst>
+                                          <p:attrName>ppt_y</p:attrName>
+                                        </p:attrNameLst>
+                                      </p:cBhvr>
+                                      <p:tavLst>
+                                        <p:tav tm="0">
+                                          <p:val>
+                                            <p:strVal val="#ppt_y+.1"/>
+                                          </p:val>
+                                        </p:tav>
+                                        <p:tav tm="100000">
+                                          <p:val>
+                                            <p:strVal val="#ppt_y"/>
+                                          </p:val>
+                                        </p:tav>
+                                      </p:tavLst>
+                                    </p:anim>
+                                  </p:childTnLst>
+                                </p:cTn>
+                              </p:par>
+                              <p:par>
+                                <p:cTn id="59" presetID="42" presetClass="entr" presetSubtype="0" fill="hold" nodeType="withEffect">
+                                  <p:stCondLst>
+                                    <p:cond delay="0"/>
+                                  </p:stCondLst>
+                                  <p:childTnLst>
+                                    <p:set>
+                                      <p:cBhvr>
+                                        <p:cTn id="60" dur="1" fill="hold">
+                                          <p:stCondLst>
+                                            <p:cond delay="0"/>
+                                          </p:stCondLst>
+                                        </p:cTn>
+                                        <p:tgtEl>
+                                          <p:spTgt spid="7">
+                                            <p:txEl>
+                                              <p:pRg st="6" end="6"/>
+                                            </p:txEl>
+                                          </p:spTgt>
+                                        </p:tgtEl>
+                                        <p:attrNameLst>
+                                          <p:attrName>style.visibility</p:attrName>
+                                        </p:attrNameLst>
+                                      </p:cBhvr>
+                                      <p:to>
+                                        <p:strVal val="visible"/>
+                                      </p:to>
+                                    </p:set>
+                                    <p:animEffect transition="in" filter="fade">
+                                      <p:cBhvr>
+                                        <p:cTn id="61" dur="1000"/>
+                                        <p:tgtEl>
+                                          <p:spTgt spid="7">
+                                            <p:txEl>
+                                              <p:pRg st="6" end="6"/>
+                                            </p:txEl>
+                                          </p:spTgt>
+                                        </p:tgtEl>
+                                      </p:cBhvr>
+                                    </p:animEffect>
+                                    <p:anim calcmode="lin" valueType="num">
+                                      <p:cBhvr>
+                                        <p:cTn id="62" dur="1000" fill="hold"/>
+                                        <p:tgtEl>
+                                          <p:spTgt spid="7">
+                                            <p:txEl>
+                                              <p:pRg st="6" end="6"/>
+                                            </p:txEl>
+                                          </p:spTgt>
+                                        </p:tgtEl>
+                                        <p:attrNameLst>
+                                          <p:attrName>ppt_x</p:attrName>
+                                        </p:attrNameLst>
+                                      </p:cBhvr>
+                                      <p:tavLst>
+                                        <p:tav tm="0">
+                                          <p:val>
+                                            <p:strVal val="#ppt_x"/>
+                                          </p:val>
+                                        </p:tav>
+                                        <p:tav tm="100000">
+                                          <p:val>
+                                            <p:strVal val="#ppt_x"/>
+                                          </p:val>
+                                        </p:tav>
+                                      </p:tavLst>
+                                    </p:anim>
+                                    <p:anim calcmode="lin" valueType="num">
+                                      <p:cBhvr>
+                                        <p:cTn id="63" dur="1000" fill="hold"/>
+                                        <p:tgtEl>
+                                          <p:spTgt spid="7">
+                                            <p:txEl>
+                                              <p:pRg st="6" end="6"/>
+                                            </p:txEl>
+                                          </p:spTgt>
+                                        </p:tgtEl>
+                                        <p:attrNameLst>
+                                          <p:attrName>ppt_y</p:attrName>
+                                        </p:attrNameLst>
+                                      </p:cBhvr>
+                                      <p:tavLst>
+                                        <p:tav tm="0">
+                                          <p:val>
+                                            <p:strVal val="#ppt_y+.1"/>
+                                          </p:val>
+                                        </p:tav>
+                                        <p:tav tm="100000">
+                                          <p:val>
+                                            <p:strVal val="#ppt_y"/>
+                                          </p:val>
+                                        </p:tav>
+                                      </p:tavLst>
+                                    </p:anim>
+                                  </p:childTnLst>
+                                </p:cTn>
+                              </p:par>
+                              <p:par>
+                                <p:cTn id="64" presetID="42" presetClass="entr" presetSubtype="0" fill="hold" nodeType="withEffect">
+                                  <p:stCondLst>
+                                    <p:cond delay="0"/>
+                                  </p:stCondLst>
+                                  <p:childTnLst>
+                                    <p:set>
+                                      <p:cBhvr>
+                                        <p:cTn id="65" dur="1" fill="hold">
+                                          <p:stCondLst>
+                                            <p:cond delay="0"/>
+                                          </p:stCondLst>
+                                        </p:cTn>
+                                        <p:tgtEl>
+                                          <p:spTgt spid="7">
+                                            <p:txEl>
+                                              <p:pRg st="7" end="7"/>
+                                            </p:txEl>
+                                          </p:spTgt>
+                                        </p:tgtEl>
+                                        <p:attrNameLst>
+                                          <p:attrName>style.visibility</p:attrName>
+                                        </p:attrNameLst>
+                                      </p:cBhvr>
+                                      <p:to>
+                                        <p:strVal val="visible"/>
+                                      </p:to>
+                                    </p:set>
+                                    <p:animEffect transition="in" filter="fade">
+                                      <p:cBhvr>
+                                        <p:cTn id="66" dur="1000"/>
+                                        <p:tgtEl>
+                                          <p:spTgt spid="7">
+                                            <p:txEl>
+                                              <p:pRg st="7" end="7"/>
+                                            </p:txEl>
+                                          </p:spTgt>
+                                        </p:tgtEl>
+                                      </p:cBhvr>
+                                    </p:animEffect>
+                                    <p:anim calcmode="lin" valueType="num">
+                                      <p:cBhvr>
+                                        <p:cTn id="67" dur="1000" fill="hold"/>
+                                        <p:tgtEl>
+                                          <p:spTgt spid="7">
+                                            <p:txEl>
+                                              <p:pRg st="7" end="7"/>
+                                            </p:txEl>
+                                          </p:spTgt>
+                                        </p:tgtEl>
+                                        <p:attrNameLst>
+                                          <p:attrName>ppt_x</p:attrName>
+                                        </p:attrNameLst>
+                                      </p:cBhvr>
+                                      <p:tavLst>
+                                        <p:tav tm="0">
+                                          <p:val>
+                                            <p:strVal val="#ppt_x"/>
+                                          </p:val>
+                                        </p:tav>
+                                        <p:tav tm="100000">
+                                          <p:val>
+                                            <p:strVal val="#ppt_x"/>
+                                          </p:val>
+                                        </p:tav>
+                                      </p:tavLst>
+                                    </p:anim>
+                                    <p:anim calcmode="lin" valueType="num">
+                                      <p:cBhvr>
+                                        <p:cTn id="68" dur="1000" fill="hold"/>
+                                        <p:tgtEl>
+                                          <p:spTgt spid="7">
+                                            <p:txEl>
+                                              <p:pRg st="7" end="7"/>
+                                            </p:txEl>
+                                          </p:spTgt>
+                                        </p:tgtEl>
+                                        <p:attrNameLst>
+                                          <p:attrName>ppt_y</p:attrName>
+                                        </p:attrNameLst>
+                                      </p:cBhvr>
+                                      <p:tavLst>
+                                        <p:tav tm="0">
+                                          <p:val>
+                                            <p:strVal val="#ppt_y+.1"/>
+                                          </p:val>
+                                        </p:tav>
+                                        <p:tav tm="100000">
+                                          <p:val>
+                                            <p:strVal val="#ppt_y"/>
+                                          </p:val>
+                                        </p:tav>
+                                      </p:tavLst>
+                                    </p:anim>
+                                  </p:childTnLst>
+                                </p:cTn>
+                              </p:par>
+                            </p:childTnLst>
+                          </p:cTn>
+                        </p:par>
+                      </p:childTnLst>
+                    </p:cTn>
+                  </p:par>
+                  <p:par>
+                    <p:cTn id="69" fill="hold">
+                      <p:stCondLst>
+                        <p:cond delay="indefinite"/>
+                      </p:stCondLst>
+                      <p:childTnLst>
+                        <p:par>
+                          <p:cTn id="70" fill="hold">
+                            <p:stCondLst>
+                              <p:cond delay="0"/>
+                            </p:stCondLst>
+                            <p:childTnLst>
+                              <p:par>
+                                <p:cTn id="71" presetID="42" presetClass="entr" presetSubtype="0" fill="hold" nodeType="clickEffect">
+                                  <p:stCondLst>
+                                    <p:cond delay="0"/>
+                                  </p:stCondLst>
+                                  <p:childTnLst>
+                                    <p:set>
+                                      <p:cBhvr>
+                                        <p:cTn id="72" dur="1" fill="hold">
+                                          <p:stCondLst>
+                                            <p:cond delay="0"/>
+                                          </p:stCondLst>
+                                        </p:cTn>
+                                        <p:tgtEl>
+                                          <p:spTgt spid="7">
+                                            <p:txEl>
+                                              <p:pRg st="9" end="9"/>
+                                            </p:txEl>
+                                          </p:spTgt>
+                                        </p:tgtEl>
+                                        <p:attrNameLst>
+                                          <p:attrName>style.visibility</p:attrName>
+                                        </p:attrNameLst>
+                                      </p:cBhvr>
+                                      <p:to>
+                                        <p:strVal val="visible"/>
+                                      </p:to>
+                                    </p:set>
+                                    <p:animEffect transition="in" filter="fade">
+                                      <p:cBhvr>
+                                        <p:cTn id="73" dur="1000"/>
+                                        <p:tgtEl>
+                                          <p:spTgt spid="7">
+                                            <p:txEl>
+                                              <p:pRg st="9" end="9"/>
+                                            </p:txEl>
+                                          </p:spTgt>
+                                        </p:tgtEl>
+                                      </p:cBhvr>
+                                    </p:animEffect>
+                                    <p:anim calcmode="lin" valueType="num">
+                                      <p:cBhvr>
+                                        <p:cTn id="74" dur="1000" fill="hold"/>
+                                        <p:tgtEl>
+                                          <p:spTgt spid="7">
+                                            <p:txEl>
+                                              <p:pRg st="9" end="9"/>
+                                            </p:txEl>
+                                          </p:spTgt>
+                                        </p:tgtEl>
+                                        <p:attrNameLst>
+                                          <p:attrName>ppt_x</p:attrName>
+                                        </p:attrNameLst>
+                                      </p:cBhvr>
+                                      <p:tavLst>
+                                        <p:tav tm="0">
+                                          <p:val>
+                                            <p:strVal val="#ppt_x"/>
+                                          </p:val>
+                                        </p:tav>
+                                        <p:tav tm="100000">
+                                          <p:val>
+                                            <p:strVal val="#ppt_x"/>
+                                          </p:val>
+                                        </p:tav>
+                                      </p:tavLst>
+                                    </p:anim>
+                                    <p:anim calcmode="lin" valueType="num">
+                                      <p:cBhvr>
+                                        <p:cTn id="75" dur="1000" fill="hold"/>
+                                        <p:tgtEl>
+                                          <p:spTgt spid="7">
+                                            <p:txEl>
+                                              <p:pRg st="9" end="9"/>
+                                            </p:txEl>
+                                          </p:spTgt>
+                                        </p:tgtEl>
+                                        <p:attrNameLst>
+                                          <p:attrName>ppt_y</p:attrName>
+                                        </p:attrNameLst>
+                                      </p:cBhvr>
+                                      <p:tavLst>
+                                        <p:tav tm="0">
+                                          <p:val>
+                                            <p:strVal val="#ppt_y+.1"/>
+                                          </p:val>
+                                        </p:tav>
+                                        <p:tav tm="100000">
+                                          <p:val>
+                                            <p:strVal val="#ppt_y"/>
+                                          </p:val>
+                                        </p:tav>
+                                      </p:tavLst>
+                                    </p:anim>
+                                  </p:childTnLst>
+                                </p:cTn>
+                              </p:par>
+                              <p:par>
+                                <p:cTn id="76" presetID="42" presetClass="entr" presetSubtype="0" fill="hold" nodeType="withEffect">
+                                  <p:stCondLst>
+                                    <p:cond delay="0"/>
+                                  </p:stCondLst>
+                                  <p:childTnLst>
+                                    <p:set>
+                                      <p:cBhvr>
+                                        <p:cTn id="77" dur="1" fill="hold">
+                                          <p:stCondLst>
+                                            <p:cond delay="0"/>
+                                          </p:stCondLst>
+                                        </p:cTn>
+                                        <p:tgtEl>
+                                          <p:spTgt spid="7">
+                                            <p:txEl>
+                                              <p:pRg st="10" end="10"/>
+                                            </p:txEl>
+                                          </p:spTgt>
+                                        </p:tgtEl>
+                                        <p:attrNameLst>
+                                          <p:attrName>style.visibility</p:attrName>
+                                        </p:attrNameLst>
+                                      </p:cBhvr>
+                                      <p:to>
+                                        <p:strVal val="visible"/>
+                                      </p:to>
+                                    </p:set>
+                                    <p:animEffect transition="in" filter="fade">
+                                      <p:cBhvr>
+                                        <p:cTn id="78" dur="1000"/>
+                                        <p:tgtEl>
+                                          <p:spTgt spid="7">
+                                            <p:txEl>
+                                              <p:pRg st="10" end="10"/>
+                                            </p:txEl>
+                                          </p:spTgt>
+                                        </p:tgtEl>
+                                      </p:cBhvr>
+                                    </p:animEffect>
+                                    <p:anim calcmode="lin" valueType="num">
+                                      <p:cBhvr>
+                                        <p:cTn id="79" dur="1000" fill="hold"/>
+                                        <p:tgtEl>
+                                          <p:spTgt spid="7">
+                                            <p:txEl>
+                                              <p:pRg st="10" end="10"/>
+                                            </p:txEl>
+                                          </p:spTgt>
+                                        </p:tgtEl>
+                                        <p:attrNameLst>
+                                          <p:attrName>ppt_x</p:attrName>
+                                        </p:attrNameLst>
+                                      </p:cBhvr>
+                                      <p:tavLst>
+                                        <p:tav tm="0">
+                                          <p:val>
+                                            <p:strVal val="#ppt_x"/>
+                                          </p:val>
+                                        </p:tav>
+                                        <p:tav tm="100000">
+                                          <p:val>
+                                            <p:strVal val="#ppt_x"/>
+                                          </p:val>
+                                        </p:tav>
+                                      </p:tavLst>
+                                    </p:anim>
+                                    <p:anim calcmode="lin" valueType="num">
+                                      <p:cBhvr>
+                                        <p:cTn id="80" dur="1000" fill="hold"/>
+                                        <p:tgtEl>
+                                          <p:spTgt spid="7">
+                                            <p:txEl>
+                                              <p:pRg st="10" end="10"/>
+                                            </p:txEl>
+                                          </p:spTgt>
+                                        </p:tgtEl>
+                                        <p:attrNameLst>
+                                          <p:attrName>ppt_y</p:attrName>
+                                        </p:attrNameLst>
+                                      </p:cBhvr>
+                                      <p:tavLst>
+                                        <p:tav tm="0">
+                                          <p:val>
+                                            <p:strVal val="#ppt_y+.1"/>
+                                          </p:val>
+                                        </p:tav>
+                                        <p:tav tm="100000">
+                                          <p:val>
+                                            <p:strVal val="#ppt_y"/>
+                                          </p:val>
+                                        </p:tav>
+                                      </p:tavLst>
+                                    </p:anim>
+                                  </p:childTnLst>
+                                </p:cTn>
+                              </p:par>
+                              <p:par>
+                                <p:cTn id="81" presetID="42" presetClass="entr" presetSubtype="0" fill="hold" nodeType="withEffect">
+                                  <p:stCondLst>
+                                    <p:cond delay="0"/>
+                                  </p:stCondLst>
+                                  <p:childTnLst>
+                                    <p:set>
+                                      <p:cBhvr>
+                                        <p:cTn id="82" dur="1" fill="hold">
+                                          <p:stCondLst>
+                                            <p:cond delay="0"/>
+                                          </p:stCondLst>
+                                        </p:cTn>
+                                        <p:tgtEl>
+                                          <p:spTgt spid="7">
+                                            <p:txEl>
+                                              <p:pRg st="11" end="11"/>
+                                            </p:txEl>
+                                          </p:spTgt>
+                                        </p:tgtEl>
+                                        <p:attrNameLst>
+                                          <p:attrName>style.visibility</p:attrName>
+                                        </p:attrNameLst>
+                                      </p:cBhvr>
+                                      <p:to>
+                                        <p:strVal val="visible"/>
+                                      </p:to>
+                                    </p:set>
+                                    <p:animEffect transition="in" filter="fade">
+                                      <p:cBhvr>
+                                        <p:cTn id="83" dur="1000"/>
+                                        <p:tgtEl>
+                                          <p:spTgt spid="7">
+                                            <p:txEl>
+                                              <p:pRg st="11" end="11"/>
+                                            </p:txEl>
+                                          </p:spTgt>
+                                        </p:tgtEl>
+                                      </p:cBhvr>
+                                    </p:animEffect>
+                                    <p:anim calcmode="lin" valueType="num">
+                                      <p:cBhvr>
+                                        <p:cTn id="84" dur="1000" fill="hold"/>
+                                        <p:tgtEl>
+                                          <p:spTgt spid="7">
+                                            <p:txEl>
+                                              <p:pRg st="11" end="11"/>
+                                            </p:txEl>
+                                          </p:spTgt>
+                                        </p:tgtEl>
+                                        <p:attrNameLst>
+                                          <p:attrName>ppt_x</p:attrName>
+                                        </p:attrNameLst>
+                                      </p:cBhvr>
+                                      <p:tavLst>
+                                        <p:tav tm="0">
+                                          <p:val>
+                                            <p:strVal val="#ppt_x"/>
+                                          </p:val>
+                                        </p:tav>
+                                        <p:tav tm="100000">
+                                          <p:val>
+                                            <p:strVal val="#ppt_x"/>
+                                          </p:val>
+                                        </p:tav>
+                                      </p:tavLst>
+                                    </p:anim>
+                                    <p:anim calcmode="lin" valueType="num">
+                                      <p:cBhvr>
+                                        <p:cTn id="85" dur="1000" fill="hold"/>
+                                        <p:tgtEl>
+                                          <p:spTgt spid="7">
+                                            <p:txEl>
+                                              <p:pRg st="11" end="11"/>
+                                            </p:txEl>
+                                          </p:spTgt>
+                                        </p:tgtEl>
+                                        <p:attrNameLst>
+                                          <p:attrName>ppt_y</p:attrName>
+                                        </p:attrNameLst>
+                                      </p:cBhvr>
+                                      <p:tavLst>
+                                        <p:tav tm="0">
+                                          <p:val>
+                                            <p:strVal val="#ppt_y+.1"/>
+                                          </p:val>
+                                        </p:tav>
+                                        <p:tav tm="100000">
+                                          <p:val>
+                                            <p:strVal val="#ppt_y"/>
+                                          </p:val>
+                                        </p:tav>
+                                      </p:tavLst>
+                                    </p:anim>
+                                  </p:childTnLst>
+                                </p:cTn>
+                              </p:par>
+                              <p:par>
+                                <p:cTn id="86" presetID="42" presetClass="entr" presetSubtype="0" fill="hold" nodeType="withEffect">
+                                  <p:stCondLst>
+                                    <p:cond delay="0"/>
+                                  </p:stCondLst>
+                                  <p:childTnLst>
+                                    <p:set>
+                                      <p:cBhvr>
+                                        <p:cTn id="87" dur="1" fill="hold">
+                                          <p:stCondLst>
+                                            <p:cond delay="0"/>
+                                          </p:stCondLst>
+                                        </p:cTn>
+                                        <p:tgtEl>
+                                          <p:spTgt spid="7">
+                                            <p:txEl>
+                                              <p:pRg st="12" end="12"/>
+                                            </p:txEl>
+                                          </p:spTgt>
+                                        </p:tgtEl>
+                                        <p:attrNameLst>
+                                          <p:attrName>style.visibility</p:attrName>
+                                        </p:attrNameLst>
+                                      </p:cBhvr>
+                                      <p:to>
+                                        <p:strVal val="visible"/>
+                                      </p:to>
+                                    </p:set>
+                                    <p:animEffect transition="in" filter="fade">
+                                      <p:cBhvr>
+                                        <p:cTn id="88" dur="1000"/>
+                                        <p:tgtEl>
+                                          <p:spTgt spid="7">
+                                            <p:txEl>
+                                              <p:pRg st="12" end="12"/>
+                                            </p:txEl>
+                                          </p:spTgt>
+                                        </p:tgtEl>
+                                      </p:cBhvr>
+                                    </p:animEffect>
+                                    <p:anim calcmode="lin" valueType="num">
+                                      <p:cBhvr>
+                                        <p:cTn id="89" dur="1000" fill="hold"/>
+                                        <p:tgtEl>
+                                          <p:spTgt spid="7">
+                                            <p:txEl>
+                                              <p:pRg st="12" end="12"/>
+                                            </p:txEl>
+                                          </p:spTgt>
+                                        </p:tgtEl>
+                                        <p:attrNameLst>
+                                          <p:attrName>ppt_x</p:attrName>
+                                        </p:attrNameLst>
+                                      </p:cBhvr>
+                                      <p:tavLst>
+                                        <p:tav tm="0">
+                                          <p:val>
+                                            <p:strVal val="#ppt_x"/>
+                                          </p:val>
+                                        </p:tav>
+                                        <p:tav tm="100000">
+                                          <p:val>
+                                            <p:strVal val="#ppt_x"/>
+                                          </p:val>
+                                        </p:tav>
+                                      </p:tavLst>
+                                    </p:anim>
+                                    <p:anim calcmode="lin" valueType="num">
+                                      <p:cBhvr>
+                                        <p:cTn id="90" dur="1000" fill="hold"/>
+                                        <p:tgtEl>
+                                          <p:spTgt spid="7">
+                                            <p:txEl>
+                                              <p:pRg st="12" end="12"/>
+                                            </p:txEl>
+                                          </p:spTgt>
+                                        </p:tgtEl>
+                                        <p:attrNameLst>
+                                          <p:attrName>ppt_y</p:attrName>
+                                        </p:attrNameLst>
+                                      </p:cBhvr>
+                                      <p:tavLst>
+                                        <p:tav tm="0">
+                                          <p:val>
+                                            <p:strVal val="#ppt_y+.1"/>
+                                          </p:val>
+                                        </p:tav>
+                                        <p:tav tm="100000">
+                                          <p:val>
+                                            <p:strVal val="#ppt_y"/>
+                                          </p:val>
+                                        </p:tav>
+                                      </p:tavLst>
+                                    </p:anim>
+                                  </p:childTnLst>
+                                </p:cTn>
+                              </p:par>
+                            </p:childTnLst>
+                          </p:cTn>
+                        </p:par>
+                      </p:childTnLst>
+                    </p:cTn>
+                  </p:par>
+                  <p:par>
+                    <p:cTn id="91" fill="hold">
+                      <p:stCondLst>
+                        <p:cond delay="indefinite"/>
+                      </p:stCondLst>
+                      <p:childTnLst>
+                        <p:par>
+                          <p:cTn id="92" fill="hold">
+                            <p:stCondLst>
+                              <p:cond delay="0"/>
+                            </p:stCondLst>
+                            <p:childTnLst>
+                              <p:par>
+                                <p:cTn id="93" presetID="42" presetClass="entr" presetSubtype="0" fill="hold" nodeType="clickEffect">
+                                  <p:stCondLst>
+                                    <p:cond delay="0"/>
+                                  </p:stCondLst>
+                                  <p:childTnLst>
+                                    <p:set>
+                                      <p:cBhvr>
+                                        <p:cTn id="94" dur="1" fill="hold">
+                                          <p:stCondLst>
+                                            <p:cond delay="0"/>
+                                          </p:stCondLst>
+                                        </p:cTn>
+                                        <p:tgtEl>
+                                          <p:spTgt spid="7">
+                                            <p:txEl>
+                                              <p:pRg st="14" end="14"/>
+                                            </p:txEl>
+                                          </p:spTgt>
+                                        </p:tgtEl>
+                                        <p:attrNameLst>
+                                          <p:attrName>style.visibility</p:attrName>
+                                        </p:attrNameLst>
+                                      </p:cBhvr>
+                                      <p:to>
+                                        <p:strVal val="visible"/>
+                                      </p:to>
+                                    </p:set>
+                                    <p:animEffect transition="in" filter="fade">
+                                      <p:cBhvr>
+                                        <p:cTn id="95" dur="1000"/>
+                                        <p:tgtEl>
+                                          <p:spTgt spid="7">
+                                            <p:txEl>
+                                              <p:pRg st="14" end="14"/>
+                                            </p:txEl>
+                                          </p:spTgt>
+                                        </p:tgtEl>
+                                      </p:cBhvr>
+                                    </p:animEffect>
+                                    <p:anim calcmode="lin" valueType="num">
+                                      <p:cBhvr>
+                                        <p:cTn id="96" dur="1000" fill="hold"/>
+                                        <p:tgtEl>
+                                          <p:spTgt spid="7">
+                                            <p:txEl>
+                                              <p:pRg st="14" end="14"/>
+                                            </p:txEl>
+                                          </p:spTgt>
+                                        </p:tgtEl>
+                                        <p:attrNameLst>
+                                          <p:attrName>ppt_x</p:attrName>
+                                        </p:attrNameLst>
+                                      </p:cBhvr>
+                                      <p:tavLst>
+                                        <p:tav tm="0">
+                                          <p:val>
+                                            <p:strVal val="#ppt_x"/>
+                                          </p:val>
+                                        </p:tav>
+                                        <p:tav tm="100000">
+                                          <p:val>
+                                            <p:strVal val="#ppt_x"/>
+                                          </p:val>
+                                        </p:tav>
+                                      </p:tavLst>
+                                    </p:anim>
+                                    <p:anim calcmode="lin" valueType="num">
+                                      <p:cBhvr>
+                                        <p:cTn id="97" dur="1000" fill="hold"/>
+                                        <p:tgtEl>
+                                          <p:spTgt spid="7">
+                                            <p:txEl>
+                                              <p:pRg st="14" end="14"/>
+                                            </p:txEl>
+                                          </p:spTgt>
+                                        </p:tgtEl>
+                                        <p:attrNameLst>
+                                          <p:attrName>ppt_y</p:attrName>
+                                        </p:attrNameLst>
+                                      </p:cBhvr>
+                                      <p:tavLst>
+                                        <p:tav tm="0">
+                                          <p:val>
+                                            <p:strVal val="#ppt_y+.1"/>
+                                          </p:val>
+                                        </p:tav>
+                                        <p:tav tm="100000">
+                                          <p:val>
+                                            <p:strVal val="#ppt_y"/>
+                                          </p:val>
+                                        </p:tav>
+                                      </p:tavLst>
+                                    </p:anim>
+                                  </p:childTnLst>
+                                </p:cTn>
+                              </p:par>
+                              <p:par>
+                                <p:cTn id="98" presetID="42" presetClass="entr" presetSubtype="0" fill="hold" nodeType="withEffect">
+                                  <p:stCondLst>
+                                    <p:cond delay="0"/>
+                                  </p:stCondLst>
+                                  <p:childTnLst>
+                                    <p:set>
+                                      <p:cBhvr>
+                                        <p:cTn id="99" dur="1" fill="hold">
+                                          <p:stCondLst>
+                                            <p:cond delay="0"/>
+                                          </p:stCondLst>
+                                        </p:cTn>
+                                        <p:tgtEl>
+                                          <p:spTgt spid="7">
+                                            <p:txEl>
+                                              <p:pRg st="15" end="15"/>
+                                            </p:txEl>
+                                          </p:spTgt>
+                                        </p:tgtEl>
+                                        <p:attrNameLst>
+                                          <p:attrName>style.visibility</p:attrName>
+                                        </p:attrNameLst>
+                                      </p:cBhvr>
+                                      <p:to>
+                                        <p:strVal val="visible"/>
+                                      </p:to>
+                                    </p:set>
+                                    <p:animEffect transition="in" filter="fade">
+                                      <p:cBhvr>
+                                        <p:cTn id="100" dur="1000"/>
+                                        <p:tgtEl>
+                                          <p:spTgt spid="7">
+                                            <p:txEl>
+                                              <p:pRg st="15" end="15"/>
+                                            </p:txEl>
+                                          </p:spTgt>
+                                        </p:tgtEl>
+                                      </p:cBhvr>
+                                    </p:animEffect>
+                                    <p:anim calcmode="lin" valueType="num">
+                                      <p:cBhvr>
+                                        <p:cTn id="101" dur="1000" fill="hold"/>
+                                        <p:tgtEl>
+                                          <p:spTgt spid="7">
+                                            <p:txEl>
+                                              <p:pRg st="15" end="15"/>
+                                            </p:txEl>
+                                          </p:spTgt>
+                                        </p:tgtEl>
+                                        <p:attrNameLst>
+                                          <p:attrName>ppt_x</p:attrName>
+                                        </p:attrNameLst>
+                                      </p:cBhvr>
+                                      <p:tavLst>
+                                        <p:tav tm="0">
+                                          <p:val>
+                                            <p:strVal val="#ppt_x"/>
+                                          </p:val>
+                                        </p:tav>
+                                        <p:tav tm="100000">
+                                          <p:val>
+                                            <p:strVal val="#ppt_x"/>
+                                          </p:val>
+                                        </p:tav>
+                                      </p:tavLst>
+                                    </p:anim>
+                                    <p:anim calcmode="lin" valueType="num">
+                                      <p:cBhvr>
+                                        <p:cTn id="102" dur="1000" fill="hold"/>
+                                        <p:tgtEl>
+                                          <p:spTgt spid="7">
+                                            <p:txEl>
+                                              <p:pRg st="15" end="15"/>
+                                            </p:txEl>
+                                          </p:spTgt>
+                                        </p:tgtEl>
+                                        <p:attrNameLst>
+                                          <p:attrName>ppt_y</p:attrName>
+                                        </p:attrNameLst>
+                                      </p:cBhvr>
+                                      <p:tavLst>
+                                        <p:tav tm="0">
+                                          <p:val>
+                                            <p:strVal val="#ppt_y+.1"/>
+                                          </p:val>
+                                        </p:tav>
+                                        <p:tav tm="100000">
+                                          <p:val>
+                                            <p:strVal val="#ppt_y"/>
+                                          </p:val>
+                                        </p:tav>
+                                      </p:tavLst>
+                                    </p:anim>
+                                  </p:childTnLst>
+                                </p:cTn>
+                              </p:par>
+                              <p:par>
+                                <p:cTn id="103" presetID="42" presetClass="entr" presetSubtype="0" fill="hold" nodeType="withEffect">
+                                  <p:stCondLst>
+                                    <p:cond delay="0"/>
+                                  </p:stCondLst>
+                                  <p:childTnLst>
+                                    <p:set>
+                                      <p:cBhvr>
+                                        <p:cTn id="104" dur="1" fill="hold">
+                                          <p:stCondLst>
+                                            <p:cond delay="0"/>
+                                          </p:stCondLst>
+                                        </p:cTn>
+                                        <p:tgtEl>
+                                          <p:spTgt spid="7">
+                                            <p:txEl>
+                                              <p:pRg st="16" end="16"/>
+                                            </p:txEl>
+                                          </p:spTgt>
+                                        </p:tgtEl>
+                                        <p:attrNameLst>
+                                          <p:attrName>style.visibility</p:attrName>
+                                        </p:attrNameLst>
+                                      </p:cBhvr>
+                                      <p:to>
+                                        <p:strVal val="visible"/>
+                                      </p:to>
+                                    </p:set>
+                                    <p:animEffect transition="in" filter="fade">
+                                      <p:cBhvr>
+                                        <p:cTn id="105" dur="1000"/>
+                                        <p:tgtEl>
+                                          <p:spTgt spid="7">
+                                            <p:txEl>
+                                              <p:pRg st="16" end="16"/>
+                                            </p:txEl>
+                                          </p:spTgt>
+                                        </p:tgtEl>
+                                      </p:cBhvr>
+                                    </p:animEffect>
+                                    <p:anim calcmode="lin" valueType="num">
+                                      <p:cBhvr>
+                                        <p:cTn id="106" dur="1000" fill="hold"/>
+                                        <p:tgtEl>
+                                          <p:spTgt spid="7">
+                                            <p:txEl>
+                                              <p:pRg st="16" end="16"/>
+                                            </p:txEl>
+                                          </p:spTgt>
+                                        </p:tgtEl>
+                                        <p:attrNameLst>
+                                          <p:attrName>ppt_x</p:attrName>
+                                        </p:attrNameLst>
+                                      </p:cBhvr>
+                                      <p:tavLst>
+                                        <p:tav tm="0">
+                                          <p:val>
+                                            <p:strVal val="#ppt_x"/>
+                                          </p:val>
+                                        </p:tav>
+                                        <p:tav tm="100000">
+                                          <p:val>
+                                            <p:strVal val="#ppt_x"/>
+                                          </p:val>
+                                        </p:tav>
+                                      </p:tavLst>
+                                    </p:anim>
+                                    <p:anim calcmode="lin" valueType="num">
+                                      <p:cBhvr>
+                                        <p:cTn id="107" dur="1000" fill="hold"/>
+                                        <p:tgtEl>
+                                          <p:spTgt spid="7">
+                                            <p:txEl>
+                                              <p:pRg st="16" end="16"/>
+                                            </p:txEl>
+                                          </p:spTgt>
+                                        </p:tgtEl>
+                                        <p:attrNameLst>
+                                          <p:attrName>ppt_y</p:attrName>
+                                        </p:attrNameLst>
+                                      </p:cBhvr>
+                                      <p:tavLst>
+                                        <p:tav tm="0">
+                                          <p:val>
+                                            <p:strVal val="#ppt_y+.1"/>
+                                          </p:val>
+                                        </p:tav>
+                                        <p:tav tm="100000">
+                                          <p:val>
+                                            <p:strVal val="#ppt_y"/>
+                                          </p:val>
+                                        </p:tav>
+                                      </p:tavLst>
+                                    </p:anim>
+                                  </p:childTnLst>
+                                </p:cTn>
+                              </p:par>
+                              <p:par>
+                                <p:cTn id="108" presetID="42" presetClass="entr" presetSubtype="0" fill="hold" nodeType="withEffect">
+                                  <p:stCondLst>
+                                    <p:cond delay="0"/>
+                                  </p:stCondLst>
+                                  <p:childTnLst>
+                                    <p:set>
+                                      <p:cBhvr>
+                                        <p:cTn id="109" dur="1" fill="hold">
+                                          <p:stCondLst>
+                                            <p:cond delay="0"/>
+                                          </p:stCondLst>
+                                        </p:cTn>
+                                        <p:tgtEl>
+                                          <p:spTgt spid="7">
+                                            <p:txEl>
+                                              <p:pRg st="17" end="17"/>
+                                            </p:txEl>
+                                          </p:spTgt>
+                                        </p:tgtEl>
+                                        <p:attrNameLst>
+                                          <p:attrName>style.visibility</p:attrName>
+                                        </p:attrNameLst>
+                                      </p:cBhvr>
+                                      <p:to>
+                                        <p:strVal val="visible"/>
+                                      </p:to>
+                                    </p:set>
+                                    <p:animEffect transition="in" filter="fade">
+                                      <p:cBhvr>
+                                        <p:cTn id="110" dur="1000"/>
+                                        <p:tgtEl>
+                                          <p:spTgt spid="7">
+                                            <p:txEl>
+                                              <p:pRg st="17" end="17"/>
+                                            </p:txEl>
+                                          </p:spTgt>
+                                        </p:tgtEl>
+                                      </p:cBhvr>
+                                    </p:animEffect>
+                                    <p:anim calcmode="lin" valueType="num">
+                                      <p:cBhvr>
+                                        <p:cTn id="111" dur="1000" fill="hold"/>
+                                        <p:tgtEl>
+                                          <p:spTgt spid="7">
+                                            <p:txEl>
+                                              <p:pRg st="17" end="17"/>
+                                            </p:txEl>
+                                          </p:spTgt>
+                                        </p:tgtEl>
+                                        <p:attrNameLst>
+                                          <p:attrName>ppt_x</p:attrName>
+                                        </p:attrNameLst>
+                                      </p:cBhvr>
+                                      <p:tavLst>
+                                        <p:tav tm="0">
+                                          <p:val>
+                                            <p:strVal val="#ppt_x"/>
+                                          </p:val>
+                                        </p:tav>
+                                        <p:tav tm="100000">
+                                          <p:val>
+                                            <p:strVal val="#ppt_x"/>
+                                          </p:val>
+                                        </p:tav>
+                                      </p:tavLst>
+                                    </p:anim>
+                                    <p:anim calcmode="lin" valueType="num">
+                                      <p:cBhvr>
+                                        <p:cTn id="112" dur="1000" fill="hold"/>
+                                        <p:tgtEl>
+                                          <p:spTgt spid="7">
+                                            <p:txEl>
+                                              <p:pRg st="17" end="17"/>
+                                            </p:txEl>
+                                          </p:spTgt>
+                                        </p:tgtEl>
+                                        <p:attrNameLst>
+                                          <p:attrName>ppt_y</p:attrName>
+                                        </p:attrNameLst>
+                                      </p:cBhvr>
+                                      <p:tavLst>
+                                        <p:tav tm="0">
+                                          <p:val>
+                                            <p:strVal val="#ppt_y+.1"/>
+                                          </p:val>
+                                        </p:tav>
+                                        <p:tav tm="100000">
+                                          <p:val>
+                                            <p:strVal val="#ppt_y"/>
+                                          </p:val>
+                                        </p:tav>
+                                      </p:tavLst>
+                                    </p:anim>
+                                  </p:childTnLst>
+                                </p:cTn>
+                              </p:par>
+                            </p:childTnLst>
+                          </p:cTn>
+                        </p:par>
+                      </p:childTnLst>
+                    </p:cTn>
+                  </p:par>
+                  <p:par>
+                    <p:cTn id="113" fill="hold">
+                      <p:stCondLst>
+                        <p:cond delay="indefinite"/>
+                      </p:stCondLst>
+                      <p:childTnLst>
+                        <p:par>
+                          <p:cTn id="114" fill="hold">
+                            <p:stCondLst>
+                              <p:cond delay="0"/>
+                            </p:stCondLst>
+                            <p:childTnLst>
+                              <p:par>
+                                <p:cTn id="115" presetID="42" presetClass="entr" presetSubtype="0" fill="hold" nodeType="clickEffect">
+                                  <p:stCondLst>
+                                    <p:cond delay="0"/>
+                                  </p:stCondLst>
+                                  <p:childTnLst>
+                                    <p:set>
+                                      <p:cBhvr>
+                                        <p:cTn id="116" dur="1" fill="hold">
+                                          <p:stCondLst>
+                                            <p:cond delay="0"/>
+                                          </p:stCondLst>
+                                        </p:cTn>
+                                        <p:tgtEl>
+                                          <p:spTgt spid="7">
+                                            <p:txEl>
+                                              <p:pRg st="19" end="19"/>
+                                            </p:txEl>
+                                          </p:spTgt>
+                                        </p:tgtEl>
+                                        <p:attrNameLst>
+                                          <p:attrName>style.visibility</p:attrName>
+                                        </p:attrNameLst>
+                                      </p:cBhvr>
+                                      <p:to>
+                                        <p:strVal val="visible"/>
+                                      </p:to>
+                                    </p:set>
+                                    <p:animEffect transition="in" filter="fade">
+                                      <p:cBhvr>
+                                        <p:cTn id="117" dur="1000"/>
+                                        <p:tgtEl>
+                                          <p:spTgt spid="7">
+                                            <p:txEl>
+                                              <p:pRg st="19" end="19"/>
+                                            </p:txEl>
+                                          </p:spTgt>
+                                        </p:tgtEl>
+                                      </p:cBhvr>
+                                    </p:animEffect>
+                                    <p:anim calcmode="lin" valueType="num">
+                                      <p:cBhvr>
+                                        <p:cTn id="118" dur="1000" fill="hold"/>
+                                        <p:tgtEl>
+                                          <p:spTgt spid="7">
+                                            <p:txEl>
+                                              <p:pRg st="19" end="19"/>
+                                            </p:txEl>
+                                          </p:spTgt>
+                                        </p:tgtEl>
+                                        <p:attrNameLst>
+                                          <p:attrName>ppt_x</p:attrName>
+                                        </p:attrNameLst>
+                                      </p:cBhvr>
+                                      <p:tavLst>
+                                        <p:tav tm="0">
+                                          <p:val>
+                                            <p:strVal val="#ppt_x"/>
+                                          </p:val>
+                                        </p:tav>
+                                        <p:tav tm="100000">
+                                          <p:val>
+                                            <p:strVal val="#ppt_x"/>
+                                          </p:val>
+                                        </p:tav>
+                                      </p:tavLst>
+                                    </p:anim>
+                                    <p:anim calcmode="lin" valueType="num">
+                                      <p:cBhvr>
+                                        <p:cTn id="119" dur="1000" fill="hold"/>
+                                        <p:tgtEl>
+                                          <p:spTgt spid="7">
+                                            <p:txEl>
+                                              <p:pRg st="19" end="19"/>
+                                            </p:txEl>
+                                          </p:spTgt>
+                                        </p:tgtEl>
+                                        <p:attrNameLst>
+                                          <p:attrName>ppt_y</p:attrName>
+                                        </p:attrNameLst>
+                                      </p:cBhvr>
+                                      <p:tavLst>
+                                        <p:tav tm="0">
+                                          <p:val>
+                                            <p:strVal val="#ppt_y+.1"/>
+                                          </p:val>
+                                        </p:tav>
+                                        <p:tav tm="100000">
+                                          <p:val>
+                                            <p:strVal val="#ppt_y"/>
+                                          </p:val>
+                                        </p:tav>
+                                      </p:tavLst>
+                                    </p:anim>
+                                  </p:childTnLst>
+                                </p:cTn>
+                              </p:par>
+                              <p:par>
+                                <p:cTn id="120" presetID="42" presetClass="entr" presetSubtype="0" fill="hold" nodeType="withEffect">
+                                  <p:stCondLst>
+                                    <p:cond delay="0"/>
+                                  </p:stCondLst>
+                                  <p:childTnLst>
+                                    <p:set>
+                                      <p:cBhvr>
+                                        <p:cTn id="121" dur="1" fill="hold">
+                                          <p:stCondLst>
+                                            <p:cond delay="0"/>
+                                          </p:stCondLst>
+                                        </p:cTn>
+                                        <p:tgtEl>
+                                          <p:spTgt spid="7">
+                                            <p:txEl>
+                                              <p:pRg st="20" end="20"/>
+                                            </p:txEl>
+                                          </p:spTgt>
+                                        </p:tgtEl>
+                                        <p:attrNameLst>
+                                          <p:attrName>style.visibility</p:attrName>
+                                        </p:attrNameLst>
+                                      </p:cBhvr>
+                                      <p:to>
+                                        <p:strVal val="visible"/>
+                                      </p:to>
+                                    </p:set>
+                                    <p:animEffect transition="in" filter="fade">
+                                      <p:cBhvr>
+                                        <p:cTn id="122" dur="1000"/>
+                                        <p:tgtEl>
+                                          <p:spTgt spid="7">
+                                            <p:txEl>
+                                              <p:pRg st="20" end="20"/>
+                                            </p:txEl>
+                                          </p:spTgt>
+                                        </p:tgtEl>
+                                      </p:cBhvr>
+                                    </p:animEffect>
+                                    <p:anim calcmode="lin" valueType="num">
+                                      <p:cBhvr>
+                                        <p:cTn id="123" dur="1000" fill="hold"/>
+                                        <p:tgtEl>
+                                          <p:spTgt spid="7">
+                                            <p:txEl>
+                                              <p:pRg st="20" end="20"/>
+                                            </p:txEl>
+                                          </p:spTgt>
+                                        </p:tgtEl>
+                                        <p:attrNameLst>
+                                          <p:attrName>ppt_x</p:attrName>
+                                        </p:attrNameLst>
+                                      </p:cBhvr>
+                                      <p:tavLst>
+                                        <p:tav tm="0">
+                                          <p:val>
+                                            <p:strVal val="#ppt_x"/>
+                                          </p:val>
+                                        </p:tav>
+                                        <p:tav tm="100000">
+                                          <p:val>
+                                            <p:strVal val="#ppt_x"/>
+                                          </p:val>
+                                        </p:tav>
+                                      </p:tavLst>
+                                    </p:anim>
+                                    <p:anim calcmode="lin" valueType="num">
+                                      <p:cBhvr>
+                                        <p:cTn id="124" dur="1000" fill="hold"/>
+                                        <p:tgtEl>
+                                          <p:spTgt spid="7">
+                                            <p:txEl>
+                                              <p:pRg st="20" end="20"/>
+                                            </p:txEl>
+                                          </p:spTgt>
+                                        </p:tgtEl>
+                                        <p:attrNameLst>
+                                          <p:attrName>ppt_y</p:attrName>
+                                        </p:attrNameLst>
+                                      </p:cBhvr>
+                                      <p:tavLst>
+                                        <p:tav tm="0">
+                                          <p:val>
+                                            <p:strVal val="#ppt_y+.1"/>
+                                          </p:val>
+                                        </p:tav>
+                                        <p:tav tm="100000">
+                                          <p:val>
+                                            <p:strVal val="#ppt_y"/>
+                                          </p:val>
+                                        </p:tav>
+                                      </p:tavLst>
+                                    </p:anim>
+                                  </p:childTnLst>
+                                </p:cTn>
+                              </p:par>
+                              <p:par>
+                                <p:cTn id="125" presetID="42" presetClass="entr" presetSubtype="0" fill="hold" nodeType="withEffect">
+                                  <p:stCondLst>
+                                    <p:cond delay="0"/>
+                                  </p:stCondLst>
+                                  <p:childTnLst>
+                                    <p:set>
+                                      <p:cBhvr>
+                                        <p:cTn id="126" dur="1" fill="hold">
+                                          <p:stCondLst>
+                                            <p:cond delay="0"/>
+                                          </p:stCondLst>
+                                        </p:cTn>
+                                        <p:tgtEl>
+                                          <p:spTgt spid="7">
+                                            <p:txEl>
+                                              <p:pRg st="21" end="21"/>
+                                            </p:txEl>
+                                          </p:spTgt>
+                                        </p:tgtEl>
+                                        <p:attrNameLst>
+                                          <p:attrName>style.visibility</p:attrName>
+                                        </p:attrNameLst>
+                                      </p:cBhvr>
+                                      <p:to>
+                                        <p:strVal val="visible"/>
+                                      </p:to>
+                                    </p:set>
+                                    <p:animEffect transition="in" filter="fade">
+                                      <p:cBhvr>
+                                        <p:cTn id="127" dur="1000"/>
+                                        <p:tgtEl>
+                                          <p:spTgt spid="7">
+                                            <p:txEl>
+                                              <p:pRg st="21" end="21"/>
+                                            </p:txEl>
+                                          </p:spTgt>
+                                        </p:tgtEl>
+                                      </p:cBhvr>
+                                    </p:animEffect>
+                                    <p:anim calcmode="lin" valueType="num">
+                                      <p:cBhvr>
+                                        <p:cTn id="128" dur="1000" fill="hold"/>
+                                        <p:tgtEl>
+                                          <p:spTgt spid="7">
+                                            <p:txEl>
+                                              <p:pRg st="21" end="21"/>
+                                            </p:txEl>
+                                          </p:spTgt>
+                                        </p:tgtEl>
+                                        <p:attrNameLst>
+                                          <p:attrName>ppt_x</p:attrName>
+                                        </p:attrNameLst>
+                                      </p:cBhvr>
+                                      <p:tavLst>
+                                        <p:tav tm="0">
+                                          <p:val>
+                                            <p:strVal val="#ppt_x"/>
+                                          </p:val>
+                                        </p:tav>
+                                        <p:tav tm="100000">
+                                          <p:val>
+                                            <p:strVal val="#ppt_x"/>
+                                          </p:val>
+                                        </p:tav>
+                                      </p:tavLst>
+                                    </p:anim>
+                                    <p:anim calcmode="lin" valueType="num">
+                                      <p:cBhvr>
+                                        <p:cTn id="129" dur="1000" fill="hold"/>
+                                        <p:tgtEl>
+                                          <p:spTgt spid="7">
+                                            <p:txEl>
+                                              <p:pRg st="21" end="21"/>
+                                            </p:txEl>
+                                          </p:spTgt>
+                                        </p:tgtEl>
+                                        <p:attrNameLst>
+                                          <p:attrName>ppt_y</p:attrName>
+                                        </p:attrNameLst>
+                                      </p:cBhvr>
+                                      <p:tavLst>
+                                        <p:tav tm="0">
+                                          <p:val>
+                                            <p:strVal val="#ppt_y+.1"/>
+                                          </p:val>
+                                        </p:tav>
+                                        <p:tav tm="100000">
+                                          <p:val>
+                                            <p:strVal val="#ppt_y"/>
+                                          </p:val>
+                                        </p:tav>
+                                      </p:tavLst>
+                                    </p:anim>
+                                  </p:childTnLst>
+                                </p:cTn>
+                              </p:par>
+                              <p:par>
+                                <p:cTn id="130" presetID="42" presetClass="entr" presetSubtype="0" fill="hold" nodeType="withEffect">
+                                  <p:stCondLst>
+                                    <p:cond delay="0"/>
+                                  </p:stCondLst>
+                                  <p:childTnLst>
+                                    <p:set>
+                                      <p:cBhvr>
+                                        <p:cTn id="131" dur="1" fill="hold">
+                                          <p:stCondLst>
+                                            <p:cond delay="0"/>
+                                          </p:stCondLst>
+                                        </p:cTn>
+                                        <p:tgtEl>
+                                          <p:spTgt spid="7">
+                                            <p:txEl>
+                                              <p:pRg st="22" end="22"/>
+                                            </p:txEl>
+                                          </p:spTgt>
+                                        </p:tgtEl>
+                                        <p:attrNameLst>
+                                          <p:attrName>style.visibility</p:attrName>
+                                        </p:attrNameLst>
+                                      </p:cBhvr>
+                                      <p:to>
+                                        <p:strVal val="visible"/>
+                                      </p:to>
+                                    </p:set>
+                                    <p:animEffect transition="in" filter="fade">
+                                      <p:cBhvr>
+                                        <p:cTn id="132" dur="1000"/>
+                                        <p:tgtEl>
+                                          <p:spTgt spid="7">
+                                            <p:txEl>
+                                              <p:pRg st="22" end="22"/>
+                                            </p:txEl>
+                                          </p:spTgt>
+                                        </p:tgtEl>
+                                      </p:cBhvr>
+                                    </p:animEffect>
+                                    <p:anim calcmode="lin" valueType="num">
+                                      <p:cBhvr>
+                                        <p:cTn id="133" dur="1000" fill="hold"/>
+                                        <p:tgtEl>
+                                          <p:spTgt spid="7">
+                                            <p:txEl>
+                                              <p:pRg st="22" end="22"/>
+                                            </p:txEl>
+                                          </p:spTgt>
+                                        </p:tgtEl>
+                                        <p:attrNameLst>
+                                          <p:attrName>ppt_x</p:attrName>
+                                        </p:attrNameLst>
+                                      </p:cBhvr>
+                                      <p:tavLst>
+                                        <p:tav tm="0">
+                                          <p:val>
+                                            <p:strVal val="#ppt_x"/>
+                                          </p:val>
+                                        </p:tav>
+                                        <p:tav tm="100000">
+                                          <p:val>
+                                            <p:strVal val="#ppt_x"/>
+                                          </p:val>
+                                        </p:tav>
+                                      </p:tavLst>
+                                    </p:anim>
+                                    <p:anim calcmode="lin" valueType="num">
+                                      <p:cBhvr>
+                                        <p:cTn id="134" dur="1000" fill="hold"/>
+                                        <p:tgtEl>
+                                          <p:spTgt spid="7">
+                                            <p:txEl>
+                                              <p:pRg st="22" end="22"/>
+                                            </p:txEl>
+                                          </p:spTgt>
+                                        </p:tgtEl>
+                                        <p:attrNameLst>
+                                          <p:attrName>ppt_y</p:attrName>
+                                        </p:attrNameLst>
+                                      </p:cBhvr>
+                                      <p:tavLst>
+                                        <p:tav tm="0">
+                                          <p:val>
+                                            <p:strVal val="#ppt_y+.1"/>
+                                          </p:val>
+                                        </p:tav>
+                                        <p:tav tm="100000">
+                                          <p:val>
+                                            <p:strVal val="#ppt_y"/>
+                                          </p:val>
+                                        </p:tav>
+                                      </p:tavLst>
+                                    </p:anim>
+                                  </p:childTnLst>
+                                </p:cTn>
+                              </p:par>
+                            </p:childTnLst>
+                          </p:cTn>
+                        </p:par>
+                      </p:childTnLst>
+                    </p:cTn>
+                  </p:par>
+                </p:childTnLst>
+              </p:cTn>
+              <p:prevCondLst>
+                <p:cond evt="onPrev" delay="0">
+                  <p:tgtEl>
+                    <p:sldTgt/>
+                  </p:tgtEl>
+                </p:cond>
+              </p:prevCondLst>
+              <p:nextCondLst>
+                <p:cond evt="onNext" delay="0">
+                  <p:tgtEl>
+                    <p:sldTgt/>
+                  </p:tgtEl>
+                </p:cond>
+              </p:nextCondLst>
+            </p:seq>
+          </p:childTnLst>
+        </p:cTn>
+      </p:par>
+    </p:tnLst>
+    <p:bldLst>
+      <p:bldP spid="7" grpId="1" uiExpand="1" build="allAtOnce"/>
+    </p:bldLst>
+  </p:timing>
+</p:sld>
+</file>
+
+<file path=ppt/slides/slide32.xml><?xml version="1.0" encoding="utf-8"?>
+<p:sld xmlns:a="http://schemas.openxmlformats.org/drawingml/2006/main" xmlns:r="http://schemas.openxmlformats.org/officeDocument/2006/relationships" xmlns:p="http://schemas.openxmlformats.org/presentationml/2006/main">
+  <p:cSld>
+    <p:spTree>
+      <p:nvGrpSpPr>
+        <p:cNvPr id="1" name=""/>
+        <p:cNvGrpSpPr/>
+        <p:nvPr/>
+      </p:nvGrpSpPr>
+      <p:grpSpPr>
+        <a:xfrm>
+          <a:off x="0" y="0"/>
+          <a:ext cx="0" cy="0"/>
+          <a:chOff x="0" y="0"/>
+          <a:chExt cx="0" cy="0"/>
+        </a:xfrm>
+      </p:grpSpPr>
+      <p:sp>
+        <p:nvSpPr>
+          <p:cNvPr id="2" name="Заголовок 1"/>
+          <p:cNvSpPr>
+            <a:spLocks noGrp="1"/>
+          </p:cNvSpPr>
+          <p:nvPr>
+            <p:ph type="title"/>
+          </p:nvPr>
+        </p:nvSpPr>
+        <p:spPr/>
+        <p:txBody>
+          <a:bodyPr/>
+          <a:lstStyle/>
+          <a:p>
+            <a:r>
+              <a:rPr lang="en-US" dirty="0"/>
+              <a:t>C# </a:t>
+            </a:r>
+            <a:r>
+              <a:rPr lang="en-US" dirty="0" smtClean="0"/>
+              <a:t>basics</a:t>
+            </a:r>
+            <a:br>
+              <a:rPr lang="en-US" dirty="0" smtClean="0"/>
+            </a:br>
+            <a:r>
+              <a:rPr lang="en-US" sz="2400" dirty="0" smtClean="0">
+                <a:solidFill>
+                  <a:prstClr val="white">
+                    <a:lumMod val="50000"/>
+                  </a:prstClr>
+                </a:solidFill>
+              </a:rPr>
+              <a:t>Classes</a:t>
+            </a:r>
+            <a:endParaRPr lang="en-US" dirty="0"/>
+          </a:p>
+        </p:txBody>
+      </p:sp>
+      <p:sp>
+        <p:nvSpPr>
+          <p:cNvPr id="4" name="Дата 3"/>
+          <p:cNvSpPr>
+            <a:spLocks noGrp="1"/>
+          </p:cNvSpPr>
+          <p:nvPr>
+            <p:ph type="dt" sz="half" idx="10"/>
+          </p:nvPr>
+        </p:nvSpPr>
+        <p:spPr>
+          <a:xfrm>
+            <a:off x="6598153" y="6041362"/>
+            <a:ext cx="1518920" cy="365125"/>
+          </a:xfrm>
+        </p:spPr>
+        <p:txBody>
+          <a:bodyPr/>
+          <a:lstStyle/>
+          <a:p>
+            <a:fld id="{939306D3-16AC-481B-963B-74A1D01AC013}" type="datetime3">
+              <a:rPr lang="en-US" sz="1100" smtClean="0"/>
+              <a:t>5 October 2021</a:t>
+            </a:fld>
+            <a:endParaRPr lang="en-US" sz="1100" dirty="0"/>
+          </a:p>
+        </p:txBody>
+      </p:sp>
+      <p:sp>
+        <p:nvSpPr>
+          <p:cNvPr id="5" name="Нижний колонтитул 4"/>
+          <p:cNvSpPr>
+            <a:spLocks noGrp="1"/>
+          </p:cNvSpPr>
+          <p:nvPr>
+            <p:ph type="ftr" sz="quarter" idx="11"/>
+          </p:nvPr>
+        </p:nvSpPr>
+        <p:spPr/>
+        <p:txBody>
+          <a:bodyPr/>
+          <a:lstStyle/>
+          <a:p>
+            <a:r>
+              <a:rPr lang="en-US" sz="1100" dirty="0" smtClean="0"/>
+              <a:t>Automated framework with C#</a:t>
+            </a:r>
+          </a:p>
+          <a:p>
+            <a:r>
+              <a:rPr lang="en-US" sz="1100" dirty="0"/>
+              <a:t>Yury </a:t>
+            </a:r>
+            <a:r>
+              <a:rPr lang="en-US" sz="1100" dirty="0" smtClean="0"/>
+              <a:t>Alifanov</a:t>
+            </a:r>
+            <a:endParaRPr lang="en-US" sz="1100" dirty="0"/>
+          </a:p>
+        </p:txBody>
+      </p:sp>
+      <p:sp>
+        <p:nvSpPr>
+          <p:cNvPr id="6" name="Номер слайда 5"/>
+          <p:cNvSpPr>
+            <a:spLocks noGrp="1"/>
+          </p:cNvSpPr>
+          <p:nvPr>
+            <p:ph type="sldNum" sz="quarter" idx="12"/>
+          </p:nvPr>
+        </p:nvSpPr>
+        <p:spPr/>
+        <p:txBody>
+          <a:bodyPr/>
+          <a:lstStyle/>
+          <a:p>
+            <a:fld id="{519954A3-9DFD-4C44-94BA-B95130A3BA1C}" type="slidenum">
+              <a:rPr lang="en-US" sz="1100" smtClean="0"/>
+              <a:t>32</a:t>
+            </a:fld>
+            <a:endParaRPr lang="en-US" sz="1100" dirty="0"/>
+          </a:p>
+        </p:txBody>
+      </p:sp>
+      <p:sp>
+        <p:nvSpPr>
+          <p:cNvPr id="7" name="TextBox 6"/>
+          <p:cNvSpPr txBox="1"/>
+          <p:nvPr/>
+        </p:nvSpPr>
+        <p:spPr>
+          <a:xfrm>
+            <a:off x="1454652" y="1839231"/>
+            <a:ext cx="8096542" cy="3293209"/>
+          </a:xfrm>
+          <a:prstGeom prst="rect">
+            <a:avLst/>
+          </a:prstGeom>
+          <a:noFill/>
+        </p:spPr>
+        <p:txBody>
+          <a:bodyPr wrap="square" rtlCol="0">
+            <a:spAutoFit/>
+          </a:bodyPr>
+          <a:lstStyle/>
+          <a:p>
+            <a:r>
+              <a:rPr lang="en-US" sz="1600" dirty="0" smtClean="0">
+                <a:solidFill>
+                  <a:srgbClr val="33CCCC"/>
+                </a:solidFill>
+                <a:latin typeface="Consolas" panose="020B0609020204030204" pitchFamily="49" charset="0"/>
+              </a:rPr>
+              <a:t>Person </a:t>
+            </a:r>
+            <a:r>
+              <a:rPr lang="en-US" sz="1600" dirty="0" err="1" smtClean="0">
+                <a:latin typeface="Consolas" panose="020B0609020204030204" pitchFamily="49" charset="0"/>
+              </a:rPr>
+              <a:t>firstPerson</a:t>
+            </a:r>
+            <a:r>
+              <a:rPr lang="en-US" sz="1600" dirty="0" smtClean="0">
+                <a:latin typeface="Consolas" panose="020B0609020204030204" pitchFamily="49" charset="0"/>
+              </a:rPr>
+              <a:t> = </a:t>
+            </a:r>
+            <a:r>
+              <a:rPr lang="en-US" sz="1600" dirty="0" smtClean="0">
+                <a:solidFill>
+                  <a:schemeClr val="accent2"/>
+                </a:solidFill>
+                <a:latin typeface="Consolas" panose="020B0609020204030204" pitchFamily="49" charset="0"/>
+              </a:rPr>
+              <a:t>new </a:t>
+            </a:r>
+            <a:r>
+              <a:rPr lang="en-US" sz="1600" dirty="0" smtClean="0">
+                <a:solidFill>
+                  <a:srgbClr val="33CCCC"/>
+                </a:solidFill>
+                <a:latin typeface="Consolas" panose="020B0609020204030204" pitchFamily="49" charset="0"/>
+              </a:rPr>
+              <a:t>Person</a:t>
+            </a:r>
+            <a:r>
+              <a:rPr lang="en-US" sz="1600" dirty="0" smtClean="0">
+                <a:latin typeface="Consolas" panose="020B0609020204030204" pitchFamily="49" charset="0"/>
+              </a:rPr>
+              <a:t>(); </a:t>
+            </a:r>
+            <a:r>
+              <a:rPr lang="en-US" sz="1600" dirty="0" smtClean="0">
+                <a:solidFill>
+                  <a:schemeClr val="accent5">
+                    <a:lumMod val="75000"/>
+                  </a:schemeClr>
+                </a:solidFill>
+                <a:latin typeface="Consolas" panose="020B0609020204030204" pitchFamily="49" charset="0"/>
+              </a:rPr>
+              <a:t>//  Create person without name</a:t>
+            </a:r>
+          </a:p>
+          <a:p>
+            <a:r>
+              <a:rPr lang="en-US" sz="1600" dirty="0" smtClean="0">
+                <a:solidFill>
+                  <a:srgbClr val="33CCCC"/>
+                </a:solidFill>
+                <a:latin typeface="Consolas" panose="020B0609020204030204" pitchFamily="49" charset="0"/>
+              </a:rPr>
+              <a:t>Person </a:t>
+            </a:r>
+            <a:r>
+              <a:rPr lang="en-US" sz="1600" dirty="0" err="1" smtClean="0">
+                <a:latin typeface="Consolas" panose="020B0609020204030204" pitchFamily="49" charset="0"/>
+              </a:rPr>
+              <a:t>secondPerson</a:t>
+            </a:r>
+            <a:r>
+              <a:rPr lang="en-US" sz="1600" dirty="0" smtClean="0">
+                <a:latin typeface="Consolas" panose="020B0609020204030204" pitchFamily="49" charset="0"/>
+              </a:rPr>
+              <a:t> </a:t>
+            </a:r>
+            <a:r>
+              <a:rPr lang="en-US" sz="1600" dirty="0">
+                <a:latin typeface="Consolas" panose="020B0609020204030204" pitchFamily="49" charset="0"/>
+              </a:rPr>
+              <a:t>= </a:t>
+            </a:r>
+            <a:r>
+              <a:rPr lang="en-US" sz="1600" dirty="0">
+                <a:solidFill>
+                  <a:schemeClr val="accent2"/>
+                </a:solidFill>
+                <a:latin typeface="Consolas" panose="020B0609020204030204" pitchFamily="49" charset="0"/>
+              </a:rPr>
+              <a:t>new </a:t>
+            </a:r>
+            <a:r>
+              <a:rPr lang="en-US" sz="1600" dirty="0">
+                <a:solidFill>
+                  <a:srgbClr val="33CCCC"/>
+                </a:solidFill>
+                <a:latin typeface="Consolas" panose="020B0609020204030204" pitchFamily="49" charset="0"/>
+              </a:rPr>
+              <a:t>Person</a:t>
+            </a:r>
+            <a:r>
+              <a:rPr lang="en-US" sz="1600" dirty="0" smtClean="0">
+                <a:latin typeface="Consolas" panose="020B0609020204030204" pitchFamily="49" charset="0"/>
+              </a:rPr>
+              <a:t>(</a:t>
+            </a:r>
+            <a:r>
+              <a:rPr lang="en-US" sz="1600" dirty="0" smtClean="0">
+                <a:solidFill>
+                  <a:srgbClr val="C00000"/>
+                </a:solidFill>
+                <a:latin typeface="Consolas" panose="020B0609020204030204" pitchFamily="49" charset="0"/>
+              </a:rPr>
+              <a:t>”Tom”</a:t>
+            </a:r>
+            <a:r>
+              <a:rPr lang="en-US" sz="1600" dirty="0" smtClean="0">
+                <a:latin typeface="Consolas" panose="020B0609020204030204" pitchFamily="49" charset="0"/>
+              </a:rPr>
+              <a:t>); </a:t>
+            </a:r>
+            <a:r>
+              <a:rPr lang="en-US" sz="1600" dirty="0">
+                <a:solidFill>
+                  <a:schemeClr val="accent5">
+                    <a:lumMod val="75000"/>
+                  </a:schemeClr>
+                </a:solidFill>
+                <a:latin typeface="Consolas" panose="020B0609020204030204" pitchFamily="49" charset="0"/>
+              </a:rPr>
+              <a:t>//  Create person </a:t>
+            </a:r>
+            <a:r>
+              <a:rPr lang="en-US" sz="1600" dirty="0" smtClean="0">
+                <a:solidFill>
+                  <a:schemeClr val="accent5">
+                    <a:lumMod val="75000"/>
+                  </a:schemeClr>
+                </a:solidFill>
+                <a:latin typeface="Consolas" panose="020B0609020204030204" pitchFamily="49" charset="0"/>
+              </a:rPr>
+              <a:t>with </a:t>
+            </a:r>
+            <a:r>
+              <a:rPr lang="en-US" sz="1600" dirty="0">
+                <a:solidFill>
+                  <a:schemeClr val="accent5">
+                    <a:lumMod val="75000"/>
+                  </a:schemeClr>
+                </a:solidFill>
+                <a:latin typeface="Consolas" panose="020B0609020204030204" pitchFamily="49" charset="0"/>
+              </a:rPr>
+              <a:t>name</a:t>
+            </a:r>
+          </a:p>
+          <a:p>
+            <a:endParaRPr lang="en-US" sz="1600" dirty="0" smtClean="0">
+              <a:solidFill>
+                <a:schemeClr val="accent5">
+                  <a:lumMod val="75000"/>
+                </a:schemeClr>
+              </a:solidFill>
+              <a:latin typeface="Consolas" panose="020B0609020204030204" pitchFamily="49" charset="0"/>
+            </a:endParaRPr>
+          </a:p>
+          <a:p>
+            <a:r>
+              <a:rPr lang="en-US" sz="1600" dirty="0" smtClean="0">
+                <a:solidFill>
+                  <a:schemeClr val="accent5">
+                    <a:lumMod val="75000"/>
+                  </a:schemeClr>
+                </a:solidFill>
+                <a:latin typeface="Consolas" panose="020B0609020204030204" pitchFamily="49" charset="0"/>
+              </a:rPr>
+              <a:t>// Persons’ introduction</a:t>
+            </a:r>
+          </a:p>
+          <a:p>
+            <a:r>
+              <a:rPr lang="en-US" sz="1600" dirty="0" err="1" smtClean="0">
+                <a:latin typeface="Consolas" panose="020B0609020204030204" pitchFamily="49" charset="0"/>
+              </a:rPr>
+              <a:t>firstPerson.GetIntroduction</a:t>
+            </a:r>
+            <a:r>
+              <a:rPr lang="en-US" sz="1600" dirty="0" smtClean="0">
+                <a:latin typeface="Consolas" panose="020B0609020204030204" pitchFamily="49" charset="0"/>
+              </a:rPr>
+              <a:t>();	</a:t>
+            </a:r>
+            <a:r>
+              <a:rPr lang="en-US" sz="1600" dirty="0">
+                <a:solidFill>
+                  <a:schemeClr val="accent5">
+                    <a:lumMod val="75000"/>
+                  </a:schemeClr>
+                </a:solidFill>
+                <a:latin typeface="Consolas" panose="020B0609020204030204" pitchFamily="49" charset="0"/>
+              </a:rPr>
+              <a:t>// My name is </a:t>
+            </a:r>
+            <a:r>
+              <a:rPr lang="en-US" sz="1600" dirty="0" smtClean="0">
+                <a:solidFill>
+                  <a:schemeClr val="accent5">
+                    <a:lumMod val="75000"/>
+                  </a:schemeClr>
+                </a:solidFill>
+                <a:latin typeface="Consolas" panose="020B0609020204030204" pitchFamily="49" charset="0"/>
+              </a:rPr>
+              <a:t>Incognito</a:t>
+            </a:r>
+          </a:p>
+          <a:p>
+            <a:r>
+              <a:rPr lang="en-US" sz="1600" dirty="0" err="1" smtClean="0">
+                <a:latin typeface="Consolas" panose="020B0609020204030204" pitchFamily="49" charset="0"/>
+              </a:rPr>
+              <a:t>secondPerson.GetIntroduction</a:t>
+            </a:r>
+            <a:r>
+              <a:rPr lang="en-US" sz="1600" dirty="0" smtClean="0">
+                <a:latin typeface="Consolas" panose="020B0609020204030204" pitchFamily="49" charset="0"/>
+              </a:rPr>
+              <a:t>();	</a:t>
+            </a:r>
+            <a:r>
+              <a:rPr lang="en-US" sz="1600" dirty="0">
+                <a:solidFill>
+                  <a:schemeClr val="accent5">
+                    <a:lumMod val="75000"/>
+                  </a:schemeClr>
+                </a:solidFill>
+                <a:latin typeface="Consolas" panose="020B0609020204030204" pitchFamily="49" charset="0"/>
+              </a:rPr>
+              <a:t>// My name is Tom</a:t>
+            </a:r>
+          </a:p>
+          <a:p>
+            <a:endParaRPr lang="en-US" sz="1600" dirty="0">
+              <a:latin typeface="Consolas" panose="020B0609020204030204" pitchFamily="49" charset="0"/>
+            </a:endParaRPr>
+          </a:p>
+          <a:p>
+            <a:r>
+              <a:rPr lang="en-US" sz="1600" dirty="0">
+                <a:solidFill>
+                  <a:schemeClr val="accent5">
+                    <a:lumMod val="75000"/>
+                  </a:schemeClr>
+                </a:solidFill>
+                <a:latin typeface="Consolas" panose="020B0609020204030204" pitchFamily="49" charset="0"/>
+              </a:rPr>
+              <a:t>// Name first person</a:t>
+            </a:r>
+          </a:p>
+          <a:p>
+            <a:r>
+              <a:rPr lang="en-US" sz="1600" dirty="0" err="1">
+                <a:latin typeface="Consolas" panose="020B0609020204030204" pitchFamily="49" charset="0"/>
+              </a:rPr>
+              <a:t>firstPerson.Name</a:t>
+            </a:r>
+            <a:r>
+              <a:rPr lang="en-US" sz="1600" dirty="0">
+                <a:latin typeface="Consolas" panose="020B0609020204030204" pitchFamily="49" charset="0"/>
+              </a:rPr>
+              <a:t> = </a:t>
+            </a:r>
+            <a:r>
+              <a:rPr lang="en-US" sz="1600" dirty="0">
+                <a:solidFill>
+                  <a:srgbClr val="C00000"/>
+                </a:solidFill>
+                <a:latin typeface="Consolas" panose="020B0609020204030204" pitchFamily="49" charset="0"/>
+              </a:rPr>
+              <a:t>”Bob”</a:t>
+            </a:r>
+            <a:r>
+              <a:rPr lang="en-US" sz="1600" dirty="0">
+                <a:latin typeface="Consolas" panose="020B0609020204030204" pitchFamily="49" charset="0"/>
+              </a:rPr>
+              <a:t>;</a:t>
+            </a:r>
+          </a:p>
+          <a:p>
+            <a:endParaRPr lang="en-US" sz="1600" dirty="0" smtClean="0">
+              <a:latin typeface="Consolas" panose="020B0609020204030204" pitchFamily="49" charset="0"/>
+            </a:endParaRPr>
+          </a:p>
+          <a:p>
+            <a:r>
+              <a:rPr lang="en-US" sz="1600" dirty="0" err="1">
+                <a:latin typeface="Consolas" panose="020B0609020204030204" pitchFamily="49" charset="0"/>
+              </a:rPr>
+              <a:t>firstPerson.GetIntroduction</a:t>
+            </a:r>
+            <a:r>
+              <a:rPr lang="en-US" sz="1600" dirty="0" smtClean="0">
+                <a:latin typeface="Consolas" panose="020B0609020204030204" pitchFamily="49" charset="0"/>
+              </a:rPr>
+              <a:t>();	</a:t>
+            </a:r>
+            <a:r>
+              <a:rPr lang="en-US" sz="1600" dirty="0">
+                <a:solidFill>
+                  <a:schemeClr val="accent5">
+                    <a:lumMod val="75000"/>
+                  </a:schemeClr>
+                </a:solidFill>
+                <a:latin typeface="Consolas" panose="020B0609020204030204" pitchFamily="49" charset="0"/>
+              </a:rPr>
+              <a:t>// My name is Bob</a:t>
+            </a:r>
+          </a:p>
+          <a:p>
+            <a:endParaRPr lang="en-US" sz="1600" dirty="0" smtClean="0">
+              <a:latin typeface="Consolas" panose="020B0609020204030204" pitchFamily="49" charset="0"/>
+            </a:endParaRPr>
+          </a:p>
+          <a:p>
+            <a:endParaRPr lang="en-US" sz="1600" dirty="0">
+              <a:latin typeface="Consolas" panose="020B0609020204030204" pitchFamily="49" charset="0"/>
+            </a:endParaRPr>
+          </a:p>
+        </p:txBody>
+      </p:sp>
+    </p:spTree>
+    <p:extLst>
+      <p:ext uri="{BB962C8B-B14F-4D97-AF65-F5344CB8AC3E}">
+        <p14:creationId xmlns:p14="http://schemas.microsoft.com/office/powerpoint/2010/main" val="3593921043"/>
+      </p:ext>
+    </p:extLst>
+  </p:cSld>
+  <p:clrMapOvr>
+    <a:masterClrMapping/>
+  </p:clrMapOvr>
+  <p:timing>
+    <p:tnLst>
+      <p:par>
+        <p:cTn id="1" dur="indefinite" restart="never" nodeType="tmRoot"/>
+      </p:par>
+    </p:tnLst>
+  </p:timing>
+</p:sld>
+</file>
+
+<file path=ppt/slides/slide33.xml><?xml version="1.0" encoding="utf-8"?>
+<p:sld xmlns:a="http://schemas.openxmlformats.org/drawingml/2006/main" xmlns:r="http://schemas.openxmlformats.org/officeDocument/2006/relationships" xmlns:p="http://schemas.openxmlformats.org/presentationml/2006/main">
+  <p:cSld>
+    <p:spTree>
+      <p:nvGrpSpPr>
+        <p:cNvPr id="1" name=""/>
+        <p:cNvGrpSpPr/>
+        <p:nvPr/>
+      </p:nvGrpSpPr>
+      <p:grpSpPr>
+        <a:xfrm>
+          <a:off x="0" y="0"/>
+          <a:ext cx="0" cy="0"/>
+          <a:chOff x="0" y="0"/>
+          <a:chExt cx="0" cy="0"/>
+        </a:xfrm>
+      </p:grpSpPr>
+      <p:sp>
+        <p:nvSpPr>
+          <p:cNvPr id="2" name="Заголовок 1"/>
+          <p:cNvSpPr>
+            <a:spLocks noGrp="1"/>
+          </p:cNvSpPr>
+          <p:nvPr>
+            <p:ph type="title"/>
+          </p:nvPr>
+        </p:nvSpPr>
+        <p:spPr/>
+        <p:txBody>
+          <a:bodyPr/>
+          <a:lstStyle/>
+          <a:p>
+            <a:r>
+              <a:rPr lang="en-US" dirty="0"/>
+              <a:t>C# </a:t>
+            </a:r>
+            <a:r>
+              <a:rPr lang="en-US" dirty="0" smtClean="0"/>
+              <a:t>basics</a:t>
+            </a:r>
+            <a:br>
+              <a:rPr lang="en-US" dirty="0" smtClean="0"/>
+            </a:br>
+            <a:r>
+              <a:rPr lang="en-US" sz="2400" dirty="0" smtClean="0">
+                <a:solidFill>
+                  <a:prstClr val="white">
+                    <a:lumMod val="50000"/>
+                  </a:prstClr>
+                </a:solidFill>
+              </a:rPr>
+              <a:t>Classes</a:t>
+            </a:r>
+            <a:endParaRPr lang="en-US" dirty="0"/>
+          </a:p>
+        </p:txBody>
+      </p:sp>
+      <p:sp>
+        <p:nvSpPr>
+          <p:cNvPr id="4" name="Дата 3"/>
+          <p:cNvSpPr>
+            <a:spLocks noGrp="1"/>
+          </p:cNvSpPr>
+          <p:nvPr>
+            <p:ph type="dt" sz="half" idx="10"/>
+          </p:nvPr>
+        </p:nvSpPr>
+        <p:spPr>
+          <a:xfrm>
+            <a:off x="6598153" y="6041362"/>
+            <a:ext cx="1518920" cy="365125"/>
+          </a:xfrm>
+        </p:spPr>
+        <p:txBody>
+          <a:bodyPr/>
+          <a:lstStyle/>
+          <a:p>
+            <a:fld id="{939306D3-16AC-481B-963B-74A1D01AC013}" type="datetime3">
+              <a:rPr lang="en-US" sz="1100" smtClean="0"/>
+              <a:t>5 October 2021</a:t>
+            </a:fld>
+            <a:endParaRPr lang="en-US" sz="1100" dirty="0"/>
+          </a:p>
+        </p:txBody>
+      </p:sp>
+      <p:sp>
+        <p:nvSpPr>
+          <p:cNvPr id="5" name="Нижний колонтитул 4"/>
+          <p:cNvSpPr>
+            <a:spLocks noGrp="1"/>
+          </p:cNvSpPr>
+          <p:nvPr>
+            <p:ph type="ftr" sz="quarter" idx="11"/>
+          </p:nvPr>
+        </p:nvSpPr>
+        <p:spPr/>
+        <p:txBody>
+          <a:bodyPr/>
+          <a:lstStyle/>
+          <a:p>
+            <a:r>
+              <a:rPr lang="en-US" sz="1100" dirty="0" smtClean="0"/>
+              <a:t>Automated framework with C#</a:t>
+            </a:r>
+          </a:p>
+          <a:p>
+            <a:r>
+              <a:rPr lang="en-US" sz="1100" dirty="0"/>
+              <a:t>Yury </a:t>
+            </a:r>
+            <a:r>
+              <a:rPr lang="en-US" sz="1100" dirty="0" smtClean="0"/>
+              <a:t>Alifanov</a:t>
+            </a:r>
+            <a:endParaRPr lang="en-US" sz="1100" dirty="0"/>
+          </a:p>
+        </p:txBody>
+      </p:sp>
+      <p:sp>
+        <p:nvSpPr>
+          <p:cNvPr id="6" name="Номер слайда 5"/>
+          <p:cNvSpPr>
+            <a:spLocks noGrp="1"/>
+          </p:cNvSpPr>
+          <p:nvPr>
+            <p:ph type="sldNum" sz="quarter" idx="12"/>
+          </p:nvPr>
+        </p:nvSpPr>
+        <p:spPr/>
+        <p:txBody>
+          <a:bodyPr/>
+          <a:lstStyle/>
+          <a:p>
+            <a:fld id="{519954A3-9DFD-4C44-94BA-B95130A3BA1C}" type="slidenum">
+              <a:rPr lang="en-US" sz="1100" smtClean="0"/>
+              <a:t>33</a:t>
+            </a:fld>
+            <a:endParaRPr lang="en-US" sz="1100" dirty="0"/>
+          </a:p>
+        </p:txBody>
+      </p:sp>
+      <p:sp>
+        <p:nvSpPr>
+          <p:cNvPr id="7" name="TextBox 6"/>
+          <p:cNvSpPr txBox="1"/>
+          <p:nvPr/>
+        </p:nvSpPr>
+        <p:spPr>
+          <a:xfrm>
+            <a:off x="3697789" y="853394"/>
+            <a:ext cx="5024730" cy="5047536"/>
+          </a:xfrm>
+          <a:prstGeom prst="rect">
+            <a:avLst/>
+          </a:prstGeom>
+          <a:noFill/>
+        </p:spPr>
+        <p:txBody>
+          <a:bodyPr wrap="square" rtlCol="0">
+            <a:spAutoFit/>
+          </a:bodyPr>
+          <a:lstStyle/>
+          <a:p>
+            <a:r>
+              <a:rPr lang="en-US" dirty="0" smtClean="0">
+                <a:latin typeface="Consolas" panose="020B0609020204030204" pitchFamily="49" charset="0"/>
+              </a:rPr>
+              <a:t>Generic Methods</a:t>
+            </a:r>
+            <a:endParaRPr lang="en-US" dirty="0" smtClean="0">
+              <a:solidFill>
+                <a:srgbClr val="33CCCC"/>
+              </a:solidFill>
+              <a:latin typeface="Consolas" panose="020B0609020204030204" pitchFamily="49" charset="0"/>
+            </a:endParaRPr>
+          </a:p>
+          <a:p>
+            <a:endParaRPr lang="en-US" sz="1600" dirty="0">
+              <a:solidFill>
+                <a:srgbClr val="33CCCC"/>
+              </a:solidFill>
+              <a:latin typeface="Consolas" panose="020B0609020204030204" pitchFamily="49" charset="0"/>
+            </a:endParaRPr>
+          </a:p>
+          <a:p>
+            <a:r>
+              <a:rPr lang="en-US" sz="1600" dirty="0" smtClean="0">
+                <a:solidFill>
+                  <a:schemeClr val="accent2"/>
+                </a:solidFill>
+                <a:latin typeface="Consolas" panose="020B0609020204030204" pitchFamily="49" charset="0"/>
+              </a:rPr>
+              <a:t>public void </a:t>
+            </a:r>
+            <a:r>
+              <a:rPr lang="en-US" sz="1600" dirty="0" smtClean="0">
+                <a:latin typeface="Consolas" panose="020B0609020204030204" pitchFamily="49" charset="0"/>
+              </a:rPr>
+              <a:t>Print&lt;</a:t>
+            </a:r>
+            <a:r>
+              <a:rPr lang="en-US" sz="1600" dirty="0" smtClean="0">
+                <a:solidFill>
+                  <a:srgbClr val="AAAE02"/>
+                </a:solidFill>
+                <a:latin typeface="Consolas" panose="020B0609020204030204" pitchFamily="49" charset="0"/>
+              </a:rPr>
+              <a:t>T</a:t>
+            </a:r>
+            <a:r>
+              <a:rPr lang="en-US" sz="1600" dirty="0" smtClean="0">
+                <a:latin typeface="Consolas" panose="020B0609020204030204" pitchFamily="49" charset="0"/>
+              </a:rPr>
+              <a:t>&gt;(</a:t>
+            </a:r>
+            <a:r>
+              <a:rPr lang="en-US" sz="1600" dirty="0">
+                <a:solidFill>
+                  <a:srgbClr val="AAAE02"/>
+                </a:solidFill>
+                <a:latin typeface="Consolas" panose="020B0609020204030204" pitchFamily="49" charset="0"/>
+              </a:rPr>
+              <a:t>T</a:t>
+            </a:r>
+            <a:r>
+              <a:rPr lang="en-US" sz="1600" dirty="0" smtClean="0">
+                <a:latin typeface="Consolas" panose="020B0609020204030204" pitchFamily="49" charset="0"/>
+              </a:rPr>
+              <a:t> data);</a:t>
+            </a:r>
+          </a:p>
+          <a:p>
+            <a:endParaRPr lang="en-US" sz="1600" dirty="0" smtClean="0">
+              <a:latin typeface="Consolas" panose="020B0609020204030204" pitchFamily="49" charset="0"/>
+            </a:endParaRPr>
+          </a:p>
+          <a:p>
+            <a:r>
+              <a:rPr lang="en-US" sz="1600" dirty="0" smtClean="0">
+                <a:solidFill>
+                  <a:schemeClr val="accent2"/>
+                </a:solidFill>
+                <a:latin typeface="Consolas" panose="020B0609020204030204" pitchFamily="49" charset="0"/>
+              </a:rPr>
+              <a:t>string </a:t>
+            </a:r>
+            <a:r>
+              <a:rPr lang="en-US" sz="1600" dirty="0" err="1" smtClean="0">
+                <a:latin typeface="Consolas" panose="020B0609020204030204" pitchFamily="49" charset="0"/>
+              </a:rPr>
+              <a:t>str</a:t>
+            </a:r>
+            <a:r>
+              <a:rPr lang="en-US" sz="1600" dirty="0" smtClean="0">
+                <a:latin typeface="Consolas" panose="020B0609020204030204" pitchFamily="49" charset="0"/>
+              </a:rPr>
+              <a:t> = </a:t>
+            </a:r>
+            <a:r>
+              <a:rPr lang="en-US" sz="1600" dirty="0" smtClean="0">
+                <a:solidFill>
+                  <a:srgbClr val="C00000"/>
+                </a:solidFill>
+                <a:latin typeface="Consolas" panose="020B0609020204030204" pitchFamily="49" charset="0"/>
+              </a:rPr>
+              <a:t>”String to be printed”</a:t>
+            </a:r>
+            <a:endParaRPr lang="en-US" sz="1600" dirty="0" smtClean="0">
+              <a:latin typeface="Consolas" panose="020B0609020204030204" pitchFamily="49" charset="0"/>
+            </a:endParaRPr>
+          </a:p>
+          <a:p>
+            <a:r>
+              <a:rPr lang="en-US" sz="1600" dirty="0" smtClean="0">
+                <a:latin typeface="Consolas" panose="020B0609020204030204" pitchFamily="49" charset="0"/>
+              </a:rPr>
+              <a:t>Print&lt;</a:t>
+            </a:r>
+            <a:r>
+              <a:rPr lang="en-US" sz="1600" dirty="0" smtClean="0">
+                <a:solidFill>
+                  <a:schemeClr val="accent2"/>
+                </a:solidFill>
+                <a:latin typeface="Consolas" panose="020B0609020204030204" pitchFamily="49" charset="0"/>
+              </a:rPr>
+              <a:t>string</a:t>
+            </a:r>
+            <a:r>
+              <a:rPr lang="en-US" sz="1600" dirty="0" smtClean="0">
+                <a:latin typeface="Consolas" panose="020B0609020204030204" pitchFamily="49" charset="0"/>
+              </a:rPr>
+              <a:t>&gt;(</a:t>
+            </a:r>
+            <a:r>
+              <a:rPr lang="en-US" sz="1600" dirty="0" err="1" smtClean="0">
+                <a:latin typeface="Consolas" panose="020B0609020204030204" pitchFamily="49" charset="0"/>
+              </a:rPr>
+              <a:t>str</a:t>
+            </a:r>
+            <a:r>
+              <a:rPr lang="en-US" sz="1600" dirty="0" smtClean="0">
+                <a:latin typeface="Consolas" panose="020B0609020204030204" pitchFamily="49" charset="0"/>
+              </a:rPr>
+              <a:t>);</a:t>
+            </a:r>
+          </a:p>
+          <a:p>
+            <a:endParaRPr lang="en-US" sz="1600" dirty="0">
+              <a:solidFill>
+                <a:srgbClr val="AAAE02"/>
+              </a:solidFill>
+              <a:latin typeface="Consolas" panose="020B0609020204030204" pitchFamily="49" charset="0"/>
+            </a:endParaRPr>
+          </a:p>
+          <a:p>
+            <a:r>
+              <a:rPr lang="en-US" sz="1600" dirty="0">
+                <a:latin typeface="Consolas" panose="020B0609020204030204" pitchFamily="49" charset="0"/>
+              </a:rPr>
+              <a:t>Generic </a:t>
+            </a:r>
+            <a:r>
+              <a:rPr lang="en-US" sz="1600" dirty="0" smtClean="0">
+                <a:latin typeface="Consolas" panose="020B0609020204030204" pitchFamily="49" charset="0"/>
+              </a:rPr>
+              <a:t>Classes</a:t>
+            </a:r>
+          </a:p>
+          <a:p>
+            <a:endParaRPr lang="en-US" sz="1600" dirty="0">
+              <a:solidFill>
+                <a:srgbClr val="AAAE02"/>
+              </a:solidFill>
+              <a:latin typeface="Consolas" panose="020B0609020204030204" pitchFamily="49" charset="0"/>
+            </a:endParaRPr>
+          </a:p>
+          <a:p>
+            <a:r>
+              <a:rPr lang="en-US" sz="1600" dirty="0">
+                <a:solidFill>
+                  <a:schemeClr val="accent2"/>
+                </a:solidFill>
+                <a:latin typeface="Consolas" panose="020B0609020204030204" pitchFamily="49" charset="0"/>
+              </a:rPr>
+              <a:t>public </a:t>
+            </a:r>
+            <a:r>
+              <a:rPr lang="en-US" sz="1600" dirty="0" smtClean="0">
+                <a:solidFill>
+                  <a:schemeClr val="accent2"/>
+                </a:solidFill>
+                <a:latin typeface="Consolas" panose="020B0609020204030204" pitchFamily="49" charset="0"/>
+              </a:rPr>
+              <a:t>class </a:t>
+            </a:r>
+            <a:r>
+              <a:rPr lang="en-US" sz="1600" dirty="0" smtClean="0">
+                <a:solidFill>
+                  <a:srgbClr val="33CCCC"/>
+                </a:solidFill>
+                <a:latin typeface="Consolas" panose="020B0609020204030204" pitchFamily="49" charset="0"/>
+              </a:rPr>
+              <a:t>Animal</a:t>
+            </a:r>
+            <a:r>
+              <a:rPr lang="en-US" sz="1600" dirty="0" smtClean="0">
+                <a:latin typeface="Consolas" panose="020B0609020204030204" pitchFamily="49" charset="0"/>
+              </a:rPr>
+              <a:t>&lt;</a:t>
+            </a:r>
+            <a:r>
+              <a:rPr lang="en-US" sz="1600" dirty="0">
+                <a:solidFill>
+                  <a:srgbClr val="AAAE02"/>
+                </a:solidFill>
+                <a:latin typeface="Consolas" panose="020B0609020204030204" pitchFamily="49" charset="0"/>
+              </a:rPr>
+              <a:t>T</a:t>
+            </a:r>
+            <a:r>
+              <a:rPr lang="en-US" sz="1600" dirty="0" smtClean="0">
+                <a:latin typeface="Consolas" panose="020B0609020204030204" pitchFamily="49" charset="0"/>
+              </a:rPr>
+              <a:t>&gt;</a:t>
+            </a:r>
+          </a:p>
+          <a:p>
+            <a:r>
+              <a:rPr lang="en-US" sz="1600" dirty="0" smtClean="0">
+                <a:latin typeface="Consolas" panose="020B0609020204030204" pitchFamily="49" charset="0"/>
+              </a:rPr>
+              <a:t>{</a:t>
+            </a:r>
+          </a:p>
+          <a:p>
+            <a:r>
+              <a:rPr lang="en-US" sz="1600" dirty="0" smtClean="0">
+                <a:latin typeface="Consolas" panose="020B0609020204030204" pitchFamily="49" charset="0"/>
+              </a:rPr>
+              <a:t>	</a:t>
+            </a:r>
+            <a:r>
+              <a:rPr lang="en-US" sz="1600" dirty="0" smtClean="0">
+                <a:solidFill>
+                  <a:schemeClr val="accent2"/>
+                </a:solidFill>
+                <a:latin typeface="Consolas" panose="020B0609020204030204" pitchFamily="49" charset="0"/>
+              </a:rPr>
+              <a:t>public </a:t>
+            </a:r>
+            <a:r>
+              <a:rPr lang="en-US" sz="1600" dirty="0" smtClean="0">
+                <a:solidFill>
+                  <a:srgbClr val="AAAE02"/>
+                </a:solidFill>
+                <a:latin typeface="Consolas" panose="020B0609020204030204" pitchFamily="49" charset="0"/>
+              </a:rPr>
+              <a:t>T</a:t>
+            </a:r>
+            <a:r>
+              <a:rPr lang="en-US" sz="1600" dirty="0">
+                <a:latin typeface="Consolas" panose="020B0609020204030204" pitchFamily="49" charset="0"/>
+              </a:rPr>
+              <a:t> S</a:t>
+            </a:r>
+            <a:r>
+              <a:rPr lang="en-US" sz="1600" dirty="0" smtClean="0">
+                <a:latin typeface="Consolas" panose="020B0609020204030204" pitchFamily="49" charset="0"/>
+              </a:rPr>
+              <a:t>pecies { </a:t>
+            </a:r>
+            <a:r>
+              <a:rPr lang="en-US" sz="1600" dirty="0">
+                <a:solidFill>
+                  <a:schemeClr val="accent2"/>
+                </a:solidFill>
+                <a:latin typeface="Consolas" panose="020B0609020204030204" pitchFamily="49" charset="0"/>
+              </a:rPr>
+              <a:t>get</a:t>
+            </a:r>
+            <a:r>
+              <a:rPr lang="en-US" sz="1600" dirty="0" smtClean="0">
+                <a:latin typeface="Consolas" panose="020B0609020204030204" pitchFamily="49" charset="0"/>
+              </a:rPr>
+              <a:t>; </a:t>
+            </a:r>
+            <a:r>
+              <a:rPr lang="en-US" sz="1600" dirty="0">
+                <a:solidFill>
+                  <a:schemeClr val="accent2"/>
+                </a:solidFill>
+                <a:latin typeface="Consolas" panose="020B0609020204030204" pitchFamily="49" charset="0"/>
+              </a:rPr>
+              <a:t>set</a:t>
+            </a:r>
+            <a:r>
+              <a:rPr lang="en-US" sz="1600" dirty="0" smtClean="0">
+                <a:latin typeface="Consolas" panose="020B0609020204030204" pitchFamily="49" charset="0"/>
+              </a:rPr>
+              <a:t>; }</a:t>
+            </a:r>
+          </a:p>
+          <a:p>
+            <a:r>
+              <a:rPr lang="en-US" sz="1600" dirty="0">
+                <a:latin typeface="Consolas" panose="020B0609020204030204" pitchFamily="49" charset="0"/>
+              </a:rPr>
+              <a:t>	</a:t>
+            </a:r>
+            <a:endParaRPr lang="en-US" sz="1600" dirty="0" smtClean="0">
+              <a:latin typeface="Consolas" panose="020B0609020204030204" pitchFamily="49" charset="0"/>
+            </a:endParaRPr>
+          </a:p>
+          <a:p>
+            <a:r>
+              <a:rPr lang="en-US" sz="1600" dirty="0">
+                <a:latin typeface="Consolas" panose="020B0609020204030204" pitchFamily="49" charset="0"/>
+              </a:rPr>
+              <a:t>	</a:t>
+            </a:r>
+            <a:r>
+              <a:rPr lang="en-US" sz="1600" dirty="0" smtClean="0">
+                <a:solidFill>
+                  <a:schemeClr val="accent2"/>
+                </a:solidFill>
+                <a:latin typeface="Consolas" panose="020B0609020204030204" pitchFamily="49" charset="0"/>
+              </a:rPr>
+              <a:t>public</a:t>
+            </a:r>
+            <a:r>
+              <a:rPr lang="ru-RU" sz="1600" dirty="0" smtClean="0">
+                <a:solidFill>
+                  <a:schemeClr val="accent2"/>
+                </a:solidFill>
+                <a:latin typeface="Consolas" panose="020B0609020204030204" pitchFamily="49" charset="0"/>
+              </a:rPr>
+              <a:t> </a:t>
+            </a:r>
+            <a:r>
+              <a:rPr lang="en-US" sz="1600" dirty="0">
+                <a:solidFill>
+                  <a:srgbClr val="AAAE02"/>
+                </a:solidFill>
+                <a:latin typeface="Consolas" panose="020B0609020204030204" pitchFamily="49" charset="0"/>
+              </a:rPr>
+              <a:t>T</a:t>
+            </a:r>
+            <a:r>
+              <a:rPr lang="en-US" sz="1600" dirty="0" smtClean="0">
+                <a:solidFill>
+                  <a:schemeClr val="accent2"/>
+                </a:solidFill>
+                <a:latin typeface="Consolas" panose="020B0609020204030204" pitchFamily="49" charset="0"/>
+              </a:rPr>
+              <a:t> </a:t>
+            </a:r>
+            <a:r>
+              <a:rPr lang="en-US" sz="1600" dirty="0" smtClean="0">
+                <a:solidFill>
+                  <a:srgbClr val="33CCCC"/>
+                </a:solidFill>
+                <a:latin typeface="Consolas" panose="020B0609020204030204" pitchFamily="49" charset="0"/>
+              </a:rPr>
+              <a:t>Animal</a:t>
+            </a:r>
+            <a:r>
+              <a:rPr lang="en-US" sz="1600" dirty="0" smtClean="0">
+                <a:latin typeface="Consolas" panose="020B0609020204030204" pitchFamily="49" charset="0"/>
+              </a:rPr>
+              <a:t>()</a:t>
+            </a:r>
+          </a:p>
+          <a:p>
+            <a:r>
+              <a:rPr lang="en-US" sz="1600" dirty="0" smtClean="0">
+                <a:latin typeface="Consolas" panose="020B0609020204030204" pitchFamily="49" charset="0"/>
+              </a:rPr>
+              <a:t>	{</a:t>
+            </a:r>
+            <a:endParaRPr lang="ru-RU" sz="1600" dirty="0" smtClean="0">
+              <a:latin typeface="Consolas" panose="020B0609020204030204" pitchFamily="49" charset="0"/>
+            </a:endParaRPr>
+          </a:p>
+          <a:p>
+            <a:r>
+              <a:rPr lang="ru-RU" sz="1600" dirty="0">
+                <a:latin typeface="Consolas" panose="020B0609020204030204" pitchFamily="49" charset="0"/>
+              </a:rPr>
+              <a:t>	</a:t>
+            </a:r>
+            <a:r>
+              <a:rPr lang="ru-RU" sz="1600" dirty="0" smtClean="0">
+                <a:latin typeface="Consolas" panose="020B0609020204030204" pitchFamily="49" charset="0"/>
+              </a:rPr>
+              <a:t>	</a:t>
+            </a:r>
+            <a:r>
+              <a:rPr lang="en-US" sz="1600" dirty="0">
+                <a:solidFill>
+                  <a:schemeClr val="accent5">
+                    <a:lumMod val="75000"/>
+                  </a:schemeClr>
+                </a:solidFill>
+                <a:latin typeface="Consolas" panose="020B0609020204030204" pitchFamily="49" charset="0"/>
+              </a:rPr>
+              <a:t> </a:t>
+            </a:r>
+            <a:r>
+              <a:rPr lang="en-US" sz="1600" dirty="0" smtClean="0">
+                <a:solidFill>
+                  <a:schemeClr val="accent5">
+                    <a:lumMod val="75000"/>
+                  </a:schemeClr>
+                </a:solidFill>
+                <a:latin typeface="Consolas" panose="020B0609020204030204" pitchFamily="49" charset="0"/>
+              </a:rPr>
+              <a:t>//</a:t>
+            </a:r>
+            <a:r>
+              <a:rPr lang="ru-RU" sz="1600" dirty="0" smtClean="0">
+                <a:solidFill>
+                  <a:schemeClr val="accent5">
+                    <a:lumMod val="75000"/>
+                  </a:schemeClr>
+                </a:solidFill>
+                <a:latin typeface="Consolas" panose="020B0609020204030204" pitchFamily="49" charset="0"/>
+              </a:rPr>
+              <a:t> </a:t>
+            </a:r>
+            <a:r>
+              <a:rPr lang="en-US" sz="1600" dirty="0" smtClean="0">
+                <a:solidFill>
+                  <a:schemeClr val="accent5">
+                    <a:lumMod val="75000"/>
+                  </a:schemeClr>
+                </a:solidFill>
+                <a:latin typeface="Consolas" panose="020B0609020204030204" pitchFamily="49" charset="0"/>
+              </a:rPr>
+              <a:t>Some code here</a:t>
+            </a:r>
+            <a:endParaRPr lang="en-US" sz="1600" dirty="0" smtClean="0">
+              <a:latin typeface="Consolas" panose="020B0609020204030204" pitchFamily="49" charset="0"/>
+            </a:endParaRPr>
+          </a:p>
+          <a:p>
+            <a:r>
+              <a:rPr lang="en-US" sz="1600" dirty="0">
+                <a:latin typeface="Consolas" panose="020B0609020204030204" pitchFamily="49" charset="0"/>
+              </a:rPr>
+              <a:t>	</a:t>
+            </a:r>
+            <a:r>
+              <a:rPr lang="en-US" sz="1600" dirty="0" smtClean="0">
+                <a:latin typeface="Consolas" panose="020B0609020204030204" pitchFamily="49" charset="0"/>
+              </a:rPr>
+              <a:t>	</a:t>
+            </a:r>
+          </a:p>
+          <a:p>
+            <a:r>
+              <a:rPr lang="en-US" sz="1600" dirty="0" smtClean="0">
+                <a:latin typeface="Consolas" panose="020B0609020204030204" pitchFamily="49" charset="0"/>
+              </a:rPr>
+              <a:t>		</a:t>
+            </a:r>
+            <a:r>
+              <a:rPr lang="en-US" sz="1600" dirty="0" smtClean="0">
+                <a:solidFill>
+                  <a:schemeClr val="accent2"/>
+                </a:solidFill>
+                <a:latin typeface="Consolas" panose="020B0609020204030204" pitchFamily="49" charset="0"/>
+              </a:rPr>
+              <a:t>return </a:t>
+            </a:r>
+            <a:r>
+              <a:rPr lang="en-US" sz="1600" dirty="0" smtClean="0">
+                <a:solidFill>
+                  <a:srgbClr val="AAAE02"/>
+                </a:solidFill>
+                <a:latin typeface="Consolas" panose="020B0609020204030204" pitchFamily="49" charset="0"/>
+              </a:rPr>
+              <a:t>T</a:t>
+            </a:r>
+            <a:r>
+              <a:rPr lang="en-US" sz="1600" dirty="0" smtClean="0">
+                <a:latin typeface="Consolas" panose="020B0609020204030204" pitchFamily="49" charset="0"/>
+              </a:rPr>
+              <a:t>;</a:t>
+            </a:r>
+            <a:endParaRPr lang="en-US" sz="1600" dirty="0">
+              <a:latin typeface="Consolas" panose="020B0609020204030204" pitchFamily="49" charset="0"/>
+            </a:endParaRPr>
+          </a:p>
+          <a:p>
+            <a:r>
+              <a:rPr lang="en-US" sz="1600" dirty="0">
+                <a:latin typeface="Consolas" panose="020B0609020204030204" pitchFamily="49" charset="0"/>
+              </a:rPr>
+              <a:t>	</a:t>
+            </a:r>
+            <a:r>
+              <a:rPr lang="en-US" sz="1600" dirty="0" smtClean="0">
+                <a:latin typeface="Consolas" panose="020B0609020204030204" pitchFamily="49" charset="0"/>
+              </a:rPr>
+              <a:t>}</a:t>
+            </a:r>
+            <a:endParaRPr lang="en-US" sz="1600" dirty="0">
+              <a:solidFill>
+                <a:srgbClr val="33CCCC"/>
+              </a:solidFill>
+              <a:latin typeface="Consolas" panose="020B0609020204030204" pitchFamily="49" charset="0"/>
+            </a:endParaRPr>
+          </a:p>
+          <a:p>
+            <a:r>
+              <a:rPr lang="en-US" sz="1600" dirty="0" smtClean="0">
+                <a:latin typeface="Consolas" panose="020B0609020204030204" pitchFamily="49" charset="0"/>
+              </a:rPr>
+              <a:t>};</a:t>
+            </a:r>
+            <a:endParaRPr lang="en-US" sz="1600" dirty="0" smtClean="0">
+              <a:solidFill>
+                <a:srgbClr val="AAAE02"/>
+              </a:solidFill>
+              <a:latin typeface="Consolas" panose="020B0609020204030204" pitchFamily="49" charset="0"/>
+            </a:endParaRPr>
+          </a:p>
+        </p:txBody>
+      </p:sp>
+    </p:spTree>
+    <p:extLst>
+      <p:ext uri="{BB962C8B-B14F-4D97-AF65-F5344CB8AC3E}">
+        <p14:creationId xmlns:p14="http://schemas.microsoft.com/office/powerpoint/2010/main" val="16557183"/>
+      </p:ext>
+    </p:extLst>
+  </p:cSld>
+  <p:clrMapOvr>
+    <a:masterClrMapping/>
+  </p:clrMapOvr>
+  <p:timing>
+    <p:tnLst>
+      <p:par>
+        <p:cTn id="1" dur="indefinite" restart="never" nodeType="tmRoot">
+          <p:childTnLst>
+            <p:seq concurrent="1" nextAc="seek">
+              <p:cTn id="2" dur="indefinite" nodeType="mainSeq">
+                <p:childTnLst>
+                  <p:par>
+                    <p:cTn id="3" fill="hold">
+                      <p:stCondLst>
+                        <p:cond delay="indefinite"/>
+                      </p:stCondLst>
+                      <p:childTnLst>
+                        <p:par>
+                          <p:cTn id="4" fill="hold">
+                            <p:stCondLst>
+                              <p:cond delay="0"/>
+                            </p:stCondLst>
+                            <p:childTnLst>
+                              <p:par>
+                                <p:cTn id="5" presetID="42" presetClass="entr" presetSubtype="0" fill="hold" nodeType="clickEffect">
+                                  <p:stCondLst>
+                                    <p:cond delay="0"/>
+                                  </p:stCondLst>
+                                  <p:childTnLst>
+                                    <p:set>
+                                      <p:cBhvr>
+                                        <p:cTn id="6" dur="1" fill="hold">
+                                          <p:stCondLst>
+                                            <p:cond delay="0"/>
+                                          </p:stCondLst>
+                                        </p:cTn>
+                                        <p:tgtEl>
+                                          <p:spTgt spid="7">
+                                            <p:txEl>
+                                              <p:pRg st="0" end="0"/>
+                                            </p:txEl>
+                                          </p:spTgt>
+                                        </p:tgtEl>
+                                        <p:attrNameLst>
+                                          <p:attrName>style.visibility</p:attrName>
+                                        </p:attrNameLst>
+                                      </p:cBhvr>
+                                      <p:to>
+                                        <p:strVal val="visible"/>
+                                      </p:to>
+                                    </p:set>
+                                    <p:animEffect transition="in" filter="fade">
+                                      <p:cBhvr>
+                                        <p:cTn id="7" dur="1000"/>
+                                        <p:tgtEl>
+                                          <p:spTgt spid="7">
+                                            <p:txEl>
+                                              <p:pRg st="0" end="0"/>
+                                            </p:txEl>
+                                          </p:spTgt>
+                                        </p:tgtEl>
+                                      </p:cBhvr>
+                                    </p:animEffect>
+                                    <p:anim calcmode="lin" valueType="num">
+                                      <p:cBhvr>
+                                        <p:cTn id="8" dur="1000" fill="hold"/>
+                                        <p:tgtEl>
+                                          <p:spTgt spid="7">
+                                            <p:txEl>
+                                              <p:pRg st="0" end="0"/>
+                                            </p:txEl>
+                                          </p:spTgt>
+                                        </p:tgtEl>
+                                        <p:attrNameLst>
+                                          <p:attrName>ppt_x</p:attrName>
+                                        </p:attrNameLst>
+                                      </p:cBhvr>
+                                      <p:tavLst>
+                                        <p:tav tm="0">
+                                          <p:val>
+                                            <p:strVal val="#ppt_x"/>
+                                          </p:val>
+                                        </p:tav>
+                                        <p:tav tm="100000">
+                                          <p:val>
+                                            <p:strVal val="#ppt_x"/>
+                                          </p:val>
+                                        </p:tav>
+                                      </p:tavLst>
+                                    </p:anim>
+                                    <p:anim calcmode="lin" valueType="num">
+                                      <p:cBhvr>
+                                        <p:cTn id="9" dur="1000" fill="hold"/>
+                                        <p:tgtEl>
+                                          <p:spTgt spid="7">
+                                            <p:txEl>
+                                              <p:pRg st="0" end="0"/>
+                                            </p:txEl>
+                                          </p:spTgt>
+                                        </p:tgtEl>
+                                        <p:attrNameLst>
+                                          <p:attrName>ppt_y</p:attrName>
+                                        </p:attrNameLst>
+                                      </p:cBhvr>
+                                      <p:tavLst>
+                                        <p:tav tm="0">
+                                          <p:val>
+                                            <p:strVal val="#ppt_y+.1"/>
+                                          </p:val>
+                                        </p:tav>
+                                        <p:tav tm="100000">
+                                          <p:val>
+                                            <p:strVal val="#ppt_y"/>
+                                          </p:val>
+                                        </p:tav>
+                                      </p:tavLst>
+                                    </p:anim>
+                                  </p:childTnLst>
+                                </p:cTn>
+                              </p:par>
+                            </p:childTnLst>
+                          </p:cTn>
+                        </p:par>
+                      </p:childTnLst>
+                    </p:cTn>
+                  </p:par>
+                  <p:par>
+                    <p:cTn id="10" fill="hold">
+                      <p:stCondLst>
+                        <p:cond delay="indefinite"/>
+                      </p:stCondLst>
+                      <p:childTnLst>
+                        <p:par>
+                          <p:cTn id="11" fill="hold">
+                            <p:stCondLst>
+                              <p:cond delay="0"/>
+                            </p:stCondLst>
+                            <p:childTnLst>
+                              <p:par>
+                                <p:cTn id="12" presetID="42" presetClass="entr" presetSubtype="0" fill="hold" nodeType="clickEffect">
+                                  <p:stCondLst>
+                                    <p:cond delay="0"/>
+                                  </p:stCondLst>
+                                  <p:childTnLst>
+                                    <p:set>
+                                      <p:cBhvr>
+                                        <p:cTn id="13" dur="1" fill="hold">
+                                          <p:stCondLst>
+                                            <p:cond delay="0"/>
+                                          </p:stCondLst>
+                                        </p:cTn>
+                                        <p:tgtEl>
+                                          <p:spTgt spid="7">
+                                            <p:txEl>
+                                              <p:pRg st="2" end="2"/>
+                                            </p:txEl>
+                                          </p:spTgt>
+                                        </p:tgtEl>
+                                        <p:attrNameLst>
+                                          <p:attrName>style.visibility</p:attrName>
+                                        </p:attrNameLst>
+                                      </p:cBhvr>
+                                      <p:to>
+                                        <p:strVal val="visible"/>
+                                      </p:to>
+                                    </p:set>
+                                    <p:animEffect transition="in" filter="fade">
+                                      <p:cBhvr>
+                                        <p:cTn id="14" dur="1000"/>
+                                        <p:tgtEl>
+                                          <p:spTgt spid="7">
+                                            <p:txEl>
+                                              <p:pRg st="2" end="2"/>
+                                            </p:txEl>
+                                          </p:spTgt>
+                                        </p:tgtEl>
+                                      </p:cBhvr>
+                                    </p:animEffect>
+                                    <p:anim calcmode="lin" valueType="num">
+                                      <p:cBhvr>
+                                        <p:cTn id="15" dur="1000" fill="hold"/>
+                                        <p:tgtEl>
+                                          <p:spTgt spid="7">
+                                            <p:txEl>
+                                              <p:pRg st="2" end="2"/>
+                                            </p:txEl>
+                                          </p:spTgt>
+                                        </p:tgtEl>
+                                        <p:attrNameLst>
+                                          <p:attrName>ppt_x</p:attrName>
+                                        </p:attrNameLst>
+                                      </p:cBhvr>
+                                      <p:tavLst>
+                                        <p:tav tm="0">
+                                          <p:val>
+                                            <p:strVal val="#ppt_x"/>
+                                          </p:val>
+                                        </p:tav>
+                                        <p:tav tm="100000">
+                                          <p:val>
+                                            <p:strVal val="#ppt_x"/>
+                                          </p:val>
+                                        </p:tav>
+                                      </p:tavLst>
+                                    </p:anim>
+                                    <p:anim calcmode="lin" valueType="num">
+                                      <p:cBhvr>
+                                        <p:cTn id="16" dur="1000" fill="hold"/>
+                                        <p:tgtEl>
+                                          <p:spTgt spid="7">
+                                            <p:txEl>
+                                              <p:pRg st="2" end="2"/>
+                                            </p:txEl>
+                                          </p:spTgt>
+                                        </p:tgtEl>
+                                        <p:attrNameLst>
+                                          <p:attrName>ppt_y</p:attrName>
+                                        </p:attrNameLst>
+                                      </p:cBhvr>
+                                      <p:tavLst>
+                                        <p:tav tm="0">
+                                          <p:val>
+                                            <p:strVal val="#ppt_y+.1"/>
+                                          </p:val>
+                                        </p:tav>
+                                        <p:tav tm="100000">
+                                          <p:val>
+                                            <p:strVal val="#ppt_y"/>
+                                          </p:val>
+                                        </p:tav>
+                                      </p:tavLst>
+                                    </p:anim>
+                                  </p:childTnLst>
+                                </p:cTn>
+                              </p:par>
+                              <p:par>
+                                <p:cTn id="17" presetID="42" presetClass="entr" presetSubtype="0" fill="hold" nodeType="withEffect">
+                                  <p:stCondLst>
+                                    <p:cond delay="0"/>
+                                  </p:stCondLst>
+                                  <p:childTnLst>
+                                    <p:set>
+                                      <p:cBhvr>
+                                        <p:cTn id="18" dur="1" fill="hold">
+                                          <p:stCondLst>
+                                            <p:cond delay="0"/>
+                                          </p:stCondLst>
+                                        </p:cTn>
+                                        <p:tgtEl>
+                                          <p:spTgt spid="7">
+                                            <p:txEl>
+                                              <p:pRg st="4" end="4"/>
+                                            </p:txEl>
+                                          </p:spTgt>
+                                        </p:tgtEl>
+                                        <p:attrNameLst>
+                                          <p:attrName>style.visibility</p:attrName>
+                                        </p:attrNameLst>
+                                      </p:cBhvr>
+                                      <p:to>
+                                        <p:strVal val="visible"/>
+                                      </p:to>
+                                    </p:set>
+                                    <p:animEffect transition="in" filter="fade">
+                                      <p:cBhvr>
+                                        <p:cTn id="19" dur="1000"/>
+                                        <p:tgtEl>
+                                          <p:spTgt spid="7">
+                                            <p:txEl>
+                                              <p:pRg st="4" end="4"/>
+                                            </p:txEl>
+                                          </p:spTgt>
+                                        </p:tgtEl>
+                                      </p:cBhvr>
+                                    </p:animEffect>
+                                    <p:anim calcmode="lin" valueType="num">
+                                      <p:cBhvr>
+                                        <p:cTn id="20" dur="1000" fill="hold"/>
+                                        <p:tgtEl>
+                                          <p:spTgt spid="7">
+                                            <p:txEl>
+                                              <p:pRg st="4" end="4"/>
+                                            </p:txEl>
+                                          </p:spTgt>
+                                        </p:tgtEl>
+                                        <p:attrNameLst>
+                                          <p:attrName>ppt_x</p:attrName>
+                                        </p:attrNameLst>
+                                      </p:cBhvr>
+                                      <p:tavLst>
+                                        <p:tav tm="0">
+                                          <p:val>
+                                            <p:strVal val="#ppt_x"/>
+                                          </p:val>
+                                        </p:tav>
+                                        <p:tav tm="100000">
+                                          <p:val>
+                                            <p:strVal val="#ppt_x"/>
+                                          </p:val>
+                                        </p:tav>
+                                      </p:tavLst>
+                                    </p:anim>
+                                    <p:anim calcmode="lin" valueType="num">
+                                      <p:cBhvr>
+                                        <p:cTn id="21" dur="1000" fill="hold"/>
+                                        <p:tgtEl>
+                                          <p:spTgt spid="7">
+                                            <p:txEl>
+                                              <p:pRg st="4" end="4"/>
+                                            </p:txEl>
+                                          </p:spTgt>
+                                        </p:tgtEl>
+                                        <p:attrNameLst>
+                                          <p:attrName>ppt_y</p:attrName>
+                                        </p:attrNameLst>
+                                      </p:cBhvr>
+                                      <p:tavLst>
+                                        <p:tav tm="0">
+                                          <p:val>
+                                            <p:strVal val="#ppt_y+.1"/>
+                                          </p:val>
+                                        </p:tav>
+                                        <p:tav tm="100000">
+                                          <p:val>
+                                            <p:strVal val="#ppt_y"/>
+                                          </p:val>
+                                        </p:tav>
+                                      </p:tavLst>
+                                    </p:anim>
+                                  </p:childTnLst>
+                                </p:cTn>
+                              </p:par>
+                              <p:par>
+                                <p:cTn id="22" presetID="42" presetClass="entr" presetSubtype="0" fill="hold" nodeType="withEffect">
+                                  <p:stCondLst>
+                                    <p:cond delay="0"/>
+                                  </p:stCondLst>
+                                  <p:childTnLst>
+                                    <p:set>
+                                      <p:cBhvr>
+                                        <p:cTn id="23" dur="1" fill="hold">
+                                          <p:stCondLst>
+                                            <p:cond delay="0"/>
+                                          </p:stCondLst>
+                                        </p:cTn>
+                                        <p:tgtEl>
+                                          <p:spTgt spid="7">
+                                            <p:txEl>
+                                              <p:pRg st="5" end="5"/>
+                                            </p:txEl>
+                                          </p:spTgt>
+                                        </p:tgtEl>
+                                        <p:attrNameLst>
+                                          <p:attrName>style.visibility</p:attrName>
+                                        </p:attrNameLst>
+                                      </p:cBhvr>
+                                      <p:to>
+                                        <p:strVal val="visible"/>
+                                      </p:to>
+                                    </p:set>
+                                    <p:animEffect transition="in" filter="fade">
+                                      <p:cBhvr>
+                                        <p:cTn id="24" dur="1000"/>
+                                        <p:tgtEl>
+                                          <p:spTgt spid="7">
+                                            <p:txEl>
+                                              <p:pRg st="5" end="5"/>
+                                            </p:txEl>
+                                          </p:spTgt>
+                                        </p:tgtEl>
+                                      </p:cBhvr>
+                                    </p:animEffect>
+                                    <p:anim calcmode="lin" valueType="num">
+                                      <p:cBhvr>
+                                        <p:cTn id="25" dur="1000" fill="hold"/>
+                                        <p:tgtEl>
+                                          <p:spTgt spid="7">
+                                            <p:txEl>
+                                              <p:pRg st="5" end="5"/>
+                                            </p:txEl>
+                                          </p:spTgt>
+                                        </p:tgtEl>
+                                        <p:attrNameLst>
+                                          <p:attrName>ppt_x</p:attrName>
+                                        </p:attrNameLst>
+                                      </p:cBhvr>
+                                      <p:tavLst>
+                                        <p:tav tm="0">
+                                          <p:val>
+                                            <p:strVal val="#ppt_x"/>
+                                          </p:val>
+                                        </p:tav>
+                                        <p:tav tm="100000">
+                                          <p:val>
+                                            <p:strVal val="#ppt_x"/>
+                                          </p:val>
+                                        </p:tav>
+                                      </p:tavLst>
+                                    </p:anim>
+                                    <p:anim calcmode="lin" valueType="num">
+                                      <p:cBhvr>
+                                        <p:cTn id="26" dur="1000" fill="hold"/>
+                                        <p:tgtEl>
+                                          <p:spTgt spid="7">
+                                            <p:txEl>
+                                              <p:pRg st="5" end="5"/>
+                                            </p:txEl>
+                                          </p:spTgt>
+                                        </p:tgtEl>
+                                        <p:attrNameLst>
+                                          <p:attrName>ppt_y</p:attrName>
+                                        </p:attrNameLst>
+                                      </p:cBhvr>
+                                      <p:tavLst>
+                                        <p:tav tm="0">
+                                          <p:val>
+                                            <p:strVal val="#ppt_y+.1"/>
+                                          </p:val>
+                                        </p:tav>
+                                        <p:tav tm="100000">
+                                          <p:val>
+                                            <p:strVal val="#ppt_y"/>
+                                          </p:val>
+                                        </p:tav>
+                                      </p:tavLst>
+                                    </p:anim>
+                                  </p:childTnLst>
+                                </p:cTn>
+                              </p:par>
+                            </p:childTnLst>
+                          </p:cTn>
+                        </p:par>
+                      </p:childTnLst>
+                    </p:cTn>
+                  </p:par>
+                  <p:par>
+                    <p:cTn id="27" fill="hold">
+                      <p:stCondLst>
+                        <p:cond delay="indefinite"/>
+                      </p:stCondLst>
+                      <p:childTnLst>
+                        <p:par>
+                          <p:cTn id="28" fill="hold">
+                            <p:stCondLst>
+                              <p:cond delay="0"/>
+                            </p:stCondLst>
+                            <p:childTnLst>
+                              <p:par>
+                                <p:cTn id="29" presetID="42" presetClass="entr" presetSubtype="0" fill="hold" nodeType="clickEffect">
+                                  <p:stCondLst>
+                                    <p:cond delay="0"/>
+                                  </p:stCondLst>
+                                  <p:childTnLst>
+                                    <p:set>
+                                      <p:cBhvr>
+                                        <p:cTn id="30" dur="1" fill="hold">
+                                          <p:stCondLst>
+                                            <p:cond delay="0"/>
+                                          </p:stCondLst>
+                                        </p:cTn>
+                                        <p:tgtEl>
+                                          <p:spTgt spid="7">
+                                            <p:txEl>
+                                              <p:pRg st="7" end="7"/>
+                                            </p:txEl>
+                                          </p:spTgt>
+                                        </p:tgtEl>
+                                        <p:attrNameLst>
+                                          <p:attrName>style.visibility</p:attrName>
+                                        </p:attrNameLst>
+                                      </p:cBhvr>
+                                      <p:to>
+                                        <p:strVal val="visible"/>
+                                      </p:to>
+                                    </p:set>
+                                    <p:animEffect transition="in" filter="fade">
+                                      <p:cBhvr>
+                                        <p:cTn id="31" dur="1000"/>
+                                        <p:tgtEl>
+                                          <p:spTgt spid="7">
+                                            <p:txEl>
+                                              <p:pRg st="7" end="7"/>
+                                            </p:txEl>
+                                          </p:spTgt>
+                                        </p:tgtEl>
+                                      </p:cBhvr>
+                                    </p:animEffect>
+                                    <p:anim calcmode="lin" valueType="num">
+                                      <p:cBhvr>
+                                        <p:cTn id="32" dur="1000" fill="hold"/>
+                                        <p:tgtEl>
+                                          <p:spTgt spid="7">
+                                            <p:txEl>
+                                              <p:pRg st="7" end="7"/>
+                                            </p:txEl>
+                                          </p:spTgt>
+                                        </p:tgtEl>
+                                        <p:attrNameLst>
+                                          <p:attrName>ppt_x</p:attrName>
+                                        </p:attrNameLst>
+                                      </p:cBhvr>
+                                      <p:tavLst>
+                                        <p:tav tm="0">
+                                          <p:val>
+                                            <p:strVal val="#ppt_x"/>
+                                          </p:val>
+                                        </p:tav>
+                                        <p:tav tm="100000">
+                                          <p:val>
+                                            <p:strVal val="#ppt_x"/>
+                                          </p:val>
+                                        </p:tav>
+                                      </p:tavLst>
+                                    </p:anim>
+                                    <p:anim calcmode="lin" valueType="num">
+                                      <p:cBhvr>
+                                        <p:cTn id="33" dur="1000" fill="hold"/>
+                                        <p:tgtEl>
+                                          <p:spTgt spid="7">
+                                            <p:txEl>
+                                              <p:pRg st="7" end="7"/>
+                                            </p:txEl>
+                                          </p:spTgt>
+                                        </p:tgtEl>
+                                        <p:attrNameLst>
+                                          <p:attrName>ppt_y</p:attrName>
+                                        </p:attrNameLst>
+                                      </p:cBhvr>
+                                      <p:tavLst>
+                                        <p:tav tm="0">
+                                          <p:val>
+                                            <p:strVal val="#ppt_y+.1"/>
+                                          </p:val>
+                                        </p:tav>
+                                        <p:tav tm="100000">
+                                          <p:val>
+                                            <p:strVal val="#ppt_y"/>
+                                          </p:val>
+                                        </p:tav>
+                                      </p:tavLst>
+                                    </p:anim>
+                                  </p:childTnLst>
+                                </p:cTn>
+                              </p:par>
+                            </p:childTnLst>
+                          </p:cTn>
+                        </p:par>
+                      </p:childTnLst>
+                    </p:cTn>
+                  </p:par>
+                  <p:par>
+                    <p:cTn id="34" fill="hold">
+                      <p:stCondLst>
+                        <p:cond delay="indefinite"/>
+                      </p:stCondLst>
+                      <p:childTnLst>
+                        <p:par>
+                          <p:cTn id="35" fill="hold">
+                            <p:stCondLst>
+                              <p:cond delay="0"/>
+                            </p:stCondLst>
+                            <p:childTnLst>
+                              <p:par>
+                                <p:cTn id="36" presetID="42" presetClass="entr" presetSubtype="0" fill="hold" nodeType="clickEffect">
+                                  <p:stCondLst>
+                                    <p:cond delay="0"/>
+                                  </p:stCondLst>
+                                  <p:childTnLst>
+                                    <p:set>
+                                      <p:cBhvr>
+                                        <p:cTn id="37" dur="1" fill="hold">
+                                          <p:stCondLst>
+                                            <p:cond delay="0"/>
+                                          </p:stCondLst>
+                                        </p:cTn>
+                                        <p:tgtEl>
+                                          <p:spTgt spid="7">
+                                            <p:txEl>
+                                              <p:pRg st="9" end="9"/>
+                                            </p:txEl>
+                                          </p:spTgt>
+                                        </p:tgtEl>
+                                        <p:attrNameLst>
+                                          <p:attrName>style.visibility</p:attrName>
+                                        </p:attrNameLst>
+                                      </p:cBhvr>
+                                      <p:to>
+                                        <p:strVal val="visible"/>
+                                      </p:to>
+                                    </p:set>
+                                    <p:animEffect transition="in" filter="fade">
+                                      <p:cBhvr>
+                                        <p:cTn id="38" dur="1000"/>
+                                        <p:tgtEl>
+                                          <p:spTgt spid="7">
+                                            <p:txEl>
+                                              <p:pRg st="9" end="9"/>
+                                            </p:txEl>
+                                          </p:spTgt>
+                                        </p:tgtEl>
+                                      </p:cBhvr>
+                                    </p:animEffect>
+                                    <p:anim calcmode="lin" valueType="num">
+                                      <p:cBhvr>
+                                        <p:cTn id="39" dur="1000" fill="hold"/>
+                                        <p:tgtEl>
+                                          <p:spTgt spid="7">
+                                            <p:txEl>
+                                              <p:pRg st="9" end="9"/>
+                                            </p:txEl>
+                                          </p:spTgt>
+                                        </p:tgtEl>
+                                        <p:attrNameLst>
+                                          <p:attrName>ppt_x</p:attrName>
+                                        </p:attrNameLst>
+                                      </p:cBhvr>
+                                      <p:tavLst>
+                                        <p:tav tm="0">
+                                          <p:val>
+                                            <p:strVal val="#ppt_x"/>
+                                          </p:val>
+                                        </p:tav>
+                                        <p:tav tm="100000">
+                                          <p:val>
+                                            <p:strVal val="#ppt_x"/>
+                                          </p:val>
+                                        </p:tav>
+                                      </p:tavLst>
+                                    </p:anim>
+                                    <p:anim calcmode="lin" valueType="num">
+                                      <p:cBhvr>
+                                        <p:cTn id="40" dur="1000" fill="hold"/>
+                                        <p:tgtEl>
+                                          <p:spTgt spid="7">
+                                            <p:txEl>
+                                              <p:pRg st="9" end="9"/>
+                                            </p:txEl>
+                                          </p:spTgt>
+                                        </p:tgtEl>
+                                        <p:attrNameLst>
+                                          <p:attrName>ppt_y</p:attrName>
+                                        </p:attrNameLst>
+                                      </p:cBhvr>
+                                      <p:tavLst>
+                                        <p:tav tm="0">
+                                          <p:val>
+                                            <p:strVal val="#ppt_y+.1"/>
+                                          </p:val>
+                                        </p:tav>
+                                        <p:tav tm="100000">
+                                          <p:val>
+                                            <p:strVal val="#ppt_y"/>
+                                          </p:val>
+                                        </p:tav>
+                                      </p:tavLst>
+                                    </p:anim>
+                                  </p:childTnLst>
+                                </p:cTn>
+                              </p:par>
+                              <p:par>
+                                <p:cTn id="41" presetID="42" presetClass="entr" presetSubtype="0" fill="hold" nodeType="withEffect">
+                                  <p:stCondLst>
+                                    <p:cond delay="0"/>
+                                  </p:stCondLst>
+                                  <p:childTnLst>
+                                    <p:set>
+                                      <p:cBhvr>
+                                        <p:cTn id="42" dur="1" fill="hold">
+                                          <p:stCondLst>
+                                            <p:cond delay="0"/>
+                                          </p:stCondLst>
+                                        </p:cTn>
+                                        <p:tgtEl>
+                                          <p:spTgt spid="7">
+                                            <p:txEl>
+                                              <p:pRg st="10" end="10"/>
+                                            </p:txEl>
+                                          </p:spTgt>
+                                        </p:tgtEl>
+                                        <p:attrNameLst>
+                                          <p:attrName>style.visibility</p:attrName>
+                                        </p:attrNameLst>
+                                      </p:cBhvr>
+                                      <p:to>
+                                        <p:strVal val="visible"/>
+                                      </p:to>
+                                    </p:set>
+                                    <p:animEffect transition="in" filter="fade">
+                                      <p:cBhvr>
+                                        <p:cTn id="43" dur="1000"/>
+                                        <p:tgtEl>
+                                          <p:spTgt spid="7">
+                                            <p:txEl>
+                                              <p:pRg st="10" end="10"/>
+                                            </p:txEl>
+                                          </p:spTgt>
+                                        </p:tgtEl>
+                                      </p:cBhvr>
+                                    </p:animEffect>
+                                    <p:anim calcmode="lin" valueType="num">
+                                      <p:cBhvr>
+                                        <p:cTn id="44" dur="1000" fill="hold"/>
+                                        <p:tgtEl>
+                                          <p:spTgt spid="7">
+                                            <p:txEl>
+                                              <p:pRg st="10" end="10"/>
+                                            </p:txEl>
+                                          </p:spTgt>
+                                        </p:tgtEl>
+                                        <p:attrNameLst>
+                                          <p:attrName>ppt_x</p:attrName>
+                                        </p:attrNameLst>
+                                      </p:cBhvr>
+                                      <p:tavLst>
+                                        <p:tav tm="0">
+                                          <p:val>
+                                            <p:strVal val="#ppt_x"/>
+                                          </p:val>
+                                        </p:tav>
+                                        <p:tav tm="100000">
+                                          <p:val>
+                                            <p:strVal val="#ppt_x"/>
+                                          </p:val>
+                                        </p:tav>
+                                      </p:tavLst>
+                                    </p:anim>
+                                    <p:anim calcmode="lin" valueType="num">
+                                      <p:cBhvr>
+                                        <p:cTn id="45" dur="1000" fill="hold"/>
+                                        <p:tgtEl>
+                                          <p:spTgt spid="7">
+                                            <p:txEl>
+                                              <p:pRg st="10" end="10"/>
+                                            </p:txEl>
+                                          </p:spTgt>
+                                        </p:tgtEl>
+                                        <p:attrNameLst>
+                                          <p:attrName>ppt_y</p:attrName>
+                                        </p:attrNameLst>
+                                      </p:cBhvr>
+                                      <p:tavLst>
+                                        <p:tav tm="0">
+                                          <p:val>
+                                            <p:strVal val="#ppt_y+.1"/>
+                                          </p:val>
+                                        </p:tav>
+                                        <p:tav tm="100000">
+                                          <p:val>
+                                            <p:strVal val="#ppt_y"/>
+                                          </p:val>
+                                        </p:tav>
+                                      </p:tavLst>
+                                    </p:anim>
+                                  </p:childTnLst>
+                                </p:cTn>
+                              </p:par>
+                              <p:par>
+                                <p:cTn id="46" presetID="42" presetClass="entr" presetSubtype="0" fill="hold" nodeType="withEffect">
+                                  <p:stCondLst>
+                                    <p:cond delay="0"/>
+                                  </p:stCondLst>
+                                  <p:childTnLst>
+                                    <p:set>
+                                      <p:cBhvr>
+                                        <p:cTn id="47" dur="1" fill="hold">
+                                          <p:stCondLst>
+                                            <p:cond delay="0"/>
+                                          </p:stCondLst>
+                                        </p:cTn>
+                                        <p:tgtEl>
+                                          <p:spTgt spid="7">
+                                            <p:txEl>
+                                              <p:pRg st="11" end="11"/>
+                                            </p:txEl>
+                                          </p:spTgt>
+                                        </p:tgtEl>
+                                        <p:attrNameLst>
+                                          <p:attrName>style.visibility</p:attrName>
+                                        </p:attrNameLst>
+                                      </p:cBhvr>
+                                      <p:to>
+                                        <p:strVal val="visible"/>
+                                      </p:to>
+                                    </p:set>
+                                    <p:animEffect transition="in" filter="fade">
+                                      <p:cBhvr>
+                                        <p:cTn id="48" dur="1000"/>
+                                        <p:tgtEl>
+                                          <p:spTgt spid="7">
+                                            <p:txEl>
+                                              <p:pRg st="11" end="11"/>
+                                            </p:txEl>
+                                          </p:spTgt>
+                                        </p:tgtEl>
+                                      </p:cBhvr>
+                                    </p:animEffect>
+                                    <p:anim calcmode="lin" valueType="num">
+                                      <p:cBhvr>
+                                        <p:cTn id="49" dur="1000" fill="hold"/>
+                                        <p:tgtEl>
+                                          <p:spTgt spid="7">
+                                            <p:txEl>
+                                              <p:pRg st="11" end="11"/>
+                                            </p:txEl>
+                                          </p:spTgt>
+                                        </p:tgtEl>
+                                        <p:attrNameLst>
+                                          <p:attrName>ppt_x</p:attrName>
+                                        </p:attrNameLst>
+                                      </p:cBhvr>
+                                      <p:tavLst>
+                                        <p:tav tm="0">
+                                          <p:val>
+                                            <p:strVal val="#ppt_x"/>
+                                          </p:val>
+                                        </p:tav>
+                                        <p:tav tm="100000">
+                                          <p:val>
+                                            <p:strVal val="#ppt_x"/>
+                                          </p:val>
+                                        </p:tav>
+                                      </p:tavLst>
+                                    </p:anim>
+                                    <p:anim calcmode="lin" valueType="num">
+                                      <p:cBhvr>
+                                        <p:cTn id="50" dur="1000" fill="hold"/>
+                                        <p:tgtEl>
+                                          <p:spTgt spid="7">
+                                            <p:txEl>
+                                              <p:pRg st="11" end="11"/>
+                                            </p:txEl>
+                                          </p:spTgt>
+                                        </p:tgtEl>
+                                        <p:attrNameLst>
+                                          <p:attrName>ppt_y</p:attrName>
+                                        </p:attrNameLst>
+                                      </p:cBhvr>
+                                      <p:tavLst>
+                                        <p:tav tm="0">
+                                          <p:val>
+                                            <p:strVal val="#ppt_y+.1"/>
+                                          </p:val>
+                                        </p:tav>
+                                        <p:tav tm="100000">
+                                          <p:val>
+                                            <p:strVal val="#ppt_y"/>
+                                          </p:val>
+                                        </p:tav>
+                                      </p:tavLst>
+                                    </p:anim>
+                                  </p:childTnLst>
+                                </p:cTn>
+                              </p:par>
+                              <p:par>
+                                <p:cTn id="51" presetID="42" presetClass="entr" presetSubtype="0" fill="hold" nodeType="withEffect">
+                                  <p:stCondLst>
+                                    <p:cond delay="0"/>
+                                  </p:stCondLst>
+                                  <p:childTnLst>
+                                    <p:set>
+                                      <p:cBhvr>
+                                        <p:cTn id="52" dur="1" fill="hold">
+                                          <p:stCondLst>
+                                            <p:cond delay="0"/>
+                                          </p:stCondLst>
+                                        </p:cTn>
+                                        <p:tgtEl>
+                                          <p:spTgt spid="7">
+                                            <p:txEl>
+                                              <p:pRg st="12" end="12"/>
+                                            </p:txEl>
+                                          </p:spTgt>
+                                        </p:tgtEl>
+                                        <p:attrNameLst>
+                                          <p:attrName>style.visibility</p:attrName>
+                                        </p:attrNameLst>
+                                      </p:cBhvr>
+                                      <p:to>
+                                        <p:strVal val="visible"/>
+                                      </p:to>
+                                    </p:set>
+                                    <p:animEffect transition="in" filter="fade">
+                                      <p:cBhvr>
+                                        <p:cTn id="53" dur="1000"/>
+                                        <p:tgtEl>
+                                          <p:spTgt spid="7">
+                                            <p:txEl>
+                                              <p:pRg st="12" end="12"/>
+                                            </p:txEl>
+                                          </p:spTgt>
+                                        </p:tgtEl>
+                                      </p:cBhvr>
+                                    </p:animEffect>
+                                    <p:anim calcmode="lin" valueType="num">
+                                      <p:cBhvr>
+                                        <p:cTn id="54" dur="1000" fill="hold"/>
+                                        <p:tgtEl>
+                                          <p:spTgt spid="7">
+                                            <p:txEl>
+                                              <p:pRg st="12" end="12"/>
+                                            </p:txEl>
+                                          </p:spTgt>
+                                        </p:tgtEl>
+                                        <p:attrNameLst>
+                                          <p:attrName>ppt_x</p:attrName>
+                                        </p:attrNameLst>
+                                      </p:cBhvr>
+                                      <p:tavLst>
+                                        <p:tav tm="0">
+                                          <p:val>
+                                            <p:strVal val="#ppt_x"/>
+                                          </p:val>
+                                        </p:tav>
+                                        <p:tav tm="100000">
+                                          <p:val>
+                                            <p:strVal val="#ppt_x"/>
+                                          </p:val>
+                                        </p:tav>
+                                      </p:tavLst>
+                                    </p:anim>
+                                    <p:anim calcmode="lin" valueType="num">
+                                      <p:cBhvr>
+                                        <p:cTn id="55" dur="1000" fill="hold"/>
+                                        <p:tgtEl>
+                                          <p:spTgt spid="7">
+                                            <p:txEl>
+                                              <p:pRg st="12" end="12"/>
+                                            </p:txEl>
+                                          </p:spTgt>
+                                        </p:tgtEl>
+                                        <p:attrNameLst>
+                                          <p:attrName>ppt_y</p:attrName>
+                                        </p:attrNameLst>
+                                      </p:cBhvr>
+                                      <p:tavLst>
+                                        <p:tav tm="0">
+                                          <p:val>
+                                            <p:strVal val="#ppt_y+.1"/>
+                                          </p:val>
+                                        </p:tav>
+                                        <p:tav tm="100000">
+                                          <p:val>
+                                            <p:strVal val="#ppt_y"/>
+                                          </p:val>
+                                        </p:tav>
+                                      </p:tavLst>
+                                    </p:anim>
+                                  </p:childTnLst>
+                                </p:cTn>
+                              </p:par>
+                              <p:par>
+                                <p:cTn id="56" presetID="42" presetClass="entr" presetSubtype="0" fill="hold" nodeType="withEffect">
+                                  <p:stCondLst>
+                                    <p:cond delay="0"/>
+                                  </p:stCondLst>
+                                  <p:childTnLst>
+                                    <p:set>
+                                      <p:cBhvr>
+                                        <p:cTn id="57" dur="1" fill="hold">
+                                          <p:stCondLst>
+                                            <p:cond delay="0"/>
+                                          </p:stCondLst>
+                                        </p:cTn>
+                                        <p:tgtEl>
+                                          <p:spTgt spid="7">
+                                            <p:txEl>
+                                              <p:pRg st="13" end="13"/>
+                                            </p:txEl>
+                                          </p:spTgt>
+                                        </p:tgtEl>
+                                        <p:attrNameLst>
+                                          <p:attrName>style.visibility</p:attrName>
+                                        </p:attrNameLst>
+                                      </p:cBhvr>
+                                      <p:to>
+                                        <p:strVal val="visible"/>
+                                      </p:to>
+                                    </p:set>
+                                    <p:animEffect transition="in" filter="fade">
+                                      <p:cBhvr>
+                                        <p:cTn id="58" dur="1000"/>
+                                        <p:tgtEl>
+                                          <p:spTgt spid="7">
+                                            <p:txEl>
+                                              <p:pRg st="13" end="13"/>
+                                            </p:txEl>
+                                          </p:spTgt>
+                                        </p:tgtEl>
+                                      </p:cBhvr>
+                                    </p:animEffect>
+                                    <p:anim calcmode="lin" valueType="num">
+                                      <p:cBhvr>
+                                        <p:cTn id="59" dur="1000" fill="hold"/>
+                                        <p:tgtEl>
+                                          <p:spTgt spid="7">
+                                            <p:txEl>
+                                              <p:pRg st="13" end="13"/>
+                                            </p:txEl>
+                                          </p:spTgt>
+                                        </p:tgtEl>
+                                        <p:attrNameLst>
+                                          <p:attrName>ppt_x</p:attrName>
+                                        </p:attrNameLst>
+                                      </p:cBhvr>
+                                      <p:tavLst>
+                                        <p:tav tm="0">
+                                          <p:val>
+                                            <p:strVal val="#ppt_x"/>
+                                          </p:val>
+                                        </p:tav>
+                                        <p:tav tm="100000">
+                                          <p:val>
+                                            <p:strVal val="#ppt_x"/>
+                                          </p:val>
+                                        </p:tav>
+                                      </p:tavLst>
+                                    </p:anim>
+                                    <p:anim calcmode="lin" valueType="num">
+                                      <p:cBhvr>
+                                        <p:cTn id="60" dur="1000" fill="hold"/>
+                                        <p:tgtEl>
+                                          <p:spTgt spid="7">
+                                            <p:txEl>
+                                              <p:pRg st="13" end="13"/>
+                                            </p:txEl>
+                                          </p:spTgt>
+                                        </p:tgtEl>
+                                        <p:attrNameLst>
+                                          <p:attrName>ppt_y</p:attrName>
+                                        </p:attrNameLst>
+                                      </p:cBhvr>
+                                      <p:tavLst>
+                                        <p:tav tm="0">
+                                          <p:val>
+                                            <p:strVal val="#ppt_y+.1"/>
+                                          </p:val>
+                                        </p:tav>
+                                        <p:tav tm="100000">
+                                          <p:val>
+                                            <p:strVal val="#ppt_y"/>
+                                          </p:val>
+                                        </p:tav>
+                                      </p:tavLst>
+                                    </p:anim>
+                                  </p:childTnLst>
+                                </p:cTn>
+                              </p:par>
+                              <p:par>
+                                <p:cTn id="61" presetID="42" presetClass="entr" presetSubtype="0" fill="hold" nodeType="withEffect">
+                                  <p:stCondLst>
+                                    <p:cond delay="0"/>
+                                  </p:stCondLst>
+                                  <p:childTnLst>
+                                    <p:set>
+                                      <p:cBhvr>
+                                        <p:cTn id="62" dur="1" fill="hold">
+                                          <p:stCondLst>
+                                            <p:cond delay="0"/>
+                                          </p:stCondLst>
+                                        </p:cTn>
+                                        <p:tgtEl>
+                                          <p:spTgt spid="7">
+                                            <p:txEl>
+                                              <p:pRg st="14" end="14"/>
+                                            </p:txEl>
+                                          </p:spTgt>
+                                        </p:tgtEl>
+                                        <p:attrNameLst>
+                                          <p:attrName>style.visibility</p:attrName>
+                                        </p:attrNameLst>
+                                      </p:cBhvr>
+                                      <p:to>
+                                        <p:strVal val="visible"/>
+                                      </p:to>
+                                    </p:set>
+                                    <p:animEffect transition="in" filter="fade">
+                                      <p:cBhvr>
+                                        <p:cTn id="63" dur="1000"/>
+                                        <p:tgtEl>
+                                          <p:spTgt spid="7">
+                                            <p:txEl>
+                                              <p:pRg st="14" end="14"/>
+                                            </p:txEl>
+                                          </p:spTgt>
+                                        </p:tgtEl>
+                                      </p:cBhvr>
+                                    </p:animEffect>
+                                    <p:anim calcmode="lin" valueType="num">
+                                      <p:cBhvr>
+                                        <p:cTn id="64" dur="1000" fill="hold"/>
+                                        <p:tgtEl>
+                                          <p:spTgt spid="7">
+                                            <p:txEl>
+                                              <p:pRg st="14" end="14"/>
+                                            </p:txEl>
+                                          </p:spTgt>
+                                        </p:tgtEl>
+                                        <p:attrNameLst>
+                                          <p:attrName>ppt_x</p:attrName>
+                                        </p:attrNameLst>
+                                      </p:cBhvr>
+                                      <p:tavLst>
+                                        <p:tav tm="0">
+                                          <p:val>
+                                            <p:strVal val="#ppt_x"/>
+                                          </p:val>
+                                        </p:tav>
+                                        <p:tav tm="100000">
+                                          <p:val>
+                                            <p:strVal val="#ppt_x"/>
+                                          </p:val>
+                                        </p:tav>
+                                      </p:tavLst>
+                                    </p:anim>
+                                    <p:anim calcmode="lin" valueType="num">
+                                      <p:cBhvr>
+                                        <p:cTn id="65" dur="1000" fill="hold"/>
+                                        <p:tgtEl>
+                                          <p:spTgt spid="7">
+                                            <p:txEl>
+                                              <p:pRg st="14" end="14"/>
+                                            </p:txEl>
+                                          </p:spTgt>
+                                        </p:tgtEl>
+                                        <p:attrNameLst>
+                                          <p:attrName>ppt_y</p:attrName>
+                                        </p:attrNameLst>
+                                      </p:cBhvr>
+                                      <p:tavLst>
+                                        <p:tav tm="0">
+                                          <p:val>
+                                            <p:strVal val="#ppt_y+.1"/>
+                                          </p:val>
+                                        </p:tav>
+                                        <p:tav tm="100000">
+                                          <p:val>
+                                            <p:strVal val="#ppt_y"/>
+                                          </p:val>
+                                        </p:tav>
+                                      </p:tavLst>
+                                    </p:anim>
+                                  </p:childTnLst>
+                                </p:cTn>
+                              </p:par>
+                              <p:par>
+                                <p:cTn id="66" presetID="42" presetClass="entr" presetSubtype="0" fill="hold" nodeType="withEffect">
+                                  <p:stCondLst>
+                                    <p:cond delay="0"/>
+                                  </p:stCondLst>
+                                  <p:childTnLst>
+                                    <p:set>
+                                      <p:cBhvr>
+                                        <p:cTn id="67" dur="1" fill="hold">
+                                          <p:stCondLst>
+                                            <p:cond delay="0"/>
+                                          </p:stCondLst>
+                                        </p:cTn>
+                                        <p:tgtEl>
+                                          <p:spTgt spid="7">
+                                            <p:txEl>
+                                              <p:pRg st="15" end="15"/>
+                                            </p:txEl>
+                                          </p:spTgt>
+                                        </p:tgtEl>
+                                        <p:attrNameLst>
+                                          <p:attrName>style.visibility</p:attrName>
+                                        </p:attrNameLst>
+                                      </p:cBhvr>
+                                      <p:to>
+                                        <p:strVal val="visible"/>
+                                      </p:to>
+                                    </p:set>
+                                    <p:animEffect transition="in" filter="fade">
+                                      <p:cBhvr>
+                                        <p:cTn id="68" dur="1000"/>
+                                        <p:tgtEl>
+                                          <p:spTgt spid="7">
+                                            <p:txEl>
+                                              <p:pRg st="15" end="15"/>
+                                            </p:txEl>
+                                          </p:spTgt>
+                                        </p:tgtEl>
+                                      </p:cBhvr>
+                                    </p:animEffect>
+                                    <p:anim calcmode="lin" valueType="num">
+                                      <p:cBhvr>
+                                        <p:cTn id="69" dur="1000" fill="hold"/>
+                                        <p:tgtEl>
+                                          <p:spTgt spid="7">
+                                            <p:txEl>
+                                              <p:pRg st="15" end="15"/>
+                                            </p:txEl>
+                                          </p:spTgt>
+                                        </p:tgtEl>
+                                        <p:attrNameLst>
+                                          <p:attrName>ppt_x</p:attrName>
+                                        </p:attrNameLst>
+                                      </p:cBhvr>
+                                      <p:tavLst>
+                                        <p:tav tm="0">
+                                          <p:val>
+                                            <p:strVal val="#ppt_x"/>
+                                          </p:val>
+                                        </p:tav>
+                                        <p:tav tm="100000">
+                                          <p:val>
+                                            <p:strVal val="#ppt_x"/>
+                                          </p:val>
+                                        </p:tav>
+                                      </p:tavLst>
+                                    </p:anim>
+                                    <p:anim calcmode="lin" valueType="num">
+                                      <p:cBhvr>
+                                        <p:cTn id="70" dur="1000" fill="hold"/>
+                                        <p:tgtEl>
+                                          <p:spTgt spid="7">
+                                            <p:txEl>
+                                              <p:pRg st="15" end="15"/>
+                                            </p:txEl>
+                                          </p:spTgt>
+                                        </p:tgtEl>
+                                        <p:attrNameLst>
+                                          <p:attrName>ppt_y</p:attrName>
+                                        </p:attrNameLst>
+                                      </p:cBhvr>
+                                      <p:tavLst>
+                                        <p:tav tm="0">
+                                          <p:val>
+                                            <p:strVal val="#ppt_y+.1"/>
+                                          </p:val>
+                                        </p:tav>
+                                        <p:tav tm="100000">
+                                          <p:val>
+                                            <p:strVal val="#ppt_y"/>
+                                          </p:val>
+                                        </p:tav>
+                                      </p:tavLst>
+                                    </p:anim>
+                                  </p:childTnLst>
+                                </p:cTn>
+                              </p:par>
+                              <p:par>
+                                <p:cTn id="71" presetID="42" presetClass="entr" presetSubtype="0" fill="hold" nodeType="withEffect">
+                                  <p:stCondLst>
+                                    <p:cond delay="0"/>
+                                  </p:stCondLst>
+                                  <p:childTnLst>
+                                    <p:set>
+                                      <p:cBhvr>
+                                        <p:cTn id="72" dur="1" fill="hold">
+                                          <p:stCondLst>
+                                            <p:cond delay="0"/>
+                                          </p:stCondLst>
+                                        </p:cTn>
+                                        <p:tgtEl>
+                                          <p:spTgt spid="7">
+                                            <p:txEl>
+                                              <p:pRg st="16" end="16"/>
+                                            </p:txEl>
+                                          </p:spTgt>
+                                        </p:tgtEl>
+                                        <p:attrNameLst>
+                                          <p:attrName>style.visibility</p:attrName>
+                                        </p:attrNameLst>
+                                      </p:cBhvr>
+                                      <p:to>
+                                        <p:strVal val="visible"/>
+                                      </p:to>
+                                    </p:set>
+                                    <p:animEffect transition="in" filter="fade">
+                                      <p:cBhvr>
+                                        <p:cTn id="73" dur="1000"/>
+                                        <p:tgtEl>
+                                          <p:spTgt spid="7">
+                                            <p:txEl>
+                                              <p:pRg st="16" end="16"/>
+                                            </p:txEl>
+                                          </p:spTgt>
+                                        </p:tgtEl>
+                                      </p:cBhvr>
+                                    </p:animEffect>
+                                    <p:anim calcmode="lin" valueType="num">
+                                      <p:cBhvr>
+                                        <p:cTn id="74" dur="1000" fill="hold"/>
+                                        <p:tgtEl>
+                                          <p:spTgt spid="7">
+                                            <p:txEl>
+                                              <p:pRg st="16" end="16"/>
+                                            </p:txEl>
+                                          </p:spTgt>
+                                        </p:tgtEl>
+                                        <p:attrNameLst>
+                                          <p:attrName>ppt_x</p:attrName>
+                                        </p:attrNameLst>
+                                      </p:cBhvr>
+                                      <p:tavLst>
+                                        <p:tav tm="0">
+                                          <p:val>
+                                            <p:strVal val="#ppt_x"/>
+                                          </p:val>
+                                        </p:tav>
+                                        <p:tav tm="100000">
+                                          <p:val>
+                                            <p:strVal val="#ppt_x"/>
+                                          </p:val>
+                                        </p:tav>
+                                      </p:tavLst>
+                                    </p:anim>
+                                    <p:anim calcmode="lin" valueType="num">
+                                      <p:cBhvr>
+                                        <p:cTn id="75" dur="1000" fill="hold"/>
+                                        <p:tgtEl>
+                                          <p:spTgt spid="7">
+                                            <p:txEl>
+                                              <p:pRg st="16" end="16"/>
+                                            </p:txEl>
+                                          </p:spTgt>
+                                        </p:tgtEl>
+                                        <p:attrNameLst>
+                                          <p:attrName>ppt_y</p:attrName>
+                                        </p:attrNameLst>
+                                      </p:cBhvr>
+                                      <p:tavLst>
+                                        <p:tav tm="0">
+                                          <p:val>
+                                            <p:strVal val="#ppt_y+.1"/>
+                                          </p:val>
+                                        </p:tav>
+                                        <p:tav tm="100000">
+                                          <p:val>
+                                            <p:strVal val="#ppt_y"/>
+                                          </p:val>
+                                        </p:tav>
+                                      </p:tavLst>
+                                    </p:anim>
+                                  </p:childTnLst>
+                                </p:cTn>
+                              </p:par>
+                              <p:par>
+                                <p:cTn id="76" presetID="42" presetClass="entr" presetSubtype="0" fill="hold" nodeType="withEffect">
+                                  <p:stCondLst>
+                                    <p:cond delay="0"/>
+                                  </p:stCondLst>
+                                  <p:childTnLst>
+                                    <p:set>
+                                      <p:cBhvr>
+                                        <p:cTn id="77" dur="1" fill="hold">
+                                          <p:stCondLst>
+                                            <p:cond delay="0"/>
+                                          </p:stCondLst>
+                                        </p:cTn>
+                                        <p:tgtEl>
+                                          <p:spTgt spid="7">
+                                            <p:txEl>
+                                              <p:pRg st="17" end="17"/>
+                                            </p:txEl>
+                                          </p:spTgt>
+                                        </p:tgtEl>
+                                        <p:attrNameLst>
+                                          <p:attrName>style.visibility</p:attrName>
+                                        </p:attrNameLst>
+                                      </p:cBhvr>
+                                      <p:to>
+                                        <p:strVal val="visible"/>
+                                      </p:to>
+                                    </p:set>
+                                    <p:animEffect transition="in" filter="fade">
+                                      <p:cBhvr>
+                                        <p:cTn id="78" dur="1000"/>
+                                        <p:tgtEl>
+                                          <p:spTgt spid="7">
+                                            <p:txEl>
+                                              <p:pRg st="17" end="17"/>
+                                            </p:txEl>
+                                          </p:spTgt>
+                                        </p:tgtEl>
+                                      </p:cBhvr>
+                                    </p:animEffect>
+                                    <p:anim calcmode="lin" valueType="num">
+                                      <p:cBhvr>
+                                        <p:cTn id="79" dur="1000" fill="hold"/>
+                                        <p:tgtEl>
+                                          <p:spTgt spid="7">
+                                            <p:txEl>
+                                              <p:pRg st="17" end="17"/>
+                                            </p:txEl>
+                                          </p:spTgt>
+                                        </p:tgtEl>
+                                        <p:attrNameLst>
+                                          <p:attrName>ppt_x</p:attrName>
+                                        </p:attrNameLst>
+                                      </p:cBhvr>
+                                      <p:tavLst>
+                                        <p:tav tm="0">
+                                          <p:val>
+                                            <p:strVal val="#ppt_x"/>
+                                          </p:val>
+                                        </p:tav>
+                                        <p:tav tm="100000">
+                                          <p:val>
+                                            <p:strVal val="#ppt_x"/>
+                                          </p:val>
+                                        </p:tav>
+                                      </p:tavLst>
+                                    </p:anim>
+                                    <p:anim calcmode="lin" valueType="num">
+                                      <p:cBhvr>
+                                        <p:cTn id="80" dur="1000" fill="hold"/>
+                                        <p:tgtEl>
+                                          <p:spTgt spid="7">
+                                            <p:txEl>
+                                              <p:pRg st="17" end="17"/>
+                                            </p:txEl>
+                                          </p:spTgt>
+                                        </p:tgtEl>
+                                        <p:attrNameLst>
+                                          <p:attrName>ppt_y</p:attrName>
+                                        </p:attrNameLst>
+                                      </p:cBhvr>
+                                      <p:tavLst>
+                                        <p:tav tm="0">
+                                          <p:val>
+                                            <p:strVal val="#ppt_y+.1"/>
+                                          </p:val>
+                                        </p:tav>
+                                        <p:tav tm="100000">
+                                          <p:val>
+                                            <p:strVal val="#ppt_y"/>
+                                          </p:val>
+                                        </p:tav>
+                                      </p:tavLst>
+                                    </p:anim>
+                                  </p:childTnLst>
+                                </p:cTn>
+                              </p:par>
+                              <p:par>
+                                <p:cTn id="81" presetID="42" presetClass="entr" presetSubtype="0" fill="hold" nodeType="withEffect">
+                                  <p:stCondLst>
+                                    <p:cond delay="0"/>
+                                  </p:stCondLst>
+                                  <p:childTnLst>
+                                    <p:set>
+                                      <p:cBhvr>
+                                        <p:cTn id="82" dur="1" fill="hold">
+                                          <p:stCondLst>
+                                            <p:cond delay="0"/>
+                                          </p:stCondLst>
+                                        </p:cTn>
+                                        <p:tgtEl>
+                                          <p:spTgt spid="7">
+                                            <p:txEl>
+                                              <p:pRg st="18" end="18"/>
+                                            </p:txEl>
+                                          </p:spTgt>
+                                        </p:tgtEl>
+                                        <p:attrNameLst>
+                                          <p:attrName>style.visibility</p:attrName>
+                                        </p:attrNameLst>
+                                      </p:cBhvr>
+                                      <p:to>
+                                        <p:strVal val="visible"/>
+                                      </p:to>
+                                    </p:set>
+                                    <p:animEffect transition="in" filter="fade">
+                                      <p:cBhvr>
+                                        <p:cTn id="83" dur="1000"/>
+                                        <p:tgtEl>
+                                          <p:spTgt spid="7">
+                                            <p:txEl>
+                                              <p:pRg st="18" end="18"/>
+                                            </p:txEl>
+                                          </p:spTgt>
+                                        </p:tgtEl>
+                                      </p:cBhvr>
+                                    </p:animEffect>
+                                    <p:anim calcmode="lin" valueType="num">
+                                      <p:cBhvr>
+                                        <p:cTn id="84" dur="1000" fill="hold"/>
+                                        <p:tgtEl>
+                                          <p:spTgt spid="7">
+                                            <p:txEl>
+                                              <p:pRg st="18" end="18"/>
+                                            </p:txEl>
+                                          </p:spTgt>
+                                        </p:tgtEl>
+                                        <p:attrNameLst>
+                                          <p:attrName>ppt_x</p:attrName>
+                                        </p:attrNameLst>
+                                      </p:cBhvr>
+                                      <p:tavLst>
+                                        <p:tav tm="0">
+                                          <p:val>
+                                            <p:strVal val="#ppt_x"/>
+                                          </p:val>
+                                        </p:tav>
+                                        <p:tav tm="100000">
+                                          <p:val>
+                                            <p:strVal val="#ppt_x"/>
+                                          </p:val>
+                                        </p:tav>
+                                      </p:tavLst>
+                                    </p:anim>
+                                    <p:anim calcmode="lin" valueType="num">
+                                      <p:cBhvr>
+                                        <p:cTn id="85" dur="1000" fill="hold"/>
+                                        <p:tgtEl>
+                                          <p:spTgt spid="7">
+                                            <p:txEl>
+                                              <p:pRg st="18" end="18"/>
+                                            </p:txEl>
+                                          </p:spTgt>
+                                        </p:tgtEl>
+                                        <p:attrNameLst>
+                                          <p:attrName>ppt_y</p:attrName>
+                                        </p:attrNameLst>
+                                      </p:cBhvr>
+                                      <p:tavLst>
+                                        <p:tav tm="0">
+                                          <p:val>
+                                            <p:strVal val="#ppt_y+.1"/>
+                                          </p:val>
+                                        </p:tav>
+                                        <p:tav tm="100000">
+                                          <p:val>
+                                            <p:strVal val="#ppt_y"/>
+                                          </p:val>
+                                        </p:tav>
+                                      </p:tavLst>
+                                    </p:anim>
+                                  </p:childTnLst>
+                                </p:cTn>
+                              </p:par>
+                              <p:par>
+                                <p:cTn id="86" presetID="42" presetClass="entr" presetSubtype="0" fill="hold" nodeType="withEffect">
+                                  <p:stCondLst>
+                                    <p:cond delay="0"/>
+                                  </p:stCondLst>
+                                  <p:childTnLst>
+                                    <p:set>
+                                      <p:cBhvr>
+                                        <p:cTn id="87" dur="1" fill="hold">
+                                          <p:stCondLst>
+                                            <p:cond delay="0"/>
+                                          </p:stCondLst>
+                                        </p:cTn>
+                                        <p:tgtEl>
+                                          <p:spTgt spid="7">
+                                            <p:txEl>
+                                              <p:pRg st="19" end="19"/>
+                                            </p:txEl>
+                                          </p:spTgt>
+                                        </p:tgtEl>
+                                        <p:attrNameLst>
+                                          <p:attrName>style.visibility</p:attrName>
+                                        </p:attrNameLst>
+                                      </p:cBhvr>
+                                      <p:to>
+                                        <p:strVal val="visible"/>
+                                      </p:to>
+                                    </p:set>
+                                    <p:animEffect transition="in" filter="fade">
+                                      <p:cBhvr>
+                                        <p:cTn id="88" dur="1000"/>
+                                        <p:tgtEl>
+                                          <p:spTgt spid="7">
+                                            <p:txEl>
+                                              <p:pRg st="19" end="19"/>
+                                            </p:txEl>
+                                          </p:spTgt>
+                                        </p:tgtEl>
+                                      </p:cBhvr>
+                                    </p:animEffect>
+                                    <p:anim calcmode="lin" valueType="num">
+                                      <p:cBhvr>
+                                        <p:cTn id="89" dur="1000" fill="hold"/>
+                                        <p:tgtEl>
+                                          <p:spTgt spid="7">
+                                            <p:txEl>
+                                              <p:pRg st="19" end="19"/>
+                                            </p:txEl>
+                                          </p:spTgt>
+                                        </p:tgtEl>
+                                        <p:attrNameLst>
+                                          <p:attrName>ppt_x</p:attrName>
+                                        </p:attrNameLst>
+                                      </p:cBhvr>
+                                      <p:tavLst>
+                                        <p:tav tm="0">
+                                          <p:val>
+                                            <p:strVal val="#ppt_x"/>
+                                          </p:val>
+                                        </p:tav>
+                                        <p:tav tm="100000">
+                                          <p:val>
+                                            <p:strVal val="#ppt_x"/>
+                                          </p:val>
+                                        </p:tav>
+                                      </p:tavLst>
+                                    </p:anim>
+                                    <p:anim calcmode="lin" valueType="num">
+                                      <p:cBhvr>
+                                        <p:cTn id="90" dur="1000" fill="hold"/>
+                                        <p:tgtEl>
+                                          <p:spTgt spid="7">
+                                            <p:txEl>
+                                              <p:pRg st="19" end="19"/>
+                                            </p:txEl>
+                                          </p:spTgt>
+                                        </p:tgtEl>
+                                        <p:attrNameLst>
+                                          <p:attrName>ppt_y</p:attrName>
+                                        </p:attrNameLst>
+                                      </p:cBhvr>
+                                      <p:tavLst>
+                                        <p:tav tm="0">
+                                          <p:val>
+                                            <p:strVal val="#ppt_y+.1"/>
+                                          </p:val>
+                                        </p:tav>
+                                        <p:tav tm="100000">
+                                          <p:val>
+                                            <p:strVal val="#ppt_y"/>
+                                          </p:val>
+                                        </p:tav>
+                                      </p:tavLst>
+                                    </p:anim>
+                                  </p:childTnLst>
+                                </p:cTn>
+                              </p:par>
+                            </p:childTnLst>
+                          </p:cTn>
+                        </p:par>
+                      </p:childTnLst>
+                    </p:cTn>
+                  </p:par>
+                </p:childTnLst>
+              </p:cTn>
+              <p:prevCondLst>
+                <p:cond evt="onPrev" delay="0">
+                  <p:tgtEl>
+                    <p:sldTgt/>
+                  </p:tgtEl>
+                </p:cond>
+              </p:prevCondLst>
+              <p:nextCondLst>
+                <p:cond evt="onNext" delay="0">
+                  <p:tgtEl>
+                    <p:sldTgt/>
+                  </p:tgtEl>
+                </p:cond>
+              </p:nextCondLst>
+            </p:seq>
+          </p:childTnLst>
+        </p:cTn>
+      </p:par>
+    </p:tnLst>
+  </p:timing>
+</p:sld>
+</file>
+
+<file path=ppt/slides/slide34.xml><?xml version="1.0" encoding="utf-8"?>
+<p:sld xmlns:a="http://schemas.openxmlformats.org/drawingml/2006/main" xmlns:r="http://schemas.openxmlformats.org/officeDocument/2006/relationships" xmlns:p="http://schemas.openxmlformats.org/presentationml/2006/main">
+  <p:cSld>
+    <p:spTree>
+      <p:nvGrpSpPr>
+        <p:cNvPr id="1" name=""/>
+        <p:cNvGrpSpPr/>
+        <p:nvPr/>
+      </p:nvGrpSpPr>
+      <p:grpSpPr>
+        <a:xfrm>
+          <a:off x="0" y="0"/>
+          <a:ext cx="0" cy="0"/>
+          <a:chOff x="0" y="0"/>
+          <a:chExt cx="0" cy="0"/>
+        </a:xfrm>
+      </p:grpSpPr>
+      <p:sp>
+        <p:nvSpPr>
+          <p:cNvPr id="2" name="Заголовок 1"/>
+          <p:cNvSpPr>
+            <a:spLocks noGrp="1"/>
+          </p:cNvSpPr>
+          <p:nvPr>
+            <p:ph type="title"/>
+          </p:nvPr>
+        </p:nvSpPr>
+        <p:spPr/>
+        <p:txBody>
+          <a:bodyPr/>
+          <a:lstStyle/>
+          <a:p>
+            <a:r>
+              <a:rPr lang="en-US" dirty="0"/>
+              <a:t>C# </a:t>
+            </a:r>
+            <a:r>
+              <a:rPr lang="en-US" dirty="0" smtClean="0"/>
+              <a:t>basics</a:t>
+            </a:r>
+            <a:br>
+              <a:rPr lang="en-US" dirty="0" smtClean="0"/>
+            </a:br>
+            <a:r>
+              <a:rPr lang="en-US" sz="2400" dirty="0" smtClean="0">
+                <a:solidFill>
+                  <a:prstClr val="white">
+                    <a:lumMod val="50000"/>
+                  </a:prstClr>
+                </a:solidFill>
+              </a:rPr>
+              <a:t>Useful links</a:t>
+            </a:r>
+            <a:endParaRPr lang="en-US" dirty="0"/>
+          </a:p>
+        </p:txBody>
+      </p:sp>
+      <p:sp>
+        <p:nvSpPr>
+          <p:cNvPr id="4" name="Дата 3"/>
+          <p:cNvSpPr>
+            <a:spLocks noGrp="1"/>
+          </p:cNvSpPr>
+          <p:nvPr>
+            <p:ph type="dt" sz="half" idx="10"/>
+          </p:nvPr>
+        </p:nvSpPr>
+        <p:spPr>
+          <a:xfrm>
+            <a:off x="6598153" y="6041362"/>
+            <a:ext cx="1518920" cy="365125"/>
+          </a:xfrm>
+        </p:spPr>
+        <p:txBody>
+          <a:bodyPr/>
+          <a:lstStyle/>
+          <a:p>
+            <a:fld id="{939306D3-16AC-481B-963B-74A1D01AC013}" type="datetime3">
+              <a:rPr lang="en-US" sz="1100" smtClean="0"/>
+              <a:t>5 October 2021</a:t>
+            </a:fld>
+            <a:endParaRPr lang="en-US" sz="1100" dirty="0"/>
+          </a:p>
+        </p:txBody>
+      </p:sp>
+      <p:sp>
+        <p:nvSpPr>
+          <p:cNvPr id="5" name="Нижний колонтитул 4"/>
+          <p:cNvSpPr>
+            <a:spLocks noGrp="1"/>
+          </p:cNvSpPr>
+          <p:nvPr>
+            <p:ph type="ftr" sz="quarter" idx="11"/>
+          </p:nvPr>
+        </p:nvSpPr>
+        <p:spPr/>
+        <p:txBody>
+          <a:bodyPr/>
+          <a:lstStyle/>
+          <a:p>
+            <a:r>
+              <a:rPr lang="en-US" sz="1100" dirty="0" smtClean="0"/>
+              <a:t>Automated framework with C#</a:t>
+            </a:r>
+          </a:p>
+          <a:p>
+            <a:r>
+              <a:rPr lang="en-US" sz="1100" dirty="0"/>
+              <a:t>Yury </a:t>
+            </a:r>
+            <a:r>
+              <a:rPr lang="en-US" sz="1100" dirty="0" smtClean="0"/>
+              <a:t>Alifanov</a:t>
+            </a:r>
+            <a:endParaRPr lang="en-US" sz="1100" dirty="0"/>
+          </a:p>
+        </p:txBody>
+      </p:sp>
+      <p:sp>
+        <p:nvSpPr>
+          <p:cNvPr id="6" name="Номер слайда 5"/>
+          <p:cNvSpPr>
+            <a:spLocks noGrp="1"/>
+          </p:cNvSpPr>
+          <p:nvPr>
+            <p:ph type="sldNum" sz="quarter" idx="12"/>
+          </p:nvPr>
+        </p:nvSpPr>
+        <p:spPr/>
+        <p:txBody>
+          <a:bodyPr/>
+          <a:lstStyle/>
+          <a:p>
+            <a:fld id="{519954A3-9DFD-4C44-94BA-B95130A3BA1C}" type="slidenum">
+              <a:rPr lang="en-US" sz="1100" smtClean="0"/>
+              <a:t>34</a:t>
+            </a:fld>
+            <a:endParaRPr lang="en-US" sz="1100" dirty="0"/>
+          </a:p>
+        </p:txBody>
+      </p:sp>
+      <p:sp>
+        <p:nvSpPr>
+          <p:cNvPr id="7" name="TextBox 6"/>
+          <p:cNvSpPr txBox="1"/>
+          <p:nvPr/>
+        </p:nvSpPr>
+        <p:spPr>
+          <a:xfrm>
+            <a:off x="711107" y="2596469"/>
+            <a:ext cx="7879556" cy="2185214"/>
+          </a:xfrm>
+          <a:prstGeom prst="rect">
+            <a:avLst/>
+          </a:prstGeom>
+          <a:noFill/>
+        </p:spPr>
+        <p:txBody>
+          <a:bodyPr wrap="square" rtlCol="0">
+            <a:spAutoFit/>
+          </a:bodyPr>
+          <a:lstStyle/>
+          <a:p>
+            <a:r>
+              <a:rPr lang="en-US" dirty="0" err="1" smtClean="0">
+                <a:latin typeface="Consolas" panose="020B0609020204030204" pitchFamily="49" charset="0"/>
+              </a:rPr>
+              <a:t>Svetlin</a:t>
+            </a:r>
+            <a:r>
+              <a:rPr lang="en-US" dirty="0" smtClean="0">
+                <a:latin typeface="Consolas" panose="020B0609020204030204" pitchFamily="49" charset="0"/>
+              </a:rPr>
+              <a:t> </a:t>
+            </a:r>
+            <a:r>
+              <a:rPr lang="en-US" dirty="0" err="1" smtClean="0">
+                <a:latin typeface="Consolas" panose="020B0609020204030204" pitchFamily="49" charset="0"/>
+              </a:rPr>
+              <a:t>Nakov</a:t>
+            </a:r>
+            <a:r>
+              <a:rPr lang="en-US" dirty="0" smtClean="0">
+                <a:latin typeface="Consolas" panose="020B0609020204030204" pitchFamily="49" charset="0"/>
+              </a:rPr>
+              <a:t> and Team</a:t>
+            </a:r>
+          </a:p>
+          <a:p>
+            <a:r>
+              <a:rPr lang="en-US" dirty="0" smtClean="0">
+                <a:latin typeface="Consolas" panose="020B0609020204030204" pitchFamily="49" charset="0"/>
+              </a:rPr>
+              <a:t>“Fundamentals of Computer Programming with C#”</a:t>
+            </a:r>
+          </a:p>
+          <a:p>
+            <a:endParaRPr lang="en-US" dirty="0">
+              <a:solidFill>
+                <a:srgbClr val="33CCCC"/>
+              </a:solidFill>
+              <a:latin typeface="Consolas" panose="020B0609020204030204" pitchFamily="49" charset="0"/>
+            </a:endParaRPr>
+          </a:p>
+          <a:p>
+            <a:r>
+              <a:rPr lang="en-US" dirty="0">
+                <a:solidFill>
+                  <a:srgbClr val="33CCCC"/>
+                </a:solidFill>
+                <a:latin typeface="Consolas" panose="020B0609020204030204" pitchFamily="49" charset="0"/>
+                <a:hlinkClick r:id="rId3"/>
+              </a:rPr>
+              <a:t>https://</a:t>
+            </a:r>
+            <a:r>
+              <a:rPr lang="en-US" dirty="0" smtClean="0">
+                <a:solidFill>
+                  <a:srgbClr val="33CCCC"/>
+                </a:solidFill>
+                <a:latin typeface="Consolas" panose="020B0609020204030204" pitchFamily="49" charset="0"/>
+                <a:hlinkClick r:id="rId3"/>
+              </a:rPr>
+              <a:t>introprogramming.info/english-intro-csharp-book</a:t>
+            </a:r>
+            <a:endParaRPr lang="en-US" dirty="0" smtClean="0">
+              <a:solidFill>
+                <a:srgbClr val="33CCCC"/>
+              </a:solidFill>
+              <a:latin typeface="Consolas" panose="020B0609020204030204" pitchFamily="49" charset="0"/>
+            </a:endParaRPr>
+          </a:p>
+          <a:p>
+            <a:endParaRPr lang="en-US" sz="1600" dirty="0" smtClean="0">
+              <a:solidFill>
+                <a:srgbClr val="33CCCC"/>
+              </a:solidFill>
+              <a:latin typeface="Consolas" panose="020B0609020204030204" pitchFamily="49" charset="0"/>
+            </a:endParaRPr>
+          </a:p>
+          <a:p>
+            <a:r>
+              <a:rPr lang="en-US" sz="1600" dirty="0" err="1" smtClean="0">
+                <a:latin typeface="Consolas" panose="020B0609020204030204" pitchFamily="49" charset="0"/>
+              </a:rPr>
+              <a:t>Metanit</a:t>
+            </a:r>
+            <a:r>
+              <a:rPr lang="en-US" sz="1600" dirty="0" smtClean="0">
+                <a:latin typeface="Consolas" panose="020B0609020204030204" pitchFamily="49" charset="0"/>
+              </a:rPr>
+              <a:t> site</a:t>
+            </a:r>
+          </a:p>
+          <a:p>
+            <a:endParaRPr lang="en-US" sz="1600" dirty="0" smtClean="0">
+              <a:latin typeface="Consolas" panose="020B0609020204030204" pitchFamily="49" charset="0"/>
+            </a:endParaRPr>
+          </a:p>
+          <a:p>
+            <a:r>
+              <a:rPr lang="en-US" sz="1600" dirty="0" smtClean="0">
+                <a:latin typeface="Consolas" panose="020B0609020204030204" pitchFamily="49" charset="0"/>
+                <a:hlinkClick r:id="rId4"/>
+              </a:rPr>
+              <a:t>https://metanit.com/sharp/tutorial/</a:t>
+            </a:r>
+            <a:endParaRPr lang="en-US" sz="1600" dirty="0" smtClean="0">
+              <a:latin typeface="Consolas" panose="020B0609020204030204" pitchFamily="49" charset="0"/>
+            </a:endParaRPr>
+          </a:p>
+        </p:txBody>
+      </p:sp>
+    </p:spTree>
+    <p:extLst>
+      <p:ext uri="{BB962C8B-B14F-4D97-AF65-F5344CB8AC3E}">
+        <p14:creationId xmlns:p14="http://schemas.microsoft.com/office/powerpoint/2010/main" val="3126519434"/>
+      </p:ext>
+    </p:extLst>
+  </p:cSld>
+  <p:clrMapOvr>
+    <a:masterClrMapping/>
+  </p:clrMapOvr>
+  <p:timing>
+    <p:tnLst>
+      <p:par>
+        <p:cTn id="1" dur="indefinite" restart="never" nodeType="tmRoot"/>
+      </p:par>
+    </p:tnLst>
+  </p:timing>
+</p:sld>
+</file>
+
+<file path=ppt/slides/slide35.xml><?xml version="1.0" encoding="utf-8"?>
+<p:sld xmlns:a="http://schemas.openxmlformats.org/drawingml/2006/main" xmlns:r="http://schemas.openxmlformats.org/officeDocument/2006/relationships" xmlns:p="http://schemas.openxmlformats.org/presentationml/2006/main">
+  <p:cSld>
+    <p:spTree>
+      <p:nvGrpSpPr>
+        <p:cNvPr id="1" name=""/>
+        <p:cNvGrpSpPr/>
+        <p:nvPr/>
+      </p:nvGrpSpPr>
+      <p:grpSpPr>
+        <a:xfrm>
+          <a:off x="0" y="0"/>
+          <a:ext cx="0" cy="0"/>
+          <a:chOff x="0" y="0"/>
+          <a:chExt cx="0" cy="0"/>
+        </a:xfrm>
+      </p:grpSpPr>
+      <p:sp>
+        <p:nvSpPr>
+          <p:cNvPr id="4" name="Дата 3"/>
+          <p:cNvSpPr>
+            <a:spLocks noGrp="1"/>
+          </p:cNvSpPr>
+          <p:nvPr>
+            <p:ph type="dt" sz="half" idx="10"/>
+          </p:nvPr>
+        </p:nvSpPr>
+        <p:spPr>
+          <a:xfrm>
+            <a:off x="6518189" y="6041362"/>
+            <a:ext cx="1598883" cy="365125"/>
+          </a:xfrm>
+        </p:spPr>
+        <p:txBody>
+          <a:bodyPr/>
+          <a:lstStyle/>
+          <a:p>
+            <a:fld id="{E3705B4D-1726-4BAB-A90E-07379DAEAD37}" type="datetime3">
+              <a:rPr lang="en-US" sz="1100" smtClean="0"/>
+              <a:t>5 October 2021</a:t>
+            </a:fld>
+            <a:endParaRPr lang="en-US" sz="1100" dirty="0"/>
+          </a:p>
+        </p:txBody>
+      </p:sp>
+      <p:sp>
+        <p:nvSpPr>
+          <p:cNvPr id="5" name="Нижний колонтитул 4"/>
+          <p:cNvSpPr>
+            <a:spLocks noGrp="1"/>
+          </p:cNvSpPr>
+          <p:nvPr>
+            <p:ph type="ftr" sz="quarter" idx="11"/>
+          </p:nvPr>
+        </p:nvSpPr>
+        <p:spPr/>
+        <p:txBody>
+          <a:bodyPr/>
+          <a:lstStyle/>
+          <a:p>
+            <a:r>
+              <a:rPr lang="en-US" sz="1100" dirty="0" smtClean="0"/>
+              <a:t>Automated framework with C#</a:t>
+            </a:r>
+          </a:p>
+          <a:p>
+            <a:r>
+              <a:rPr lang="en-US" sz="1100" dirty="0"/>
+              <a:t>Yury </a:t>
+            </a:r>
+            <a:r>
+              <a:rPr lang="en-US" sz="1100" dirty="0" smtClean="0"/>
+              <a:t>Alifanov</a:t>
+            </a:r>
+            <a:endParaRPr lang="en-US" sz="1100" dirty="0"/>
+          </a:p>
+        </p:txBody>
+      </p:sp>
+      <p:sp>
+        <p:nvSpPr>
+          <p:cNvPr id="6" name="Номер слайда 5"/>
+          <p:cNvSpPr>
+            <a:spLocks noGrp="1"/>
+          </p:cNvSpPr>
+          <p:nvPr>
+            <p:ph type="sldNum" sz="quarter" idx="12"/>
+          </p:nvPr>
+        </p:nvSpPr>
+        <p:spPr/>
+        <p:txBody>
+          <a:bodyPr/>
+          <a:lstStyle/>
+          <a:p>
+            <a:fld id="{519954A3-9DFD-4C44-94BA-B95130A3BA1C}" type="slidenum">
+              <a:rPr lang="en-US" sz="1100" smtClean="0"/>
+              <a:t>35</a:t>
+            </a:fld>
+            <a:endParaRPr lang="en-US" sz="1100" dirty="0"/>
+          </a:p>
+        </p:txBody>
+      </p:sp>
+      <p:sp>
+        <p:nvSpPr>
+          <p:cNvPr id="8" name="Заголовок 7"/>
+          <p:cNvSpPr>
+            <a:spLocks noGrp="1"/>
+          </p:cNvSpPr>
+          <p:nvPr>
+            <p:ph type="title"/>
+          </p:nvPr>
+        </p:nvSpPr>
+        <p:spPr>
+          <a:xfrm>
+            <a:off x="0" y="0"/>
+            <a:ext cx="12192000" cy="6858000"/>
+          </a:xfrm>
+          <a:solidFill>
+            <a:schemeClr val="accent2">
+              <a:lumMod val="75000"/>
+            </a:schemeClr>
+          </a:solidFill>
+        </p:spPr>
+        <p:txBody>
+          <a:bodyPr/>
+          <a:lstStyle/>
+          <a:p>
+            <a:r>
+              <a:rPr lang="en-US" dirty="0" smtClean="0"/>
+              <a:t/>
+            </a:r>
+            <a:br>
+              <a:rPr lang="en-US" dirty="0" smtClean="0"/>
+            </a:br>
+            <a:r>
+              <a:rPr lang="en-US" dirty="0"/>
+              <a:t/>
+            </a:r>
+            <a:br>
+              <a:rPr lang="en-US" dirty="0"/>
+            </a:br>
+            <a:r>
+              <a:rPr lang="en-US" dirty="0" smtClean="0"/>
+              <a:t/>
+            </a:r>
+            <a:br>
+              <a:rPr lang="en-US" dirty="0" smtClean="0"/>
+            </a:br>
+            <a:r>
+              <a:rPr lang="en-US" dirty="0"/>
+              <a:t/>
+            </a:r>
+            <a:br>
+              <a:rPr lang="en-US" dirty="0"/>
+            </a:br>
+            <a:r>
+              <a:rPr lang="en-US" dirty="0" smtClean="0"/>
+              <a:t/>
+            </a:r>
+            <a:br>
+              <a:rPr lang="en-US" dirty="0" smtClean="0"/>
+            </a:br>
+            <a:r>
+              <a:rPr lang="en-US" dirty="0"/>
+              <a:t/>
+            </a:r>
+            <a:br>
+              <a:rPr lang="en-US" dirty="0"/>
+            </a:br>
+            <a:r>
+              <a:rPr lang="en-US" dirty="0" smtClean="0"/>
+              <a:t/>
+            </a:r>
+            <a:br>
+              <a:rPr lang="en-US" dirty="0" smtClean="0"/>
+            </a:br>
+            <a:r>
+              <a:rPr lang="en-US" dirty="0"/>
+              <a:t/>
+            </a:r>
+            <a:br>
+              <a:rPr lang="en-US" dirty="0"/>
+            </a:br>
+            <a:r>
+              <a:rPr lang="en-US" dirty="0" smtClean="0"/>
+              <a:t>		</a:t>
+            </a:r>
+            <a:r>
+              <a:rPr lang="en-US" sz="6600" dirty="0" smtClean="0">
+                <a:solidFill>
+                  <a:schemeClr val="bg1"/>
+                </a:solidFill>
+              </a:rPr>
+              <a:t>Thank you!</a:t>
+            </a:r>
+            <a:r>
+              <a:rPr lang="en-US" dirty="0" smtClean="0"/>
+              <a:t/>
+            </a:r>
+            <a:br>
+              <a:rPr lang="en-US" dirty="0" smtClean="0"/>
+            </a:br>
+            <a:r>
+              <a:rPr lang="en-US" dirty="0"/>
+              <a:t>	</a:t>
+            </a:r>
+          </a:p>
+        </p:txBody>
+      </p:sp>
+    </p:spTree>
+    <p:extLst>
+      <p:ext uri="{BB962C8B-B14F-4D97-AF65-F5344CB8AC3E}">
+        <p14:creationId xmlns:p14="http://schemas.microsoft.com/office/powerpoint/2010/main" val="171775405"/>
+      </p:ext>
+    </p:extLst>
+  </p:cSld>
+  <p:clrMapOvr>
+    <a:masterClrMapping/>
+  </p:clrMapOvr>
+  <p:timing>
+    <p:tnLst>
+      <p:par>
+        <p:cTn id="1" dur="indefinite" restart="never" nodeType="tmRoot"/>
+      </p:par>
+    </p:tnLst>
   </p:timing>
 </p:sld>
 </file>
@@ -30447,7 +38782,7 @@
           <a:p>
             <a:fld id="{E3705B4D-1726-4BAB-A90E-07379DAEAD37}" type="datetime3">
               <a:rPr lang="en-US" sz="1100" smtClean="0"/>
-              <a:t>11 October 2021</a:t>
+              <a:t>5 October 2021</a:t>
             </a:fld>
             <a:endParaRPr lang="en-US" sz="1100" dirty="0"/>
           </a:p>
@@ -30860,7 +39195,7 @@
           <a:p>
             <a:fld id="{171B5815-5139-4A68-A9FA-D26193D11F2D}" type="datetime3">
               <a:rPr lang="en-US" sz="1100" smtClean="0"/>
-              <a:t>11 October 2021</a:t>
+              <a:t>5 October 2021</a:t>
             </a:fld>
             <a:endParaRPr lang="en-US" sz="1100" dirty="0"/>
           </a:p>
@@ -32233,7 +40568,7 @@
           <a:p>
             <a:fld id="{E3705B4D-1726-4BAB-A90E-07379DAEAD37}" type="datetime3">
               <a:rPr lang="en-US" sz="1100" smtClean="0"/>
-              <a:t>11 October 2021</a:t>
+              <a:t>5 October 2021</a:t>
             </a:fld>
             <a:endParaRPr lang="en-US" sz="1100" dirty="0"/>
           </a:p>
@@ -32655,7 +40990,7 @@
           <a:p>
             <a:fld id="{E3705B4D-1726-4BAB-A90E-07379DAEAD37}" type="datetime3">
               <a:rPr lang="en-US" sz="1100" smtClean="0"/>
-              <a:t>11 October 2021</a:t>
+              <a:t>5 October 2021</a:t>
             </a:fld>
             <a:endParaRPr lang="en-US" sz="1100" dirty="0"/>
           </a:p>
@@ -34076,7 +42411,7 @@
           <a:p>
             <a:fld id="{146212BB-D587-45E4-8C80-89DA935C1E81}" type="datetime3">
               <a:rPr lang="en-US" sz="1100" smtClean="0"/>
-              <a:t>11 October 2021</a:t>
+              <a:t>5 October 2021</a:t>
             </a:fld>
             <a:endParaRPr lang="en-US" sz="1100" dirty="0"/>
           </a:p>
@@ -34894,7 +43229,7 @@
           <a:p>
             <a:fld id="{63E2318F-0C04-4A9D-B71F-4760BF0D8622}" type="datetime3">
               <a:rPr lang="en-US" sz="1100" smtClean="0"/>
-              <a:t>11 October 2021</a:t>
+              <a:t>5 October 2021</a:t>
             </a:fld>
             <a:endParaRPr lang="en-US" sz="1100" dirty="0"/>
           </a:p>
@@ -35027,8 +43362,21 @@
                       <a:schemeClr val="tx1"/>
                     </a:solidFill>
                   </a:rPr>
-                  <a:t>Add changes to stash</a:t>
+                  <a:t>Add</a:t>
                 </a:r>
+                <a:r>
+                  <a:rPr lang="en-US" sz="1400" dirty="0" smtClean="0">
+                    <a:solidFill>
+                      <a:schemeClr val="tx1"/>
+                    </a:solidFill>
+                  </a:rPr>
+                  <a:t> changes to stash</a:t>
+                </a:r>
+                <a:endParaRPr lang="en-US" sz="1400" dirty="0" smtClean="0">
+                  <a:solidFill>
+                    <a:schemeClr val="tx1"/>
+                  </a:solidFill>
+                </a:endParaRPr>
               </a:p>
               <a:p>
                 <a:pPr algn="ctr"/>
@@ -35428,7 +43776,15 @@
                                             <a:schemeClr val="tx1"/>
                                           </a:solidFill>
                                         </a:rPr>
-                                        <a:t> checkout main</a:t>
+                                        <a:t> checkout </a:t>
+                                      </a:r>
+                                      <a:r>
+                                        <a:rPr lang="en-US" sz="1400" b="1" dirty="0" smtClean="0">
+                                          <a:solidFill>
+                                            <a:schemeClr val="tx1"/>
+                                          </a:solidFill>
+                                        </a:rPr>
+                                        <a:t>main</a:t>
                                       </a:r>
                                       <a:endParaRPr lang="en-US" sz="1400" b="1" dirty="0">
                                         <a:solidFill>
@@ -35753,7 +44109,15 @@
                                             <a:schemeClr val="tx1"/>
                                           </a:solidFill>
                                         </a:rPr>
-                                        <a:t>working </a:t>
+                                        <a:t>working</a:t>
+                                      </a:r>
+                                      <a:r>
+                                        <a:rPr lang="en-US" sz="1400" dirty="0" smtClean="0">
+                                          <a:solidFill>
+                                            <a:schemeClr val="tx1"/>
+                                          </a:solidFill>
+                                        </a:rPr>
+                                        <a:t> </a:t>
                                       </a:r>
                                       <a:r>
                                         <a:rPr lang="en-US" sz="1400" dirty="0">
@@ -36048,7 +44412,15 @@
                                             <a:schemeClr val="tx1"/>
                                           </a:solidFill>
                                         </a:rPr>
-                                        <a:t> push origin HEAD</a:t>
+                                        <a:t> </a:t>
+                                      </a:r>
+                                      <a:r>
+                                        <a:rPr lang="en-US" sz="1400" b="1" dirty="0" smtClean="0">
+                                          <a:solidFill>
+                                            <a:schemeClr val="tx1"/>
+                                          </a:solidFill>
+                                        </a:rPr>
+                                        <a:t>push origin HEAD</a:t>
                                       </a:r>
                                       <a:endParaRPr lang="en-US" sz="1400" b="1" dirty="0">
                                         <a:solidFill>
